--- a/documentations/learning-python.pptx
+++ b/documentations/learning-python.pptx
@@ -5,7 +5,7 @@
     <p:sldMasterId id="2147483665" r:id="rId1"/>
   </p:sldMasterIdLst>
   <p:notesMasterIdLst>
-    <p:notesMasterId r:id="rId7"/>
+    <p:notesMasterId r:id="rId8"/>
   </p:notesMasterIdLst>
   <p:sldIdLst>
     <p:sldId id="256" r:id="rId2"/>
@@ -13,6 +13,7 @@
     <p:sldId id="258" r:id="rId4"/>
     <p:sldId id="259" r:id="rId5"/>
     <p:sldId id="260" r:id="rId6"/>
+    <p:sldId id="261" r:id="rId7"/>
   </p:sldIdLst>
   <p:sldSz cx="12192000" cy="6858000"/>
   <p:notesSz cx="6858000" cy="9144000"/>
@@ -796,6 +797,90 @@
     <p:extLst>
       <p:ext uri="{BB962C8B-B14F-4D97-AF65-F5344CB8AC3E}">
         <p14:creationId xmlns:p14="http://schemas.microsoft.com/office/powerpoint/2010/main" val="2834213693"/>
+      </p:ext>
+    </p:extLst>
+  </p:cSld>
+  <p:clrMapOvr>
+    <a:masterClrMapping/>
+  </p:clrMapOvr>
+</p:notes>
+</file>
+
+<file path=ppt/notesSlides/notesSlide5.xml><?xml version="1.0" encoding="utf-8"?>
+<p:notes xmlns:a="http://schemas.openxmlformats.org/drawingml/2006/main" xmlns:r="http://schemas.openxmlformats.org/officeDocument/2006/relationships" xmlns:p="http://schemas.openxmlformats.org/presentationml/2006/main">
+  <p:cSld>
+    <p:spTree>
+      <p:nvGrpSpPr>
+        <p:cNvPr id="1" name=""/>
+        <p:cNvGrpSpPr/>
+        <p:nvPr/>
+      </p:nvGrpSpPr>
+      <p:grpSpPr>
+        <a:xfrm>
+          <a:off x="0" y="0"/>
+          <a:ext cx="0" cy="0"/>
+          <a:chOff x="0" y="0"/>
+          <a:chExt cx="0" cy="0"/>
+        </a:xfrm>
+      </p:grpSpPr>
+      <p:sp>
+        <p:nvSpPr>
+          <p:cNvPr id="2" name="Espace réservé de l'image des diapositives 1"/>
+          <p:cNvSpPr>
+            <a:spLocks noGrp="1" noRot="1" noChangeAspect="1"/>
+          </p:cNvSpPr>
+          <p:nvPr>
+            <p:ph type="sldImg"/>
+          </p:nvPr>
+        </p:nvSpPr>
+        <p:spPr/>
+      </p:sp>
+      <p:sp>
+        <p:nvSpPr>
+          <p:cNvPr id="3" name="Espace réservé des commentaires 2"/>
+          <p:cNvSpPr>
+            <a:spLocks noGrp="1"/>
+          </p:cNvSpPr>
+          <p:nvPr>
+            <p:ph type="body" idx="1"/>
+          </p:nvPr>
+        </p:nvSpPr>
+        <p:spPr/>
+        <p:txBody>
+          <a:bodyPr/>
+          <a:lstStyle/>
+          <a:p>
+            <a:endParaRPr lang="fr-FR"/>
+          </a:p>
+        </p:txBody>
+      </p:sp>
+      <p:sp>
+        <p:nvSpPr>
+          <p:cNvPr id="4" name="Espace réservé du numéro de diapositive 3"/>
+          <p:cNvSpPr>
+            <a:spLocks noGrp="1"/>
+          </p:cNvSpPr>
+          <p:nvPr>
+            <p:ph type="sldNum" sz="quarter" idx="10"/>
+          </p:nvPr>
+        </p:nvSpPr>
+        <p:spPr/>
+        <p:txBody>
+          <a:bodyPr/>
+          <a:lstStyle/>
+          <a:p>
+            <a:fld id="{58BEE673-8D3B-4BBD-97EB-7004EF7CF6EF}" type="slidenum">
+              <a:rPr lang="fr-FR" smtClean="0"/>
+              <a:t>6</a:t>
+            </a:fld>
+            <a:endParaRPr lang="fr-FR"/>
+          </a:p>
+        </p:txBody>
+      </p:sp>
+    </p:spTree>
+    <p:extLst>
+      <p:ext uri="{BB962C8B-B14F-4D97-AF65-F5344CB8AC3E}">
+        <p14:creationId xmlns:p14="http://schemas.microsoft.com/office/powerpoint/2010/main" val="1051018602"/>
       </p:ext>
     </p:extLst>
   </p:cSld>
@@ -8921,11 +9006,7 @@
           <a:p>
             <a:r>
               <a:rPr lang="fr-FR" dirty="0" smtClean="0"/>
-              <a:t>Une introduction au langage </a:t>
-            </a:r>
-            <a:r>
-              <a:rPr lang="fr-FR" dirty="0" smtClean="0"/>
-              <a:t>Python</a:t>
+              <a:t>Une introduction au langage Python</a:t>
             </a:r>
             <a:endParaRPr lang="fr-FR" dirty="0"/>
           </a:p>
@@ -8959,7 +9040,6 @@
               <a:rPr lang="fr-FR" dirty="0"/>
               <a:t>n</a:t>
             </a:r>
-            <a:endParaRPr lang="fr-FR" dirty="0"/>
           </a:p>
         </p:txBody>
       </p:sp>
@@ -9238,11 +9318,7 @@
             <a:pPr algn="just"/>
             <a:r>
               <a:rPr lang="fr-FR" dirty="0" smtClean="0"/>
-              <a:t>En 2001, la "Python Software Foundatio</a:t>
-            </a:r>
-            <a:r>
-              <a:rPr lang="fr-FR" dirty="0" smtClean="0"/>
-              <a:t>n" est créée pour gérer tous les aspects de la propriété intellectuelle de Python</a:t>
+              <a:t>En 2001, la "Python Software Foundation" est créée pour gérer tous les aspects de la propriété intellectuelle de Python</a:t>
             </a:r>
             <a:endParaRPr lang="fr-FR" dirty="0"/>
           </a:p>
@@ -9522,7 +9598,6 @@
               <a:rPr lang="fr-FR" dirty="0"/>
               <a:t>est également adapté comme langage d’extension pour personnaliser des applications.</a:t>
             </a:r>
-            <a:endParaRPr lang="fr-FR" dirty="0"/>
           </a:p>
         </p:txBody>
       </p:sp>
@@ -9530,6 +9605,513 @@
     <p:extLst>
       <p:ext uri="{BB962C8B-B14F-4D97-AF65-F5344CB8AC3E}">
         <p14:creationId xmlns:p14="http://schemas.microsoft.com/office/powerpoint/2010/main" val="1554236543"/>
+      </p:ext>
+    </p:extLst>
+  </p:cSld>
+  <p:clrMapOvr>
+    <a:masterClrMapping/>
+  </p:clrMapOvr>
+  <p:timing>
+    <p:tnLst>
+      <p:par>
+        <p:cTn id="1" dur="indefinite" restart="never" nodeType="tmRoot"/>
+      </p:par>
+    </p:tnLst>
+  </p:timing>
+</p:sld>
+</file>
+
+<file path=ppt/slides/slide6.xml><?xml version="1.0" encoding="utf-8"?>
+<p:sld xmlns:a="http://schemas.openxmlformats.org/drawingml/2006/main" xmlns:r="http://schemas.openxmlformats.org/officeDocument/2006/relationships" xmlns:p="http://schemas.openxmlformats.org/presentationml/2006/main">
+  <p:cSld>
+    <p:spTree>
+      <p:nvGrpSpPr>
+        <p:cNvPr id="1" name=""/>
+        <p:cNvGrpSpPr/>
+        <p:nvPr/>
+      </p:nvGrpSpPr>
+      <p:grpSpPr>
+        <a:xfrm>
+          <a:off x="0" y="0"/>
+          <a:ext cx="0" cy="0"/>
+          <a:chOff x="0" y="0"/>
+          <a:chExt cx="0" cy="0"/>
+        </a:xfrm>
+      </p:grpSpPr>
+      <p:sp>
+        <p:nvSpPr>
+          <p:cNvPr id="2" name="Titre 1"/>
+          <p:cNvSpPr>
+            <a:spLocks noGrp="1"/>
+          </p:cNvSpPr>
+          <p:nvPr>
+            <p:ph type="title"/>
+          </p:nvPr>
+        </p:nvSpPr>
+        <p:spPr>
+          <a:xfrm>
+            <a:off x="2592925" y="624110"/>
+            <a:ext cx="8911687" cy="1280890"/>
+          </a:xfrm>
+        </p:spPr>
+        <p:txBody>
+          <a:bodyPr/>
+          <a:lstStyle/>
+          <a:p>
+            <a:r>
+              <a:rPr lang="fr-FR" dirty="0" smtClean="0"/>
+              <a:t>Le "Zen" de Python (</a:t>
+            </a:r>
+            <a:r>
+              <a:rPr lang="fr-FR" b="1" i="1" dirty="0" smtClean="0">
+                <a:solidFill>
+                  <a:schemeClr val="accent6"/>
+                </a:solidFill>
+              </a:rPr>
+              <a:t>import this</a:t>
+            </a:r>
+            <a:r>
+              <a:rPr lang="fr-FR" dirty="0" smtClean="0"/>
+              <a:t>)</a:t>
+            </a:r>
+            <a:endParaRPr lang="fr-FR" dirty="0"/>
+          </a:p>
+        </p:txBody>
+      </p:sp>
+      <p:sp>
+        <p:nvSpPr>
+          <p:cNvPr id="3" name="Espace réservé du contenu 2"/>
+          <p:cNvSpPr>
+            <a:spLocks noGrp="1"/>
+          </p:cNvSpPr>
+          <p:nvPr>
+            <p:ph idx="1"/>
+          </p:nvPr>
+        </p:nvSpPr>
+        <p:spPr>
+          <a:xfrm>
+            <a:off x="879682" y="1590259"/>
+            <a:ext cx="4837306" cy="5160397"/>
+          </a:xfrm>
+        </p:spPr>
+        <p:txBody>
+          <a:bodyPr anchor="t" anchorCtr="0">
+            <a:normAutofit/>
+          </a:bodyPr>
+          <a:lstStyle/>
+          <a:p>
+            <a:r>
+              <a:rPr lang="fr-FR" sz="1600" dirty="0"/>
+              <a:t>Le beau est préférable au laid</a:t>
+            </a:r>
+            <a:r>
+              <a:rPr lang="fr-FR" sz="1600" dirty="0" smtClean="0"/>
+              <a:t>.</a:t>
+            </a:r>
+            <a:endParaRPr lang="fr-FR" sz="1600" dirty="0"/>
+          </a:p>
+          <a:p>
+            <a:r>
+              <a:rPr lang="fr-FR" sz="1600" dirty="0"/>
+              <a:t>L'explicite est préférable à l'implicite</a:t>
+            </a:r>
+            <a:r>
+              <a:rPr lang="fr-FR" sz="1600" dirty="0" smtClean="0"/>
+              <a:t>.</a:t>
+            </a:r>
+            <a:endParaRPr lang="fr-FR" sz="1600" dirty="0"/>
+          </a:p>
+          <a:p>
+            <a:r>
+              <a:rPr lang="fr-FR" sz="1600" dirty="0"/>
+              <a:t>Le simple est préférable au complexe</a:t>
+            </a:r>
+            <a:r>
+              <a:rPr lang="fr-FR" sz="1600" dirty="0" smtClean="0"/>
+              <a:t>.</a:t>
+            </a:r>
+            <a:endParaRPr lang="fr-FR" sz="1600" dirty="0"/>
+          </a:p>
+          <a:p>
+            <a:r>
+              <a:rPr lang="fr-FR" sz="1600" dirty="0"/>
+              <a:t>Le complexe est préférable au compliqué</a:t>
+            </a:r>
+            <a:r>
+              <a:rPr lang="fr-FR" sz="1600" dirty="0" smtClean="0"/>
+              <a:t>.</a:t>
+            </a:r>
+            <a:endParaRPr lang="fr-FR" sz="1600" dirty="0"/>
+          </a:p>
+          <a:p>
+            <a:r>
+              <a:rPr lang="fr-FR" sz="1600" dirty="0"/>
+              <a:t>L'horizontal est préférable à l'imbriqué</a:t>
+            </a:r>
+            <a:r>
+              <a:rPr lang="fr-FR" sz="1600" dirty="0" smtClean="0"/>
+              <a:t>.</a:t>
+            </a:r>
+            <a:endParaRPr lang="fr-FR" sz="1600" dirty="0"/>
+          </a:p>
+          <a:p>
+            <a:r>
+              <a:rPr lang="fr-FR" sz="1600" dirty="0"/>
+              <a:t>L'aéré est préférable au dense</a:t>
+            </a:r>
+            <a:r>
+              <a:rPr lang="fr-FR" sz="1600" dirty="0" smtClean="0"/>
+              <a:t>.</a:t>
+            </a:r>
+            <a:endParaRPr lang="fr-FR" sz="1600" dirty="0"/>
+          </a:p>
+          <a:p>
+            <a:r>
+              <a:rPr lang="fr-FR" sz="1600" dirty="0"/>
+              <a:t>La lisibilité compte</a:t>
+            </a:r>
+            <a:r>
+              <a:rPr lang="fr-FR" sz="1600" dirty="0" smtClean="0"/>
+              <a:t>. Les </a:t>
+            </a:r>
+            <a:r>
+              <a:rPr lang="fr-FR" sz="1600" dirty="0"/>
+              <a:t>cas spéciaux ne le sont pas assez pour transgresser les règles. </a:t>
+            </a:r>
+            <a:endParaRPr lang="fr-FR" sz="1600" dirty="0" smtClean="0"/>
+          </a:p>
+          <a:p>
+            <a:r>
+              <a:rPr lang="fr-FR" sz="1600" dirty="0" smtClean="0"/>
+              <a:t>Sauf </a:t>
+            </a:r>
+            <a:r>
+              <a:rPr lang="fr-FR" sz="1600" dirty="0"/>
+              <a:t>si le cas pratique bat le cas théorique</a:t>
+            </a:r>
+            <a:r>
+              <a:rPr lang="fr-FR" sz="1600" dirty="0" smtClean="0"/>
+              <a:t>.</a:t>
+            </a:r>
+            <a:endParaRPr lang="fr-FR" sz="1600" dirty="0"/>
+          </a:p>
+          <a:p>
+            <a:r>
+              <a:rPr lang="fr-FR" sz="1600" dirty="0"/>
+              <a:t>Les erreurs ne devraient jamais arriver silencieusement</a:t>
+            </a:r>
+            <a:r>
+              <a:rPr lang="fr-FR" sz="1600" dirty="0" smtClean="0"/>
+              <a:t>.</a:t>
+            </a:r>
+          </a:p>
+          <a:p>
+            <a:r>
+              <a:rPr lang="fr-FR" sz="1600" dirty="0"/>
+              <a:t>Sauf si on les a explicitement rendues silencieuses</a:t>
+            </a:r>
+            <a:r>
+              <a:rPr lang="fr-FR" sz="1600" dirty="0" smtClean="0"/>
+              <a:t>.</a:t>
+            </a:r>
+            <a:endParaRPr lang="fr-FR" sz="1600" dirty="0"/>
+          </a:p>
+        </p:txBody>
+      </p:sp>
+      <p:sp>
+        <p:nvSpPr>
+          <p:cNvPr id="4" name="Espace réservé du contenu 2"/>
+          <p:cNvSpPr txBox="1">
+            <a:spLocks/>
+          </p:cNvSpPr>
+          <p:nvPr/>
+        </p:nvSpPr>
+        <p:spPr>
+          <a:xfrm>
+            <a:off x="6305383" y="1590260"/>
+            <a:ext cx="5581817" cy="5160397"/>
+          </a:xfrm>
+          <a:prstGeom prst="rect">
+            <a:avLst/>
+          </a:prstGeom>
+        </p:spPr>
+        <p:txBody>
+          <a:bodyPr vert="horz" lIns="91440" tIns="45720" rIns="91440" bIns="45720" rtlCol="0" anchor="t" anchorCtr="0">
+            <a:normAutofit/>
+          </a:bodyPr>
+          <a:lstStyle>
+            <a:lvl1pPr marL="342900" indent="-342900" algn="l" defTabSz="457200" rtl="0" eaLnBrk="1" latinLnBrk="0" hangingPunct="1">
+              <a:spcBef>
+                <a:spcPts val="1000"/>
+              </a:spcBef>
+              <a:spcAft>
+                <a:spcPts val="0"/>
+              </a:spcAft>
+              <a:buClr>
+                <a:schemeClr val="accent1"/>
+              </a:buClr>
+              <a:buFont typeface="Wingdings 3" charset="2"/>
+              <a:buChar char=""/>
+              <a:defRPr sz="1800" kern="1200">
+                <a:solidFill>
+                  <a:schemeClr val="tx1">
+                    <a:lumMod val="75000"/>
+                    <a:lumOff val="25000"/>
+                  </a:schemeClr>
+                </a:solidFill>
+                <a:latin typeface="+mn-lt"/>
+                <a:ea typeface="+mn-ea"/>
+                <a:cs typeface="+mn-cs"/>
+              </a:defRPr>
+            </a:lvl1pPr>
+            <a:lvl2pPr marL="742950" indent="-285750" algn="l" defTabSz="457200" rtl="0" eaLnBrk="1" latinLnBrk="0" hangingPunct="1">
+              <a:spcBef>
+                <a:spcPts val="1000"/>
+              </a:spcBef>
+              <a:spcAft>
+                <a:spcPts val="0"/>
+              </a:spcAft>
+              <a:buClr>
+                <a:schemeClr val="accent1"/>
+              </a:buClr>
+              <a:buFont typeface="Wingdings 3" charset="2"/>
+              <a:buChar char=""/>
+              <a:defRPr sz="1600" kern="1200">
+                <a:solidFill>
+                  <a:schemeClr val="tx1">
+                    <a:lumMod val="75000"/>
+                    <a:lumOff val="25000"/>
+                  </a:schemeClr>
+                </a:solidFill>
+                <a:latin typeface="+mn-lt"/>
+                <a:ea typeface="+mn-ea"/>
+                <a:cs typeface="+mn-cs"/>
+              </a:defRPr>
+            </a:lvl2pPr>
+            <a:lvl3pPr marL="1143000" indent="-228600" algn="l" defTabSz="457200" rtl="0" eaLnBrk="1" latinLnBrk="0" hangingPunct="1">
+              <a:spcBef>
+                <a:spcPts val="1000"/>
+              </a:spcBef>
+              <a:spcAft>
+                <a:spcPts val="0"/>
+              </a:spcAft>
+              <a:buClr>
+                <a:schemeClr val="accent1"/>
+              </a:buClr>
+              <a:buFont typeface="Wingdings 3" charset="2"/>
+              <a:buChar char=""/>
+              <a:defRPr sz="1400" kern="1200">
+                <a:solidFill>
+                  <a:schemeClr val="tx1">
+                    <a:lumMod val="75000"/>
+                    <a:lumOff val="25000"/>
+                  </a:schemeClr>
+                </a:solidFill>
+                <a:latin typeface="+mn-lt"/>
+                <a:ea typeface="+mn-ea"/>
+                <a:cs typeface="+mn-cs"/>
+              </a:defRPr>
+            </a:lvl3pPr>
+            <a:lvl4pPr marL="1600200" indent="-228600" algn="l" defTabSz="457200" rtl="0" eaLnBrk="1" latinLnBrk="0" hangingPunct="1">
+              <a:spcBef>
+                <a:spcPts val="1000"/>
+              </a:spcBef>
+              <a:spcAft>
+                <a:spcPts val="0"/>
+              </a:spcAft>
+              <a:buClr>
+                <a:schemeClr val="accent1"/>
+              </a:buClr>
+              <a:buFont typeface="Wingdings 3" charset="2"/>
+              <a:buChar char=""/>
+              <a:defRPr sz="1200" kern="1200">
+                <a:solidFill>
+                  <a:schemeClr val="tx1">
+                    <a:lumMod val="75000"/>
+                    <a:lumOff val="25000"/>
+                  </a:schemeClr>
+                </a:solidFill>
+                <a:latin typeface="+mn-lt"/>
+                <a:ea typeface="+mn-ea"/>
+                <a:cs typeface="+mn-cs"/>
+              </a:defRPr>
+            </a:lvl4pPr>
+            <a:lvl5pPr marL="2057400" indent="-228600" algn="l" defTabSz="457200" rtl="0" eaLnBrk="1" latinLnBrk="0" hangingPunct="1">
+              <a:spcBef>
+                <a:spcPts val="1000"/>
+              </a:spcBef>
+              <a:spcAft>
+                <a:spcPts val="0"/>
+              </a:spcAft>
+              <a:buClr>
+                <a:schemeClr val="accent1"/>
+              </a:buClr>
+              <a:buFont typeface="Wingdings 3" charset="2"/>
+              <a:buChar char=""/>
+              <a:defRPr sz="1200" kern="1200">
+                <a:solidFill>
+                  <a:schemeClr val="tx1">
+                    <a:lumMod val="75000"/>
+                    <a:lumOff val="25000"/>
+                  </a:schemeClr>
+                </a:solidFill>
+                <a:latin typeface="+mn-lt"/>
+                <a:ea typeface="+mn-ea"/>
+                <a:cs typeface="+mn-cs"/>
+              </a:defRPr>
+            </a:lvl5pPr>
+            <a:lvl6pPr marL="2514600" indent="-228600" algn="l" defTabSz="457200" rtl="0" eaLnBrk="1" latinLnBrk="0" hangingPunct="1">
+              <a:spcBef>
+                <a:spcPts val="1000"/>
+              </a:spcBef>
+              <a:spcAft>
+                <a:spcPts val="0"/>
+              </a:spcAft>
+              <a:buClr>
+                <a:schemeClr val="accent1"/>
+              </a:buClr>
+              <a:buFont typeface="Wingdings 3" charset="2"/>
+              <a:buChar char=""/>
+              <a:defRPr sz="1200" kern="1200">
+                <a:solidFill>
+                  <a:schemeClr val="tx1">
+                    <a:lumMod val="75000"/>
+                    <a:lumOff val="25000"/>
+                  </a:schemeClr>
+                </a:solidFill>
+                <a:latin typeface="+mn-lt"/>
+                <a:ea typeface="+mn-ea"/>
+                <a:cs typeface="+mn-cs"/>
+              </a:defRPr>
+            </a:lvl6pPr>
+            <a:lvl7pPr marL="2971800" indent="-228600" algn="l" defTabSz="457200" rtl="0" eaLnBrk="1" latinLnBrk="0" hangingPunct="1">
+              <a:spcBef>
+                <a:spcPts val="1000"/>
+              </a:spcBef>
+              <a:spcAft>
+                <a:spcPts val="0"/>
+              </a:spcAft>
+              <a:buClr>
+                <a:schemeClr val="accent1"/>
+              </a:buClr>
+              <a:buFont typeface="Wingdings 3" charset="2"/>
+              <a:buChar char=""/>
+              <a:defRPr sz="1200" kern="1200">
+                <a:solidFill>
+                  <a:schemeClr val="tx1">
+                    <a:lumMod val="75000"/>
+                    <a:lumOff val="25000"/>
+                  </a:schemeClr>
+                </a:solidFill>
+                <a:latin typeface="+mn-lt"/>
+                <a:ea typeface="+mn-ea"/>
+                <a:cs typeface="+mn-cs"/>
+              </a:defRPr>
+            </a:lvl7pPr>
+            <a:lvl8pPr marL="3429000" indent="-228600" algn="l" defTabSz="457200" rtl="0" eaLnBrk="1" latinLnBrk="0" hangingPunct="1">
+              <a:spcBef>
+                <a:spcPts val="1000"/>
+              </a:spcBef>
+              <a:spcAft>
+                <a:spcPts val="0"/>
+              </a:spcAft>
+              <a:buClr>
+                <a:schemeClr val="accent1"/>
+              </a:buClr>
+              <a:buFont typeface="Wingdings 3" charset="2"/>
+              <a:buChar char=""/>
+              <a:defRPr sz="1200" kern="1200">
+                <a:solidFill>
+                  <a:schemeClr val="tx1">
+                    <a:lumMod val="75000"/>
+                    <a:lumOff val="25000"/>
+                  </a:schemeClr>
+                </a:solidFill>
+                <a:latin typeface="+mn-lt"/>
+                <a:ea typeface="+mn-ea"/>
+                <a:cs typeface="+mn-cs"/>
+              </a:defRPr>
+            </a:lvl8pPr>
+            <a:lvl9pPr marL="3886200" indent="-228600" algn="l" defTabSz="457200" rtl="0" eaLnBrk="1" latinLnBrk="0" hangingPunct="1">
+              <a:spcBef>
+                <a:spcPts val="1000"/>
+              </a:spcBef>
+              <a:spcAft>
+                <a:spcPts val="0"/>
+              </a:spcAft>
+              <a:buClr>
+                <a:schemeClr val="accent1"/>
+              </a:buClr>
+              <a:buFont typeface="Wingdings 3" charset="2"/>
+              <a:buChar char=""/>
+              <a:defRPr sz="1200" kern="1200">
+                <a:solidFill>
+                  <a:schemeClr val="tx1">
+                    <a:lumMod val="75000"/>
+                    <a:lumOff val="25000"/>
+                  </a:schemeClr>
+                </a:solidFill>
+                <a:latin typeface="+mn-lt"/>
+                <a:ea typeface="+mn-ea"/>
+                <a:cs typeface="+mn-cs"/>
+              </a:defRPr>
+            </a:lvl9pPr>
+          </a:lstStyle>
+          <a:p>
+            <a:r>
+              <a:rPr lang="fr-FR" sz="1600" dirty="0" smtClean="0"/>
+              <a:t>En cas de doute, ne tentez pas de deviner. </a:t>
+            </a:r>
+          </a:p>
+          <a:p>
+            <a:r>
+              <a:rPr lang="fr-FR" sz="1600" dirty="0" smtClean="0"/>
+              <a:t>Il devrait y avoir une, et de préférence une seule, manière évidente de le faire.</a:t>
+            </a:r>
+          </a:p>
+          <a:p>
+            <a:r>
+              <a:rPr lang="fr-FR" sz="1600" dirty="0" smtClean="0"/>
+              <a:t>Même si cette manière peut ne pas sembler évidente au premier abord sauf si vous êtes néerlandais.</a:t>
+            </a:r>
+          </a:p>
+          <a:p>
+            <a:r>
+              <a:rPr lang="fr-FR" sz="1600" dirty="0" smtClean="0"/>
+              <a:t>Ce qui est fait maintenant est préférable à ce qui ne sera jamais fait.</a:t>
+            </a:r>
+          </a:p>
+          <a:p>
+            <a:r>
+              <a:rPr lang="fr-FR" sz="1600" dirty="0" smtClean="0"/>
+              <a:t>Même si jamais est souvent mieux que tout de suite.</a:t>
+            </a:r>
+          </a:p>
+          <a:p>
+            <a:r>
+              <a:rPr lang="fr-FR" sz="1600" dirty="0" smtClean="0"/>
+              <a:t>Si l'implémentation est difficile à expliquer, c'est que c'est une mauvaise idée.</a:t>
+            </a:r>
+          </a:p>
+          <a:p>
+            <a:r>
+              <a:rPr lang="fr-FR" sz="1600" dirty="0" smtClean="0"/>
+              <a:t>Si l'implémentation est facile à expliquer, c'est que c'est peut-être une bonne idée.</a:t>
+            </a:r>
+          </a:p>
+          <a:p>
+            <a:r>
+              <a:rPr lang="fr-FR" sz="1600" dirty="0" smtClean="0"/>
+              <a:t>Les espaces de noms sont une brillante idée, créons-en plus !</a:t>
+            </a:r>
+            <a:endParaRPr lang="fr-FR" sz="1600" dirty="0"/>
+          </a:p>
+        </p:txBody>
+      </p:sp>
+    </p:spTree>
+    <p:extLst>
+      <p:ext uri="{BB962C8B-B14F-4D97-AF65-F5344CB8AC3E}">
+        <p14:creationId xmlns:p14="http://schemas.microsoft.com/office/powerpoint/2010/main" val="2063766052"/>
       </p:ext>
     </p:extLst>
   </p:cSld>

--- a/documentations/learning-python.pptx
+++ b/documentations/learning-python.pptx
@@ -5,7 +5,7 @@
     <p:sldMasterId id="2147483665" r:id="rId1"/>
   </p:sldMasterIdLst>
   <p:notesMasterIdLst>
-    <p:notesMasterId r:id="rId8"/>
+    <p:notesMasterId r:id="rId16"/>
   </p:notesMasterIdLst>
   <p:sldIdLst>
     <p:sldId id="256" r:id="rId2"/>
@@ -14,6 +14,14 @@
     <p:sldId id="259" r:id="rId5"/>
     <p:sldId id="260" r:id="rId6"/>
     <p:sldId id="261" r:id="rId7"/>
+    <p:sldId id="262" r:id="rId8"/>
+    <p:sldId id="263" r:id="rId9"/>
+    <p:sldId id="264" r:id="rId10"/>
+    <p:sldId id="265" r:id="rId11"/>
+    <p:sldId id="266" r:id="rId12"/>
+    <p:sldId id="267" r:id="rId13"/>
+    <p:sldId id="268" r:id="rId14"/>
+    <p:sldId id="269" r:id="rId15"/>
   </p:sldIdLst>
   <p:sldSz cx="12192000" cy="6858000"/>
   <p:notesSz cx="6858000" cy="9144000"/>
@@ -202,7 +210,7 @@
           <a:p>
             <a:fld id="{ADCD2C08-3C00-4791-9388-3FB9A56F87F8}" type="datetimeFigureOut">
               <a:rPr lang="fr-FR" smtClean="0"/>
-              <a:t>19/01/2018</a:t>
+              <a:t>20/01/2018</a:t>
             </a:fld>
             <a:endParaRPr lang="fr-FR"/>
           </a:p>
@@ -554,6 +562,342 @@
 </p:notes>
 </file>
 
+<file path=ppt/notesSlides/notesSlide10.xml><?xml version="1.0" encoding="utf-8"?>
+<p:notes xmlns:a="http://schemas.openxmlformats.org/drawingml/2006/main" xmlns:r="http://schemas.openxmlformats.org/officeDocument/2006/relationships" xmlns:p="http://schemas.openxmlformats.org/presentationml/2006/main">
+  <p:cSld>
+    <p:spTree>
+      <p:nvGrpSpPr>
+        <p:cNvPr id="1" name=""/>
+        <p:cNvGrpSpPr/>
+        <p:nvPr/>
+      </p:nvGrpSpPr>
+      <p:grpSpPr>
+        <a:xfrm>
+          <a:off x="0" y="0"/>
+          <a:ext cx="0" cy="0"/>
+          <a:chOff x="0" y="0"/>
+          <a:chExt cx="0" cy="0"/>
+        </a:xfrm>
+      </p:grpSpPr>
+      <p:sp>
+        <p:nvSpPr>
+          <p:cNvPr id="2" name="Espace réservé de l'image des diapositives 1"/>
+          <p:cNvSpPr>
+            <a:spLocks noGrp="1" noRot="1" noChangeAspect="1"/>
+          </p:cNvSpPr>
+          <p:nvPr>
+            <p:ph type="sldImg"/>
+          </p:nvPr>
+        </p:nvSpPr>
+        <p:spPr/>
+      </p:sp>
+      <p:sp>
+        <p:nvSpPr>
+          <p:cNvPr id="3" name="Espace réservé des commentaires 2"/>
+          <p:cNvSpPr>
+            <a:spLocks noGrp="1"/>
+          </p:cNvSpPr>
+          <p:nvPr>
+            <p:ph type="body" idx="1"/>
+          </p:nvPr>
+        </p:nvSpPr>
+        <p:spPr/>
+        <p:txBody>
+          <a:bodyPr/>
+          <a:lstStyle/>
+          <a:p>
+            <a:endParaRPr lang="fr-FR"/>
+          </a:p>
+        </p:txBody>
+      </p:sp>
+      <p:sp>
+        <p:nvSpPr>
+          <p:cNvPr id="4" name="Espace réservé du numéro de diapositive 3"/>
+          <p:cNvSpPr>
+            <a:spLocks noGrp="1"/>
+          </p:cNvSpPr>
+          <p:nvPr>
+            <p:ph type="sldNum" sz="quarter" idx="10"/>
+          </p:nvPr>
+        </p:nvSpPr>
+        <p:spPr/>
+        <p:txBody>
+          <a:bodyPr/>
+          <a:lstStyle/>
+          <a:p>
+            <a:fld id="{58BEE673-8D3B-4BBD-97EB-7004EF7CF6EF}" type="slidenum">
+              <a:rPr lang="fr-FR" smtClean="0"/>
+              <a:t>11</a:t>
+            </a:fld>
+            <a:endParaRPr lang="fr-FR"/>
+          </a:p>
+        </p:txBody>
+      </p:sp>
+    </p:spTree>
+    <p:extLst>
+      <p:ext uri="{BB962C8B-B14F-4D97-AF65-F5344CB8AC3E}">
+        <p14:creationId xmlns:p14="http://schemas.microsoft.com/office/powerpoint/2010/main" val="3695042373"/>
+      </p:ext>
+    </p:extLst>
+  </p:cSld>
+  <p:clrMapOvr>
+    <a:masterClrMapping/>
+  </p:clrMapOvr>
+</p:notes>
+</file>
+
+<file path=ppt/notesSlides/notesSlide11.xml><?xml version="1.0" encoding="utf-8"?>
+<p:notes xmlns:a="http://schemas.openxmlformats.org/drawingml/2006/main" xmlns:r="http://schemas.openxmlformats.org/officeDocument/2006/relationships" xmlns:p="http://schemas.openxmlformats.org/presentationml/2006/main">
+  <p:cSld>
+    <p:spTree>
+      <p:nvGrpSpPr>
+        <p:cNvPr id="1" name=""/>
+        <p:cNvGrpSpPr/>
+        <p:nvPr/>
+      </p:nvGrpSpPr>
+      <p:grpSpPr>
+        <a:xfrm>
+          <a:off x="0" y="0"/>
+          <a:ext cx="0" cy="0"/>
+          <a:chOff x="0" y="0"/>
+          <a:chExt cx="0" cy="0"/>
+        </a:xfrm>
+      </p:grpSpPr>
+      <p:sp>
+        <p:nvSpPr>
+          <p:cNvPr id="2" name="Espace réservé de l'image des diapositives 1"/>
+          <p:cNvSpPr>
+            <a:spLocks noGrp="1" noRot="1" noChangeAspect="1"/>
+          </p:cNvSpPr>
+          <p:nvPr>
+            <p:ph type="sldImg"/>
+          </p:nvPr>
+        </p:nvSpPr>
+        <p:spPr/>
+      </p:sp>
+      <p:sp>
+        <p:nvSpPr>
+          <p:cNvPr id="3" name="Espace réservé des commentaires 2"/>
+          <p:cNvSpPr>
+            <a:spLocks noGrp="1"/>
+          </p:cNvSpPr>
+          <p:nvPr>
+            <p:ph type="body" idx="1"/>
+          </p:nvPr>
+        </p:nvSpPr>
+        <p:spPr/>
+        <p:txBody>
+          <a:bodyPr/>
+          <a:lstStyle/>
+          <a:p>
+            <a:endParaRPr lang="fr-FR"/>
+          </a:p>
+        </p:txBody>
+      </p:sp>
+      <p:sp>
+        <p:nvSpPr>
+          <p:cNvPr id="4" name="Espace réservé du numéro de diapositive 3"/>
+          <p:cNvSpPr>
+            <a:spLocks noGrp="1"/>
+          </p:cNvSpPr>
+          <p:nvPr>
+            <p:ph type="sldNum" sz="quarter" idx="10"/>
+          </p:nvPr>
+        </p:nvSpPr>
+        <p:spPr/>
+        <p:txBody>
+          <a:bodyPr/>
+          <a:lstStyle/>
+          <a:p>
+            <a:fld id="{58BEE673-8D3B-4BBD-97EB-7004EF7CF6EF}" type="slidenum">
+              <a:rPr lang="fr-FR" smtClean="0"/>
+              <a:t>12</a:t>
+            </a:fld>
+            <a:endParaRPr lang="fr-FR"/>
+          </a:p>
+        </p:txBody>
+      </p:sp>
+    </p:spTree>
+    <p:extLst>
+      <p:ext uri="{BB962C8B-B14F-4D97-AF65-F5344CB8AC3E}">
+        <p14:creationId xmlns:p14="http://schemas.microsoft.com/office/powerpoint/2010/main" val="4133865630"/>
+      </p:ext>
+    </p:extLst>
+  </p:cSld>
+  <p:clrMapOvr>
+    <a:masterClrMapping/>
+  </p:clrMapOvr>
+</p:notes>
+</file>
+
+<file path=ppt/notesSlides/notesSlide12.xml><?xml version="1.0" encoding="utf-8"?>
+<p:notes xmlns:a="http://schemas.openxmlformats.org/drawingml/2006/main" xmlns:r="http://schemas.openxmlformats.org/officeDocument/2006/relationships" xmlns:p="http://schemas.openxmlformats.org/presentationml/2006/main">
+  <p:cSld>
+    <p:spTree>
+      <p:nvGrpSpPr>
+        <p:cNvPr id="1" name=""/>
+        <p:cNvGrpSpPr/>
+        <p:nvPr/>
+      </p:nvGrpSpPr>
+      <p:grpSpPr>
+        <a:xfrm>
+          <a:off x="0" y="0"/>
+          <a:ext cx="0" cy="0"/>
+          <a:chOff x="0" y="0"/>
+          <a:chExt cx="0" cy="0"/>
+        </a:xfrm>
+      </p:grpSpPr>
+      <p:sp>
+        <p:nvSpPr>
+          <p:cNvPr id="2" name="Espace réservé de l'image des diapositives 1"/>
+          <p:cNvSpPr>
+            <a:spLocks noGrp="1" noRot="1" noChangeAspect="1"/>
+          </p:cNvSpPr>
+          <p:nvPr>
+            <p:ph type="sldImg"/>
+          </p:nvPr>
+        </p:nvSpPr>
+        <p:spPr/>
+      </p:sp>
+      <p:sp>
+        <p:nvSpPr>
+          <p:cNvPr id="3" name="Espace réservé des commentaires 2"/>
+          <p:cNvSpPr>
+            <a:spLocks noGrp="1"/>
+          </p:cNvSpPr>
+          <p:nvPr>
+            <p:ph type="body" idx="1"/>
+          </p:nvPr>
+        </p:nvSpPr>
+        <p:spPr/>
+        <p:txBody>
+          <a:bodyPr/>
+          <a:lstStyle/>
+          <a:p>
+            <a:endParaRPr lang="fr-FR"/>
+          </a:p>
+        </p:txBody>
+      </p:sp>
+      <p:sp>
+        <p:nvSpPr>
+          <p:cNvPr id="4" name="Espace réservé du numéro de diapositive 3"/>
+          <p:cNvSpPr>
+            <a:spLocks noGrp="1"/>
+          </p:cNvSpPr>
+          <p:nvPr>
+            <p:ph type="sldNum" sz="quarter" idx="10"/>
+          </p:nvPr>
+        </p:nvSpPr>
+        <p:spPr/>
+        <p:txBody>
+          <a:bodyPr/>
+          <a:lstStyle/>
+          <a:p>
+            <a:fld id="{58BEE673-8D3B-4BBD-97EB-7004EF7CF6EF}" type="slidenum">
+              <a:rPr lang="fr-FR" smtClean="0"/>
+              <a:t>13</a:t>
+            </a:fld>
+            <a:endParaRPr lang="fr-FR"/>
+          </a:p>
+        </p:txBody>
+      </p:sp>
+    </p:spTree>
+    <p:extLst>
+      <p:ext uri="{BB962C8B-B14F-4D97-AF65-F5344CB8AC3E}">
+        <p14:creationId xmlns:p14="http://schemas.microsoft.com/office/powerpoint/2010/main" val="1323702802"/>
+      </p:ext>
+    </p:extLst>
+  </p:cSld>
+  <p:clrMapOvr>
+    <a:masterClrMapping/>
+  </p:clrMapOvr>
+</p:notes>
+</file>
+
+<file path=ppt/notesSlides/notesSlide13.xml><?xml version="1.0" encoding="utf-8"?>
+<p:notes xmlns:a="http://schemas.openxmlformats.org/drawingml/2006/main" xmlns:r="http://schemas.openxmlformats.org/officeDocument/2006/relationships" xmlns:p="http://schemas.openxmlformats.org/presentationml/2006/main">
+  <p:cSld>
+    <p:spTree>
+      <p:nvGrpSpPr>
+        <p:cNvPr id="1" name=""/>
+        <p:cNvGrpSpPr/>
+        <p:nvPr/>
+      </p:nvGrpSpPr>
+      <p:grpSpPr>
+        <a:xfrm>
+          <a:off x="0" y="0"/>
+          <a:ext cx="0" cy="0"/>
+          <a:chOff x="0" y="0"/>
+          <a:chExt cx="0" cy="0"/>
+        </a:xfrm>
+      </p:grpSpPr>
+      <p:sp>
+        <p:nvSpPr>
+          <p:cNvPr id="2" name="Espace réservé de l'image des diapositives 1"/>
+          <p:cNvSpPr>
+            <a:spLocks noGrp="1" noRot="1" noChangeAspect="1"/>
+          </p:cNvSpPr>
+          <p:nvPr>
+            <p:ph type="sldImg"/>
+          </p:nvPr>
+        </p:nvSpPr>
+        <p:spPr/>
+      </p:sp>
+      <p:sp>
+        <p:nvSpPr>
+          <p:cNvPr id="3" name="Espace réservé des commentaires 2"/>
+          <p:cNvSpPr>
+            <a:spLocks noGrp="1"/>
+          </p:cNvSpPr>
+          <p:nvPr>
+            <p:ph type="body" idx="1"/>
+          </p:nvPr>
+        </p:nvSpPr>
+        <p:spPr/>
+        <p:txBody>
+          <a:bodyPr/>
+          <a:lstStyle/>
+          <a:p>
+            <a:endParaRPr lang="fr-FR"/>
+          </a:p>
+        </p:txBody>
+      </p:sp>
+      <p:sp>
+        <p:nvSpPr>
+          <p:cNvPr id="4" name="Espace réservé du numéro de diapositive 3"/>
+          <p:cNvSpPr>
+            <a:spLocks noGrp="1"/>
+          </p:cNvSpPr>
+          <p:nvPr>
+            <p:ph type="sldNum" sz="quarter" idx="10"/>
+          </p:nvPr>
+        </p:nvSpPr>
+        <p:spPr/>
+        <p:txBody>
+          <a:bodyPr/>
+          <a:lstStyle/>
+          <a:p>
+            <a:fld id="{58BEE673-8D3B-4BBD-97EB-7004EF7CF6EF}" type="slidenum">
+              <a:rPr lang="fr-FR" smtClean="0"/>
+              <a:t>14</a:t>
+            </a:fld>
+            <a:endParaRPr lang="fr-FR"/>
+          </a:p>
+        </p:txBody>
+      </p:sp>
+    </p:spTree>
+    <p:extLst>
+      <p:ext uri="{BB962C8B-B14F-4D97-AF65-F5344CB8AC3E}">
+        <p14:creationId xmlns:p14="http://schemas.microsoft.com/office/powerpoint/2010/main" val="4275038378"/>
+      </p:ext>
+    </p:extLst>
+  </p:cSld>
+  <p:clrMapOvr>
+    <a:masterClrMapping/>
+  </p:clrMapOvr>
+</p:notes>
+</file>
+
 <file path=ppt/notesSlides/notesSlide2.xml><?xml version="1.0" encoding="utf-8"?>
 <p:notes xmlns:a="http://schemas.openxmlformats.org/drawingml/2006/main" xmlns:r="http://schemas.openxmlformats.org/officeDocument/2006/relationships" xmlns:p="http://schemas.openxmlformats.org/presentationml/2006/main">
   <p:cSld>
@@ -890,6 +1234,342 @@
 </p:notes>
 </file>
 
+<file path=ppt/notesSlides/notesSlide6.xml><?xml version="1.0" encoding="utf-8"?>
+<p:notes xmlns:a="http://schemas.openxmlformats.org/drawingml/2006/main" xmlns:r="http://schemas.openxmlformats.org/officeDocument/2006/relationships" xmlns:p="http://schemas.openxmlformats.org/presentationml/2006/main">
+  <p:cSld>
+    <p:spTree>
+      <p:nvGrpSpPr>
+        <p:cNvPr id="1" name=""/>
+        <p:cNvGrpSpPr/>
+        <p:nvPr/>
+      </p:nvGrpSpPr>
+      <p:grpSpPr>
+        <a:xfrm>
+          <a:off x="0" y="0"/>
+          <a:ext cx="0" cy="0"/>
+          <a:chOff x="0" y="0"/>
+          <a:chExt cx="0" cy="0"/>
+        </a:xfrm>
+      </p:grpSpPr>
+      <p:sp>
+        <p:nvSpPr>
+          <p:cNvPr id="2" name="Espace réservé de l'image des diapositives 1"/>
+          <p:cNvSpPr>
+            <a:spLocks noGrp="1" noRot="1" noChangeAspect="1"/>
+          </p:cNvSpPr>
+          <p:nvPr>
+            <p:ph type="sldImg"/>
+          </p:nvPr>
+        </p:nvSpPr>
+        <p:spPr/>
+      </p:sp>
+      <p:sp>
+        <p:nvSpPr>
+          <p:cNvPr id="3" name="Espace réservé des commentaires 2"/>
+          <p:cNvSpPr>
+            <a:spLocks noGrp="1"/>
+          </p:cNvSpPr>
+          <p:nvPr>
+            <p:ph type="body" idx="1"/>
+          </p:nvPr>
+        </p:nvSpPr>
+        <p:spPr/>
+        <p:txBody>
+          <a:bodyPr/>
+          <a:lstStyle/>
+          <a:p>
+            <a:endParaRPr lang="fr-FR"/>
+          </a:p>
+        </p:txBody>
+      </p:sp>
+      <p:sp>
+        <p:nvSpPr>
+          <p:cNvPr id="4" name="Espace réservé du numéro de diapositive 3"/>
+          <p:cNvSpPr>
+            <a:spLocks noGrp="1"/>
+          </p:cNvSpPr>
+          <p:nvPr>
+            <p:ph type="sldNum" sz="quarter" idx="10"/>
+          </p:nvPr>
+        </p:nvSpPr>
+        <p:spPr/>
+        <p:txBody>
+          <a:bodyPr/>
+          <a:lstStyle/>
+          <a:p>
+            <a:fld id="{58BEE673-8D3B-4BBD-97EB-7004EF7CF6EF}" type="slidenum">
+              <a:rPr lang="fr-FR" smtClean="0"/>
+              <a:t>7</a:t>
+            </a:fld>
+            <a:endParaRPr lang="fr-FR"/>
+          </a:p>
+        </p:txBody>
+      </p:sp>
+    </p:spTree>
+    <p:extLst>
+      <p:ext uri="{BB962C8B-B14F-4D97-AF65-F5344CB8AC3E}">
+        <p14:creationId xmlns:p14="http://schemas.microsoft.com/office/powerpoint/2010/main" val="2075033331"/>
+      </p:ext>
+    </p:extLst>
+  </p:cSld>
+  <p:clrMapOvr>
+    <a:masterClrMapping/>
+  </p:clrMapOvr>
+</p:notes>
+</file>
+
+<file path=ppt/notesSlides/notesSlide7.xml><?xml version="1.0" encoding="utf-8"?>
+<p:notes xmlns:a="http://schemas.openxmlformats.org/drawingml/2006/main" xmlns:r="http://schemas.openxmlformats.org/officeDocument/2006/relationships" xmlns:p="http://schemas.openxmlformats.org/presentationml/2006/main">
+  <p:cSld>
+    <p:spTree>
+      <p:nvGrpSpPr>
+        <p:cNvPr id="1" name=""/>
+        <p:cNvGrpSpPr/>
+        <p:nvPr/>
+      </p:nvGrpSpPr>
+      <p:grpSpPr>
+        <a:xfrm>
+          <a:off x="0" y="0"/>
+          <a:ext cx="0" cy="0"/>
+          <a:chOff x="0" y="0"/>
+          <a:chExt cx="0" cy="0"/>
+        </a:xfrm>
+      </p:grpSpPr>
+      <p:sp>
+        <p:nvSpPr>
+          <p:cNvPr id="2" name="Espace réservé de l'image des diapositives 1"/>
+          <p:cNvSpPr>
+            <a:spLocks noGrp="1" noRot="1" noChangeAspect="1"/>
+          </p:cNvSpPr>
+          <p:nvPr>
+            <p:ph type="sldImg"/>
+          </p:nvPr>
+        </p:nvSpPr>
+        <p:spPr/>
+      </p:sp>
+      <p:sp>
+        <p:nvSpPr>
+          <p:cNvPr id="3" name="Espace réservé des commentaires 2"/>
+          <p:cNvSpPr>
+            <a:spLocks noGrp="1"/>
+          </p:cNvSpPr>
+          <p:nvPr>
+            <p:ph type="body" idx="1"/>
+          </p:nvPr>
+        </p:nvSpPr>
+        <p:spPr/>
+        <p:txBody>
+          <a:bodyPr/>
+          <a:lstStyle/>
+          <a:p>
+            <a:endParaRPr lang="fr-FR"/>
+          </a:p>
+        </p:txBody>
+      </p:sp>
+      <p:sp>
+        <p:nvSpPr>
+          <p:cNvPr id="4" name="Espace réservé du numéro de diapositive 3"/>
+          <p:cNvSpPr>
+            <a:spLocks noGrp="1"/>
+          </p:cNvSpPr>
+          <p:nvPr>
+            <p:ph type="sldNum" sz="quarter" idx="10"/>
+          </p:nvPr>
+        </p:nvSpPr>
+        <p:spPr/>
+        <p:txBody>
+          <a:bodyPr/>
+          <a:lstStyle/>
+          <a:p>
+            <a:fld id="{58BEE673-8D3B-4BBD-97EB-7004EF7CF6EF}" type="slidenum">
+              <a:rPr lang="fr-FR" smtClean="0"/>
+              <a:t>8</a:t>
+            </a:fld>
+            <a:endParaRPr lang="fr-FR"/>
+          </a:p>
+        </p:txBody>
+      </p:sp>
+    </p:spTree>
+    <p:extLst>
+      <p:ext uri="{BB962C8B-B14F-4D97-AF65-F5344CB8AC3E}">
+        <p14:creationId xmlns:p14="http://schemas.microsoft.com/office/powerpoint/2010/main" val="2911672271"/>
+      </p:ext>
+    </p:extLst>
+  </p:cSld>
+  <p:clrMapOvr>
+    <a:masterClrMapping/>
+  </p:clrMapOvr>
+</p:notes>
+</file>
+
+<file path=ppt/notesSlides/notesSlide8.xml><?xml version="1.0" encoding="utf-8"?>
+<p:notes xmlns:a="http://schemas.openxmlformats.org/drawingml/2006/main" xmlns:r="http://schemas.openxmlformats.org/officeDocument/2006/relationships" xmlns:p="http://schemas.openxmlformats.org/presentationml/2006/main">
+  <p:cSld>
+    <p:spTree>
+      <p:nvGrpSpPr>
+        <p:cNvPr id="1" name=""/>
+        <p:cNvGrpSpPr/>
+        <p:nvPr/>
+      </p:nvGrpSpPr>
+      <p:grpSpPr>
+        <a:xfrm>
+          <a:off x="0" y="0"/>
+          <a:ext cx="0" cy="0"/>
+          <a:chOff x="0" y="0"/>
+          <a:chExt cx="0" cy="0"/>
+        </a:xfrm>
+      </p:grpSpPr>
+      <p:sp>
+        <p:nvSpPr>
+          <p:cNvPr id="2" name="Espace réservé de l'image des diapositives 1"/>
+          <p:cNvSpPr>
+            <a:spLocks noGrp="1" noRot="1" noChangeAspect="1"/>
+          </p:cNvSpPr>
+          <p:nvPr>
+            <p:ph type="sldImg"/>
+          </p:nvPr>
+        </p:nvSpPr>
+        <p:spPr/>
+      </p:sp>
+      <p:sp>
+        <p:nvSpPr>
+          <p:cNvPr id="3" name="Espace réservé des commentaires 2"/>
+          <p:cNvSpPr>
+            <a:spLocks noGrp="1"/>
+          </p:cNvSpPr>
+          <p:nvPr>
+            <p:ph type="body" idx="1"/>
+          </p:nvPr>
+        </p:nvSpPr>
+        <p:spPr/>
+        <p:txBody>
+          <a:bodyPr/>
+          <a:lstStyle/>
+          <a:p>
+            <a:endParaRPr lang="fr-FR"/>
+          </a:p>
+        </p:txBody>
+      </p:sp>
+      <p:sp>
+        <p:nvSpPr>
+          <p:cNvPr id="4" name="Espace réservé du numéro de diapositive 3"/>
+          <p:cNvSpPr>
+            <a:spLocks noGrp="1"/>
+          </p:cNvSpPr>
+          <p:nvPr>
+            <p:ph type="sldNum" sz="quarter" idx="10"/>
+          </p:nvPr>
+        </p:nvSpPr>
+        <p:spPr/>
+        <p:txBody>
+          <a:bodyPr/>
+          <a:lstStyle/>
+          <a:p>
+            <a:fld id="{58BEE673-8D3B-4BBD-97EB-7004EF7CF6EF}" type="slidenum">
+              <a:rPr lang="fr-FR" smtClean="0"/>
+              <a:t>9</a:t>
+            </a:fld>
+            <a:endParaRPr lang="fr-FR"/>
+          </a:p>
+        </p:txBody>
+      </p:sp>
+    </p:spTree>
+    <p:extLst>
+      <p:ext uri="{BB962C8B-B14F-4D97-AF65-F5344CB8AC3E}">
+        <p14:creationId xmlns:p14="http://schemas.microsoft.com/office/powerpoint/2010/main" val="651647389"/>
+      </p:ext>
+    </p:extLst>
+  </p:cSld>
+  <p:clrMapOvr>
+    <a:masterClrMapping/>
+  </p:clrMapOvr>
+</p:notes>
+</file>
+
+<file path=ppt/notesSlides/notesSlide9.xml><?xml version="1.0" encoding="utf-8"?>
+<p:notes xmlns:a="http://schemas.openxmlformats.org/drawingml/2006/main" xmlns:r="http://schemas.openxmlformats.org/officeDocument/2006/relationships" xmlns:p="http://schemas.openxmlformats.org/presentationml/2006/main">
+  <p:cSld>
+    <p:spTree>
+      <p:nvGrpSpPr>
+        <p:cNvPr id="1" name=""/>
+        <p:cNvGrpSpPr/>
+        <p:nvPr/>
+      </p:nvGrpSpPr>
+      <p:grpSpPr>
+        <a:xfrm>
+          <a:off x="0" y="0"/>
+          <a:ext cx="0" cy="0"/>
+          <a:chOff x="0" y="0"/>
+          <a:chExt cx="0" cy="0"/>
+        </a:xfrm>
+      </p:grpSpPr>
+      <p:sp>
+        <p:nvSpPr>
+          <p:cNvPr id="2" name="Espace réservé de l'image des diapositives 1"/>
+          <p:cNvSpPr>
+            <a:spLocks noGrp="1" noRot="1" noChangeAspect="1"/>
+          </p:cNvSpPr>
+          <p:nvPr>
+            <p:ph type="sldImg"/>
+          </p:nvPr>
+        </p:nvSpPr>
+        <p:spPr/>
+      </p:sp>
+      <p:sp>
+        <p:nvSpPr>
+          <p:cNvPr id="3" name="Espace réservé des commentaires 2"/>
+          <p:cNvSpPr>
+            <a:spLocks noGrp="1"/>
+          </p:cNvSpPr>
+          <p:nvPr>
+            <p:ph type="body" idx="1"/>
+          </p:nvPr>
+        </p:nvSpPr>
+        <p:spPr/>
+        <p:txBody>
+          <a:bodyPr/>
+          <a:lstStyle/>
+          <a:p>
+            <a:endParaRPr lang="fr-FR"/>
+          </a:p>
+        </p:txBody>
+      </p:sp>
+      <p:sp>
+        <p:nvSpPr>
+          <p:cNvPr id="4" name="Espace réservé du numéro de diapositive 3"/>
+          <p:cNvSpPr>
+            <a:spLocks noGrp="1"/>
+          </p:cNvSpPr>
+          <p:nvPr>
+            <p:ph type="sldNum" sz="quarter" idx="10"/>
+          </p:nvPr>
+        </p:nvSpPr>
+        <p:spPr/>
+        <p:txBody>
+          <a:bodyPr/>
+          <a:lstStyle/>
+          <a:p>
+            <a:fld id="{58BEE673-8D3B-4BBD-97EB-7004EF7CF6EF}" type="slidenum">
+              <a:rPr lang="fr-FR" smtClean="0"/>
+              <a:t>10</a:t>
+            </a:fld>
+            <a:endParaRPr lang="fr-FR"/>
+          </a:p>
+        </p:txBody>
+      </p:sp>
+    </p:spTree>
+    <p:extLst>
+      <p:ext uri="{BB962C8B-B14F-4D97-AF65-F5344CB8AC3E}">
+        <p14:creationId xmlns:p14="http://schemas.microsoft.com/office/powerpoint/2010/main" val="1447745783"/>
+      </p:ext>
+    </p:extLst>
+  </p:cSld>
+  <p:clrMapOvr>
+    <a:masterClrMapping/>
+  </p:clrMapOvr>
+</p:notes>
+</file>
+
 <file path=ppt/slideLayouts/slideLayout1.xml><?xml version="1.0" encoding="utf-8"?>
 <p:sldLayout xmlns:a="http://schemas.openxmlformats.org/drawingml/2006/main" xmlns:r="http://schemas.openxmlformats.org/officeDocument/2006/relationships" xmlns:p="http://schemas.openxmlformats.org/presentationml/2006/main" type="title" preserve="1">
   <p:cSld name="Diapositive de titre">
@@ -1078,7 +1758,7 @@
           <a:p>
             <a:fld id="{CAB5D9F6-764D-45E8-BA35-322ECA954888}" type="datetime1">
               <a:rPr lang="en-US" smtClean="0"/>
-              <a:t>1/19/2018</a:t>
+              <a:t>1/20/2018</a:t>
             </a:fld>
             <a:endParaRPr lang="en-US" dirty="0"/>
           </a:p>
@@ -1418,7 +2098,7 @@
           <a:p>
             <a:fld id="{7E62AF45-EF0A-4378-934F-84EB6BC3D026}" type="datetime1">
               <a:rPr lang="en-US" smtClean="0"/>
-              <a:t>1/19/2018</a:t>
+              <a:t>1/20/2018</a:t>
             </a:fld>
             <a:endParaRPr lang="en-US" dirty="0"/>
           </a:p>
@@ -1820,7 +2500,7 @@
           <a:p>
             <a:fld id="{76D4023A-E694-4331-A23E-E1356D15A4BD}" type="datetime1">
               <a:rPr lang="en-US" smtClean="0"/>
-              <a:t>1/19/2018</a:t>
+              <a:t>1/20/2018</a:t>
             </a:fld>
             <a:endParaRPr lang="en-US" dirty="0"/>
           </a:p>
@@ -2157,7 +2837,7 @@
           <a:p>
             <a:fld id="{D6F2E77E-7F60-441B-806F-66DDB3F74163}" type="datetime1">
               <a:rPr lang="en-US" smtClean="0"/>
-              <a:t>1/19/2018</a:t>
+              <a:t>1/20/2018</a:t>
             </a:fld>
             <a:endParaRPr lang="en-US" dirty="0"/>
           </a:p>
@@ -2478,7 +3158,7 @@
           <a:p>
             <a:fld id="{266B8AF4-4A0E-4A4E-9660-2094B624C07D}" type="datetime1">
               <a:rPr lang="en-US" smtClean="0"/>
-              <a:t>1/19/2018</a:t>
+              <a:t>1/20/2018</a:t>
             </a:fld>
             <a:endParaRPr lang="en-US" dirty="0"/>
           </a:p>
@@ -2875,7 +3555,7 @@
           <a:p>
             <a:fld id="{CB2BF7E3-4C05-4502-A416-452E6496AE59}" type="datetime1">
               <a:rPr lang="en-US" smtClean="0"/>
-              <a:t>1/19/2018</a:t>
+              <a:t>1/20/2018</a:t>
             </a:fld>
             <a:endParaRPr lang="en-US" dirty="0"/>
           </a:p>
@@ -3133,7 +3813,7 @@
           <a:p>
             <a:fld id="{F6F8AC83-13D2-4813-AD1A-CAFB5DEDD213}" type="datetime1">
               <a:rPr lang="en-US" smtClean="0"/>
-              <a:t>1/19/2018</a:t>
+              <a:t>1/20/2018</a:t>
             </a:fld>
             <a:endParaRPr lang="en-US" dirty="0"/>
           </a:p>
@@ -3396,7 +4076,7 @@
           <a:p>
             <a:fld id="{74455543-85E2-46E2-A974-7ADB0844C12A}" type="datetime1">
               <a:rPr lang="en-US" smtClean="0"/>
-              <a:t>1/19/2018</a:t>
+              <a:t>1/20/2018</a:t>
             </a:fld>
             <a:endParaRPr lang="en-US" dirty="0"/>
           </a:p>
@@ -4508,7 +5188,7 @@
           <a:p>
             <a:fld id="{086CC522-5229-4E69-BBB2-D5F912967395}" type="datetime1">
               <a:rPr lang="en-US" smtClean="0"/>
-              <a:t>1/19/2018</a:t>
+              <a:t>1/20/2018</a:t>
             </a:fld>
             <a:endParaRPr lang="en-US" dirty="0"/>
           </a:p>
@@ -4827,7 +5507,7 @@
           <a:p>
             <a:fld id="{56B9B5DB-1D1A-42F8-93F0-BBA44C1CAF57}" type="datetime1">
               <a:rPr lang="en-US" smtClean="0"/>
-              <a:t>1/19/2018</a:t>
+              <a:t>1/20/2018</a:t>
             </a:fld>
             <a:endParaRPr lang="en-US" dirty="0"/>
           </a:p>
@@ -5285,7 +5965,7 @@
           <a:p>
             <a:fld id="{9A4E8950-D3FA-4365-B561-9EE5AC9B6B6C}" type="datetime1">
               <a:rPr lang="en-US" smtClean="0"/>
-              <a:t>1/19/2018</a:t>
+              <a:t>1/20/2018</a:t>
             </a:fld>
             <a:endParaRPr lang="en-US" dirty="0"/>
           </a:p>
@@ -5491,7 +6171,7 @@
           <a:p>
             <a:fld id="{20724122-C579-4659-8A06-81F42FC84005}" type="datetime1">
               <a:rPr lang="en-US" smtClean="0"/>
-              <a:t>1/19/2018</a:t>
+              <a:t>1/20/2018</a:t>
             </a:fld>
             <a:endParaRPr lang="en-US" dirty="0"/>
           </a:p>
@@ -5669,7 +6349,7 @@
           <a:p>
             <a:fld id="{E4C13383-9243-41F6-8072-8685ED9DD899}" type="datetime1">
               <a:rPr lang="en-US" smtClean="0"/>
-              <a:t>1/19/2018</a:t>
+              <a:t>1/20/2018</a:t>
             </a:fld>
             <a:endParaRPr lang="en-US" dirty="0"/>
           </a:p>
@@ -6003,7 +6683,7 @@
           <a:p>
             <a:fld id="{03F027E6-328C-49ED-AE4B-BD647A7E3EDE}" type="datetime1">
               <a:rPr lang="en-US" smtClean="0"/>
-              <a:t>1/19/2018</a:t>
+              <a:t>1/20/2018</a:t>
             </a:fld>
             <a:endParaRPr lang="en-US" dirty="0"/>
           </a:p>
@@ -6349,7 +7029,7 @@
           <a:p>
             <a:fld id="{6B498982-A325-4B29-8B06-CBC7789C234F}" type="datetime1">
               <a:rPr lang="en-US" smtClean="0"/>
-              <a:t>1/19/2018</a:t>
+              <a:t>1/20/2018</a:t>
             </a:fld>
             <a:endParaRPr lang="en-US" dirty="0"/>
           </a:p>
@@ -8467,7 +9147,7 @@
           <a:p>
             <a:fld id="{CAB5D9F6-764D-45E8-BA35-322ECA954888}" type="datetime1">
               <a:rPr lang="en-US" smtClean="0"/>
-              <a:t>1/19/2018</a:t>
+              <a:t>1/20/2018</a:t>
             </a:fld>
             <a:endParaRPr lang="en-US" dirty="0"/>
           </a:p>
@@ -9097,6 +9777,1505 @@
 </p:sld>
 </file>
 
+<file path=ppt/slides/slide10.xml><?xml version="1.0" encoding="utf-8"?>
+<p:sld xmlns:a="http://schemas.openxmlformats.org/drawingml/2006/main" xmlns:r="http://schemas.openxmlformats.org/officeDocument/2006/relationships" xmlns:p="http://schemas.openxmlformats.org/presentationml/2006/main">
+  <p:cSld>
+    <p:spTree>
+      <p:nvGrpSpPr>
+        <p:cNvPr id="1" name=""/>
+        <p:cNvGrpSpPr/>
+        <p:nvPr/>
+      </p:nvGrpSpPr>
+      <p:grpSpPr>
+        <a:xfrm>
+          <a:off x="0" y="0"/>
+          <a:ext cx="0" cy="0"/>
+          <a:chOff x="0" y="0"/>
+          <a:chExt cx="0" cy="0"/>
+        </a:xfrm>
+      </p:grpSpPr>
+      <p:sp>
+        <p:nvSpPr>
+          <p:cNvPr id="2" name="Titre 1"/>
+          <p:cNvSpPr>
+            <a:spLocks noGrp="1"/>
+          </p:cNvSpPr>
+          <p:nvPr>
+            <p:ph type="title"/>
+          </p:nvPr>
+        </p:nvSpPr>
+        <p:spPr>
+          <a:xfrm>
+            <a:off x="2592925" y="624110"/>
+            <a:ext cx="8911687" cy="1280890"/>
+          </a:xfrm>
+        </p:spPr>
+        <p:txBody>
+          <a:bodyPr/>
+          <a:lstStyle/>
+          <a:p>
+            <a:r>
+              <a:rPr lang="fr-FR" dirty="0" smtClean="0"/>
+              <a:t>Invoquer l'interpréteur Python</a:t>
+            </a:r>
+            <a:endParaRPr lang="fr-FR" dirty="0"/>
+          </a:p>
+        </p:txBody>
+      </p:sp>
+      <p:sp>
+        <p:nvSpPr>
+          <p:cNvPr id="3" name="Espace réservé du contenu 2"/>
+          <p:cNvSpPr>
+            <a:spLocks noGrp="1"/>
+          </p:cNvSpPr>
+          <p:nvPr>
+            <p:ph idx="1"/>
+          </p:nvPr>
+        </p:nvSpPr>
+        <p:spPr>
+          <a:xfrm>
+            <a:off x="2589212" y="1558456"/>
+            <a:ext cx="8915400" cy="4818490"/>
+          </a:xfrm>
+        </p:spPr>
+        <p:txBody>
+          <a:bodyPr anchor="t" anchorCtr="0">
+            <a:normAutofit/>
+          </a:bodyPr>
+          <a:lstStyle/>
+          <a:p>
+            <a:pPr algn="just"/>
+            <a:r>
+              <a:rPr lang="fr-FR" dirty="0"/>
+              <a:t>Taper un caractère de fin de fichier (</a:t>
+            </a:r>
+            <a:r>
+              <a:rPr lang="fr-FR" b="1" i="1" dirty="0">
+                <a:solidFill>
+                  <a:schemeClr val="accent6"/>
+                </a:solidFill>
+              </a:rPr>
+              <a:t>Ctrl-D</a:t>
+            </a:r>
+            <a:r>
+              <a:rPr lang="fr-FR" dirty="0"/>
+              <a:t> sous Unix, </a:t>
+            </a:r>
+            <a:r>
+              <a:rPr lang="fr-FR" b="1" i="1" dirty="0">
+                <a:solidFill>
+                  <a:schemeClr val="accent6"/>
+                </a:solidFill>
+              </a:rPr>
+              <a:t>Ctrl-Z</a:t>
+            </a:r>
+            <a:r>
+              <a:rPr lang="fr-FR" dirty="0">
+                <a:solidFill>
+                  <a:schemeClr val="accent6"/>
+                </a:solidFill>
+              </a:rPr>
+              <a:t> </a:t>
+            </a:r>
+            <a:r>
+              <a:rPr lang="fr-FR" dirty="0"/>
+              <a:t>sous Windows) </a:t>
+            </a:r>
+            <a:r>
+              <a:rPr lang="fr-FR" dirty="0" smtClean="0"/>
+              <a:t>à la suite d'une </a:t>
+            </a:r>
+            <a:r>
+              <a:rPr lang="fr-FR" dirty="0"/>
+              <a:t>invite de commande primaire provoque la fermeture de l’interpréteur avec un statut d’erreur </a:t>
+            </a:r>
+            <a:r>
+              <a:rPr lang="fr-FR" dirty="0" smtClean="0"/>
+              <a:t>nul</a:t>
+            </a:r>
+          </a:p>
+          <a:p>
+            <a:pPr algn="just"/>
+            <a:r>
+              <a:rPr lang="fr-FR" dirty="0" smtClean="0"/>
+              <a:t>Si </a:t>
+            </a:r>
+            <a:r>
+              <a:rPr lang="fr-FR" dirty="0"/>
+              <a:t>cela ne fonctionne pas, vous pouvez fermer l’interpréteur en tapant la commande </a:t>
+            </a:r>
+            <a:r>
+              <a:rPr lang="fr-FR" b="1" i="1" dirty="0">
+                <a:solidFill>
+                  <a:schemeClr val="accent6"/>
+                </a:solidFill>
+              </a:rPr>
+              <a:t>quit</a:t>
+            </a:r>
+            <a:r>
+              <a:rPr lang="fr-FR" b="1" i="1" dirty="0" smtClean="0">
+                <a:solidFill>
+                  <a:schemeClr val="accent6"/>
+                </a:solidFill>
+              </a:rPr>
+              <a:t>()</a:t>
+            </a:r>
+          </a:p>
+          <a:p>
+            <a:pPr algn="just"/>
+            <a:r>
+              <a:rPr lang="fr-FR" dirty="0">
+                <a:solidFill>
+                  <a:schemeClr val="tx1"/>
+                </a:solidFill>
+              </a:rPr>
+              <a:t>L’interpréteur opère de façon similaire au </a:t>
+            </a:r>
+            <a:r>
+              <a:rPr lang="fr-FR" dirty="0" smtClean="0">
+                <a:solidFill>
+                  <a:schemeClr val="tx1"/>
+                </a:solidFill>
+              </a:rPr>
+              <a:t>Shell Unix</a:t>
+            </a:r>
+          </a:p>
+          <a:p>
+            <a:pPr algn="just"/>
+            <a:r>
+              <a:rPr lang="fr-FR" dirty="0" smtClean="0">
+                <a:solidFill>
+                  <a:schemeClr val="tx1"/>
+                </a:solidFill>
+              </a:rPr>
+              <a:t>Lorsqu’il </a:t>
+            </a:r>
+            <a:r>
+              <a:rPr lang="fr-FR" dirty="0">
+                <a:solidFill>
+                  <a:schemeClr val="tx1"/>
+                </a:solidFill>
+              </a:rPr>
+              <a:t>est appelé avec l’entrée standard connectée à un périphérique tty, il lit et exécute les commandes de façon </a:t>
+            </a:r>
+            <a:r>
+              <a:rPr lang="fr-FR" dirty="0" smtClean="0">
+                <a:solidFill>
+                  <a:schemeClr val="tx1"/>
+                </a:solidFill>
+              </a:rPr>
+              <a:t>interactive</a:t>
+            </a:r>
+          </a:p>
+          <a:p>
+            <a:pPr algn="just"/>
+            <a:r>
+              <a:rPr lang="fr-FR" dirty="0" smtClean="0">
+                <a:solidFill>
+                  <a:schemeClr val="tx1"/>
+                </a:solidFill>
+              </a:rPr>
+              <a:t>Lorsqu’il </a:t>
+            </a:r>
+            <a:r>
+              <a:rPr lang="fr-FR" dirty="0">
+                <a:solidFill>
+                  <a:schemeClr val="tx1"/>
+                </a:solidFill>
+              </a:rPr>
+              <a:t>est appelé avec un nom de fichier en argument ou avec un fichier comme entrée standard, il lit et exécute un script depuis ce </a:t>
+            </a:r>
+            <a:r>
+              <a:rPr lang="fr-FR" dirty="0" smtClean="0">
+                <a:solidFill>
+                  <a:schemeClr val="tx1"/>
+                </a:solidFill>
+              </a:rPr>
+              <a:t>fichier</a:t>
+            </a:r>
+          </a:p>
+          <a:p>
+            <a:pPr algn="just"/>
+            <a:r>
+              <a:rPr lang="fr-FR" dirty="0">
+                <a:solidFill>
+                  <a:schemeClr val="tx1"/>
+                </a:solidFill>
+              </a:rPr>
+              <a:t>Quand un fichier de script est utilisé, il est parfois utile de pouvoir lancer le script puis d’entrer dans le mode interactif après coup. Cela est possible en passant </a:t>
+            </a:r>
+            <a:r>
+              <a:rPr lang="fr-FR" b="1" i="1" dirty="0">
+                <a:solidFill>
+                  <a:schemeClr val="accent6"/>
+                </a:solidFill>
+              </a:rPr>
+              <a:t>-i</a:t>
+            </a:r>
+            <a:r>
+              <a:rPr lang="fr-FR" dirty="0">
+                <a:solidFill>
+                  <a:schemeClr val="tx1"/>
+                </a:solidFill>
+              </a:rPr>
+              <a:t> avant le script</a:t>
+            </a:r>
+            <a:endParaRPr lang="fr-FR" dirty="0">
+              <a:solidFill>
+                <a:schemeClr val="tx1"/>
+              </a:solidFill>
+            </a:endParaRPr>
+          </a:p>
+        </p:txBody>
+      </p:sp>
+    </p:spTree>
+    <p:extLst>
+      <p:ext uri="{BB962C8B-B14F-4D97-AF65-F5344CB8AC3E}">
+        <p14:creationId xmlns:p14="http://schemas.microsoft.com/office/powerpoint/2010/main" val="2275749586"/>
+      </p:ext>
+    </p:extLst>
+  </p:cSld>
+  <p:clrMapOvr>
+    <a:masterClrMapping/>
+  </p:clrMapOvr>
+  <p:timing>
+    <p:tnLst>
+      <p:par>
+        <p:cTn id="1" dur="indefinite" restart="never" nodeType="tmRoot"/>
+      </p:par>
+    </p:tnLst>
+  </p:timing>
+</p:sld>
+</file>
+
+<file path=ppt/slides/slide11.xml><?xml version="1.0" encoding="utf-8"?>
+<p:sld xmlns:a="http://schemas.openxmlformats.org/drawingml/2006/main" xmlns:r="http://schemas.openxmlformats.org/officeDocument/2006/relationships" xmlns:p="http://schemas.openxmlformats.org/presentationml/2006/main">
+  <p:cSld>
+    <p:spTree>
+      <p:nvGrpSpPr>
+        <p:cNvPr id="1" name=""/>
+        <p:cNvGrpSpPr/>
+        <p:nvPr/>
+      </p:nvGrpSpPr>
+      <p:grpSpPr>
+        <a:xfrm>
+          <a:off x="0" y="0"/>
+          <a:ext cx="0" cy="0"/>
+          <a:chOff x="0" y="0"/>
+          <a:chExt cx="0" cy="0"/>
+        </a:xfrm>
+      </p:grpSpPr>
+      <p:sp>
+        <p:nvSpPr>
+          <p:cNvPr id="2" name="Titre 1"/>
+          <p:cNvSpPr>
+            <a:spLocks noGrp="1"/>
+          </p:cNvSpPr>
+          <p:nvPr>
+            <p:ph type="title"/>
+          </p:nvPr>
+        </p:nvSpPr>
+        <p:spPr>
+          <a:xfrm>
+            <a:off x="2592925" y="624110"/>
+            <a:ext cx="8911687" cy="1280890"/>
+          </a:xfrm>
+        </p:spPr>
+        <p:txBody>
+          <a:bodyPr/>
+          <a:lstStyle/>
+          <a:p>
+            <a:r>
+              <a:rPr lang="fr-FR" dirty="0" smtClean="0"/>
+              <a:t>Passage d'arguments</a:t>
+            </a:r>
+            <a:endParaRPr lang="fr-FR" dirty="0"/>
+          </a:p>
+        </p:txBody>
+      </p:sp>
+      <p:sp>
+        <p:nvSpPr>
+          <p:cNvPr id="3" name="Espace réservé du contenu 2"/>
+          <p:cNvSpPr>
+            <a:spLocks noGrp="1"/>
+          </p:cNvSpPr>
+          <p:nvPr>
+            <p:ph idx="1"/>
+          </p:nvPr>
+        </p:nvSpPr>
+        <p:spPr>
+          <a:xfrm>
+            <a:off x="2589212" y="1558456"/>
+            <a:ext cx="8915400" cy="4818490"/>
+          </a:xfrm>
+        </p:spPr>
+        <p:txBody>
+          <a:bodyPr anchor="t" anchorCtr="0">
+            <a:normAutofit lnSpcReduction="10000"/>
+          </a:bodyPr>
+          <a:lstStyle/>
+          <a:p>
+            <a:pPr algn="just"/>
+            <a:r>
+              <a:rPr lang="fr-FR" dirty="0">
+                <a:solidFill>
+                  <a:schemeClr val="tx1"/>
+                </a:solidFill>
+              </a:rPr>
+              <a:t>Lorsqu’ils sont connus de l’interpréteur, le nom du script et les arguments additionnels sont représentés sous forme d’une liste assignée à la variable </a:t>
+            </a:r>
+            <a:r>
+              <a:rPr lang="fr-FR" b="1" i="1" dirty="0">
+                <a:solidFill>
+                  <a:schemeClr val="accent6"/>
+                </a:solidFill>
+              </a:rPr>
+              <a:t>argv</a:t>
+            </a:r>
+            <a:r>
+              <a:rPr lang="fr-FR" dirty="0">
+                <a:solidFill>
+                  <a:schemeClr val="tx1"/>
+                </a:solidFill>
+              </a:rPr>
+              <a:t> du module </a:t>
+            </a:r>
+            <a:r>
+              <a:rPr lang="fr-FR" b="1" i="1" dirty="0" smtClean="0">
+                <a:solidFill>
+                  <a:schemeClr val="accent6"/>
+                </a:solidFill>
+              </a:rPr>
+              <a:t>sys</a:t>
+            </a:r>
+          </a:p>
+          <a:p>
+            <a:pPr algn="just"/>
+            <a:r>
+              <a:rPr lang="fr-FR" dirty="0" smtClean="0">
+                <a:solidFill>
+                  <a:schemeClr val="tx1"/>
+                </a:solidFill>
+              </a:rPr>
+              <a:t>Vous </a:t>
+            </a:r>
+            <a:r>
+              <a:rPr lang="fr-FR" dirty="0">
+                <a:solidFill>
+                  <a:schemeClr val="tx1"/>
+                </a:solidFill>
+              </a:rPr>
+              <a:t>pouvez y accéder en exécutant </a:t>
+            </a:r>
+            <a:r>
+              <a:rPr lang="fr-FR" b="1" i="1" dirty="0">
+                <a:solidFill>
+                  <a:schemeClr val="accent6"/>
+                </a:solidFill>
+              </a:rPr>
+              <a:t>import</a:t>
+            </a:r>
+            <a:r>
+              <a:rPr lang="fr-FR" dirty="0">
+                <a:solidFill>
+                  <a:schemeClr val="tx1"/>
+                </a:solidFill>
+              </a:rPr>
+              <a:t> </a:t>
+            </a:r>
+            <a:r>
+              <a:rPr lang="fr-FR" b="1" i="1" dirty="0" smtClean="0">
+                <a:solidFill>
+                  <a:schemeClr val="accent6"/>
+                </a:solidFill>
+              </a:rPr>
+              <a:t>sys</a:t>
+            </a:r>
+          </a:p>
+          <a:p>
+            <a:pPr algn="just"/>
+            <a:r>
+              <a:rPr lang="fr-FR" dirty="0" smtClean="0">
+                <a:solidFill>
+                  <a:schemeClr val="tx1"/>
+                </a:solidFill>
+              </a:rPr>
+              <a:t>La </a:t>
+            </a:r>
+            <a:r>
+              <a:rPr lang="fr-FR" dirty="0">
+                <a:solidFill>
+                  <a:schemeClr val="tx1"/>
+                </a:solidFill>
+              </a:rPr>
+              <a:t>liste contient au minimum un </a:t>
+            </a:r>
+            <a:r>
+              <a:rPr lang="fr-FR" dirty="0" smtClean="0">
+                <a:solidFill>
+                  <a:schemeClr val="tx1"/>
+                </a:solidFill>
+              </a:rPr>
+              <a:t>élément</a:t>
+            </a:r>
+          </a:p>
+          <a:p>
+            <a:pPr algn="just"/>
+            <a:r>
+              <a:rPr lang="fr-FR" dirty="0" smtClean="0">
+                <a:solidFill>
+                  <a:schemeClr val="tx1"/>
+                </a:solidFill>
+              </a:rPr>
+              <a:t>Quand </a:t>
+            </a:r>
+            <a:r>
+              <a:rPr lang="fr-FR" dirty="0">
+                <a:solidFill>
+                  <a:schemeClr val="tx1"/>
+                </a:solidFill>
+              </a:rPr>
+              <a:t>aucun script ni aucun arguments ne sont donnés, </a:t>
+            </a:r>
+            <a:r>
+              <a:rPr lang="fr-FR" b="1" i="1" dirty="0">
+                <a:solidFill>
+                  <a:schemeClr val="accent6"/>
+                </a:solidFill>
+              </a:rPr>
+              <a:t>sys.argv[0]</a:t>
+            </a:r>
+            <a:r>
+              <a:rPr lang="fr-FR" dirty="0">
+                <a:solidFill>
+                  <a:schemeClr val="tx1"/>
+                </a:solidFill>
+              </a:rPr>
+              <a:t> est une chaine </a:t>
+            </a:r>
+            <a:r>
+              <a:rPr lang="fr-FR" dirty="0" smtClean="0">
+                <a:solidFill>
+                  <a:schemeClr val="tx1"/>
+                </a:solidFill>
+              </a:rPr>
+              <a:t>vide</a:t>
+            </a:r>
+          </a:p>
+          <a:p>
+            <a:pPr algn="just"/>
+            <a:r>
+              <a:rPr lang="fr-FR" dirty="0" smtClean="0">
+                <a:solidFill>
+                  <a:schemeClr val="tx1"/>
+                </a:solidFill>
+              </a:rPr>
+              <a:t>Quand </a:t>
+            </a:r>
+            <a:r>
+              <a:rPr lang="fr-FR" dirty="0">
+                <a:solidFill>
+                  <a:schemeClr val="tx1"/>
+                </a:solidFill>
+              </a:rPr>
+              <a:t>'</a:t>
+            </a:r>
+            <a:r>
+              <a:rPr lang="fr-FR" b="1" i="1" dirty="0">
+                <a:solidFill>
+                  <a:schemeClr val="accent6"/>
+                </a:solidFill>
+              </a:rPr>
+              <a:t>-</a:t>
+            </a:r>
+            <a:r>
+              <a:rPr lang="fr-FR" dirty="0">
+                <a:solidFill>
+                  <a:schemeClr val="tx1"/>
+                </a:solidFill>
+              </a:rPr>
+              <a:t>' (qui représente l’entrée standard) est passé comme nom de script, </a:t>
+            </a:r>
+            <a:r>
+              <a:rPr lang="fr-FR" b="1" i="1" dirty="0">
+                <a:solidFill>
+                  <a:schemeClr val="accent6"/>
+                </a:solidFill>
+              </a:rPr>
+              <a:t>sys.argv[0]</a:t>
+            </a:r>
+            <a:r>
+              <a:rPr lang="fr-FR" dirty="0">
+                <a:solidFill>
+                  <a:schemeClr val="tx1"/>
+                </a:solidFill>
+              </a:rPr>
+              <a:t> contient </a:t>
+            </a:r>
+            <a:r>
+              <a:rPr lang="fr-FR" dirty="0" smtClean="0">
+                <a:solidFill>
+                  <a:schemeClr val="tx1"/>
+                </a:solidFill>
+              </a:rPr>
+              <a:t>'</a:t>
+            </a:r>
+            <a:r>
+              <a:rPr lang="fr-FR" b="1" i="1" dirty="0" smtClean="0">
+                <a:solidFill>
+                  <a:schemeClr val="accent6"/>
+                </a:solidFill>
+              </a:rPr>
+              <a:t>-</a:t>
+            </a:r>
+            <a:r>
+              <a:rPr lang="fr-FR" dirty="0" smtClean="0">
+                <a:solidFill>
+                  <a:schemeClr val="tx1"/>
+                </a:solidFill>
+              </a:rPr>
+              <a:t>'</a:t>
+            </a:r>
+          </a:p>
+          <a:p>
+            <a:pPr algn="just"/>
+            <a:r>
+              <a:rPr lang="fr-FR" dirty="0" smtClean="0">
+                <a:solidFill>
+                  <a:schemeClr val="tx1"/>
+                </a:solidFill>
+              </a:rPr>
+              <a:t>Quand </a:t>
+            </a:r>
+            <a:r>
+              <a:rPr lang="fr-FR" dirty="0">
+                <a:solidFill>
+                  <a:schemeClr val="tx1"/>
+                </a:solidFill>
+              </a:rPr>
+              <a:t>-c commande est utilisé, </a:t>
+            </a:r>
+            <a:r>
+              <a:rPr lang="fr-FR" b="1" i="1" dirty="0">
+                <a:solidFill>
+                  <a:schemeClr val="accent6"/>
+                </a:solidFill>
+              </a:rPr>
+              <a:t>sys.argv[0]</a:t>
+            </a:r>
+            <a:r>
+              <a:rPr lang="fr-FR" dirty="0">
+                <a:solidFill>
+                  <a:schemeClr val="tx1"/>
+                </a:solidFill>
+              </a:rPr>
+              <a:t> contient </a:t>
+            </a:r>
+            <a:r>
+              <a:rPr lang="fr-FR" b="1" i="1" dirty="0">
+                <a:solidFill>
+                  <a:schemeClr val="accent6"/>
+                </a:solidFill>
+              </a:rPr>
+              <a:t>'-</a:t>
+            </a:r>
+            <a:r>
+              <a:rPr lang="fr-FR" b="1" i="1" dirty="0" smtClean="0">
+                <a:solidFill>
+                  <a:schemeClr val="accent6"/>
+                </a:solidFill>
+              </a:rPr>
+              <a:t>c</a:t>
+            </a:r>
+            <a:r>
+              <a:rPr lang="fr-FR" dirty="0" smtClean="0">
+                <a:solidFill>
+                  <a:schemeClr val="tx1"/>
+                </a:solidFill>
+              </a:rPr>
+              <a:t>'</a:t>
+            </a:r>
+          </a:p>
+          <a:p>
+            <a:pPr algn="just"/>
+            <a:r>
+              <a:rPr lang="fr-FR" dirty="0" smtClean="0">
+                <a:solidFill>
+                  <a:schemeClr val="tx1"/>
+                </a:solidFill>
+              </a:rPr>
+              <a:t>Enfin</a:t>
+            </a:r>
+            <a:r>
+              <a:rPr lang="fr-FR" dirty="0">
+                <a:solidFill>
+                  <a:schemeClr val="tx1"/>
+                </a:solidFill>
+              </a:rPr>
+              <a:t>, quand </a:t>
+            </a:r>
+            <a:r>
+              <a:rPr lang="fr-FR" b="1" i="1" dirty="0">
+                <a:solidFill>
+                  <a:schemeClr val="accent6"/>
+                </a:solidFill>
+              </a:rPr>
+              <a:t>-m</a:t>
+            </a:r>
+            <a:r>
+              <a:rPr lang="fr-FR" dirty="0">
+                <a:solidFill>
+                  <a:schemeClr val="tx1"/>
+                </a:solidFill>
+              </a:rPr>
+              <a:t> module est utilisé, le nom complet du module est assigné à </a:t>
+            </a:r>
+            <a:r>
+              <a:rPr lang="fr-FR" b="1" i="1" dirty="0" smtClean="0">
+                <a:solidFill>
+                  <a:schemeClr val="accent6"/>
+                </a:solidFill>
+              </a:rPr>
+              <a:t>sys.argv[0]</a:t>
+            </a:r>
+          </a:p>
+          <a:p>
+            <a:pPr algn="just"/>
+            <a:r>
+              <a:rPr lang="fr-FR" dirty="0" smtClean="0">
+                <a:solidFill>
+                  <a:schemeClr val="tx1"/>
+                </a:solidFill>
+              </a:rPr>
+              <a:t>Les </a:t>
+            </a:r>
+            <a:r>
+              <a:rPr lang="fr-FR" dirty="0">
+                <a:solidFill>
+                  <a:schemeClr val="tx1"/>
+                </a:solidFill>
+              </a:rPr>
+              <a:t>options trouvées après </a:t>
+            </a:r>
+            <a:r>
+              <a:rPr lang="fr-FR" b="1" i="1" dirty="0">
+                <a:solidFill>
+                  <a:schemeClr val="accent6"/>
+                </a:solidFill>
+              </a:rPr>
+              <a:t>-c</a:t>
+            </a:r>
+            <a:r>
+              <a:rPr lang="fr-FR" dirty="0">
+                <a:solidFill>
+                  <a:schemeClr val="tx1"/>
+                </a:solidFill>
+              </a:rPr>
+              <a:t> commande ou </a:t>
+            </a:r>
+            <a:r>
+              <a:rPr lang="fr-FR" b="1" i="1" dirty="0">
+                <a:solidFill>
+                  <a:schemeClr val="accent6"/>
+                </a:solidFill>
+              </a:rPr>
+              <a:t>-m</a:t>
+            </a:r>
+            <a:r>
+              <a:rPr lang="fr-FR" dirty="0">
+                <a:solidFill>
+                  <a:schemeClr val="tx1"/>
+                </a:solidFill>
+              </a:rPr>
+              <a:t> module ne sont pas lues comme options de l’interpréteur Python mais laissées dans sys.argv pour être utilisée par le module ou la commande</a:t>
+            </a:r>
+            <a:endParaRPr lang="fr-FR" dirty="0">
+              <a:solidFill>
+                <a:schemeClr val="tx1"/>
+              </a:solidFill>
+            </a:endParaRPr>
+          </a:p>
+        </p:txBody>
+      </p:sp>
+    </p:spTree>
+    <p:extLst>
+      <p:ext uri="{BB962C8B-B14F-4D97-AF65-F5344CB8AC3E}">
+        <p14:creationId xmlns:p14="http://schemas.microsoft.com/office/powerpoint/2010/main" val="3136588085"/>
+      </p:ext>
+    </p:extLst>
+  </p:cSld>
+  <p:clrMapOvr>
+    <a:masterClrMapping/>
+  </p:clrMapOvr>
+  <p:timing>
+    <p:tnLst>
+      <p:par>
+        <p:cTn id="1" dur="indefinite" restart="never" nodeType="tmRoot"/>
+      </p:par>
+    </p:tnLst>
+  </p:timing>
+</p:sld>
+</file>
+
+<file path=ppt/slides/slide12.xml><?xml version="1.0" encoding="utf-8"?>
+<p:sld xmlns:a="http://schemas.openxmlformats.org/drawingml/2006/main" xmlns:r="http://schemas.openxmlformats.org/officeDocument/2006/relationships" xmlns:p="http://schemas.openxmlformats.org/presentationml/2006/main">
+  <p:cSld>
+    <p:spTree>
+      <p:nvGrpSpPr>
+        <p:cNvPr id="1" name=""/>
+        <p:cNvGrpSpPr/>
+        <p:nvPr/>
+      </p:nvGrpSpPr>
+      <p:grpSpPr>
+        <a:xfrm>
+          <a:off x="0" y="0"/>
+          <a:ext cx="0" cy="0"/>
+          <a:chOff x="0" y="0"/>
+          <a:chExt cx="0" cy="0"/>
+        </a:xfrm>
+      </p:grpSpPr>
+      <p:sp>
+        <p:nvSpPr>
+          <p:cNvPr id="2" name="Titre 1"/>
+          <p:cNvSpPr>
+            <a:spLocks noGrp="1"/>
+          </p:cNvSpPr>
+          <p:nvPr>
+            <p:ph type="title"/>
+          </p:nvPr>
+        </p:nvSpPr>
+        <p:spPr>
+          <a:xfrm>
+            <a:off x="2592925" y="624110"/>
+            <a:ext cx="8911687" cy="1280890"/>
+          </a:xfrm>
+        </p:spPr>
+        <p:txBody>
+          <a:bodyPr/>
+          <a:lstStyle/>
+          <a:p>
+            <a:r>
+              <a:rPr lang="fr-FR" dirty="0" smtClean="0"/>
+              <a:t>Mode interactif</a:t>
+            </a:r>
+            <a:endParaRPr lang="fr-FR" dirty="0"/>
+          </a:p>
+        </p:txBody>
+      </p:sp>
+      <p:sp>
+        <p:nvSpPr>
+          <p:cNvPr id="3" name="Espace réservé du contenu 2"/>
+          <p:cNvSpPr>
+            <a:spLocks noGrp="1"/>
+          </p:cNvSpPr>
+          <p:nvPr>
+            <p:ph idx="1"/>
+          </p:nvPr>
+        </p:nvSpPr>
+        <p:spPr>
+          <a:xfrm>
+            <a:off x="2589212" y="1558456"/>
+            <a:ext cx="8915400" cy="4818490"/>
+          </a:xfrm>
+        </p:spPr>
+        <p:txBody>
+          <a:bodyPr anchor="t" anchorCtr="0">
+            <a:normAutofit/>
+          </a:bodyPr>
+          <a:lstStyle/>
+          <a:p>
+            <a:pPr algn="just"/>
+            <a:r>
+              <a:rPr lang="fr-FR" dirty="0">
+                <a:solidFill>
+                  <a:schemeClr val="tx1"/>
+                </a:solidFill>
+              </a:rPr>
+              <a:t>Lorsque des commandes sont lues depuis un tty, l’interpréteur est dit être en mode </a:t>
+            </a:r>
+            <a:r>
+              <a:rPr lang="fr-FR" dirty="0" smtClean="0">
+                <a:solidFill>
+                  <a:schemeClr val="tx1"/>
+                </a:solidFill>
+              </a:rPr>
+              <a:t>interactif</a:t>
+            </a:r>
+          </a:p>
+          <a:p>
+            <a:pPr algn="just"/>
+            <a:r>
+              <a:rPr lang="fr-FR" dirty="0" smtClean="0">
+                <a:solidFill>
+                  <a:schemeClr val="tx1"/>
+                </a:solidFill>
+              </a:rPr>
+              <a:t>Dans </a:t>
+            </a:r>
+            <a:r>
+              <a:rPr lang="fr-FR" dirty="0">
+                <a:solidFill>
+                  <a:schemeClr val="tx1"/>
+                </a:solidFill>
+              </a:rPr>
+              <a:t>ce mode, il demande la commande suivante avec le prompt primaire, en général trois signes plus-grand-que </a:t>
+            </a:r>
+            <a:r>
+              <a:rPr lang="fr-FR" dirty="0" smtClean="0">
+                <a:solidFill>
+                  <a:schemeClr val="tx1"/>
+                </a:solidFill>
+              </a:rPr>
+              <a:t>(</a:t>
+            </a:r>
+            <a:r>
+              <a:rPr lang="fr-FR" b="1" i="1" dirty="0" smtClean="0">
+                <a:solidFill>
+                  <a:schemeClr val="accent6"/>
+                </a:solidFill>
+              </a:rPr>
+              <a:t>&gt;&gt;&gt;</a:t>
+            </a:r>
+            <a:r>
+              <a:rPr lang="fr-FR" dirty="0" smtClean="0">
+                <a:solidFill>
+                  <a:schemeClr val="tx1"/>
+                </a:solidFill>
+              </a:rPr>
+              <a:t>)</a:t>
+            </a:r>
+          </a:p>
+          <a:p>
+            <a:pPr algn="just"/>
+            <a:r>
+              <a:rPr lang="fr-FR" dirty="0" smtClean="0">
+                <a:solidFill>
+                  <a:schemeClr val="tx1"/>
+                </a:solidFill>
+              </a:rPr>
+              <a:t>Pour </a:t>
+            </a:r>
+            <a:r>
+              <a:rPr lang="fr-FR" dirty="0">
+                <a:solidFill>
+                  <a:schemeClr val="tx1"/>
+                </a:solidFill>
+              </a:rPr>
+              <a:t>les lignes de continuation, il affiche le prompt secondaire, par défaut trois points </a:t>
+            </a:r>
+            <a:r>
+              <a:rPr lang="fr-FR" dirty="0" smtClean="0">
+                <a:solidFill>
+                  <a:schemeClr val="tx1"/>
+                </a:solidFill>
+              </a:rPr>
+              <a:t>(</a:t>
+            </a:r>
+            <a:r>
+              <a:rPr lang="fr-FR" b="1" i="1" dirty="0" smtClean="0">
+                <a:solidFill>
+                  <a:schemeClr val="accent6"/>
+                </a:solidFill>
+              </a:rPr>
+              <a:t>...</a:t>
+            </a:r>
+            <a:r>
+              <a:rPr lang="fr-FR" dirty="0" smtClean="0">
+                <a:solidFill>
+                  <a:schemeClr val="tx1"/>
+                </a:solidFill>
+              </a:rPr>
+              <a:t>)</a:t>
+            </a:r>
+          </a:p>
+          <a:p>
+            <a:pPr algn="just"/>
+            <a:r>
+              <a:rPr lang="fr-FR" dirty="0" smtClean="0">
+                <a:solidFill>
+                  <a:schemeClr val="tx1"/>
+                </a:solidFill>
+              </a:rPr>
+              <a:t>L’interpréteur </a:t>
+            </a:r>
+            <a:r>
+              <a:rPr lang="fr-FR" dirty="0">
+                <a:solidFill>
+                  <a:schemeClr val="tx1"/>
+                </a:solidFill>
+              </a:rPr>
+              <a:t>affiche un message de bienvenue indiquant son numéro de version et une notice de copyright avant d’afficher le premier </a:t>
+            </a:r>
+            <a:r>
+              <a:rPr lang="fr-FR" dirty="0" smtClean="0">
+                <a:solidFill>
+                  <a:schemeClr val="tx1"/>
+                </a:solidFill>
+              </a:rPr>
+              <a:t>prompt</a:t>
+            </a:r>
+            <a:endParaRPr lang="fr-FR" dirty="0">
+              <a:solidFill>
+                <a:schemeClr val="tx1"/>
+              </a:solidFill>
+            </a:endParaRPr>
+          </a:p>
+        </p:txBody>
+      </p:sp>
+      <p:pic>
+        <p:nvPicPr>
+          <p:cNvPr id="4" name="Image 3"/>
+          <p:cNvPicPr>
+            <a:picLocks noChangeAspect="1"/>
+          </p:cNvPicPr>
+          <p:nvPr/>
+        </p:nvPicPr>
+        <p:blipFill>
+          <a:blip r:embed="rId3"/>
+          <a:stretch>
+            <a:fillRect/>
+          </a:stretch>
+        </p:blipFill>
+        <p:spPr>
+          <a:xfrm>
+            <a:off x="2589212" y="4606000"/>
+            <a:ext cx="6912597" cy="1580647"/>
+          </a:xfrm>
+          <a:prstGeom prst="rect">
+            <a:avLst/>
+          </a:prstGeom>
+          <a:ln>
+            <a:noFill/>
+          </a:ln>
+          <a:effectLst>
+            <a:outerShdw blurRad="292100" dist="139700" dir="2700000" algn="tl" rotWithShape="0">
+              <a:srgbClr val="333333">
+                <a:alpha val="65000"/>
+              </a:srgbClr>
+            </a:outerShdw>
+          </a:effectLst>
+        </p:spPr>
+      </p:pic>
+    </p:spTree>
+    <p:extLst>
+      <p:ext uri="{BB962C8B-B14F-4D97-AF65-F5344CB8AC3E}">
+        <p14:creationId xmlns:p14="http://schemas.microsoft.com/office/powerpoint/2010/main" val="2601754324"/>
+      </p:ext>
+    </p:extLst>
+  </p:cSld>
+  <p:clrMapOvr>
+    <a:masterClrMapping/>
+  </p:clrMapOvr>
+  <p:timing>
+    <p:tnLst>
+      <p:par>
+        <p:cTn id="1" dur="indefinite" restart="never" nodeType="tmRoot"/>
+      </p:par>
+    </p:tnLst>
+  </p:timing>
+</p:sld>
+</file>
+
+<file path=ppt/slides/slide13.xml><?xml version="1.0" encoding="utf-8"?>
+<p:sld xmlns:a="http://schemas.openxmlformats.org/drawingml/2006/main" xmlns:r="http://schemas.openxmlformats.org/officeDocument/2006/relationships" xmlns:p="http://schemas.openxmlformats.org/presentationml/2006/main">
+  <p:cSld>
+    <p:spTree>
+      <p:nvGrpSpPr>
+        <p:cNvPr id="1" name=""/>
+        <p:cNvGrpSpPr/>
+        <p:nvPr/>
+      </p:nvGrpSpPr>
+      <p:grpSpPr>
+        <a:xfrm>
+          <a:off x="0" y="0"/>
+          <a:ext cx="0" cy="0"/>
+          <a:chOff x="0" y="0"/>
+          <a:chExt cx="0" cy="0"/>
+        </a:xfrm>
+      </p:grpSpPr>
+      <p:sp>
+        <p:nvSpPr>
+          <p:cNvPr id="2" name="Titre 1"/>
+          <p:cNvSpPr>
+            <a:spLocks noGrp="1"/>
+          </p:cNvSpPr>
+          <p:nvPr>
+            <p:ph type="title"/>
+          </p:nvPr>
+        </p:nvSpPr>
+        <p:spPr>
+          <a:xfrm>
+            <a:off x="2592925" y="624110"/>
+            <a:ext cx="8911687" cy="1280890"/>
+          </a:xfrm>
+        </p:spPr>
+        <p:txBody>
+          <a:bodyPr/>
+          <a:lstStyle/>
+          <a:p>
+            <a:r>
+              <a:rPr lang="fr-FR" dirty="0" smtClean="0"/>
+              <a:t>Encodage du code source</a:t>
+            </a:r>
+            <a:endParaRPr lang="fr-FR" dirty="0"/>
+          </a:p>
+        </p:txBody>
+      </p:sp>
+      <p:sp>
+        <p:nvSpPr>
+          <p:cNvPr id="3" name="Espace réservé du contenu 2"/>
+          <p:cNvSpPr>
+            <a:spLocks noGrp="1"/>
+          </p:cNvSpPr>
+          <p:nvPr>
+            <p:ph idx="1"/>
+          </p:nvPr>
+        </p:nvSpPr>
+        <p:spPr>
+          <a:xfrm>
+            <a:off x="2589212" y="1558456"/>
+            <a:ext cx="8915400" cy="4818490"/>
+          </a:xfrm>
+        </p:spPr>
+        <p:txBody>
+          <a:bodyPr anchor="t" anchorCtr="0">
+            <a:normAutofit/>
+          </a:bodyPr>
+          <a:lstStyle/>
+          <a:p>
+            <a:pPr algn="just"/>
+            <a:r>
+              <a:rPr lang="fr-FR" dirty="0">
+                <a:solidFill>
+                  <a:schemeClr val="tx1"/>
+                </a:solidFill>
+              </a:rPr>
+              <a:t>Par défaut Python considère que ses fichiers source sont encodés en </a:t>
+            </a:r>
+            <a:r>
+              <a:rPr lang="fr-FR" dirty="0" smtClean="0">
+                <a:solidFill>
+                  <a:schemeClr val="tx1"/>
+                </a:solidFill>
+              </a:rPr>
+              <a:t>UTF-8</a:t>
+            </a:r>
+          </a:p>
+          <a:p>
+            <a:pPr algn="just"/>
+            <a:r>
+              <a:rPr lang="fr-FR" dirty="0" smtClean="0">
+                <a:solidFill>
+                  <a:schemeClr val="tx1"/>
+                </a:solidFill>
+              </a:rPr>
+              <a:t>Dans </a:t>
+            </a:r>
+            <a:r>
+              <a:rPr lang="fr-FR" dirty="0">
+                <a:solidFill>
+                  <a:schemeClr val="tx1"/>
+                </a:solidFill>
+              </a:rPr>
+              <a:t>cet encodage, les caractères de la plupart des langues peuvent être utilisés ensemble dans les chaînes de caractères, identifiants, et commentaires, bien que la bibliothèque standard n’utilise que des caractères ASCII dans ses identifiants, une bonne habitude que tout code portable devrait </a:t>
+            </a:r>
+            <a:r>
+              <a:rPr lang="fr-FR" dirty="0" smtClean="0">
+                <a:solidFill>
+                  <a:schemeClr val="tx1"/>
+                </a:solidFill>
+              </a:rPr>
+              <a:t>suivre</a:t>
+            </a:r>
+          </a:p>
+          <a:p>
+            <a:pPr algn="just"/>
+            <a:r>
+              <a:rPr lang="fr-FR" dirty="0" smtClean="0">
+                <a:solidFill>
+                  <a:schemeClr val="tx1"/>
+                </a:solidFill>
+              </a:rPr>
+              <a:t>Pour </a:t>
+            </a:r>
+            <a:r>
+              <a:rPr lang="fr-FR" dirty="0">
+                <a:solidFill>
+                  <a:schemeClr val="tx1"/>
+                </a:solidFill>
+              </a:rPr>
+              <a:t>afficher correctement tous ces caractères, votre éditeur doit reconnaître que le fichier est en UTF-8, et utiliser une fonte de caractère qui comprend tous les caractères utilisés dans le </a:t>
+            </a:r>
+            <a:r>
+              <a:rPr lang="fr-FR" dirty="0" smtClean="0">
+                <a:solidFill>
+                  <a:schemeClr val="tx1"/>
+                </a:solidFill>
+              </a:rPr>
+              <a:t>fichier</a:t>
+            </a:r>
+          </a:p>
+          <a:p>
+            <a:pPr algn="just"/>
+            <a:r>
+              <a:rPr lang="fr-FR" dirty="0">
+                <a:solidFill>
+                  <a:schemeClr val="tx1"/>
+                </a:solidFill>
+              </a:rPr>
+              <a:t>Pour annoncer un encodage différent de l’encodage par défaut, une ligne de commentaire particulière doit être ajoutée à la première ligne du </a:t>
+            </a:r>
+            <a:r>
+              <a:rPr lang="fr-FR" dirty="0" smtClean="0">
+                <a:solidFill>
+                  <a:schemeClr val="tx1"/>
+                </a:solidFill>
+              </a:rPr>
+              <a:t>fichier</a:t>
+            </a:r>
+          </a:p>
+          <a:p>
+            <a:pPr algn="just"/>
+            <a:r>
+              <a:rPr lang="fr-FR" dirty="0" smtClean="0">
+                <a:solidFill>
+                  <a:schemeClr val="tx1"/>
+                </a:solidFill>
+              </a:rPr>
+              <a:t>Sa </a:t>
+            </a:r>
+            <a:r>
+              <a:rPr lang="fr-FR" dirty="0">
+                <a:solidFill>
+                  <a:schemeClr val="tx1"/>
+                </a:solidFill>
+              </a:rPr>
+              <a:t>syntaxe </a:t>
+            </a:r>
+            <a:r>
+              <a:rPr lang="fr-FR" dirty="0" smtClean="0">
+                <a:solidFill>
+                  <a:schemeClr val="tx1"/>
+                </a:solidFill>
+              </a:rPr>
+              <a:t>est </a:t>
+            </a:r>
+            <a:r>
+              <a:rPr lang="fr-FR" dirty="0">
+                <a:solidFill>
+                  <a:schemeClr val="tx1"/>
+                </a:solidFill>
+              </a:rPr>
+              <a:t>la suivante : </a:t>
+            </a:r>
+            <a:r>
+              <a:rPr lang="fr-FR" b="1" i="1" dirty="0">
+                <a:solidFill>
+                  <a:schemeClr val="accent6"/>
+                </a:solidFill>
+              </a:rPr>
+              <a:t># -*- coding: encoding </a:t>
+            </a:r>
+            <a:r>
+              <a:rPr lang="fr-FR" b="1" i="1" dirty="0" smtClean="0">
+                <a:solidFill>
+                  <a:schemeClr val="accent6"/>
+                </a:solidFill>
+              </a:rPr>
+              <a:t>-*- </a:t>
+            </a:r>
+            <a:r>
+              <a:rPr lang="fr-FR" dirty="0" smtClean="0">
+                <a:solidFill>
+                  <a:schemeClr val="tx1"/>
+                </a:solidFill>
+              </a:rPr>
+              <a:t>, ou encoding est un des codecs supportés par Python (par exemple: </a:t>
+            </a:r>
+            <a:r>
+              <a:rPr lang="fr-FR" b="1" i="1" dirty="0" smtClean="0">
+                <a:solidFill>
+                  <a:schemeClr val="accent6"/>
+                </a:solidFill>
+              </a:rPr>
+              <a:t>cp-1252</a:t>
+            </a:r>
+            <a:r>
+              <a:rPr lang="fr-FR" dirty="0" smtClean="0">
+                <a:solidFill>
+                  <a:schemeClr val="tx1"/>
+                </a:solidFill>
+              </a:rPr>
+              <a:t> pour Windows)</a:t>
+            </a:r>
+            <a:endParaRPr lang="fr-FR" dirty="0">
+              <a:solidFill>
+                <a:schemeClr val="tx1"/>
+              </a:solidFill>
+            </a:endParaRPr>
+          </a:p>
+        </p:txBody>
+      </p:sp>
+    </p:spTree>
+    <p:extLst>
+      <p:ext uri="{BB962C8B-B14F-4D97-AF65-F5344CB8AC3E}">
+        <p14:creationId xmlns:p14="http://schemas.microsoft.com/office/powerpoint/2010/main" val="768688273"/>
+      </p:ext>
+    </p:extLst>
+  </p:cSld>
+  <p:clrMapOvr>
+    <a:masterClrMapping/>
+  </p:clrMapOvr>
+  <p:timing>
+    <p:tnLst>
+      <p:par>
+        <p:cTn id="1" dur="indefinite" restart="never" nodeType="tmRoot"/>
+      </p:par>
+    </p:tnLst>
+  </p:timing>
+</p:sld>
+</file>
+
+<file path=ppt/slides/slide14.xml><?xml version="1.0" encoding="utf-8"?>
+<p:sld xmlns:a="http://schemas.openxmlformats.org/drawingml/2006/main" xmlns:r="http://schemas.openxmlformats.org/officeDocument/2006/relationships" xmlns:p="http://schemas.openxmlformats.org/presentationml/2006/main">
+  <p:cSld>
+    <p:spTree>
+      <p:nvGrpSpPr>
+        <p:cNvPr id="1" name=""/>
+        <p:cNvGrpSpPr/>
+        <p:nvPr/>
+      </p:nvGrpSpPr>
+      <p:grpSpPr>
+        <a:xfrm>
+          <a:off x="0" y="0"/>
+          <a:ext cx="0" cy="0"/>
+          <a:chOff x="0" y="0"/>
+          <a:chExt cx="0" cy="0"/>
+        </a:xfrm>
+      </p:grpSpPr>
+      <p:sp>
+        <p:nvSpPr>
+          <p:cNvPr id="2" name="Titre 1"/>
+          <p:cNvSpPr>
+            <a:spLocks noGrp="1"/>
+          </p:cNvSpPr>
+          <p:nvPr>
+            <p:ph type="title"/>
+          </p:nvPr>
+        </p:nvSpPr>
+        <p:spPr>
+          <a:xfrm>
+            <a:off x="2592925" y="624110"/>
+            <a:ext cx="8911687" cy="1280890"/>
+          </a:xfrm>
+        </p:spPr>
+        <p:txBody>
+          <a:bodyPr/>
+          <a:lstStyle/>
+          <a:p>
+            <a:r>
+              <a:rPr lang="fr-FR" dirty="0" smtClean="0"/>
+              <a:t>Encodage du code source</a:t>
+            </a:r>
+            <a:endParaRPr lang="fr-FR" dirty="0"/>
+          </a:p>
+        </p:txBody>
+      </p:sp>
+      <p:sp>
+        <p:nvSpPr>
+          <p:cNvPr id="3" name="Espace réservé du contenu 2"/>
+          <p:cNvSpPr>
+            <a:spLocks noGrp="1"/>
+          </p:cNvSpPr>
+          <p:nvPr>
+            <p:ph idx="1"/>
+          </p:nvPr>
+        </p:nvSpPr>
+        <p:spPr>
+          <a:xfrm>
+            <a:off x="2589212" y="1558456"/>
+            <a:ext cx="8915400" cy="4818490"/>
+          </a:xfrm>
+        </p:spPr>
+        <p:txBody>
+          <a:bodyPr anchor="ctr" anchorCtr="0">
+            <a:normAutofit/>
+          </a:bodyPr>
+          <a:lstStyle/>
+          <a:p>
+            <a:pPr algn="just"/>
+            <a:r>
+              <a:rPr lang="fr-FR" dirty="0">
+                <a:solidFill>
+                  <a:schemeClr val="tx1"/>
+                </a:solidFill>
+              </a:rPr>
+              <a:t>Une exception à la règle </a:t>
+            </a:r>
+            <a:r>
+              <a:rPr lang="fr-FR" dirty="0" smtClean="0">
+                <a:solidFill>
+                  <a:schemeClr val="tx1"/>
+                </a:solidFill>
+              </a:rPr>
+              <a:t>précédente </a:t>
+            </a:r>
+            <a:r>
+              <a:rPr lang="fr-FR" dirty="0">
+                <a:solidFill>
+                  <a:schemeClr val="tx1"/>
+                </a:solidFill>
+              </a:rPr>
+              <a:t>est lorsque la première ligne est un shebang </a:t>
+            </a:r>
+            <a:r>
+              <a:rPr lang="fr-FR" dirty="0" smtClean="0">
+                <a:solidFill>
+                  <a:schemeClr val="tx1"/>
+                </a:solidFill>
+              </a:rPr>
+              <a:t>UNIX</a:t>
+            </a:r>
+          </a:p>
+          <a:p>
+            <a:pPr algn="just"/>
+            <a:r>
+              <a:rPr lang="fr-FR" dirty="0" smtClean="0">
+                <a:solidFill>
+                  <a:schemeClr val="tx1"/>
+                </a:solidFill>
+              </a:rPr>
+              <a:t>Dans </a:t>
+            </a:r>
+            <a:r>
+              <a:rPr lang="fr-FR" dirty="0">
+                <a:solidFill>
+                  <a:schemeClr val="tx1"/>
+                </a:solidFill>
+              </a:rPr>
+              <a:t>ce cas, la déclaration de l’encodage doit être placé sur la seconde ligne du fichier</a:t>
+            </a:r>
+            <a:r>
+              <a:rPr lang="fr-FR" dirty="0" smtClean="0">
+                <a:solidFill>
+                  <a:schemeClr val="tx1"/>
+                </a:solidFill>
+              </a:rPr>
+              <a:t>..</a:t>
+            </a:r>
+          </a:p>
+          <a:p>
+            <a:pPr algn="just"/>
+            <a:r>
+              <a:rPr lang="fr-FR" dirty="0" smtClean="0">
+                <a:solidFill>
+                  <a:schemeClr val="tx1"/>
+                </a:solidFill>
+              </a:rPr>
+              <a:t>Par </a:t>
+            </a:r>
+            <a:r>
+              <a:rPr lang="fr-FR" dirty="0">
+                <a:solidFill>
+                  <a:schemeClr val="tx1"/>
+                </a:solidFill>
+              </a:rPr>
+              <a:t>exemple :</a:t>
+            </a:r>
+          </a:p>
+          <a:p>
+            <a:pPr marL="400050" lvl="1" indent="0" algn="just">
+              <a:buNone/>
+            </a:pPr>
+            <a:r>
+              <a:rPr lang="fr-FR" b="1" i="1" dirty="0" smtClean="0">
+                <a:solidFill>
+                  <a:schemeClr val="accent6"/>
+                </a:solidFill>
+              </a:rPr>
+              <a:t>#!/</a:t>
+            </a:r>
+            <a:r>
+              <a:rPr lang="fr-FR" b="1" i="1" dirty="0">
+                <a:solidFill>
+                  <a:schemeClr val="accent6"/>
+                </a:solidFill>
+              </a:rPr>
+              <a:t>usr/bin/</a:t>
+            </a:r>
+            <a:r>
+              <a:rPr lang="fr-FR" b="1" i="1" dirty="0" err="1">
+                <a:solidFill>
+                  <a:schemeClr val="accent6"/>
+                </a:solidFill>
+              </a:rPr>
+              <a:t>env</a:t>
+            </a:r>
+            <a:r>
+              <a:rPr lang="fr-FR" b="1" i="1" dirty="0">
+                <a:solidFill>
+                  <a:schemeClr val="accent6"/>
+                </a:solidFill>
+              </a:rPr>
+              <a:t> python3</a:t>
+            </a:r>
+          </a:p>
+          <a:p>
+            <a:pPr marL="400050" lvl="1" indent="0" algn="just">
+              <a:buNone/>
+            </a:pPr>
+            <a:r>
+              <a:rPr lang="fr-FR" b="1" i="1" dirty="0">
+                <a:solidFill>
+                  <a:schemeClr val="accent6"/>
+                </a:solidFill>
+              </a:rPr>
+              <a:t># -*- coding: </a:t>
+            </a:r>
+            <a:r>
+              <a:rPr lang="fr-FR" b="1" i="1" dirty="0" smtClean="0">
+                <a:solidFill>
+                  <a:schemeClr val="accent6"/>
+                </a:solidFill>
+              </a:rPr>
+              <a:t>utf-8 </a:t>
+            </a:r>
+            <a:r>
+              <a:rPr lang="fr-FR" b="1" i="1" dirty="0">
+                <a:solidFill>
+                  <a:schemeClr val="accent6"/>
+                </a:solidFill>
+              </a:rPr>
+              <a:t>-*-</a:t>
+            </a:r>
+            <a:endParaRPr lang="fr-FR" b="1" i="1" dirty="0">
+              <a:solidFill>
+                <a:schemeClr val="accent6"/>
+              </a:solidFill>
+            </a:endParaRPr>
+          </a:p>
+        </p:txBody>
+      </p:sp>
+    </p:spTree>
+    <p:extLst>
+      <p:ext uri="{BB962C8B-B14F-4D97-AF65-F5344CB8AC3E}">
+        <p14:creationId xmlns:p14="http://schemas.microsoft.com/office/powerpoint/2010/main" val="1628820890"/>
+      </p:ext>
+    </p:extLst>
+  </p:cSld>
+  <p:clrMapOvr>
+    <a:masterClrMapping/>
+  </p:clrMapOvr>
+  <p:timing>
+    <p:tnLst>
+      <p:par>
+        <p:cTn id="1" dur="indefinite" restart="never" nodeType="tmRoot"/>
+      </p:par>
+    </p:tnLst>
+  </p:timing>
+</p:sld>
+</file>
+
 <file path=ppt/slides/slide2.xml><?xml version="1.0" encoding="utf-8"?>
 <p:sld xmlns:a="http://schemas.openxmlformats.org/drawingml/2006/main" xmlns:r="http://schemas.openxmlformats.org/officeDocument/2006/relationships" xmlns:p="http://schemas.openxmlformats.org/presentationml/2006/main">
   <p:cSld>
@@ -9144,7 +11323,11 @@
             </a:r>
             <a:r>
               <a:rPr lang="fr-FR" dirty="0" smtClean="0"/>
-              <a:t> ? Comme le serpent ?</a:t>
+              <a:t> ? Comme le </a:t>
+            </a:r>
+            <a:r>
+              <a:rPr lang="fr-FR" dirty="0" smtClean="0"/>
+              <a:t>reptile ?</a:t>
             </a:r>
             <a:endParaRPr lang="fr-FR" dirty="0"/>
           </a:p>
@@ -9170,8 +11353,13 @@
             <a:pPr algn="just"/>
             <a:r>
               <a:rPr lang="fr-FR" dirty="0" smtClean="0"/>
-              <a:t>Euh, non… pas comme le serpent</a:t>
-            </a:r>
+              <a:t>Euh, non… pas comme le </a:t>
+            </a:r>
+            <a:r>
+              <a:rPr lang="fr-FR" dirty="0" smtClean="0"/>
+              <a:t>reptile</a:t>
+            </a:r>
+            <a:endParaRPr lang="fr-FR" dirty="0" smtClean="0"/>
           </a:p>
           <a:p>
             <a:pPr algn="just"/>
@@ -9184,12 +11372,66 @@
             <a:pPr algn="just"/>
             <a:r>
               <a:rPr lang="fr-FR" dirty="0" smtClean="0"/>
-              <a:t>Son nom fut choisi en hommage aux Monty Python</a:t>
+              <a:t>Son nom fut choisi en hommage aux Monty </a:t>
+            </a:r>
+            <a:r>
+              <a:rPr lang="fr-FR" dirty="0" smtClean="0"/>
+              <a:t>Python et leur émission à la radio : "The Monty Python's Flying Circus"</a:t>
             </a:r>
             <a:endParaRPr lang="fr-FR" dirty="0"/>
           </a:p>
         </p:txBody>
       </p:sp>
+      <p:pic>
+        <p:nvPicPr>
+          <p:cNvPr id="8194" name="Picture 2" descr="Résultat de recherche d'images pour &quot;the monty python flying circus&quot;"/>
+          <p:cNvPicPr>
+            <a:picLocks noChangeAspect="1" noChangeArrowheads="1"/>
+          </p:cNvPicPr>
+          <p:nvPr/>
+        </p:nvPicPr>
+        <p:blipFill>
+          <a:blip r:embed="rId3">
+            <a:extLst>
+              <a:ext uri="{28A0092B-C50C-407E-A947-70E740481C1C}">
+                <a14:useLocalDpi xmlns:a14="http://schemas.microsoft.com/office/drawing/2010/main" val="0"/>
+              </a:ext>
+            </a:extLst>
+          </a:blip>
+          <a:srcRect/>
+          <a:stretch>
+            <a:fillRect/>
+          </a:stretch>
+        </p:blipFill>
+        <p:spPr bwMode="auto">
+          <a:xfrm>
+            <a:off x="8647112" y="1905000"/>
+            <a:ext cx="2857500" cy="1905000"/>
+          </a:xfrm>
+          <a:prstGeom prst="rect">
+            <a:avLst/>
+          </a:prstGeom>
+          <a:ln>
+            <a:noFill/>
+          </a:ln>
+          <a:effectLst>
+            <a:outerShdw blurRad="292100" dist="139700" dir="2700000" algn="tl" rotWithShape="0">
+              <a:srgbClr val="333333">
+                <a:alpha val="65000"/>
+              </a:srgbClr>
+            </a:outerShdw>
+          </a:effectLst>
+          <a:extLst>
+            <a:ext uri="{909E8E84-426E-40DD-AFC4-6F175D3DCCD1}">
+              <a14:hiddenFill xmlns:a14="http://schemas.microsoft.com/office/drawing/2010/main">
+                <a:solidFill>
+                  <a:srgbClr val="FFFFFF"/>
+                </a:solidFill>
+              </a14:hiddenFill>
+            </a:ext>
+          </a:extLst>
+        </p:spPr>
+      </p:pic>
     </p:spTree>
     <p:extLst>
       <p:ext uri="{BB962C8B-B14F-4D97-AF65-F5344CB8AC3E}">
@@ -9257,7 +11499,11 @@
             </a:r>
             <a:r>
               <a:rPr lang="fr-FR" dirty="0" smtClean="0"/>
-              <a:t> ? Comme le serpent ?</a:t>
+              <a:t> ? Comme </a:t>
+            </a:r>
+            <a:r>
+              <a:rPr lang="fr-FR" dirty="0" smtClean="0"/>
+              <a:t>le reptile ?</a:t>
             </a:r>
             <a:endParaRPr lang="fr-FR" dirty="0"/>
           </a:p>
@@ -9391,7 +11637,11 @@
             </a:r>
             <a:r>
               <a:rPr lang="fr-FR" dirty="0" smtClean="0"/>
-              <a:t> ? Comme le serpent ?</a:t>
+              <a:t> ? Comme </a:t>
+            </a:r>
+            <a:r>
+              <a:rPr lang="fr-FR" dirty="0" smtClean="0"/>
+              <a:t>le reptile ?</a:t>
             </a:r>
             <a:endParaRPr lang="fr-FR" dirty="0"/>
           </a:p>
@@ -9438,15 +11688,15 @@
             <a:pPr algn="just"/>
             <a:r>
               <a:rPr lang="fr-FR" dirty="0" smtClean="0"/>
-              <a:t>Sa syntaxe élégante, son typage dynamique et sa nature interprétée en font un langage idéale pour le </a:t>
-            </a:r>
-            <a:r>
-              <a:rPr lang="fr-FR" dirty="0" err="1" smtClean="0"/>
-              <a:t>scripting</a:t>
+              <a:t>Sa syntaxe élégante, son typage dynamique et sa nature interprétée en font un langage </a:t>
             </a:r>
             <a:r>
               <a:rPr lang="fr-FR" dirty="0" smtClean="0"/>
-              <a:t> et le développement rapide d'applications, dans de nombreux domaines et sur de multiples plateformes</a:t>
+              <a:t>idéal </a:t>
+            </a:r>
+            <a:r>
+              <a:rPr lang="fr-FR" dirty="0" smtClean="0"/>
+              <a:t>pour le scripting et le développement rapide d'applications, dans de nombreux domaines et sur de multiples plateformes</a:t>
             </a:r>
             <a:endParaRPr lang="fr-FR" dirty="0"/>
           </a:p>
@@ -9519,7 +11769,15 @@
             </a:r>
             <a:r>
               <a:rPr lang="fr-FR" dirty="0" smtClean="0"/>
-              <a:t> ? Comme le serpent ?</a:t>
+              <a:t> ? Comme </a:t>
+            </a:r>
+            <a:r>
+              <a:rPr lang="fr-FR" dirty="0" smtClean="0"/>
+              <a:t>le reptile </a:t>
+            </a:r>
+            <a:r>
+              <a:rPr lang="fr-FR" dirty="0" smtClean="0"/>
+              <a:t>?</a:t>
             </a:r>
             <a:endParaRPr lang="fr-FR" dirty="0"/>
           </a:p>
@@ -9660,19 +11918,11 @@
           <a:p>
             <a:r>
               <a:rPr lang="fr-FR" dirty="0" smtClean="0"/>
-              <a:t>Le "Zen" de Python (</a:t>
-            </a:r>
-            <a:r>
-              <a:rPr lang="fr-FR" b="1" i="1" dirty="0" smtClean="0">
-                <a:solidFill>
-                  <a:schemeClr val="accent6"/>
-                </a:solidFill>
-              </a:rPr>
-              <a:t>import this</a:t>
+              <a:t>Le "Zen" de </a:t>
             </a:r>
             <a:r>
               <a:rPr lang="fr-FR" dirty="0" smtClean="0"/>
-              <a:t>)</a:t>
+              <a:t>Python</a:t>
             </a:r>
             <a:endParaRPr lang="fr-FR" dirty="0"/>
           </a:p>
@@ -10112,6 +12362,433 @@
     <p:extLst>
       <p:ext uri="{BB962C8B-B14F-4D97-AF65-F5344CB8AC3E}">
         <p14:creationId xmlns:p14="http://schemas.microsoft.com/office/powerpoint/2010/main" val="2063766052"/>
+      </p:ext>
+    </p:extLst>
+  </p:cSld>
+  <p:clrMapOvr>
+    <a:masterClrMapping/>
+  </p:clrMapOvr>
+  <p:timing>
+    <p:tnLst>
+      <p:par>
+        <p:cTn id="1" dur="indefinite" restart="never" nodeType="tmRoot"/>
+      </p:par>
+    </p:tnLst>
+  </p:timing>
+</p:sld>
+</file>
+
+<file path=ppt/slides/slide7.xml><?xml version="1.0" encoding="utf-8"?>
+<p:sld xmlns:a="http://schemas.openxmlformats.org/drawingml/2006/main" xmlns:r="http://schemas.openxmlformats.org/officeDocument/2006/relationships" xmlns:p="http://schemas.openxmlformats.org/presentationml/2006/main">
+  <p:cSld>
+    <p:spTree>
+      <p:nvGrpSpPr>
+        <p:cNvPr id="1" name=""/>
+        <p:cNvGrpSpPr/>
+        <p:nvPr/>
+      </p:nvGrpSpPr>
+      <p:grpSpPr>
+        <a:xfrm>
+          <a:off x="0" y="0"/>
+          <a:ext cx="0" cy="0"/>
+          <a:chOff x="0" y="0"/>
+          <a:chExt cx="0" cy="0"/>
+        </a:xfrm>
+      </p:grpSpPr>
+      <p:sp>
+        <p:nvSpPr>
+          <p:cNvPr id="2" name="Titre 1"/>
+          <p:cNvSpPr>
+            <a:spLocks noGrp="1"/>
+          </p:cNvSpPr>
+          <p:nvPr>
+            <p:ph type="title"/>
+          </p:nvPr>
+        </p:nvSpPr>
+        <p:spPr>
+          <a:xfrm>
+            <a:off x="2592925" y="624110"/>
+            <a:ext cx="8911687" cy="1280890"/>
+          </a:xfrm>
+        </p:spPr>
+        <p:txBody>
+          <a:bodyPr/>
+          <a:lstStyle/>
+          <a:p>
+            <a:r>
+              <a:rPr lang="fr-FR" dirty="0" smtClean="0"/>
+              <a:t>Le "Zen" de Python (</a:t>
+            </a:r>
+            <a:r>
+              <a:rPr lang="fr-FR" b="1" i="1" dirty="0" smtClean="0">
+                <a:solidFill>
+                  <a:schemeClr val="accent6"/>
+                </a:solidFill>
+              </a:rPr>
+              <a:t>import this</a:t>
+            </a:r>
+            <a:r>
+              <a:rPr lang="fr-FR" dirty="0" smtClean="0"/>
+              <a:t>)</a:t>
+            </a:r>
+            <a:endParaRPr lang="fr-FR" dirty="0"/>
+          </a:p>
+        </p:txBody>
+      </p:sp>
+      <p:pic>
+        <p:nvPicPr>
+          <p:cNvPr id="6" name="Image 5"/>
+          <p:cNvPicPr>
+            <a:picLocks noChangeAspect="1"/>
+          </p:cNvPicPr>
+          <p:nvPr/>
+        </p:nvPicPr>
+        <p:blipFill>
+          <a:blip r:embed="rId3"/>
+          <a:stretch>
+            <a:fillRect/>
+          </a:stretch>
+        </p:blipFill>
+        <p:spPr>
+          <a:xfrm>
+            <a:off x="2770243" y="1794551"/>
+            <a:ext cx="6715125" cy="4048125"/>
+          </a:xfrm>
+          <a:prstGeom prst="rect">
+            <a:avLst/>
+          </a:prstGeom>
+          <a:ln>
+            <a:noFill/>
+          </a:ln>
+          <a:effectLst>
+            <a:outerShdw blurRad="292100" dist="139700" dir="2700000" algn="tl" rotWithShape="0">
+              <a:srgbClr val="333333">
+                <a:alpha val="65000"/>
+              </a:srgbClr>
+            </a:outerShdw>
+          </a:effectLst>
+        </p:spPr>
+      </p:pic>
+    </p:spTree>
+    <p:extLst>
+      <p:ext uri="{BB962C8B-B14F-4D97-AF65-F5344CB8AC3E}">
+        <p14:creationId xmlns:p14="http://schemas.microsoft.com/office/powerpoint/2010/main" val="440090951"/>
+      </p:ext>
+    </p:extLst>
+  </p:cSld>
+  <p:clrMapOvr>
+    <a:masterClrMapping/>
+  </p:clrMapOvr>
+  <p:timing>
+    <p:tnLst>
+      <p:par>
+        <p:cTn id="1" dur="indefinite" restart="never" nodeType="tmRoot"/>
+      </p:par>
+    </p:tnLst>
+  </p:timing>
+</p:sld>
+</file>
+
+<file path=ppt/slides/slide8.xml><?xml version="1.0" encoding="utf-8"?>
+<p:sld xmlns:a="http://schemas.openxmlformats.org/drawingml/2006/main" xmlns:r="http://schemas.openxmlformats.org/officeDocument/2006/relationships" xmlns:p="http://schemas.openxmlformats.org/presentationml/2006/main">
+  <p:cSld>
+    <p:spTree>
+      <p:nvGrpSpPr>
+        <p:cNvPr id="1" name=""/>
+        <p:cNvGrpSpPr/>
+        <p:nvPr/>
+      </p:nvGrpSpPr>
+      <p:grpSpPr>
+        <a:xfrm>
+          <a:off x="0" y="0"/>
+          <a:ext cx="0" cy="0"/>
+          <a:chOff x="0" y="0"/>
+          <a:chExt cx="0" cy="0"/>
+        </a:xfrm>
+      </p:grpSpPr>
+      <p:sp>
+        <p:nvSpPr>
+          <p:cNvPr id="2" name="Titre 1"/>
+          <p:cNvSpPr>
+            <a:spLocks noGrp="1"/>
+          </p:cNvSpPr>
+          <p:nvPr>
+            <p:ph type="title"/>
+          </p:nvPr>
+        </p:nvSpPr>
+        <p:spPr>
+          <a:xfrm>
+            <a:off x="2592925" y="624110"/>
+            <a:ext cx="8911687" cy="1280890"/>
+          </a:xfrm>
+        </p:spPr>
+        <p:txBody>
+          <a:bodyPr/>
+          <a:lstStyle/>
+          <a:p>
+            <a:r>
+              <a:rPr lang="fr-FR" dirty="0" smtClean="0"/>
+              <a:t>Invoquer l'interpréteur Python</a:t>
+            </a:r>
+            <a:endParaRPr lang="fr-FR" dirty="0"/>
+          </a:p>
+        </p:txBody>
+      </p:sp>
+      <p:sp>
+        <p:nvSpPr>
+          <p:cNvPr id="3" name="Espace réservé du contenu 2"/>
+          <p:cNvSpPr>
+            <a:spLocks noGrp="1"/>
+          </p:cNvSpPr>
+          <p:nvPr>
+            <p:ph idx="1"/>
+          </p:nvPr>
+        </p:nvSpPr>
+        <p:spPr/>
+        <p:txBody>
+          <a:bodyPr anchor="t" anchorCtr="0">
+            <a:normAutofit/>
+          </a:bodyPr>
+          <a:lstStyle/>
+          <a:p>
+            <a:pPr algn="just"/>
+            <a:r>
+              <a:rPr lang="fr-FR" dirty="0"/>
+              <a:t>L’interpréteur Python se trouve en général </a:t>
+            </a:r>
+            <a:r>
+              <a:rPr lang="fr-FR" dirty="0" smtClean="0"/>
+              <a:t>dans /usr/local/bin/python3.6 </a:t>
+            </a:r>
+            <a:r>
+              <a:rPr lang="fr-FR" dirty="0"/>
+              <a:t>sur </a:t>
+            </a:r>
+            <a:r>
+              <a:rPr lang="fr-FR" dirty="0" smtClean="0"/>
+              <a:t>les </a:t>
+            </a:r>
+            <a:r>
+              <a:rPr lang="fr-FR" dirty="0"/>
+              <a:t>machines où il est </a:t>
+            </a:r>
+            <a:r>
+              <a:rPr lang="fr-FR" dirty="0" smtClean="0"/>
+              <a:t>disponible</a:t>
+            </a:r>
+          </a:p>
+          <a:p>
+            <a:pPr algn="just"/>
+            <a:r>
+              <a:rPr lang="fr-FR" dirty="0" smtClean="0"/>
+              <a:t>Ajouter </a:t>
+            </a:r>
+            <a:r>
+              <a:rPr lang="fr-FR" dirty="0"/>
+              <a:t>/usr/local/bin au chemin de recherche de votre </a:t>
+            </a:r>
+            <a:r>
+              <a:rPr lang="fr-FR" dirty="0" smtClean="0"/>
+              <a:t>Shell </a:t>
+            </a:r>
+            <a:r>
+              <a:rPr lang="fr-FR" dirty="0"/>
+              <a:t>Unix rend possible de le lancer en tapant la commande :</a:t>
+            </a:r>
+            <a:endParaRPr lang="fr-FR" dirty="0"/>
+          </a:p>
+        </p:txBody>
+      </p:sp>
+      <p:pic>
+        <p:nvPicPr>
+          <p:cNvPr id="6" name="Image 5"/>
+          <p:cNvPicPr>
+            <a:picLocks noChangeAspect="1"/>
+          </p:cNvPicPr>
+          <p:nvPr/>
+        </p:nvPicPr>
+        <p:blipFill>
+          <a:blip r:embed="rId3"/>
+          <a:stretch>
+            <a:fillRect/>
+          </a:stretch>
+        </p:blipFill>
+        <p:spPr>
+          <a:xfrm>
+            <a:off x="2589212" y="3826151"/>
+            <a:ext cx="6191250" cy="1352550"/>
+          </a:xfrm>
+          <a:prstGeom prst="rect">
+            <a:avLst/>
+          </a:prstGeom>
+          <a:ln>
+            <a:noFill/>
+          </a:ln>
+          <a:effectLst>
+            <a:outerShdw blurRad="292100" dist="139700" dir="2700000" algn="tl" rotWithShape="0">
+              <a:srgbClr val="333333">
+                <a:alpha val="65000"/>
+              </a:srgbClr>
+            </a:outerShdw>
+          </a:effectLst>
+        </p:spPr>
+      </p:pic>
+    </p:spTree>
+    <p:extLst>
+      <p:ext uri="{BB962C8B-B14F-4D97-AF65-F5344CB8AC3E}">
+        <p14:creationId xmlns:p14="http://schemas.microsoft.com/office/powerpoint/2010/main" val="3776477281"/>
+      </p:ext>
+    </p:extLst>
+  </p:cSld>
+  <p:clrMapOvr>
+    <a:masterClrMapping/>
+  </p:clrMapOvr>
+  <p:timing>
+    <p:tnLst>
+      <p:par>
+        <p:cTn id="1" dur="indefinite" restart="never" nodeType="tmRoot"/>
+      </p:par>
+    </p:tnLst>
+  </p:timing>
+</p:sld>
+</file>
+
+<file path=ppt/slides/slide9.xml><?xml version="1.0" encoding="utf-8"?>
+<p:sld xmlns:a="http://schemas.openxmlformats.org/drawingml/2006/main" xmlns:r="http://schemas.openxmlformats.org/officeDocument/2006/relationships" xmlns:p="http://schemas.openxmlformats.org/presentationml/2006/main">
+  <p:cSld>
+    <p:spTree>
+      <p:nvGrpSpPr>
+        <p:cNvPr id="1" name=""/>
+        <p:cNvGrpSpPr/>
+        <p:nvPr/>
+      </p:nvGrpSpPr>
+      <p:grpSpPr>
+        <a:xfrm>
+          <a:off x="0" y="0"/>
+          <a:ext cx="0" cy="0"/>
+          <a:chOff x="0" y="0"/>
+          <a:chExt cx="0" cy="0"/>
+        </a:xfrm>
+      </p:grpSpPr>
+      <p:sp>
+        <p:nvSpPr>
+          <p:cNvPr id="2" name="Titre 1"/>
+          <p:cNvSpPr>
+            <a:spLocks noGrp="1"/>
+          </p:cNvSpPr>
+          <p:nvPr>
+            <p:ph type="title"/>
+          </p:nvPr>
+        </p:nvSpPr>
+        <p:spPr>
+          <a:xfrm>
+            <a:off x="2592925" y="624110"/>
+            <a:ext cx="8911687" cy="1280890"/>
+          </a:xfrm>
+        </p:spPr>
+        <p:txBody>
+          <a:bodyPr/>
+          <a:lstStyle/>
+          <a:p>
+            <a:r>
+              <a:rPr lang="fr-FR" dirty="0" smtClean="0"/>
+              <a:t>Invoquer l'interpréteur Python</a:t>
+            </a:r>
+            <a:endParaRPr lang="fr-FR" dirty="0"/>
+          </a:p>
+        </p:txBody>
+      </p:sp>
+      <p:sp>
+        <p:nvSpPr>
+          <p:cNvPr id="3" name="Espace réservé du contenu 2"/>
+          <p:cNvSpPr>
+            <a:spLocks noGrp="1"/>
+          </p:cNvSpPr>
+          <p:nvPr>
+            <p:ph idx="1"/>
+          </p:nvPr>
+        </p:nvSpPr>
+        <p:spPr/>
+        <p:txBody>
+          <a:bodyPr anchor="t" anchorCtr="0">
+            <a:normAutofit/>
+          </a:bodyPr>
+          <a:lstStyle/>
+          <a:p>
+            <a:pPr algn="just"/>
+            <a:r>
+              <a:rPr lang="fr-FR" dirty="0" smtClean="0"/>
+              <a:t>Sur </a:t>
+            </a:r>
+            <a:r>
+              <a:rPr lang="fr-FR" dirty="0"/>
+              <a:t>les machines Windows, l’installation Python est habituellement placée dans C:\</a:t>
+            </a:r>
+            <a:r>
+              <a:rPr lang="fr-FR" dirty="0" smtClean="0"/>
+              <a:t>Python36, </a:t>
+            </a:r>
+            <a:r>
+              <a:rPr lang="fr-FR" dirty="0"/>
+              <a:t>même si vous pouvez changer cela lorsque vous lancez </a:t>
+            </a:r>
+            <a:r>
+              <a:rPr lang="fr-FR" dirty="0" smtClean="0"/>
+              <a:t>l’installateur</a:t>
+            </a:r>
+          </a:p>
+          <a:p>
+            <a:pPr algn="just"/>
+            <a:r>
+              <a:rPr lang="fr-FR" dirty="0" smtClean="0"/>
+              <a:t>Pour </a:t>
+            </a:r>
+            <a:r>
+              <a:rPr lang="fr-FR" dirty="0"/>
+              <a:t>ajouter ce dossier à votre chemin de recherche, vous pouvez taper la commande suivante dans un prompt de commande d’une machine DOS</a:t>
+            </a:r>
+            <a:endParaRPr lang="fr-FR" dirty="0"/>
+          </a:p>
+        </p:txBody>
+      </p:sp>
+      <p:pic>
+        <p:nvPicPr>
+          <p:cNvPr id="4" name="Image 3"/>
+          <p:cNvPicPr>
+            <a:picLocks noChangeAspect="1"/>
+          </p:cNvPicPr>
+          <p:nvPr/>
+        </p:nvPicPr>
+        <p:blipFill>
+          <a:blip r:embed="rId3"/>
+          <a:stretch>
+            <a:fillRect/>
+          </a:stretch>
+        </p:blipFill>
+        <p:spPr>
+          <a:xfrm>
+            <a:off x="2589212" y="4179653"/>
+            <a:ext cx="6524625" cy="1885950"/>
+          </a:xfrm>
+          <a:prstGeom prst="rect">
+            <a:avLst/>
+          </a:prstGeom>
+          <a:ln>
+            <a:noFill/>
+          </a:ln>
+          <a:effectLst>
+            <a:outerShdw blurRad="292100" dist="139700" dir="2700000" algn="tl" rotWithShape="0">
+              <a:srgbClr val="333333">
+                <a:alpha val="65000"/>
+              </a:srgbClr>
+            </a:outerShdw>
+          </a:effectLst>
+        </p:spPr>
+      </p:pic>
+    </p:spTree>
+    <p:extLst>
+      <p:ext uri="{BB962C8B-B14F-4D97-AF65-F5344CB8AC3E}">
+        <p14:creationId xmlns:p14="http://schemas.microsoft.com/office/powerpoint/2010/main" val="4233177840"/>
       </p:ext>
     </p:extLst>
   </p:cSld>

--- a/documentations/learning-python.pptx
+++ b/documentations/learning-python.pptx
@@ -5,7 +5,7 @@
     <p:sldMasterId id="2147483665" r:id="rId1"/>
   </p:sldMasterIdLst>
   <p:notesMasterIdLst>
-    <p:notesMasterId r:id="rId16"/>
+    <p:notesMasterId r:id="rId23"/>
   </p:notesMasterIdLst>
   <p:sldIdLst>
     <p:sldId id="256" r:id="rId2"/>
@@ -22,6 +22,13 @@
     <p:sldId id="267" r:id="rId13"/>
     <p:sldId id="268" r:id="rId14"/>
     <p:sldId id="269" r:id="rId15"/>
+    <p:sldId id="270" r:id="rId16"/>
+    <p:sldId id="272" r:id="rId17"/>
+    <p:sldId id="271" r:id="rId18"/>
+    <p:sldId id="273" r:id="rId19"/>
+    <p:sldId id="274" r:id="rId20"/>
+    <p:sldId id="275" r:id="rId21"/>
+    <p:sldId id="276" r:id="rId22"/>
   </p:sldIdLst>
   <p:sldSz cx="12192000" cy="6858000"/>
   <p:notesSz cx="6858000" cy="9144000"/>
@@ -898,6 +905,510 @@
 </p:notes>
 </file>
 
+<file path=ppt/notesSlides/notesSlide14.xml><?xml version="1.0" encoding="utf-8"?>
+<p:notes xmlns:a="http://schemas.openxmlformats.org/drawingml/2006/main" xmlns:r="http://schemas.openxmlformats.org/officeDocument/2006/relationships" xmlns:p="http://schemas.openxmlformats.org/presentationml/2006/main">
+  <p:cSld>
+    <p:spTree>
+      <p:nvGrpSpPr>
+        <p:cNvPr id="1" name=""/>
+        <p:cNvGrpSpPr/>
+        <p:nvPr/>
+      </p:nvGrpSpPr>
+      <p:grpSpPr>
+        <a:xfrm>
+          <a:off x="0" y="0"/>
+          <a:ext cx="0" cy="0"/>
+          <a:chOff x="0" y="0"/>
+          <a:chExt cx="0" cy="0"/>
+        </a:xfrm>
+      </p:grpSpPr>
+      <p:sp>
+        <p:nvSpPr>
+          <p:cNvPr id="2" name="Espace réservé de l'image des diapositives 1"/>
+          <p:cNvSpPr>
+            <a:spLocks noGrp="1" noRot="1" noChangeAspect="1"/>
+          </p:cNvSpPr>
+          <p:nvPr>
+            <p:ph type="sldImg"/>
+          </p:nvPr>
+        </p:nvSpPr>
+        <p:spPr/>
+      </p:sp>
+      <p:sp>
+        <p:nvSpPr>
+          <p:cNvPr id="3" name="Espace réservé des commentaires 2"/>
+          <p:cNvSpPr>
+            <a:spLocks noGrp="1"/>
+          </p:cNvSpPr>
+          <p:nvPr>
+            <p:ph type="body" idx="1"/>
+          </p:nvPr>
+        </p:nvSpPr>
+        <p:spPr/>
+        <p:txBody>
+          <a:bodyPr/>
+          <a:lstStyle/>
+          <a:p>
+            <a:endParaRPr lang="fr-FR"/>
+          </a:p>
+        </p:txBody>
+      </p:sp>
+      <p:sp>
+        <p:nvSpPr>
+          <p:cNvPr id="4" name="Espace réservé du numéro de diapositive 3"/>
+          <p:cNvSpPr>
+            <a:spLocks noGrp="1"/>
+          </p:cNvSpPr>
+          <p:nvPr>
+            <p:ph type="sldNum" sz="quarter" idx="10"/>
+          </p:nvPr>
+        </p:nvSpPr>
+        <p:spPr/>
+        <p:txBody>
+          <a:bodyPr/>
+          <a:lstStyle/>
+          <a:p>
+            <a:fld id="{58BEE673-8D3B-4BBD-97EB-7004EF7CF6EF}" type="slidenum">
+              <a:rPr lang="fr-FR" smtClean="0"/>
+              <a:t>15</a:t>
+            </a:fld>
+            <a:endParaRPr lang="fr-FR"/>
+          </a:p>
+        </p:txBody>
+      </p:sp>
+    </p:spTree>
+    <p:extLst>
+      <p:ext uri="{BB962C8B-B14F-4D97-AF65-F5344CB8AC3E}">
+        <p14:creationId xmlns:p14="http://schemas.microsoft.com/office/powerpoint/2010/main" val="2023558003"/>
+      </p:ext>
+    </p:extLst>
+  </p:cSld>
+  <p:clrMapOvr>
+    <a:masterClrMapping/>
+  </p:clrMapOvr>
+</p:notes>
+</file>
+
+<file path=ppt/notesSlides/notesSlide15.xml><?xml version="1.0" encoding="utf-8"?>
+<p:notes xmlns:a="http://schemas.openxmlformats.org/drawingml/2006/main" xmlns:r="http://schemas.openxmlformats.org/officeDocument/2006/relationships" xmlns:p="http://schemas.openxmlformats.org/presentationml/2006/main">
+  <p:cSld>
+    <p:spTree>
+      <p:nvGrpSpPr>
+        <p:cNvPr id="1" name=""/>
+        <p:cNvGrpSpPr/>
+        <p:nvPr/>
+      </p:nvGrpSpPr>
+      <p:grpSpPr>
+        <a:xfrm>
+          <a:off x="0" y="0"/>
+          <a:ext cx="0" cy="0"/>
+          <a:chOff x="0" y="0"/>
+          <a:chExt cx="0" cy="0"/>
+        </a:xfrm>
+      </p:grpSpPr>
+      <p:sp>
+        <p:nvSpPr>
+          <p:cNvPr id="2" name="Espace réservé de l'image des diapositives 1"/>
+          <p:cNvSpPr>
+            <a:spLocks noGrp="1" noRot="1" noChangeAspect="1"/>
+          </p:cNvSpPr>
+          <p:nvPr>
+            <p:ph type="sldImg"/>
+          </p:nvPr>
+        </p:nvSpPr>
+        <p:spPr/>
+      </p:sp>
+      <p:sp>
+        <p:nvSpPr>
+          <p:cNvPr id="3" name="Espace réservé des commentaires 2"/>
+          <p:cNvSpPr>
+            <a:spLocks noGrp="1"/>
+          </p:cNvSpPr>
+          <p:nvPr>
+            <p:ph type="body" idx="1"/>
+          </p:nvPr>
+        </p:nvSpPr>
+        <p:spPr/>
+        <p:txBody>
+          <a:bodyPr/>
+          <a:lstStyle/>
+          <a:p>
+            <a:endParaRPr lang="fr-FR"/>
+          </a:p>
+        </p:txBody>
+      </p:sp>
+      <p:sp>
+        <p:nvSpPr>
+          <p:cNvPr id="4" name="Espace réservé du numéro de diapositive 3"/>
+          <p:cNvSpPr>
+            <a:spLocks noGrp="1"/>
+          </p:cNvSpPr>
+          <p:nvPr>
+            <p:ph type="sldNum" sz="quarter" idx="10"/>
+          </p:nvPr>
+        </p:nvSpPr>
+        <p:spPr/>
+        <p:txBody>
+          <a:bodyPr/>
+          <a:lstStyle/>
+          <a:p>
+            <a:fld id="{58BEE673-8D3B-4BBD-97EB-7004EF7CF6EF}" type="slidenum">
+              <a:rPr lang="fr-FR" smtClean="0"/>
+              <a:t>16</a:t>
+            </a:fld>
+            <a:endParaRPr lang="fr-FR"/>
+          </a:p>
+        </p:txBody>
+      </p:sp>
+    </p:spTree>
+    <p:extLst>
+      <p:ext uri="{BB962C8B-B14F-4D97-AF65-F5344CB8AC3E}">
+        <p14:creationId xmlns:p14="http://schemas.microsoft.com/office/powerpoint/2010/main" val="1503628714"/>
+      </p:ext>
+    </p:extLst>
+  </p:cSld>
+  <p:clrMapOvr>
+    <a:masterClrMapping/>
+  </p:clrMapOvr>
+</p:notes>
+</file>
+
+<file path=ppt/notesSlides/notesSlide16.xml><?xml version="1.0" encoding="utf-8"?>
+<p:notes xmlns:a="http://schemas.openxmlformats.org/drawingml/2006/main" xmlns:r="http://schemas.openxmlformats.org/officeDocument/2006/relationships" xmlns:p="http://schemas.openxmlformats.org/presentationml/2006/main">
+  <p:cSld>
+    <p:spTree>
+      <p:nvGrpSpPr>
+        <p:cNvPr id="1" name=""/>
+        <p:cNvGrpSpPr/>
+        <p:nvPr/>
+      </p:nvGrpSpPr>
+      <p:grpSpPr>
+        <a:xfrm>
+          <a:off x="0" y="0"/>
+          <a:ext cx="0" cy="0"/>
+          <a:chOff x="0" y="0"/>
+          <a:chExt cx="0" cy="0"/>
+        </a:xfrm>
+      </p:grpSpPr>
+      <p:sp>
+        <p:nvSpPr>
+          <p:cNvPr id="2" name="Espace réservé de l'image des diapositives 1"/>
+          <p:cNvSpPr>
+            <a:spLocks noGrp="1" noRot="1" noChangeAspect="1"/>
+          </p:cNvSpPr>
+          <p:nvPr>
+            <p:ph type="sldImg"/>
+          </p:nvPr>
+        </p:nvSpPr>
+        <p:spPr/>
+      </p:sp>
+      <p:sp>
+        <p:nvSpPr>
+          <p:cNvPr id="3" name="Espace réservé des commentaires 2"/>
+          <p:cNvSpPr>
+            <a:spLocks noGrp="1"/>
+          </p:cNvSpPr>
+          <p:nvPr>
+            <p:ph type="body" idx="1"/>
+          </p:nvPr>
+        </p:nvSpPr>
+        <p:spPr/>
+        <p:txBody>
+          <a:bodyPr/>
+          <a:lstStyle/>
+          <a:p>
+            <a:endParaRPr lang="fr-FR"/>
+          </a:p>
+        </p:txBody>
+      </p:sp>
+      <p:sp>
+        <p:nvSpPr>
+          <p:cNvPr id="4" name="Espace réservé du numéro de diapositive 3"/>
+          <p:cNvSpPr>
+            <a:spLocks noGrp="1"/>
+          </p:cNvSpPr>
+          <p:nvPr>
+            <p:ph type="sldNum" sz="quarter" idx="10"/>
+          </p:nvPr>
+        </p:nvSpPr>
+        <p:spPr/>
+        <p:txBody>
+          <a:bodyPr/>
+          <a:lstStyle/>
+          <a:p>
+            <a:fld id="{58BEE673-8D3B-4BBD-97EB-7004EF7CF6EF}" type="slidenum">
+              <a:rPr lang="fr-FR" smtClean="0"/>
+              <a:t>17</a:t>
+            </a:fld>
+            <a:endParaRPr lang="fr-FR"/>
+          </a:p>
+        </p:txBody>
+      </p:sp>
+    </p:spTree>
+    <p:extLst>
+      <p:ext uri="{BB962C8B-B14F-4D97-AF65-F5344CB8AC3E}">
+        <p14:creationId xmlns:p14="http://schemas.microsoft.com/office/powerpoint/2010/main" val="703863947"/>
+      </p:ext>
+    </p:extLst>
+  </p:cSld>
+  <p:clrMapOvr>
+    <a:masterClrMapping/>
+  </p:clrMapOvr>
+</p:notes>
+</file>
+
+<file path=ppt/notesSlides/notesSlide17.xml><?xml version="1.0" encoding="utf-8"?>
+<p:notes xmlns:a="http://schemas.openxmlformats.org/drawingml/2006/main" xmlns:r="http://schemas.openxmlformats.org/officeDocument/2006/relationships" xmlns:p="http://schemas.openxmlformats.org/presentationml/2006/main">
+  <p:cSld>
+    <p:spTree>
+      <p:nvGrpSpPr>
+        <p:cNvPr id="1" name=""/>
+        <p:cNvGrpSpPr/>
+        <p:nvPr/>
+      </p:nvGrpSpPr>
+      <p:grpSpPr>
+        <a:xfrm>
+          <a:off x="0" y="0"/>
+          <a:ext cx="0" cy="0"/>
+          <a:chOff x="0" y="0"/>
+          <a:chExt cx="0" cy="0"/>
+        </a:xfrm>
+      </p:grpSpPr>
+      <p:sp>
+        <p:nvSpPr>
+          <p:cNvPr id="2" name="Espace réservé de l'image des diapositives 1"/>
+          <p:cNvSpPr>
+            <a:spLocks noGrp="1" noRot="1" noChangeAspect="1"/>
+          </p:cNvSpPr>
+          <p:nvPr>
+            <p:ph type="sldImg"/>
+          </p:nvPr>
+        </p:nvSpPr>
+        <p:spPr/>
+      </p:sp>
+      <p:sp>
+        <p:nvSpPr>
+          <p:cNvPr id="3" name="Espace réservé des commentaires 2"/>
+          <p:cNvSpPr>
+            <a:spLocks noGrp="1"/>
+          </p:cNvSpPr>
+          <p:nvPr>
+            <p:ph type="body" idx="1"/>
+          </p:nvPr>
+        </p:nvSpPr>
+        <p:spPr/>
+        <p:txBody>
+          <a:bodyPr/>
+          <a:lstStyle/>
+          <a:p>
+            <a:endParaRPr lang="fr-FR"/>
+          </a:p>
+        </p:txBody>
+      </p:sp>
+      <p:sp>
+        <p:nvSpPr>
+          <p:cNvPr id="4" name="Espace réservé du numéro de diapositive 3"/>
+          <p:cNvSpPr>
+            <a:spLocks noGrp="1"/>
+          </p:cNvSpPr>
+          <p:nvPr>
+            <p:ph type="sldNum" sz="quarter" idx="10"/>
+          </p:nvPr>
+        </p:nvSpPr>
+        <p:spPr/>
+        <p:txBody>
+          <a:bodyPr/>
+          <a:lstStyle/>
+          <a:p>
+            <a:fld id="{58BEE673-8D3B-4BBD-97EB-7004EF7CF6EF}" type="slidenum">
+              <a:rPr lang="fr-FR" smtClean="0"/>
+              <a:t>18</a:t>
+            </a:fld>
+            <a:endParaRPr lang="fr-FR"/>
+          </a:p>
+        </p:txBody>
+      </p:sp>
+    </p:spTree>
+    <p:extLst>
+      <p:ext uri="{BB962C8B-B14F-4D97-AF65-F5344CB8AC3E}">
+        <p14:creationId xmlns:p14="http://schemas.microsoft.com/office/powerpoint/2010/main" val="530976324"/>
+      </p:ext>
+    </p:extLst>
+  </p:cSld>
+  <p:clrMapOvr>
+    <a:masterClrMapping/>
+  </p:clrMapOvr>
+</p:notes>
+</file>
+
+<file path=ppt/notesSlides/notesSlide18.xml><?xml version="1.0" encoding="utf-8"?>
+<p:notes xmlns:a="http://schemas.openxmlformats.org/drawingml/2006/main" xmlns:r="http://schemas.openxmlformats.org/officeDocument/2006/relationships" xmlns:p="http://schemas.openxmlformats.org/presentationml/2006/main">
+  <p:cSld>
+    <p:spTree>
+      <p:nvGrpSpPr>
+        <p:cNvPr id="1" name=""/>
+        <p:cNvGrpSpPr/>
+        <p:nvPr/>
+      </p:nvGrpSpPr>
+      <p:grpSpPr>
+        <a:xfrm>
+          <a:off x="0" y="0"/>
+          <a:ext cx="0" cy="0"/>
+          <a:chOff x="0" y="0"/>
+          <a:chExt cx="0" cy="0"/>
+        </a:xfrm>
+      </p:grpSpPr>
+      <p:sp>
+        <p:nvSpPr>
+          <p:cNvPr id="2" name="Espace réservé de l'image des diapositives 1"/>
+          <p:cNvSpPr>
+            <a:spLocks noGrp="1" noRot="1" noChangeAspect="1"/>
+          </p:cNvSpPr>
+          <p:nvPr>
+            <p:ph type="sldImg"/>
+          </p:nvPr>
+        </p:nvSpPr>
+        <p:spPr/>
+      </p:sp>
+      <p:sp>
+        <p:nvSpPr>
+          <p:cNvPr id="3" name="Espace réservé des commentaires 2"/>
+          <p:cNvSpPr>
+            <a:spLocks noGrp="1"/>
+          </p:cNvSpPr>
+          <p:nvPr>
+            <p:ph type="body" idx="1"/>
+          </p:nvPr>
+        </p:nvSpPr>
+        <p:spPr/>
+        <p:txBody>
+          <a:bodyPr/>
+          <a:lstStyle/>
+          <a:p>
+            <a:endParaRPr lang="fr-FR"/>
+          </a:p>
+        </p:txBody>
+      </p:sp>
+      <p:sp>
+        <p:nvSpPr>
+          <p:cNvPr id="4" name="Espace réservé du numéro de diapositive 3"/>
+          <p:cNvSpPr>
+            <a:spLocks noGrp="1"/>
+          </p:cNvSpPr>
+          <p:nvPr>
+            <p:ph type="sldNum" sz="quarter" idx="10"/>
+          </p:nvPr>
+        </p:nvSpPr>
+        <p:spPr/>
+        <p:txBody>
+          <a:bodyPr/>
+          <a:lstStyle/>
+          <a:p>
+            <a:fld id="{58BEE673-8D3B-4BBD-97EB-7004EF7CF6EF}" type="slidenum">
+              <a:rPr lang="fr-FR" smtClean="0"/>
+              <a:t>19</a:t>
+            </a:fld>
+            <a:endParaRPr lang="fr-FR"/>
+          </a:p>
+        </p:txBody>
+      </p:sp>
+    </p:spTree>
+    <p:extLst>
+      <p:ext uri="{BB962C8B-B14F-4D97-AF65-F5344CB8AC3E}">
+        <p14:creationId xmlns:p14="http://schemas.microsoft.com/office/powerpoint/2010/main" val="1318834372"/>
+      </p:ext>
+    </p:extLst>
+  </p:cSld>
+  <p:clrMapOvr>
+    <a:masterClrMapping/>
+  </p:clrMapOvr>
+</p:notes>
+</file>
+
+<file path=ppt/notesSlides/notesSlide19.xml><?xml version="1.0" encoding="utf-8"?>
+<p:notes xmlns:a="http://schemas.openxmlformats.org/drawingml/2006/main" xmlns:r="http://schemas.openxmlformats.org/officeDocument/2006/relationships" xmlns:p="http://schemas.openxmlformats.org/presentationml/2006/main">
+  <p:cSld>
+    <p:spTree>
+      <p:nvGrpSpPr>
+        <p:cNvPr id="1" name=""/>
+        <p:cNvGrpSpPr/>
+        <p:nvPr/>
+      </p:nvGrpSpPr>
+      <p:grpSpPr>
+        <a:xfrm>
+          <a:off x="0" y="0"/>
+          <a:ext cx="0" cy="0"/>
+          <a:chOff x="0" y="0"/>
+          <a:chExt cx="0" cy="0"/>
+        </a:xfrm>
+      </p:grpSpPr>
+      <p:sp>
+        <p:nvSpPr>
+          <p:cNvPr id="2" name="Espace réservé de l'image des diapositives 1"/>
+          <p:cNvSpPr>
+            <a:spLocks noGrp="1" noRot="1" noChangeAspect="1"/>
+          </p:cNvSpPr>
+          <p:nvPr>
+            <p:ph type="sldImg"/>
+          </p:nvPr>
+        </p:nvSpPr>
+        <p:spPr/>
+      </p:sp>
+      <p:sp>
+        <p:nvSpPr>
+          <p:cNvPr id="3" name="Espace réservé des commentaires 2"/>
+          <p:cNvSpPr>
+            <a:spLocks noGrp="1"/>
+          </p:cNvSpPr>
+          <p:nvPr>
+            <p:ph type="body" idx="1"/>
+          </p:nvPr>
+        </p:nvSpPr>
+        <p:spPr/>
+        <p:txBody>
+          <a:bodyPr/>
+          <a:lstStyle/>
+          <a:p>
+            <a:endParaRPr lang="fr-FR"/>
+          </a:p>
+        </p:txBody>
+      </p:sp>
+      <p:sp>
+        <p:nvSpPr>
+          <p:cNvPr id="4" name="Espace réservé du numéro de diapositive 3"/>
+          <p:cNvSpPr>
+            <a:spLocks noGrp="1"/>
+          </p:cNvSpPr>
+          <p:nvPr>
+            <p:ph type="sldNum" sz="quarter" idx="10"/>
+          </p:nvPr>
+        </p:nvSpPr>
+        <p:spPr/>
+        <p:txBody>
+          <a:bodyPr/>
+          <a:lstStyle/>
+          <a:p>
+            <a:fld id="{58BEE673-8D3B-4BBD-97EB-7004EF7CF6EF}" type="slidenum">
+              <a:rPr lang="fr-FR" smtClean="0"/>
+              <a:t>20</a:t>
+            </a:fld>
+            <a:endParaRPr lang="fr-FR"/>
+          </a:p>
+        </p:txBody>
+      </p:sp>
+    </p:spTree>
+    <p:extLst>
+      <p:ext uri="{BB962C8B-B14F-4D97-AF65-F5344CB8AC3E}">
+        <p14:creationId xmlns:p14="http://schemas.microsoft.com/office/powerpoint/2010/main" val="653404068"/>
+      </p:ext>
+    </p:extLst>
+  </p:cSld>
+  <p:clrMapOvr>
+    <a:masterClrMapping/>
+  </p:clrMapOvr>
+</p:notes>
+</file>
+
 <file path=ppt/notesSlides/notesSlide2.xml><?xml version="1.0" encoding="utf-8"?>
 <p:notes xmlns:a="http://schemas.openxmlformats.org/drawingml/2006/main" xmlns:r="http://schemas.openxmlformats.org/officeDocument/2006/relationships" xmlns:p="http://schemas.openxmlformats.org/presentationml/2006/main">
   <p:cSld>
@@ -973,6 +1484,90 @@
     <p:extLst>
       <p:ext uri="{BB962C8B-B14F-4D97-AF65-F5344CB8AC3E}">
         <p14:creationId xmlns:p14="http://schemas.microsoft.com/office/powerpoint/2010/main" val="114450581"/>
+      </p:ext>
+    </p:extLst>
+  </p:cSld>
+  <p:clrMapOvr>
+    <a:masterClrMapping/>
+  </p:clrMapOvr>
+</p:notes>
+</file>
+
+<file path=ppt/notesSlides/notesSlide20.xml><?xml version="1.0" encoding="utf-8"?>
+<p:notes xmlns:a="http://schemas.openxmlformats.org/drawingml/2006/main" xmlns:r="http://schemas.openxmlformats.org/officeDocument/2006/relationships" xmlns:p="http://schemas.openxmlformats.org/presentationml/2006/main">
+  <p:cSld>
+    <p:spTree>
+      <p:nvGrpSpPr>
+        <p:cNvPr id="1" name=""/>
+        <p:cNvGrpSpPr/>
+        <p:nvPr/>
+      </p:nvGrpSpPr>
+      <p:grpSpPr>
+        <a:xfrm>
+          <a:off x="0" y="0"/>
+          <a:ext cx="0" cy="0"/>
+          <a:chOff x="0" y="0"/>
+          <a:chExt cx="0" cy="0"/>
+        </a:xfrm>
+      </p:grpSpPr>
+      <p:sp>
+        <p:nvSpPr>
+          <p:cNvPr id="2" name="Espace réservé de l'image des diapositives 1"/>
+          <p:cNvSpPr>
+            <a:spLocks noGrp="1" noRot="1" noChangeAspect="1"/>
+          </p:cNvSpPr>
+          <p:nvPr>
+            <p:ph type="sldImg"/>
+          </p:nvPr>
+        </p:nvSpPr>
+        <p:spPr/>
+      </p:sp>
+      <p:sp>
+        <p:nvSpPr>
+          <p:cNvPr id="3" name="Espace réservé des commentaires 2"/>
+          <p:cNvSpPr>
+            <a:spLocks noGrp="1"/>
+          </p:cNvSpPr>
+          <p:nvPr>
+            <p:ph type="body" idx="1"/>
+          </p:nvPr>
+        </p:nvSpPr>
+        <p:spPr/>
+        <p:txBody>
+          <a:bodyPr/>
+          <a:lstStyle/>
+          <a:p>
+            <a:endParaRPr lang="fr-FR"/>
+          </a:p>
+        </p:txBody>
+      </p:sp>
+      <p:sp>
+        <p:nvSpPr>
+          <p:cNvPr id="4" name="Espace réservé du numéro de diapositive 3"/>
+          <p:cNvSpPr>
+            <a:spLocks noGrp="1"/>
+          </p:cNvSpPr>
+          <p:nvPr>
+            <p:ph type="sldNum" sz="quarter" idx="10"/>
+          </p:nvPr>
+        </p:nvSpPr>
+        <p:spPr/>
+        <p:txBody>
+          <a:bodyPr/>
+          <a:lstStyle/>
+          <a:p>
+            <a:fld id="{58BEE673-8D3B-4BBD-97EB-7004EF7CF6EF}" type="slidenum">
+              <a:rPr lang="fr-FR" smtClean="0"/>
+              <a:t>21</a:t>
+            </a:fld>
+            <a:endParaRPr lang="fr-FR"/>
+          </a:p>
+        </p:txBody>
+      </p:sp>
+    </p:spTree>
+    <p:extLst>
+      <p:ext uri="{BB962C8B-B14F-4D97-AF65-F5344CB8AC3E}">
+        <p14:creationId xmlns:p14="http://schemas.microsoft.com/office/powerpoint/2010/main" val="2228614733"/>
       </p:ext>
     </p:extLst>
   </p:cSld>
@@ -10020,11 +10615,6 @@
               </a:rPr>
               <a:t> avant le script</a:t>
             </a:r>
-            <a:endParaRPr lang="fr-FR" dirty="0">
-              <a:solidFill>
-                <a:schemeClr val="tx1"/>
-              </a:solidFill>
-            </a:endParaRPr>
           </a:p>
         </p:txBody>
       </p:sp>
@@ -10489,11 +11079,6 @@
               </a:rPr>
               <a:t> module ne sont pas lues comme options de l’interpréteur Python mais laissées dans sys.argv pour être utilisée par le module ou la commande</a:t>
             </a:r>
-            <a:endParaRPr lang="fr-FR" dirty="0">
-              <a:solidFill>
-                <a:schemeClr val="tx1"/>
-              </a:solidFill>
-            </a:endParaRPr>
           </a:p>
         </p:txBody>
       </p:sp>
@@ -11248,6 +11833,812 @@
               </a:rPr>
               <a:t>-*-</a:t>
             </a:r>
+          </a:p>
+        </p:txBody>
+      </p:sp>
+    </p:spTree>
+    <p:extLst>
+      <p:ext uri="{BB962C8B-B14F-4D97-AF65-F5344CB8AC3E}">
+        <p14:creationId xmlns:p14="http://schemas.microsoft.com/office/powerpoint/2010/main" val="1628820890"/>
+      </p:ext>
+    </p:extLst>
+  </p:cSld>
+  <p:clrMapOvr>
+    <a:masterClrMapping/>
+  </p:clrMapOvr>
+  <p:timing>
+    <p:tnLst>
+      <p:par>
+        <p:cTn id="1" dur="indefinite" restart="never" nodeType="tmRoot"/>
+      </p:par>
+    </p:tnLst>
+  </p:timing>
+</p:sld>
+</file>
+
+<file path=ppt/slides/slide15.xml><?xml version="1.0" encoding="utf-8"?>
+<p:sld xmlns:a="http://schemas.openxmlformats.org/drawingml/2006/main" xmlns:r="http://schemas.openxmlformats.org/officeDocument/2006/relationships" xmlns:p="http://schemas.openxmlformats.org/presentationml/2006/main">
+  <p:cSld>
+    <p:spTree>
+      <p:nvGrpSpPr>
+        <p:cNvPr id="1" name=""/>
+        <p:cNvGrpSpPr/>
+        <p:nvPr/>
+      </p:nvGrpSpPr>
+      <p:grpSpPr>
+        <a:xfrm>
+          <a:off x="0" y="0"/>
+          <a:ext cx="0" cy="0"/>
+          <a:chOff x="0" y="0"/>
+          <a:chExt cx="0" cy="0"/>
+        </a:xfrm>
+      </p:grpSpPr>
+      <p:sp>
+        <p:nvSpPr>
+          <p:cNvPr id="2" name="Titre 1"/>
+          <p:cNvSpPr>
+            <a:spLocks noGrp="1"/>
+          </p:cNvSpPr>
+          <p:nvPr>
+            <p:ph type="title"/>
+          </p:nvPr>
+        </p:nvSpPr>
+        <p:spPr>
+          <a:xfrm>
+            <a:off x="2592925" y="624110"/>
+            <a:ext cx="8911687" cy="1280890"/>
+          </a:xfrm>
+        </p:spPr>
+        <p:txBody>
+          <a:bodyPr/>
+          <a:lstStyle/>
+          <a:p>
+            <a:r>
+              <a:rPr lang="fr-FR" dirty="0" smtClean="0"/>
+              <a:t>Introduction informelle</a:t>
+            </a:r>
+            <a:endParaRPr lang="fr-FR" dirty="0"/>
+          </a:p>
+        </p:txBody>
+      </p:sp>
+      <p:sp>
+        <p:nvSpPr>
+          <p:cNvPr id="3" name="Espace réservé du contenu 2"/>
+          <p:cNvSpPr>
+            <a:spLocks noGrp="1"/>
+          </p:cNvSpPr>
+          <p:nvPr>
+            <p:ph idx="1"/>
+          </p:nvPr>
+        </p:nvSpPr>
+        <p:spPr>
+          <a:xfrm>
+            <a:off x="2589212" y="1558456"/>
+            <a:ext cx="8915400" cy="4818490"/>
+          </a:xfrm>
+        </p:spPr>
+        <p:txBody>
+          <a:bodyPr anchor="ctr" anchorCtr="0">
+            <a:normAutofit/>
+          </a:bodyPr>
+          <a:lstStyle/>
+          <a:p>
+            <a:pPr algn="just"/>
+            <a:r>
+              <a:rPr lang="fr-FR" dirty="0">
+                <a:solidFill>
+                  <a:schemeClr val="tx1"/>
+                </a:solidFill>
+              </a:rPr>
+              <a:t>Dans les exemples qui suivent, les entrées et sorties se distinguent par la présence ou l’absence d’invite (</a:t>
+            </a:r>
+            <a:r>
+              <a:rPr lang="fr-FR" b="1" i="1" dirty="0">
+                <a:solidFill>
+                  <a:schemeClr val="accent6"/>
+                </a:solidFill>
+              </a:rPr>
+              <a:t>&gt;&gt;&gt;</a:t>
+            </a:r>
+            <a:r>
+              <a:rPr lang="fr-FR" dirty="0">
+                <a:solidFill>
+                  <a:schemeClr val="tx1"/>
+                </a:solidFill>
+              </a:rPr>
+              <a:t> et </a:t>
+            </a:r>
+            <a:r>
+              <a:rPr lang="fr-FR" b="1" i="1" dirty="0" smtClean="0">
+                <a:solidFill>
+                  <a:schemeClr val="accent6"/>
+                </a:solidFill>
+              </a:rPr>
+              <a:t>…</a:t>
+            </a:r>
+            <a:r>
+              <a:rPr lang="fr-FR" dirty="0" smtClean="0">
+                <a:solidFill>
+                  <a:schemeClr val="tx1"/>
+                </a:solidFill>
+              </a:rPr>
+              <a:t>)</a:t>
+            </a:r>
+          </a:p>
+          <a:p>
+            <a:pPr algn="just"/>
+            <a:r>
+              <a:rPr lang="fr-FR" dirty="0" smtClean="0">
+                <a:solidFill>
+                  <a:schemeClr val="tx1"/>
+                </a:solidFill>
+              </a:rPr>
+              <a:t>Pour </a:t>
+            </a:r>
+            <a:r>
+              <a:rPr lang="fr-FR" dirty="0">
+                <a:solidFill>
+                  <a:schemeClr val="tx1"/>
+                </a:solidFill>
+              </a:rPr>
+              <a:t>reproduire les exemples, vous devez taper tout ce qui est après l’invite, au moment où celle-ci </a:t>
+            </a:r>
+            <a:r>
+              <a:rPr lang="fr-FR" dirty="0" smtClean="0">
+                <a:solidFill>
+                  <a:schemeClr val="tx1"/>
+                </a:solidFill>
+              </a:rPr>
+              <a:t>apparaît</a:t>
+            </a:r>
+          </a:p>
+          <a:p>
+            <a:pPr algn="just"/>
+            <a:r>
+              <a:rPr lang="fr-FR" dirty="0" smtClean="0">
+                <a:solidFill>
+                  <a:schemeClr val="tx1"/>
+                </a:solidFill>
+              </a:rPr>
+              <a:t>Les </a:t>
+            </a:r>
+            <a:r>
+              <a:rPr lang="fr-FR" dirty="0">
+                <a:solidFill>
+                  <a:schemeClr val="tx1"/>
+                </a:solidFill>
+              </a:rPr>
+              <a:t>lignes qui n’affichent pas d’invite sont les sorties de </a:t>
+            </a:r>
+            <a:r>
+              <a:rPr lang="fr-FR" dirty="0" smtClean="0">
+                <a:solidFill>
+                  <a:schemeClr val="tx1"/>
+                </a:solidFill>
+              </a:rPr>
+              <a:t>l’interpréteur</a:t>
+            </a:r>
+          </a:p>
+          <a:p>
+            <a:pPr algn="just"/>
+            <a:r>
+              <a:rPr lang="fr-FR" dirty="0" smtClean="0">
+                <a:solidFill>
+                  <a:schemeClr val="tx1"/>
+                </a:solidFill>
+              </a:rPr>
+              <a:t>Notez </a:t>
+            </a:r>
+            <a:r>
+              <a:rPr lang="fr-FR" dirty="0">
+                <a:solidFill>
+                  <a:schemeClr val="tx1"/>
+                </a:solidFill>
+              </a:rPr>
+              <a:t>qu’une invite </a:t>
+            </a:r>
+            <a:r>
+              <a:rPr lang="fr-FR" dirty="0" smtClean="0">
+                <a:solidFill>
+                  <a:schemeClr val="tx1"/>
+                </a:solidFill>
+              </a:rPr>
+              <a:t>secondaire (</a:t>
+            </a:r>
+            <a:r>
+              <a:rPr lang="fr-FR" b="1" i="1" dirty="0" smtClean="0">
+                <a:solidFill>
+                  <a:schemeClr val="accent6"/>
+                </a:solidFill>
+              </a:rPr>
+              <a:t>…</a:t>
+            </a:r>
+            <a:r>
+              <a:rPr lang="fr-FR" dirty="0" smtClean="0">
+                <a:solidFill>
+                  <a:schemeClr val="tx1"/>
+                </a:solidFill>
+              </a:rPr>
+              <a:t>) </a:t>
+            </a:r>
+            <a:r>
+              <a:rPr lang="fr-FR" dirty="0">
+                <a:solidFill>
+                  <a:schemeClr val="tx1"/>
+                </a:solidFill>
+              </a:rPr>
+              <a:t>affichée seule sur une ligne dans un exemple indique que vous devez entrer une ligne </a:t>
+            </a:r>
+            <a:r>
+              <a:rPr lang="fr-FR" dirty="0" smtClean="0">
+                <a:solidFill>
+                  <a:schemeClr val="tx1"/>
+                </a:solidFill>
+              </a:rPr>
+              <a:t>vide</a:t>
+            </a:r>
+          </a:p>
+          <a:p>
+            <a:pPr algn="just"/>
+            <a:r>
+              <a:rPr lang="fr-FR" dirty="0" smtClean="0">
+                <a:solidFill>
+                  <a:schemeClr val="tx1"/>
+                </a:solidFill>
+              </a:rPr>
+              <a:t>Ceci </a:t>
+            </a:r>
+            <a:r>
+              <a:rPr lang="fr-FR" dirty="0">
+                <a:solidFill>
+                  <a:schemeClr val="tx1"/>
+                </a:solidFill>
+              </a:rPr>
+              <a:t>est utilisé pour terminer une commande </a:t>
+            </a:r>
+            <a:r>
+              <a:rPr lang="fr-FR" dirty="0" smtClean="0">
+                <a:solidFill>
+                  <a:schemeClr val="tx1"/>
+                </a:solidFill>
+              </a:rPr>
+              <a:t>multi-lignes</a:t>
+            </a:r>
+            <a:endParaRPr lang="fr-FR" dirty="0">
+              <a:solidFill>
+                <a:schemeClr val="tx1"/>
+              </a:solidFill>
+            </a:endParaRPr>
+          </a:p>
+        </p:txBody>
+      </p:sp>
+    </p:spTree>
+    <p:extLst>
+      <p:ext uri="{BB962C8B-B14F-4D97-AF65-F5344CB8AC3E}">
+        <p14:creationId xmlns:p14="http://schemas.microsoft.com/office/powerpoint/2010/main" val="264159296"/>
+      </p:ext>
+    </p:extLst>
+  </p:cSld>
+  <p:clrMapOvr>
+    <a:masterClrMapping/>
+  </p:clrMapOvr>
+  <p:timing>
+    <p:tnLst>
+      <p:par>
+        <p:cTn id="1" dur="indefinite" restart="never" nodeType="tmRoot"/>
+      </p:par>
+    </p:tnLst>
+  </p:timing>
+</p:sld>
+</file>
+
+<file path=ppt/slides/slide16.xml><?xml version="1.0" encoding="utf-8"?>
+<p:sld xmlns:a="http://schemas.openxmlformats.org/drawingml/2006/main" xmlns:r="http://schemas.openxmlformats.org/officeDocument/2006/relationships" xmlns:p="http://schemas.openxmlformats.org/presentationml/2006/main">
+  <p:cSld>
+    <p:spTree>
+      <p:nvGrpSpPr>
+        <p:cNvPr id="1" name=""/>
+        <p:cNvGrpSpPr/>
+        <p:nvPr/>
+      </p:nvGrpSpPr>
+      <p:grpSpPr>
+        <a:xfrm>
+          <a:off x="0" y="0"/>
+          <a:ext cx="0" cy="0"/>
+          <a:chOff x="0" y="0"/>
+          <a:chExt cx="0" cy="0"/>
+        </a:xfrm>
+      </p:grpSpPr>
+      <p:sp>
+        <p:nvSpPr>
+          <p:cNvPr id="2" name="Titre 1"/>
+          <p:cNvSpPr>
+            <a:spLocks noGrp="1"/>
+          </p:cNvSpPr>
+          <p:nvPr>
+            <p:ph type="title"/>
+          </p:nvPr>
+        </p:nvSpPr>
+        <p:spPr>
+          <a:xfrm>
+            <a:off x="2592925" y="624110"/>
+            <a:ext cx="8911687" cy="1280890"/>
+          </a:xfrm>
+        </p:spPr>
+        <p:txBody>
+          <a:bodyPr/>
+          <a:lstStyle/>
+          <a:p>
+            <a:r>
+              <a:rPr lang="fr-FR" dirty="0" smtClean="0"/>
+              <a:t>Introduction informelle</a:t>
+            </a:r>
+            <a:endParaRPr lang="fr-FR" dirty="0"/>
+          </a:p>
+        </p:txBody>
+      </p:sp>
+      <p:sp>
+        <p:nvSpPr>
+          <p:cNvPr id="3" name="Espace réservé du contenu 2"/>
+          <p:cNvSpPr>
+            <a:spLocks noGrp="1"/>
+          </p:cNvSpPr>
+          <p:nvPr>
+            <p:ph idx="1"/>
+          </p:nvPr>
+        </p:nvSpPr>
+        <p:spPr>
+          <a:xfrm>
+            <a:off x="2589212" y="1558456"/>
+            <a:ext cx="8915400" cy="3776869"/>
+          </a:xfrm>
+        </p:spPr>
+        <p:txBody>
+          <a:bodyPr anchor="ctr" anchorCtr="0">
+            <a:normAutofit lnSpcReduction="10000"/>
+          </a:bodyPr>
+          <a:lstStyle/>
+          <a:p>
+            <a:pPr algn="just"/>
+            <a:r>
+              <a:rPr lang="fr-FR" dirty="0">
+                <a:solidFill>
+                  <a:schemeClr val="tx1"/>
+                </a:solidFill>
+              </a:rPr>
+              <a:t>Beaucoup </a:t>
+            </a:r>
+            <a:r>
+              <a:rPr lang="fr-FR" dirty="0" smtClean="0">
+                <a:solidFill>
+                  <a:schemeClr val="tx1"/>
+                </a:solidFill>
+              </a:rPr>
+              <a:t>d’exemples, </a:t>
+            </a:r>
+            <a:r>
+              <a:rPr lang="fr-FR" dirty="0">
+                <a:solidFill>
+                  <a:schemeClr val="tx1"/>
+                </a:solidFill>
+              </a:rPr>
+              <a:t>même ceux saisis à l’invite de l’interpréteur, incluent des </a:t>
+            </a:r>
+            <a:r>
+              <a:rPr lang="fr-FR" dirty="0" smtClean="0">
+                <a:solidFill>
+                  <a:schemeClr val="tx1"/>
+                </a:solidFill>
+              </a:rPr>
+              <a:t>commentaires</a:t>
+            </a:r>
+          </a:p>
+          <a:p>
+            <a:pPr algn="just"/>
+            <a:r>
+              <a:rPr lang="fr-FR" dirty="0" smtClean="0">
+                <a:solidFill>
+                  <a:schemeClr val="tx1"/>
+                </a:solidFill>
+              </a:rPr>
+              <a:t>Les </a:t>
+            </a:r>
+            <a:r>
+              <a:rPr lang="fr-FR" dirty="0">
+                <a:solidFill>
+                  <a:schemeClr val="tx1"/>
+                </a:solidFill>
+              </a:rPr>
+              <a:t>commentaires en Python commencent avec un caractère dièse, </a:t>
+            </a:r>
+            <a:r>
+              <a:rPr lang="fr-FR" b="1" i="1" dirty="0">
+                <a:solidFill>
+                  <a:schemeClr val="accent6"/>
+                </a:solidFill>
+              </a:rPr>
+              <a:t>#</a:t>
+            </a:r>
+            <a:r>
+              <a:rPr lang="fr-FR" dirty="0">
+                <a:solidFill>
+                  <a:schemeClr val="tx1"/>
+                </a:solidFill>
+              </a:rPr>
+              <a:t>, et s’étendent jusqu’à la fin de la </a:t>
+            </a:r>
+            <a:r>
+              <a:rPr lang="fr-FR" dirty="0" smtClean="0">
+                <a:solidFill>
+                  <a:schemeClr val="tx1"/>
+                </a:solidFill>
+              </a:rPr>
+              <a:t>ligne</a:t>
+            </a:r>
+          </a:p>
+          <a:p>
+            <a:pPr algn="just"/>
+            <a:r>
+              <a:rPr lang="fr-FR" dirty="0" smtClean="0">
+                <a:solidFill>
+                  <a:schemeClr val="tx1"/>
+                </a:solidFill>
+              </a:rPr>
+              <a:t>Un </a:t>
+            </a:r>
+            <a:r>
+              <a:rPr lang="fr-FR" dirty="0">
+                <a:solidFill>
+                  <a:schemeClr val="tx1"/>
+                </a:solidFill>
+              </a:rPr>
+              <a:t>commentaire peut apparaître au début d’une ligne ou à la suite d’un espace ou de code, mais pas à l’intérieur d’une chaîne de caractères </a:t>
+            </a:r>
+            <a:r>
+              <a:rPr lang="fr-FR" dirty="0" smtClean="0">
+                <a:solidFill>
+                  <a:schemeClr val="tx1"/>
+                </a:solidFill>
+              </a:rPr>
+              <a:t>littérale</a:t>
+            </a:r>
+          </a:p>
+          <a:p>
+            <a:pPr algn="just"/>
+            <a:r>
+              <a:rPr lang="fr-FR" dirty="0" smtClean="0">
+                <a:solidFill>
+                  <a:schemeClr val="tx1"/>
+                </a:solidFill>
+              </a:rPr>
+              <a:t>Un </a:t>
+            </a:r>
+            <a:r>
+              <a:rPr lang="fr-FR" dirty="0">
+                <a:solidFill>
+                  <a:schemeClr val="tx1"/>
+                </a:solidFill>
+              </a:rPr>
+              <a:t>caractère dièse à l’intérieur d’une chaîne de caractères est juste un caractère </a:t>
+            </a:r>
+            <a:r>
+              <a:rPr lang="fr-FR" dirty="0" smtClean="0">
+                <a:solidFill>
+                  <a:schemeClr val="tx1"/>
+                </a:solidFill>
+              </a:rPr>
+              <a:t>dièse</a:t>
+            </a:r>
+          </a:p>
+          <a:p>
+            <a:pPr algn="just"/>
+            <a:r>
+              <a:rPr lang="fr-FR" dirty="0" smtClean="0">
+                <a:solidFill>
+                  <a:schemeClr val="tx1"/>
+                </a:solidFill>
+              </a:rPr>
+              <a:t>Comme </a:t>
+            </a:r>
+            <a:r>
+              <a:rPr lang="fr-FR" dirty="0">
+                <a:solidFill>
+                  <a:schemeClr val="tx1"/>
+                </a:solidFill>
+              </a:rPr>
+              <a:t>les commentaires ne servent qu’à expliquer le code et ne sont pas interprétés par Python, ils peuvent être ignorés lorsque vous tapez les exemples</a:t>
+            </a:r>
+            <a:endParaRPr lang="fr-FR" dirty="0">
+              <a:solidFill>
+                <a:schemeClr val="tx1"/>
+              </a:solidFill>
+            </a:endParaRPr>
+          </a:p>
+        </p:txBody>
+      </p:sp>
+      <p:pic>
+        <p:nvPicPr>
+          <p:cNvPr id="4" name="Image 3"/>
+          <p:cNvPicPr>
+            <a:picLocks noChangeAspect="1"/>
+          </p:cNvPicPr>
+          <p:nvPr/>
+        </p:nvPicPr>
+        <p:blipFill>
+          <a:blip r:embed="rId3"/>
+          <a:stretch>
+            <a:fillRect/>
+          </a:stretch>
+        </p:blipFill>
+        <p:spPr>
+          <a:xfrm>
+            <a:off x="2589212" y="5335325"/>
+            <a:ext cx="6553200" cy="1238250"/>
+          </a:xfrm>
+          <a:prstGeom prst="rect">
+            <a:avLst/>
+          </a:prstGeom>
+          <a:ln>
+            <a:noFill/>
+          </a:ln>
+          <a:effectLst>
+            <a:outerShdw blurRad="292100" dist="139700" dir="2700000" algn="tl" rotWithShape="0">
+              <a:srgbClr val="333333">
+                <a:alpha val="65000"/>
+              </a:srgbClr>
+            </a:outerShdw>
+          </a:effectLst>
+        </p:spPr>
+      </p:pic>
+    </p:spTree>
+    <p:extLst>
+      <p:ext uri="{BB962C8B-B14F-4D97-AF65-F5344CB8AC3E}">
+        <p14:creationId xmlns:p14="http://schemas.microsoft.com/office/powerpoint/2010/main" val="4011736497"/>
+      </p:ext>
+    </p:extLst>
+  </p:cSld>
+  <p:clrMapOvr>
+    <a:masterClrMapping/>
+  </p:clrMapOvr>
+  <p:timing>
+    <p:tnLst>
+      <p:par>
+        <p:cTn id="1" dur="indefinite" restart="never" nodeType="tmRoot"/>
+      </p:par>
+    </p:tnLst>
+  </p:timing>
+</p:sld>
+</file>
+
+<file path=ppt/slides/slide17.xml><?xml version="1.0" encoding="utf-8"?>
+<p:sld xmlns:a="http://schemas.openxmlformats.org/drawingml/2006/main" xmlns:r="http://schemas.openxmlformats.org/officeDocument/2006/relationships" xmlns:p="http://schemas.openxmlformats.org/presentationml/2006/main">
+  <p:cSld>
+    <p:spTree>
+      <p:nvGrpSpPr>
+        <p:cNvPr id="1" name=""/>
+        <p:cNvGrpSpPr/>
+        <p:nvPr/>
+      </p:nvGrpSpPr>
+      <p:grpSpPr>
+        <a:xfrm>
+          <a:off x="0" y="0"/>
+          <a:ext cx="0" cy="0"/>
+          <a:chOff x="0" y="0"/>
+          <a:chExt cx="0" cy="0"/>
+        </a:xfrm>
+      </p:grpSpPr>
+      <p:sp>
+        <p:nvSpPr>
+          <p:cNvPr id="2" name="Titre 1"/>
+          <p:cNvSpPr>
+            <a:spLocks noGrp="1"/>
+          </p:cNvSpPr>
+          <p:nvPr>
+            <p:ph type="title"/>
+          </p:nvPr>
+        </p:nvSpPr>
+        <p:spPr>
+          <a:xfrm>
+            <a:off x="2592925" y="624110"/>
+            <a:ext cx="8911687" cy="1280890"/>
+          </a:xfrm>
+        </p:spPr>
+        <p:txBody>
+          <a:bodyPr/>
+          <a:lstStyle/>
+          <a:p>
+            <a:r>
+              <a:rPr lang="fr-FR" dirty="0" smtClean="0"/>
+              <a:t>Les nombres</a:t>
+            </a:r>
+            <a:endParaRPr lang="fr-FR" dirty="0"/>
+          </a:p>
+        </p:txBody>
+      </p:sp>
+      <p:sp>
+        <p:nvSpPr>
+          <p:cNvPr id="3" name="Espace réservé du contenu 2"/>
+          <p:cNvSpPr>
+            <a:spLocks noGrp="1"/>
+          </p:cNvSpPr>
+          <p:nvPr>
+            <p:ph idx="1"/>
+          </p:nvPr>
+        </p:nvSpPr>
+        <p:spPr>
+          <a:xfrm>
+            <a:off x="2589212" y="1542413"/>
+            <a:ext cx="8915400" cy="4818490"/>
+          </a:xfrm>
+        </p:spPr>
+        <p:txBody>
+          <a:bodyPr anchor="t" anchorCtr="0">
+            <a:normAutofit/>
+          </a:bodyPr>
+          <a:lstStyle/>
+          <a:p>
+            <a:pPr algn="just"/>
+            <a:r>
+              <a:rPr lang="fr-FR" dirty="0">
+                <a:solidFill>
+                  <a:schemeClr val="tx1"/>
+                </a:solidFill>
+              </a:rPr>
+              <a:t>L’interpréteur agit comme une simple </a:t>
+            </a:r>
+            <a:r>
+              <a:rPr lang="fr-FR" dirty="0" smtClean="0">
+                <a:solidFill>
+                  <a:schemeClr val="tx1"/>
+                </a:solidFill>
+              </a:rPr>
+              <a:t>calculatrice</a:t>
+            </a:r>
+          </a:p>
+          <a:p>
+            <a:pPr algn="just"/>
+            <a:r>
+              <a:rPr lang="fr-FR" dirty="0" smtClean="0">
+                <a:solidFill>
+                  <a:schemeClr val="tx1"/>
+                </a:solidFill>
+              </a:rPr>
+              <a:t>Vous </a:t>
+            </a:r>
+            <a:r>
+              <a:rPr lang="fr-FR" dirty="0">
+                <a:solidFill>
+                  <a:schemeClr val="tx1"/>
+                </a:solidFill>
+              </a:rPr>
+              <a:t>pouvez lui entrer une expression et il vous affiche la valeur. La syntaxe des expressions est </a:t>
+            </a:r>
+            <a:r>
+              <a:rPr lang="fr-FR" dirty="0" smtClean="0">
+                <a:solidFill>
+                  <a:schemeClr val="tx1"/>
+                </a:solidFill>
+              </a:rPr>
+              <a:t>simple</a:t>
+            </a:r>
+          </a:p>
+          <a:p>
+            <a:pPr algn="just"/>
+            <a:r>
+              <a:rPr lang="fr-FR" dirty="0" smtClean="0">
+                <a:solidFill>
+                  <a:schemeClr val="tx1"/>
+                </a:solidFill>
+              </a:rPr>
+              <a:t>Les </a:t>
+            </a:r>
+            <a:r>
+              <a:rPr lang="fr-FR" dirty="0">
+                <a:solidFill>
+                  <a:schemeClr val="tx1"/>
+                </a:solidFill>
+              </a:rPr>
+              <a:t>opérateurs </a:t>
+            </a:r>
+            <a:r>
+              <a:rPr lang="fr-FR" b="1" i="1" dirty="0">
+                <a:solidFill>
+                  <a:schemeClr val="accent6"/>
+                </a:solidFill>
+              </a:rPr>
+              <a:t>+</a:t>
+            </a:r>
+            <a:r>
+              <a:rPr lang="fr-FR" dirty="0">
+                <a:solidFill>
+                  <a:schemeClr val="tx1"/>
+                </a:solidFill>
+              </a:rPr>
+              <a:t>, </a:t>
+            </a:r>
+            <a:r>
+              <a:rPr lang="fr-FR" b="1" i="1" dirty="0">
+                <a:solidFill>
+                  <a:schemeClr val="accent6"/>
+                </a:solidFill>
+              </a:rPr>
+              <a:t>-</a:t>
+            </a:r>
+            <a:r>
+              <a:rPr lang="fr-FR" dirty="0">
+                <a:solidFill>
+                  <a:schemeClr val="tx1"/>
+                </a:solidFill>
+              </a:rPr>
+              <a:t>, </a:t>
+            </a:r>
+            <a:r>
+              <a:rPr lang="fr-FR" b="1" i="1" dirty="0">
+                <a:solidFill>
+                  <a:schemeClr val="accent6"/>
+                </a:solidFill>
+              </a:rPr>
+              <a:t>*</a:t>
+            </a:r>
+            <a:r>
+              <a:rPr lang="fr-FR" dirty="0">
+                <a:solidFill>
+                  <a:schemeClr val="tx1"/>
+                </a:solidFill>
+              </a:rPr>
+              <a:t> et </a:t>
+            </a:r>
+            <a:r>
+              <a:rPr lang="fr-FR" b="1" i="1" dirty="0">
+                <a:solidFill>
+                  <a:schemeClr val="accent6"/>
+                </a:solidFill>
+              </a:rPr>
+              <a:t>/</a:t>
+            </a:r>
+            <a:r>
+              <a:rPr lang="fr-FR" dirty="0">
+                <a:solidFill>
+                  <a:schemeClr val="tx1"/>
+                </a:solidFill>
+              </a:rPr>
+              <a:t> fonctionnent comme dans la plupart des </a:t>
+            </a:r>
+            <a:r>
+              <a:rPr lang="fr-FR" dirty="0" smtClean="0">
+                <a:solidFill>
+                  <a:schemeClr val="tx1"/>
+                </a:solidFill>
+              </a:rPr>
+              <a:t>langages</a:t>
+            </a:r>
+          </a:p>
+          <a:p>
+            <a:pPr algn="just"/>
+            <a:r>
+              <a:rPr lang="fr-FR" dirty="0" smtClean="0">
+                <a:solidFill>
+                  <a:schemeClr val="tx1"/>
+                </a:solidFill>
+              </a:rPr>
+              <a:t>Les </a:t>
+            </a:r>
+            <a:r>
+              <a:rPr lang="fr-FR" dirty="0">
+                <a:solidFill>
+                  <a:schemeClr val="tx1"/>
+                </a:solidFill>
+              </a:rPr>
+              <a:t>parenthèses peuvent être utilisées pour faire des </a:t>
+            </a:r>
+            <a:r>
+              <a:rPr lang="fr-FR" dirty="0" smtClean="0">
+                <a:solidFill>
+                  <a:schemeClr val="tx1"/>
+                </a:solidFill>
+              </a:rPr>
+              <a:t>regroupements</a:t>
+            </a:r>
             <a:endParaRPr lang="fr-FR" b="1" i="1" dirty="0">
               <a:solidFill>
                 <a:schemeClr val="accent6"/>
@@ -11256,10 +12647,623 @@
           </a:p>
         </p:txBody>
       </p:sp>
+      <p:pic>
+        <p:nvPicPr>
+          <p:cNvPr id="4" name="Image 3"/>
+          <p:cNvPicPr>
+            <a:picLocks noChangeAspect="1"/>
+          </p:cNvPicPr>
+          <p:nvPr/>
+        </p:nvPicPr>
+        <p:blipFill>
+          <a:blip r:embed="rId3"/>
+          <a:stretch>
+            <a:fillRect/>
+          </a:stretch>
+        </p:blipFill>
+        <p:spPr>
+          <a:xfrm>
+            <a:off x="4313056" y="4219074"/>
+            <a:ext cx="5467711" cy="1828239"/>
+          </a:xfrm>
+          <a:prstGeom prst="rect">
+            <a:avLst/>
+          </a:prstGeom>
+          <a:ln>
+            <a:noFill/>
+          </a:ln>
+          <a:effectLst>
+            <a:outerShdw blurRad="292100" dist="139700" dir="2700000" algn="tl" rotWithShape="0">
+              <a:srgbClr val="333333">
+                <a:alpha val="65000"/>
+              </a:srgbClr>
+            </a:outerShdw>
+          </a:effectLst>
+        </p:spPr>
+      </p:pic>
     </p:spTree>
     <p:extLst>
       <p:ext uri="{BB962C8B-B14F-4D97-AF65-F5344CB8AC3E}">
-        <p14:creationId xmlns:p14="http://schemas.microsoft.com/office/powerpoint/2010/main" val="1628820890"/>
+        <p14:creationId xmlns:p14="http://schemas.microsoft.com/office/powerpoint/2010/main" val="4209859975"/>
+      </p:ext>
+    </p:extLst>
+  </p:cSld>
+  <p:clrMapOvr>
+    <a:masterClrMapping/>
+  </p:clrMapOvr>
+  <p:timing>
+    <p:tnLst>
+      <p:par>
+        <p:cTn id="1" dur="indefinite" restart="never" nodeType="tmRoot"/>
+      </p:par>
+    </p:tnLst>
+  </p:timing>
+</p:sld>
+</file>
+
+<file path=ppt/slides/slide18.xml><?xml version="1.0" encoding="utf-8"?>
+<p:sld xmlns:a="http://schemas.openxmlformats.org/drawingml/2006/main" xmlns:r="http://schemas.openxmlformats.org/officeDocument/2006/relationships" xmlns:p="http://schemas.openxmlformats.org/presentationml/2006/main">
+  <p:cSld>
+    <p:spTree>
+      <p:nvGrpSpPr>
+        <p:cNvPr id="1" name=""/>
+        <p:cNvGrpSpPr/>
+        <p:nvPr/>
+      </p:nvGrpSpPr>
+      <p:grpSpPr>
+        <a:xfrm>
+          <a:off x="0" y="0"/>
+          <a:ext cx="0" cy="0"/>
+          <a:chOff x="0" y="0"/>
+          <a:chExt cx="0" cy="0"/>
+        </a:xfrm>
+      </p:grpSpPr>
+      <p:sp>
+        <p:nvSpPr>
+          <p:cNvPr id="2" name="Titre 1"/>
+          <p:cNvSpPr>
+            <a:spLocks noGrp="1"/>
+          </p:cNvSpPr>
+          <p:nvPr>
+            <p:ph type="title"/>
+          </p:nvPr>
+        </p:nvSpPr>
+        <p:spPr>
+          <a:xfrm>
+            <a:off x="2592925" y="624110"/>
+            <a:ext cx="8911687" cy="1280890"/>
+          </a:xfrm>
+        </p:spPr>
+        <p:txBody>
+          <a:bodyPr/>
+          <a:lstStyle/>
+          <a:p>
+            <a:r>
+              <a:rPr lang="fr-FR" dirty="0" smtClean="0"/>
+              <a:t>Les nombres</a:t>
+            </a:r>
+            <a:endParaRPr lang="fr-FR" dirty="0"/>
+          </a:p>
+        </p:txBody>
+      </p:sp>
+      <p:sp>
+        <p:nvSpPr>
+          <p:cNvPr id="3" name="Espace réservé du contenu 2"/>
+          <p:cNvSpPr>
+            <a:spLocks noGrp="1"/>
+          </p:cNvSpPr>
+          <p:nvPr>
+            <p:ph idx="1"/>
+          </p:nvPr>
+        </p:nvSpPr>
+        <p:spPr>
+          <a:xfrm>
+            <a:off x="2589212" y="1542413"/>
+            <a:ext cx="8915400" cy="4818490"/>
+          </a:xfrm>
+        </p:spPr>
+        <p:txBody>
+          <a:bodyPr anchor="t" anchorCtr="0">
+            <a:normAutofit/>
+          </a:bodyPr>
+          <a:lstStyle/>
+          <a:p>
+            <a:pPr algn="just"/>
+            <a:r>
+              <a:rPr lang="fr-FR" dirty="0">
+                <a:solidFill>
+                  <a:schemeClr val="tx1"/>
+                </a:solidFill>
+              </a:rPr>
+              <a:t>Les nombre entiers (comme 2, 4, 20) sont de type </a:t>
+            </a:r>
+            <a:r>
+              <a:rPr lang="fr-FR" b="1" i="1" dirty="0">
+                <a:solidFill>
+                  <a:schemeClr val="accent6"/>
+                </a:solidFill>
+              </a:rPr>
+              <a:t>int</a:t>
+            </a:r>
+            <a:r>
+              <a:rPr lang="fr-FR" dirty="0">
+                <a:solidFill>
+                  <a:schemeClr val="tx1"/>
+                </a:solidFill>
+              </a:rPr>
+              <a:t>, alors que les décimaux (comme 5.0, 1.6) sont de type </a:t>
+            </a:r>
+            <a:r>
+              <a:rPr lang="fr-FR" b="1" i="1" dirty="0" smtClean="0">
+                <a:solidFill>
+                  <a:schemeClr val="accent6"/>
+                </a:solidFill>
+              </a:rPr>
+              <a:t>float</a:t>
+            </a:r>
+            <a:endParaRPr lang="fr-FR" dirty="0">
+              <a:solidFill>
+                <a:schemeClr val="tx1"/>
+              </a:solidFill>
+            </a:endParaRPr>
+          </a:p>
+          <a:p>
+            <a:pPr algn="just"/>
+            <a:r>
+              <a:rPr lang="fr-FR" dirty="0" smtClean="0">
+                <a:solidFill>
+                  <a:schemeClr val="tx1"/>
+                </a:solidFill>
+              </a:rPr>
+              <a:t>Les </a:t>
+            </a:r>
+            <a:r>
+              <a:rPr lang="fr-FR" dirty="0">
+                <a:solidFill>
+                  <a:schemeClr val="tx1"/>
+                </a:solidFill>
+              </a:rPr>
+              <a:t>divisions (</a:t>
+            </a:r>
+            <a:r>
+              <a:rPr lang="fr-FR" b="1" i="1" dirty="0">
+                <a:solidFill>
+                  <a:schemeClr val="accent6"/>
+                </a:solidFill>
+              </a:rPr>
+              <a:t>/</a:t>
+            </a:r>
+            <a:r>
+              <a:rPr lang="fr-FR" dirty="0">
+                <a:solidFill>
+                  <a:schemeClr val="tx1"/>
+                </a:solidFill>
+              </a:rPr>
+              <a:t>) donnent toujours des </a:t>
+            </a:r>
+            <a:r>
+              <a:rPr lang="fr-FR" dirty="0" smtClean="0">
+                <a:solidFill>
+                  <a:schemeClr val="tx1"/>
+                </a:solidFill>
+              </a:rPr>
+              <a:t>float</a:t>
+            </a:r>
+          </a:p>
+          <a:p>
+            <a:pPr algn="just"/>
+            <a:r>
+              <a:rPr lang="fr-FR" dirty="0" smtClean="0">
+                <a:solidFill>
+                  <a:schemeClr val="tx1"/>
+                </a:solidFill>
+              </a:rPr>
+              <a:t>Utilisez </a:t>
+            </a:r>
+            <a:r>
+              <a:rPr lang="fr-FR" dirty="0">
+                <a:solidFill>
+                  <a:schemeClr val="tx1"/>
+                </a:solidFill>
+              </a:rPr>
+              <a:t>l’opérateur </a:t>
+            </a:r>
+            <a:r>
+              <a:rPr lang="fr-FR" b="1" i="1" dirty="0">
+                <a:solidFill>
+                  <a:schemeClr val="accent6"/>
+                </a:solidFill>
+              </a:rPr>
+              <a:t>//</a:t>
+            </a:r>
+            <a:r>
+              <a:rPr lang="fr-FR" dirty="0">
+                <a:solidFill>
+                  <a:schemeClr val="tx1"/>
+                </a:solidFill>
+              </a:rPr>
+              <a:t> pour effectuer des divisions entières, et donc obtenir un résultat </a:t>
+            </a:r>
+            <a:r>
+              <a:rPr lang="fr-FR" dirty="0" smtClean="0">
+                <a:solidFill>
+                  <a:schemeClr val="tx1"/>
+                </a:solidFill>
+              </a:rPr>
+              <a:t>entier</a:t>
+            </a:r>
+          </a:p>
+          <a:p>
+            <a:pPr algn="just"/>
+            <a:r>
+              <a:rPr lang="fr-FR" dirty="0" smtClean="0">
+                <a:solidFill>
+                  <a:schemeClr val="tx1"/>
+                </a:solidFill>
+              </a:rPr>
+              <a:t>Pour </a:t>
+            </a:r>
+            <a:r>
+              <a:rPr lang="fr-FR" dirty="0">
+                <a:solidFill>
+                  <a:schemeClr val="tx1"/>
+                </a:solidFill>
+              </a:rPr>
+              <a:t>obtenir le reste de cette division entière, utilisez l’opérateur </a:t>
+            </a:r>
+            <a:r>
+              <a:rPr lang="fr-FR" b="1" i="1" dirty="0" smtClean="0">
+                <a:solidFill>
+                  <a:schemeClr val="accent6"/>
+                </a:solidFill>
+              </a:rPr>
+              <a:t>%</a:t>
+            </a:r>
+          </a:p>
+          <a:p>
+            <a:pPr algn="just"/>
+            <a:r>
+              <a:rPr lang="fr-FR" dirty="0">
+                <a:solidFill>
+                  <a:schemeClr val="tx1"/>
+                </a:solidFill>
+              </a:rPr>
+              <a:t>Avec Python il est possible de calculer des puissances avec l’opérateur </a:t>
+            </a:r>
+            <a:r>
+              <a:rPr lang="fr-FR" b="1" i="1" dirty="0" smtClean="0">
+                <a:solidFill>
+                  <a:schemeClr val="accent6"/>
+                </a:solidFill>
+              </a:rPr>
+              <a:t>**</a:t>
+            </a:r>
+            <a:endParaRPr lang="fr-FR" b="1" i="1" dirty="0">
+              <a:solidFill>
+                <a:schemeClr val="accent6"/>
+              </a:solidFill>
+            </a:endParaRPr>
+          </a:p>
+        </p:txBody>
+      </p:sp>
+      <p:pic>
+        <p:nvPicPr>
+          <p:cNvPr id="5" name="Image 4"/>
+          <p:cNvPicPr>
+            <a:picLocks noChangeAspect="1"/>
+          </p:cNvPicPr>
+          <p:nvPr/>
+        </p:nvPicPr>
+        <p:blipFill>
+          <a:blip r:embed="rId3"/>
+          <a:stretch>
+            <a:fillRect/>
+          </a:stretch>
+        </p:blipFill>
+        <p:spPr>
+          <a:xfrm>
+            <a:off x="1102277" y="4303503"/>
+            <a:ext cx="7038975" cy="2057400"/>
+          </a:xfrm>
+          <a:prstGeom prst="rect">
+            <a:avLst/>
+          </a:prstGeom>
+          <a:ln>
+            <a:noFill/>
+          </a:ln>
+          <a:effectLst>
+            <a:outerShdw blurRad="292100" dist="139700" dir="2700000" algn="tl" rotWithShape="0">
+              <a:srgbClr val="333333">
+                <a:alpha val="65000"/>
+              </a:srgbClr>
+            </a:outerShdw>
+          </a:effectLst>
+        </p:spPr>
+      </p:pic>
+      <p:pic>
+        <p:nvPicPr>
+          <p:cNvPr id="6" name="Image 5"/>
+          <p:cNvPicPr>
+            <a:picLocks noChangeAspect="1"/>
+          </p:cNvPicPr>
+          <p:nvPr/>
+        </p:nvPicPr>
+        <p:blipFill>
+          <a:blip r:embed="rId4"/>
+          <a:stretch>
+            <a:fillRect/>
+          </a:stretch>
+        </p:blipFill>
+        <p:spPr>
+          <a:xfrm>
+            <a:off x="8279882" y="5133669"/>
+            <a:ext cx="3086100" cy="1171575"/>
+          </a:xfrm>
+          <a:prstGeom prst="rect">
+            <a:avLst/>
+          </a:prstGeom>
+          <a:ln>
+            <a:noFill/>
+          </a:ln>
+          <a:effectLst>
+            <a:outerShdw blurRad="292100" dist="139700" dir="2700000" algn="tl" rotWithShape="0">
+              <a:srgbClr val="333333">
+                <a:alpha val="65000"/>
+              </a:srgbClr>
+            </a:outerShdw>
+          </a:effectLst>
+        </p:spPr>
+      </p:pic>
+    </p:spTree>
+    <p:extLst>
+      <p:ext uri="{BB962C8B-B14F-4D97-AF65-F5344CB8AC3E}">
+        <p14:creationId xmlns:p14="http://schemas.microsoft.com/office/powerpoint/2010/main" val="507254654"/>
+      </p:ext>
+    </p:extLst>
+  </p:cSld>
+  <p:clrMapOvr>
+    <a:masterClrMapping/>
+  </p:clrMapOvr>
+  <p:timing>
+    <p:tnLst>
+      <p:par>
+        <p:cTn id="1" dur="indefinite" restart="never" nodeType="tmRoot"/>
+      </p:par>
+    </p:tnLst>
+  </p:timing>
+</p:sld>
+</file>
+
+<file path=ppt/slides/slide19.xml><?xml version="1.0" encoding="utf-8"?>
+<p:sld xmlns:a="http://schemas.openxmlformats.org/drawingml/2006/main" xmlns:r="http://schemas.openxmlformats.org/officeDocument/2006/relationships" xmlns:p="http://schemas.openxmlformats.org/presentationml/2006/main">
+  <p:cSld>
+    <p:spTree>
+      <p:nvGrpSpPr>
+        <p:cNvPr id="1" name=""/>
+        <p:cNvGrpSpPr/>
+        <p:nvPr/>
+      </p:nvGrpSpPr>
+      <p:grpSpPr>
+        <a:xfrm>
+          <a:off x="0" y="0"/>
+          <a:ext cx="0" cy="0"/>
+          <a:chOff x="0" y="0"/>
+          <a:chExt cx="0" cy="0"/>
+        </a:xfrm>
+      </p:grpSpPr>
+      <p:sp>
+        <p:nvSpPr>
+          <p:cNvPr id="2" name="Titre 1"/>
+          <p:cNvSpPr>
+            <a:spLocks noGrp="1"/>
+          </p:cNvSpPr>
+          <p:nvPr>
+            <p:ph type="title"/>
+          </p:nvPr>
+        </p:nvSpPr>
+        <p:spPr>
+          <a:xfrm>
+            <a:off x="2592925" y="624110"/>
+            <a:ext cx="8911687" cy="1280890"/>
+          </a:xfrm>
+        </p:spPr>
+        <p:txBody>
+          <a:bodyPr/>
+          <a:lstStyle/>
+          <a:p>
+            <a:r>
+              <a:rPr lang="fr-FR" dirty="0" smtClean="0"/>
+              <a:t>Les nombres</a:t>
+            </a:r>
+            <a:endParaRPr lang="fr-FR" dirty="0"/>
+          </a:p>
+        </p:txBody>
+      </p:sp>
+      <p:sp>
+        <p:nvSpPr>
+          <p:cNvPr id="3" name="Espace réservé du contenu 2"/>
+          <p:cNvSpPr>
+            <a:spLocks noGrp="1"/>
+          </p:cNvSpPr>
+          <p:nvPr>
+            <p:ph idx="1"/>
+          </p:nvPr>
+        </p:nvSpPr>
+        <p:spPr>
+          <a:xfrm>
+            <a:off x="858741" y="1542413"/>
+            <a:ext cx="5963478" cy="4818490"/>
+          </a:xfrm>
+        </p:spPr>
+        <p:txBody>
+          <a:bodyPr anchor="ctr" anchorCtr="0">
+            <a:normAutofit/>
+          </a:bodyPr>
+          <a:lstStyle/>
+          <a:p>
+            <a:pPr algn="just"/>
+            <a:r>
+              <a:rPr lang="fr-FR" dirty="0">
+                <a:solidFill>
+                  <a:schemeClr val="tx1"/>
+                </a:solidFill>
+              </a:rPr>
+              <a:t>Le signe égal (</a:t>
+            </a:r>
+            <a:r>
+              <a:rPr lang="fr-FR" b="1" i="1" dirty="0">
+                <a:solidFill>
+                  <a:schemeClr val="accent6"/>
+                </a:solidFill>
+              </a:rPr>
+              <a:t>=</a:t>
+            </a:r>
+            <a:r>
+              <a:rPr lang="fr-FR" dirty="0">
+                <a:solidFill>
+                  <a:schemeClr val="tx1"/>
+                </a:solidFill>
+              </a:rPr>
+              <a:t>) est utilisé pour affecter une valeur à une </a:t>
+            </a:r>
+            <a:r>
+              <a:rPr lang="fr-FR" dirty="0" smtClean="0">
+                <a:solidFill>
+                  <a:schemeClr val="tx1"/>
+                </a:solidFill>
+              </a:rPr>
+              <a:t>variable</a:t>
+            </a:r>
+          </a:p>
+          <a:p>
+            <a:pPr algn="just"/>
+            <a:r>
+              <a:rPr lang="fr-FR" dirty="0" smtClean="0">
+                <a:solidFill>
+                  <a:schemeClr val="tx1"/>
+                </a:solidFill>
+              </a:rPr>
+              <a:t>Après </a:t>
+            </a:r>
+            <a:r>
+              <a:rPr lang="fr-FR" dirty="0">
+                <a:solidFill>
+                  <a:schemeClr val="tx1"/>
+                </a:solidFill>
+              </a:rPr>
+              <a:t>cela, aucun résultat n’est affiché avant l’invite </a:t>
+            </a:r>
+            <a:r>
+              <a:rPr lang="fr-FR" dirty="0" smtClean="0">
+                <a:solidFill>
+                  <a:schemeClr val="tx1"/>
+                </a:solidFill>
+              </a:rPr>
+              <a:t>suivante</a:t>
+            </a:r>
+          </a:p>
+          <a:p>
+            <a:pPr algn="just"/>
+            <a:r>
+              <a:rPr lang="fr-FR" dirty="0">
+                <a:solidFill>
+                  <a:schemeClr val="tx1"/>
+                </a:solidFill>
+              </a:rPr>
+              <a:t>Si une variable n’est pas « définie » (si aucune valeur ne lui a été affecté), l’utiliser engendrera une </a:t>
+            </a:r>
+            <a:r>
+              <a:rPr lang="fr-FR" dirty="0" smtClean="0">
+                <a:solidFill>
+                  <a:schemeClr val="tx1"/>
+                </a:solidFill>
+              </a:rPr>
+              <a:t>erreur</a:t>
+            </a:r>
+          </a:p>
+          <a:p>
+            <a:pPr algn="just"/>
+            <a:r>
+              <a:rPr lang="fr-FR" dirty="0">
+                <a:solidFill>
+                  <a:schemeClr val="tx1"/>
+                </a:solidFill>
+              </a:rPr>
+              <a:t>Il y a un support complet des nombres à virgule </a:t>
+            </a:r>
+            <a:r>
+              <a:rPr lang="fr-FR" dirty="0" smtClean="0">
+                <a:solidFill>
+                  <a:schemeClr val="tx1"/>
+                </a:solidFill>
+              </a:rPr>
+              <a:t>flottante</a:t>
+            </a:r>
+          </a:p>
+          <a:p>
+            <a:pPr algn="just"/>
+            <a:r>
+              <a:rPr lang="fr-FR" dirty="0" smtClean="0">
+                <a:solidFill>
+                  <a:schemeClr val="tx1"/>
+                </a:solidFill>
+              </a:rPr>
+              <a:t>Les </a:t>
+            </a:r>
+            <a:r>
+              <a:rPr lang="fr-FR" dirty="0">
+                <a:solidFill>
+                  <a:schemeClr val="tx1"/>
+                </a:solidFill>
+              </a:rPr>
+              <a:t>opérateurs avec des types d’opérandes mélangés convertissent l’opérande entier en virgule flottante</a:t>
+            </a:r>
+            <a:endParaRPr lang="fr-FR" dirty="0">
+              <a:solidFill>
+                <a:schemeClr val="tx1"/>
+              </a:solidFill>
+            </a:endParaRPr>
+          </a:p>
+        </p:txBody>
+      </p:sp>
+      <p:pic>
+        <p:nvPicPr>
+          <p:cNvPr id="7" name="Image 6"/>
+          <p:cNvPicPr>
+            <a:picLocks noChangeAspect="1"/>
+          </p:cNvPicPr>
+          <p:nvPr/>
+        </p:nvPicPr>
+        <p:blipFill>
+          <a:blip r:embed="rId3"/>
+          <a:stretch>
+            <a:fillRect/>
+          </a:stretch>
+        </p:blipFill>
+        <p:spPr>
+          <a:xfrm>
+            <a:off x="7048768" y="2837233"/>
+            <a:ext cx="4876800" cy="2228850"/>
+          </a:xfrm>
+          <a:prstGeom prst="rect">
+            <a:avLst/>
+          </a:prstGeom>
+          <a:ln>
+            <a:noFill/>
+          </a:ln>
+          <a:effectLst>
+            <a:outerShdw blurRad="292100" dist="139700" dir="2700000" algn="tl" rotWithShape="0">
+              <a:srgbClr val="333333">
+                <a:alpha val="65000"/>
+              </a:srgbClr>
+            </a:outerShdw>
+          </a:effectLst>
+        </p:spPr>
+      </p:pic>
+    </p:spTree>
+    <p:extLst>
+      <p:ext uri="{BB962C8B-B14F-4D97-AF65-F5344CB8AC3E}">
+        <p14:creationId xmlns:p14="http://schemas.microsoft.com/office/powerpoint/2010/main" val="1870376721"/>
       </p:ext>
     </p:extLst>
   </p:cSld>
@@ -11323,11 +13327,7 @@
             </a:r>
             <a:r>
               <a:rPr lang="fr-FR" dirty="0" smtClean="0"/>
-              <a:t> ? Comme le </a:t>
-            </a:r>
-            <a:r>
-              <a:rPr lang="fr-FR" dirty="0" smtClean="0"/>
-              <a:t>reptile ?</a:t>
+              <a:t> ? Comme le reptile ?</a:t>
             </a:r>
             <a:endParaRPr lang="fr-FR" dirty="0"/>
           </a:p>
@@ -11353,13 +13353,8 @@
             <a:pPr algn="just"/>
             <a:r>
               <a:rPr lang="fr-FR" dirty="0" smtClean="0"/>
-              <a:t>Euh, non… pas comme le </a:t>
-            </a:r>
-            <a:r>
-              <a:rPr lang="fr-FR" dirty="0" smtClean="0"/>
-              <a:t>reptile</a:t>
-            </a:r>
-            <a:endParaRPr lang="fr-FR" dirty="0" smtClean="0"/>
+              <a:t>Euh, non… pas comme le reptile</a:t>
+            </a:r>
           </a:p>
           <a:p>
             <a:pPr algn="just"/>
@@ -11372,11 +13367,7 @@
             <a:pPr algn="just"/>
             <a:r>
               <a:rPr lang="fr-FR" dirty="0" smtClean="0"/>
-              <a:t>Son nom fut choisi en hommage aux Monty </a:t>
-            </a:r>
-            <a:r>
-              <a:rPr lang="fr-FR" dirty="0" smtClean="0"/>
-              <a:t>Python et leur émission à la radio : "The Monty Python's Flying Circus"</a:t>
+              <a:t>Son nom fut choisi en hommage aux Monty Python et leur émission à la radio : "The Monty Python's Flying Circus"</a:t>
             </a:r>
             <a:endParaRPr lang="fr-FR" dirty="0"/>
           </a:p>
@@ -11452,6 +13443,458 @@
 </p:sld>
 </file>
 
+<file path=ppt/slides/slide20.xml><?xml version="1.0" encoding="utf-8"?>
+<p:sld xmlns:a="http://schemas.openxmlformats.org/drawingml/2006/main" xmlns:r="http://schemas.openxmlformats.org/officeDocument/2006/relationships" xmlns:p="http://schemas.openxmlformats.org/presentationml/2006/main">
+  <p:cSld>
+    <p:spTree>
+      <p:nvGrpSpPr>
+        <p:cNvPr id="1" name=""/>
+        <p:cNvGrpSpPr/>
+        <p:nvPr/>
+      </p:nvGrpSpPr>
+      <p:grpSpPr>
+        <a:xfrm>
+          <a:off x="0" y="0"/>
+          <a:ext cx="0" cy="0"/>
+          <a:chOff x="0" y="0"/>
+          <a:chExt cx="0" cy="0"/>
+        </a:xfrm>
+      </p:grpSpPr>
+      <p:sp>
+        <p:nvSpPr>
+          <p:cNvPr id="2" name="Titre 1"/>
+          <p:cNvSpPr>
+            <a:spLocks noGrp="1"/>
+          </p:cNvSpPr>
+          <p:nvPr>
+            <p:ph type="title"/>
+          </p:nvPr>
+        </p:nvSpPr>
+        <p:spPr>
+          <a:xfrm>
+            <a:off x="2592925" y="624110"/>
+            <a:ext cx="8911687" cy="1280890"/>
+          </a:xfrm>
+        </p:spPr>
+        <p:txBody>
+          <a:bodyPr/>
+          <a:lstStyle/>
+          <a:p>
+            <a:r>
+              <a:rPr lang="fr-FR" dirty="0" smtClean="0"/>
+              <a:t>Les nombres</a:t>
+            </a:r>
+            <a:endParaRPr lang="fr-FR" dirty="0"/>
+          </a:p>
+        </p:txBody>
+      </p:sp>
+      <p:sp>
+        <p:nvSpPr>
+          <p:cNvPr id="3" name="Espace réservé du contenu 2"/>
+          <p:cNvSpPr>
+            <a:spLocks noGrp="1"/>
+          </p:cNvSpPr>
+          <p:nvPr>
+            <p:ph idx="1"/>
+          </p:nvPr>
+        </p:nvSpPr>
+        <p:spPr>
+          <a:xfrm>
+            <a:off x="858740" y="1542413"/>
+            <a:ext cx="8219272" cy="4818490"/>
+          </a:xfrm>
+        </p:spPr>
+        <p:txBody>
+          <a:bodyPr anchor="ctr" anchorCtr="0">
+            <a:normAutofit/>
+          </a:bodyPr>
+          <a:lstStyle/>
+          <a:p>
+            <a:pPr algn="just"/>
+            <a:r>
+              <a:rPr lang="fr-FR" dirty="0">
+                <a:solidFill>
+                  <a:schemeClr val="tx1"/>
+                </a:solidFill>
+              </a:rPr>
+              <a:t>En mode interactif, la dernière expression affichée est affectée à la variable </a:t>
+            </a:r>
+            <a:r>
+              <a:rPr lang="fr-FR" dirty="0" smtClean="0">
+                <a:solidFill>
+                  <a:schemeClr val="tx1"/>
+                </a:solidFill>
+              </a:rPr>
+              <a:t>_</a:t>
+            </a:r>
+          </a:p>
+          <a:p>
+            <a:pPr algn="just"/>
+            <a:r>
+              <a:rPr lang="fr-FR" dirty="0" smtClean="0">
+                <a:solidFill>
+                  <a:schemeClr val="tx1"/>
+                </a:solidFill>
+              </a:rPr>
+              <a:t>Ce </a:t>
+            </a:r>
+            <a:r>
+              <a:rPr lang="fr-FR" dirty="0">
+                <a:solidFill>
+                  <a:schemeClr val="tx1"/>
+                </a:solidFill>
+              </a:rPr>
+              <a:t>qui signifie que lorsque vous utilisez Python comme calculatrice, il est parfois plus simple de continuer des </a:t>
+            </a:r>
+            <a:r>
+              <a:rPr lang="fr-FR" dirty="0" smtClean="0">
+                <a:solidFill>
+                  <a:schemeClr val="tx1"/>
+                </a:solidFill>
+              </a:rPr>
+              <a:t>calculs</a:t>
+            </a:r>
+          </a:p>
+          <a:p>
+            <a:pPr algn="just"/>
+            <a:r>
+              <a:rPr lang="fr-FR" dirty="0">
+                <a:solidFill>
+                  <a:schemeClr val="tx1"/>
+                </a:solidFill>
+              </a:rPr>
+              <a:t>Cette variable doit être considérée comme une variable en lecture seule par </a:t>
+            </a:r>
+            <a:r>
+              <a:rPr lang="fr-FR" dirty="0" smtClean="0">
+                <a:solidFill>
+                  <a:schemeClr val="tx1"/>
+                </a:solidFill>
+              </a:rPr>
+              <a:t>l’utilisateur</a:t>
+            </a:r>
+          </a:p>
+          <a:p>
+            <a:pPr algn="just"/>
+            <a:r>
+              <a:rPr lang="fr-FR" dirty="0" smtClean="0">
+                <a:solidFill>
+                  <a:schemeClr val="tx1"/>
+                </a:solidFill>
+              </a:rPr>
+              <a:t>Ne </a:t>
+            </a:r>
+            <a:r>
+              <a:rPr lang="fr-FR" dirty="0">
+                <a:solidFill>
+                  <a:schemeClr val="tx1"/>
+                </a:solidFill>
+              </a:rPr>
+              <a:t>lui affectez pas de valeur </a:t>
+            </a:r>
+            <a:r>
+              <a:rPr lang="fr-FR" dirty="0" smtClean="0">
+                <a:solidFill>
+                  <a:schemeClr val="tx1"/>
+                </a:solidFill>
+              </a:rPr>
+              <a:t>explicitement</a:t>
+            </a:r>
+          </a:p>
+          <a:p>
+            <a:pPr algn="just"/>
+            <a:r>
+              <a:rPr lang="fr-FR" dirty="0" smtClean="0">
+                <a:solidFill>
+                  <a:schemeClr val="tx1"/>
+                </a:solidFill>
+              </a:rPr>
+              <a:t>Vous </a:t>
+            </a:r>
+            <a:r>
+              <a:rPr lang="fr-FR" dirty="0">
+                <a:solidFill>
+                  <a:schemeClr val="tx1"/>
+                </a:solidFill>
+              </a:rPr>
+              <a:t>créeriez ainsi une variable locale indépendante avec le même nom qui masquerait la variable native et son fonctionnement </a:t>
+            </a:r>
+            <a:r>
+              <a:rPr lang="fr-FR" dirty="0" smtClean="0">
+                <a:solidFill>
+                  <a:schemeClr val="tx1"/>
+                </a:solidFill>
+              </a:rPr>
+              <a:t>magique</a:t>
+            </a:r>
+          </a:p>
+          <a:p>
+            <a:pPr algn="just"/>
+            <a:r>
+              <a:rPr lang="fr-FR" dirty="0">
+                <a:solidFill>
+                  <a:schemeClr val="tx1"/>
+                </a:solidFill>
+              </a:rPr>
+              <a:t>En plus des </a:t>
+            </a:r>
+            <a:r>
+              <a:rPr lang="fr-FR" b="1" i="1" dirty="0">
+                <a:solidFill>
+                  <a:schemeClr val="accent6"/>
+                </a:solidFill>
+              </a:rPr>
+              <a:t>int</a:t>
+            </a:r>
+            <a:r>
+              <a:rPr lang="fr-FR" dirty="0">
+                <a:solidFill>
+                  <a:schemeClr val="accent6"/>
+                </a:solidFill>
+              </a:rPr>
+              <a:t> </a:t>
+            </a:r>
+            <a:r>
+              <a:rPr lang="fr-FR" dirty="0">
+                <a:solidFill>
+                  <a:schemeClr val="tx1"/>
+                </a:solidFill>
+              </a:rPr>
+              <a:t>et des </a:t>
+            </a:r>
+            <a:r>
+              <a:rPr lang="fr-FR" b="1" i="1" dirty="0">
+                <a:solidFill>
+                  <a:schemeClr val="accent6"/>
+                </a:solidFill>
+              </a:rPr>
+              <a:t>float</a:t>
+            </a:r>
+            <a:r>
+              <a:rPr lang="fr-FR" dirty="0">
+                <a:solidFill>
+                  <a:schemeClr val="tx1"/>
+                </a:solidFill>
+              </a:rPr>
+              <a:t>, il existe les </a:t>
+            </a:r>
+            <a:r>
+              <a:rPr lang="fr-FR" b="1" i="1" dirty="0">
+                <a:solidFill>
+                  <a:schemeClr val="accent6"/>
+                </a:solidFill>
+              </a:rPr>
+              <a:t>Decimal</a:t>
+            </a:r>
+            <a:r>
+              <a:rPr lang="fr-FR" dirty="0">
+                <a:solidFill>
+                  <a:schemeClr val="tx1"/>
+                </a:solidFill>
+              </a:rPr>
+              <a:t> et les </a:t>
+            </a:r>
+            <a:r>
+              <a:rPr lang="fr-FR" b="1" i="1" dirty="0" smtClean="0">
+                <a:solidFill>
+                  <a:schemeClr val="accent6"/>
+                </a:solidFill>
+              </a:rPr>
+              <a:t>Fraction</a:t>
+            </a:r>
+          </a:p>
+          <a:p>
+            <a:pPr algn="just"/>
+            <a:r>
+              <a:rPr lang="fr-FR" dirty="0" smtClean="0">
+                <a:solidFill>
+                  <a:schemeClr val="tx1"/>
+                </a:solidFill>
+              </a:rPr>
+              <a:t>Python </a:t>
+            </a:r>
+            <a:r>
+              <a:rPr lang="fr-FR" dirty="0">
+                <a:solidFill>
+                  <a:schemeClr val="tx1"/>
+                </a:solidFill>
+              </a:rPr>
+              <a:t>gère aussi les nombre complexes, en utilisant le suffixe j ou J pour indiquer la partie imaginaire (tel que: </a:t>
+            </a:r>
+            <a:r>
+              <a:rPr lang="fr-FR" dirty="0" smtClean="0">
+                <a:solidFill>
+                  <a:schemeClr val="tx1"/>
+                </a:solidFill>
+              </a:rPr>
+              <a:t>3+5j)</a:t>
+            </a:r>
+            <a:endParaRPr lang="fr-FR" dirty="0">
+              <a:solidFill>
+                <a:schemeClr val="tx1"/>
+              </a:solidFill>
+            </a:endParaRPr>
+          </a:p>
+        </p:txBody>
+      </p:sp>
+      <p:pic>
+        <p:nvPicPr>
+          <p:cNvPr id="4" name="Image 3"/>
+          <p:cNvPicPr>
+            <a:picLocks noChangeAspect="1"/>
+          </p:cNvPicPr>
+          <p:nvPr/>
+        </p:nvPicPr>
+        <p:blipFill>
+          <a:blip r:embed="rId3"/>
+          <a:stretch>
+            <a:fillRect/>
+          </a:stretch>
+        </p:blipFill>
+        <p:spPr>
+          <a:xfrm>
+            <a:off x="9297874" y="3046783"/>
+            <a:ext cx="2457450" cy="1809750"/>
+          </a:xfrm>
+          <a:prstGeom prst="rect">
+            <a:avLst/>
+          </a:prstGeom>
+          <a:ln>
+            <a:noFill/>
+          </a:ln>
+          <a:effectLst>
+            <a:outerShdw blurRad="292100" dist="139700" dir="2700000" algn="tl" rotWithShape="0">
+              <a:srgbClr val="333333">
+                <a:alpha val="65000"/>
+              </a:srgbClr>
+            </a:outerShdw>
+          </a:effectLst>
+        </p:spPr>
+      </p:pic>
+    </p:spTree>
+    <p:extLst>
+      <p:ext uri="{BB962C8B-B14F-4D97-AF65-F5344CB8AC3E}">
+        <p14:creationId xmlns:p14="http://schemas.microsoft.com/office/powerpoint/2010/main" val="973444270"/>
+      </p:ext>
+    </p:extLst>
+  </p:cSld>
+  <p:clrMapOvr>
+    <a:masterClrMapping/>
+  </p:clrMapOvr>
+  <p:timing>
+    <p:tnLst>
+      <p:par>
+        <p:cTn id="1" dur="indefinite" restart="never" nodeType="tmRoot"/>
+      </p:par>
+    </p:tnLst>
+  </p:timing>
+</p:sld>
+</file>
+
+<file path=ppt/slides/slide21.xml><?xml version="1.0" encoding="utf-8"?>
+<p:sld xmlns:a="http://schemas.openxmlformats.org/drawingml/2006/main" xmlns:r="http://schemas.openxmlformats.org/officeDocument/2006/relationships" xmlns:p="http://schemas.openxmlformats.org/presentationml/2006/main">
+  <p:cSld>
+    <p:spTree>
+      <p:nvGrpSpPr>
+        <p:cNvPr id="1" name=""/>
+        <p:cNvGrpSpPr/>
+        <p:nvPr/>
+      </p:nvGrpSpPr>
+      <p:grpSpPr>
+        <a:xfrm>
+          <a:off x="0" y="0"/>
+          <a:ext cx="0" cy="0"/>
+          <a:chOff x="0" y="0"/>
+          <a:chExt cx="0" cy="0"/>
+        </a:xfrm>
+      </p:grpSpPr>
+      <p:sp>
+        <p:nvSpPr>
+          <p:cNvPr id="2" name="Titre 1"/>
+          <p:cNvSpPr>
+            <a:spLocks noGrp="1"/>
+          </p:cNvSpPr>
+          <p:nvPr>
+            <p:ph type="title"/>
+          </p:nvPr>
+        </p:nvSpPr>
+        <p:spPr>
+          <a:xfrm>
+            <a:off x="2592925" y="624110"/>
+            <a:ext cx="8911687" cy="1280890"/>
+          </a:xfrm>
+        </p:spPr>
+        <p:txBody>
+          <a:bodyPr/>
+          <a:lstStyle/>
+          <a:p>
+            <a:r>
+              <a:rPr lang="fr-FR" dirty="0" smtClean="0"/>
+              <a:t>Les chaines de caractères</a:t>
+            </a:r>
+            <a:endParaRPr lang="fr-FR" dirty="0"/>
+          </a:p>
+        </p:txBody>
+      </p:sp>
+      <p:sp>
+        <p:nvSpPr>
+          <p:cNvPr id="3" name="Espace réservé du contenu 2"/>
+          <p:cNvSpPr>
+            <a:spLocks noGrp="1"/>
+          </p:cNvSpPr>
+          <p:nvPr>
+            <p:ph idx="1"/>
+          </p:nvPr>
+        </p:nvSpPr>
+        <p:spPr>
+          <a:xfrm>
+            <a:off x="858740" y="1542413"/>
+            <a:ext cx="8219272" cy="4818490"/>
+          </a:xfrm>
+        </p:spPr>
+        <p:txBody>
+          <a:bodyPr anchor="ctr" anchorCtr="0">
+            <a:normAutofit/>
+          </a:bodyPr>
+          <a:lstStyle/>
+          <a:p>
+            <a:pPr algn="just"/>
+            <a:r>
+              <a:rPr lang="fr-FR" dirty="0" smtClean="0">
+                <a:solidFill>
+                  <a:schemeClr val="tx1"/>
+                </a:solidFill>
+              </a:rPr>
+              <a:t>…</a:t>
+            </a:r>
+            <a:endParaRPr lang="fr-FR" dirty="0">
+              <a:solidFill>
+                <a:schemeClr val="tx1"/>
+              </a:solidFill>
+            </a:endParaRPr>
+          </a:p>
+        </p:txBody>
+      </p:sp>
+    </p:spTree>
+    <p:extLst>
+      <p:ext uri="{BB962C8B-B14F-4D97-AF65-F5344CB8AC3E}">
+        <p14:creationId xmlns:p14="http://schemas.microsoft.com/office/powerpoint/2010/main" val="1610799836"/>
+      </p:ext>
+    </p:extLst>
+  </p:cSld>
+  <p:clrMapOvr>
+    <a:masterClrMapping/>
+  </p:clrMapOvr>
+  <p:timing>
+    <p:tnLst>
+      <p:par>
+        <p:cTn id="1" dur="indefinite" restart="never" nodeType="tmRoot"/>
+      </p:par>
+    </p:tnLst>
+  </p:timing>
+</p:sld>
+</file>
+
 <file path=ppt/slides/slide3.xml><?xml version="1.0" encoding="utf-8"?>
 <p:sld xmlns:a="http://schemas.openxmlformats.org/drawingml/2006/main" xmlns:r="http://schemas.openxmlformats.org/officeDocument/2006/relationships" xmlns:p="http://schemas.openxmlformats.org/presentationml/2006/main">
   <p:cSld>
@@ -11499,11 +13942,7 @@
             </a:r>
             <a:r>
               <a:rPr lang="fr-FR" dirty="0" smtClean="0"/>
-              <a:t> ? Comme </a:t>
-            </a:r>
-            <a:r>
-              <a:rPr lang="fr-FR" dirty="0" smtClean="0"/>
-              <a:t>le reptile ?</a:t>
+              <a:t> ? Comme le reptile ?</a:t>
             </a:r>
             <a:endParaRPr lang="fr-FR" dirty="0"/>
           </a:p>
@@ -11637,11 +14076,7 @@
             </a:r>
             <a:r>
               <a:rPr lang="fr-FR" dirty="0" smtClean="0"/>
-              <a:t> ? Comme </a:t>
-            </a:r>
-            <a:r>
-              <a:rPr lang="fr-FR" dirty="0" smtClean="0"/>
-              <a:t>le reptile ?</a:t>
+              <a:t> ? Comme le reptile ?</a:t>
             </a:r>
             <a:endParaRPr lang="fr-FR" dirty="0"/>
           </a:p>
@@ -11688,15 +14123,7 @@
             <a:pPr algn="just"/>
             <a:r>
               <a:rPr lang="fr-FR" dirty="0" smtClean="0"/>
-              <a:t>Sa syntaxe élégante, son typage dynamique et sa nature interprétée en font un langage </a:t>
-            </a:r>
-            <a:r>
-              <a:rPr lang="fr-FR" dirty="0" smtClean="0"/>
-              <a:t>idéal </a:t>
-            </a:r>
-            <a:r>
-              <a:rPr lang="fr-FR" dirty="0" smtClean="0"/>
-              <a:t>pour le scripting et le développement rapide d'applications, dans de nombreux domaines et sur de multiples plateformes</a:t>
+              <a:t>Sa syntaxe élégante, son typage dynamique et sa nature interprétée en font un langage idéal pour le scripting et le développement rapide d'applications, dans de nombreux domaines et sur de multiples plateformes</a:t>
             </a:r>
             <a:endParaRPr lang="fr-FR" dirty="0"/>
           </a:p>
@@ -11769,15 +14196,7 @@
             </a:r>
             <a:r>
               <a:rPr lang="fr-FR" dirty="0" smtClean="0"/>
-              <a:t> ? Comme </a:t>
-            </a:r>
-            <a:r>
-              <a:rPr lang="fr-FR" dirty="0" smtClean="0"/>
-              <a:t>le reptile </a:t>
-            </a:r>
-            <a:r>
-              <a:rPr lang="fr-FR" dirty="0" smtClean="0"/>
-              <a:t>?</a:t>
+              <a:t> ? Comme le reptile ?</a:t>
             </a:r>
             <a:endParaRPr lang="fr-FR" dirty="0"/>
           </a:p>
@@ -11918,11 +14337,7 @@
           <a:p>
             <a:r>
               <a:rPr lang="fr-FR" dirty="0" smtClean="0"/>
-              <a:t>Le "Zen" de </a:t>
-            </a:r>
-            <a:r>
-              <a:rPr lang="fr-FR" dirty="0" smtClean="0"/>
-              <a:t>Python</a:t>
+              <a:t>Le "Zen" de Python</a:t>
             </a:r>
             <a:endParaRPr lang="fr-FR" dirty="0"/>
           </a:p>
@@ -12595,7 +15010,6 @@
               <a:rPr lang="fr-FR" dirty="0"/>
               <a:t>Unix rend possible de le lancer en tapant la commande :</a:t>
             </a:r>
-            <a:endParaRPr lang="fr-FR" dirty="0"/>
           </a:p>
         </p:txBody>
       </p:sp>
@@ -12747,7 +15161,6 @@
               <a:rPr lang="fr-FR" dirty="0"/>
               <a:t>ajouter ce dossier à votre chemin de recherche, vous pouvez taper la commande suivante dans un prompt de commande d’une machine DOS</a:t>
             </a:r>
-            <a:endParaRPr lang="fr-FR" dirty="0"/>
           </a:p>
         </p:txBody>
       </p:sp>

--- a/documentations/learning-python.pptx
+++ b/documentations/learning-python.pptx
@@ -5,7 +5,7 @@
     <p:sldMasterId id="2147483665" r:id="rId1"/>
   </p:sldMasterIdLst>
   <p:notesMasterIdLst>
-    <p:notesMasterId r:id="rId23"/>
+    <p:notesMasterId r:id="rId26"/>
   </p:notesMasterIdLst>
   <p:sldIdLst>
     <p:sldId id="256" r:id="rId2"/>
@@ -29,6 +29,9 @@
     <p:sldId id="274" r:id="rId20"/>
     <p:sldId id="275" r:id="rId21"/>
     <p:sldId id="276" r:id="rId22"/>
+    <p:sldId id="277" r:id="rId23"/>
+    <p:sldId id="278" r:id="rId24"/>
+    <p:sldId id="279" r:id="rId25"/>
   </p:sldIdLst>
   <p:sldSz cx="12192000" cy="6858000"/>
   <p:notesSz cx="6858000" cy="9144000"/>
@@ -1568,6 +1571,258 @@
     <p:extLst>
       <p:ext uri="{BB962C8B-B14F-4D97-AF65-F5344CB8AC3E}">
         <p14:creationId xmlns:p14="http://schemas.microsoft.com/office/powerpoint/2010/main" val="2228614733"/>
+      </p:ext>
+    </p:extLst>
+  </p:cSld>
+  <p:clrMapOvr>
+    <a:masterClrMapping/>
+  </p:clrMapOvr>
+</p:notes>
+</file>
+
+<file path=ppt/notesSlides/notesSlide21.xml><?xml version="1.0" encoding="utf-8"?>
+<p:notes xmlns:a="http://schemas.openxmlformats.org/drawingml/2006/main" xmlns:r="http://schemas.openxmlformats.org/officeDocument/2006/relationships" xmlns:p="http://schemas.openxmlformats.org/presentationml/2006/main">
+  <p:cSld>
+    <p:spTree>
+      <p:nvGrpSpPr>
+        <p:cNvPr id="1" name=""/>
+        <p:cNvGrpSpPr/>
+        <p:nvPr/>
+      </p:nvGrpSpPr>
+      <p:grpSpPr>
+        <a:xfrm>
+          <a:off x="0" y="0"/>
+          <a:ext cx="0" cy="0"/>
+          <a:chOff x="0" y="0"/>
+          <a:chExt cx="0" cy="0"/>
+        </a:xfrm>
+      </p:grpSpPr>
+      <p:sp>
+        <p:nvSpPr>
+          <p:cNvPr id="2" name="Espace réservé de l'image des diapositives 1"/>
+          <p:cNvSpPr>
+            <a:spLocks noGrp="1" noRot="1" noChangeAspect="1"/>
+          </p:cNvSpPr>
+          <p:nvPr>
+            <p:ph type="sldImg"/>
+          </p:nvPr>
+        </p:nvSpPr>
+        <p:spPr/>
+      </p:sp>
+      <p:sp>
+        <p:nvSpPr>
+          <p:cNvPr id="3" name="Espace réservé des commentaires 2"/>
+          <p:cNvSpPr>
+            <a:spLocks noGrp="1"/>
+          </p:cNvSpPr>
+          <p:nvPr>
+            <p:ph type="body" idx="1"/>
+          </p:nvPr>
+        </p:nvSpPr>
+        <p:spPr/>
+        <p:txBody>
+          <a:bodyPr/>
+          <a:lstStyle/>
+          <a:p>
+            <a:endParaRPr lang="fr-FR"/>
+          </a:p>
+        </p:txBody>
+      </p:sp>
+      <p:sp>
+        <p:nvSpPr>
+          <p:cNvPr id="4" name="Espace réservé du numéro de diapositive 3"/>
+          <p:cNvSpPr>
+            <a:spLocks noGrp="1"/>
+          </p:cNvSpPr>
+          <p:nvPr>
+            <p:ph type="sldNum" sz="quarter" idx="10"/>
+          </p:nvPr>
+        </p:nvSpPr>
+        <p:spPr/>
+        <p:txBody>
+          <a:bodyPr/>
+          <a:lstStyle/>
+          <a:p>
+            <a:fld id="{58BEE673-8D3B-4BBD-97EB-7004EF7CF6EF}" type="slidenum">
+              <a:rPr lang="fr-FR" smtClean="0"/>
+              <a:t>22</a:t>
+            </a:fld>
+            <a:endParaRPr lang="fr-FR"/>
+          </a:p>
+        </p:txBody>
+      </p:sp>
+    </p:spTree>
+    <p:extLst>
+      <p:ext uri="{BB962C8B-B14F-4D97-AF65-F5344CB8AC3E}">
+        <p14:creationId xmlns:p14="http://schemas.microsoft.com/office/powerpoint/2010/main" val="1259305345"/>
+      </p:ext>
+    </p:extLst>
+  </p:cSld>
+  <p:clrMapOvr>
+    <a:masterClrMapping/>
+  </p:clrMapOvr>
+</p:notes>
+</file>
+
+<file path=ppt/notesSlides/notesSlide22.xml><?xml version="1.0" encoding="utf-8"?>
+<p:notes xmlns:a="http://schemas.openxmlformats.org/drawingml/2006/main" xmlns:r="http://schemas.openxmlformats.org/officeDocument/2006/relationships" xmlns:p="http://schemas.openxmlformats.org/presentationml/2006/main">
+  <p:cSld>
+    <p:spTree>
+      <p:nvGrpSpPr>
+        <p:cNvPr id="1" name=""/>
+        <p:cNvGrpSpPr/>
+        <p:nvPr/>
+      </p:nvGrpSpPr>
+      <p:grpSpPr>
+        <a:xfrm>
+          <a:off x="0" y="0"/>
+          <a:ext cx="0" cy="0"/>
+          <a:chOff x="0" y="0"/>
+          <a:chExt cx="0" cy="0"/>
+        </a:xfrm>
+      </p:grpSpPr>
+      <p:sp>
+        <p:nvSpPr>
+          <p:cNvPr id="2" name="Espace réservé de l'image des diapositives 1"/>
+          <p:cNvSpPr>
+            <a:spLocks noGrp="1" noRot="1" noChangeAspect="1"/>
+          </p:cNvSpPr>
+          <p:nvPr>
+            <p:ph type="sldImg"/>
+          </p:nvPr>
+        </p:nvSpPr>
+        <p:spPr/>
+      </p:sp>
+      <p:sp>
+        <p:nvSpPr>
+          <p:cNvPr id="3" name="Espace réservé des commentaires 2"/>
+          <p:cNvSpPr>
+            <a:spLocks noGrp="1"/>
+          </p:cNvSpPr>
+          <p:nvPr>
+            <p:ph type="body" idx="1"/>
+          </p:nvPr>
+        </p:nvSpPr>
+        <p:spPr/>
+        <p:txBody>
+          <a:bodyPr/>
+          <a:lstStyle/>
+          <a:p>
+            <a:endParaRPr lang="fr-FR"/>
+          </a:p>
+        </p:txBody>
+      </p:sp>
+      <p:sp>
+        <p:nvSpPr>
+          <p:cNvPr id="4" name="Espace réservé du numéro de diapositive 3"/>
+          <p:cNvSpPr>
+            <a:spLocks noGrp="1"/>
+          </p:cNvSpPr>
+          <p:nvPr>
+            <p:ph type="sldNum" sz="quarter" idx="10"/>
+          </p:nvPr>
+        </p:nvSpPr>
+        <p:spPr/>
+        <p:txBody>
+          <a:bodyPr/>
+          <a:lstStyle/>
+          <a:p>
+            <a:fld id="{58BEE673-8D3B-4BBD-97EB-7004EF7CF6EF}" type="slidenum">
+              <a:rPr lang="fr-FR" smtClean="0"/>
+              <a:t>23</a:t>
+            </a:fld>
+            <a:endParaRPr lang="fr-FR"/>
+          </a:p>
+        </p:txBody>
+      </p:sp>
+    </p:spTree>
+    <p:extLst>
+      <p:ext uri="{BB962C8B-B14F-4D97-AF65-F5344CB8AC3E}">
+        <p14:creationId xmlns:p14="http://schemas.microsoft.com/office/powerpoint/2010/main" val="3449361235"/>
+      </p:ext>
+    </p:extLst>
+  </p:cSld>
+  <p:clrMapOvr>
+    <a:masterClrMapping/>
+  </p:clrMapOvr>
+</p:notes>
+</file>
+
+<file path=ppt/notesSlides/notesSlide23.xml><?xml version="1.0" encoding="utf-8"?>
+<p:notes xmlns:a="http://schemas.openxmlformats.org/drawingml/2006/main" xmlns:r="http://schemas.openxmlformats.org/officeDocument/2006/relationships" xmlns:p="http://schemas.openxmlformats.org/presentationml/2006/main">
+  <p:cSld>
+    <p:spTree>
+      <p:nvGrpSpPr>
+        <p:cNvPr id="1" name=""/>
+        <p:cNvGrpSpPr/>
+        <p:nvPr/>
+      </p:nvGrpSpPr>
+      <p:grpSpPr>
+        <a:xfrm>
+          <a:off x="0" y="0"/>
+          <a:ext cx="0" cy="0"/>
+          <a:chOff x="0" y="0"/>
+          <a:chExt cx="0" cy="0"/>
+        </a:xfrm>
+      </p:grpSpPr>
+      <p:sp>
+        <p:nvSpPr>
+          <p:cNvPr id="2" name="Espace réservé de l'image des diapositives 1"/>
+          <p:cNvSpPr>
+            <a:spLocks noGrp="1" noRot="1" noChangeAspect="1"/>
+          </p:cNvSpPr>
+          <p:nvPr>
+            <p:ph type="sldImg"/>
+          </p:nvPr>
+        </p:nvSpPr>
+        <p:spPr/>
+      </p:sp>
+      <p:sp>
+        <p:nvSpPr>
+          <p:cNvPr id="3" name="Espace réservé des commentaires 2"/>
+          <p:cNvSpPr>
+            <a:spLocks noGrp="1"/>
+          </p:cNvSpPr>
+          <p:nvPr>
+            <p:ph type="body" idx="1"/>
+          </p:nvPr>
+        </p:nvSpPr>
+        <p:spPr/>
+        <p:txBody>
+          <a:bodyPr/>
+          <a:lstStyle/>
+          <a:p>
+            <a:endParaRPr lang="fr-FR"/>
+          </a:p>
+        </p:txBody>
+      </p:sp>
+      <p:sp>
+        <p:nvSpPr>
+          <p:cNvPr id="4" name="Espace réservé du numéro de diapositive 3"/>
+          <p:cNvSpPr>
+            <a:spLocks noGrp="1"/>
+          </p:cNvSpPr>
+          <p:nvPr>
+            <p:ph type="sldNum" sz="quarter" idx="10"/>
+          </p:nvPr>
+        </p:nvSpPr>
+        <p:spPr/>
+        <p:txBody>
+          <a:bodyPr/>
+          <a:lstStyle/>
+          <a:p>
+            <a:fld id="{58BEE673-8D3B-4BBD-97EB-7004EF7CF6EF}" type="slidenum">
+              <a:rPr lang="fr-FR" smtClean="0"/>
+              <a:t>24</a:t>
+            </a:fld>
+            <a:endParaRPr lang="fr-FR"/>
+          </a:p>
+        </p:txBody>
+      </p:sp>
+    </p:spTree>
+    <p:extLst>
+      <p:ext uri="{BB962C8B-B14F-4D97-AF65-F5344CB8AC3E}">
+        <p14:creationId xmlns:p14="http://schemas.microsoft.com/office/powerpoint/2010/main" val="3894061204"/>
       </p:ext>
     </p:extLst>
   </p:cSld>
@@ -12348,11 +12603,6 @@
               </a:rPr>
               <a:t>les commentaires ne servent qu’à expliquer le code et ne sont pas interprétés par Python, ils peuvent être ignorés lorsque vous tapez les exemples</a:t>
             </a:r>
-            <a:endParaRPr lang="fr-FR" dirty="0">
-              <a:solidFill>
-                <a:schemeClr val="tx1"/>
-              </a:solidFill>
-            </a:endParaRPr>
           </a:p>
         </p:txBody>
       </p:sp>
@@ -13218,11 +13468,6 @@
               </a:rPr>
               <a:t>opérateurs avec des types d’opérandes mélangés convertissent l’opérande entier en virgule flottante</a:t>
             </a:r>
-            <a:endParaRPr lang="fr-FR" dirty="0">
-              <a:solidFill>
-                <a:schemeClr val="tx1"/>
-              </a:solidFill>
-            </a:endParaRPr>
           </a:p>
         </p:txBody>
       </p:sp>
@@ -13849,7 +14094,7 @@
         <p:spPr>
           <a:xfrm>
             <a:off x="858740" y="1542413"/>
-            <a:ext cx="8219272" cy="4818490"/>
+            <a:ext cx="6925587" cy="2282164"/>
           </a:xfrm>
         </p:spPr>
         <p:txBody>
@@ -13860,12 +14105,66 @@
           <a:p>
             <a:pPr algn="just"/>
             <a:r>
+              <a:rPr lang="fr-FR" dirty="0">
+                <a:solidFill>
+                  <a:schemeClr val="tx1"/>
+                </a:solidFill>
+              </a:rPr>
+              <a:t>Au delà des nombres, Python peut aussi manipuler des chaînes de caractères, qui peuvent être exprimés de différentes </a:t>
+            </a:r>
+            <a:r>
               <a:rPr lang="fr-FR" dirty="0" smtClean="0">
                 <a:solidFill>
                   <a:schemeClr val="tx1"/>
                 </a:solidFill>
               </a:rPr>
-              <a:t>…</a:t>
+              <a:t>manières</a:t>
+            </a:r>
+          </a:p>
+          <a:p>
+            <a:pPr algn="just"/>
+            <a:r>
+              <a:rPr lang="fr-FR" dirty="0" smtClean="0">
+                <a:solidFill>
+                  <a:schemeClr val="tx1"/>
+                </a:solidFill>
+              </a:rPr>
+              <a:t>Elles </a:t>
+            </a:r>
+            <a:r>
+              <a:rPr lang="fr-FR" dirty="0">
+                <a:solidFill>
+                  <a:schemeClr val="tx1"/>
+                </a:solidFill>
+              </a:rPr>
+              <a:t>peuvent être écrites entre guillemets simples ('...') ou entre guillemets ("...") sans </a:t>
+            </a:r>
+            <a:r>
+              <a:rPr lang="fr-FR" dirty="0" smtClean="0">
+                <a:solidFill>
+                  <a:schemeClr val="tx1"/>
+                </a:solidFill>
+              </a:rPr>
+              <a:t>distinction</a:t>
+            </a:r>
+          </a:p>
+          <a:p>
+            <a:pPr algn="just"/>
+            <a:r>
+              <a:rPr lang="fr-FR" dirty="0" smtClean="0">
+                <a:solidFill>
+                  <a:schemeClr val="tx1"/>
+                </a:solidFill>
+              </a:rPr>
+              <a:t>\ </a:t>
+            </a:r>
+            <a:r>
+              <a:rPr lang="fr-FR" dirty="0">
+                <a:solidFill>
+                  <a:schemeClr val="tx1"/>
+                </a:solidFill>
+              </a:rPr>
+              <a:t>peut être utilisé pour protéger un guillemet</a:t>
             </a:r>
             <a:endParaRPr lang="fr-FR" dirty="0">
               <a:solidFill>
@@ -13875,10 +14174,780 @@
           </a:p>
         </p:txBody>
       </p:sp>
+      <p:pic>
+        <p:nvPicPr>
+          <p:cNvPr id="4" name="Image 3"/>
+          <p:cNvPicPr>
+            <a:picLocks noChangeAspect="1"/>
+          </p:cNvPicPr>
+          <p:nvPr/>
+        </p:nvPicPr>
+        <p:blipFill>
+          <a:blip r:embed="rId3"/>
+          <a:stretch>
+            <a:fillRect/>
+          </a:stretch>
+        </p:blipFill>
+        <p:spPr>
+          <a:xfrm>
+            <a:off x="4321533" y="3951658"/>
+            <a:ext cx="7591425" cy="2400300"/>
+          </a:xfrm>
+          <a:prstGeom prst="rect">
+            <a:avLst/>
+          </a:prstGeom>
+          <a:ln>
+            <a:noFill/>
+          </a:ln>
+          <a:effectLst>
+            <a:outerShdw blurRad="292100" dist="139700" dir="2700000" algn="tl" rotWithShape="0">
+              <a:srgbClr val="333333">
+                <a:alpha val="65000"/>
+              </a:srgbClr>
+            </a:outerShdw>
+          </a:effectLst>
+        </p:spPr>
+      </p:pic>
     </p:spTree>
     <p:extLst>
       <p:ext uri="{BB962C8B-B14F-4D97-AF65-F5344CB8AC3E}">
         <p14:creationId xmlns:p14="http://schemas.microsoft.com/office/powerpoint/2010/main" val="1610799836"/>
+      </p:ext>
+    </p:extLst>
+  </p:cSld>
+  <p:clrMapOvr>
+    <a:masterClrMapping/>
+  </p:clrMapOvr>
+  <p:timing>
+    <p:tnLst>
+      <p:par>
+        <p:cTn id="1" dur="indefinite" restart="never" nodeType="tmRoot"/>
+      </p:par>
+    </p:tnLst>
+  </p:timing>
+</p:sld>
+</file>
+
+<file path=ppt/slides/slide22.xml><?xml version="1.0" encoding="utf-8"?>
+<p:sld xmlns:a="http://schemas.openxmlformats.org/drawingml/2006/main" xmlns:r="http://schemas.openxmlformats.org/officeDocument/2006/relationships" xmlns:p="http://schemas.openxmlformats.org/presentationml/2006/main">
+  <p:cSld>
+    <p:spTree>
+      <p:nvGrpSpPr>
+        <p:cNvPr id="1" name=""/>
+        <p:cNvGrpSpPr/>
+        <p:nvPr/>
+      </p:nvGrpSpPr>
+      <p:grpSpPr>
+        <a:xfrm>
+          <a:off x="0" y="0"/>
+          <a:ext cx="0" cy="0"/>
+          <a:chOff x="0" y="0"/>
+          <a:chExt cx="0" cy="0"/>
+        </a:xfrm>
+      </p:grpSpPr>
+      <p:sp>
+        <p:nvSpPr>
+          <p:cNvPr id="2" name="Titre 1"/>
+          <p:cNvSpPr>
+            <a:spLocks noGrp="1"/>
+          </p:cNvSpPr>
+          <p:nvPr>
+            <p:ph type="title"/>
+          </p:nvPr>
+        </p:nvSpPr>
+        <p:spPr>
+          <a:xfrm>
+            <a:off x="2592925" y="624110"/>
+            <a:ext cx="8911687" cy="1280890"/>
+          </a:xfrm>
+        </p:spPr>
+        <p:txBody>
+          <a:bodyPr/>
+          <a:lstStyle/>
+          <a:p>
+            <a:r>
+              <a:rPr lang="fr-FR" dirty="0" smtClean="0"/>
+              <a:t>Les chaines de caractères</a:t>
+            </a:r>
+            <a:endParaRPr lang="fr-FR" dirty="0"/>
+          </a:p>
+        </p:txBody>
+      </p:sp>
+      <p:sp>
+        <p:nvSpPr>
+          <p:cNvPr id="3" name="Espace réservé du contenu 2"/>
+          <p:cNvSpPr>
+            <a:spLocks noGrp="1"/>
+          </p:cNvSpPr>
+          <p:nvPr>
+            <p:ph idx="1"/>
+          </p:nvPr>
+        </p:nvSpPr>
+        <p:spPr>
+          <a:xfrm>
+            <a:off x="858741" y="1542413"/>
+            <a:ext cx="5836258" cy="4619848"/>
+          </a:xfrm>
+        </p:spPr>
+        <p:txBody>
+          <a:bodyPr anchor="ctr" anchorCtr="0">
+            <a:normAutofit/>
+          </a:bodyPr>
+          <a:lstStyle/>
+          <a:p>
+            <a:pPr algn="just"/>
+            <a:r>
+              <a:rPr lang="fr-FR" dirty="0">
+                <a:solidFill>
+                  <a:schemeClr val="tx1"/>
+                </a:solidFill>
+              </a:rPr>
+              <a:t>En mode interactif, l’interpréteur affiche les chaînes de caractères entre guillemets et en </a:t>
+            </a:r>
+            <a:r>
+              <a:rPr lang="fr-FR" dirty="0" smtClean="0">
+                <a:solidFill>
+                  <a:schemeClr val="tx1"/>
+                </a:solidFill>
+              </a:rPr>
+              <a:t>protégeant </a:t>
+            </a:r>
+            <a:r>
+              <a:rPr lang="fr-FR" dirty="0">
+                <a:solidFill>
+                  <a:schemeClr val="tx1"/>
+                </a:solidFill>
+              </a:rPr>
+              <a:t>les guillemets et autres caractères spéciaux avec des </a:t>
+            </a:r>
+            <a:r>
+              <a:rPr lang="fr-FR" dirty="0" smtClean="0">
+                <a:solidFill>
+                  <a:schemeClr val="tx1"/>
+                </a:solidFill>
+              </a:rPr>
+              <a:t>antislash</a:t>
+            </a:r>
+          </a:p>
+          <a:p>
+            <a:pPr algn="just"/>
+            <a:r>
+              <a:rPr lang="fr-FR" dirty="0" smtClean="0">
+                <a:solidFill>
+                  <a:schemeClr val="tx1"/>
+                </a:solidFill>
+              </a:rPr>
+              <a:t>Bien </a:t>
+            </a:r>
+            <a:r>
+              <a:rPr lang="fr-FR" dirty="0">
+                <a:solidFill>
+                  <a:schemeClr val="tx1"/>
+                </a:solidFill>
+              </a:rPr>
+              <a:t>que cela puisse paraître différent de ce qui a été donné (les guillemets peuvent changer) La chaîne est affichée entre guillemets si elle contient un guillemet simple mais aucun guillemet, sinon elle est affichée </a:t>
+            </a:r>
+            <a:r>
+              <a:rPr lang="fr-FR" dirty="0" smtClean="0">
+                <a:solidFill>
+                  <a:schemeClr val="tx1"/>
+                </a:solidFill>
+              </a:rPr>
+              <a:t>entre guillemets simples</a:t>
+            </a:r>
+          </a:p>
+          <a:p>
+            <a:pPr algn="just"/>
+            <a:r>
+              <a:rPr lang="fr-FR" dirty="0" smtClean="0">
+                <a:solidFill>
+                  <a:schemeClr val="tx1"/>
+                </a:solidFill>
+              </a:rPr>
+              <a:t>La </a:t>
+            </a:r>
+            <a:r>
+              <a:rPr lang="fr-FR" dirty="0">
+                <a:solidFill>
+                  <a:schemeClr val="tx1"/>
+                </a:solidFill>
+              </a:rPr>
+              <a:t>fonction </a:t>
+            </a:r>
+            <a:r>
+              <a:rPr lang="fr-FR" b="1" i="1" dirty="0">
+                <a:solidFill>
+                  <a:schemeClr val="accent6"/>
+                </a:solidFill>
+              </a:rPr>
+              <a:t>print()</a:t>
+            </a:r>
+            <a:r>
+              <a:rPr lang="fr-FR" dirty="0">
+                <a:solidFill>
+                  <a:schemeClr val="tx1"/>
+                </a:solidFill>
+              </a:rPr>
+              <a:t> affiche les chaînes de manière plus lisible, en retirant les guillemets et en affichant les caractères spéciaux qui étaient protégées par un antislash</a:t>
+            </a:r>
+            <a:endParaRPr lang="fr-FR" dirty="0">
+              <a:solidFill>
+                <a:schemeClr val="tx1"/>
+              </a:solidFill>
+            </a:endParaRPr>
+          </a:p>
+        </p:txBody>
+      </p:sp>
+      <p:pic>
+        <p:nvPicPr>
+          <p:cNvPr id="5" name="Image 4"/>
+          <p:cNvPicPr>
+            <a:picLocks noChangeAspect="1"/>
+          </p:cNvPicPr>
+          <p:nvPr/>
+        </p:nvPicPr>
+        <p:blipFill>
+          <a:blip r:embed="rId3"/>
+          <a:stretch>
+            <a:fillRect/>
+          </a:stretch>
+        </p:blipFill>
+        <p:spPr>
+          <a:xfrm>
+            <a:off x="6844888" y="2846180"/>
+            <a:ext cx="5026839" cy="2012314"/>
+          </a:xfrm>
+          <a:prstGeom prst="rect">
+            <a:avLst/>
+          </a:prstGeom>
+          <a:ln>
+            <a:noFill/>
+          </a:ln>
+          <a:effectLst>
+            <a:outerShdw blurRad="292100" dist="139700" dir="2700000" algn="tl" rotWithShape="0">
+              <a:srgbClr val="333333">
+                <a:alpha val="65000"/>
+              </a:srgbClr>
+            </a:outerShdw>
+          </a:effectLst>
+        </p:spPr>
+      </p:pic>
+    </p:spTree>
+    <p:extLst>
+      <p:ext uri="{BB962C8B-B14F-4D97-AF65-F5344CB8AC3E}">
+        <p14:creationId xmlns:p14="http://schemas.microsoft.com/office/powerpoint/2010/main" val="1675823784"/>
+      </p:ext>
+    </p:extLst>
+  </p:cSld>
+  <p:clrMapOvr>
+    <a:masterClrMapping/>
+  </p:clrMapOvr>
+  <p:timing>
+    <p:tnLst>
+      <p:par>
+        <p:cTn id="1" dur="indefinite" restart="never" nodeType="tmRoot"/>
+      </p:par>
+    </p:tnLst>
+  </p:timing>
+</p:sld>
+</file>
+
+<file path=ppt/slides/slide23.xml><?xml version="1.0" encoding="utf-8"?>
+<p:sld xmlns:a="http://schemas.openxmlformats.org/drawingml/2006/main" xmlns:r="http://schemas.openxmlformats.org/officeDocument/2006/relationships" xmlns:p="http://schemas.openxmlformats.org/presentationml/2006/main">
+  <p:cSld>
+    <p:spTree>
+      <p:nvGrpSpPr>
+        <p:cNvPr id="1" name=""/>
+        <p:cNvGrpSpPr/>
+        <p:nvPr/>
+      </p:nvGrpSpPr>
+      <p:grpSpPr>
+        <a:xfrm>
+          <a:off x="0" y="0"/>
+          <a:ext cx="0" cy="0"/>
+          <a:chOff x="0" y="0"/>
+          <a:chExt cx="0" cy="0"/>
+        </a:xfrm>
+      </p:grpSpPr>
+      <p:sp>
+        <p:nvSpPr>
+          <p:cNvPr id="2" name="Titre 1"/>
+          <p:cNvSpPr>
+            <a:spLocks noGrp="1"/>
+          </p:cNvSpPr>
+          <p:nvPr>
+            <p:ph type="title"/>
+          </p:nvPr>
+        </p:nvSpPr>
+        <p:spPr>
+          <a:xfrm>
+            <a:off x="2592925" y="624110"/>
+            <a:ext cx="8911687" cy="1280890"/>
+          </a:xfrm>
+        </p:spPr>
+        <p:txBody>
+          <a:bodyPr/>
+          <a:lstStyle/>
+          <a:p>
+            <a:r>
+              <a:rPr lang="fr-FR" dirty="0" smtClean="0"/>
+              <a:t>Les chaines de caractères</a:t>
+            </a:r>
+            <a:endParaRPr lang="fr-FR" dirty="0"/>
+          </a:p>
+        </p:txBody>
+      </p:sp>
+      <p:sp>
+        <p:nvSpPr>
+          <p:cNvPr id="3" name="Espace réservé du contenu 2"/>
+          <p:cNvSpPr>
+            <a:spLocks noGrp="1"/>
+          </p:cNvSpPr>
+          <p:nvPr>
+            <p:ph idx="1"/>
+          </p:nvPr>
+        </p:nvSpPr>
+        <p:spPr>
+          <a:xfrm>
+            <a:off x="858741" y="1542413"/>
+            <a:ext cx="5461848" cy="4619848"/>
+          </a:xfrm>
+        </p:spPr>
+        <p:txBody>
+          <a:bodyPr anchor="ctr" anchorCtr="0">
+            <a:normAutofit/>
+          </a:bodyPr>
+          <a:lstStyle/>
+          <a:p>
+            <a:pPr algn="just"/>
+            <a:r>
+              <a:rPr lang="fr-FR" dirty="0">
+                <a:solidFill>
+                  <a:schemeClr val="tx1"/>
+                </a:solidFill>
+              </a:rPr>
+              <a:t>Pour éviter que les caractères </a:t>
+            </a:r>
+            <a:r>
+              <a:rPr lang="fr-FR" dirty="0" smtClean="0">
+                <a:solidFill>
+                  <a:schemeClr val="tx1"/>
+                </a:solidFill>
+              </a:rPr>
+              <a:t>précédés </a:t>
+            </a:r>
+            <a:r>
+              <a:rPr lang="fr-FR" dirty="0">
+                <a:solidFill>
+                  <a:schemeClr val="tx1"/>
+                </a:solidFill>
+              </a:rPr>
+              <a:t>d’un \ ne soient interprétés comme étant spéciaux, utilisez les chaînes brutes (raw strings) en préfixant la chaîne d’un </a:t>
+            </a:r>
+            <a:r>
+              <a:rPr lang="fr-FR" dirty="0" smtClean="0">
+                <a:solidFill>
+                  <a:schemeClr val="tx1"/>
+                </a:solidFill>
+              </a:rPr>
+              <a:t>r</a:t>
+            </a:r>
+          </a:p>
+          <a:p>
+            <a:pPr algn="just"/>
+            <a:r>
+              <a:rPr lang="fr-FR" dirty="0">
+                <a:solidFill>
+                  <a:schemeClr val="tx1"/>
+                </a:solidFill>
+              </a:rPr>
+              <a:t>Les chaînes de caractères peuvent s’étendre sur plusieurs </a:t>
+            </a:r>
+            <a:r>
+              <a:rPr lang="fr-FR" dirty="0" smtClean="0">
+                <a:solidFill>
+                  <a:schemeClr val="tx1"/>
+                </a:solidFill>
+              </a:rPr>
+              <a:t>lignes</a:t>
+            </a:r>
+          </a:p>
+          <a:p>
+            <a:pPr algn="just"/>
+            <a:r>
+              <a:rPr lang="fr-FR" dirty="0" smtClean="0">
+                <a:solidFill>
+                  <a:schemeClr val="tx1"/>
+                </a:solidFill>
+              </a:rPr>
+              <a:t>On </a:t>
+            </a:r>
+            <a:r>
+              <a:rPr lang="fr-FR" dirty="0">
+                <a:solidFill>
+                  <a:schemeClr val="tx1"/>
+                </a:solidFill>
+              </a:rPr>
+              <a:t>peut utiliser les triples guillemets, simples ou doubles: '''...''' ou </a:t>
+            </a:r>
+            <a:r>
+              <a:rPr lang="fr-FR" dirty="0" smtClean="0">
+                <a:solidFill>
+                  <a:schemeClr val="tx1"/>
+                </a:solidFill>
+              </a:rPr>
+              <a:t>"""..."""</a:t>
+            </a:r>
+          </a:p>
+          <a:p>
+            <a:pPr algn="just"/>
+            <a:r>
+              <a:rPr lang="fr-FR" dirty="0" smtClean="0">
+                <a:solidFill>
+                  <a:schemeClr val="tx1"/>
+                </a:solidFill>
+              </a:rPr>
+              <a:t>Les </a:t>
+            </a:r>
+            <a:r>
+              <a:rPr lang="fr-FR" dirty="0">
+                <a:solidFill>
+                  <a:schemeClr val="tx1"/>
+                </a:solidFill>
+              </a:rPr>
+              <a:t>retours à la ligne sont automatiquement inclus, mais on peut l’en empêcher en ajoutant \ à la fin de la </a:t>
+            </a:r>
+            <a:r>
+              <a:rPr lang="fr-FR" dirty="0" smtClean="0">
+                <a:solidFill>
+                  <a:schemeClr val="tx1"/>
+                </a:solidFill>
+              </a:rPr>
+              <a:t>ligne</a:t>
+            </a:r>
+            <a:endParaRPr lang="fr-FR" dirty="0">
+              <a:solidFill>
+                <a:schemeClr val="tx1"/>
+              </a:solidFill>
+            </a:endParaRPr>
+          </a:p>
+        </p:txBody>
+      </p:sp>
+      <p:pic>
+        <p:nvPicPr>
+          <p:cNvPr id="4" name="Image 3"/>
+          <p:cNvPicPr>
+            <a:picLocks noChangeAspect="1"/>
+          </p:cNvPicPr>
+          <p:nvPr/>
+        </p:nvPicPr>
+        <p:blipFill>
+          <a:blip r:embed="rId3"/>
+          <a:stretch>
+            <a:fillRect/>
+          </a:stretch>
+        </p:blipFill>
+        <p:spPr>
+          <a:xfrm>
+            <a:off x="6592804" y="2352149"/>
+            <a:ext cx="5391150" cy="3000375"/>
+          </a:xfrm>
+          <a:prstGeom prst="rect">
+            <a:avLst/>
+          </a:prstGeom>
+          <a:ln>
+            <a:noFill/>
+          </a:ln>
+          <a:effectLst>
+            <a:outerShdw blurRad="292100" dist="139700" dir="2700000" algn="tl" rotWithShape="0">
+              <a:srgbClr val="333333">
+                <a:alpha val="65000"/>
+              </a:srgbClr>
+            </a:outerShdw>
+          </a:effectLst>
+        </p:spPr>
+      </p:pic>
+    </p:spTree>
+    <p:extLst>
+      <p:ext uri="{BB962C8B-B14F-4D97-AF65-F5344CB8AC3E}">
+        <p14:creationId xmlns:p14="http://schemas.microsoft.com/office/powerpoint/2010/main" val="2489061625"/>
+      </p:ext>
+    </p:extLst>
+  </p:cSld>
+  <p:clrMapOvr>
+    <a:masterClrMapping/>
+  </p:clrMapOvr>
+  <p:timing>
+    <p:tnLst>
+      <p:par>
+        <p:cTn id="1" dur="indefinite" restart="never" nodeType="tmRoot"/>
+      </p:par>
+    </p:tnLst>
+  </p:timing>
+</p:sld>
+</file>
+
+<file path=ppt/slides/slide24.xml><?xml version="1.0" encoding="utf-8"?>
+<p:sld xmlns:a="http://schemas.openxmlformats.org/drawingml/2006/main" xmlns:r="http://schemas.openxmlformats.org/officeDocument/2006/relationships" xmlns:p="http://schemas.openxmlformats.org/presentationml/2006/main">
+  <p:cSld>
+    <p:spTree>
+      <p:nvGrpSpPr>
+        <p:cNvPr id="1" name=""/>
+        <p:cNvGrpSpPr/>
+        <p:nvPr/>
+      </p:nvGrpSpPr>
+      <p:grpSpPr>
+        <a:xfrm>
+          <a:off x="0" y="0"/>
+          <a:ext cx="0" cy="0"/>
+          <a:chOff x="0" y="0"/>
+          <a:chExt cx="0" cy="0"/>
+        </a:xfrm>
+      </p:grpSpPr>
+      <p:sp>
+        <p:nvSpPr>
+          <p:cNvPr id="2" name="Titre 1"/>
+          <p:cNvSpPr>
+            <a:spLocks noGrp="1"/>
+          </p:cNvSpPr>
+          <p:nvPr>
+            <p:ph type="title"/>
+          </p:nvPr>
+        </p:nvSpPr>
+        <p:spPr>
+          <a:xfrm>
+            <a:off x="2592925" y="624110"/>
+            <a:ext cx="8911687" cy="1280890"/>
+          </a:xfrm>
+        </p:spPr>
+        <p:txBody>
+          <a:bodyPr/>
+          <a:lstStyle/>
+          <a:p>
+            <a:r>
+              <a:rPr lang="fr-FR" dirty="0" smtClean="0"/>
+              <a:t>Les chaines de caractères</a:t>
+            </a:r>
+            <a:endParaRPr lang="fr-FR" dirty="0"/>
+          </a:p>
+        </p:txBody>
+      </p:sp>
+      <p:sp>
+        <p:nvSpPr>
+          <p:cNvPr id="3" name="Espace réservé du contenu 2"/>
+          <p:cNvSpPr>
+            <a:spLocks noGrp="1"/>
+          </p:cNvSpPr>
+          <p:nvPr>
+            <p:ph idx="1"/>
+          </p:nvPr>
+        </p:nvSpPr>
+        <p:spPr>
+          <a:xfrm>
+            <a:off x="858741" y="1542413"/>
+            <a:ext cx="5461848" cy="4619848"/>
+          </a:xfrm>
+        </p:spPr>
+        <p:txBody>
+          <a:bodyPr anchor="ctr" anchorCtr="0">
+            <a:normAutofit lnSpcReduction="10000"/>
+          </a:bodyPr>
+          <a:lstStyle/>
+          <a:p>
+            <a:pPr algn="just"/>
+            <a:r>
+              <a:rPr lang="fr-FR" dirty="0">
+                <a:solidFill>
+                  <a:schemeClr val="tx1"/>
+                </a:solidFill>
+              </a:rPr>
+              <a:t>Les chaînes peuvent être concaténées (collées ensemble) avec l’opérateur </a:t>
+            </a:r>
+            <a:r>
+              <a:rPr lang="fr-FR" b="1" i="1" dirty="0">
+                <a:solidFill>
+                  <a:schemeClr val="accent6"/>
+                </a:solidFill>
+              </a:rPr>
+              <a:t>+</a:t>
+            </a:r>
+            <a:r>
+              <a:rPr lang="fr-FR" dirty="0">
+                <a:solidFill>
+                  <a:schemeClr val="tx1"/>
+                </a:solidFill>
+              </a:rPr>
+              <a:t>, et répétées avec l’opérateur </a:t>
+            </a:r>
+            <a:r>
+              <a:rPr lang="fr-FR" b="1" i="1" dirty="0" smtClean="0">
+                <a:solidFill>
+                  <a:schemeClr val="accent6"/>
+                </a:solidFill>
+              </a:rPr>
+              <a:t>*</a:t>
+            </a:r>
+          </a:p>
+          <a:p>
+            <a:pPr algn="just"/>
+            <a:r>
+              <a:rPr lang="fr-FR" dirty="0">
+                <a:solidFill>
+                  <a:schemeClr val="tx1"/>
+                </a:solidFill>
+              </a:rPr>
+              <a:t>Plusieurs chaînes de caractères, écrites littéralement (c’est à dire entre guillemets), côte à côte, sont automatiquement </a:t>
+            </a:r>
+            <a:r>
+              <a:rPr lang="fr-FR" dirty="0" smtClean="0">
+                <a:solidFill>
+                  <a:schemeClr val="tx1"/>
+                </a:solidFill>
+              </a:rPr>
+              <a:t>concaténées</a:t>
+            </a:r>
+          </a:p>
+          <a:p>
+            <a:pPr algn="just"/>
+            <a:r>
+              <a:rPr lang="fr-FR" dirty="0">
+                <a:solidFill>
+                  <a:schemeClr val="tx1"/>
+                </a:solidFill>
+              </a:rPr>
+              <a:t>Cette fonctionnalité est surtout intéressante pour couper des chaînes trop </a:t>
+            </a:r>
+            <a:r>
+              <a:rPr lang="fr-FR" dirty="0" smtClean="0">
+                <a:solidFill>
+                  <a:schemeClr val="tx1"/>
+                </a:solidFill>
+              </a:rPr>
+              <a:t>longues</a:t>
+            </a:r>
+          </a:p>
+          <a:p>
+            <a:pPr algn="just"/>
+            <a:r>
+              <a:rPr lang="fr-FR" dirty="0">
+                <a:solidFill>
+                  <a:schemeClr val="tx1"/>
+                </a:solidFill>
+              </a:rPr>
+              <a:t>Cela ne fonctionne cependant qu’avec les chaînes littérales, pas les variables ni les </a:t>
+            </a:r>
+            <a:r>
+              <a:rPr lang="fr-FR" dirty="0" smtClean="0">
+                <a:solidFill>
+                  <a:schemeClr val="tx1"/>
+                </a:solidFill>
+              </a:rPr>
+              <a:t>expressions</a:t>
+            </a:r>
+            <a:endParaRPr lang="fr-FR" dirty="0">
+              <a:solidFill>
+                <a:schemeClr val="tx1"/>
+              </a:solidFill>
+            </a:endParaRPr>
+          </a:p>
+          <a:p>
+            <a:pPr algn="just"/>
+            <a:r>
+              <a:rPr lang="fr-FR" dirty="0">
+                <a:solidFill>
+                  <a:schemeClr val="tx1"/>
+                </a:solidFill>
+              </a:rPr>
+              <a:t>Pour concaténer des variables, ou des variables avec des chaînes littérales, utilisez l’opérateur </a:t>
+            </a:r>
+            <a:r>
+              <a:rPr lang="fr-FR" b="1" i="1" dirty="0">
+                <a:solidFill>
+                  <a:schemeClr val="accent6"/>
+                </a:solidFill>
+              </a:rPr>
+              <a:t>+</a:t>
+            </a:r>
+            <a:endParaRPr lang="fr-FR" b="1" i="1" dirty="0">
+              <a:solidFill>
+                <a:schemeClr val="accent6"/>
+              </a:solidFill>
+            </a:endParaRPr>
+          </a:p>
+        </p:txBody>
+      </p:sp>
+      <p:pic>
+        <p:nvPicPr>
+          <p:cNvPr id="5" name="Image 4"/>
+          <p:cNvPicPr>
+            <a:picLocks noChangeAspect="1"/>
+          </p:cNvPicPr>
+          <p:nvPr/>
+        </p:nvPicPr>
+        <p:blipFill>
+          <a:blip r:embed="rId3"/>
+          <a:stretch>
+            <a:fillRect/>
+          </a:stretch>
+        </p:blipFill>
+        <p:spPr>
+          <a:xfrm>
+            <a:off x="6570744" y="2075447"/>
+            <a:ext cx="5415466" cy="1686427"/>
+          </a:xfrm>
+          <a:prstGeom prst="rect">
+            <a:avLst/>
+          </a:prstGeom>
+          <a:ln>
+            <a:noFill/>
+          </a:ln>
+          <a:effectLst>
+            <a:outerShdw blurRad="292100" dist="139700" dir="2700000" algn="tl" rotWithShape="0">
+              <a:srgbClr val="333333">
+                <a:alpha val="65000"/>
+              </a:srgbClr>
+            </a:outerShdw>
+          </a:effectLst>
+        </p:spPr>
+      </p:pic>
+      <p:pic>
+        <p:nvPicPr>
+          <p:cNvPr id="6" name="Image 5"/>
+          <p:cNvPicPr>
+            <a:picLocks noChangeAspect="1"/>
+          </p:cNvPicPr>
+          <p:nvPr/>
+        </p:nvPicPr>
+        <p:blipFill>
+          <a:blip r:embed="rId4"/>
+          <a:stretch>
+            <a:fillRect/>
+          </a:stretch>
+        </p:blipFill>
+        <p:spPr>
+          <a:xfrm>
+            <a:off x="6570744" y="3932321"/>
+            <a:ext cx="1894419" cy="527384"/>
+          </a:xfrm>
+          <a:prstGeom prst="rect">
+            <a:avLst/>
+          </a:prstGeom>
+          <a:ln>
+            <a:noFill/>
+          </a:ln>
+          <a:effectLst>
+            <a:outerShdw blurRad="292100" dist="139700" dir="2700000" algn="tl" rotWithShape="0">
+              <a:srgbClr val="333333">
+                <a:alpha val="65000"/>
+              </a:srgbClr>
+            </a:outerShdw>
+          </a:effectLst>
+        </p:spPr>
+      </p:pic>
+    </p:spTree>
+    <p:extLst>
+      <p:ext uri="{BB962C8B-B14F-4D97-AF65-F5344CB8AC3E}">
+        <p14:creationId xmlns:p14="http://schemas.microsoft.com/office/powerpoint/2010/main" val="1629053947"/>
       </p:ext>
     </p:extLst>
   </p:cSld>

--- a/documentations/learning-python.pptx
+++ b/documentations/learning-python.pptx
@@ -5,7 +5,7 @@
     <p:sldMasterId id="2147483665" r:id="rId1"/>
   </p:sldMasterIdLst>
   <p:notesMasterIdLst>
-    <p:notesMasterId r:id="rId26"/>
+    <p:notesMasterId r:id="rId31"/>
   </p:notesMasterIdLst>
   <p:sldIdLst>
     <p:sldId id="256" r:id="rId2"/>
@@ -32,6 +32,11 @@
     <p:sldId id="277" r:id="rId23"/>
     <p:sldId id="278" r:id="rId24"/>
     <p:sldId id="279" r:id="rId25"/>
+    <p:sldId id="280" r:id="rId26"/>
+    <p:sldId id="281" r:id="rId27"/>
+    <p:sldId id="282" r:id="rId28"/>
+    <p:sldId id="283" r:id="rId29"/>
+    <p:sldId id="284" r:id="rId30"/>
   </p:sldIdLst>
   <p:sldSz cx="12192000" cy="6858000"/>
   <p:notesSz cx="6858000" cy="9144000"/>
@@ -187,7 +192,7 @@
             </a:lvl1pPr>
           </a:lstStyle>
           <a:p>
-            <a:endParaRPr lang="fr-FR"/>
+            <a:endParaRPr lang="fr-FR" dirty="0"/>
           </a:p>
         </p:txBody>
       </p:sp>
@@ -222,7 +227,7 @@
               <a:rPr lang="fr-FR" smtClean="0"/>
               <a:t>20/01/2018</a:t>
             </a:fld>
-            <a:endParaRPr lang="fr-FR"/>
+            <a:endParaRPr lang="fr-FR" dirty="0"/>
           </a:p>
         </p:txBody>
       </p:sp>
@@ -255,7 +260,7 @@
           <a:bodyPr vert="horz" lIns="91440" tIns="45720" rIns="91440" bIns="45720" rtlCol="0" anchor="ctr"/>
           <a:lstStyle/>
           <a:p>
-            <a:endParaRPr lang="fr-FR"/>
+            <a:endParaRPr lang="fr-FR" dirty="0"/>
           </a:p>
         </p:txBody>
       </p:sp>
@@ -346,7 +351,7 @@
             </a:lvl1pPr>
           </a:lstStyle>
           <a:p>
-            <a:endParaRPr lang="fr-FR"/>
+            <a:endParaRPr lang="fr-FR" dirty="0"/>
           </a:p>
         </p:txBody>
       </p:sp>
@@ -381,7 +386,7 @@
               <a:rPr lang="fr-FR" smtClean="0"/>
               <a:t>‹N°›</a:t>
             </a:fld>
-            <a:endParaRPr lang="fr-FR"/>
+            <a:endParaRPr lang="fr-FR" dirty="0"/>
           </a:p>
         </p:txBody>
       </p:sp>
@@ -532,7 +537,7 @@
           <a:bodyPr/>
           <a:lstStyle/>
           <a:p>
-            <a:endParaRPr lang="fr-FR"/>
+            <a:endParaRPr lang="fr-FR" dirty="0"/>
           </a:p>
         </p:txBody>
       </p:sp>
@@ -555,7 +560,7 @@
               <a:rPr lang="fr-FR" smtClean="0"/>
               <a:t>2</a:t>
             </a:fld>
-            <a:endParaRPr lang="fr-FR"/>
+            <a:endParaRPr lang="fr-FR" dirty="0"/>
           </a:p>
         </p:txBody>
       </p:sp>
@@ -616,7 +621,7 @@
           <a:bodyPr/>
           <a:lstStyle/>
           <a:p>
-            <a:endParaRPr lang="fr-FR"/>
+            <a:endParaRPr lang="fr-FR" dirty="0"/>
           </a:p>
         </p:txBody>
       </p:sp>
@@ -639,7 +644,7 @@
               <a:rPr lang="fr-FR" smtClean="0"/>
               <a:t>11</a:t>
             </a:fld>
-            <a:endParaRPr lang="fr-FR"/>
+            <a:endParaRPr lang="fr-FR" dirty="0"/>
           </a:p>
         </p:txBody>
       </p:sp>
@@ -700,7 +705,7 @@
           <a:bodyPr/>
           <a:lstStyle/>
           <a:p>
-            <a:endParaRPr lang="fr-FR"/>
+            <a:endParaRPr lang="fr-FR" dirty="0"/>
           </a:p>
         </p:txBody>
       </p:sp>
@@ -723,7 +728,7 @@
               <a:rPr lang="fr-FR" smtClean="0"/>
               <a:t>12</a:t>
             </a:fld>
-            <a:endParaRPr lang="fr-FR"/>
+            <a:endParaRPr lang="fr-FR" dirty="0"/>
           </a:p>
         </p:txBody>
       </p:sp>
@@ -784,7 +789,7 @@
           <a:bodyPr/>
           <a:lstStyle/>
           <a:p>
-            <a:endParaRPr lang="fr-FR"/>
+            <a:endParaRPr lang="fr-FR" dirty="0"/>
           </a:p>
         </p:txBody>
       </p:sp>
@@ -807,7 +812,7 @@
               <a:rPr lang="fr-FR" smtClean="0"/>
               <a:t>13</a:t>
             </a:fld>
-            <a:endParaRPr lang="fr-FR"/>
+            <a:endParaRPr lang="fr-FR" dirty="0"/>
           </a:p>
         </p:txBody>
       </p:sp>
@@ -1456,7 +1461,7 @@
           <a:bodyPr/>
           <a:lstStyle/>
           <a:p>
-            <a:endParaRPr lang="fr-FR"/>
+            <a:endParaRPr lang="fr-FR" dirty="0"/>
           </a:p>
         </p:txBody>
       </p:sp>
@@ -1479,7 +1484,7 @@
               <a:rPr lang="fr-FR" smtClean="0"/>
               <a:t>3</a:t>
             </a:fld>
-            <a:endParaRPr lang="fr-FR"/>
+            <a:endParaRPr lang="fr-FR" dirty="0"/>
           </a:p>
         </p:txBody>
       </p:sp>
@@ -1792,7 +1797,7 @@
           <a:bodyPr/>
           <a:lstStyle/>
           <a:p>
-            <a:endParaRPr lang="fr-FR"/>
+            <a:endParaRPr lang="fr-FR" dirty="0"/>
           </a:p>
         </p:txBody>
       </p:sp>
@@ -1815,7 +1820,7 @@
               <a:rPr lang="fr-FR" smtClean="0"/>
               <a:t>24</a:t>
             </a:fld>
-            <a:endParaRPr lang="fr-FR"/>
+            <a:endParaRPr lang="fr-FR" dirty="0"/>
           </a:p>
         </p:txBody>
       </p:sp>
@@ -1823,6 +1828,426 @@
     <p:extLst>
       <p:ext uri="{BB962C8B-B14F-4D97-AF65-F5344CB8AC3E}">
         <p14:creationId xmlns:p14="http://schemas.microsoft.com/office/powerpoint/2010/main" val="3894061204"/>
+      </p:ext>
+    </p:extLst>
+  </p:cSld>
+  <p:clrMapOvr>
+    <a:masterClrMapping/>
+  </p:clrMapOvr>
+</p:notes>
+</file>
+
+<file path=ppt/notesSlides/notesSlide24.xml><?xml version="1.0" encoding="utf-8"?>
+<p:notes xmlns:a="http://schemas.openxmlformats.org/drawingml/2006/main" xmlns:r="http://schemas.openxmlformats.org/officeDocument/2006/relationships" xmlns:p="http://schemas.openxmlformats.org/presentationml/2006/main">
+  <p:cSld>
+    <p:spTree>
+      <p:nvGrpSpPr>
+        <p:cNvPr id="1" name=""/>
+        <p:cNvGrpSpPr/>
+        <p:nvPr/>
+      </p:nvGrpSpPr>
+      <p:grpSpPr>
+        <a:xfrm>
+          <a:off x="0" y="0"/>
+          <a:ext cx="0" cy="0"/>
+          <a:chOff x="0" y="0"/>
+          <a:chExt cx="0" cy="0"/>
+        </a:xfrm>
+      </p:grpSpPr>
+      <p:sp>
+        <p:nvSpPr>
+          <p:cNvPr id="2" name="Espace réservé de l'image des diapositives 1"/>
+          <p:cNvSpPr>
+            <a:spLocks noGrp="1" noRot="1" noChangeAspect="1"/>
+          </p:cNvSpPr>
+          <p:nvPr>
+            <p:ph type="sldImg"/>
+          </p:nvPr>
+        </p:nvSpPr>
+        <p:spPr/>
+      </p:sp>
+      <p:sp>
+        <p:nvSpPr>
+          <p:cNvPr id="3" name="Espace réservé des commentaires 2"/>
+          <p:cNvSpPr>
+            <a:spLocks noGrp="1"/>
+          </p:cNvSpPr>
+          <p:nvPr>
+            <p:ph type="body" idx="1"/>
+          </p:nvPr>
+        </p:nvSpPr>
+        <p:spPr/>
+        <p:txBody>
+          <a:bodyPr/>
+          <a:lstStyle/>
+          <a:p>
+            <a:endParaRPr lang="fr-FR" dirty="0"/>
+          </a:p>
+        </p:txBody>
+      </p:sp>
+      <p:sp>
+        <p:nvSpPr>
+          <p:cNvPr id="4" name="Espace réservé du numéro de diapositive 3"/>
+          <p:cNvSpPr>
+            <a:spLocks noGrp="1"/>
+          </p:cNvSpPr>
+          <p:nvPr>
+            <p:ph type="sldNum" sz="quarter" idx="10"/>
+          </p:nvPr>
+        </p:nvSpPr>
+        <p:spPr/>
+        <p:txBody>
+          <a:bodyPr/>
+          <a:lstStyle/>
+          <a:p>
+            <a:fld id="{58BEE673-8D3B-4BBD-97EB-7004EF7CF6EF}" type="slidenum">
+              <a:rPr lang="fr-FR" smtClean="0"/>
+              <a:t>25</a:t>
+            </a:fld>
+            <a:endParaRPr lang="fr-FR" dirty="0"/>
+          </a:p>
+        </p:txBody>
+      </p:sp>
+    </p:spTree>
+    <p:extLst>
+      <p:ext uri="{BB962C8B-B14F-4D97-AF65-F5344CB8AC3E}">
+        <p14:creationId xmlns:p14="http://schemas.microsoft.com/office/powerpoint/2010/main" val="1970744154"/>
+      </p:ext>
+    </p:extLst>
+  </p:cSld>
+  <p:clrMapOvr>
+    <a:masterClrMapping/>
+  </p:clrMapOvr>
+</p:notes>
+</file>
+
+<file path=ppt/notesSlides/notesSlide25.xml><?xml version="1.0" encoding="utf-8"?>
+<p:notes xmlns:a="http://schemas.openxmlformats.org/drawingml/2006/main" xmlns:r="http://schemas.openxmlformats.org/officeDocument/2006/relationships" xmlns:p="http://schemas.openxmlformats.org/presentationml/2006/main">
+  <p:cSld>
+    <p:spTree>
+      <p:nvGrpSpPr>
+        <p:cNvPr id="1" name=""/>
+        <p:cNvGrpSpPr/>
+        <p:nvPr/>
+      </p:nvGrpSpPr>
+      <p:grpSpPr>
+        <a:xfrm>
+          <a:off x="0" y="0"/>
+          <a:ext cx="0" cy="0"/>
+          <a:chOff x="0" y="0"/>
+          <a:chExt cx="0" cy="0"/>
+        </a:xfrm>
+      </p:grpSpPr>
+      <p:sp>
+        <p:nvSpPr>
+          <p:cNvPr id="2" name="Espace réservé de l'image des diapositives 1"/>
+          <p:cNvSpPr>
+            <a:spLocks noGrp="1" noRot="1" noChangeAspect="1"/>
+          </p:cNvSpPr>
+          <p:nvPr>
+            <p:ph type="sldImg"/>
+          </p:nvPr>
+        </p:nvSpPr>
+        <p:spPr/>
+      </p:sp>
+      <p:sp>
+        <p:nvSpPr>
+          <p:cNvPr id="3" name="Espace réservé des commentaires 2"/>
+          <p:cNvSpPr>
+            <a:spLocks noGrp="1"/>
+          </p:cNvSpPr>
+          <p:nvPr>
+            <p:ph type="body" idx="1"/>
+          </p:nvPr>
+        </p:nvSpPr>
+        <p:spPr/>
+        <p:txBody>
+          <a:bodyPr/>
+          <a:lstStyle/>
+          <a:p>
+            <a:endParaRPr lang="fr-FR" dirty="0"/>
+          </a:p>
+        </p:txBody>
+      </p:sp>
+      <p:sp>
+        <p:nvSpPr>
+          <p:cNvPr id="4" name="Espace réservé du numéro de diapositive 3"/>
+          <p:cNvSpPr>
+            <a:spLocks noGrp="1"/>
+          </p:cNvSpPr>
+          <p:nvPr>
+            <p:ph type="sldNum" sz="quarter" idx="10"/>
+          </p:nvPr>
+        </p:nvSpPr>
+        <p:spPr/>
+        <p:txBody>
+          <a:bodyPr/>
+          <a:lstStyle/>
+          <a:p>
+            <a:fld id="{58BEE673-8D3B-4BBD-97EB-7004EF7CF6EF}" type="slidenum">
+              <a:rPr lang="fr-FR" smtClean="0"/>
+              <a:t>26</a:t>
+            </a:fld>
+            <a:endParaRPr lang="fr-FR" dirty="0"/>
+          </a:p>
+        </p:txBody>
+      </p:sp>
+    </p:spTree>
+    <p:extLst>
+      <p:ext uri="{BB962C8B-B14F-4D97-AF65-F5344CB8AC3E}">
+        <p14:creationId xmlns:p14="http://schemas.microsoft.com/office/powerpoint/2010/main" val="1349231153"/>
+      </p:ext>
+    </p:extLst>
+  </p:cSld>
+  <p:clrMapOvr>
+    <a:masterClrMapping/>
+  </p:clrMapOvr>
+</p:notes>
+</file>
+
+<file path=ppt/notesSlides/notesSlide26.xml><?xml version="1.0" encoding="utf-8"?>
+<p:notes xmlns:a="http://schemas.openxmlformats.org/drawingml/2006/main" xmlns:r="http://schemas.openxmlformats.org/officeDocument/2006/relationships" xmlns:p="http://schemas.openxmlformats.org/presentationml/2006/main">
+  <p:cSld>
+    <p:spTree>
+      <p:nvGrpSpPr>
+        <p:cNvPr id="1" name=""/>
+        <p:cNvGrpSpPr/>
+        <p:nvPr/>
+      </p:nvGrpSpPr>
+      <p:grpSpPr>
+        <a:xfrm>
+          <a:off x="0" y="0"/>
+          <a:ext cx="0" cy="0"/>
+          <a:chOff x="0" y="0"/>
+          <a:chExt cx="0" cy="0"/>
+        </a:xfrm>
+      </p:grpSpPr>
+      <p:sp>
+        <p:nvSpPr>
+          <p:cNvPr id="2" name="Espace réservé de l'image des diapositives 1"/>
+          <p:cNvSpPr>
+            <a:spLocks noGrp="1" noRot="1" noChangeAspect="1"/>
+          </p:cNvSpPr>
+          <p:nvPr>
+            <p:ph type="sldImg"/>
+          </p:nvPr>
+        </p:nvSpPr>
+        <p:spPr/>
+      </p:sp>
+      <p:sp>
+        <p:nvSpPr>
+          <p:cNvPr id="3" name="Espace réservé des commentaires 2"/>
+          <p:cNvSpPr>
+            <a:spLocks noGrp="1"/>
+          </p:cNvSpPr>
+          <p:nvPr>
+            <p:ph type="body" idx="1"/>
+          </p:nvPr>
+        </p:nvSpPr>
+        <p:spPr/>
+        <p:txBody>
+          <a:bodyPr/>
+          <a:lstStyle/>
+          <a:p>
+            <a:endParaRPr lang="fr-FR" dirty="0"/>
+          </a:p>
+        </p:txBody>
+      </p:sp>
+      <p:sp>
+        <p:nvSpPr>
+          <p:cNvPr id="4" name="Espace réservé du numéro de diapositive 3"/>
+          <p:cNvSpPr>
+            <a:spLocks noGrp="1"/>
+          </p:cNvSpPr>
+          <p:nvPr>
+            <p:ph type="sldNum" sz="quarter" idx="10"/>
+          </p:nvPr>
+        </p:nvSpPr>
+        <p:spPr/>
+        <p:txBody>
+          <a:bodyPr/>
+          <a:lstStyle/>
+          <a:p>
+            <a:fld id="{58BEE673-8D3B-4BBD-97EB-7004EF7CF6EF}" type="slidenum">
+              <a:rPr lang="fr-FR" smtClean="0"/>
+              <a:t>27</a:t>
+            </a:fld>
+            <a:endParaRPr lang="fr-FR" dirty="0"/>
+          </a:p>
+        </p:txBody>
+      </p:sp>
+    </p:spTree>
+    <p:extLst>
+      <p:ext uri="{BB962C8B-B14F-4D97-AF65-F5344CB8AC3E}">
+        <p14:creationId xmlns:p14="http://schemas.microsoft.com/office/powerpoint/2010/main" val="2190527018"/>
+      </p:ext>
+    </p:extLst>
+  </p:cSld>
+  <p:clrMapOvr>
+    <a:masterClrMapping/>
+  </p:clrMapOvr>
+</p:notes>
+</file>
+
+<file path=ppt/notesSlides/notesSlide27.xml><?xml version="1.0" encoding="utf-8"?>
+<p:notes xmlns:a="http://schemas.openxmlformats.org/drawingml/2006/main" xmlns:r="http://schemas.openxmlformats.org/officeDocument/2006/relationships" xmlns:p="http://schemas.openxmlformats.org/presentationml/2006/main">
+  <p:cSld>
+    <p:spTree>
+      <p:nvGrpSpPr>
+        <p:cNvPr id="1" name=""/>
+        <p:cNvGrpSpPr/>
+        <p:nvPr/>
+      </p:nvGrpSpPr>
+      <p:grpSpPr>
+        <a:xfrm>
+          <a:off x="0" y="0"/>
+          <a:ext cx="0" cy="0"/>
+          <a:chOff x="0" y="0"/>
+          <a:chExt cx="0" cy="0"/>
+        </a:xfrm>
+      </p:grpSpPr>
+      <p:sp>
+        <p:nvSpPr>
+          <p:cNvPr id="2" name="Espace réservé de l'image des diapositives 1"/>
+          <p:cNvSpPr>
+            <a:spLocks noGrp="1" noRot="1" noChangeAspect="1"/>
+          </p:cNvSpPr>
+          <p:nvPr>
+            <p:ph type="sldImg"/>
+          </p:nvPr>
+        </p:nvSpPr>
+        <p:spPr/>
+      </p:sp>
+      <p:sp>
+        <p:nvSpPr>
+          <p:cNvPr id="3" name="Espace réservé des commentaires 2"/>
+          <p:cNvSpPr>
+            <a:spLocks noGrp="1"/>
+          </p:cNvSpPr>
+          <p:nvPr>
+            <p:ph type="body" idx="1"/>
+          </p:nvPr>
+        </p:nvSpPr>
+        <p:spPr/>
+        <p:txBody>
+          <a:bodyPr/>
+          <a:lstStyle/>
+          <a:p>
+            <a:endParaRPr lang="fr-FR" dirty="0"/>
+          </a:p>
+        </p:txBody>
+      </p:sp>
+      <p:sp>
+        <p:nvSpPr>
+          <p:cNvPr id="4" name="Espace réservé du numéro de diapositive 3"/>
+          <p:cNvSpPr>
+            <a:spLocks noGrp="1"/>
+          </p:cNvSpPr>
+          <p:nvPr>
+            <p:ph type="sldNum" sz="quarter" idx="10"/>
+          </p:nvPr>
+        </p:nvSpPr>
+        <p:spPr/>
+        <p:txBody>
+          <a:bodyPr/>
+          <a:lstStyle/>
+          <a:p>
+            <a:fld id="{58BEE673-8D3B-4BBD-97EB-7004EF7CF6EF}" type="slidenum">
+              <a:rPr lang="fr-FR" smtClean="0"/>
+              <a:t>28</a:t>
+            </a:fld>
+            <a:endParaRPr lang="fr-FR" dirty="0"/>
+          </a:p>
+        </p:txBody>
+      </p:sp>
+    </p:spTree>
+    <p:extLst>
+      <p:ext uri="{BB962C8B-B14F-4D97-AF65-F5344CB8AC3E}">
+        <p14:creationId xmlns:p14="http://schemas.microsoft.com/office/powerpoint/2010/main" val="3259681999"/>
+      </p:ext>
+    </p:extLst>
+  </p:cSld>
+  <p:clrMapOvr>
+    <a:masterClrMapping/>
+  </p:clrMapOvr>
+</p:notes>
+</file>
+
+<file path=ppt/notesSlides/notesSlide28.xml><?xml version="1.0" encoding="utf-8"?>
+<p:notes xmlns:a="http://schemas.openxmlformats.org/drawingml/2006/main" xmlns:r="http://schemas.openxmlformats.org/officeDocument/2006/relationships" xmlns:p="http://schemas.openxmlformats.org/presentationml/2006/main">
+  <p:cSld>
+    <p:spTree>
+      <p:nvGrpSpPr>
+        <p:cNvPr id="1" name=""/>
+        <p:cNvGrpSpPr/>
+        <p:nvPr/>
+      </p:nvGrpSpPr>
+      <p:grpSpPr>
+        <a:xfrm>
+          <a:off x="0" y="0"/>
+          <a:ext cx="0" cy="0"/>
+          <a:chOff x="0" y="0"/>
+          <a:chExt cx="0" cy="0"/>
+        </a:xfrm>
+      </p:grpSpPr>
+      <p:sp>
+        <p:nvSpPr>
+          <p:cNvPr id="2" name="Espace réservé de l'image des diapositives 1"/>
+          <p:cNvSpPr>
+            <a:spLocks noGrp="1" noRot="1" noChangeAspect="1"/>
+          </p:cNvSpPr>
+          <p:nvPr>
+            <p:ph type="sldImg"/>
+          </p:nvPr>
+        </p:nvSpPr>
+        <p:spPr/>
+      </p:sp>
+      <p:sp>
+        <p:nvSpPr>
+          <p:cNvPr id="3" name="Espace réservé des commentaires 2"/>
+          <p:cNvSpPr>
+            <a:spLocks noGrp="1"/>
+          </p:cNvSpPr>
+          <p:nvPr>
+            <p:ph type="body" idx="1"/>
+          </p:nvPr>
+        </p:nvSpPr>
+        <p:spPr/>
+        <p:txBody>
+          <a:bodyPr/>
+          <a:lstStyle/>
+          <a:p>
+            <a:endParaRPr lang="fr-FR" dirty="0"/>
+          </a:p>
+        </p:txBody>
+      </p:sp>
+      <p:sp>
+        <p:nvSpPr>
+          <p:cNvPr id="4" name="Espace réservé du numéro de diapositive 3"/>
+          <p:cNvSpPr>
+            <a:spLocks noGrp="1"/>
+          </p:cNvSpPr>
+          <p:nvPr>
+            <p:ph type="sldNum" sz="quarter" idx="10"/>
+          </p:nvPr>
+        </p:nvSpPr>
+        <p:spPr/>
+        <p:txBody>
+          <a:bodyPr/>
+          <a:lstStyle/>
+          <a:p>
+            <a:fld id="{58BEE673-8D3B-4BBD-97EB-7004EF7CF6EF}" type="slidenum">
+              <a:rPr lang="fr-FR" smtClean="0"/>
+              <a:t>29</a:t>
+            </a:fld>
+            <a:endParaRPr lang="fr-FR" dirty="0"/>
+          </a:p>
+        </p:txBody>
+      </p:sp>
+    </p:spTree>
+    <p:extLst>
+      <p:ext uri="{BB962C8B-B14F-4D97-AF65-F5344CB8AC3E}">
+        <p14:creationId xmlns:p14="http://schemas.microsoft.com/office/powerpoint/2010/main" val="3652432598"/>
       </p:ext>
     </p:extLst>
   </p:cSld>
@@ -1876,7 +2301,7 @@
           <a:bodyPr/>
           <a:lstStyle/>
           <a:p>
-            <a:endParaRPr lang="fr-FR"/>
+            <a:endParaRPr lang="fr-FR" dirty="0"/>
           </a:p>
         </p:txBody>
       </p:sp>
@@ -1899,7 +2324,7 @@
               <a:rPr lang="fr-FR" smtClean="0"/>
               <a:t>4</a:t>
             </a:fld>
-            <a:endParaRPr lang="fr-FR"/>
+            <a:endParaRPr lang="fr-FR" dirty="0"/>
           </a:p>
         </p:txBody>
       </p:sp>
@@ -1960,7 +2385,7 @@
           <a:bodyPr/>
           <a:lstStyle/>
           <a:p>
-            <a:endParaRPr lang="fr-FR"/>
+            <a:endParaRPr lang="fr-FR" dirty="0"/>
           </a:p>
         </p:txBody>
       </p:sp>
@@ -1983,7 +2408,7 @@
               <a:rPr lang="fr-FR" smtClean="0"/>
               <a:t>5</a:t>
             </a:fld>
-            <a:endParaRPr lang="fr-FR"/>
+            <a:endParaRPr lang="fr-FR" dirty="0"/>
           </a:p>
         </p:txBody>
       </p:sp>
@@ -2044,7 +2469,7 @@
           <a:bodyPr/>
           <a:lstStyle/>
           <a:p>
-            <a:endParaRPr lang="fr-FR"/>
+            <a:endParaRPr lang="fr-FR" dirty="0"/>
           </a:p>
         </p:txBody>
       </p:sp>
@@ -2067,7 +2492,7 @@
               <a:rPr lang="fr-FR" smtClean="0"/>
               <a:t>6</a:t>
             </a:fld>
-            <a:endParaRPr lang="fr-FR"/>
+            <a:endParaRPr lang="fr-FR" dirty="0"/>
           </a:p>
         </p:txBody>
       </p:sp>
@@ -2128,7 +2553,7 @@
           <a:bodyPr/>
           <a:lstStyle/>
           <a:p>
-            <a:endParaRPr lang="fr-FR"/>
+            <a:endParaRPr lang="fr-FR" dirty="0"/>
           </a:p>
         </p:txBody>
       </p:sp>
@@ -2151,7 +2576,7 @@
               <a:rPr lang="fr-FR" smtClean="0"/>
               <a:t>7</a:t>
             </a:fld>
-            <a:endParaRPr lang="fr-FR"/>
+            <a:endParaRPr lang="fr-FR" dirty="0"/>
           </a:p>
         </p:txBody>
       </p:sp>
@@ -2212,7 +2637,7 @@
           <a:bodyPr/>
           <a:lstStyle/>
           <a:p>
-            <a:endParaRPr lang="fr-FR"/>
+            <a:endParaRPr lang="fr-FR" dirty="0"/>
           </a:p>
         </p:txBody>
       </p:sp>
@@ -2235,7 +2660,7 @@
               <a:rPr lang="fr-FR" smtClean="0"/>
               <a:t>8</a:t>
             </a:fld>
-            <a:endParaRPr lang="fr-FR"/>
+            <a:endParaRPr lang="fr-FR" dirty="0"/>
           </a:p>
         </p:txBody>
       </p:sp>
@@ -2296,7 +2721,7 @@
           <a:bodyPr/>
           <a:lstStyle/>
           <a:p>
-            <a:endParaRPr lang="fr-FR"/>
+            <a:endParaRPr lang="fr-FR" dirty="0"/>
           </a:p>
         </p:txBody>
       </p:sp>
@@ -2319,7 +2744,7 @@
               <a:rPr lang="fr-FR" smtClean="0"/>
               <a:t>9</a:t>
             </a:fld>
-            <a:endParaRPr lang="fr-FR"/>
+            <a:endParaRPr lang="fr-FR" dirty="0"/>
           </a:p>
         </p:txBody>
       </p:sp>
@@ -2380,7 +2805,7 @@
           <a:bodyPr/>
           <a:lstStyle/>
           <a:p>
-            <a:endParaRPr lang="fr-FR"/>
+            <a:endParaRPr lang="fr-FR" dirty="0"/>
           </a:p>
         </p:txBody>
       </p:sp>
@@ -2403,7 +2828,7 @@
               <a:rPr lang="fr-FR" smtClean="0"/>
               <a:t>10</a:t>
             </a:fld>
-            <a:endParaRPr lang="fr-FR"/>
+            <a:endParaRPr lang="fr-FR" dirty="0"/>
           </a:p>
         </p:txBody>
       </p:sp>
@@ -7788,7 +8213,7 @@
           </a:lstStyle>
           <a:p>
             <a:r>
-              <a:rPr lang="fr-FR" smtClean="0"/>
+              <a:rPr lang="fr-FR" dirty="0" smtClean="0"/>
               <a:t>Cliquez sur l'icône pour ajouter une image</a:t>
             </a:r>
             <a:endParaRPr lang="en-US" dirty="0"/>
@@ -14166,11 +14591,6 @@
               </a:rPr>
               <a:t>peut être utilisé pour protéger un guillemet</a:t>
             </a:r>
-            <a:endParaRPr lang="fr-FR" dirty="0">
-              <a:solidFill>
-                <a:schemeClr val="tx1"/>
-              </a:solidFill>
-            </a:endParaRPr>
           </a:p>
         </p:txBody>
       </p:sp>
@@ -14390,11 +14810,6 @@
               </a:rPr>
               <a:t> affiche les chaînes de manière plus lisible, en retirant les guillemets et en affichant les caractères spéciaux qui étaient protégées par un antislash</a:t>
             </a:r>
-            <a:endParaRPr lang="fr-FR" dirty="0">
-              <a:solidFill>
-                <a:schemeClr val="tx1"/>
-              </a:solidFill>
-            </a:endParaRPr>
           </a:p>
         </p:txBody>
       </p:sp>
@@ -14868,11 +15283,6 @@
               </a:rPr>
               <a:t>+</a:t>
             </a:r>
-            <a:endParaRPr lang="fr-FR" b="1" i="1" dirty="0">
-              <a:solidFill>
-                <a:schemeClr val="accent6"/>
-              </a:solidFill>
-            </a:endParaRPr>
           </a:p>
         </p:txBody>
       </p:sp>
@@ -14948,6 +15358,1250 @@
     <p:extLst>
       <p:ext uri="{BB962C8B-B14F-4D97-AF65-F5344CB8AC3E}">
         <p14:creationId xmlns:p14="http://schemas.microsoft.com/office/powerpoint/2010/main" val="1629053947"/>
+      </p:ext>
+    </p:extLst>
+  </p:cSld>
+  <p:clrMapOvr>
+    <a:masterClrMapping/>
+  </p:clrMapOvr>
+  <p:timing>
+    <p:tnLst>
+      <p:par>
+        <p:cTn id="1" dur="indefinite" restart="never" nodeType="tmRoot"/>
+      </p:par>
+    </p:tnLst>
+  </p:timing>
+</p:sld>
+</file>
+
+<file path=ppt/slides/slide25.xml><?xml version="1.0" encoding="utf-8"?>
+<p:sld xmlns:a="http://schemas.openxmlformats.org/drawingml/2006/main" xmlns:r="http://schemas.openxmlformats.org/officeDocument/2006/relationships" xmlns:p="http://schemas.openxmlformats.org/presentationml/2006/main">
+  <p:cSld>
+    <p:spTree>
+      <p:nvGrpSpPr>
+        <p:cNvPr id="1" name=""/>
+        <p:cNvGrpSpPr/>
+        <p:nvPr/>
+      </p:nvGrpSpPr>
+      <p:grpSpPr>
+        <a:xfrm>
+          <a:off x="0" y="0"/>
+          <a:ext cx="0" cy="0"/>
+          <a:chOff x="0" y="0"/>
+          <a:chExt cx="0" cy="0"/>
+        </a:xfrm>
+      </p:grpSpPr>
+      <p:sp>
+        <p:nvSpPr>
+          <p:cNvPr id="2" name="Titre 1"/>
+          <p:cNvSpPr>
+            <a:spLocks noGrp="1"/>
+          </p:cNvSpPr>
+          <p:nvPr>
+            <p:ph type="title"/>
+          </p:nvPr>
+        </p:nvSpPr>
+        <p:spPr>
+          <a:xfrm>
+            <a:off x="2592925" y="624110"/>
+            <a:ext cx="8911687" cy="1280890"/>
+          </a:xfrm>
+        </p:spPr>
+        <p:txBody>
+          <a:bodyPr/>
+          <a:lstStyle/>
+          <a:p>
+            <a:r>
+              <a:rPr lang="fr-FR" dirty="0" smtClean="0"/>
+              <a:t>Les chaines de caractères</a:t>
+            </a:r>
+            <a:endParaRPr lang="fr-FR" dirty="0"/>
+          </a:p>
+        </p:txBody>
+      </p:sp>
+      <p:sp>
+        <p:nvSpPr>
+          <p:cNvPr id="3" name="Espace réservé du contenu 2"/>
+          <p:cNvSpPr>
+            <a:spLocks noGrp="1"/>
+          </p:cNvSpPr>
+          <p:nvPr>
+            <p:ph idx="1"/>
+          </p:nvPr>
+        </p:nvSpPr>
+        <p:spPr>
+          <a:xfrm>
+            <a:off x="858741" y="1542413"/>
+            <a:ext cx="5461848" cy="4619848"/>
+          </a:xfrm>
+        </p:spPr>
+        <p:txBody>
+          <a:bodyPr anchor="ctr" anchorCtr="0">
+            <a:normAutofit/>
+          </a:bodyPr>
+          <a:lstStyle/>
+          <a:p>
+            <a:pPr algn="just"/>
+            <a:r>
+              <a:rPr lang="fr-FR" dirty="0">
+                <a:solidFill>
+                  <a:schemeClr val="tx1"/>
+                </a:solidFill>
+              </a:rPr>
+              <a:t>Les chaînes de caractères peuvent être indexées (accéder aux caractères par leur position), le </a:t>
+            </a:r>
+            <a:r>
+              <a:rPr lang="fr-FR" dirty="0" smtClean="0">
+                <a:solidFill>
+                  <a:schemeClr val="tx1"/>
+                </a:solidFill>
+              </a:rPr>
+              <a:t>premier caractère </a:t>
+            </a:r>
+            <a:r>
+              <a:rPr lang="fr-FR" dirty="0">
+                <a:solidFill>
+                  <a:schemeClr val="tx1"/>
+                </a:solidFill>
+              </a:rPr>
+              <a:t>d’une chaîne est à la position </a:t>
+            </a:r>
+            <a:r>
+              <a:rPr lang="fr-FR" dirty="0" smtClean="0">
+                <a:solidFill>
+                  <a:schemeClr val="tx1"/>
+                </a:solidFill>
+              </a:rPr>
+              <a:t>0</a:t>
+            </a:r>
+          </a:p>
+          <a:p>
+            <a:pPr algn="just"/>
+            <a:r>
+              <a:rPr lang="fr-FR" dirty="0" smtClean="0">
+                <a:solidFill>
+                  <a:schemeClr val="tx1"/>
+                </a:solidFill>
+              </a:rPr>
+              <a:t>Il </a:t>
+            </a:r>
+            <a:r>
+              <a:rPr lang="fr-FR" dirty="0">
+                <a:solidFill>
+                  <a:schemeClr val="tx1"/>
+                </a:solidFill>
+              </a:rPr>
+              <a:t>n’existe pas de type distinct pour les caractères, un caractère est simplement une chaîne de longueur </a:t>
+            </a:r>
+            <a:r>
+              <a:rPr lang="fr-FR" dirty="0" smtClean="0">
+                <a:solidFill>
+                  <a:schemeClr val="tx1"/>
+                </a:solidFill>
+              </a:rPr>
+              <a:t>1</a:t>
+            </a:r>
+          </a:p>
+          <a:p>
+            <a:pPr algn="just"/>
+            <a:r>
+              <a:rPr lang="fr-FR" dirty="0">
+                <a:solidFill>
+                  <a:schemeClr val="tx1"/>
+                </a:solidFill>
+              </a:rPr>
+              <a:t>Les indices peuvent également être négatifs, pour effectuer un décompte en partant de la </a:t>
+            </a:r>
+            <a:r>
+              <a:rPr lang="fr-FR" dirty="0" smtClean="0">
+                <a:solidFill>
+                  <a:schemeClr val="tx1"/>
+                </a:solidFill>
+              </a:rPr>
+              <a:t>droite</a:t>
+            </a:r>
+          </a:p>
+          <a:p>
+            <a:pPr algn="just"/>
+            <a:r>
+              <a:rPr lang="fr-FR" dirty="0"/>
+              <a:t>Notez que puisque -0 égal 0, les indices négatifs commencent par -1</a:t>
+            </a:r>
+            <a:endParaRPr lang="fr-FR" dirty="0" smtClean="0">
+              <a:solidFill>
+                <a:schemeClr val="tx1"/>
+              </a:solidFill>
+            </a:endParaRPr>
+          </a:p>
+          <a:p>
+            <a:pPr algn="just"/>
+            <a:endParaRPr lang="fr-FR" b="1" i="1" dirty="0">
+              <a:solidFill>
+                <a:schemeClr val="accent6"/>
+              </a:solidFill>
+            </a:endParaRPr>
+          </a:p>
+        </p:txBody>
+      </p:sp>
+      <p:pic>
+        <p:nvPicPr>
+          <p:cNvPr id="4" name="Image 3"/>
+          <p:cNvPicPr>
+            <a:picLocks noChangeAspect="1"/>
+          </p:cNvPicPr>
+          <p:nvPr/>
+        </p:nvPicPr>
+        <p:blipFill>
+          <a:blip r:embed="rId3"/>
+          <a:stretch>
+            <a:fillRect/>
+          </a:stretch>
+        </p:blipFill>
+        <p:spPr>
+          <a:xfrm>
+            <a:off x="7472362" y="1600952"/>
+            <a:ext cx="4257675" cy="1362075"/>
+          </a:xfrm>
+          <a:prstGeom prst="rect">
+            <a:avLst/>
+          </a:prstGeom>
+          <a:ln>
+            <a:noFill/>
+          </a:ln>
+          <a:effectLst>
+            <a:outerShdw blurRad="292100" dist="139700" dir="2700000" algn="tl" rotWithShape="0">
+              <a:srgbClr val="333333">
+                <a:alpha val="65000"/>
+              </a:srgbClr>
+            </a:outerShdw>
+          </a:effectLst>
+        </p:spPr>
+      </p:pic>
+      <p:pic>
+        <p:nvPicPr>
+          <p:cNvPr id="7" name="Image 6"/>
+          <p:cNvPicPr>
+            <a:picLocks noChangeAspect="1"/>
+          </p:cNvPicPr>
+          <p:nvPr/>
+        </p:nvPicPr>
+        <p:blipFill>
+          <a:blip r:embed="rId4"/>
+          <a:stretch>
+            <a:fillRect/>
+          </a:stretch>
+        </p:blipFill>
+        <p:spPr>
+          <a:xfrm>
+            <a:off x="7485354" y="3056999"/>
+            <a:ext cx="4067175" cy="1590675"/>
+          </a:xfrm>
+          <a:prstGeom prst="rect">
+            <a:avLst/>
+          </a:prstGeom>
+          <a:ln>
+            <a:noFill/>
+          </a:ln>
+          <a:effectLst>
+            <a:outerShdw blurRad="292100" dist="139700" dir="2700000" algn="tl" rotWithShape="0">
+              <a:srgbClr val="333333">
+                <a:alpha val="65000"/>
+              </a:srgbClr>
+            </a:outerShdw>
+          </a:effectLst>
+        </p:spPr>
+      </p:pic>
+    </p:spTree>
+    <p:extLst>
+      <p:ext uri="{BB962C8B-B14F-4D97-AF65-F5344CB8AC3E}">
+        <p14:creationId xmlns:p14="http://schemas.microsoft.com/office/powerpoint/2010/main" val="900687053"/>
+      </p:ext>
+    </p:extLst>
+  </p:cSld>
+  <p:clrMapOvr>
+    <a:masterClrMapping/>
+  </p:clrMapOvr>
+  <p:timing>
+    <p:tnLst>
+      <p:par>
+        <p:cTn id="1" dur="indefinite" restart="never" nodeType="tmRoot"/>
+      </p:par>
+    </p:tnLst>
+  </p:timing>
+</p:sld>
+</file>
+
+<file path=ppt/slides/slide26.xml><?xml version="1.0" encoding="utf-8"?>
+<p:sld xmlns:a="http://schemas.openxmlformats.org/drawingml/2006/main" xmlns:r="http://schemas.openxmlformats.org/officeDocument/2006/relationships" xmlns:p="http://schemas.openxmlformats.org/presentationml/2006/main">
+  <p:cSld>
+    <p:spTree>
+      <p:nvGrpSpPr>
+        <p:cNvPr id="1" name=""/>
+        <p:cNvGrpSpPr/>
+        <p:nvPr/>
+      </p:nvGrpSpPr>
+      <p:grpSpPr>
+        <a:xfrm>
+          <a:off x="0" y="0"/>
+          <a:ext cx="0" cy="0"/>
+          <a:chOff x="0" y="0"/>
+          <a:chExt cx="0" cy="0"/>
+        </a:xfrm>
+      </p:grpSpPr>
+      <p:sp>
+        <p:nvSpPr>
+          <p:cNvPr id="2" name="Titre 1"/>
+          <p:cNvSpPr>
+            <a:spLocks noGrp="1"/>
+          </p:cNvSpPr>
+          <p:nvPr>
+            <p:ph type="title"/>
+          </p:nvPr>
+        </p:nvSpPr>
+        <p:spPr>
+          <a:xfrm>
+            <a:off x="2592925" y="624110"/>
+            <a:ext cx="8911687" cy="1280890"/>
+          </a:xfrm>
+        </p:spPr>
+        <p:txBody>
+          <a:bodyPr/>
+          <a:lstStyle/>
+          <a:p>
+            <a:r>
+              <a:rPr lang="fr-FR" dirty="0" smtClean="0"/>
+              <a:t>Les chaines de caractères</a:t>
+            </a:r>
+            <a:endParaRPr lang="fr-FR" dirty="0"/>
+          </a:p>
+        </p:txBody>
+      </p:sp>
+      <p:sp>
+        <p:nvSpPr>
+          <p:cNvPr id="3" name="Espace réservé du contenu 2"/>
+          <p:cNvSpPr>
+            <a:spLocks noGrp="1"/>
+          </p:cNvSpPr>
+          <p:nvPr>
+            <p:ph idx="1"/>
+          </p:nvPr>
+        </p:nvSpPr>
+        <p:spPr>
+          <a:xfrm>
+            <a:off x="763325" y="1542413"/>
+            <a:ext cx="11065980" cy="2965977"/>
+          </a:xfrm>
+        </p:spPr>
+        <p:txBody>
+          <a:bodyPr anchor="ctr" anchorCtr="0">
+            <a:normAutofit/>
+          </a:bodyPr>
+          <a:lstStyle/>
+          <a:p>
+            <a:pPr algn="just"/>
+            <a:r>
+              <a:rPr lang="fr-FR" dirty="0">
+                <a:solidFill>
+                  <a:schemeClr val="tx1"/>
+                </a:solidFill>
+              </a:rPr>
+              <a:t>En plus d’accéder à un élément par son indice, il est aussi possible de trancher une </a:t>
+            </a:r>
+            <a:r>
+              <a:rPr lang="fr-FR" dirty="0" smtClean="0">
+                <a:solidFill>
+                  <a:schemeClr val="tx1"/>
+                </a:solidFill>
+              </a:rPr>
+              <a:t>liste</a:t>
+            </a:r>
+          </a:p>
+          <a:p>
+            <a:pPr algn="just"/>
+            <a:r>
+              <a:rPr lang="fr-FR" dirty="0" smtClean="0">
+                <a:solidFill>
+                  <a:schemeClr val="tx1"/>
+                </a:solidFill>
+              </a:rPr>
+              <a:t>Accéder </a:t>
+            </a:r>
+            <a:r>
+              <a:rPr lang="fr-FR" dirty="0">
+                <a:solidFill>
+                  <a:schemeClr val="tx1"/>
+                </a:solidFill>
+              </a:rPr>
+              <a:t>à une chaîne par un indice permet d’obtenir un caractère, alors que la trancher permet d’obtenir une </a:t>
+            </a:r>
+            <a:r>
+              <a:rPr lang="fr-FR" dirty="0" smtClean="0">
+                <a:solidFill>
+                  <a:schemeClr val="tx1"/>
+                </a:solidFill>
+              </a:rPr>
+              <a:t>sous-chaîne</a:t>
+            </a:r>
+          </a:p>
+          <a:p>
+            <a:pPr algn="just"/>
+            <a:r>
+              <a:rPr lang="fr-FR" dirty="0" smtClean="0">
+                <a:solidFill>
+                  <a:schemeClr val="tx1"/>
+                </a:solidFill>
+              </a:rPr>
+              <a:t>On parle de </a:t>
+            </a:r>
+            <a:r>
+              <a:rPr lang="fr-FR" b="1" i="1" dirty="0" smtClean="0">
+                <a:solidFill>
+                  <a:schemeClr val="tx1"/>
+                </a:solidFill>
+              </a:rPr>
+              <a:t>slicing</a:t>
+            </a:r>
+          </a:p>
+          <a:p>
+            <a:pPr algn="just"/>
+            <a:r>
+              <a:rPr lang="fr-FR" dirty="0">
+                <a:solidFill>
+                  <a:schemeClr val="tx1"/>
+                </a:solidFill>
+              </a:rPr>
+              <a:t>Notez que le début est toujours inclus et la fin toujours </a:t>
+            </a:r>
+            <a:r>
+              <a:rPr lang="fr-FR" dirty="0" smtClean="0">
+                <a:solidFill>
+                  <a:schemeClr val="tx1"/>
+                </a:solidFill>
+              </a:rPr>
+              <a:t>exclue</a:t>
+            </a:r>
+          </a:p>
+          <a:p>
+            <a:pPr algn="just"/>
+            <a:r>
+              <a:rPr lang="fr-FR" dirty="0" smtClean="0">
+                <a:solidFill>
+                  <a:schemeClr val="tx1"/>
+                </a:solidFill>
+              </a:rPr>
+              <a:t>Cela </a:t>
+            </a:r>
+            <a:r>
+              <a:rPr lang="fr-FR" dirty="0">
+                <a:solidFill>
+                  <a:schemeClr val="tx1"/>
+                </a:solidFill>
+              </a:rPr>
+              <a:t>assure que s[:i] + s[i:] est toujours égal à s</a:t>
+            </a:r>
+            <a:endParaRPr lang="fr-FR" dirty="0">
+              <a:solidFill>
+                <a:schemeClr val="tx1"/>
+              </a:solidFill>
+            </a:endParaRPr>
+          </a:p>
+        </p:txBody>
+      </p:sp>
+      <p:pic>
+        <p:nvPicPr>
+          <p:cNvPr id="5" name="Image 4"/>
+          <p:cNvPicPr>
+            <a:picLocks noChangeAspect="1"/>
+          </p:cNvPicPr>
+          <p:nvPr/>
+        </p:nvPicPr>
+        <p:blipFill>
+          <a:blip r:embed="rId3"/>
+          <a:stretch>
+            <a:fillRect/>
+          </a:stretch>
+        </p:blipFill>
+        <p:spPr>
+          <a:xfrm>
+            <a:off x="1820848" y="4645643"/>
+            <a:ext cx="6838950" cy="1562100"/>
+          </a:xfrm>
+          <a:prstGeom prst="rect">
+            <a:avLst/>
+          </a:prstGeom>
+          <a:ln>
+            <a:noFill/>
+          </a:ln>
+          <a:effectLst>
+            <a:outerShdw blurRad="292100" dist="139700" dir="2700000" algn="tl" rotWithShape="0">
+              <a:srgbClr val="333333">
+                <a:alpha val="65000"/>
+              </a:srgbClr>
+            </a:outerShdw>
+          </a:effectLst>
+        </p:spPr>
+      </p:pic>
+      <p:pic>
+        <p:nvPicPr>
+          <p:cNvPr id="8" name="Image 7"/>
+          <p:cNvPicPr>
+            <a:picLocks noChangeAspect="1"/>
+          </p:cNvPicPr>
+          <p:nvPr/>
+        </p:nvPicPr>
+        <p:blipFill>
+          <a:blip r:embed="rId4"/>
+          <a:stretch>
+            <a:fillRect/>
+          </a:stretch>
+        </p:blipFill>
+        <p:spPr>
+          <a:xfrm>
+            <a:off x="8809589" y="4645643"/>
+            <a:ext cx="2524125" cy="1133475"/>
+          </a:xfrm>
+          <a:prstGeom prst="rect">
+            <a:avLst/>
+          </a:prstGeom>
+        </p:spPr>
+      </p:pic>
+    </p:spTree>
+    <p:extLst>
+      <p:ext uri="{BB962C8B-B14F-4D97-AF65-F5344CB8AC3E}">
+        <p14:creationId xmlns:p14="http://schemas.microsoft.com/office/powerpoint/2010/main" val="1265965423"/>
+      </p:ext>
+    </p:extLst>
+  </p:cSld>
+  <p:clrMapOvr>
+    <a:masterClrMapping/>
+  </p:clrMapOvr>
+  <p:timing>
+    <p:tnLst>
+      <p:par>
+        <p:cTn id="1" dur="indefinite" restart="never" nodeType="tmRoot"/>
+      </p:par>
+    </p:tnLst>
+  </p:timing>
+</p:sld>
+</file>
+
+<file path=ppt/slides/slide27.xml><?xml version="1.0" encoding="utf-8"?>
+<p:sld xmlns:a="http://schemas.openxmlformats.org/drawingml/2006/main" xmlns:r="http://schemas.openxmlformats.org/officeDocument/2006/relationships" xmlns:p="http://schemas.openxmlformats.org/presentationml/2006/main">
+  <p:cSld>
+    <p:spTree>
+      <p:nvGrpSpPr>
+        <p:cNvPr id="1" name=""/>
+        <p:cNvGrpSpPr/>
+        <p:nvPr/>
+      </p:nvGrpSpPr>
+      <p:grpSpPr>
+        <a:xfrm>
+          <a:off x="0" y="0"/>
+          <a:ext cx="0" cy="0"/>
+          <a:chOff x="0" y="0"/>
+          <a:chExt cx="0" cy="0"/>
+        </a:xfrm>
+      </p:grpSpPr>
+      <p:sp>
+        <p:nvSpPr>
+          <p:cNvPr id="2" name="Titre 1"/>
+          <p:cNvSpPr>
+            <a:spLocks noGrp="1"/>
+          </p:cNvSpPr>
+          <p:nvPr>
+            <p:ph type="title"/>
+          </p:nvPr>
+        </p:nvSpPr>
+        <p:spPr>
+          <a:xfrm>
+            <a:off x="2592925" y="624110"/>
+            <a:ext cx="8911687" cy="1280890"/>
+          </a:xfrm>
+        </p:spPr>
+        <p:txBody>
+          <a:bodyPr/>
+          <a:lstStyle/>
+          <a:p>
+            <a:r>
+              <a:rPr lang="fr-FR" dirty="0" smtClean="0"/>
+              <a:t>Les chaines de caractères</a:t>
+            </a:r>
+            <a:endParaRPr lang="fr-FR" dirty="0"/>
+          </a:p>
+        </p:txBody>
+      </p:sp>
+      <p:sp>
+        <p:nvSpPr>
+          <p:cNvPr id="3" name="Espace réservé du contenu 2"/>
+          <p:cNvSpPr>
+            <a:spLocks noGrp="1"/>
+          </p:cNvSpPr>
+          <p:nvPr>
+            <p:ph idx="1"/>
+          </p:nvPr>
+        </p:nvSpPr>
+        <p:spPr>
+          <a:xfrm>
+            <a:off x="763325" y="1542413"/>
+            <a:ext cx="11065980" cy="2965977"/>
+          </a:xfrm>
+        </p:spPr>
+        <p:txBody>
+          <a:bodyPr anchor="ctr" anchorCtr="0">
+            <a:normAutofit lnSpcReduction="10000"/>
+          </a:bodyPr>
+          <a:lstStyle/>
+          <a:p>
+            <a:pPr algn="just"/>
+            <a:r>
+              <a:rPr lang="fr-FR" dirty="0">
+                <a:solidFill>
+                  <a:schemeClr val="tx1"/>
+                </a:solidFill>
+              </a:rPr>
+              <a:t>Les indices par tranches ont des valeurs par défaut </a:t>
+            </a:r>
+            <a:r>
+              <a:rPr lang="fr-FR" dirty="0" smtClean="0">
+                <a:solidFill>
+                  <a:schemeClr val="tx1"/>
+                </a:solidFill>
+              </a:rPr>
+              <a:t>utiles</a:t>
+            </a:r>
+          </a:p>
+          <a:p>
+            <a:pPr algn="just"/>
+            <a:r>
+              <a:rPr lang="fr-FR" dirty="0" smtClean="0">
+                <a:solidFill>
+                  <a:schemeClr val="tx1"/>
+                </a:solidFill>
+              </a:rPr>
+              <a:t>Le </a:t>
+            </a:r>
+            <a:r>
+              <a:rPr lang="fr-FR" dirty="0">
+                <a:solidFill>
+                  <a:schemeClr val="tx1"/>
+                </a:solidFill>
+              </a:rPr>
+              <a:t>premier indice lorsqu’il est omis équivaut à zéro, le second à la taille de la chaîne de </a:t>
+            </a:r>
+            <a:r>
+              <a:rPr lang="fr-FR" dirty="0" smtClean="0">
+                <a:solidFill>
+                  <a:schemeClr val="tx1"/>
+                </a:solidFill>
+              </a:rPr>
+              <a:t>caractères</a:t>
+            </a:r>
+          </a:p>
+          <a:p>
+            <a:pPr algn="just"/>
+            <a:r>
+              <a:rPr lang="fr-FR" dirty="0">
+                <a:solidFill>
+                  <a:schemeClr val="tx1"/>
+                </a:solidFill>
+              </a:rPr>
+              <a:t>Une façon de mémoriser la façon dont les tranches fonctionnent est de penser que les indices pointent entre les caractères, le côté gauche du premier caractère ayant la position </a:t>
+            </a:r>
+            <a:r>
+              <a:rPr lang="fr-FR" dirty="0" smtClean="0">
+                <a:solidFill>
+                  <a:schemeClr val="tx1"/>
+                </a:solidFill>
+              </a:rPr>
+              <a:t>0</a:t>
+            </a:r>
+          </a:p>
+          <a:p>
+            <a:pPr algn="just"/>
+            <a:r>
+              <a:rPr lang="fr-FR" dirty="0" smtClean="0">
+                <a:solidFill>
+                  <a:schemeClr val="tx1"/>
+                </a:solidFill>
+              </a:rPr>
+              <a:t>Le </a:t>
+            </a:r>
+            <a:r>
+              <a:rPr lang="fr-FR" dirty="0">
+                <a:solidFill>
+                  <a:schemeClr val="tx1"/>
+                </a:solidFill>
+              </a:rPr>
+              <a:t>côté droit du dernier caractère d’une chaîne de n caractères a alors pour indice </a:t>
+            </a:r>
+            <a:r>
+              <a:rPr lang="fr-FR" dirty="0" smtClean="0">
+                <a:solidFill>
+                  <a:schemeClr val="tx1"/>
+                </a:solidFill>
+              </a:rPr>
+              <a:t>n</a:t>
+            </a:r>
+          </a:p>
+          <a:p>
+            <a:pPr algn="just"/>
+            <a:r>
+              <a:rPr lang="fr-FR" dirty="0">
+                <a:solidFill>
+                  <a:schemeClr val="tx1"/>
+                </a:solidFill>
+              </a:rPr>
+              <a:t>Pour des indices non négatifs, la longueur d’une tranche est la différence entre ces indices, si les deux sont entre les </a:t>
+            </a:r>
+            <a:r>
+              <a:rPr lang="fr-FR" dirty="0" smtClean="0">
+                <a:solidFill>
+                  <a:schemeClr val="tx1"/>
+                </a:solidFill>
+              </a:rPr>
+              <a:t>bornes</a:t>
+            </a:r>
+          </a:p>
+          <a:p>
+            <a:pPr algn="just"/>
+            <a:r>
+              <a:rPr lang="fr-FR" dirty="0" smtClean="0">
+                <a:solidFill>
+                  <a:schemeClr val="tx1"/>
+                </a:solidFill>
+              </a:rPr>
+              <a:t>Par </a:t>
+            </a:r>
+            <a:r>
+              <a:rPr lang="fr-FR" dirty="0">
+                <a:solidFill>
+                  <a:schemeClr val="tx1"/>
+                </a:solidFill>
+              </a:rPr>
+              <a:t>exemple, la longueur de </a:t>
+            </a:r>
+            <a:r>
+              <a:rPr lang="fr-FR" dirty="0" smtClean="0">
+                <a:solidFill>
+                  <a:schemeClr val="tx1"/>
+                </a:solidFill>
+              </a:rPr>
+              <a:t>mot[1:3</a:t>
+            </a:r>
+            <a:r>
+              <a:rPr lang="fr-FR" dirty="0">
+                <a:solidFill>
+                  <a:schemeClr val="tx1"/>
+                </a:solidFill>
+              </a:rPr>
+              <a:t>] est 2</a:t>
+            </a:r>
+            <a:endParaRPr lang="fr-FR" dirty="0">
+              <a:solidFill>
+                <a:schemeClr val="tx1"/>
+              </a:solidFill>
+            </a:endParaRPr>
+          </a:p>
+        </p:txBody>
+      </p:sp>
+      <p:pic>
+        <p:nvPicPr>
+          <p:cNvPr id="4" name="Image 3"/>
+          <p:cNvPicPr>
+            <a:picLocks noChangeAspect="1"/>
+          </p:cNvPicPr>
+          <p:nvPr/>
+        </p:nvPicPr>
+        <p:blipFill>
+          <a:blip r:embed="rId3"/>
+          <a:stretch>
+            <a:fillRect/>
+          </a:stretch>
+        </p:blipFill>
+        <p:spPr>
+          <a:xfrm>
+            <a:off x="5114634" y="4667002"/>
+            <a:ext cx="1628775" cy="1571625"/>
+          </a:xfrm>
+          <a:prstGeom prst="rect">
+            <a:avLst/>
+          </a:prstGeom>
+          <a:ln>
+            <a:noFill/>
+          </a:ln>
+          <a:effectLst>
+            <a:outerShdw blurRad="292100" dist="139700" dir="2700000" algn="tl" rotWithShape="0">
+              <a:srgbClr val="333333">
+                <a:alpha val="65000"/>
+              </a:srgbClr>
+            </a:outerShdw>
+          </a:effectLst>
+        </p:spPr>
+      </p:pic>
+      <p:pic>
+        <p:nvPicPr>
+          <p:cNvPr id="6" name="Image 5"/>
+          <p:cNvPicPr>
+            <a:picLocks noChangeAspect="1"/>
+          </p:cNvPicPr>
+          <p:nvPr/>
+        </p:nvPicPr>
+        <p:blipFill>
+          <a:blip r:embed="rId4"/>
+          <a:stretch>
+            <a:fillRect/>
+          </a:stretch>
+        </p:blipFill>
+        <p:spPr>
+          <a:xfrm>
+            <a:off x="7048768" y="4667002"/>
+            <a:ext cx="2181225" cy="895350"/>
+          </a:xfrm>
+          <a:prstGeom prst="rect">
+            <a:avLst/>
+          </a:prstGeom>
+          <a:ln>
+            <a:noFill/>
+          </a:ln>
+          <a:effectLst>
+            <a:outerShdw blurRad="292100" dist="139700" dir="2700000" algn="tl" rotWithShape="0">
+              <a:srgbClr val="333333">
+                <a:alpha val="65000"/>
+              </a:srgbClr>
+            </a:outerShdw>
+          </a:effectLst>
+        </p:spPr>
+      </p:pic>
+    </p:spTree>
+    <p:extLst>
+      <p:ext uri="{BB962C8B-B14F-4D97-AF65-F5344CB8AC3E}">
+        <p14:creationId xmlns:p14="http://schemas.microsoft.com/office/powerpoint/2010/main" val="3305113925"/>
+      </p:ext>
+    </p:extLst>
+  </p:cSld>
+  <p:clrMapOvr>
+    <a:masterClrMapping/>
+  </p:clrMapOvr>
+  <p:timing>
+    <p:tnLst>
+      <p:par>
+        <p:cTn id="1" dur="indefinite" restart="never" nodeType="tmRoot"/>
+      </p:par>
+    </p:tnLst>
+  </p:timing>
+</p:sld>
+</file>
+
+<file path=ppt/slides/slide28.xml><?xml version="1.0" encoding="utf-8"?>
+<p:sld xmlns:a="http://schemas.openxmlformats.org/drawingml/2006/main" xmlns:r="http://schemas.openxmlformats.org/officeDocument/2006/relationships" xmlns:p="http://schemas.openxmlformats.org/presentationml/2006/main">
+  <p:cSld>
+    <p:spTree>
+      <p:nvGrpSpPr>
+        <p:cNvPr id="1" name=""/>
+        <p:cNvGrpSpPr/>
+        <p:nvPr/>
+      </p:nvGrpSpPr>
+      <p:grpSpPr>
+        <a:xfrm>
+          <a:off x="0" y="0"/>
+          <a:ext cx="0" cy="0"/>
+          <a:chOff x="0" y="0"/>
+          <a:chExt cx="0" cy="0"/>
+        </a:xfrm>
+      </p:grpSpPr>
+      <p:sp>
+        <p:nvSpPr>
+          <p:cNvPr id="2" name="Titre 1"/>
+          <p:cNvSpPr>
+            <a:spLocks noGrp="1"/>
+          </p:cNvSpPr>
+          <p:nvPr>
+            <p:ph type="title"/>
+          </p:nvPr>
+        </p:nvSpPr>
+        <p:spPr>
+          <a:xfrm>
+            <a:off x="2592925" y="624110"/>
+            <a:ext cx="8911687" cy="1280890"/>
+          </a:xfrm>
+        </p:spPr>
+        <p:txBody>
+          <a:bodyPr/>
+          <a:lstStyle/>
+          <a:p>
+            <a:r>
+              <a:rPr lang="fr-FR" dirty="0" smtClean="0"/>
+              <a:t>Les chaines de caractères</a:t>
+            </a:r>
+            <a:endParaRPr lang="fr-FR" dirty="0"/>
+          </a:p>
+        </p:txBody>
+      </p:sp>
+      <p:sp>
+        <p:nvSpPr>
+          <p:cNvPr id="3" name="Espace réservé du contenu 2"/>
+          <p:cNvSpPr>
+            <a:spLocks noGrp="1"/>
+          </p:cNvSpPr>
+          <p:nvPr>
+            <p:ph idx="1"/>
+          </p:nvPr>
+        </p:nvSpPr>
+        <p:spPr>
+          <a:xfrm>
+            <a:off x="763325" y="1542413"/>
+            <a:ext cx="11065980" cy="2965977"/>
+          </a:xfrm>
+        </p:spPr>
+        <p:txBody>
+          <a:bodyPr anchor="ctr" anchorCtr="0">
+            <a:normAutofit/>
+          </a:bodyPr>
+          <a:lstStyle/>
+          <a:p>
+            <a:pPr algn="just"/>
+            <a:r>
+              <a:rPr lang="fr-FR" dirty="0">
+                <a:solidFill>
+                  <a:schemeClr val="tx1"/>
+                </a:solidFill>
+              </a:rPr>
+              <a:t>Utiliser un indice trop grand générera une </a:t>
+            </a:r>
+            <a:r>
+              <a:rPr lang="fr-FR" dirty="0" smtClean="0">
+                <a:solidFill>
+                  <a:schemeClr val="tx1"/>
+                </a:solidFill>
+              </a:rPr>
+              <a:t>erreur</a:t>
+            </a:r>
+          </a:p>
+          <a:p>
+            <a:pPr algn="just"/>
+            <a:r>
+              <a:rPr lang="fr-FR" dirty="0">
+                <a:solidFill>
+                  <a:schemeClr val="tx1"/>
+                </a:solidFill>
+              </a:rPr>
+              <a:t>Cependant, les indices hors bornes sont gérés silencieusement lorsqu’ils sont utilisés dans des </a:t>
+            </a:r>
+            <a:r>
+              <a:rPr lang="fr-FR" dirty="0" smtClean="0">
+                <a:solidFill>
+                  <a:schemeClr val="tx1"/>
+                </a:solidFill>
+              </a:rPr>
+              <a:t>tranches</a:t>
+            </a:r>
+          </a:p>
+          <a:p>
+            <a:pPr algn="just"/>
+            <a:r>
+              <a:rPr lang="fr-FR" dirty="0">
+                <a:solidFill>
+                  <a:schemeClr val="tx1"/>
+                </a:solidFill>
+              </a:rPr>
+              <a:t>Les chaînes de caractères, en Python ne peuvent pas être modifiées, on dit qu’elles sont </a:t>
+            </a:r>
+            <a:r>
+              <a:rPr lang="fr-FR" dirty="0" smtClean="0">
+                <a:solidFill>
+                  <a:schemeClr val="tx1"/>
+                </a:solidFill>
+              </a:rPr>
+              <a:t>immuable</a:t>
+            </a:r>
+          </a:p>
+          <a:p>
+            <a:pPr algn="just"/>
+            <a:r>
+              <a:rPr lang="fr-FR" dirty="0" smtClean="0">
+                <a:solidFill>
+                  <a:schemeClr val="tx1"/>
+                </a:solidFill>
+              </a:rPr>
+              <a:t>Affecter </a:t>
+            </a:r>
+            <a:r>
+              <a:rPr lang="fr-FR" dirty="0">
+                <a:solidFill>
+                  <a:schemeClr val="tx1"/>
+                </a:solidFill>
+              </a:rPr>
+              <a:t>une nouvelle valeur à un indice dans une chaîne produit une erreur</a:t>
+            </a:r>
+            <a:endParaRPr lang="fr-FR" dirty="0">
+              <a:solidFill>
+                <a:schemeClr val="tx1"/>
+              </a:solidFill>
+            </a:endParaRPr>
+          </a:p>
+        </p:txBody>
+      </p:sp>
+      <p:pic>
+        <p:nvPicPr>
+          <p:cNvPr id="5" name="Image 4"/>
+          <p:cNvPicPr>
+            <a:picLocks noChangeAspect="1"/>
+          </p:cNvPicPr>
+          <p:nvPr/>
+        </p:nvPicPr>
+        <p:blipFill>
+          <a:blip r:embed="rId3"/>
+          <a:stretch>
+            <a:fillRect/>
+          </a:stretch>
+        </p:blipFill>
+        <p:spPr>
+          <a:xfrm>
+            <a:off x="1540234" y="4494102"/>
+            <a:ext cx="4086225" cy="2000250"/>
+          </a:xfrm>
+          <a:prstGeom prst="rect">
+            <a:avLst/>
+          </a:prstGeom>
+          <a:ln>
+            <a:noFill/>
+          </a:ln>
+          <a:effectLst>
+            <a:outerShdw blurRad="292100" dist="139700" dir="2700000" algn="tl" rotWithShape="0">
+              <a:srgbClr val="333333">
+                <a:alpha val="65000"/>
+              </a:srgbClr>
+            </a:outerShdw>
+          </a:effectLst>
+        </p:spPr>
+      </p:pic>
+      <p:pic>
+        <p:nvPicPr>
+          <p:cNvPr id="7" name="Image 6"/>
+          <p:cNvPicPr>
+            <a:picLocks noChangeAspect="1"/>
+          </p:cNvPicPr>
+          <p:nvPr/>
+        </p:nvPicPr>
+        <p:blipFill>
+          <a:blip r:embed="rId4"/>
+          <a:stretch>
+            <a:fillRect/>
+          </a:stretch>
+        </p:blipFill>
+        <p:spPr>
+          <a:xfrm>
+            <a:off x="5794182" y="4479815"/>
+            <a:ext cx="5867400" cy="2028825"/>
+          </a:xfrm>
+          <a:prstGeom prst="rect">
+            <a:avLst/>
+          </a:prstGeom>
+          <a:ln>
+            <a:noFill/>
+          </a:ln>
+          <a:effectLst>
+            <a:outerShdw blurRad="292100" dist="139700" dir="2700000" algn="tl" rotWithShape="0">
+              <a:srgbClr val="333333">
+                <a:alpha val="65000"/>
+              </a:srgbClr>
+            </a:outerShdw>
+          </a:effectLst>
+        </p:spPr>
+      </p:pic>
+    </p:spTree>
+    <p:extLst>
+      <p:ext uri="{BB962C8B-B14F-4D97-AF65-F5344CB8AC3E}">
+        <p14:creationId xmlns:p14="http://schemas.microsoft.com/office/powerpoint/2010/main" val="4144912959"/>
+      </p:ext>
+    </p:extLst>
+  </p:cSld>
+  <p:clrMapOvr>
+    <a:masterClrMapping/>
+  </p:clrMapOvr>
+  <p:timing>
+    <p:tnLst>
+      <p:par>
+        <p:cTn id="1" dur="indefinite" restart="never" nodeType="tmRoot"/>
+      </p:par>
+    </p:tnLst>
+  </p:timing>
+</p:sld>
+</file>
+
+<file path=ppt/slides/slide29.xml><?xml version="1.0" encoding="utf-8"?>
+<p:sld xmlns:a="http://schemas.openxmlformats.org/drawingml/2006/main" xmlns:r="http://schemas.openxmlformats.org/officeDocument/2006/relationships" xmlns:p="http://schemas.openxmlformats.org/presentationml/2006/main">
+  <p:cSld>
+    <p:spTree>
+      <p:nvGrpSpPr>
+        <p:cNvPr id="1" name=""/>
+        <p:cNvGrpSpPr/>
+        <p:nvPr/>
+      </p:nvGrpSpPr>
+      <p:grpSpPr>
+        <a:xfrm>
+          <a:off x="0" y="0"/>
+          <a:ext cx="0" cy="0"/>
+          <a:chOff x="0" y="0"/>
+          <a:chExt cx="0" cy="0"/>
+        </a:xfrm>
+      </p:grpSpPr>
+      <p:sp>
+        <p:nvSpPr>
+          <p:cNvPr id="2" name="Titre 1"/>
+          <p:cNvSpPr>
+            <a:spLocks noGrp="1"/>
+          </p:cNvSpPr>
+          <p:nvPr>
+            <p:ph type="title"/>
+          </p:nvPr>
+        </p:nvSpPr>
+        <p:spPr>
+          <a:xfrm>
+            <a:off x="2592925" y="624110"/>
+            <a:ext cx="8911687" cy="1280890"/>
+          </a:xfrm>
+        </p:spPr>
+        <p:txBody>
+          <a:bodyPr/>
+          <a:lstStyle/>
+          <a:p>
+            <a:r>
+              <a:rPr lang="fr-FR" dirty="0" smtClean="0"/>
+              <a:t>Les chaines de caractères</a:t>
+            </a:r>
+            <a:endParaRPr lang="fr-FR" dirty="0"/>
+          </a:p>
+        </p:txBody>
+      </p:sp>
+      <p:sp>
+        <p:nvSpPr>
+          <p:cNvPr id="3" name="Espace réservé du contenu 2"/>
+          <p:cNvSpPr>
+            <a:spLocks noGrp="1"/>
+          </p:cNvSpPr>
+          <p:nvPr>
+            <p:ph idx="1"/>
+          </p:nvPr>
+        </p:nvSpPr>
+        <p:spPr>
+          <a:xfrm>
+            <a:off x="763325" y="1542413"/>
+            <a:ext cx="11065980" cy="2965977"/>
+          </a:xfrm>
+        </p:spPr>
+        <p:txBody>
+          <a:bodyPr anchor="ctr" anchorCtr="0">
+            <a:normAutofit/>
+          </a:bodyPr>
+          <a:lstStyle/>
+          <a:p>
+            <a:pPr algn="just"/>
+            <a:r>
+              <a:rPr lang="fr-FR" dirty="0">
+                <a:solidFill>
+                  <a:schemeClr val="tx1"/>
+                </a:solidFill>
+              </a:rPr>
+              <a:t>Si vous avez besoin </a:t>
+            </a:r>
+            <a:r>
+              <a:rPr lang="fr-FR" dirty="0" smtClean="0">
+                <a:solidFill>
+                  <a:schemeClr val="tx1"/>
+                </a:solidFill>
+              </a:rPr>
+              <a:t>d’une </a:t>
+            </a:r>
+            <a:r>
+              <a:rPr lang="fr-FR" dirty="0">
+                <a:solidFill>
+                  <a:schemeClr val="tx1"/>
+                </a:solidFill>
+              </a:rPr>
+              <a:t>chaîne différente, vous devez en créer une </a:t>
+            </a:r>
+            <a:r>
+              <a:rPr lang="fr-FR" dirty="0" smtClean="0">
+                <a:solidFill>
+                  <a:schemeClr val="tx1"/>
+                </a:solidFill>
+              </a:rPr>
+              <a:t>autre</a:t>
+            </a:r>
+          </a:p>
+          <a:p>
+            <a:pPr algn="just"/>
+            <a:r>
+              <a:rPr lang="fr-FR" dirty="0">
+                <a:solidFill>
+                  <a:schemeClr val="tx1"/>
+                </a:solidFill>
+              </a:rPr>
+              <a:t>La fonction native </a:t>
+            </a:r>
+            <a:r>
+              <a:rPr lang="fr-FR" b="1" i="1" dirty="0">
+                <a:solidFill>
+                  <a:schemeClr val="accent6"/>
+                </a:solidFill>
+              </a:rPr>
+              <a:t>len()</a:t>
+            </a:r>
+            <a:r>
+              <a:rPr lang="fr-FR" dirty="0">
+                <a:solidFill>
+                  <a:schemeClr val="tx1"/>
+                </a:solidFill>
+              </a:rPr>
+              <a:t> renvoie la longueur d’une chaîne</a:t>
+            </a:r>
+            <a:endParaRPr lang="fr-FR" dirty="0">
+              <a:solidFill>
+                <a:schemeClr val="tx1"/>
+              </a:solidFill>
+            </a:endParaRPr>
+          </a:p>
+        </p:txBody>
+      </p:sp>
+      <p:pic>
+        <p:nvPicPr>
+          <p:cNvPr id="4" name="Image 3"/>
+          <p:cNvPicPr>
+            <a:picLocks noChangeAspect="1"/>
+          </p:cNvPicPr>
+          <p:nvPr/>
+        </p:nvPicPr>
+        <p:blipFill>
+          <a:blip r:embed="rId3"/>
+          <a:stretch>
+            <a:fillRect/>
+          </a:stretch>
+        </p:blipFill>
+        <p:spPr>
+          <a:xfrm>
+            <a:off x="3859447" y="3850419"/>
+            <a:ext cx="4743450" cy="1828800"/>
+          </a:xfrm>
+          <a:prstGeom prst="rect">
+            <a:avLst/>
+          </a:prstGeom>
+          <a:ln>
+            <a:noFill/>
+          </a:ln>
+          <a:effectLst>
+            <a:outerShdw blurRad="292100" dist="139700" dir="2700000" algn="tl" rotWithShape="0">
+              <a:srgbClr val="333333">
+                <a:alpha val="65000"/>
+              </a:srgbClr>
+            </a:outerShdw>
+          </a:effectLst>
+        </p:spPr>
+      </p:pic>
+    </p:spTree>
+    <p:extLst>
+      <p:ext uri="{BB962C8B-B14F-4D97-AF65-F5344CB8AC3E}">
+        <p14:creationId xmlns:p14="http://schemas.microsoft.com/office/powerpoint/2010/main" val="1161537713"/>
       </p:ext>
     </p:extLst>
   </p:cSld>

--- a/documentations/learning-python.pptx
+++ b/documentations/learning-python.pptx
@@ -5,7 +5,7 @@
     <p:sldMasterId id="2147483665" r:id="rId1"/>
   </p:sldMasterIdLst>
   <p:notesMasterIdLst>
-    <p:notesMasterId r:id="rId31"/>
+    <p:notesMasterId r:id="rId42"/>
   </p:notesMasterIdLst>
   <p:sldIdLst>
     <p:sldId id="256" r:id="rId2"/>
@@ -37,6 +37,17 @@
     <p:sldId id="282" r:id="rId28"/>
     <p:sldId id="283" r:id="rId29"/>
     <p:sldId id="284" r:id="rId30"/>
+    <p:sldId id="286" r:id="rId31"/>
+    <p:sldId id="287" r:id="rId32"/>
+    <p:sldId id="288" r:id="rId33"/>
+    <p:sldId id="289" r:id="rId34"/>
+    <p:sldId id="290" r:id="rId35"/>
+    <p:sldId id="291" r:id="rId36"/>
+    <p:sldId id="292" r:id="rId37"/>
+    <p:sldId id="294" r:id="rId38"/>
+    <p:sldId id="293" r:id="rId39"/>
+    <p:sldId id="295" r:id="rId40"/>
+    <p:sldId id="285" r:id="rId41"/>
   </p:sldIdLst>
   <p:sldSz cx="12192000" cy="6858000"/>
   <p:notesSz cx="6858000" cy="9144000"/>
@@ -2257,6 +2268,90 @@
 </p:notes>
 </file>
 
+<file path=ppt/notesSlides/notesSlide29.xml><?xml version="1.0" encoding="utf-8"?>
+<p:notes xmlns:a="http://schemas.openxmlformats.org/drawingml/2006/main" xmlns:r="http://schemas.openxmlformats.org/officeDocument/2006/relationships" xmlns:p="http://schemas.openxmlformats.org/presentationml/2006/main">
+  <p:cSld>
+    <p:spTree>
+      <p:nvGrpSpPr>
+        <p:cNvPr id="1" name=""/>
+        <p:cNvGrpSpPr/>
+        <p:nvPr/>
+      </p:nvGrpSpPr>
+      <p:grpSpPr>
+        <a:xfrm>
+          <a:off x="0" y="0"/>
+          <a:ext cx="0" cy="0"/>
+          <a:chOff x="0" y="0"/>
+          <a:chExt cx="0" cy="0"/>
+        </a:xfrm>
+      </p:grpSpPr>
+      <p:sp>
+        <p:nvSpPr>
+          <p:cNvPr id="2" name="Espace réservé de l'image des diapositives 1"/>
+          <p:cNvSpPr>
+            <a:spLocks noGrp="1" noRot="1" noChangeAspect="1"/>
+          </p:cNvSpPr>
+          <p:nvPr>
+            <p:ph type="sldImg"/>
+          </p:nvPr>
+        </p:nvSpPr>
+        <p:spPr/>
+      </p:sp>
+      <p:sp>
+        <p:nvSpPr>
+          <p:cNvPr id="3" name="Espace réservé des commentaires 2"/>
+          <p:cNvSpPr>
+            <a:spLocks noGrp="1"/>
+          </p:cNvSpPr>
+          <p:nvPr>
+            <p:ph type="body" idx="1"/>
+          </p:nvPr>
+        </p:nvSpPr>
+        <p:spPr/>
+        <p:txBody>
+          <a:bodyPr/>
+          <a:lstStyle/>
+          <a:p>
+            <a:endParaRPr lang="fr-FR" dirty="0"/>
+          </a:p>
+        </p:txBody>
+      </p:sp>
+      <p:sp>
+        <p:nvSpPr>
+          <p:cNvPr id="4" name="Espace réservé du numéro de diapositive 3"/>
+          <p:cNvSpPr>
+            <a:spLocks noGrp="1"/>
+          </p:cNvSpPr>
+          <p:nvPr>
+            <p:ph type="sldNum" sz="quarter" idx="10"/>
+          </p:nvPr>
+        </p:nvSpPr>
+        <p:spPr/>
+        <p:txBody>
+          <a:bodyPr/>
+          <a:lstStyle/>
+          <a:p>
+            <a:fld id="{58BEE673-8D3B-4BBD-97EB-7004EF7CF6EF}" type="slidenum">
+              <a:rPr lang="fr-FR" smtClean="0"/>
+              <a:t>30</a:t>
+            </a:fld>
+            <a:endParaRPr lang="fr-FR" dirty="0"/>
+          </a:p>
+        </p:txBody>
+      </p:sp>
+    </p:spTree>
+    <p:extLst>
+      <p:ext uri="{BB962C8B-B14F-4D97-AF65-F5344CB8AC3E}">
+        <p14:creationId xmlns:p14="http://schemas.microsoft.com/office/powerpoint/2010/main" val="3385309362"/>
+      </p:ext>
+    </p:extLst>
+  </p:cSld>
+  <p:clrMapOvr>
+    <a:masterClrMapping/>
+  </p:clrMapOvr>
+</p:notes>
+</file>
+
 <file path=ppt/notesSlides/notesSlide3.xml><?xml version="1.0" encoding="utf-8"?>
 <p:notes xmlns:a="http://schemas.openxmlformats.org/drawingml/2006/main" xmlns:r="http://schemas.openxmlformats.org/officeDocument/2006/relationships" xmlns:p="http://schemas.openxmlformats.org/presentationml/2006/main">
   <p:cSld>
@@ -2332,6 +2427,846 @@
     <p:extLst>
       <p:ext uri="{BB962C8B-B14F-4D97-AF65-F5344CB8AC3E}">
         <p14:creationId xmlns:p14="http://schemas.microsoft.com/office/powerpoint/2010/main" val="83375991"/>
+      </p:ext>
+    </p:extLst>
+  </p:cSld>
+  <p:clrMapOvr>
+    <a:masterClrMapping/>
+  </p:clrMapOvr>
+</p:notes>
+</file>
+
+<file path=ppt/notesSlides/notesSlide30.xml><?xml version="1.0" encoding="utf-8"?>
+<p:notes xmlns:a="http://schemas.openxmlformats.org/drawingml/2006/main" xmlns:r="http://schemas.openxmlformats.org/officeDocument/2006/relationships" xmlns:p="http://schemas.openxmlformats.org/presentationml/2006/main">
+  <p:cSld>
+    <p:spTree>
+      <p:nvGrpSpPr>
+        <p:cNvPr id="1" name=""/>
+        <p:cNvGrpSpPr/>
+        <p:nvPr/>
+      </p:nvGrpSpPr>
+      <p:grpSpPr>
+        <a:xfrm>
+          <a:off x="0" y="0"/>
+          <a:ext cx="0" cy="0"/>
+          <a:chOff x="0" y="0"/>
+          <a:chExt cx="0" cy="0"/>
+        </a:xfrm>
+      </p:grpSpPr>
+      <p:sp>
+        <p:nvSpPr>
+          <p:cNvPr id="2" name="Espace réservé de l'image des diapositives 1"/>
+          <p:cNvSpPr>
+            <a:spLocks noGrp="1" noRot="1" noChangeAspect="1"/>
+          </p:cNvSpPr>
+          <p:nvPr>
+            <p:ph type="sldImg"/>
+          </p:nvPr>
+        </p:nvSpPr>
+        <p:spPr/>
+      </p:sp>
+      <p:sp>
+        <p:nvSpPr>
+          <p:cNvPr id="3" name="Espace réservé des commentaires 2"/>
+          <p:cNvSpPr>
+            <a:spLocks noGrp="1"/>
+          </p:cNvSpPr>
+          <p:nvPr>
+            <p:ph type="body" idx="1"/>
+          </p:nvPr>
+        </p:nvSpPr>
+        <p:spPr/>
+        <p:txBody>
+          <a:bodyPr/>
+          <a:lstStyle/>
+          <a:p>
+            <a:endParaRPr lang="fr-FR" dirty="0"/>
+          </a:p>
+        </p:txBody>
+      </p:sp>
+      <p:sp>
+        <p:nvSpPr>
+          <p:cNvPr id="4" name="Espace réservé du numéro de diapositive 3"/>
+          <p:cNvSpPr>
+            <a:spLocks noGrp="1"/>
+          </p:cNvSpPr>
+          <p:nvPr>
+            <p:ph type="sldNum" sz="quarter" idx="10"/>
+          </p:nvPr>
+        </p:nvSpPr>
+        <p:spPr/>
+        <p:txBody>
+          <a:bodyPr/>
+          <a:lstStyle/>
+          <a:p>
+            <a:fld id="{58BEE673-8D3B-4BBD-97EB-7004EF7CF6EF}" type="slidenum">
+              <a:rPr lang="fr-FR" smtClean="0"/>
+              <a:t>31</a:t>
+            </a:fld>
+            <a:endParaRPr lang="fr-FR" dirty="0"/>
+          </a:p>
+        </p:txBody>
+      </p:sp>
+    </p:spTree>
+    <p:extLst>
+      <p:ext uri="{BB962C8B-B14F-4D97-AF65-F5344CB8AC3E}">
+        <p14:creationId xmlns:p14="http://schemas.microsoft.com/office/powerpoint/2010/main" val="291519451"/>
+      </p:ext>
+    </p:extLst>
+  </p:cSld>
+  <p:clrMapOvr>
+    <a:masterClrMapping/>
+  </p:clrMapOvr>
+</p:notes>
+</file>
+
+<file path=ppt/notesSlides/notesSlide31.xml><?xml version="1.0" encoding="utf-8"?>
+<p:notes xmlns:a="http://schemas.openxmlformats.org/drawingml/2006/main" xmlns:r="http://schemas.openxmlformats.org/officeDocument/2006/relationships" xmlns:p="http://schemas.openxmlformats.org/presentationml/2006/main">
+  <p:cSld>
+    <p:spTree>
+      <p:nvGrpSpPr>
+        <p:cNvPr id="1" name=""/>
+        <p:cNvGrpSpPr/>
+        <p:nvPr/>
+      </p:nvGrpSpPr>
+      <p:grpSpPr>
+        <a:xfrm>
+          <a:off x="0" y="0"/>
+          <a:ext cx="0" cy="0"/>
+          <a:chOff x="0" y="0"/>
+          <a:chExt cx="0" cy="0"/>
+        </a:xfrm>
+      </p:grpSpPr>
+      <p:sp>
+        <p:nvSpPr>
+          <p:cNvPr id="2" name="Espace réservé de l'image des diapositives 1"/>
+          <p:cNvSpPr>
+            <a:spLocks noGrp="1" noRot="1" noChangeAspect="1"/>
+          </p:cNvSpPr>
+          <p:nvPr>
+            <p:ph type="sldImg"/>
+          </p:nvPr>
+        </p:nvSpPr>
+        <p:spPr/>
+      </p:sp>
+      <p:sp>
+        <p:nvSpPr>
+          <p:cNvPr id="3" name="Espace réservé des commentaires 2"/>
+          <p:cNvSpPr>
+            <a:spLocks noGrp="1"/>
+          </p:cNvSpPr>
+          <p:nvPr>
+            <p:ph type="body" idx="1"/>
+          </p:nvPr>
+        </p:nvSpPr>
+        <p:spPr/>
+        <p:txBody>
+          <a:bodyPr/>
+          <a:lstStyle/>
+          <a:p>
+            <a:endParaRPr lang="fr-FR" dirty="0"/>
+          </a:p>
+        </p:txBody>
+      </p:sp>
+      <p:sp>
+        <p:nvSpPr>
+          <p:cNvPr id="4" name="Espace réservé du numéro de diapositive 3"/>
+          <p:cNvSpPr>
+            <a:spLocks noGrp="1"/>
+          </p:cNvSpPr>
+          <p:nvPr>
+            <p:ph type="sldNum" sz="quarter" idx="10"/>
+          </p:nvPr>
+        </p:nvSpPr>
+        <p:spPr/>
+        <p:txBody>
+          <a:bodyPr/>
+          <a:lstStyle/>
+          <a:p>
+            <a:fld id="{58BEE673-8D3B-4BBD-97EB-7004EF7CF6EF}" type="slidenum">
+              <a:rPr lang="fr-FR" smtClean="0"/>
+              <a:t>32</a:t>
+            </a:fld>
+            <a:endParaRPr lang="fr-FR" dirty="0"/>
+          </a:p>
+        </p:txBody>
+      </p:sp>
+    </p:spTree>
+    <p:extLst>
+      <p:ext uri="{BB962C8B-B14F-4D97-AF65-F5344CB8AC3E}">
+        <p14:creationId xmlns:p14="http://schemas.microsoft.com/office/powerpoint/2010/main" val="3955533193"/>
+      </p:ext>
+    </p:extLst>
+  </p:cSld>
+  <p:clrMapOvr>
+    <a:masterClrMapping/>
+  </p:clrMapOvr>
+</p:notes>
+</file>
+
+<file path=ppt/notesSlides/notesSlide32.xml><?xml version="1.0" encoding="utf-8"?>
+<p:notes xmlns:a="http://schemas.openxmlformats.org/drawingml/2006/main" xmlns:r="http://schemas.openxmlformats.org/officeDocument/2006/relationships" xmlns:p="http://schemas.openxmlformats.org/presentationml/2006/main">
+  <p:cSld>
+    <p:spTree>
+      <p:nvGrpSpPr>
+        <p:cNvPr id="1" name=""/>
+        <p:cNvGrpSpPr/>
+        <p:nvPr/>
+      </p:nvGrpSpPr>
+      <p:grpSpPr>
+        <a:xfrm>
+          <a:off x="0" y="0"/>
+          <a:ext cx="0" cy="0"/>
+          <a:chOff x="0" y="0"/>
+          <a:chExt cx="0" cy="0"/>
+        </a:xfrm>
+      </p:grpSpPr>
+      <p:sp>
+        <p:nvSpPr>
+          <p:cNvPr id="2" name="Espace réservé de l'image des diapositives 1"/>
+          <p:cNvSpPr>
+            <a:spLocks noGrp="1" noRot="1" noChangeAspect="1"/>
+          </p:cNvSpPr>
+          <p:nvPr>
+            <p:ph type="sldImg"/>
+          </p:nvPr>
+        </p:nvSpPr>
+        <p:spPr/>
+      </p:sp>
+      <p:sp>
+        <p:nvSpPr>
+          <p:cNvPr id="3" name="Espace réservé des commentaires 2"/>
+          <p:cNvSpPr>
+            <a:spLocks noGrp="1"/>
+          </p:cNvSpPr>
+          <p:nvPr>
+            <p:ph type="body" idx="1"/>
+          </p:nvPr>
+        </p:nvSpPr>
+        <p:spPr/>
+        <p:txBody>
+          <a:bodyPr/>
+          <a:lstStyle/>
+          <a:p>
+            <a:endParaRPr lang="fr-FR" dirty="0"/>
+          </a:p>
+        </p:txBody>
+      </p:sp>
+      <p:sp>
+        <p:nvSpPr>
+          <p:cNvPr id="4" name="Espace réservé du numéro de diapositive 3"/>
+          <p:cNvSpPr>
+            <a:spLocks noGrp="1"/>
+          </p:cNvSpPr>
+          <p:nvPr>
+            <p:ph type="sldNum" sz="quarter" idx="10"/>
+          </p:nvPr>
+        </p:nvSpPr>
+        <p:spPr/>
+        <p:txBody>
+          <a:bodyPr/>
+          <a:lstStyle/>
+          <a:p>
+            <a:fld id="{58BEE673-8D3B-4BBD-97EB-7004EF7CF6EF}" type="slidenum">
+              <a:rPr lang="fr-FR" smtClean="0"/>
+              <a:t>33</a:t>
+            </a:fld>
+            <a:endParaRPr lang="fr-FR" dirty="0"/>
+          </a:p>
+        </p:txBody>
+      </p:sp>
+    </p:spTree>
+    <p:extLst>
+      <p:ext uri="{BB962C8B-B14F-4D97-AF65-F5344CB8AC3E}">
+        <p14:creationId xmlns:p14="http://schemas.microsoft.com/office/powerpoint/2010/main" val="1237955882"/>
+      </p:ext>
+    </p:extLst>
+  </p:cSld>
+  <p:clrMapOvr>
+    <a:masterClrMapping/>
+  </p:clrMapOvr>
+</p:notes>
+</file>
+
+<file path=ppt/notesSlides/notesSlide33.xml><?xml version="1.0" encoding="utf-8"?>
+<p:notes xmlns:a="http://schemas.openxmlformats.org/drawingml/2006/main" xmlns:r="http://schemas.openxmlformats.org/officeDocument/2006/relationships" xmlns:p="http://schemas.openxmlformats.org/presentationml/2006/main">
+  <p:cSld>
+    <p:spTree>
+      <p:nvGrpSpPr>
+        <p:cNvPr id="1" name=""/>
+        <p:cNvGrpSpPr/>
+        <p:nvPr/>
+      </p:nvGrpSpPr>
+      <p:grpSpPr>
+        <a:xfrm>
+          <a:off x="0" y="0"/>
+          <a:ext cx="0" cy="0"/>
+          <a:chOff x="0" y="0"/>
+          <a:chExt cx="0" cy="0"/>
+        </a:xfrm>
+      </p:grpSpPr>
+      <p:sp>
+        <p:nvSpPr>
+          <p:cNvPr id="2" name="Espace réservé de l'image des diapositives 1"/>
+          <p:cNvSpPr>
+            <a:spLocks noGrp="1" noRot="1" noChangeAspect="1"/>
+          </p:cNvSpPr>
+          <p:nvPr>
+            <p:ph type="sldImg"/>
+          </p:nvPr>
+        </p:nvSpPr>
+        <p:spPr/>
+      </p:sp>
+      <p:sp>
+        <p:nvSpPr>
+          <p:cNvPr id="3" name="Espace réservé des commentaires 2"/>
+          <p:cNvSpPr>
+            <a:spLocks noGrp="1"/>
+          </p:cNvSpPr>
+          <p:nvPr>
+            <p:ph type="body" idx="1"/>
+          </p:nvPr>
+        </p:nvSpPr>
+        <p:spPr/>
+        <p:txBody>
+          <a:bodyPr/>
+          <a:lstStyle/>
+          <a:p>
+            <a:endParaRPr lang="fr-FR" dirty="0"/>
+          </a:p>
+        </p:txBody>
+      </p:sp>
+      <p:sp>
+        <p:nvSpPr>
+          <p:cNvPr id="4" name="Espace réservé du numéro de diapositive 3"/>
+          <p:cNvSpPr>
+            <a:spLocks noGrp="1"/>
+          </p:cNvSpPr>
+          <p:nvPr>
+            <p:ph type="sldNum" sz="quarter" idx="10"/>
+          </p:nvPr>
+        </p:nvSpPr>
+        <p:spPr/>
+        <p:txBody>
+          <a:bodyPr/>
+          <a:lstStyle/>
+          <a:p>
+            <a:fld id="{58BEE673-8D3B-4BBD-97EB-7004EF7CF6EF}" type="slidenum">
+              <a:rPr lang="fr-FR" smtClean="0"/>
+              <a:t>34</a:t>
+            </a:fld>
+            <a:endParaRPr lang="fr-FR" dirty="0"/>
+          </a:p>
+        </p:txBody>
+      </p:sp>
+    </p:spTree>
+    <p:extLst>
+      <p:ext uri="{BB962C8B-B14F-4D97-AF65-F5344CB8AC3E}">
+        <p14:creationId xmlns:p14="http://schemas.microsoft.com/office/powerpoint/2010/main" val="1085183713"/>
+      </p:ext>
+    </p:extLst>
+  </p:cSld>
+  <p:clrMapOvr>
+    <a:masterClrMapping/>
+  </p:clrMapOvr>
+</p:notes>
+</file>
+
+<file path=ppt/notesSlides/notesSlide34.xml><?xml version="1.0" encoding="utf-8"?>
+<p:notes xmlns:a="http://schemas.openxmlformats.org/drawingml/2006/main" xmlns:r="http://schemas.openxmlformats.org/officeDocument/2006/relationships" xmlns:p="http://schemas.openxmlformats.org/presentationml/2006/main">
+  <p:cSld>
+    <p:spTree>
+      <p:nvGrpSpPr>
+        <p:cNvPr id="1" name=""/>
+        <p:cNvGrpSpPr/>
+        <p:nvPr/>
+      </p:nvGrpSpPr>
+      <p:grpSpPr>
+        <a:xfrm>
+          <a:off x="0" y="0"/>
+          <a:ext cx="0" cy="0"/>
+          <a:chOff x="0" y="0"/>
+          <a:chExt cx="0" cy="0"/>
+        </a:xfrm>
+      </p:grpSpPr>
+      <p:sp>
+        <p:nvSpPr>
+          <p:cNvPr id="2" name="Espace réservé de l'image des diapositives 1"/>
+          <p:cNvSpPr>
+            <a:spLocks noGrp="1" noRot="1" noChangeAspect="1"/>
+          </p:cNvSpPr>
+          <p:nvPr>
+            <p:ph type="sldImg"/>
+          </p:nvPr>
+        </p:nvSpPr>
+        <p:spPr/>
+      </p:sp>
+      <p:sp>
+        <p:nvSpPr>
+          <p:cNvPr id="3" name="Espace réservé des commentaires 2"/>
+          <p:cNvSpPr>
+            <a:spLocks noGrp="1"/>
+          </p:cNvSpPr>
+          <p:nvPr>
+            <p:ph type="body" idx="1"/>
+          </p:nvPr>
+        </p:nvSpPr>
+        <p:spPr/>
+        <p:txBody>
+          <a:bodyPr/>
+          <a:lstStyle/>
+          <a:p>
+            <a:endParaRPr lang="fr-FR" dirty="0"/>
+          </a:p>
+        </p:txBody>
+      </p:sp>
+      <p:sp>
+        <p:nvSpPr>
+          <p:cNvPr id="4" name="Espace réservé du numéro de diapositive 3"/>
+          <p:cNvSpPr>
+            <a:spLocks noGrp="1"/>
+          </p:cNvSpPr>
+          <p:nvPr>
+            <p:ph type="sldNum" sz="quarter" idx="10"/>
+          </p:nvPr>
+        </p:nvSpPr>
+        <p:spPr/>
+        <p:txBody>
+          <a:bodyPr/>
+          <a:lstStyle/>
+          <a:p>
+            <a:fld id="{58BEE673-8D3B-4BBD-97EB-7004EF7CF6EF}" type="slidenum">
+              <a:rPr lang="fr-FR" smtClean="0"/>
+              <a:t>35</a:t>
+            </a:fld>
+            <a:endParaRPr lang="fr-FR" dirty="0"/>
+          </a:p>
+        </p:txBody>
+      </p:sp>
+    </p:spTree>
+    <p:extLst>
+      <p:ext uri="{BB962C8B-B14F-4D97-AF65-F5344CB8AC3E}">
+        <p14:creationId xmlns:p14="http://schemas.microsoft.com/office/powerpoint/2010/main" val="1614301961"/>
+      </p:ext>
+    </p:extLst>
+  </p:cSld>
+  <p:clrMapOvr>
+    <a:masterClrMapping/>
+  </p:clrMapOvr>
+</p:notes>
+</file>
+
+<file path=ppt/notesSlides/notesSlide35.xml><?xml version="1.0" encoding="utf-8"?>
+<p:notes xmlns:a="http://schemas.openxmlformats.org/drawingml/2006/main" xmlns:r="http://schemas.openxmlformats.org/officeDocument/2006/relationships" xmlns:p="http://schemas.openxmlformats.org/presentationml/2006/main">
+  <p:cSld>
+    <p:spTree>
+      <p:nvGrpSpPr>
+        <p:cNvPr id="1" name=""/>
+        <p:cNvGrpSpPr/>
+        <p:nvPr/>
+      </p:nvGrpSpPr>
+      <p:grpSpPr>
+        <a:xfrm>
+          <a:off x="0" y="0"/>
+          <a:ext cx="0" cy="0"/>
+          <a:chOff x="0" y="0"/>
+          <a:chExt cx="0" cy="0"/>
+        </a:xfrm>
+      </p:grpSpPr>
+      <p:sp>
+        <p:nvSpPr>
+          <p:cNvPr id="2" name="Espace réservé de l'image des diapositives 1"/>
+          <p:cNvSpPr>
+            <a:spLocks noGrp="1" noRot="1" noChangeAspect="1"/>
+          </p:cNvSpPr>
+          <p:nvPr>
+            <p:ph type="sldImg"/>
+          </p:nvPr>
+        </p:nvSpPr>
+        <p:spPr/>
+      </p:sp>
+      <p:sp>
+        <p:nvSpPr>
+          <p:cNvPr id="3" name="Espace réservé des commentaires 2"/>
+          <p:cNvSpPr>
+            <a:spLocks noGrp="1"/>
+          </p:cNvSpPr>
+          <p:nvPr>
+            <p:ph type="body" idx="1"/>
+          </p:nvPr>
+        </p:nvSpPr>
+        <p:spPr/>
+        <p:txBody>
+          <a:bodyPr/>
+          <a:lstStyle/>
+          <a:p>
+            <a:endParaRPr lang="fr-FR" dirty="0"/>
+          </a:p>
+        </p:txBody>
+      </p:sp>
+      <p:sp>
+        <p:nvSpPr>
+          <p:cNvPr id="4" name="Espace réservé du numéro de diapositive 3"/>
+          <p:cNvSpPr>
+            <a:spLocks noGrp="1"/>
+          </p:cNvSpPr>
+          <p:nvPr>
+            <p:ph type="sldNum" sz="quarter" idx="10"/>
+          </p:nvPr>
+        </p:nvSpPr>
+        <p:spPr/>
+        <p:txBody>
+          <a:bodyPr/>
+          <a:lstStyle/>
+          <a:p>
+            <a:fld id="{58BEE673-8D3B-4BBD-97EB-7004EF7CF6EF}" type="slidenum">
+              <a:rPr lang="fr-FR" smtClean="0"/>
+              <a:t>36</a:t>
+            </a:fld>
+            <a:endParaRPr lang="fr-FR" dirty="0"/>
+          </a:p>
+        </p:txBody>
+      </p:sp>
+    </p:spTree>
+    <p:extLst>
+      <p:ext uri="{BB962C8B-B14F-4D97-AF65-F5344CB8AC3E}">
+        <p14:creationId xmlns:p14="http://schemas.microsoft.com/office/powerpoint/2010/main" val="2658316059"/>
+      </p:ext>
+    </p:extLst>
+  </p:cSld>
+  <p:clrMapOvr>
+    <a:masterClrMapping/>
+  </p:clrMapOvr>
+</p:notes>
+</file>
+
+<file path=ppt/notesSlides/notesSlide36.xml><?xml version="1.0" encoding="utf-8"?>
+<p:notes xmlns:a="http://schemas.openxmlformats.org/drawingml/2006/main" xmlns:r="http://schemas.openxmlformats.org/officeDocument/2006/relationships" xmlns:p="http://schemas.openxmlformats.org/presentationml/2006/main">
+  <p:cSld>
+    <p:spTree>
+      <p:nvGrpSpPr>
+        <p:cNvPr id="1" name=""/>
+        <p:cNvGrpSpPr/>
+        <p:nvPr/>
+      </p:nvGrpSpPr>
+      <p:grpSpPr>
+        <a:xfrm>
+          <a:off x="0" y="0"/>
+          <a:ext cx="0" cy="0"/>
+          <a:chOff x="0" y="0"/>
+          <a:chExt cx="0" cy="0"/>
+        </a:xfrm>
+      </p:grpSpPr>
+      <p:sp>
+        <p:nvSpPr>
+          <p:cNvPr id="2" name="Espace réservé de l'image des diapositives 1"/>
+          <p:cNvSpPr>
+            <a:spLocks noGrp="1" noRot="1" noChangeAspect="1"/>
+          </p:cNvSpPr>
+          <p:nvPr>
+            <p:ph type="sldImg"/>
+          </p:nvPr>
+        </p:nvSpPr>
+        <p:spPr/>
+      </p:sp>
+      <p:sp>
+        <p:nvSpPr>
+          <p:cNvPr id="3" name="Espace réservé des commentaires 2"/>
+          <p:cNvSpPr>
+            <a:spLocks noGrp="1"/>
+          </p:cNvSpPr>
+          <p:nvPr>
+            <p:ph type="body" idx="1"/>
+          </p:nvPr>
+        </p:nvSpPr>
+        <p:spPr/>
+        <p:txBody>
+          <a:bodyPr/>
+          <a:lstStyle/>
+          <a:p>
+            <a:endParaRPr lang="fr-FR" dirty="0"/>
+          </a:p>
+        </p:txBody>
+      </p:sp>
+      <p:sp>
+        <p:nvSpPr>
+          <p:cNvPr id="4" name="Espace réservé du numéro de diapositive 3"/>
+          <p:cNvSpPr>
+            <a:spLocks noGrp="1"/>
+          </p:cNvSpPr>
+          <p:nvPr>
+            <p:ph type="sldNum" sz="quarter" idx="10"/>
+          </p:nvPr>
+        </p:nvSpPr>
+        <p:spPr/>
+        <p:txBody>
+          <a:bodyPr/>
+          <a:lstStyle/>
+          <a:p>
+            <a:fld id="{58BEE673-8D3B-4BBD-97EB-7004EF7CF6EF}" type="slidenum">
+              <a:rPr lang="fr-FR" smtClean="0"/>
+              <a:t>37</a:t>
+            </a:fld>
+            <a:endParaRPr lang="fr-FR" dirty="0"/>
+          </a:p>
+        </p:txBody>
+      </p:sp>
+    </p:spTree>
+    <p:extLst>
+      <p:ext uri="{BB962C8B-B14F-4D97-AF65-F5344CB8AC3E}">
+        <p14:creationId xmlns:p14="http://schemas.microsoft.com/office/powerpoint/2010/main" val="4193568561"/>
+      </p:ext>
+    </p:extLst>
+  </p:cSld>
+  <p:clrMapOvr>
+    <a:masterClrMapping/>
+  </p:clrMapOvr>
+</p:notes>
+</file>
+
+<file path=ppt/notesSlides/notesSlide37.xml><?xml version="1.0" encoding="utf-8"?>
+<p:notes xmlns:a="http://schemas.openxmlformats.org/drawingml/2006/main" xmlns:r="http://schemas.openxmlformats.org/officeDocument/2006/relationships" xmlns:p="http://schemas.openxmlformats.org/presentationml/2006/main">
+  <p:cSld>
+    <p:spTree>
+      <p:nvGrpSpPr>
+        <p:cNvPr id="1" name=""/>
+        <p:cNvGrpSpPr/>
+        <p:nvPr/>
+      </p:nvGrpSpPr>
+      <p:grpSpPr>
+        <a:xfrm>
+          <a:off x="0" y="0"/>
+          <a:ext cx="0" cy="0"/>
+          <a:chOff x="0" y="0"/>
+          <a:chExt cx="0" cy="0"/>
+        </a:xfrm>
+      </p:grpSpPr>
+      <p:sp>
+        <p:nvSpPr>
+          <p:cNvPr id="2" name="Espace réservé de l'image des diapositives 1"/>
+          <p:cNvSpPr>
+            <a:spLocks noGrp="1" noRot="1" noChangeAspect="1"/>
+          </p:cNvSpPr>
+          <p:nvPr>
+            <p:ph type="sldImg"/>
+          </p:nvPr>
+        </p:nvSpPr>
+        <p:spPr/>
+      </p:sp>
+      <p:sp>
+        <p:nvSpPr>
+          <p:cNvPr id="3" name="Espace réservé des commentaires 2"/>
+          <p:cNvSpPr>
+            <a:spLocks noGrp="1"/>
+          </p:cNvSpPr>
+          <p:nvPr>
+            <p:ph type="body" idx="1"/>
+          </p:nvPr>
+        </p:nvSpPr>
+        <p:spPr/>
+        <p:txBody>
+          <a:bodyPr/>
+          <a:lstStyle/>
+          <a:p>
+            <a:endParaRPr lang="fr-FR" dirty="0"/>
+          </a:p>
+        </p:txBody>
+      </p:sp>
+      <p:sp>
+        <p:nvSpPr>
+          <p:cNvPr id="4" name="Espace réservé du numéro de diapositive 3"/>
+          <p:cNvSpPr>
+            <a:spLocks noGrp="1"/>
+          </p:cNvSpPr>
+          <p:nvPr>
+            <p:ph type="sldNum" sz="quarter" idx="10"/>
+          </p:nvPr>
+        </p:nvSpPr>
+        <p:spPr/>
+        <p:txBody>
+          <a:bodyPr/>
+          <a:lstStyle/>
+          <a:p>
+            <a:fld id="{58BEE673-8D3B-4BBD-97EB-7004EF7CF6EF}" type="slidenum">
+              <a:rPr lang="fr-FR" smtClean="0"/>
+              <a:t>38</a:t>
+            </a:fld>
+            <a:endParaRPr lang="fr-FR" dirty="0"/>
+          </a:p>
+        </p:txBody>
+      </p:sp>
+    </p:spTree>
+    <p:extLst>
+      <p:ext uri="{BB962C8B-B14F-4D97-AF65-F5344CB8AC3E}">
+        <p14:creationId xmlns:p14="http://schemas.microsoft.com/office/powerpoint/2010/main" val="893725419"/>
+      </p:ext>
+    </p:extLst>
+  </p:cSld>
+  <p:clrMapOvr>
+    <a:masterClrMapping/>
+  </p:clrMapOvr>
+</p:notes>
+</file>
+
+<file path=ppt/notesSlides/notesSlide38.xml><?xml version="1.0" encoding="utf-8"?>
+<p:notes xmlns:a="http://schemas.openxmlformats.org/drawingml/2006/main" xmlns:r="http://schemas.openxmlformats.org/officeDocument/2006/relationships" xmlns:p="http://schemas.openxmlformats.org/presentationml/2006/main">
+  <p:cSld>
+    <p:spTree>
+      <p:nvGrpSpPr>
+        <p:cNvPr id="1" name=""/>
+        <p:cNvGrpSpPr/>
+        <p:nvPr/>
+      </p:nvGrpSpPr>
+      <p:grpSpPr>
+        <a:xfrm>
+          <a:off x="0" y="0"/>
+          <a:ext cx="0" cy="0"/>
+          <a:chOff x="0" y="0"/>
+          <a:chExt cx="0" cy="0"/>
+        </a:xfrm>
+      </p:grpSpPr>
+      <p:sp>
+        <p:nvSpPr>
+          <p:cNvPr id="2" name="Espace réservé de l'image des diapositives 1"/>
+          <p:cNvSpPr>
+            <a:spLocks noGrp="1" noRot="1" noChangeAspect="1"/>
+          </p:cNvSpPr>
+          <p:nvPr>
+            <p:ph type="sldImg"/>
+          </p:nvPr>
+        </p:nvSpPr>
+        <p:spPr/>
+      </p:sp>
+      <p:sp>
+        <p:nvSpPr>
+          <p:cNvPr id="3" name="Espace réservé des commentaires 2"/>
+          <p:cNvSpPr>
+            <a:spLocks noGrp="1"/>
+          </p:cNvSpPr>
+          <p:nvPr>
+            <p:ph type="body" idx="1"/>
+          </p:nvPr>
+        </p:nvSpPr>
+        <p:spPr/>
+        <p:txBody>
+          <a:bodyPr/>
+          <a:lstStyle/>
+          <a:p>
+            <a:endParaRPr lang="fr-FR" dirty="0"/>
+          </a:p>
+        </p:txBody>
+      </p:sp>
+      <p:sp>
+        <p:nvSpPr>
+          <p:cNvPr id="4" name="Espace réservé du numéro de diapositive 3"/>
+          <p:cNvSpPr>
+            <a:spLocks noGrp="1"/>
+          </p:cNvSpPr>
+          <p:nvPr>
+            <p:ph type="sldNum" sz="quarter" idx="10"/>
+          </p:nvPr>
+        </p:nvSpPr>
+        <p:spPr/>
+        <p:txBody>
+          <a:bodyPr/>
+          <a:lstStyle/>
+          <a:p>
+            <a:fld id="{58BEE673-8D3B-4BBD-97EB-7004EF7CF6EF}" type="slidenum">
+              <a:rPr lang="fr-FR" smtClean="0"/>
+              <a:t>39</a:t>
+            </a:fld>
+            <a:endParaRPr lang="fr-FR" dirty="0"/>
+          </a:p>
+        </p:txBody>
+      </p:sp>
+    </p:spTree>
+    <p:extLst>
+      <p:ext uri="{BB962C8B-B14F-4D97-AF65-F5344CB8AC3E}">
+        <p14:creationId xmlns:p14="http://schemas.microsoft.com/office/powerpoint/2010/main" val="1134546017"/>
+      </p:ext>
+    </p:extLst>
+  </p:cSld>
+  <p:clrMapOvr>
+    <a:masterClrMapping/>
+  </p:clrMapOvr>
+</p:notes>
+</file>
+
+<file path=ppt/notesSlides/notesSlide39.xml><?xml version="1.0" encoding="utf-8"?>
+<p:notes xmlns:a="http://schemas.openxmlformats.org/drawingml/2006/main" xmlns:r="http://schemas.openxmlformats.org/officeDocument/2006/relationships" xmlns:p="http://schemas.openxmlformats.org/presentationml/2006/main">
+  <p:cSld>
+    <p:spTree>
+      <p:nvGrpSpPr>
+        <p:cNvPr id="1" name=""/>
+        <p:cNvGrpSpPr/>
+        <p:nvPr/>
+      </p:nvGrpSpPr>
+      <p:grpSpPr>
+        <a:xfrm>
+          <a:off x="0" y="0"/>
+          <a:ext cx="0" cy="0"/>
+          <a:chOff x="0" y="0"/>
+          <a:chExt cx="0" cy="0"/>
+        </a:xfrm>
+      </p:grpSpPr>
+      <p:sp>
+        <p:nvSpPr>
+          <p:cNvPr id="2" name="Espace réservé de l'image des diapositives 1"/>
+          <p:cNvSpPr>
+            <a:spLocks noGrp="1" noRot="1" noChangeAspect="1"/>
+          </p:cNvSpPr>
+          <p:nvPr>
+            <p:ph type="sldImg"/>
+          </p:nvPr>
+        </p:nvSpPr>
+        <p:spPr/>
+      </p:sp>
+      <p:sp>
+        <p:nvSpPr>
+          <p:cNvPr id="3" name="Espace réservé des commentaires 2"/>
+          <p:cNvSpPr>
+            <a:spLocks noGrp="1"/>
+          </p:cNvSpPr>
+          <p:nvPr>
+            <p:ph type="body" idx="1"/>
+          </p:nvPr>
+        </p:nvSpPr>
+        <p:spPr/>
+        <p:txBody>
+          <a:bodyPr/>
+          <a:lstStyle/>
+          <a:p>
+            <a:endParaRPr lang="fr-FR" dirty="0"/>
+          </a:p>
+        </p:txBody>
+      </p:sp>
+      <p:sp>
+        <p:nvSpPr>
+          <p:cNvPr id="4" name="Espace réservé du numéro de diapositive 3"/>
+          <p:cNvSpPr>
+            <a:spLocks noGrp="1"/>
+          </p:cNvSpPr>
+          <p:nvPr>
+            <p:ph type="sldNum" sz="quarter" idx="10"/>
+          </p:nvPr>
+        </p:nvSpPr>
+        <p:spPr/>
+        <p:txBody>
+          <a:bodyPr/>
+          <a:lstStyle/>
+          <a:p>
+            <a:fld id="{58BEE673-8D3B-4BBD-97EB-7004EF7CF6EF}" type="slidenum">
+              <a:rPr lang="fr-FR" smtClean="0"/>
+              <a:t>40</a:t>
+            </a:fld>
+            <a:endParaRPr lang="fr-FR" dirty="0"/>
+          </a:p>
+        </p:txBody>
+      </p:sp>
+    </p:spTree>
+    <p:extLst>
+      <p:ext uri="{BB962C8B-B14F-4D97-AF65-F5344CB8AC3E}">
+        <p14:creationId xmlns:p14="http://schemas.microsoft.com/office/powerpoint/2010/main" val="831955769"/>
       </p:ext>
     </p:extLst>
   </p:cSld>
@@ -6257,6 +7192,40 @@
           </a:p>
         </p:txBody>
       </p:sp>
+      <p:pic>
+        <p:nvPicPr>
+          <p:cNvPr id="11" name="Image 10"/>
+          <p:cNvPicPr>
+            <a:picLocks noChangeAspect="1"/>
+          </p:cNvPicPr>
+          <p:nvPr userDrawn="1"/>
+        </p:nvPicPr>
+        <p:blipFill>
+          <a:blip r:embed="rId2"/>
+          <a:stretch>
+            <a:fillRect/>
+          </a:stretch>
+        </p:blipFill>
+        <p:spPr>
+          <a:xfrm>
+            <a:off x="282927" y="164808"/>
+            <a:ext cx="707010" cy="238806"/>
+          </a:xfrm>
+          <a:prstGeom prst="rect">
+            <a:avLst/>
+          </a:prstGeom>
+          <a:ln>
+            <a:noFill/>
+          </a:ln>
+          <a:effectLst>
+            <a:outerShdw blurRad="292100" dist="139700" dir="2700000" algn="tl" rotWithShape="0">
+              <a:srgbClr val="333333">
+                <a:alpha val="65000"/>
+              </a:srgbClr>
+            </a:outerShdw>
+          </a:effectLst>
+        </p:spPr>
+      </p:pic>
     </p:spTree>
     <p:extLst>
       <p:ext uri="{BB962C8B-B14F-4D97-AF65-F5344CB8AC3E}">
@@ -11014,7 +11983,7 @@
         </p:blipFill>
         <p:spPr>
           <a:xfrm>
-            <a:off x="9128098" y="5538260"/>
+            <a:off x="9199659" y="5633675"/>
             <a:ext cx="2573364" cy="869206"/>
           </a:xfrm>
           <a:prstGeom prst="rect">
@@ -15559,7 +16528,7 @@
         </p:blipFill>
         <p:spPr>
           <a:xfrm>
-            <a:off x="7472362" y="1600952"/>
+            <a:off x="7400801" y="2101884"/>
             <a:ext cx="4257675" cy="1362075"/>
           </a:xfrm>
           <a:prstGeom prst="rect">
@@ -15593,7 +16562,7 @@
         </p:blipFill>
         <p:spPr>
           <a:xfrm>
-            <a:off x="7485354" y="3056999"/>
+            <a:off x="7413793" y="3557931"/>
             <a:ext cx="4067175" cy="1590675"/>
           </a:xfrm>
           <a:prstGeom prst="rect">
@@ -15799,11 +16768,6 @@
               </a:rPr>
               <a:t>assure que s[:i] + s[i:] est toujours égal à s</a:t>
             </a:r>
-            <a:endParaRPr lang="fr-FR" dirty="0">
-              <a:solidFill>
-                <a:schemeClr val="tx1"/>
-              </a:solidFill>
-            </a:endParaRPr>
           </a:p>
         </p:txBody>
       </p:sp>
@@ -16096,11 +17060,6 @@
               </a:rPr>
               <a:t>] est 2</a:t>
             </a:r>
-            <a:endParaRPr lang="fr-FR" dirty="0">
-              <a:solidFill>
-                <a:schemeClr val="tx1"/>
-              </a:solidFill>
-            </a:endParaRPr>
           </a:p>
         </p:txBody>
       </p:sp>
@@ -16333,11 +17292,6 @@
               </a:rPr>
               <a:t>une nouvelle valeur à un indice dans une chaîne produit une erreur</a:t>
             </a:r>
-            <a:endParaRPr lang="fr-FR" dirty="0">
-              <a:solidFill>
-                <a:schemeClr val="tx1"/>
-              </a:solidFill>
-            </a:endParaRPr>
           </a:p>
         </p:txBody>
       </p:sp>
@@ -16556,11 +17510,6 @@
               </a:rPr>
               <a:t> renvoie la longueur d’une chaîne</a:t>
             </a:r>
-            <a:endParaRPr lang="fr-FR" dirty="0">
-              <a:solidFill>
-                <a:schemeClr val="tx1"/>
-              </a:solidFill>
-            </a:endParaRPr>
           </a:p>
         </p:txBody>
       </p:sp>
@@ -16752,6 +17701,2304 @@
 </p:sld>
 </file>
 
+<file path=ppt/slides/slide30.xml><?xml version="1.0" encoding="utf-8"?>
+<p:sld xmlns:a="http://schemas.openxmlformats.org/drawingml/2006/main" xmlns:r="http://schemas.openxmlformats.org/officeDocument/2006/relationships" xmlns:p="http://schemas.openxmlformats.org/presentationml/2006/main">
+  <p:cSld>
+    <p:spTree>
+      <p:nvGrpSpPr>
+        <p:cNvPr id="1" name=""/>
+        <p:cNvGrpSpPr/>
+        <p:nvPr/>
+      </p:nvGrpSpPr>
+      <p:grpSpPr>
+        <a:xfrm>
+          <a:off x="0" y="0"/>
+          <a:ext cx="0" cy="0"/>
+          <a:chOff x="0" y="0"/>
+          <a:chExt cx="0" cy="0"/>
+        </a:xfrm>
+      </p:grpSpPr>
+      <p:sp>
+        <p:nvSpPr>
+          <p:cNvPr id="2" name="Titre 1"/>
+          <p:cNvSpPr>
+            <a:spLocks noGrp="1"/>
+          </p:cNvSpPr>
+          <p:nvPr>
+            <p:ph type="title"/>
+          </p:nvPr>
+        </p:nvSpPr>
+        <p:spPr>
+          <a:xfrm>
+            <a:off x="2592925" y="624110"/>
+            <a:ext cx="8911687" cy="1280890"/>
+          </a:xfrm>
+        </p:spPr>
+        <p:txBody>
+          <a:bodyPr/>
+          <a:lstStyle/>
+          <a:p>
+            <a:r>
+              <a:rPr lang="fr-FR" dirty="0" smtClean="0"/>
+              <a:t>Les </a:t>
+            </a:r>
+            <a:r>
+              <a:rPr lang="fr-FR" dirty="0" smtClean="0"/>
+              <a:t>listes</a:t>
+            </a:r>
+            <a:endParaRPr lang="fr-FR" dirty="0"/>
+          </a:p>
+        </p:txBody>
+      </p:sp>
+      <p:sp>
+        <p:nvSpPr>
+          <p:cNvPr id="3" name="Espace réservé du contenu 2"/>
+          <p:cNvSpPr>
+            <a:spLocks noGrp="1"/>
+          </p:cNvSpPr>
+          <p:nvPr>
+            <p:ph idx="1"/>
+          </p:nvPr>
+        </p:nvSpPr>
+        <p:spPr>
+          <a:xfrm>
+            <a:off x="763325" y="1542413"/>
+            <a:ext cx="11065980" cy="2965977"/>
+          </a:xfrm>
+        </p:spPr>
+        <p:txBody>
+          <a:bodyPr anchor="ctr" anchorCtr="0">
+            <a:normAutofit/>
+          </a:bodyPr>
+          <a:lstStyle/>
+          <a:p>
+            <a:pPr algn="just"/>
+            <a:r>
+              <a:rPr lang="fr-FR" dirty="0">
+                <a:solidFill>
+                  <a:schemeClr val="tx1"/>
+                </a:solidFill>
+              </a:rPr>
+              <a:t>Python connaît différents types de données combinés, utilisés pour regrouper plusieurs </a:t>
+            </a:r>
+            <a:r>
+              <a:rPr lang="fr-FR" dirty="0" smtClean="0">
+                <a:solidFill>
+                  <a:schemeClr val="tx1"/>
+                </a:solidFill>
+              </a:rPr>
+              <a:t>valeurs</a:t>
+            </a:r>
+          </a:p>
+          <a:p>
+            <a:pPr algn="just"/>
+            <a:r>
+              <a:rPr lang="fr-FR" dirty="0" smtClean="0">
+                <a:solidFill>
+                  <a:schemeClr val="tx1"/>
+                </a:solidFill>
+              </a:rPr>
+              <a:t>La </a:t>
+            </a:r>
+            <a:r>
+              <a:rPr lang="fr-FR" dirty="0">
+                <a:solidFill>
+                  <a:schemeClr val="tx1"/>
+                </a:solidFill>
+              </a:rPr>
+              <a:t>plus souple est la liste, qui peut être écrite comme une suite de valeurs (éléments) séparés par des virgules placée entre </a:t>
+            </a:r>
+            <a:r>
+              <a:rPr lang="fr-FR" dirty="0" smtClean="0">
+                <a:solidFill>
+                  <a:schemeClr val="tx1"/>
+                </a:solidFill>
+              </a:rPr>
+              <a:t>crochets</a:t>
+            </a:r>
+          </a:p>
+          <a:p>
+            <a:pPr algn="just"/>
+            <a:r>
+              <a:rPr lang="fr-FR" dirty="0" smtClean="0">
+                <a:solidFill>
+                  <a:schemeClr val="tx1"/>
+                </a:solidFill>
+              </a:rPr>
+              <a:t>Les </a:t>
+            </a:r>
+            <a:r>
+              <a:rPr lang="fr-FR" dirty="0">
+                <a:solidFill>
+                  <a:schemeClr val="tx1"/>
+                </a:solidFill>
+              </a:rPr>
+              <a:t>éléments d’une liste ne sont pas obligatoirement tous du même type, bien qu’à l’usage ce soit souvent le </a:t>
+            </a:r>
+            <a:r>
+              <a:rPr lang="fr-FR" dirty="0" smtClean="0">
+                <a:solidFill>
+                  <a:schemeClr val="tx1"/>
+                </a:solidFill>
+              </a:rPr>
+              <a:t>cas</a:t>
+            </a:r>
+          </a:p>
+          <a:p>
+            <a:pPr algn="just"/>
+            <a:r>
+              <a:rPr lang="fr-FR" dirty="0">
+                <a:solidFill>
+                  <a:schemeClr val="tx1"/>
+                </a:solidFill>
+              </a:rPr>
+              <a:t>Comme les chaînes de caractères (et toute autre types de </a:t>
+            </a:r>
+            <a:r>
+              <a:rPr lang="fr-FR" dirty="0" smtClean="0">
+                <a:solidFill>
+                  <a:schemeClr val="tx1"/>
+                </a:solidFill>
+              </a:rPr>
+              <a:t>séquence), </a:t>
+            </a:r>
+            <a:r>
+              <a:rPr lang="fr-FR" dirty="0">
+                <a:solidFill>
+                  <a:schemeClr val="tx1"/>
+                </a:solidFill>
+              </a:rPr>
+              <a:t>les listes peuvent être indicées et découpées</a:t>
+            </a:r>
+            <a:endParaRPr lang="fr-FR" dirty="0">
+              <a:solidFill>
+                <a:schemeClr val="tx1"/>
+              </a:solidFill>
+            </a:endParaRPr>
+          </a:p>
+        </p:txBody>
+      </p:sp>
+      <p:pic>
+        <p:nvPicPr>
+          <p:cNvPr id="5" name="Image 4"/>
+          <p:cNvPicPr>
+            <a:picLocks noChangeAspect="1"/>
+          </p:cNvPicPr>
+          <p:nvPr/>
+        </p:nvPicPr>
+        <p:blipFill>
+          <a:blip r:embed="rId3"/>
+          <a:stretch>
+            <a:fillRect/>
+          </a:stretch>
+        </p:blipFill>
+        <p:spPr>
+          <a:xfrm>
+            <a:off x="1425188" y="5244299"/>
+            <a:ext cx="3409950" cy="933450"/>
+          </a:xfrm>
+          <a:prstGeom prst="rect">
+            <a:avLst/>
+          </a:prstGeom>
+          <a:ln>
+            <a:noFill/>
+          </a:ln>
+          <a:effectLst>
+            <a:outerShdw blurRad="292100" dist="139700" dir="2700000" algn="tl" rotWithShape="0">
+              <a:srgbClr val="333333">
+                <a:alpha val="65000"/>
+              </a:srgbClr>
+            </a:outerShdw>
+          </a:effectLst>
+        </p:spPr>
+      </p:pic>
+      <p:pic>
+        <p:nvPicPr>
+          <p:cNvPr id="6" name="Image 5"/>
+          <p:cNvPicPr>
+            <a:picLocks noChangeAspect="1"/>
+          </p:cNvPicPr>
+          <p:nvPr/>
+        </p:nvPicPr>
+        <p:blipFill>
+          <a:blip r:embed="rId4"/>
+          <a:stretch>
+            <a:fillRect/>
+          </a:stretch>
+        </p:blipFill>
+        <p:spPr>
+          <a:xfrm>
+            <a:off x="5371190" y="4615649"/>
+            <a:ext cx="5886450" cy="1562100"/>
+          </a:xfrm>
+          <a:prstGeom prst="rect">
+            <a:avLst/>
+          </a:prstGeom>
+          <a:ln>
+            <a:noFill/>
+          </a:ln>
+          <a:effectLst>
+            <a:outerShdw blurRad="292100" dist="139700" dir="2700000" algn="tl" rotWithShape="0">
+              <a:srgbClr val="333333">
+                <a:alpha val="65000"/>
+              </a:srgbClr>
+            </a:outerShdw>
+          </a:effectLst>
+        </p:spPr>
+      </p:pic>
+    </p:spTree>
+    <p:extLst>
+      <p:ext uri="{BB962C8B-B14F-4D97-AF65-F5344CB8AC3E}">
+        <p14:creationId xmlns:p14="http://schemas.microsoft.com/office/powerpoint/2010/main" val="3029823140"/>
+      </p:ext>
+    </p:extLst>
+  </p:cSld>
+  <p:clrMapOvr>
+    <a:masterClrMapping/>
+  </p:clrMapOvr>
+  <p:timing>
+    <p:tnLst>
+      <p:par>
+        <p:cTn id="1" dur="indefinite" restart="never" nodeType="tmRoot"/>
+      </p:par>
+    </p:tnLst>
+  </p:timing>
+</p:sld>
+</file>
+
+<file path=ppt/slides/slide31.xml><?xml version="1.0" encoding="utf-8"?>
+<p:sld xmlns:a="http://schemas.openxmlformats.org/drawingml/2006/main" xmlns:r="http://schemas.openxmlformats.org/officeDocument/2006/relationships" xmlns:p="http://schemas.openxmlformats.org/presentationml/2006/main">
+  <p:cSld>
+    <p:spTree>
+      <p:nvGrpSpPr>
+        <p:cNvPr id="1" name=""/>
+        <p:cNvGrpSpPr/>
+        <p:nvPr/>
+      </p:nvGrpSpPr>
+      <p:grpSpPr>
+        <a:xfrm>
+          <a:off x="0" y="0"/>
+          <a:ext cx="0" cy="0"/>
+          <a:chOff x="0" y="0"/>
+          <a:chExt cx="0" cy="0"/>
+        </a:xfrm>
+      </p:grpSpPr>
+      <p:sp>
+        <p:nvSpPr>
+          <p:cNvPr id="2" name="Titre 1"/>
+          <p:cNvSpPr>
+            <a:spLocks noGrp="1"/>
+          </p:cNvSpPr>
+          <p:nvPr>
+            <p:ph type="title"/>
+          </p:nvPr>
+        </p:nvSpPr>
+        <p:spPr>
+          <a:xfrm>
+            <a:off x="2592925" y="624110"/>
+            <a:ext cx="8911687" cy="1280890"/>
+          </a:xfrm>
+        </p:spPr>
+        <p:txBody>
+          <a:bodyPr/>
+          <a:lstStyle/>
+          <a:p>
+            <a:r>
+              <a:rPr lang="fr-FR" dirty="0" smtClean="0"/>
+              <a:t>Les </a:t>
+            </a:r>
+            <a:r>
+              <a:rPr lang="fr-FR" dirty="0" smtClean="0"/>
+              <a:t>listes</a:t>
+            </a:r>
+            <a:endParaRPr lang="fr-FR" dirty="0"/>
+          </a:p>
+        </p:txBody>
+      </p:sp>
+      <p:sp>
+        <p:nvSpPr>
+          <p:cNvPr id="3" name="Espace réservé du contenu 2"/>
+          <p:cNvSpPr>
+            <a:spLocks noGrp="1"/>
+          </p:cNvSpPr>
+          <p:nvPr>
+            <p:ph idx="1"/>
+          </p:nvPr>
+        </p:nvSpPr>
+        <p:spPr>
+          <a:xfrm>
+            <a:off x="763325" y="1542413"/>
+            <a:ext cx="11065980" cy="2965977"/>
+          </a:xfrm>
+        </p:spPr>
+        <p:txBody>
+          <a:bodyPr anchor="ctr" anchorCtr="0">
+            <a:normAutofit/>
+          </a:bodyPr>
+          <a:lstStyle/>
+          <a:p>
+            <a:pPr algn="just"/>
+            <a:r>
+              <a:rPr lang="fr-FR" dirty="0">
+                <a:solidFill>
+                  <a:schemeClr val="tx1"/>
+                </a:solidFill>
+              </a:rPr>
+              <a:t>Toutes les opérations par </a:t>
+            </a:r>
+            <a:r>
+              <a:rPr lang="fr-FR" dirty="0" smtClean="0">
+                <a:solidFill>
+                  <a:schemeClr val="tx1"/>
+                </a:solidFill>
+              </a:rPr>
+              <a:t>tranches (slicing) </a:t>
+            </a:r>
+            <a:r>
+              <a:rPr lang="fr-FR" dirty="0">
+                <a:solidFill>
+                  <a:schemeClr val="tx1"/>
+                </a:solidFill>
+              </a:rPr>
+              <a:t>renvoient une nouvelle liste contenant les éléments </a:t>
+            </a:r>
+            <a:r>
+              <a:rPr lang="fr-FR" dirty="0" smtClean="0">
+                <a:solidFill>
+                  <a:schemeClr val="tx1"/>
+                </a:solidFill>
+              </a:rPr>
+              <a:t>demandés</a:t>
+            </a:r>
+          </a:p>
+          <a:p>
+            <a:pPr algn="just"/>
+            <a:r>
+              <a:rPr lang="fr-FR" dirty="0" smtClean="0">
+                <a:solidFill>
+                  <a:schemeClr val="tx1"/>
+                </a:solidFill>
+              </a:rPr>
+              <a:t>Cela signifie </a:t>
+            </a:r>
+            <a:r>
+              <a:rPr lang="fr-FR" dirty="0">
+                <a:solidFill>
+                  <a:schemeClr val="tx1"/>
+                </a:solidFill>
+              </a:rPr>
+              <a:t>que l’opération suivante renvoie une copie superficielle de la </a:t>
+            </a:r>
+            <a:r>
+              <a:rPr lang="fr-FR" dirty="0" smtClean="0">
+                <a:solidFill>
+                  <a:schemeClr val="tx1"/>
+                </a:solidFill>
+              </a:rPr>
+              <a:t>liste (shallow copy)</a:t>
+            </a:r>
+          </a:p>
+          <a:p>
+            <a:pPr algn="just"/>
+            <a:r>
+              <a:rPr lang="fr-FR" dirty="0"/>
+              <a:t>Les listes gèrent aussi les opérations comme les concaténations</a:t>
+            </a:r>
+            <a:endParaRPr lang="fr-FR" dirty="0">
+              <a:solidFill>
+                <a:schemeClr val="tx1"/>
+              </a:solidFill>
+            </a:endParaRPr>
+          </a:p>
+        </p:txBody>
+      </p:sp>
+      <p:pic>
+        <p:nvPicPr>
+          <p:cNvPr id="4" name="Image 3"/>
+          <p:cNvPicPr>
+            <a:picLocks noChangeAspect="1"/>
+          </p:cNvPicPr>
+          <p:nvPr/>
+        </p:nvPicPr>
+        <p:blipFill>
+          <a:blip r:embed="rId3"/>
+          <a:stretch>
+            <a:fillRect/>
+          </a:stretch>
+        </p:blipFill>
+        <p:spPr>
+          <a:xfrm>
+            <a:off x="4146398" y="4208021"/>
+            <a:ext cx="3724275" cy="1590675"/>
+          </a:xfrm>
+          <a:prstGeom prst="rect">
+            <a:avLst/>
+          </a:prstGeom>
+          <a:ln>
+            <a:noFill/>
+          </a:ln>
+          <a:effectLst>
+            <a:outerShdw blurRad="292100" dist="139700" dir="2700000" algn="tl" rotWithShape="0">
+              <a:srgbClr val="333333">
+                <a:alpha val="65000"/>
+              </a:srgbClr>
+            </a:outerShdw>
+          </a:effectLst>
+        </p:spPr>
+      </p:pic>
+    </p:spTree>
+    <p:extLst>
+      <p:ext uri="{BB962C8B-B14F-4D97-AF65-F5344CB8AC3E}">
+        <p14:creationId xmlns:p14="http://schemas.microsoft.com/office/powerpoint/2010/main" val="1274346822"/>
+      </p:ext>
+    </p:extLst>
+  </p:cSld>
+  <p:clrMapOvr>
+    <a:masterClrMapping/>
+  </p:clrMapOvr>
+  <p:timing>
+    <p:tnLst>
+      <p:par>
+        <p:cTn id="1" dur="indefinite" restart="never" nodeType="tmRoot"/>
+      </p:par>
+    </p:tnLst>
+  </p:timing>
+</p:sld>
+</file>
+
+<file path=ppt/slides/slide32.xml><?xml version="1.0" encoding="utf-8"?>
+<p:sld xmlns:a="http://schemas.openxmlformats.org/drawingml/2006/main" xmlns:r="http://schemas.openxmlformats.org/officeDocument/2006/relationships" xmlns:p="http://schemas.openxmlformats.org/presentationml/2006/main">
+  <p:cSld>
+    <p:spTree>
+      <p:nvGrpSpPr>
+        <p:cNvPr id="1" name=""/>
+        <p:cNvGrpSpPr/>
+        <p:nvPr/>
+      </p:nvGrpSpPr>
+      <p:grpSpPr>
+        <a:xfrm>
+          <a:off x="0" y="0"/>
+          <a:ext cx="0" cy="0"/>
+          <a:chOff x="0" y="0"/>
+          <a:chExt cx="0" cy="0"/>
+        </a:xfrm>
+      </p:grpSpPr>
+      <p:sp>
+        <p:nvSpPr>
+          <p:cNvPr id="2" name="Titre 1"/>
+          <p:cNvSpPr>
+            <a:spLocks noGrp="1"/>
+          </p:cNvSpPr>
+          <p:nvPr>
+            <p:ph type="title"/>
+          </p:nvPr>
+        </p:nvSpPr>
+        <p:spPr>
+          <a:xfrm>
+            <a:off x="2592925" y="624110"/>
+            <a:ext cx="8911687" cy="1280890"/>
+          </a:xfrm>
+        </p:spPr>
+        <p:txBody>
+          <a:bodyPr/>
+          <a:lstStyle/>
+          <a:p>
+            <a:r>
+              <a:rPr lang="fr-FR" dirty="0" smtClean="0"/>
+              <a:t>Les </a:t>
+            </a:r>
+            <a:r>
+              <a:rPr lang="fr-FR" dirty="0" smtClean="0"/>
+              <a:t>listes</a:t>
+            </a:r>
+            <a:endParaRPr lang="fr-FR" dirty="0"/>
+          </a:p>
+        </p:txBody>
+      </p:sp>
+      <p:sp>
+        <p:nvSpPr>
+          <p:cNvPr id="3" name="Espace réservé du contenu 2"/>
+          <p:cNvSpPr>
+            <a:spLocks noGrp="1"/>
+          </p:cNvSpPr>
+          <p:nvPr>
+            <p:ph idx="1"/>
+          </p:nvPr>
+        </p:nvSpPr>
+        <p:spPr>
+          <a:xfrm>
+            <a:off x="763325" y="1542413"/>
+            <a:ext cx="11065980" cy="2965977"/>
+          </a:xfrm>
+        </p:spPr>
+        <p:txBody>
+          <a:bodyPr anchor="ctr" anchorCtr="0">
+            <a:normAutofit/>
+          </a:bodyPr>
+          <a:lstStyle/>
+          <a:p>
+            <a:pPr algn="just"/>
+            <a:r>
+              <a:rPr lang="fr-FR" dirty="0">
+                <a:solidFill>
+                  <a:schemeClr val="tx1"/>
+                </a:solidFill>
+              </a:rPr>
+              <a:t>Mais à la différence des chaînes qui sont immuables, les listes sont </a:t>
+            </a:r>
+            <a:r>
+              <a:rPr lang="fr-FR" dirty="0" smtClean="0">
+                <a:solidFill>
+                  <a:schemeClr val="tx1"/>
+                </a:solidFill>
+              </a:rPr>
+              <a:t>muables</a:t>
+            </a:r>
+          </a:p>
+          <a:p>
+            <a:pPr algn="just"/>
+            <a:r>
+              <a:rPr lang="fr-FR" dirty="0" smtClean="0">
+                <a:solidFill>
+                  <a:schemeClr val="tx1"/>
+                </a:solidFill>
+              </a:rPr>
+              <a:t>Il </a:t>
+            </a:r>
+            <a:r>
+              <a:rPr lang="fr-FR" dirty="0">
+                <a:solidFill>
+                  <a:schemeClr val="tx1"/>
+                </a:solidFill>
+              </a:rPr>
+              <a:t>est possible de changer leur </a:t>
+            </a:r>
+            <a:r>
+              <a:rPr lang="fr-FR" dirty="0" smtClean="0">
+                <a:solidFill>
+                  <a:schemeClr val="tx1"/>
+                </a:solidFill>
+              </a:rPr>
+              <a:t>contenu</a:t>
+            </a:r>
+          </a:p>
+          <a:p>
+            <a:pPr algn="just"/>
+            <a:r>
+              <a:rPr lang="fr-FR" dirty="0" smtClean="0">
+                <a:solidFill>
+                  <a:schemeClr val="tx1"/>
+                </a:solidFill>
+              </a:rPr>
+              <a:t>Il est aussi possible d'ajouter des éléments à la fin d'une liste avec la méthode append()</a:t>
+            </a:r>
+            <a:endParaRPr lang="fr-FR" dirty="0">
+              <a:solidFill>
+                <a:schemeClr val="tx1"/>
+              </a:solidFill>
+            </a:endParaRPr>
+          </a:p>
+        </p:txBody>
+      </p:sp>
+      <p:pic>
+        <p:nvPicPr>
+          <p:cNvPr id="5" name="Image 4"/>
+          <p:cNvPicPr>
+            <a:picLocks noChangeAspect="1"/>
+          </p:cNvPicPr>
+          <p:nvPr/>
+        </p:nvPicPr>
+        <p:blipFill>
+          <a:blip r:embed="rId3"/>
+          <a:stretch>
+            <a:fillRect/>
+          </a:stretch>
+        </p:blipFill>
+        <p:spPr>
+          <a:xfrm>
+            <a:off x="1551497" y="3955940"/>
+            <a:ext cx="6019800" cy="1581150"/>
+          </a:xfrm>
+          <a:prstGeom prst="rect">
+            <a:avLst/>
+          </a:prstGeom>
+          <a:ln>
+            <a:noFill/>
+          </a:ln>
+          <a:effectLst>
+            <a:outerShdw blurRad="292100" dist="139700" dir="2700000" algn="tl" rotWithShape="0">
+              <a:srgbClr val="333333">
+                <a:alpha val="65000"/>
+              </a:srgbClr>
+            </a:outerShdw>
+          </a:effectLst>
+        </p:spPr>
+      </p:pic>
+      <p:pic>
+        <p:nvPicPr>
+          <p:cNvPr id="6" name="Image 5"/>
+          <p:cNvPicPr>
+            <a:picLocks noChangeAspect="1"/>
+          </p:cNvPicPr>
+          <p:nvPr/>
+        </p:nvPicPr>
+        <p:blipFill>
+          <a:blip r:embed="rId4"/>
+          <a:stretch>
+            <a:fillRect/>
+          </a:stretch>
+        </p:blipFill>
+        <p:spPr>
+          <a:xfrm>
+            <a:off x="7876678" y="3955940"/>
+            <a:ext cx="3181350" cy="1104900"/>
+          </a:xfrm>
+          <a:prstGeom prst="rect">
+            <a:avLst/>
+          </a:prstGeom>
+          <a:ln>
+            <a:noFill/>
+          </a:ln>
+          <a:effectLst>
+            <a:outerShdw blurRad="292100" dist="139700" dir="2700000" algn="tl" rotWithShape="0">
+              <a:srgbClr val="333333">
+                <a:alpha val="65000"/>
+              </a:srgbClr>
+            </a:outerShdw>
+          </a:effectLst>
+        </p:spPr>
+      </p:pic>
+    </p:spTree>
+    <p:extLst>
+      <p:ext uri="{BB962C8B-B14F-4D97-AF65-F5344CB8AC3E}">
+        <p14:creationId xmlns:p14="http://schemas.microsoft.com/office/powerpoint/2010/main" val="668596966"/>
+      </p:ext>
+    </p:extLst>
+  </p:cSld>
+  <p:clrMapOvr>
+    <a:masterClrMapping/>
+  </p:clrMapOvr>
+  <p:timing>
+    <p:tnLst>
+      <p:par>
+        <p:cTn id="1" dur="indefinite" restart="never" nodeType="tmRoot"/>
+      </p:par>
+    </p:tnLst>
+  </p:timing>
+</p:sld>
+</file>
+
+<file path=ppt/slides/slide33.xml><?xml version="1.0" encoding="utf-8"?>
+<p:sld xmlns:a="http://schemas.openxmlformats.org/drawingml/2006/main" xmlns:r="http://schemas.openxmlformats.org/officeDocument/2006/relationships" xmlns:p="http://schemas.openxmlformats.org/presentationml/2006/main">
+  <p:cSld>
+    <p:spTree>
+      <p:nvGrpSpPr>
+        <p:cNvPr id="1" name=""/>
+        <p:cNvGrpSpPr/>
+        <p:nvPr/>
+      </p:nvGrpSpPr>
+      <p:grpSpPr>
+        <a:xfrm>
+          <a:off x="0" y="0"/>
+          <a:ext cx="0" cy="0"/>
+          <a:chOff x="0" y="0"/>
+          <a:chExt cx="0" cy="0"/>
+        </a:xfrm>
+      </p:grpSpPr>
+      <p:sp>
+        <p:nvSpPr>
+          <p:cNvPr id="2" name="Titre 1"/>
+          <p:cNvSpPr>
+            <a:spLocks noGrp="1"/>
+          </p:cNvSpPr>
+          <p:nvPr>
+            <p:ph type="title"/>
+          </p:nvPr>
+        </p:nvSpPr>
+        <p:spPr>
+          <a:xfrm>
+            <a:off x="2592925" y="624110"/>
+            <a:ext cx="8911687" cy="1280890"/>
+          </a:xfrm>
+        </p:spPr>
+        <p:txBody>
+          <a:bodyPr/>
+          <a:lstStyle/>
+          <a:p>
+            <a:r>
+              <a:rPr lang="fr-FR" dirty="0" smtClean="0"/>
+              <a:t>Les </a:t>
+            </a:r>
+            <a:r>
+              <a:rPr lang="fr-FR" dirty="0" smtClean="0"/>
+              <a:t>listes</a:t>
+            </a:r>
+            <a:endParaRPr lang="fr-FR" dirty="0"/>
+          </a:p>
+        </p:txBody>
+      </p:sp>
+      <p:sp>
+        <p:nvSpPr>
+          <p:cNvPr id="3" name="Espace réservé du contenu 2"/>
+          <p:cNvSpPr>
+            <a:spLocks noGrp="1"/>
+          </p:cNvSpPr>
+          <p:nvPr>
+            <p:ph idx="1"/>
+          </p:nvPr>
+        </p:nvSpPr>
+        <p:spPr>
+          <a:xfrm>
+            <a:off x="763325" y="1542414"/>
+            <a:ext cx="11065980" cy="874784"/>
+          </a:xfrm>
+        </p:spPr>
+        <p:txBody>
+          <a:bodyPr anchor="ctr" anchorCtr="0">
+            <a:normAutofit/>
+          </a:bodyPr>
+          <a:lstStyle/>
+          <a:p>
+            <a:pPr algn="just"/>
+            <a:r>
+              <a:rPr lang="fr-FR" dirty="0">
+                <a:solidFill>
+                  <a:schemeClr val="tx1"/>
+                </a:solidFill>
+              </a:rPr>
+              <a:t>Des affectations de tranches sont également possibles, ce qui peut même modifier la taille de la liste ou la vider complètement</a:t>
+            </a:r>
+            <a:endParaRPr lang="fr-FR" dirty="0">
+              <a:solidFill>
+                <a:schemeClr val="tx1"/>
+              </a:solidFill>
+            </a:endParaRPr>
+          </a:p>
+        </p:txBody>
+      </p:sp>
+      <p:pic>
+        <p:nvPicPr>
+          <p:cNvPr id="4" name="Image 3"/>
+          <p:cNvPicPr>
+            <a:picLocks noChangeAspect="1"/>
+          </p:cNvPicPr>
+          <p:nvPr/>
+        </p:nvPicPr>
+        <p:blipFill>
+          <a:blip r:embed="rId3"/>
+          <a:stretch>
+            <a:fillRect/>
+          </a:stretch>
+        </p:blipFill>
+        <p:spPr>
+          <a:xfrm>
+            <a:off x="2817133" y="2680180"/>
+            <a:ext cx="7178277" cy="3579567"/>
+          </a:xfrm>
+          <a:prstGeom prst="rect">
+            <a:avLst/>
+          </a:prstGeom>
+          <a:ln>
+            <a:noFill/>
+          </a:ln>
+          <a:effectLst>
+            <a:outerShdw blurRad="292100" dist="139700" dir="2700000" algn="tl" rotWithShape="0">
+              <a:srgbClr val="333333">
+                <a:alpha val="65000"/>
+              </a:srgbClr>
+            </a:outerShdw>
+          </a:effectLst>
+        </p:spPr>
+      </p:pic>
+    </p:spTree>
+    <p:extLst>
+      <p:ext uri="{BB962C8B-B14F-4D97-AF65-F5344CB8AC3E}">
+        <p14:creationId xmlns:p14="http://schemas.microsoft.com/office/powerpoint/2010/main" val="1432813871"/>
+      </p:ext>
+    </p:extLst>
+  </p:cSld>
+  <p:clrMapOvr>
+    <a:masterClrMapping/>
+  </p:clrMapOvr>
+  <p:timing>
+    <p:tnLst>
+      <p:par>
+        <p:cTn id="1" dur="indefinite" restart="never" nodeType="tmRoot"/>
+      </p:par>
+    </p:tnLst>
+  </p:timing>
+</p:sld>
+</file>
+
+<file path=ppt/slides/slide34.xml><?xml version="1.0" encoding="utf-8"?>
+<p:sld xmlns:a="http://schemas.openxmlformats.org/drawingml/2006/main" xmlns:r="http://schemas.openxmlformats.org/officeDocument/2006/relationships" xmlns:p="http://schemas.openxmlformats.org/presentationml/2006/main">
+  <p:cSld>
+    <p:spTree>
+      <p:nvGrpSpPr>
+        <p:cNvPr id="1" name=""/>
+        <p:cNvGrpSpPr/>
+        <p:nvPr/>
+      </p:nvGrpSpPr>
+      <p:grpSpPr>
+        <a:xfrm>
+          <a:off x="0" y="0"/>
+          <a:ext cx="0" cy="0"/>
+          <a:chOff x="0" y="0"/>
+          <a:chExt cx="0" cy="0"/>
+        </a:xfrm>
+      </p:grpSpPr>
+      <p:sp>
+        <p:nvSpPr>
+          <p:cNvPr id="2" name="Titre 1"/>
+          <p:cNvSpPr>
+            <a:spLocks noGrp="1"/>
+          </p:cNvSpPr>
+          <p:nvPr>
+            <p:ph type="title"/>
+          </p:nvPr>
+        </p:nvSpPr>
+        <p:spPr>
+          <a:xfrm>
+            <a:off x="2592925" y="624110"/>
+            <a:ext cx="8911687" cy="1280890"/>
+          </a:xfrm>
+        </p:spPr>
+        <p:txBody>
+          <a:bodyPr/>
+          <a:lstStyle/>
+          <a:p>
+            <a:r>
+              <a:rPr lang="fr-FR" dirty="0" smtClean="0"/>
+              <a:t>Les </a:t>
+            </a:r>
+            <a:r>
+              <a:rPr lang="fr-FR" dirty="0" smtClean="0"/>
+              <a:t>listes</a:t>
+            </a:r>
+            <a:endParaRPr lang="fr-FR" dirty="0"/>
+          </a:p>
+        </p:txBody>
+      </p:sp>
+      <p:sp>
+        <p:nvSpPr>
+          <p:cNvPr id="3" name="Espace réservé du contenu 2"/>
+          <p:cNvSpPr>
+            <a:spLocks noGrp="1"/>
+          </p:cNvSpPr>
+          <p:nvPr>
+            <p:ph idx="1"/>
+          </p:nvPr>
+        </p:nvSpPr>
+        <p:spPr>
+          <a:xfrm>
+            <a:off x="763325" y="1542414"/>
+            <a:ext cx="11065980" cy="1685816"/>
+          </a:xfrm>
+        </p:spPr>
+        <p:txBody>
+          <a:bodyPr anchor="ctr" anchorCtr="0">
+            <a:normAutofit/>
+          </a:bodyPr>
+          <a:lstStyle/>
+          <a:p>
+            <a:pPr algn="just"/>
+            <a:r>
+              <a:rPr lang="fr-FR" dirty="0">
+                <a:solidFill>
+                  <a:schemeClr val="tx1"/>
+                </a:solidFill>
+              </a:rPr>
+              <a:t>Il est possible d’imbriquer des listes (de créer des listes contenant d’autres listes</a:t>
+            </a:r>
+            <a:r>
+              <a:rPr lang="fr-FR" dirty="0" smtClean="0">
+                <a:solidFill>
+                  <a:schemeClr val="tx1"/>
+                </a:solidFill>
+              </a:rPr>
+              <a:t>)</a:t>
+            </a:r>
+          </a:p>
+          <a:p>
+            <a:pPr algn="just"/>
+            <a:r>
+              <a:rPr lang="fr-FR" dirty="0">
+                <a:solidFill>
+                  <a:schemeClr val="tx1"/>
+                </a:solidFill>
+              </a:rPr>
+              <a:t>La primitive </a:t>
+            </a:r>
+            <a:r>
+              <a:rPr lang="fr-FR" b="1" i="1" dirty="0">
+                <a:solidFill>
+                  <a:schemeClr val="accent6"/>
+                </a:solidFill>
+              </a:rPr>
+              <a:t>len()</a:t>
+            </a:r>
+            <a:r>
+              <a:rPr lang="fr-FR" dirty="0">
+                <a:solidFill>
+                  <a:schemeClr val="tx1"/>
+                </a:solidFill>
+              </a:rPr>
+              <a:t> s’applique aussi aux listes</a:t>
+            </a:r>
+            <a:endParaRPr lang="fr-FR" dirty="0">
+              <a:solidFill>
+                <a:schemeClr val="tx1"/>
+              </a:solidFill>
+            </a:endParaRPr>
+          </a:p>
+        </p:txBody>
+      </p:sp>
+      <p:pic>
+        <p:nvPicPr>
+          <p:cNvPr id="5" name="Image 4"/>
+          <p:cNvPicPr>
+            <a:picLocks noChangeAspect="1"/>
+          </p:cNvPicPr>
+          <p:nvPr/>
+        </p:nvPicPr>
+        <p:blipFill>
+          <a:blip r:embed="rId3"/>
+          <a:stretch>
+            <a:fillRect/>
+          </a:stretch>
+        </p:blipFill>
+        <p:spPr>
+          <a:xfrm>
+            <a:off x="2265832" y="3335502"/>
+            <a:ext cx="3219450" cy="2209800"/>
+          </a:xfrm>
+          <a:prstGeom prst="rect">
+            <a:avLst/>
+          </a:prstGeom>
+        </p:spPr>
+      </p:pic>
+      <p:pic>
+        <p:nvPicPr>
+          <p:cNvPr id="6" name="Image 5"/>
+          <p:cNvPicPr>
+            <a:picLocks noChangeAspect="1"/>
+          </p:cNvPicPr>
+          <p:nvPr/>
+        </p:nvPicPr>
+        <p:blipFill>
+          <a:blip r:embed="rId4"/>
+          <a:stretch>
+            <a:fillRect/>
+          </a:stretch>
+        </p:blipFill>
+        <p:spPr>
+          <a:xfrm>
+            <a:off x="5628157" y="4649952"/>
+            <a:ext cx="5133975" cy="895350"/>
+          </a:xfrm>
+          <a:prstGeom prst="rect">
+            <a:avLst/>
+          </a:prstGeom>
+          <a:ln>
+            <a:noFill/>
+          </a:ln>
+          <a:effectLst>
+            <a:outerShdw blurRad="292100" dist="139700" dir="2700000" algn="tl" rotWithShape="0">
+              <a:srgbClr val="333333">
+                <a:alpha val="65000"/>
+              </a:srgbClr>
+            </a:outerShdw>
+          </a:effectLst>
+        </p:spPr>
+      </p:pic>
+    </p:spTree>
+    <p:extLst>
+      <p:ext uri="{BB962C8B-B14F-4D97-AF65-F5344CB8AC3E}">
+        <p14:creationId xmlns:p14="http://schemas.microsoft.com/office/powerpoint/2010/main" val="324553221"/>
+      </p:ext>
+    </p:extLst>
+  </p:cSld>
+  <p:clrMapOvr>
+    <a:masterClrMapping/>
+  </p:clrMapOvr>
+  <p:timing>
+    <p:tnLst>
+      <p:par>
+        <p:cTn id="1" dur="indefinite" restart="never" nodeType="tmRoot"/>
+      </p:par>
+    </p:tnLst>
+  </p:timing>
+</p:sld>
+</file>
+
+<file path=ppt/slides/slide35.xml><?xml version="1.0" encoding="utf-8"?>
+<p:sld xmlns:a="http://schemas.openxmlformats.org/drawingml/2006/main" xmlns:r="http://schemas.openxmlformats.org/officeDocument/2006/relationships" xmlns:p="http://schemas.openxmlformats.org/presentationml/2006/main">
+  <p:cSld>
+    <p:spTree>
+      <p:nvGrpSpPr>
+        <p:cNvPr id="1" name=""/>
+        <p:cNvGrpSpPr/>
+        <p:nvPr/>
+      </p:nvGrpSpPr>
+      <p:grpSpPr>
+        <a:xfrm>
+          <a:off x="0" y="0"/>
+          <a:ext cx="0" cy="0"/>
+          <a:chOff x="0" y="0"/>
+          <a:chExt cx="0" cy="0"/>
+        </a:xfrm>
+      </p:grpSpPr>
+      <p:sp>
+        <p:nvSpPr>
+          <p:cNvPr id="2" name="Titre 1"/>
+          <p:cNvSpPr>
+            <a:spLocks noGrp="1"/>
+          </p:cNvSpPr>
+          <p:nvPr>
+            <p:ph type="title"/>
+          </p:nvPr>
+        </p:nvSpPr>
+        <p:spPr>
+          <a:xfrm>
+            <a:off x="2592925" y="624110"/>
+            <a:ext cx="8911687" cy="1280890"/>
+          </a:xfrm>
+        </p:spPr>
+        <p:txBody>
+          <a:bodyPr/>
+          <a:lstStyle/>
+          <a:p>
+            <a:r>
+              <a:rPr lang="fr-FR" dirty="0" smtClean="0"/>
+              <a:t>Vers la programmation</a:t>
+            </a:r>
+            <a:endParaRPr lang="fr-FR" dirty="0"/>
+          </a:p>
+        </p:txBody>
+      </p:sp>
+      <p:sp>
+        <p:nvSpPr>
+          <p:cNvPr id="3" name="Espace réservé du contenu 2"/>
+          <p:cNvSpPr>
+            <a:spLocks noGrp="1"/>
+          </p:cNvSpPr>
+          <p:nvPr>
+            <p:ph idx="1"/>
+          </p:nvPr>
+        </p:nvSpPr>
+        <p:spPr>
+          <a:xfrm>
+            <a:off x="763325" y="1542414"/>
+            <a:ext cx="11065980" cy="1685816"/>
+          </a:xfrm>
+        </p:spPr>
+        <p:txBody>
+          <a:bodyPr anchor="ctr" anchorCtr="0">
+            <a:normAutofit/>
+          </a:bodyPr>
+          <a:lstStyle/>
+          <a:p>
+            <a:pPr algn="just"/>
+            <a:r>
+              <a:rPr lang="fr-FR" dirty="0">
+                <a:solidFill>
+                  <a:schemeClr val="tx1"/>
+                </a:solidFill>
+              </a:rPr>
+              <a:t>Bien entendu, on peut utiliser Python pour des tâches plus compliquées que d’additionner deux et </a:t>
+            </a:r>
+            <a:r>
+              <a:rPr lang="fr-FR" dirty="0" smtClean="0">
+                <a:solidFill>
+                  <a:schemeClr val="tx1"/>
+                </a:solidFill>
+              </a:rPr>
+              <a:t>deux</a:t>
+            </a:r>
+          </a:p>
+          <a:p>
+            <a:pPr algn="just"/>
+            <a:r>
+              <a:rPr lang="fr-FR" dirty="0" smtClean="0">
+                <a:solidFill>
+                  <a:schemeClr val="tx1"/>
+                </a:solidFill>
+              </a:rPr>
+              <a:t>Par </a:t>
+            </a:r>
+            <a:r>
+              <a:rPr lang="fr-FR" dirty="0">
+                <a:solidFill>
+                  <a:schemeClr val="tx1"/>
+                </a:solidFill>
+              </a:rPr>
+              <a:t>exemple, on peut écrire une sous-séquence initiale de la suite de </a:t>
+            </a:r>
+            <a:r>
+              <a:rPr lang="fr-FR" dirty="0" smtClean="0">
+                <a:solidFill>
+                  <a:schemeClr val="tx1"/>
+                </a:solidFill>
+              </a:rPr>
+              <a:t>Fibonacci</a:t>
+            </a:r>
+            <a:endParaRPr lang="fr-FR" dirty="0">
+              <a:solidFill>
+                <a:schemeClr val="tx1"/>
+              </a:solidFill>
+            </a:endParaRPr>
+          </a:p>
+        </p:txBody>
+      </p:sp>
+      <p:pic>
+        <p:nvPicPr>
+          <p:cNvPr id="7" name="Image 6"/>
+          <p:cNvPicPr>
+            <a:picLocks noChangeAspect="1"/>
+          </p:cNvPicPr>
+          <p:nvPr/>
+        </p:nvPicPr>
+        <p:blipFill>
+          <a:blip r:embed="rId3"/>
+          <a:stretch>
+            <a:fillRect/>
+          </a:stretch>
+        </p:blipFill>
+        <p:spPr>
+          <a:xfrm>
+            <a:off x="3776952" y="3228230"/>
+            <a:ext cx="5038725" cy="3086100"/>
+          </a:xfrm>
+          <a:prstGeom prst="rect">
+            <a:avLst/>
+          </a:prstGeom>
+          <a:ln>
+            <a:noFill/>
+          </a:ln>
+          <a:effectLst>
+            <a:outerShdw blurRad="292100" dist="139700" dir="2700000" algn="tl" rotWithShape="0">
+              <a:srgbClr val="333333">
+                <a:alpha val="65000"/>
+              </a:srgbClr>
+            </a:outerShdw>
+          </a:effectLst>
+        </p:spPr>
+      </p:pic>
+    </p:spTree>
+    <p:extLst>
+      <p:ext uri="{BB962C8B-B14F-4D97-AF65-F5344CB8AC3E}">
+        <p14:creationId xmlns:p14="http://schemas.microsoft.com/office/powerpoint/2010/main" val="1858538774"/>
+      </p:ext>
+    </p:extLst>
+  </p:cSld>
+  <p:clrMapOvr>
+    <a:masterClrMapping/>
+  </p:clrMapOvr>
+  <p:timing>
+    <p:tnLst>
+      <p:par>
+        <p:cTn id="1" dur="indefinite" restart="never" nodeType="tmRoot"/>
+      </p:par>
+    </p:tnLst>
+  </p:timing>
+</p:sld>
+</file>
+
+<file path=ppt/slides/slide36.xml><?xml version="1.0" encoding="utf-8"?>
+<p:sld xmlns:a="http://schemas.openxmlformats.org/drawingml/2006/main" xmlns:r="http://schemas.openxmlformats.org/officeDocument/2006/relationships" xmlns:p="http://schemas.openxmlformats.org/presentationml/2006/main">
+  <p:cSld>
+    <p:spTree>
+      <p:nvGrpSpPr>
+        <p:cNvPr id="1" name=""/>
+        <p:cNvGrpSpPr/>
+        <p:nvPr/>
+      </p:nvGrpSpPr>
+      <p:grpSpPr>
+        <a:xfrm>
+          <a:off x="0" y="0"/>
+          <a:ext cx="0" cy="0"/>
+          <a:chOff x="0" y="0"/>
+          <a:chExt cx="0" cy="0"/>
+        </a:xfrm>
+      </p:grpSpPr>
+      <p:sp>
+        <p:nvSpPr>
+          <p:cNvPr id="2" name="Titre 1"/>
+          <p:cNvSpPr>
+            <a:spLocks noGrp="1"/>
+          </p:cNvSpPr>
+          <p:nvPr>
+            <p:ph type="title"/>
+          </p:nvPr>
+        </p:nvSpPr>
+        <p:spPr>
+          <a:xfrm>
+            <a:off x="2592925" y="624110"/>
+            <a:ext cx="8911687" cy="1280890"/>
+          </a:xfrm>
+        </p:spPr>
+        <p:txBody>
+          <a:bodyPr/>
+          <a:lstStyle/>
+          <a:p>
+            <a:r>
+              <a:rPr lang="fr-FR" dirty="0" smtClean="0"/>
+              <a:t>Vers la programmation</a:t>
+            </a:r>
+            <a:endParaRPr lang="fr-FR" dirty="0"/>
+          </a:p>
+        </p:txBody>
+      </p:sp>
+      <p:sp>
+        <p:nvSpPr>
+          <p:cNvPr id="3" name="Espace réservé du contenu 2"/>
+          <p:cNvSpPr>
+            <a:spLocks noGrp="1"/>
+          </p:cNvSpPr>
+          <p:nvPr>
+            <p:ph idx="1"/>
+          </p:nvPr>
+        </p:nvSpPr>
+        <p:spPr>
+          <a:xfrm>
+            <a:off x="763325" y="1391478"/>
+            <a:ext cx="11065980" cy="5080883"/>
+          </a:xfrm>
+        </p:spPr>
+        <p:txBody>
+          <a:bodyPr anchor="ctr" anchorCtr="0">
+            <a:normAutofit/>
+          </a:bodyPr>
+          <a:lstStyle/>
+          <a:p>
+            <a:pPr algn="just"/>
+            <a:r>
+              <a:rPr lang="fr-FR" dirty="0" smtClean="0">
+                <a:solidFill>
+                  <a:schemeClr val="tx1"/>
+                </a:solidFill>
+              </a:rPr>
+              <a:t>L'exemple précédent </a:t>
+            </a:r>
+            <a:r>
+              <a:rPr lang="fr-FR" dirty="0">
+                <a:solidFill>
+                  <a:schemeClr val="tx1"/>
+                </a:solidFill>
+              </a:rPr>
+              <a:t>introduit plusieurs nouvelles </a:t>
+            </a:r>
+            <a:r>
+              <a:rPr lang="fr-FR" dirty="0" smtClean="0">
+                <a:solidFill>
+                  <a:schemeClr val="tx1"/>
+                </a:solidFill>
+              </a:rPr>
+              <a:t>fonctionnalités</a:t>
+            </a:r>
+            <a:endParaRPr lang="fr-FR" dirty="0">
+              <a:solidFill>
+                <a:schemeClr val="tx1"/>
+              </a:solidFill>
+            </a:endParaRPr>
+          </a:p>
+          <a:p>
+            <a:pPr algn="just"/>
+            <a:r>
+              <a:rPr lang="fr-FR" dirty="0">
+                <a:solidFill>
+                  <a:schemeClr val="tx1"/>
+                </a:solidFill>
+              </a:rPr>
+              <a:t>La première ligne contient une affectation </a:t>
+            </a:r>
+            <a:r>
+              <a:rPr lang="fr-FR" dirty="0" smtClean="0">
+                <a:solidFill>
+                  <a:schemeClr val="tx1"/>
+                </a:solidFill>
+              </a:rPr>
+              <a:t>multiple</a:t>
+            </a:r>
+          </a:p>
+          <a:p>
+            <a:pPr lvl="1" algn="just"/>
+            <a:r>
+              <a:rPr lang="fr-FR" dirty="0" smtClean="0">
+                <a:solidFill>
+                  <a:schemeClr val="tx1"/>
+                </a:solidFill>
+              </a:rPr>
+              <a:t>les </a:t>
+            </a:r>
+            <a:r>
+              <a:rPr lang="fr-FR" dirty="0">
+                <a:solidFill>
+                  <a:schemeClr val="tx1"/>
+                </a:solidFill>
+              </a:rPr>
+              <a:t>variables a et b se voient affecter simultanément leurs nouvelles valeurs 0 et </a:t>
+            </a:r>
+            <a:r>
+              <a:rPr lang="fr-FR" dirty="0" smtClean="0">
+                <a:solidFill>
+                  <a:schemeClr val="tx1"/>
+                </a:solidFill>
+              </a:rPr>
+              <a:t>1</a:t>
+            </a:r>
+          </a:p>
+          <a:p>
+            <a:pPr lvl="1" algn="just"/>
+            <a:r>
+              <a:rPr lang="fr-FR" dirty="0" smtClean="0">
+                <a:solidFill>
+                  <a:schemeClr val="tx1"/>
+                </a:solidFill>
+              </a:rPr>
+              <a:t>Cette </a:t>
+            </a:r>
+            <a:r>
+              <a:rPr lang="fr-FR" dirty="0">
+                <a:solidFill>
+                  <a:schemeClr val="tx1"/>
+                </a:solidFill>
+              </a:rPr>
+              <a:t>méthode est encore utilisée à la dernière ligne, pour démontrer que les expressions sur la partie droite de l’affectation sont toutes évaluées avant que les affectations ne soient </a:t>
+            </a:r>
+            <a:r>
+              <a:rPr lang="fr-FR" dirty="0" smtClean="0">
+                <a:solidFill>
+                  <a:schemeClr val="tx1"/>
+                </a:solidFill>
+              </a:rPr>
+              <a:t>effectuées</a:t>
+            </a:r>
+          </a:p>
+          <a:p>
+            <a:pPr lvl="1" algn="just"/>
+            <a:r>
+              <a:rPr lang="fr-FR" dirty="0" smtClean="0">
+                <a:solidFill>
+                  <a:schemeClr val="tx1"/>
+                </a:solidFill>
+              </a:rPr>
+              <a:t>Ces </a:t>
+            </a:r>
+            <a:r>
+              <a:rPr lang="fr-FR" dirty="0">
+                <a:solidFill>
+                  <a:schemeClr val="tx1"/>
+                </a:solidFill>
+              </a:rPr>
+              <a:t>expressions en partie droite sont toujours évaluées de la gauche vers la </a:t>
+            </a:r>
+            <a:r>
+              <a:rPr lang="fr-FR" dirty="0" smtClean="0">
+                <a:solidFill>
+                  <a:schemeClr val="tx1"/>
+                </a:solidFill>
+              </a:rPr>
+              <a:t>droite</a:t>
+            </a:r>
+            <a:endParaRPr lang="fr-FR" dirty="0">
+              <a:solidFill>
+                <a:schemeClr val="tx1"/>
+              </a:solidFill>
+            </a:endParaRPr>
+          </a:p>
+        </p:txBody>
+      </p:sp>
+    </p:spTree>
+    <p:extLst>
+      <p:ext uri="{BB962C8B-B14F-4D97-AF65-F5344CB8AC3E}">
+        <p14:creationId xmlns:p14="http://schemas.microsoft.com/office/powerpoint/2010/main" val="3253370663"/>
+      </p:ext>
+    </p:extLst>
+  </p:cSld>
+  <p:clrMapOvr>
+    <a:masterClrMapping/>
+  </p:clrMapOvr>
+  <p:timing>
+    <p:tnLst>
+      <p:par>
+        <p:cTn id="1" dur="indefinite" restart="never" nodeType="tmRoot"/>
+      </p:par>
+    </p:tnLst>
+  </p:timing>
+</p:sld>
+</file>
+
+<file path=ppt/slides/slide37.xml><?xml version="1.0" encoding="utf-8"?>
+<p:sld xmlns:a="http://schemas.openxmlformats.org/drawingml/2006/main" xmlns:r="http://schemas.openxmlformats.org/officeDocument/2006/relationships" xmlns:p="http://schemas.openxmlformats.org/presentationml/2006/main">
+  <p:cSld>
+    <p:spTree>
+      <p:nvGrpSpPr>
+        <p:cNvPr id="1" name=""/>
+        <p:cNvGrpSpPr/>
+        <p:nvPr/>
+      </p:nvGrpSpPr>
+      <p:grpSpPr>
+        <a:xfrm>
+          <a:off x="0" y="0"/>
+          <a:ext cx="0" cy="0"/>
+          <a:chOff x="0" y="0"/>
+          <a:chExt cx="0" cy="0"/>
+        </a:xfrm>
+      </p:grpSpPr>
+      <p:sp>
+        <p:nvSpPr>
+          <p:cNvPr id="2" name="Titre 1"/>
+          <p:cNvSpPr>
+            <a:spLocks noGrp="1"/>
+          </p:cNvSpPr>
+          <p:nvPr>
+            <p:ph type="title"/>
+          </p:nvPr>
+        </p:nvSpPr>
+        <p:spPr>
+          <a:xfrm>
+            <a:off x="2592925" y="624110"/>
+            <a:ext cx="8911687" cy="1280890"/>
+          </a:xfrm>
+        </p:spPr>
+        <p:txBody>
+          <a:bodyPr/>
+          <a:lstStyle/>
+          <a:p>
+            <a:r>
+              <a:rPr lang="fr-FR" dirty="0" smtClean="0"/>
+              <a:t>Vers la programmation</a:t>
+            </a:r>
+            <a:endParaRPr lang="fr-FR" dirty="0"/>
+          </a:p>
+        </p:txBody>
+      </p:sp>
+      <p:sp>
+        <p:nvSpPr>
+          <p:cNvPr id="3" name="Espace réservé du contenu 2"/>
+          <p:cNvSpPr>
+            <a:spLocks noGrp="1"/>
+          </p:cNvSpPr>
+          <p:nvPr>
+            <p:ph idx="1"/>
+          </p:nvPr>
+        </p:nvSpPr>
+        <p:spPr>
+          <a:xfrm>
+            <a:off x="763325" y="1391478"/>
+            <a:ext cx="11065980" cy="5080883"/>
+          </a:xfrm>
+        </p:spPr>
+        <p:txBody>
+          <a:bodyPr anchor="ctr" anchorCtr="0">
+            <a:normAutofit/>
+          </a:bodyPr>
+          <a:lstStyle/>
+          <a:p>
+            <a:pPr algn="just"/>
+            <a:r>
+              <a:rPr lang="fr-FR" dirty="0" smtClean="0">
+                <a:solidFill>
+                  <a:schemeClr val="tx1"/>
+                </a:solidFill>
+              </a:rPr>
+              <a:t>La </a:t>
+            </a:r>
+            <a:r>
+              <a:rPr lang="fr-FR" dirty="0">
+                <a:solidFill>
+                  <a:schemeClr val="tx1"/>
+                </a:solidFill>
+              </a:rPr>
+              <a:t>boucle </a:t>
+            </a:r>
+            <a:r>
+              <a:rPr lang="fr-FR" b="1" i="1" dirty="0">
+                <a:solidFill>
+                  <a:schemeClr val="accent6"/>
+                </a:solidFill>
+              </a:rPr>
+              <a:t>while</a:t>
+            </a:r>
+            <a:r>
+              <a:rPr lang="fr-FR" dirty="0">
+                <a:solidFill>
+                  <a:schemeClr val="tx1"/>
+                </a:solidFill>
+              </a:rPr>
+              <a:t> s’exécute tant que la condition (ici : b &lt; 10) reste </a:t>
+            </a:r>
+            <a:r>
+              <a:rPr lang="fr-FR" dirty="0" smtClean="0">
+                <a:solidFill>
+                  <a:schemeClr val="tx1"/>
+                </a:solidFill>
+              </a:rPr>
+              <a:t>vraie</a:t>
+            </a:r>
+          </a:p>
+          <a:p>
+            <a:pPr lvl="1" algn="just"/>
+            <a:r>
+              <a:rPr lang="fr-FR" dirty="0" smtClean="0">
+                <a:solidFill>
+                  <a:schemeClr val="tx1"/>
+                </a:solidFill>
+              </a:rPr>
+              <a:t>En </a:t>
+            </a:r>
+            <a:r>
+              <a:rPr lang="fr-FR" dirty="0">
+                <a:solidFill>
+                  <a:schemeClr val="tx1"/>
+                </a:solidFill>
+              </a:rPr>
+              <a:t>Python, comme en C, tout entier différent de zéro est vrai et zéro est </a:t>
+            </a:r>
+            <a:r>
+              <a:rPr lang="fr-FR" dirty="0" smtClean="0">
+                <a:solidFill>
+                  <a:schemeClr val="tx1"/>
+                </a:solidFill>
+              </a:rPr>
+              <a:t>faux</a:t>
+            </a:r>
+          </a:p>
+          <a:p>
+            <a:pPr lvl="1" algn="just"/>
+            <a:r>
+              <a:rPr lang="fr-FR" dirty="0" smtClean="0">
+                <a:solidFill>
+                  <a:schemeClr val="tx1"/>
+                </a:solidFill>
+              </a:rPr>
+              <a:t>La </a:t>
+            </a:r>
+            <a:r>
+              <a:rPr lang="fr-FR" dirty="0">
+                <a:solidFill>
+                  <a:schemeClr val="tx1"/>
+                </a:solidFill>
+              </a:rPr>
+              <a:t>condition peut aussi être une chaîne de caractères, une liste, ou en fait toute </a:t>
+            </a:r>
+            <a:r>
+              <a:rPr lang="fr-FR" dirty="0" smtClean="0">
+                <a:solidFill>
+                  <a:schemeClr val="tx1"/>
+                </a:solidFill>
+              </a:rPr>
+              <a:t>séquence</a:t>
+            </a:r>
+          </a:p>
+          <a:p>
+            <a:pPr lvl="1" algn="just"/>
+            <a:r>
+              <a:rPr lang="fr-FR" dirty="0" smtClean="0">
+                <a:solidFill>
+                  <a:schemeClr val="tx1"/>
+                </a:solidFill>
+              </a:rPr>
+              <a:t>Une </a:t>
+            </a:r>
+            <a:r>
+              <a:rPr lang="fr-FR" dirty="0">
+                <a:solidFill>
+                  <a:schemeClr val="tx1"/>
+                </a:solidFill>
+              </a:rPr>
+              <a:t>séquence avec une valeur non nulle est vraie, une séquence vide est </a:t>
+            </a:r>
+            <a:r>
+              <a:rPr lang="fr-FR" dirty="0" smtClean="0">
+                <a:solidFill>
+                  <a:schemeClr val="tx1"/>
+                </a:solidFill>
+              </a:rPr>
+              <a:t>fausse</a:t>
+            </a:r>
+          </a:p>
+          <a:p>
+            <a:pPr lvl="1" algn="just"/>
+            <a:r>
+              <a:rPr lang="fr-FR" dirty="0" smtClean="0">
+                <a:solidFill>
+                  <a:schemeClr val="tx1"/>
+                </a:solidFill>
+              </a:rPr>
+              <a:t>Le </a:t>
+            </a:r>
+            <a:r>
+              <a:rPr lang="fr-FR" dirty="0">
+                <a:solidFill>
+                  <a:schemeClr val="tx1"/>
+                </a:solidFill>
+              </a:rPr>
+              <a:t>test utilisé dans l’exemple est une simple </a:t>
+            </a:r>
+            <a:r>
+              <a:rPr lang="fr-FR" dirty="0" smtClean="0">
+                <a:solidFill>
+                  <a:schemeClr val="tx1"/>
+                </a:solidFill>
+              </a:rPr>
+              <a:t>comparaison</a:t>
+            </a:r>
+          </a:p>
+          <a:p>
+            <a:pPr lvl="1" algn="just"/>
+            <a:r>
+              <a:rPr lang="fr-FR" dirty="0" smtClean="0">
+                <a:solidFill>
+                  <a:schemeClr val="tx1"/>
+                </a:solidFill>
+              </a:rPr>
+              <a:t>Les </a:t>
+            </a:r>
+            <a:r>
+              <a:rPr lang="fr-FR" dirty="0">
+                <a:solidFill>
+                  <a:schemeClr val="tx1"/>
+                </a:solidFill>
+              </a:rPr>
+              <a:t>opérateurs de comparaison standards sont écrits comme en C : </a:t>
+            </a:r>
+            <a:r>
+              <a:rPr lang="fr-FR" b="1" i="1" dirty="0">
+                <a:solidFill>
+                  <a:schemeClr val="accent6"/>
+                </a:solidFill>
+              </a:rPr>
+              <a:t>&lt;</a:t>
+            </a:r>
+            <a:r>
+              <a:rPr lang="fr-FR" dirty="0">
+                <a:solidFill>
+                  <a:schemeClr val="tx1"/>
+                </a:solidFill>
+              </a:rPr>
+              <a:t> (inférieur), </a:t>
+            </a:r>
+            <a:r>
+              <a:rPr lang="fr-FR" b="1" i="1" dirty="0">
+                <a:solidFill>
+                  <a:schemeClr val="accent6"/>
+                </a:solidFill>
+              </a:rPr>
+              <a:t>&gt;</a:t>
+            </a:r>
+            <a:r>
+              <a:rPr lang="fr-FR" dirty="0">
+                <a:solidFill>
+                  <a:schemeClr val="tx1"/>
+                </a:solidFill>
+              </a:rPr>
+              <a:t> (supérieur), </a:t>
+            </a:r>
+            <a:r>
+              <a:rPr lang="fr-FR" b="1" i="1" dirty="0">
+                <a:solidFill>
+                  <a:schemeClr val="accent6"/>
+                </a:solidFill>
+              </a:rPr>
+              <a:t>==</a:t>
+            </a:r>
+            <a:r>
+              <a:rPr lang="fr-FR" dirty="0">
+                <a:solidFill>
+                  <a:schemeClr val="tx1"/>
+                </a:solidFill>
+              </a:rPr>
+              <a:t> (égal), </a:t>
+            </a:r>
+            <a:r>
+              <a:rPr lang="fr-FR" b="1" i="1" dirty="0">
+                <a:solidFill>
+                  <a:schemeClr val="accent6"/>
+                </a:solidFill>
+              </a:rPr>
+              <a:t>&lt;=</a:t>
+            </a:r>
+            <a:r>
+              <a:rPr lang="fr-FR" dirty="0">
+                <a:solidFill>
+                  <a:schemeClr val="tx1"/>
+                </a:solidFill>
+              </a:rPr>
+              <a:t> (inférieur ou égal), </a:t>
+            </a:r>
+            <a:r>
+              <a:rPr lang="fr-FR" b="1" i="1" dirty="0">
+                <a:solidFill>
+                  <a:schemeClr val="accent6"/>
+                </a:solidFill>
+              </a:rPr>
+              <a:t>&gt;=</a:t>
+            </a:r>
+            <a:r>
+              <a:rPr lang="fr-FR" dirty="0">
+                <a:solidFill>
+                  <a:schemeClr val="tx1"/>
+                </a:solidFill>
+              </a:rPr>
+              <a:t> (supérieur ou égal) et </a:t>
+            </a:r>
+            <a:r>
+              <a:rPr lang="fr-FR" b="1" i="1" dirty="0">
+                <a:solidFill>
+                  <a:schemeClr val="accent6"/>
+                </a:solidFill>
+              </a:rPr>
+              <a:t>!=</a:t>
+            </a:r>
+            <a:r>
+              <a:rPr lang="fr-FR" dirty="0">
+                <a:solidFill>
+                  <a:schemeClr val="tx1"/>
+                </a:solidFill>
+              </a:rPr>
+              <a:t> (non égal</a:t>
+            </a:r>
+            <a:r>
+              <a:rPr lang="fr-FR" dirty="0" smtClean="0">
+                <a:solidFill>
+                  <a:schemeClr val="tx1"/>
+                </a:solidFill>
+              </a:rPr>
+              <a:t>)</a:t>
+            </a:r>
+          </a:p>
+        </p:txBody>
+      </p:sp>
+    </p:spTree>
+    <p:extLst>
+      <p:ext uri="{BB962C8B-B14F-4D97-AF65-F5344CB8AC3E}">
+        <p14:creationId xmlns:p14="http://schemas.microsoft.com/office/powerpoint/2010/main" val="6665804"/>
+      </p:ext>
+    </p:extLst>
+  </p:cSld>
+  <p:clrMapOvr>
+    <a:masterClrMapping/>
+  </p:clrMapOvr>
+  <p:timing>
+    <p:tnLst>
+      <p:par>
+        <p:cTn id="1" dur="indefinite" restart="never" nodeType="tmRoot"/>
+      </p:par>
+    </p:tnLst>
+  </p:timing>
+</p:sld>
+</file>
+
+<file path=ppt/slides/slide38.xml><?xml version="1.0" encoding="utf-8"?>
+<p:sld xmlns:a="http://schemas.openxmlformats.org/drawingml/2006/main" xmlns:r="http://schemas.openxmlformats.org/officeDocument/2006/relationships" xmlns:p="http://schemas.openxmlformats.org/presentationml/2006/main">
+  <p:cSld>
+    <p:spTree>
+      <p:nvGrpSpPr>
+        <p:cNvPr id="1" name=""/>
+        <p:cNvGrpSpPr/>
+        <p:nvPr/>
+      </p:nvGrpSpPr>
+      <p:grpSpPr>
+        <a:xfrm>
+          <a:off x="0" y="0"/>
+          <a:ext cx="0" cy="0"/>
+          <a:chOff x="0" y="0"/>
+          <a:chExt cx="0" cy="0"/>
+        </a:xfrm>
+      </p:grpSpPr>
+      <p:sp>
+        <p:nvSpPr>
+          <p:cNvPr id="2" name="Titre 1"/>
+          <p:cNvSpPr>
+            <a:spLocks noGrp="1"/>
+          </p:cNvSpPr>
+          <p:nvPr>
+            <p:ph type="title"/>
+          </p:nvPr>
+        </p:nvSpPr>
+        <p:spPr>
+          <a:xfrm>
+            <a:off x="2592925" y="624110"/>
+            <a:ext cx="8911687" cy="1280890"/>
+          </a:xfrm>
+        </p:spPr>
+        <p:txBody>
+          <a:bodyPr/>
+          <a:lstStyle/>
+          <a:p>
+            <a:r>
+              <a:rPr lang="fr-FR" dirty="0" smtClean="0"/>
+              <a:t>Vers la programmation</a:t>
+            </a:r>
+            <a:endParaRPr lang="fr-FR" dirty="0"/>
+          </a:p>
+        </p:txBody>
+      </p:sp>
+      <p:sp>
+        <p:nvSpPr>
+          <p:cNvPr id="3" name="Espace réservé du contenu 2"/>
+          <p:cNvSpPr>
+            <a:spLocks noGrp="1"/>
+          </p:cNvSpPr>
+          <p:nvPr>
+            <p:ph idx="1"/>
+          </p:nvPr>
+        </p:nvSpPr>
+        <p:spPr>
+          <a:xfrm>
+            <a:off x="763325" y="1391478"/>
+            <a:ext cx="11065980" cy="5080883"/>
+          </a:xfrm>
+        </p:spPr>
+        <p:txBody>
+          <a:bodyPr anchor="ctr" anchorCtr="0">
+            <a:normAutofit/>
+          </a:bodyPr>
+          <a:lstStyle/>
+          <a:p>
+            <a:pPr algn="just"/>
+            <a:r>
+              <a:rPr lang="fr-FR" dirty="0" smtClean="0">
+                <a:solidFill>
+                  <a:schemeClr val="tx1"/>
+                </a:solidFill>
+              </a:rPr>
+              <a:t>Le corps de la boucle est </a:t>
+            </a:r>
+            <a:r>
+              <a:rPr lang="fr-FR" b="1" i="1" u="sng" dirty="0" smtClean="0">
+                <a:solidFill>
+                  <a:schemeClr val="tx1"/>
+                </a:solidFill>
+              </a:rPr>
+              <a:t>indenté</a:t>
+            </a:r>
+            <a:endParaRPr lang="fr-FR" dirty="0">
+              <a:solidFill>
+                <a:schemeClr val="tx1"/>
+              </a:solidFill>
+            </a:endParaRPr>
+          </a:p>
+          <a:p>
+            <a:pPr lvl="1" algn="just"/>
+            <a:r>
+              <a:rPr lang="fr-FR" dirty="0" smtClean="0">
+                <a:solidFill>
+                  <a:schemeClr val="tx1"/>
+                </a:solidFill>
+              </a:rPr>
+              <a:t>l’indentation est la méthode utilisée par Python pour regrouper des instructions</a:t>
+            </a:r>
+          </a:p>
+          <a:p>
+            <a:pPr lvl="1" algn="just"/>
+            <a:r>
+              <a:rPr lang="fr-FR" dirty="0" smtClean="0">
+                <a:solidFill>
+                  <a:schemeClr val="tx1"/>
+                </a:solidFill>
+              </a:rPr>
+              <a:t>En mode interactif, vous devez saisir une tabulation ou des espaces pour chaque ligne indentée</a:t>
+            </a:r>
+          </a:p>
+          <a:p>
+            <a:pPr lvl="1" algn="just"/>
+            <a:r>
+              <a:rPr lang="fr-FR" dirty="0" smtClean="0">
+                <a:solidFill>
+                  <a:schemeClr val="tx1"/>
+                </a:solidFill>
+              </a:rPr>
+              <a:t>En pratique, vous aurez intérêt à utiliser un éditeur de texte pour les saisies plus compliquées</a:t>
+            </a:r>
+          </a:p>
+          <a:p>
+            <a:pPr lvl="1" algn="just"/>
+            <a:r>
+              <a:rPr lang="fr-FR" dirty="0" smtClean="0">
+                <a:solidFill>
+                  <a:schemeClr val="tx1"/>
+                </a:solidFill>
+              </a:rPr>
+              <a:t>Tous les éditeurs de texte dignes de ce nom disposent d’une fonction d’auto-indentation</a:t>
+            </a:r>
+          </a:p>
+          <a:p>
+            <a:pPr lvl="1" algn="just"/>
+            <a:r>
+              <a:rPr lang="fr-FR" dirty="0" smtClean="0">
+                <a:solidFill>
+                  <a:schemeClr val="tx1"/>
+                </a:solidFill>
+              </a:rPr>
+              <a:t>Lorsqu’une expression composée est saisie en mode interactif, elle doit être suivie d’une ligne vide pour indiquer qu’elle est terminée (car l’analyseur ne peut pas deviner que vous venez de saisir la dernière ligne)</a:t>
+            </a:r>
+          </a:p>
+          <a:p>
+            <a:pPr lvl="1" algn="just"/>
+            <a:r>
+              <a:rPr lang="fr-FR" dirty="0" smtClean="0">
+                <a:solidFill>
+                  <a:schemeClr val="tx1"/>
+                </a:solidFill>
+              </a:rPr>
+              <a:t>Notez bien que toutes les lignes à l’intérieur d’un bloc doivent être indentées au même niveau</a:t>
+            </a:r>
+            <a:endParaRPr lang="fr-FR" dirty="0">
+              <a:solidFill>
+                <a:schemeClr val="tx1"/>
+              </a:solidFill>
+            </a:endParaRPr>
+          </a:p>
+        </p:txBody>
+      </p:sp>
+    </p:spTree>
+    <p:extLst>
+      <p:ext uri="{BB962C8B-B14F-4D97-AF65-F5344CB8AC3E}">
+        <p14:creationId xmlns:p14="http://schemas.microsoft.com/office/powerpoint/2010/main" val="1761795317"/>
+      </p:ext>
+    </p:extLst>
+  </p:cSld>
+  <p:clrMapOvr>
+    <a:masterClrMapping/>
+  </p:clrMapOvr>
+  <p:timing>
+    <p:tnLst>
+      <p:par>
+        <p:cTn id="1" dur="indefinite" restart="never" nodeType="tmRoot"/>
+      </p:par>
+    </p:tnLst>
+  </p:timing>
+</p:sld>
+</file>
+
+<file path=ppt/slides/slide39.xml><?xml version="1.0" encoding="utf-8"?>
+<p:sld xmlns:a="http://schemas.openxmlformats.org/drawingml/2006/main" xmlns:r="http://schemas.openxmlformats.org/officeDocument/2006/relationships" xmlns:p="http://schemas.openxmlformats.org/presentationml/2006/main">
+  <p:cSld>
+    <p:spTree>
+      <p:nvGrpSpPr>
+        <p:cNvPr id="1" name=""/>
+        <p:cNvGrpSpPr/>
+        <p:nvPr/>
+      </p:nvGrpSpPr>
+      <p:grpSpPr>
+        <a:xfrm>
+          <a:off x="0" y="0"/>
+          <a:ext cx="0" cy="0"/>
+          <a:chOff x="0" y="0"/>
+          <a:chExt cx="0" cy="0"/>
+        </a:xfrm>
+      </p:grpSpPr>
+      <p:sp>
+        <p:nvSpPr>
+          <p:cNvPr id="2" name="Titre 1"/>
+          <p:cNvSpPr>
+            <a:spLocks noGrp="1"/>
+          </p:cNvSpPr>
+          <p:nvPr>
+            <p:ph type="title"/>
+          </p:nvPr>
+        </p:nvSpPr>
+        <p:spPr>
+          <a:xfrm>
+            <a:off x="2592925" y="624110"/>
+            <a:ext cx="8911687" cy="1280890"/>
+          </a:xfrm>
+        </p:spPr>
+        <p:txBody>
+          <a:bodyPr/>
+          <a:lstStyle/>
+          <a:p>
+            <a:r>
+              <a:rPr lang="fr-FR" dirty="0" smtClean="0"/>
+              <a:t>Vers la programmation</a:t>
+            </a:r>
+            <a:endParaRPr lang="fr-FR" dirty="0"/>
+          </a:p>
+        </p:txBody>
+      </p:sp>
+      <p:sp>
+        <p:nvSpPr>
+          <p:cNvPr id="3" name="Espace réservé du contenu 2"/>
+          <p:cNvSpPr>
+            <a:spLocks noGrp="1"/>
+          </p:cNvSpPr>
+          <p:nvPr>
+            <p:ph idx="1"/>
+          </p:nvPr>
+        </p:nvSpPr>
+        <p:spPr>
+          <a:xfrm>
+            <a:off x="763325" y="1391478"/>
+            <a:ext cx="11065980" cy="2926080"/>
+          </a:xfrm>
+        </p:spPr>
+        <p:txBody>
+          <a:bodyPr anchor="ctr" anchorCtr="0">
+            <a:noAutofit/>
+          </a:bodyPr>
+          <a:lstStyle/>
+          <a:p>
+            <a:pPr algn="just"/>
+            <a:r>
+              <a:rPr lang="fr-FR" dirty="0">
+                <a:solidFill>
+                  <a:schemeClr val="tx1"/>
+                </a:solidFill>
+              </a:rPr>
+              <a:t>La fonction </a:t>
+            </a:r>
+            <a:r>
+              <a:rPr lang="fr-FR" b="1" i="1" dirty="0">
+                <a:solidFill>
+                  <a:schemeClr val="accent6"/>
+                </a:solidFill>
+              </a:rPr>
+              <a:t>print()</a:t>
+            </a:r>
+            <a:r>
+              <a:rPr lang="fr-FR" dirty="0">
+                <a:solidFill>
+                  <a:schemeClr val="tx1"/>
+                </a:solidFill>
+              </a:rPr>
+              <a:t> écrit les valeur des paramètres qui lui sont </a:t>
+            </a:r>
+            <a:r>
+              <a:rPr lang="fr-FR" dirty="0" smtClean="0">
+                <a:solidFill>
+                  <a:schemeClr val="tx1"/>
+                </a:solidFill>
+              </a:rPr>
+              <a:t>fournis</a:t>
+            </a:r>
+          </a:p>
+          <a:p>
+            <a:pPr lvl="1" algn="just"/>
+            <a:r>
+              <a:rPr lang="fr-FR" sz="1800" dirty="0" smtClean="0">
+                <a:solidFill>
+                  <a:schemeClr val="tx1"/>
+                </a:solidFill>
+              </a:rPr>
+              <a:t>Ce </a:t>
+            </a:r>
+            <a:r>
+              <a:rPr lang="fr-FR" sz="1800" dirty="0">
+                <a:solidFill>
+                  <a:schemeClr val="tx1"/>
+                </a:solidFill>
+              </a:rPr>
+              <a:t>n’est pas la même chose que d’écrire l’expression que </a:t>
+            </a:r>
+            <a:r>
+              <a:rPr lang="fr-FR" sz="1800" dirty="0" smtClean="0">
+                <a:solidFill>
+                  <a:schemeClr val="tx1"/>
+                </a:solidFill>
+              </a:rPr>
+              <a:t>vous voulez </a:t>
+            </a:r>
+            <a:r>
+              <a:rPr lang="fr-FR" sz="1800" dirty="0">
+                <a:solidFill>
+                  <a:schemeClr val="tx1"/>
+                </a:solidFill>
+              </a:rPr>
+              <a:t>afficher (comme nous l’avons fait dans l’exemple de la calculatrice), dû à la manière de print de gérer les paramètres multiples, les nombres décimaux, et les </a:t>
+            </a:r>
+            <a:r>
+              <a:rPr lang="fr-FR" sz="1800" dirty="0" smtClean="0">
+                <a:solidFill>
+                  <a:schemeClr val="tx1"/>
+                </a:solidFill>
+              </a:rPr>
+              <a:t>chaînes</a:t>
+            </a:r>
+          </a:p>
+          <a:p>
+            <a:pPr lvl="1" algn="just"/>
+            <a:r>
+              <a:rPr lang="fr-FR" sz="1800" dirty="0" smtClean="0">
+                <a:solidFill>
+                  <a:schemeClr val="tx1"/>
+                </a:solidFill>
+              </a:rPr>
+              <a:t>Les </a:t>
+            </a:r>
+            <a:r>
+              <a:rPr lang="fr-FR" sz="1800" dirty="0">
+                <a:solidFill>
+                  <a:schemeClr val="tx1"/>
+                </a:solidFill>
+              </a:rPr>
+              <a:t>chaînes sont affichées sans apostrophes et </a:t>
+            </a:r>
+            <a:r>
+              <a:rPr lang="fr-FR" sz="1800" dirty="0" smtClean="0">
+                <a:solidFill>
+                  <a:schemeClr val="tx1"/>
+                </a:solidFill>
+              </a:rPr>
+              <a:t>un espace </a:t>
+            </a:r>
+            <a:r>
+              <a:rPr lang="fr-FR" sz="1800" dirty="0">
+                <a:solidFill>
+                  <a:schemeClr val="tx1"/>
+                </a:solidFill>
+              </a:rPr>
+              <a:t>est inséré entre les éléments de telle sorte que vous pouvez facilement formater les </a:t>
+            </a:r>
+            <a:r>
+              <a:rPr lang="fr-FR" sz="1800" dirty="0" smtClean="0">
+                <a:solidFill>
+                  <a:schemeClr val="tx1"/>
+                </a:solidFill>
+              </a:rPr>
+              <a:t>choses</a:t>
+            </a:r>
+          </a:p>
+          <a:p>
+            <a:pPr algn="just"/>
+            <a:endParaRPr lang="fr-FR" dirty="0" smtClean="0">
+              <a:solidFill>
+                <a:schemeClr val="tx1"/>
+              </a:solidFill>
+            </a:endParaRPr>
+          </a:p>
+          <a:p>
+            <a:pPr algn="just"/>
+            <a:r>
+              <a:rPr lang="fr-FR" dirty="0" smtClean="0">
+                <a:solidFill>
+                  <a:schemeClr val="tx1"/>
+                </a:solidFill>
+              </a:rPr>
+              <a:t>Le </a:t>
+            </a:r>
+            <a:r>
+              <a:rPr lang="fr-FR" dirty="0">
+                <a:solidFill>
+                  <a:schemeClr val="tx1"/>
+                </a:solidFill>
+              </a:rPr>
+              <a:t>paramètre nommé </a:t>
+            </a:r>
+            <a:r>
+              <a:rPr lang="fr-FR" b="1" i="1" dirty="0">
+                <a:solidFill>
+                  <a:schemeClr val="accent6"/>
+                </a:solidFill>
+              </a:rPr>
+              <a:t>end</a:t>
+            </a:r>
+            <a:r>
+              <a:rPr lang="fr-FR" dirty="0">
+                <a:solidFill>
+                  <a:schemeClr val="tx1"/>
+                </a:solidFill>
+              </a:rPr>
+              <a:t> peut servir pour enlever le retour à la ligne, ou terminer la ligne par une autre chaîne</a:t>
+            </a:r>
+            <a:endParaRPr lang="fr-FR" dirty="0">
+              <a:solidFill>
+                <a:schemeClr val="tx1"/>
+              </a:solidFill>
+            </a:endParaRPr>
+          </a:p>
+        </p:txBody>
+      </p:sp>
+      <p:pic>
+        <p:nvPicPr>
+          <p:cNvPr id="4" name="Image 3"/>
+          <p:cNvPicPr>
+            <a:picLocks noChangeAspect="1"/>
+          </p:cNvPicPr>
+          <p:nvPr/>
+        </p:nvPicPr>
+        <p:blipFill>
+          <a:blip r:embed="rId3"/>
+          <a:stretch>
+            <a:fillRect/>
+          </a:stretch>
+        </p:blipFill>
+        <p:spPr>
+          <a:xfrm>
+            <a:off x="2055165" y="5040754"/>
+            <a:ext cx="3676650" cy="942975"/>
+          </a:xfrm>
+          <a:prstGeom prst="rect">
+            <a:avLst/>
+          </a:prstGeom>
+          <a:ln>
+            <a:noFill/>
+          </a:ln>
+          <a:effectLst>
+            <a:outerShdw blurRad="292100" dist="139700" dir="2700000" algn="tl" rotWithShape="0">
+              <a:srgbClr val="333333">
+                <a:alpha val="65000"/>
+              </a:srgbClr>
+            </a:outerShdw>
+          </a:effectLst>
+        </p:spPr>
+      </p:pic>
+      <p:pic>
+        <p:nvPicPr>
+          <p:cNvPr id="5" name="Image 4"/>
+          <p:cNvPicPr>
+            <a:picLocks noChangeAspect="1"/>
+          </p:cNvPicPr>
+          <p:nvPr/>
+        </p:nvPicPr>
+        <p:blipFill>
+          <a:blip r:embed="rId4"/>
+          <a:stretch>
+            <a:fillRect/>
+          </a:stretch>
+        </p:blipFill>
+        <p:spPr>
+          <a:xfrm>
+            <a:off x="5922065" y="4440679"/>
+            <a:ext cx="4800600" cy="1543050"/>
+          </a:xfrm>
+          <a:prstGeom prst="rect">
+            <a:avLst/>
+          </a:prstGeom>
+          <a:ln>
+            <a:noFill/>
+          </a:ln>
+          <a:effectLst>
+            <a:outerShdw blurRad="292100" dist="139700" dir="2700000" algn="tl" rotWithShape="0">
+              <a:srgbClr val="333333">
+                <a:alpha val="65000"/>
+              </a:srgbClr>
+            </a:outerShdw>
+          </a:effectLst>
+        </p:spPr>
+      </p:pic>
+    </p:spTree>
+    <p:extLst>
+      <p:ext uri="{BB962C8B-B14F-4D97-AF65-F5344CB8AC3E}">
+        <p14:creationId xmlns:p14="http://schemas.microsoft.com/office/powerpoint/2010/main" val="3518785422"/>
+      </p:ext>
+    </p:extLst>
+  </p:cSld>
+  <p:clrMapOvr>
+    <a:masterClrMapping/>
+  </p:clrMapOvr>
+  <p:timing>
+    <p:tnLst>
+      <p:par>
+        <p:cTn id="1" dur="indefinite" restart="never" nodeType="tmRoot"/>
+      </p:par>
+    </p:tnLst>
+  </p:timing>
+</p:sld>
+</file>
+
 <file path=ppt/slides/slide4.xml><?xml version="1.0" encoding="utf-8"?>
 <p:sld xmlns:a="http://schemas.openxmlformats.org/drawingml/2006/main" xmlns:r="http://schemas.openxmlformats.org/officeDocument/2006/relationships" xmlns:p="http://schemas.openxmlformats.org/presentationml/2006/main">
   <p:cSld>
@@ -16856,6 +20103,186 @@
     <p:extLst>
       <p:ext uri="{BB962C8B-B14F-4D97-AF65-F5344CB8AC3E}">
         <p14:creationId xmlns:p14="http://schemas.microsoft.com/office/powerpoint/2010/main" val="1274068437"/>
+      </p:ext>
+    </p:extLst>
+  </p:cSld>
+  <p:clrMapOvr>
+    <a:masterClrMapping/>
+  </p:clrMapOvr>
+  <p:timing>
+    <p:tnLst>
+      <p:par>
+        <p:cTn id="1" dur="indefinite" restart="never" nodeType="tmRoot"/>
+      </p:par>
+    </p:tnLst>
+  </p:timing>
+</p:sld>
+</file>
+
+<file path=ppt/slides/slide40.xml><?xml version="1.0" encoding="utf-8"?>
+<p:sld xmlns:a="http://schemas.openxmlformats.org/drawingml/2006/main" xmlns:r="http://schemas.openxmlformats.org/officeDocument/2006/relationships" xmlns:p="http://schemas.openxmlformats.org/presentationml/2006/main">
+  <p:cSld>
+    <p:spTree>
+      <p:nvGrpSpPr>
+        <p:cNvPr id="1" name=""/>
+        <p:cNvGrpSpPr/>
+        <p:nvPr/>
+      </p:nvGrpSpPr>
+      <p:grpSpPr>
+        <a:xfrm>
+          <a:off x="0" y="0"/>
+          <a:ext cx="0" cy="0"/>
+          <a:chOff x="0" y="0"/>
+          <a:chExt cx="0" cy="0"/>
+        </a:xfrm>
+      </p:grpSpPr>
+      <p:sp>
+        <p:nvSpPr>
+          <p:cNvPr id="2" name="Titre 1"/>
+          <p:cNvSpPr>
+            <a:spLocks noGrp="1"/>
+          </p:cNvSpPr>
+          <p:nvPr>
+            <p:ph type="title"/>
+          </p:nvPr>
+        </p:nvSpPr>
+        <p:spPr>
+          <a:xfrm>
+            <a:off x="2592925" y="624110"/>
+            <a:ext cx="8911687" cy="1280890"/>
+          </a:xfrm>
+        </p:spPr>
+        <p:txBody>
+          <a:bodyPr/>
+          <a:lstStyle/>
+          <a:p>
+            <a:r>
+              <a:rPr lang="fr-FR" dirty="0" smtClean="0"/>
+              <a:t>Références</a:t>
+            </a:r>
+            <a:endParaRPr lang="fr-FR" dirty="0"/>
+          </a:p>
+        </p:txBody>
+      </p:sp>
+      <p:sp>
+        <p:nvSpPr>
+          <p:cNvPr id="3" name="Espace réservé du contenu 2"/>
+          <p:cNvSpPr>
+            <a:spLocks noGrp="1"/>
+          </p:cNvSpPr>
+          <p:nvPr>
+            <p:ph idx="1"/>
+          </p:nvPr>
+        </p:nvSpPr>
+        <p:spPr>
+          <a:xfrm>
+            <a:off x="1661823" y="1542413"/>
+            <a:ext cx="9842789" cy="2965977"/>
+          </a:xfrm>
+        </p:spPr>
+        <p:txBody>
+          <a:bodyPr anchor="ctr" anchorCtr="0">
+            <a:normAutofit/>
+          </a:bodyPr>
+          <a:lstStyle/>
+          <a:p>
+            <a:pPr algn="just"/>
+            <a:r>
+              <a:rPr lang="fr-FR" dirty="0" smtClean="0">
+                <a:solidFill>
+                  <a:schemeClr val="tx1"/>
+                </a:solidFill>
+              </a:rPr>
+              <a:t>Python.org </a:t>
+            </a:r>
+            <a:r>
+              <a:rPr lang="fr-FR" dirty="0">
+                <a:solidFill>
+                  <a:schemeClr val="tx1"/>
+                </a:solidFill>
+              </a:rPr>
+              <a:t>: </a:t>
+            </a:r>
+            <a:r>
+              <a:rPr lang="fr-FR" dirty="0">
+                <a:solidFill>
+                  <a:schemeClr val="tx1"/>
+                </a:solidFill>
+                <a:hlinkClick r:id="rId3"/>
+              </a:rPr>
+              <a:t>https://www.python.org</a:t>
+            </a:r>
+            <a:r>
+              <a:rPr lang="fr-FR" dirty="0" smtClean="0">
+                <a:solidFill>
+                  <a:schemeClr val="tx1"/>
+                </a:solidFill>
+                <a:hlinkClick r:id="rId3"/>
+              </a:rPr>
+              <a:t>/</a:t>
+            </a:r>
+            <a:endParaRPr lang="fr-FR" dirty="0" smtClean="0">
+              <a:solidFill>
+                <a:schemeClr val="tx1"/>
+              </a:solidFill>
+            </a:endParaRPr>
+          </a:p>
+          <a:p>
+            <a:pPr algn="just"/>
+            <a:r>
+              <a:rPr lang="fr-FR" dirty="0">
+                <a:solidFill>
+                  <a:schemeClr val="tx1"/>
+                </a:solidFill>
+              </a:rPr>
+              <a:t>Learning Python : </a:t>
+            </a:r>
+            <a:r>
+              <a:rPr lang="fr-FR" dirty="0">
+                <a:solidFill>
+                  <a:schemeClr val="tx1"/>
+                </a:solidFill>
+                <a:hlinkClick r:id="rId4"/>
+              </a:rPr>
+              <a:t>https://</a:t>
+            </a:r>
+            <a:r>
+              <a:rPr lang="fr-FR" dirty="0" smtClean="0">
+                <a:solidFill>
+                  <a:schemeClr val="tx1"/>
+                </a:solidFill>
+                <a:hlinkClick r:id="rId4"/>
+              </a:rPr>
+              <a:t>github.com/thierrydecker/learning-python</a:t>
+            </a:r>
+            <a:endParaRPr lang="fr-FR" dirty="0" smtClean="0">
+              <a:solidFill>
+                <a:schemeClr val="tx1"/>
+              </a:solidFill>
+            </a:endParaRPr>
+          </a:p>
+          <a:p>
+            <a:pPr algn="just"/>
+            <a:r>
+              <a:rPr lang="fr-FR" dirty="0" smtClean="0">
+                <a:solidFill>
+                  <a:schemeClr val="tx1"/>
+                </a:solidFill>
+              </a:rPr>
+              <a:t>…</a:t>
+            </a:r>
+            <a:endParaRPr lang="fr-FR" dirty="0">
+              <a:solidFill>
+                <a:schemeClr val="tx1"/>
+              </a:solidFill>
+            </a:endParaRPr>
+          </a:p>
+        </p:txBody>
+      </p:sp>
+    </p:spTree>
+    <p:extLst>
+      <p:ext uri="{BB962C8B-B14F-4D97-AF65-F5344CB8AC3E}">
+        <p14:creationId xmlns:p14="http://schemas.microsoft.com/office/powerpoint/2010/main" val="3875151851"/>
       </p:ext>
     </p:extLst>
   </p:cSld>

--- a/documentations/learning-python.pptx
+++ b/documentations/learning-python.pptx
@@ -5,7 +5,7 @@
     <p:sldMasterId id="2147483665" r:id="rId1"/>
   </p:sldMasterIdLst>
   <p:notesMasterIdLst>
-    <p:notesMasterId r:id="rId42"/>
+    <p:notesMasterId r:id="rId49"/>
   </p:notesMasterIdLst>
   <p:sldIdLst>
     <p:sldId id="256" r:id="rId2"/>
@@ -47,7 +47,14 @@
     <p:sldId id="294" r:id="rId38"/>
     <p:sldId id="293" r:id="rId39"/>
     <p:sldId id="295" r:id="rId40"/>
-    <p:sldId id="285" r:id="rId41"/>
+    <p:sldId id="296" r:id="rId41"/>
+    <p:sldId id="297" r:id="rId42"/>
+    <p:sldId id="298" r:id="rId43"/>
+    <p:sldId id="299" r:id="rId44"/>
+    <p:sldId id="300" r:id="rId45"/>
+    <p:sldId id="301" r:id="rId46"/>
+    <p:sldId id="302" r:id="rId47"/>
+    <p:sldId id="285" r:id="rId48"/>
   </p:sldIdLst>
   <p:sldSz cx="12192000" cy="6858000"/>
   <p:notesSz cx="6858000" cy="9144000"/>
@@ -3266,7 +3273,7 @@
     </p:spTree>
     <p:extLst>
       <p:ext uri="{BB962C8B-B14F-4D97-AF65-F5344CB8AC3E}">
-        <p14:creationId xmlns:p14="http://schemas.microsoft.com/office/powerpoint/2010/main" val="831955769"/>
+        <p14:creationId xmlns:p14="http://schemas.microsoft.com/office/powerpoint/2010/main" val="2322716678"/>
       </p:ext>
     </p:extLst>
   </p:cSld>
@@ -3351,6 +3358,594 @@
     <p:extLst>
       <p:ext uri="{BB962C8B-B14F-4D97-AF65-F5344CB8AC3E}">
         <p14:creationId xmlns:p14="http://schemas.microsoft.com/office/powerpoint/2010/main" val="2834213693"/>
+      </p:ext>
+    </p:extLst>
+  </p:cSld>
+  <p:clrMapOvr>
+    <a:masterClrMapping/>
+  </p:clrMapOvr>
+</p:notes>
+</file>
+
+<file path=ppt/notesSlides/notesSlide40.xml><?xml version="1.0" encoding="utf-8"?>
+<p:notes xmlns:a="http://schemas.openxmlformats.org/drawingml/2006/main" xmlns:r="http://schemas.openxmlformats.org/officeDocument/2006/relationships" xmlns:p="http://schemas.openxmlformats.org/presentationml/2006/main">
+  <p:cSld>
+    <p:spTree>
+      <p:nvGrpSpPr>
+        <p:cNvPr id="1" name=""/>
+        <p:cNvGrpSpPr/>
+        <p:nvPr/>
+      </p:nvGrpSpPr>
+      <p:grpSpPr>
+        <a:xfrm>
+          <a:off x="0" y="0"/>
+          <a:ext cx="0" cy="0"/>
+          <a:chOff x="0" y="0"/>
+          <a:chExt cx="0" cy="0"/>
+        </a:xfrm>
+      </p:grpSpPr>
+      <p:sp>
+        <p:nvSpPr>
+          <p:cNvPr id="2" name="Espace réservé de l'image des diapositives 1"/>
+          <p:cNvSpPr>
+            <a:spLocks noGrp="1" noRot="1" noChangeAspect="1"/>
+          </p:cNvSpPr>
+          <p:nvPr>
+            <p:ph type="sldImg"/>
+          </p:nvPr>
+        </p:nvSpPr>
+        <p:spPr/>
+      </p:sp>
+      <p:sp>
+        <p:nvSpPr>
+          <p:cNvPr id="3" name="Espace réservé des commentaires 2"/>
+          <p:cNvSpPr>
+            <a:spLocks noGrp="1"/>
+          </p:cNvSpPr>
+          <p:nvPr>
+            <p:ph type="body" idx="1"/>
+          </p:nvPr>
+        </p:nvSpPr>
+        <p:spPr/>
+        <p:txBody>
+          <a:bodyPr/>
+          <a:lstStyle/>
+          <a:p>
+            <a:endParaRPr lang="fr-FR" dirty="0"/>
+          </a:p>
+        </p:txBody>
+      </p:sp>
+      <p:sp>
+        <p:nvSpPr>
+          <p:cNvPr id="4" name="Espace réservé du numéro de diapositive 3"/>
+          <p:cNvSpPr>
+            <a:spLocks noGrp="1"/>
+          </p:cNvSpPr>
+          <p:nvPr>
+            <p:ph type="sldNum" sz="quarter" idx="10"/>
+          </p:nvPr>
+        </p:nvSpPr>
+        <p:spPr/>
+        <p:txBody>
+          <a:bodyPr/>
+          <a:lstStyle/>
+          <a:p>
+            <a:fld id="{58BEE673-8D3B-4BBD-97EB-7004EF7CF6EF}" type="slidenum">
+              <a:rPr lang="fr-FR" smtClean="0"/>
+              <a:t>41</a:t>
+            </a:fld>
+            <a:endParaRPr lang="fr-FR" dirty="0"/>
+          </a:p>
+        </p:txBody>
+      </p:sp>
+    </p:spTree>
+    <p:extLst>
+      <p:ext uri="{BB962C8B-B14F-4D97-AF65-F5344CB8AC3E}">
+        <p14:creationId xmlns:p14="http://schemas.microsoft.com/office/powerpoint/2010/main" val="4024909163"/>
+      </p:ext>
+    </p:extLst>
+  </p:cSld>
+  <p:clrMapOvr>
+    <a:masterClrMapping/>
+  </p:clrMapOvr>
+</p:notes>
+</file>
+
+<file path=ppt/notesSlides/notesSlide41.xml><?xml version="1.0" encoding="utf-8"?>
+<p:notes xmlns:a="http://schemas.openxmlformats.org/drawingml/2006/main" xmlns:r="http://schemas.openxmlformats.org/officeDocument/2006/relationships" xmlns:p="http://schemas.openxmlformats.org/presentationml/2006/main">
+  <p:cSld>
+    <p:spTree>
+      <p:nvGrpSpPr>
+        <p:cNvPr id="1" name=""/>
+        <p:cNvGrpSpPr/>
+        <p:nvPr/>
+      </p:nvGrpSpPr>
+      <p:grpSpPr>
+        <a:xfrm>
+          <a:off x="0" y="0"/>
+          <a:ext cx="0" cy="0"/>
+          <a:chOff x="0" y="0"/>
+          <a:chExt cx="0" cy="0"/>
+        </a:xfrm>
+      </p:grpSpPr>
+      <p:sp>
+        <p:nvSpPr>
+          <p:cNvPr id="2" name="Espace réservé de l'image des diapositives 1"/>
+          <p:cNvSpPr>
+            <a:spLocks noGrp="1" noRot="1" noChangeAspect="1"/>
+          </p:cNvSpPr>
+          <p:nvPr>
+            <p:ph type="sldImg"/>
+          </p:nvPr>
+        </p:nvSpPr>
+        <p:spPr/>
+      </p:sp>
+      <p:sp>
+        <p:nvSpPr>
+          <p:cNvPr id="3" name="Espace réservé des commentaires 2"/>
+          <p:cNvSpPr>
+            <a:spLocks noGrp="1"/>
+          </p:cNvSpPr>
+          <p:nvPr>
+            <p:ph type="body" idx="1"/>
+          </p:nvPr>
+        </p:nvSpPr>
+        <p:spPr/>
+        <p:txBody>
+          <a:bodyPr/>
+          <a:lstStyle/>
+          <a:p>
+            <a:endParaRPr lang="fr-FR" dirty="0"/>
+          </a:p>
+        </p:txBody>
+      </p:sp>
+      <p:sp>
+        <p:nvSpPr>
+          <p:cNvPr id="4" name="Espace réservé du numéro de diapositive 3"/>
+          <p:cNvSpPr>
+            <a:spLocks noGrp="1"/>
+          </p:cNvSpPr>
+          <p:nvPr>
+            <p:ph type="sldNum" sz="quarter" idx="10"/>
+          </p:nvPr>
+        </p:nvSpPr>
+        <p:spPr/>
+        <p:txBody>
+          <a:bodyPr/>
+          <a:lstStyle/>
+          <a:p>
+            <a:fld id="{58BEE673-8D3B-4BBD-97EB-7004EF7CF6EF}" type="slidenum">
+              <a:rPr lang="fr-FR" smtClean="0"/>
+              <a:t>42</a:t>
+            </a:fld>
+            <a:endParaRPr lang="fr-FR" dirty="0"/>
+          </a:p>
+        </p:txBody>
+      </p:sp>
+    </p:spTree>
+    <p:extLst>
+      <p:ext uri="{BB962C8B-B14F-4D97-AF65-F5344CB8AC3E}">
+        <p14:creationId xmlns:p14="http://schemas.microsoft.com/office/powerpoint/2010/main" val="4145649036"/>
+      </p:ext>
+    </p:extLst>
+  </p:cSld>
+  <p:clrMapOvr>
+    <a:masterClrMapping/>
+  </p:clrMapOvr>
+</p:notes>
+</file>
+
+<file path=ppt/notesSlides/notesSlide42.xml><?xml version="1.0" encoding="utf-8"?>
+<p:notes xmlns:a="http://schemas.openxmlformats.org/drawingml/2006/main" xmlns:r="http://schemas.openxmlformats.org/officeDocument/2006/relationships" xmlns:p="http://schemas.openxmlformats.org/presentationml/2006/main">
+  <p:cSld>
+    <p:spTree>
+      <p:nvGrpSpPr>
+        <p:cNvPr id="1" name=""/>
+        <p:cNvGrpSpPr/>
+        <p:nvPr/>
+      </p:nvGrpSpPr>
+      <p:grpSpPr>
+        <a:xfrm>
+          <a:off x="0" y="0"/>
+          <a:ext cx="0" cy="0"/>
+          <a:chOff x="0" y="0"/>
+          <a:chExt cx="0" cy="0"/>
+        </a:xfrm>
+      </p:grpSpPr>
+      <p:sp>
+        <p:nvSpPr>
+          <p:cNvPr id="2" name="Espace réservé de l'image des diapositives 1"/>
+          <p:cNvSpPr>
+            <a:spLocks noGrp="1" noRot="1" noChangeAspect="1"/>
+          </p:cNvSpPr>
+          <p:nvPr>
+            <p:ph type="sldImg"/>
+          </p:nvPr>
+        </p:nvSpPr>
+        <p:spPr/>
+      </p:sp>
+      <p:sp>
+        <p:nvSpPr>
+          <p:cNvPr id="3" name="Espace réservé des commentaires 2"/>
+          <p:cNvSpPr>
+            <a:spLocks noGrp="1"/>
+          </p:cNvSpPr>
+          <p:nvPr>
+            <p:ph type="body" idx="1"/>
+          </p:nvPr>
+        </p:nvSpPr>
+        <p:spPr/>
+        <p:txBody>
+          <a:bodyPr/>
+          <a:lstStyle/>
+          <a:p>
+            <a:endParaRPr lang="fr-FR" dirty="0"/>
+          </a:p>
+        </p:txBody>
+      </p:sp>
+      <p:sp>
+        <p:nvSpPr>
+          <p:cNvPr id="4" name="Espace réservé du numéro de diapositive 3"/>
+          <p:cNvSpPr>
+            <a:spLocks noGrp="1"/>
+          </p:cNvSpPr>
+          <p:nvPr>
+            <p:ph type="sldNum" sz="quarter" idx="10"/>
+          </p:nvPr>
+        </p:nvSpPr>
+        <p:spPr/>
+        <p:txBody>
+          <a:bodyPr/>
+          <a:lstStyle/>
+          <a:p>
+            <a:fld id="{58BEE673-8D3B-4BBD-97EB-7004EF7CF6EF}" type="slidenum">
+              <a:rPr lang="fr-FR" smtClean="0"/>
+              <a:t>43</a:t>
+            </a:fld>
+            <a:endParaRPr lang="fr-FR" dirty="0"/>
+          </a:p>
+        </p:txBody>
+      </p:sp>
+    </p:spTree>
+    <p:extLst>
+      <p:ext uri="{BB962C8B-B14F-4D97-AF65-F5344CB8AC3E}">
+        <p14:creationId xmlns:p14="http://schemas.microsoft.com/office/powerpoint/2010/main" val="1066543301"/>
+      </p:ext>
+    </p:extLst>
+  </p:cSld>
+  <p:clrMapOvr>
+    <a:masterClrMapping/>
+  </p:clrMapOvr>
+</p:notes>
+</file>
+
+<file path=ppt/notesSlides/notesSlide43.xml><?xml version="1.0" encoding="utf-8"?>
+<p:notes xmlns:a="http://schemas.openxmlformats.org/drawingml/2006/main" xmlns:r="http://schemas.openxmlformats.org/officeDocument/2006/relationships" xmlns:p="http://schemas.openxmlformats.org/presentationml/2006/main">
+  <p:cSld>
+    <p:spTree>
+      <p:nvGrpSpPr>
+        <p:cNvPr id="1" name=""/>
+        <p:cNvGrpSpPr/>
+        <p:nvPr/>
+      </p:nvGrpSpPr>
+      <p:grpSpPr>
+        <a:xfrm>
+          <a:off x="0" y="0"/>
+          <a:ext cx="0" cy="0"/>
+          <a:chOff x="0" y="0"/>
+          <a:chExt cx="0" cy="0"/>
+        </a:xfrm>
+      </p:grpSpPr>
+      <p:sp>
+        <p:nvSpPr>
+          <p:cNvPr id="2" name="Espace réservé de l'image des diapositives 1"/>
+          <p:cNvSpPr>
+            <a:spLocks noGrp="1" noRot="1" noChangeAspect="1"/>
+          </p:cNvSpPr>
+          <p:nvPr>
+            <p:ph type="sldImg"/>
+          </p:nvPr>
+        </p:nvSpPr>
+        <p:spPr/>
+      </p:sp>
+      <p:sp>
+        <p:nvSpPr>
+          <p:cNvPr id="3" name="Espace réservé des commentaires 2"/>
+          <p:cNvSpPr>
+            <a:spLocks noGrp="1"/>
+          </p:cNvSpPr>
+          <p:nvPr>
+            <p:ph type="body" idx="1"/>
+          </p:nvPr>
+        </p:nvSpPr>
+        <p:spPr/>
+        <p:txBody>
+          <a:bodyPr/>
+          <a:lstStyle/>
+          <a:p>
+            <a:endParaRPr lang="fr-FR" dirty="0"/>
+          </a:p>
+        </p:txBody>
+      </p:sp>
+      <p:sp>
+        <p:nvSpPr>
+          <p:cNvPr id="4" name="Espace réservé du numéro de diapositive 3"/>
+          <p:cNvSpPr>
+            <a:spLocks noGrp="1"/>
+          </p:cNvSpPr>
+          <p:nvPr>
+            <p:ph type="sldNum" sz="quarter" idx="10"/>
+          </p:nvPr>
+        </p:nvSpPr>
+        <p:spPr/>
+        <p:txBody>
+          <a:bodyPr/>
+          <a:lstStyle/>
+          <a:p>
+            <a:fld id="{58BEE673-8D3B-4BBD-97EB-7004EF7CF6EF}" type="slidenum">
+              <a:rPr lang="fr-FR" smtClean="0"/>
+              <a:t>44</a:t>
+            </a:fld>
+            <a:endParaRPr lang="fr-FR" dirty="0"/>
+          </a:p>
+        </p:txBody>
+      </p:sp>
+    </p:spTree>
+    <p:extLst>
+      <p:ext uri="{BB962C8B-B14F-4D97-AF65-F5344CB8AC3E}">
+        <p14:creationId xmlns:p14="http://schemas.microsoft.com/office/powerpoint/2010/main" val="1139712023"/>
+      </p:ext>
+    </p:extLst>
+  </p:cSld>
+  <p:clrMapOvr>
+    <a:masterClrMapping/>
+  </p:clrMapOvr>
+</p:notes>
+</file>
+
+<file path=ppt/notesSlides/notesSlide44.xml><?xml version="1.0" encoding="utf-8"?>
+<p:notes xmlns:a="http://schemas.openxmlformats.org/drawingml/2006/main" xmlns:r="http://schemas.openxmlformats.org/officeDocument/2006/relationships" xmlns:p="http://schemas.openxmlformats.org/presentationml/2006/main">
+  <p:cSld>
+    <p:spTree>
+      <p:nvGrpSpPr>
+        <p:cNvPr id="1" name=""/>
+        <p:cNvGrpSpPr/>
+        <p:nvPr/>
+      </p:nvGrpSpPr>
+      <p:grpSpPr>
+        <a:xfrm>
+          <a:off x="0" y="0"/>
+          <a:ext cx="0" cy="0"/>
+          <a:chOff x="0" y="0"/>
+          <a:chExt cx="0" cy="0"/>
+        </a:xfrm>
+      </p:grpSpPr>
+      <p:sp>
+        <p:nvSpPr>
+          <p:cNvPr id="2" name="Espace réservé de l'image des diapositives 1"/>
+          <p:cNvSpPr>
+            <a:spLocks noGrp="1" noRot="1" noChangeAspect="1"/>
+          </p:cNvSpPr>
+          <p:nvPr>
+            <p:ph type="sldImg"/>
+          </p:nvPr>
+        </p:nvSpPr>
+        <p:spPr/>
+      </p:sp>
+      <p:sp>
+        <p:nvSpPr>
+          <p:cNvPr id="3" name="Espace réservé des commentaires 2"/>
+          <p:cNvSpPr>
+            <a:spLocks noGrp="1"/>
+          </p:cNvSpPr>
+          <p:nvPr>
+            <p:ph type="body" idx="1"/>
+          </p:nvPr>
+        </p:nvSpPr>
+        <p:spPr/>
+        <p:txBody>
+          <a:bodyPr/>
+          <a:lstStyle/>
+          <a:p>
+            <a:endParaRPr lang="fr-FR" dirty="0"/>
+          </a:p>
+        </p:txBody>
+      </p:sp>
+      <p:sp>
+        <p:nvSpPr>
+          <p:cNvPr id="4" name="Espace réservé du numéro de diapositive 3"/>
+          <p:cNvSpPr>
+            <a:spLocks noGrp="1"/>
+          </p:cNvSpPr>
+          <p:nvPr>
+            <p:ph type="sldNum" sz="quarter" idx="10"/>
+          </p:nvPr>
+        </p:nvSpPr>
+        <p:spPr/>
+        <p:txBody>
+          <a:bodyPr/>
+          <a:lstStyle/>
+          <a:p>
+            <a:fld id="{58BEE673-8D3B-4BBD-97EB-7004EF7CF6EF}" type="slidenum">
+              <a:rPr lang="fr-FR" smtClean="0"/>
+              <a:t>45</a:t>
+            </a:fld>
+            <a:endParaRPr lang="fr-FR" dirty="0"/>
+          </a:p>
+        </p:txBody>
+      </p:sp>
+    </p:spTree>
+    <p:extLst>
+      <p:ext uri="{BB962C8B-B14F-4D97-AF65-F5344CB8AC3E}">
+        <p14:creationId xmlns:p14="http://schemas.microsoft.com/office/powerpoint/2010/main" val="3485008996"/>
+      </p:ext>
+    </p:extLst>
+  </p:cSld>
+  <p:clrMapOvr>
+    <a:masterClrMapping/>
+  </p:clrMapOvr>
+</p:notes>
+</file>
+
+<file path=ppt/notesSlides/notesSlide45.xml><?xml version="1.0" encoding="utf-8"?>
+<p:notes xmlns:a="http://schemas.openxmlformats.org/drawingml/2006/main" xmlns:r="http://schemas.openxmlformats.org/officeDocument/2006/relationships" xmlns:p="http://schemas.openxmlformats.org/presentationml/2006/main">
+  <p:cSld>
+    <p:spTree>
+      <p:nvGrpSpPr>
+        <p:cNvPr id="1" name=""/>
+        <p:cNvGrpSpPr/>
+        <p:nvPr/>
+      </p:nvGrpSpPr>
+      <p:grpSpPr>
+        <a:xfrm>
+          <a:off x="0" y="0"/>
+          <a:ext cx="0" cy="0"/>
+          <a:chOff x="0" y="0"/>
+          <a:chExt cx="0" cy="0"/>
+        </a:xfrm>
+      </p:grpSpPr>
+      <p:sp>
+        <p:nvSpPr>
+          <p:cNvPr id="2" name="Espace réservé de l'image des diapositives 1"/>
+          <p:cNvSpPr>
+            <a:spLocks noGrp="1" noRot="1" noChangeAspect="1"/>
+          </p:cNvSpPr>
+          <p:nvPr>
+            <p:ph type="sldImg"/>
+          </p:nvPr>
+        </p:nvSpPr>
+        <p:spPr/>
+      </p:sp>
+      <p:sp>
+        <p:nvSpPr>
+          <p:cNvPr id="3" name="Espace réservé des commentaires 2"/>
+          <p:cNvSpPr>
+            <a:spLocks noGrp="1"/>
+          </p:cNvSpPr>
+          <p:nvPr>
+            <p:ph type="body" idx="1"/>
+          </p:nvPr>
+        </p:nvSpPr>
+        <p:spPr/>
+        <p:txBody>
+          <a:bodyPr/>
+          <a:lstStyle/>
+          <a:p>
+            <a:endParaRPr lang="fr-FR" dirty="0"/>
+          </a:p>
+        </p:txBody>
+      </p:sp>
+      <p:sp>
+        <p:nvSpPr>
+          <p:cNvPr id="4" name="Espace réservé du numéro de diapositive 3"/>
+          <p:cNvSpPr>
+            <a:spLocks noGrp="1"/>
+          </p:cNvSpPr>
+          <p:nvPr>
+            <p:ph type="sldNum" sz="quarter" idx="10"/>
+          </p:nvPr>
+        </p:nvSpPr>
+        <p:spPr/>
+        <p:txBody>
+          <a:bodyPr/>
+          <a:lstStyle/>
+          <a:p>
+            <a:fld id="{58BEE673-8D3B-4BBD-97EB-7004EF7CF6EF}" type="slidenum">
+              <a:rPr lang="fr-FR" smtClean="0"/>
+              <a:t>46</a:t>
+            </a:fld>
+            <a:endParaRPr lang="fr-FR" dirty="0"/>
+          </a:p>
+        </p:txBody>
+      </p:sp>
+    </p:spTree>
+    <p:extLst>
+      <p:ext uri="{BB962C8B-B14F-4D97-AF65-F5344CB8AC3E}">
+        <p14:creationId xmlns:p14="http://schemas.microsoft.com/office/powerpoint/2010/main" val="1756363240"/>
+      </p:ext>
+    </p:extLst>
+  </p:cSld>
+  <p:clrMapOvr>
+    <a:masterClrMapping/>
+  </p:clrMapOvr>
+</p:notes>
+</file>
+
+<file path=ppt/notesSlides/notesSlide46.xml><?xml version="1.0" encoding="utf-8"?>
+<p:notes xmlns:a="http://schemas.openxmlformats.org/drawingml/2006/main" xmlns:r="http://schemas.openxmlformats.org/officeDocument/2006/relationships" xmlns:p="http://schemas.openxmlformats.org/presentationml/2006/main">
+  <p:cSld>
+    <p:spTree>
+      <p:nvGrpSpPr>
+        <p:cNvPr id="1" name=""/>
+        <p:cNvGrpSpPr/>
+        <p:nvPr/>
+      </p:nvGrpSpPr>
+      <p:grpSpPr>
+        <a:xfrm>
+          <a:off x="0" y="0"/>
+          <a:ext cx="0" cy="0"/>
+          <a:chOff x="0" y="0"/>
+          <a:chExt cx="0" cy="0"/>
+        </a:xfrm>
+      </p:grpSpPr>
+      <p:sp>
+        <p:nvSpPr>
+          <p:cNvPr id="2" name="Espace réservé de l'image des diapositives 1"/>
+          <p:cNvSpPr>
+            <a:spLocks noGrp="1" noRot="1" noChangeAspect="1"/>
+          </p:cNvSpPr>
+          <p:nvPr>
+            <p:ph type="sldImg"/>
+          </p:nvPr>
+        </p:nvSpPr>
+        <p:spPr/>
+      </p:sp>
+      <p:sp>
+        <p:nvSpPr>
+          <p:cNvPr id="3" name="Espace réservé des commentaires 2"/>
+          <p:cNvSpPr>
+            <a:spLocks noGrp="1"/>
+          </p:cNvSpPr>
+          <p:nvPr>
+            <p:ph type="body" idx="1"/>
+          </p:nvPr>
+        </p:nvSpPr>
+        <p:spPr/>
+        <p:txBody>
+          <a:bodyPr/>
+          <a:lstStyle/>
+          <a:p>
+            <a:endParaRPr lang="fr-FR" dirty="0"/>
+          </a:p>
+        </p:txBody>
+      </p:sp>
+      <p:sp>
+        <p:nvSpPr>
+          <p:cNvPr id="4" name="Espace réservé du numéro de diapositive 3"/>
+          <p:cNvSpPr>
+            <a:spLocks noGrp="1"/>
+          </p:cNvSpPr>
+          <p:nvPr>
+            <p:ph type="sldNum" sz="quarter" idx="10"/>
+          </p:nvPr>
+        </p:nvSpPr>
+        <p:spPr/>
+        <p:txBody>
+          <a:bodyPr/>
+          <a:lstStyle/>
+          <a:p>
+            <a:fld id="{58BEE673-8D3B-4BBD-97EB-7004EF7CF6EF}" type="slidenum">
+              <a:rPr lang="fr-FR" smtClean="0"/>
+              <a:t>47</a:t>
+            </a:fld>
+            <a:endParaRPr lang="fr-FR" dirty="0"/>
+          </a:p>
+        </p:txBody>
+      </p:sp>
+    </p:spTree>
+    <p:extLst>
+      <p:ext uri="{BB962C8B-B14F-4D97-AF65-F5344CB8AC3E}">
+        <p14:creationId xmlns:p14="http://schemas.microsoft.com/office/powerpoint/2010/main" val="831955769"/>
       </p:ext>
     </p:extLst>
   </p:cSld>
@@ -7192,40 +7787,44 @@
           </a:p>
         </p:txBody>
       </p:sp>
-      <p:pic>
-        <p:nvPicPr>
-          <p:cNvPr id="11" name="Image 10"/>
-          <p:cNvPicPr>
-            <a:picLocks noChangeAspect="1"/>
-          </p:cNvPicPr>
+      <p:sp>
+        <p:nvSpPr>
+          <p:cNvPr id="2" name="ZoneTexte 1"/>
+          <p:cNvSpPr txBox="1"/>
           <p:nvPr userDrawn="1"/>
-        </p:nvPicPr>
-        <p:blipFill>
-          <a:blip r:embed="rId2"/>
-          <a:stretch>
-            <a:fillRect/>
-          </a:stretch>
-        </p:blipFill>
+        </p:nvSpPr>
         <p:spPr>
           <a:xfrm>
-            <a:off x="282927" y="164808"/>
-            <a:ext cx="707010" cy="238806"/>
+            <a:off x="206734" y="6611779"/>
+            <a:ext cx="1619354" cy="230832"/>
           </a:xfrm>
           <a:prstGeom prst="rect">
             <a:avLst/>
           </a:prstGeom>
-          <a:ln>
-            <a:noFill/>
-          </a:ln>
-          <a:effectLst>
-            <a:outerShdw blurRad="292100" dist="139700" dir="2700000" algn="tl" rotWithShape="0">
-              <a:srgbClr val="333333">
-                <a:alpha val="65000"/>
-              </a:srgbClr>
-            </a:outerShdw>
-          </a:effectLst>
+          <a:noFill/>
         </p:spPr>
-      </p:pic>
+        <p:txBody>
+          <a:bodyPr wrap="none" rtlCol="0">
+            <a:spAutoFit/>
+          </a:bodyPr>
+          <a:lstStyle/>
+          <a:p>
+            <a:r>
+              <a:rPr lang="fr-FR" sz="900" b="1" dirty="0" smtClean="0">
+                <a:solidFill>
+                  <a:schemeClr val="accent1"/>
+                </a:solidFill>
+              </a:rPr>
+              <a:t>Une introduction à Python</a:t>
+            </a:r>
+            <a:endParaRPr lang="fr-FR" sz="900" b="1" dirty="0">
+              <a:solidFill>
+                <a:schemeClr val="accent1"/>
+              </a:solidFill>
+            </a:endParaRPr>
+          </a:p>
+        </p:txBody>
+      </p:sp>
     </p:spTree>
     <p:extLst>
       <p:ext uri="{BB962C8B-B14F-4D97-AF65-F5344CB8AC3E}">
@@ -17740,11 +18339,7 @@
           <a:p>
             <a:r>
               <a:rPr lang="fr-FR" dirty="0" smtClean="0"/>
-              <a:t>Les </a:t>
-            </a:r>
-            <a:r>
-              <a:rPr lang="fr-FR" dirty="0" smtClean="0"/>
-              <a:t>listes</a:t>
+              <a:t>Les listes</a:t>
             </a:r>
             <a:endParaRPr lang="fr-FR" dirty="0"/>
           </a:p>
@@ -17870,11 +18465,6 @@
               </a:rPr>
               <a:t>les listes peuvent être indicées et découpées</a:t>
             </a:r>
-            <a:endParaRPr lang="fr-FR" dirty="0">
-              <a:solidFill>
-                <a:schemeClr val="tx1"/>
-              </a:solidFill>
-            </a:endParaRPr>
           </a:p>
         </p:txBody>
       </p:sp>
@@ -18005,11 +18595,7 @@
           <a:p>
             <a:r>
               <a:rPr lang="fr-FR" dirty="0" smtClean="0"/>
-              <a:t>Les </a:t>
-            </a:r>
-            <a:r>
-              <a:rPr lang="fr-FR" dirty="0" smtClean="0"/>
-              <a:t>listes</a:t>
+              <a:t>Les listes</a:t>
             </a:r>
             <a:endParaRPr lang="fr-FR" dirty="0"/>
           </a:p>
@@ -18205,11 +18791,7 @@
           <a:p>
             <a:r>
               <a:rPr lang="fr-FR" dirty="0" smtClean="0"/>
-              <a:t>Les </a:t>
-            </a:r>
-            <a:r>
-              <a:rPr lang="fr-FR" dirty="0" smtClean="0"/>
-              <a:t>listes</a:t>
+              <a:t>Les listes</a:t>
             </a:r>
             <a:endParaRPr lang="fr-FR" dirty="0"/>
           </a:p>
@@ -18427,11 +19009,7 @@
           <a:p>
             <a:r>
               <a:rPr lang="fr-FR" dirty="0" smtClean="0"/>
-              <a:t>Les </a:t>
-            </a:r>
-            <a:r>
-              <a:rPr lang="fr-FR" dirty="0" smtClean="0"/>
-              <a:t>listes</a:t>
+              <a:t>Les listes</a:t>
             </a:r>
             <a:endParaRPr lang="fr-FR" dirty="0"/>
           </a:p>
@@ -18468,11 +19046,6 @@
               </a:rPr>
               <a:t>Des affectations de tranches sont également possibles, ce qui peut même modifier la taille de la liste ou la vider complètement</a:t>
             </a:r>
-            <a:endParaRPr lang="fr-FR" dirty="0">
-              <a:solidFill>
-                <a:schemeClr val="tx1"/>
-              </a:solidFill>
-            </a:endParaRPr>
           </a:p>
         </p:txBody>
       </p:sp>
@@ -18569,11 +19142,7 @@
           <a:p>
             <a:r>
               <a:rPr lang="fr-FR" dirty="0" smtClean="0"/>
-              <a:t>Les </a:t>
-            </a:r>
-            <a:r>
-              <a:rPr lang="fr-FR" dirty="0" smtClean="0"/>
-              <a:t>listes</a:t>
+              <a:t>Les listes</a:t>
             </a:r>
             <a:endParaRPr lang="fr-FR" dirty="0"/>
           </a:p>
@@ -18645,11 +19214,6 @@
               </a:rPr>
               <a:t> s’applique aussi aux listes</a:t>
             </a:r>
-            <a:endParaRPr lang="fr-FR" dirty="0">
-              <a:solidFill>
-                <a:schemeClr val="tx1"/>
-              </a:solidFill>
-            </a:endParaRPr>
           </a:p>
         </p:txBody>
       </p:sp>
@@ -19903,11 +20467,6 @@
               </a:rPr>
               <a:t> peut servir pour enlever le retour à la ligne, ou terminer la ligne par une autre chaîne</a:t>
             </a:r>
-            <a:endParaRPr lang="fr-FR" dirty="0">
-              <a:solidFill>
-                <a:schemeClr val="tx1"/>
-              </a:solidFill>
-            </a:endParaRPr>
           </a:p>
         </p:txBody>
       </p:sp>
@@ -20120,6 +20679,1740 @@
 </file>
 
 <file path=ppt/slides/slide40.xml><?xml version="1.0" encoding="utf-8"?>
+<p:sld xmlns:a="http://schemas.openxmlformats.org/drawingml/2006/main" xmlns:r="http://schemas.openxmlformats.org/officeDocument/2006/relationships" xmlns:p="http://schemas.openxmlformats.org/presentationml/2006/main">
+  <p:cSld>
+    <p:spTree>
+      <p:nvGrpSpPr>
+        <p:cNvPr id="1" name=""/>
+        <p:cNvGrpSpPr/>
+        <p:nvPr/>
+      </p:nvGrpSpPr>
+      <p:grpSpPr>
+        <a:xfrm>
+          <a:off x="0" y="0"/>
+          <a:ext cx="0" cy="0"/>
+          <a:chOff x="0" y="0"/>
+          <a:chExt cx="0" cy="0"/>
+        </a:xfrm>
+      </p:grpSpPr>
+      <p:sp>
+        <p:nvSpPr>
+          <p:cNvPr id="2" name="Titre 1"/>
+          <p:cNvSpPr>
+            <a:spLocks noGrp="1"/>
+          </p:cNvSpPr>
+          <p:nvPr>
+            <p:ph type="title"/>
+          </p:nvPr>
+        </p:nvSpPr>
+        <p:spPr>
+          <a:xfrm>
+            <a:off x="2592925" y="624110"/>
+            <a:ext cx="8911687" cy="1280890"/>
+          </a:xfrm>
+        </p:spPr>
+        <p:txBody>
+          <a:bodyPr/>
+          <a:lstStyle/>
+          <a:p>
+            <a:r>
+              <a:rPr lang="fr-FR" dirty="0" smtClean="0"/>
+              <a:t>L'instruction </a:t>
+            </a:r>
+            <a:r>
+              <a:rPr lang="fr-FR" b="1" i="1" dirty="0" smtClean="0">
+                <a:solidFill>
+                  <a:schemeClr val="accent6"/>
+                </a:solidFill>
+              </a:rPr>
+              <a:t>if</a:t>
+            </a:r>
+            <a:endParaRPr lang="fr-FR" b="1" i="1" dirty="0">
+              <a:solidFill>
+                <a:schemeClr val="accent6"/>
+              </a:solidFill>
+            </a:endParaRPr>
+          </a:p>
+        </p:txBody>
+      </p:sp>
+      <p:sp>
+        <p:nvSpPr>
+          <p:cNvPr id="3" name="Espace réservé du contenu 2"/>
+          <p:cNvSpPr>
+            <a:spLocks noGrp="1"/>
+          </p:cNvSpPr>
+          <p:nvPr>
+            <p:ph idx="1"/>
+          </p:nvPr>
+        </p:nvSpPr>
+        <p:spPr>
+          <a:xfrm>
+            <a:off x="763325" y="1391478"/>
+            <a:ext cx="11065980" cy="2003729"/>
+          </a:xfrm>
+        </p:spPr>
+        <p:txBody>
+          <a:bodyPr anchor="ctr" anchorCtr="0">
+            <a:noAutofit/>
+          </a:bodyPr>
+          <a:lstStyle/>
+          <a:p>
+            <a:pPr algn="just"/>
+            <a:r>
+              <a:rPr lang="fr-FR" dirty="0" smtClean="0">
+                <a:solidFill>
+                  <a:schemeClr val="tx1"/>
+                </a:solidFill>
+              </a:rPr>
+              <a:t>Sans doute la plus connue</a:t>
+            </a:r>
+          </a:p>
+          <a:p>
+            <a:pPr algn="just"/>
+            <a:r>
+              <a:rPr lang="fr-FR" dirty="0">
+                <a:solidFill>
+                  <a:schemeClr val="tx1"/>
+                </a:solidFill>
+              </a:rPr>
+              <a:t>Il peut y avoir un nombre quelconque de parties </a:t>
+            </a:r>
+            <a:r>
+              <a:rPr lang="fr-FR" b="1" i="1" dirty="0">
+                <a:solidFill>
+                  <a:schemeClr val="accent6"/>
+                </a:solidFill>
+              </a:rPr>
+              <a:t>elif</a:t>
+            </a:r>
+            <a:r>
+              <a:rPr lang="fr-FR" dirty="0">
+                <a:solidFill>
+                  <a:schemeClr val="tx1"/>
+                </a:solidFill>
+              </a:rPr>
+              <a:t>, et la partie </a:t>
+            </a:r>
+            <a:r>
+              <a:rPr lang="fr-FR" b="1" i="1" dirty="0">
+                <a:solidFill>
+                  <a:schemeClr val="accent6"/>
+                </a:solidFill>
+              </a:rPr>
+              <a:t>else</a:t>
+            </a:r>
+            <a:r>
+              <a:rPr lang="fr-FR" dirty="0">
+                <a:solidFill>
+                  <a:schemeClr val="tx1"/>
+                </a:solidFill>
+              </a:rPr>
+              <a:t> est facultative. Le mot clé “</a:t>
+            </a:r>
+            <a:r>
+              <a:rPr lang="fr-FR" b="1" i="1" dirty="0">
+                <a:solidFill>
+                  <a:schemeClr val="accent6"/>
+                </a:solidFill>
+              </a:rPr>
+              <a:t>elif</a:t>
+            </a:r>
+            <a:r>
+              <a:rPr lang="fr-FR" dirty="0">
+                <a:solidFill>
+                  <a:schemeClr val="tx1"/>
+                </a:solidFill>
+              </a:rPr>
+              <a:t>” est un raccourci pour “else if”, mais permet de gagner un niveau d’indentation. Une séquence if … elif … elif … est par ailleurs équivalente aux instructions switch ou case disponibles dans d’autres langage</a:t>
+            </a:r>
+            <a:endParaRPr lang="fr-FR" dirty="0">
+              <a:solidFill>
+                <a:schemeClr val="tx1"/>
+              </a:solidFill>
+            </a:endParaRPr>
+          </a:p>
+        </p:txBody>
+      </p:sp>
+      <p:pic>
+        <p:nvPicPr>
+          <p:cNvPr id="6" name="Image 5"/>
+          <p:cNvPicPr>
+            <a:picLocks noChangeAspect="1"/>
+          </p:cNvPicPr>
+          <p:nvPr/>
+        </p:nvPicPr>
+        <p:blipFill>
+          <a:blip r:embed="rId3"/>
+          <a:stretch>
+            <a:fillRect/>
+          </a:stretch>
+        </p:blipFill>
+        <p:spPr>
+          <a:xfrm>
+            <a:off x="5294036" y="3203879"/>
+            <a:ext cx="4943475" cy="3086100"/>
+          </a:xfrm>
+          <a:prstGeom prst="rect">
+            <a:avLst/>
+          </a:prstGeom>
+          <a:ln>
+            <a:noFill/>
+          </a:ln>
+          <a:effectLst>
+            <a:outerShdw blurRad="292100" dist="139700" dir="2700000" algn="tl" rotWithShape="0">
+              <a:srgbClr val="333333">
+                <a:alpha val="65000"/>
+              </a:srgbClr>
+            </a:outerShdw>
+          </a:effectLst>
+        </p:spPr>
+      </p:pic>
+    </p:spTree>
+    <p:extLst>
+      <p:ext uri="{BB962C8B-B14F-4D97-AF65-F5344CB8AC3E}">
+        <p14:creationId xmlns:p14="http://schemas.microsoft.com/office/powerpoint/2010/main" val="3588876726"/>
+      </p:ext>
+    </p:extLst>
+  </p:cSld>
+  <p:clrMapOvr>
+    <a:masterClrMapping/>
+  </p:clrMapOvr>
+  <p:timing>
+    <p:tnLst>
+      <p:par>
+        <p:cTn id="1" dur="indefinite" restart="never" nodeType="tmRoot"/>
+      </p:par>
+    </p:tnLst>
+  </p:timing>
+</p:sld>
+</file>
+
+<file path=ppt/slides/slide41.xml><?xml version="1.0" encoding="utf-8"?>
+<p:sld xmlns:a="http://schemas.openxmlformats.org/drawingml/2006/main" xmlns:r="http://schemas.openxmlformats.org/officeDocument/2006/relationships" xmlns:p="http://schemas.openxmlformats.org/presentationml/2006/main">
+  <p:cSld>
+    <p:spTree>
+      <p:nvGrpSpPr>
+        <p:cNvPr id="1" name=""/>
+        <p:cNvGrpSpPr/>
+        <p:nvPr/>
+      </p:nvGrpSpPr>
+      <p:grpSpPr>
+        <a:xfrm>
+          <a:off x="0" y="0"/>
+          <a:ext cx="0" cy="0"/>
+          <a:chOff x="0" y="0"/>
+          <a:chExt cx="0" cy="0"/>
+        </a:xfrm>
+      </p:grpSpPr>
+      <p:sp>
+        <p:nvSpPr>
+          <p:cNvPr id="2" name="Titre 1"/>
+          <p:cNvSpPr>
+            <a:spLocks noGrp="1"/>
+          </p:cNvSpPr>
+          <p:nvPr>
+            <p:ph type="title"/>
+          </p:nvPr>
+        </p:nvSpPr>
+        <p:spPr>
+          <a:xfrm>
+            <a:off x="2592925" y="624110"/>
+            <a:ext cx="8911687" cy="1280890"/>
+          </a:xfrm>
+        </p:spPr>
+        <p:txBody>
+          <a:bodyPr/>
+          <a:lstStyle/>
+          <a:p>
+            <a:r>
+              <a:rPr lang="fr-FR" dirty="0" smtClean="0"/>
+              <a:t>L'instruction </a:t>
+            </a:r>
+            <a:r>
+              <a:rPr lang="fr-FR" b="1" i="1" dirty="0" smtClean="0">
+                <a:solidFill>
+                  <a:schemeClr val="accent6"/>
+                </a:solidFill>
+              </a:rPr>
+              <a:t>for</a:t>
+            </a:r>
+            <a:endParaRPr lang="fr-FR" b="1" i="1" dirty="0">
+              <a:solidFill>
+                <a:schemeClr val="accent6"/>
+              </a:solidFill>
+            </a:endParaRPr>
+          </a:p>
+        </p:txBody>
+      </p:sp>
+      <p:sp>
+        <p:nvSpPr>
+          <p:cNvPr id="3" name="Espace réservé du contenu 2"/>
+          <p:cNvSpPr>
+            <a:spLocks noGrp="1"/>
+          </p:cNvSpPr>
+          <p:nvPr>
+            <p:ph idx="1"/>
+          </p:nvPr>
+        </p:nvSpPr>
+        <p:spPr>
+          <a:xfrm>
+            <a:off x="763325" y="1701579"/>
+            <a:ext cx="11065980" cy="2297926"/>
+          </a:xfrm>
+        </p:spPr>
+        <p:txBody>
+          <a:bodyPr anchor="ctr" anchorCtr="0">
+            <a:noAutofit/>
+          </a:bodyPr>
+          <a:lstStyle/>
+          <a:p>
+            <a:pPr algn="just"/>
+            <a:r>
+              <a:rPr lang="fr-FR" dirty="0">
+                <a:solidFill>
+                  <a:schemeClr val="tx1"/>
+                </a:solidFill>
+              </a:rPr>
+              <a:t>L’instruction </a:t>
+            </a:r>
+            <a:r>
+              <a:rPr lang="fr-FR" b="1" i="1" dirty="0">
+                <a:solidFill>
+                  <a:schemeClr val="accent6"/>
+                </a:solidFill>
+              </a:rPr>
+              <a:t>for</a:t>
+            </a:r>
+            <a:r>
+              <a:rPr lang="fr-FR" dirty="0">
+                <a:solidFill>
+                  <a:schemeClr val="tx1"/>
+                </a:solidFill>
+              </a:rPr>
+              <a:t> que propose Python est un peu différente de celle que l’on peut trouver en C ou en </a:t>
+            </a:r>
+            <a:r>
+              <a:rPr lang="fr-FR" dirty="0" smtClean="0">
+                <a:solidFill>
+                  <a:schemeClr val="tx1"/>
+                </a:solidFill>
+              </a:rPr>
+              <a:t>Pascal</a:t>
+            </a:r>
+          </a:p>
+          <a:p>
+            <a:pPr algn="just"/>
+            <a:r>
+              <a:rPr lang="fr-FR" dirty="0" smtClean="0">
+                <a:solidFill>
+                  <a:schemeClr val="tx1"/>
+                </a:solidFill>
+              </a:rPr>
+              <a:t>Au </a:t>
+            </a:r>
+            <a:r>
+              <a:rPr lang="fr-FR" dirty="0">
+                <a:solidFill>
+                  <a:schemeClr val="tx1"/>
+                </a:solidFill>
+              </a:rPr>
+              <a:t>lieu de toujours itérer sur une suite arithmétique de nombres (comme en Pascal), ou de donner à l’utilisateur la possibilité de définir le pas d’itération et la condition de fin (comme en C), l’instruction </a:t>
+            </a:r>
+            <a:r>
+              <a:rPr lang="fr-FR" b="1" i="1" dirty="0">
+                <a:solidFill>
+                  <a:schemeClr val="accent6"/>
+                </a:solidFill>
+              </a:rPr>
+              <a:t>for</a:t>
+            </a:r>
+            <a:r>
+              <a:rPr lang="fr-FR" dirty="0">
+                <a:solidFill>
+                  <a:schemeClr val="tx1"/>
+                </a:solidFill>
+              </a:rPr>
+              <a:t> en Python itère sur les éléments d’une séquence (qui peut être une liste, une chaîne de caractères…), dans l’ordre dans lequel ils apparaissent dans la </a:t>
+            </a:r>
+            <a:r>
+              <a:rPr lang="fr-FR" dirty="0" smtClean="0">
+                <a:solidFill>
+                  <a:schemeClr val="tx1"/>
+                </a:solidFill>
+              </a:rPr>
+              <a:t>séquence</a:t>
+            </a:r>
+            <a:endParaRPr lang="fr-FR" dirty="0">
+              <a:solidFill>
+                <a:schemeClr val="tx1"/>
+              </a:solidFill>
+            </a:endParaRPr>
+          </a:p>
+        </p:txBody>
+      </p:sp>
+      <p:pic>
+        <p:nvPicPr>
+          <p:cNvPr id="4" name="Image 3"/>
+          <p:cNvPicPr>
+            <a:picLocks noChangeAspect="1"/>
+          </p:cNvPicPr>
+          <p:nvPr/>
+        </p:nvPicPr>
+        <p:blipFill>
+          <a:blip r:embed="rId3"/>
+          <a:stretch>
+            <a:fillRect/>
+          </a:stretch>
+        </p:blipFill>
+        <p:spPr>
+          <a:xfrm>
+            <a:off x="3491616" y="4082912"/>
+            <a:ext cx="6019800" cy="2190750"/>
+          </a:xfrm>
+          <a:prstGeom prst="rect">
+            <a:avLst/>
+          </a:prstGeom>
+          <a:ln>
+            <a:noFill/>
+          </a:ln>
+          <a:effectLst>
+            <a:outerShdw blurRad="292100" dist="139700" dir="2700000" algn="tl" rotWithShape="0">
+              <a:srgbClr val="333333">
+                <a:alpha val="65000"/>
+              </a:srgbClr>
+            </a:outerShdw>
+          </a:effectLst>
+        </p:spPr>
+      </p:pic>
+    </p:spTree>
+    <p:extLst>
+      <p:ext uri="{BB962C8B-B14F-4D97-AF65-F5344CB8AC3E}">
+        <p14:creationId xmlns:p14="http://schemas.microsoft.com/office/powerpoint/2010/main" val="4293231228"/>
+      </p:ext>
+    </p:extLst>
+  </p:cSld>
+  <p:clrMapOvr>
+    <a:masterClrMapping/>
+  </p:clrMapOvr>
+  <p:timing>
+    <p:tnLst>
+      <p:par>
+        <p:cTn id="1" dur="indefinite" restart="never" nodeType="tmRoot"/>
+      </p:par>
+    </p:tnLst>
+  </p:timing>
+</p:sld>
+</file>
+
+<file path=ppt/slides/slide42.xml><?xml version="1.0" encoding="utf-8"?>
+<p:sld xmlns:a="http://schemas.openxmlformats.org/drawingml/2006/main" xmlns:r="http://schemas.openxmlformats.org/officeDocument/2006/relationships" xmlns:p="http://schemas.openxmlformats.org/presentationml/2006/main">
+  <p:cSld>
+    <p:spTree>
+      <p:nvGrpSpPr>
+        <p:cNvPr id="1" name=""/>
+        <p:cNvGrpSpPr/>
+        <p:nvPr/>
+      </p:nvGrpSpPr>
+      <p:grpSpPr>
+        <a:xfrm>
+          <a:off x="0" y="0"/>
+          <a:ext cx="0" cy="0"/>
+          <a:chOff x="0" y="0"/>
+          <a:chExt cx="0" cy="0"/>
+        </a:xfrm>
+      </p:grpSpPr>
+      <p:sp>
+        <p:nvSpPr>
+          <p:cNvPr id="2" name="Titre 1"/>
+          <p:cNvSpPr>
+            <a:spLocks noGrp="1"/>
+          </p:cNvSpPr>
+          <p:nvPr>
+            <p:ph type="title"/>
+          </p:nvPr>
+        </p:nvSpPr>
+        <p:spPr>
+          <a:xfrm>
+            <a:off x="2592925" y="624110"/>
+            <a:ext cx="8911687" cy="1280890"/>
+          </a:xfrm>
+        </p:spPr>
+        <p:txBody>
+          <a:bodyPr/>
+          <a:lstStyle/>
+          <a:p>
+            <a:r>
+              <a:rPr lang="fr-FR" dirty="0" smtClean="0"/>
+              <a:t>L'instruction </a:t>
+            </a:r>
+            <a:r>
+              <a:rPr lang="fr-FR" b="1" i="1" dirty="0" smtClean="0">
+                <a:solidFill>
+                  <a:schemeClr val="accent6"/>
+                </a:solidFill>
+              </a:rPr>
+              <a:t>for</a:t>
+            </a:r>
+            <a:endParaRPr lang="fr-FR" b="1" i="1" dirty="0">
+              <a:solidFill>
+                <a:schemeClr val="accent6"/>
+              </a:solidFill>
+            </a:endParaRPr>
+          </a:p>
+        </p:txBody>
+      </p:sp>
+      <p:sp>
+        <p:nvSpPr>
+          <p:cNvPr id="3" name="Espace réservé du contenu 2"/>
+          <p:cNvSpPr>
+            <a:spLocks noGrp="1"/>
+          </p:cNvSpPr>
+          <p:nvPr>
+            <p:ph idx="1"/>
+          </p:nvPr>
+        </p:nvSpPr>
+        <p:spPr>
+          <a:xfrm>
+            <a:off x="763325" y="1701579"/>
+            <a:ext cx="11065980" cy="2297926"/>
+          </a:xfrm>
+        </p:spPr>
+        <p:txBody>
+          <a:bodyPr anchor="ctr" anchorCtr="0">
+            <a:noAutofit/>
+          </a:bodyPr>
+          <a:lstStyle/>
+          <a:p>
+            <a:pPr algn="just"/>
+            <a:r>
+              <a:rPr lang="fr-FR" dirty="0">
+                <a:solidFill>
+                  <a:schemeClr val="tx1"/>
+                </a:solidFill>
+              </a:rPr>
+              <a:t>Si vous devez modifier la séquence sur laquelle s’effectue l’itération à l’intérieur de la boucle (par exemple pour dupliquer ou supprimer un élément), il est plus que recommandé de commencer par en faire une copie, celle-ci n’étant pas </a:t>
+            </a:r>
+            <a:r>
+              <a:rPr lang="fr-FR" dirty="0" smtClean="0">
+                <a:solidFill>
+                  <a:schemeClr val="tx1"/>
+                </a:solidFill>
+              </a:rPr>
+              <a:t>implicite</a:t>
+            </a:r>
+          </a:p>
+          <a:p>
+            <a:pPr algn="just"/>
+            <a:r>
+              <a:rPr lang="fr-FR" dirty="0" smtClean="0">
+                <a:solidFill>
+                  <a:schemeClr val="tx1"/>
+                </a:solidFill>
+              </a:rPr>
+              <a:t>La </a:t>
+            </a:r>
+            <a:r>
+              <a:rPr lang="fr-FR" dirty="0">
+                <a:solidFill>
+                  <a:schemeClr val="tx1"/>
+                </a:solidFill>
+              </a:rPr>
+              <a:t>notation « par tranches » rend cette opération particulièrement </a:t>
+            </a:r>
+            <a:r>
+              <a:rPr lang="fr-FR" dirty="0" smtClean="0">
+                <a:solidFill>
+                  <a:schemeClr val="tx1"/>
+                </a:solidFill>
+              </a:rPr>
+              <a:t>simple</a:t>
+            </a:r>
+          </a:p>
+          <a:p>
+            <a:pPr algn="just"/>
+            <a:r>
+              <a:rPr lang="fr-FR" dirty="0">
+                <a:solidFill>
+                  <a:schemeClr val="tx1"/>
+                </a:solidFill>
+              </a:rPr>
+              <a:t>Avec </a:t>
+            </a:r>
+            <a:r>
+              <a:rPr lang="fr-FR" b="1" i="1" dirty="0">
+                <a:solidFill>
+                  <a:schemeClr val="accent6"/>
+                </a:solidFill>
+              </a:rPr>
+              <a:t>for </a:t>
+            </a:r>
+            <a:r>
+              <a:rPr lang="fr-FR" b="1" i="1" dirty="0" smtClean="0">
+                <a:solidFill>
+                  <a:schemeClr val="accent6"/>
+                </a:solidFill>
+              </a:rPr>
+              <a:t>mot </a:t>
+            </a:r>
+            <a:r>
+              <a:rPr lang="fr-FR" b="1" i="1" dirty="0">
+                <a:solidFill>
+                  <a:schemeClr val="accent6"/>
+                </a:solidFill>
+              </a:rPr>
+              <a:t>in </a:t>
+            </a:r>
+            <a:r>
+              <a:rPr lang="fr-FR" b="1" i="1" dirty="0" smtClean="0">
+                <a:solidFill>
+                  <a:schemeClr val="accent6"/>
+                </a:solidFill>
+              </a:rPr>
+              <a:t>mots:</a:t>
+            </a:r>
+            <a:r>
+              <a:rPr lang="fr-FR" dirty="0" smtClean="0">
+                <a:solidFill>
+                  <a:schemeClr val="tx1"/>
+                </a:solidFill>
+              </a:rPr>
+              <a:t>, </a:t>
+            </a:r>
+            <a:r>
+              <a:rPr lang="fr-FR" dirty="0">
+                <a:solidFill>
+                  <a:schemeClr val="tx1"/>
+                </a:solidFill>
+              </a:rPr>
+              <a:t>l’exemple tenterait de créer une liste infinie, en insérant </a:t>
+            </a:r>
+            <a:r>
+              <a:rPr lang="fr-FR" dirty="0" smtClean="0">
+                <a:solidFill>
+                  <a:schemeClr val="tx1"/>
+                </a:solidFill>
+              </a:rPr>
+              <a:t>"Trouvez l'intrus" indéfiniment</a:t>
+            </a:r>
+            <a:endParaRPr lang="fr-FR" dirty="0">
+              <a:solidFill>
+                <a:schemeClr val="tx1"/>
+              </a:solidFill>
+            </a:endParaRPr>
+          </a:p>
+        </p:txBody>
+      </p:sp>
+      <p:pic>
+        <p:nvPicPr>
+          <p:cNvPr id="5" name="Image 4"/>
+          <p:cNvPicPr>
+            <a:picLocks noChangeAspect="1"/>
+          </p:cNvPicPr>
+          <p:nvPr/>
+        </p:nvPicPr>
+        <p:blipFill>
+          <a:blip r:embed="rId3"/>
+          <a:stretch>
+            <a:fillRect/>
+          </a:stretch>
+        </p:blipFill>
+        <p:spPr>
+          <a:xfrm>
+            <a:off x="2919702" y="4382908"/>
+            <a:ext cx="6753225" cy="1543050"/>
+          </a:xfrm>
+          <a:prstGeom prst="rect">
+            <a:avLst/>
+          </a:prstGeom>
+          <a:ln>
+            <a:noFill/>
+          </a:ln>
+          <a:effectLst>
+            <a:outerShdw blurRad="292100" dist="139700" dir="2700000" algn="tl" rotWithShape="0">
+              <a:srgbClr val="333333">
+                <a:alpha val="65000"/>
+              </a:srgbClr>
+            </a:outerShdw>
+          </a:effectLst>
+        </p:spPr>
+      </p:pic>
+    </p:spTree>
+    <p:extLst>
+      <p:ext uri="{BB962C8B-B14F-4D97-AF65-F5344CB8AC3E}">
+        <p14:creationId xmlns:p14="http://schemas.microsoft.com/office/powerpoint/2010/main" val="3103028776"/>
+      </p:ext>
+    </p:extLst>
+  </p:cSld>
+  <p:clrMapOvr>
+    <a:masterClrMapping/>
+  </p:clrMapOvr>
+  <p:timing>
+    <p:tnLst>
+      <p:par>
+        <p:cTn id="1" dur="indefinite" restart="never" nodeType="tmRoot"/>
+      </p:par>
+    </p:tnLst>
+  </p:timing>
+</p:sld>
+</file>
+
+<file path=ppt/slides/slide43.xml><?xml version="1.0" encoding="utf-8"?>
+<p:sld xmlns:a="http://schemas.openxmlformats.org/drawingml/2006/main" xmlns:r="http://schemas.openxmlformats.org/officeDocument/2006/relationships" xmlns:p="http://schemas.openxmlformats.org/presentationml/2006/main">
+  <p:cSld>
+    <p:spTree>
+      <p:nvGrpSpPr>
+        <p:cNvPr id="1" name=""/>
+        <p:cNvGrpSpPr/>
+        <p:nvPr/>
+      </p:nvGrpSpPr>
+      <p:grpSpPr>
+        <a:xfrm>
+          <a:off x="0" y="0"/>
+          <a:ext cx="0" cy="0"/>
+          <a:chOff x="0" y="0"/>
+          <a:chExt cx="0" cy="0"/>
+        </a:xfrm>
+      </p:grpSpPr>
+      <p:sp>
+        <p:nvSpPr>
+          <p:cNvPr id="2" name="Titre 1"/>
+          <p:cNvSpPr>
+            <a:spLocks noGrp="1"/>
+          </p:cNvSpPr>
+          <p:nvPr>
+            <p:ph type="title"/>
+          </p:nvPr>
+        </p:nvSpPr>
+        <p:spPr>
+          <a:xfrm>
+            <a:off x="2592925" y="624110"/>
+            <a:ext cx="8911687" cy="1280890"/>
+          </a:xfrm>
+        </p:spPr>
+        <p:txBody>
+          <a:bodyPr/>
+          <a:lstStyle/>
+          <a:p>
+            <a:r>
+              <a:rPr lang="fr-FR" dirty="0" smtClean="0"/>
+              <a:t>La fonction </a:t>
+            </a:r>
+            <a:r>
+              <a:rPr lang="fr-FR" b="1" i="1" dirty="0" smtClean="0">
+                <a:solidFill>
+                  <a:schemeClr val="accent6"/>
+                </a:solidFill>
+              </a:rPr>
+              <a:t>range()</a:t>
+            </a:r>
+            <a:endParaRPr lang="fr-FR" b="1" i="1" dirty="0">
+              <a:solidFill>
+                <a:schemeClr val="accent6"/>
+              </a:solidFill>
+            </a:endParaRPr>
+          </a:p>
+        </p:txBody>
+      </p:sp>
+      <p:sp>
+        <p:nvSpPr>
+          <p:cNvPr id="3" name="Espace réservé du contenu 2"/>
+          <p:cNvSpPr>
+            <a:spLocks noGrp="1"/>
+          </p:cNvSpPr>
+          <p:nvPr>
+            <p:ph idx="1"/>
+          </p:nvPr>
+        </p:nvSpPr>
+        <p:spPr>
+          <a:xfrm>
+            <a:off x="763325" y="1701579"/>
+            <a:ext cx="11065980" cy="2806811"/>
+          </a:xfrm>
+        </p:spPr>
+        <p:txBody>
+          <a:bodyPr anchor="ctr" anchorCtr="0">
+            <a:noAutofit/>
+          </a:bodyPr>
+          <a:lstStyle/>
+          <a:p>
+            <a:pPr algn="just"/>
+            <a:r>
+              <a:rPr lang="fr-FR" dirty="0">
+                <a:solidFill>
+                  <a:schemeClr val="tx1"/>
+                </a:solidFill>
+              </a:rPr>
+              <a:t>Si vous devez itérer sur une suite de nombres, la fonction intégrée range() est faite pour </a:t>
+            </a:r>
+            <a:r>
+              <a:rPr lang="fr-FR" dirty="0" smtClean="0">
+                <a:solidFill>
+                  <a:schemeClr val="tx1"/>
+                </a:solidFill>
+              </a:rPr>
+              <a:t>cela</a:t>
+            </a:r>
+          </a:p>
+          <a:p>
+            <a:pPr algn="just"/>
+            <a:r>
+              <a:rPr lang="fr-FR" dirty="0" smtClean="0">
+                <a:solidFill>
+                  <a:schemeClr val="tx1"/>
+                </a:solidFill>
+              </a:rPr>
+              <a:t>Elle </a:t>
+            </a:r>
+            <a:r>
+              <a:rPr lang="fr-FR" dirty="0">
+                <a:solidFill>
+                  <a:schemeClr val="tx1"/>
+                </a:solidFill>
+              </a:rPr>
+              <a:t>génère des suites </a:t>
+            </a:r>
+            <a:r>
+              <a:rPr lang="fr-FR" dirty="0" smtClean="0">
+                <a:solidFill>
+                  <a:schemeClr val="tx1"/>
+                </a:solidFill>
+              </a:rPr>
+              <a:t>arithmétiques</a:t>
+            </a:r>
+          </a:p>
+          <a:p>
+            <a:pPr algn="just"/>
+            <a:r>
+              <a:rPr lang="fr-FR" dirty="0">
+                <a:solidFill>
+                  <a:schemeClr val="tx1"/>
+                </a:solidFill>
+              </a:rPr>
+              <a:t>Le dernier élément fourni en paramètre ne fait jamais partie de la liste générée ; range(10) génère une liste de 10 valeurs, dont les valeurs vont de 0 à </a:t>
+            </a:r>
+            <a:r>
+              <a:rPr lang="fr-FR" dirty="0" smtClean="0">
+                <a:solidFill>
+                  <a:schemeClr val="tx1"/>
+                </a:solidFill>
+              </a:rPr>
+              <a:t>9</a:t>
+            </a:r>
+          </a:p>
+        </p:txBody>
+      </p:sp>
+      <p:pic>
+        <p:nvPicPr>
+          <p:cNvPr id="4" name="Image 3"/>
+          <p:cNvPicPr>
+            <a:picLocks noChangeAspect="1"/>
+          </p:cNvPicPr>
+          <p:nvPr/>
+        </p:nvPicPr>
+        <p:blipFill>
+          <a:blip r:embed="rId3"/>
+          <a:stretch>
+            <a:fillRect/>
+          </a:stretch>
+        </p:blipFill>
+        <p:spPr>
+          <a:xfrm>
+            <a:off x="5019965" y="4192326"/>
+            <a:ext cx="2552700" cy="1828800"/>
+          </a:xfrm>
+          <a:prstGeom prst="rect">
+            <a:avLst/>
+          </a:prstGeom>
+          <a:ln>
+            <a:noFill/>
+          </a:ln>
+          <a:effectLst>
+            <a:outerShdw blurRad="292100" dist="139700" dir="2700000" algn="tl" rotWithShape="0">
+              <a:srgbClr val="333333">
+                <a:alpha val="65000"/>
+              </a:srgbClr>
+            </a:outerShdw>
+          </a:effectLst>
+        </p:spPr>
+      </p:pic>
+    </p:spTree>
+    <p:extLst>
+      <p:ext uri="{BB962C8B-B14F-4D97-AF65-F5344CB8AC3E}">
+        <p14:creationId xmlns:p14="http://schemas.microsoft.com/office/powerpoint/2010/main" val="1011051395"/>
+      </p:ext>
+    </p:extLst>
+  </p:cSld>
+  <p:clrMapOvr>
+    <a:masterClrMapping/>
+  </p:clrMapOvr>
+  <p:timing>
+    <p:tnLst>
+      <p:par>
+        <p:cTn id="1" dur="indefinite" restart="never" nodeType="tmRoot"/>
+      </p:par>
+    </p:tnLst>
+  </p:timing>
+</p:sld>
+</file>
+
+<file path=ppt/slides/slide44.xml><?xml version="1.0" encoding="utf-8"?>
+<p:sld xmlns:a="http://schemas.openxmlformats.org/drawingml/2006/main" xmlns:r="http://schemas.openxmlformats.org/officeDocument/2006/relationships" xmlns:p="http://schemas.openxmlformats.org/presentationml/2006/main">
+  <p:cSld>
+    <p:spTree>
+      <p:nvGrpSpPr>
+        <p:cNvPr id="1" name=""/>
+        <p:cNvGrpSpPr/>
+        <p:nvPr/>
+      </p:nvGrpSpPr>
+      <p:grpSpPr>
+        <a:xfrm>
+          <a:off x="0" y="0"/>
+          <a:ext cx="0" cy="0"/>
+          <a:chOff x="0" y="0"/>
+          <a:chExt cx="0" cy="0"/>
+        </a:xfrm>
+      </p:grpSpPr>
+      <p:sp>
+        <p:nvSpPr>
+          <p:cNvPr id="2" name="Titre 1"/>
+          <p:cNvSpPr>
+            <a:spLocks noGrp="1"/>
+          </p:cNvSpPr>
+          <p:nvPr>
+            <p:ph type="title"/>
+          </p:nvPr>
+        </p:nvSpPr>
+        <p:spPr>
+          <a:xfrm>
+            <a:off x="2592925" y="624110"/>
+            <a:ext cx="8911687" cy="1280890"/>
+          </a:xfrm>
+        </p:spPr>
+        <p:txBody>
+          <a:bodyPr/>
+          <a:lstStyle/>
+          <a:p>
+            <a:r>
+              <a:rPr lang="fr-FR" dirty="0" smtClean="0"/>
+              <a:t>La fonction </a:t>
+            </a:r>
+            <a:r>
+              <a:rPr lang="fr-FR" b="1" i="1" dirty="0" smtClean="0">
+                <a:solidFill>
+                  <a:schemeClr val="accent6"/>
+                </a:solidFill>
+              </a:rPr>
+              <a:t>range()</a:t>
+            </a:r>
+            <a:endParaRPr lang="fr-FR" b="1" i="1" dirty="0">
+              <a:solidFill>
+                <a:schemeClr val="accent6"/>
+              </a:solidFill>
+            </a:endParaRPr>
+          </a:p>
+        </p:txBody>
+      </p:sp>
+      <p:sp>
+        <p:nvSpPr>
+          <p:cNvPr id="3" name="Espace réservé du contenu 2"/>
+          <p:cNvSpPr>
+            <a:spLocks noGrp="1"/>
+          </p:cNvSpPr>
+          <p:nvPr>
+            <p:ph idx="1"/>
+          </p:nvPr>
+        </p:nvSpPr>
+        <p:spPr>
+          <a:xfrm>
+            <a:off x="763325" y="1701580"/>
+            <a:ext cx="11065980" cy="1216550"/>
+          </a:xfrm>
+        </p:spPr>
+        <p:txBody>
+          <a:bodyPr anchor="ctr" anchorCtr="0">
+            <a:noAutofit/>
+          </a:bodyPr>
+          <a:lstStyle/>
+          <a:p>
+            <a:pPr algn="just"/>
+            <a:r>
+              <a:rPr lang="fr-FR" dirty="0" smtClean="0">
+                <a:solidFill>
+                  <a:schemeClr val="tx1"/>
+                </a:solidFill>
+              </a:rPr>
+              <a:t>Il </a:t>
+            </a:r>
+            <a:r>
+              <a:rPr lang="fr-FR" dirty="0">
+                <a:solidFill>
+                  <a:schemeClr val="tx1"/>
+                </a:solidFill>
+              </a:rPr>
+              <a:t>est possible de spécifier une valeur de début et/ou une valeur d’incrément différente(s) (y compris négative pour cette dernière, que l’on appelle également parfois le “pas”)</a:t>
+            </a:r>
+            <a:endParaRPr lang="fr-FR" dirty="0">
+              <a:solidFill>
+                <a:schemeClr val="tx1"/>
+              </a:solidFill>
+            </a:endParaRPr>
+          </a:p>
+        </p:txBody>
+      </p:sp>
+      <p:pic>
+        <p:nvPicPr>
+          <p:cNvPr id="5" name="Image 4"/>
+          <p:cNvPicPr>
+            <a:picLocks noChangeAspect="1"/>
+          </p:cNvPicPr>
+          <p:nvPr/>
+        </p:nvPicPr>
+        <p:blipFill>
+          <a:blip r:embed="rId3"/>
+          <a:stretch>
+            <a:fillRect/>
+          </a:stretch>
+        </p:blipFill>
+        <p:spPr>
+          <a:xfrm>
+            <a:off x="1181472" y="2982470"/>
+            <a:ext cx="2943225" cy="1800225"/>
+          </a:xfrm>
+          <a:prstGeom prst="rect">
+            <a:avLst/>
+          </a:prstGeom>
+        </p:spPr>
+      </p:pic>
+      <p:pic>
+        <p:nvPicPr>
+          <p:cNvPr id="6" name="Image 5"/>
+          <p:cNvPicPr>
+            <a:picLocks noChangeAspect="1"/>
+          </p:cNvPicPr>
+          <p:nvPr/>
+        </p:nvPicPr>
+        <p:blipFill>
+          <a:blip r:embed="rId4"/>
+          <a:stretch>
+            <a:fillRect/>
+          </a:stretch>
+        </p:blipFill>
+        <p:spPr>
+          <a:xfrm>
+            <a:off x="4217504" y="2982470"/>
+            <a:ext cx="3200400" cy="1571625"/>
+          </a:xfrm>
+          <a:prstGeom prst="rect">
+            <a:avLst/>
+          </a:prstGeom>
+        </p:spPr>
+      </p:pic>
+      <p:pic>
+        <p:nvPicPr>
+          <p:cNvPr id="7" name="Image 6"/>
+          <p:cNvPicPr>
+            <a:picLocks noChangeAspect="1"/>
+          </p:cNvPicPr>
+          <p:nvPr/>
+        </p:nvPicPr>
+        <p:blipFill>
+          <a:blip r:embed="rId5"/>
+          <a:stretch>
+            <a:fillRect/>
+          </a:stretch>
+        </p:blipFill>
+        <p:spPr>
+          <a:xfrm>
+            <a:off x="7510711" y="2982470"/>
+            <a:ext cx="3676650" cy="1343025"/>
+          </a:xfrm>
+          <a:prstGeom prst="rect">
+            <a:avLst/>
+          </a:prstGeom>
+        </p:spPr>
+      </p:pic>
+    </p:spTree>
+    <p:extLst>
+      <p:ext uri="{BB962C8B-B14F-4D97-AF65-F5344CB8AC3E}">
+        <p14:creationId xmlns:p14="http://schemas.microsoft.com/office/powerpoint/2010/main" val="3110238320"/>
+      </p:ext>
+    </p:extLst>
+  </p:cSld>
+  <p:clrMapOvr>
+    <a:masterClrMapping/>
+  </p:clrMapOvr>
+  <p:timing>
+    <p:tnLst>
+      <p:par>
+        <p:cTn id="1" dur="indefinite" restart="never" nodeType="tmRoot"/>
+      </p:par>
+    </p:tnLst>
+  </p:timing>
+</p:sld>
+</file>
+
+<file path=ppt/slides/slide45.xml><?xml version="1.0" encoding="utf-8"?>
+<p:sld xmlns:a="http://schemas.openxmlformats.org/drawingml/2006/main" xmlns:r="http://schemas.openxmlformats.org/officeDocument/2006/relationships" xmlns:p="http://schemas.openxmlformats.org/presentationml/2006/main">
+  <p:cSld>
+    <p:spTree>
+      <p:nvGrpSpPr>
+        <p:cNvPr id="1" name=""/>
+        <p:cNvGrpSpPr/>
+        <p:nvPr/>
+      </p:nvGrpSpPr>
+      <p:grpSpPr>
+        <a:xfrm>
+          <a:off x="0" y="0"/>
+          <a:ext cx="0" cy="0"/>
+          <a:chOff x="0" y="0"/>
+          <a:chExt cx="0" cy="0"/>
+        </a:xfrm>
+      </p:grpSpPr>
+      <p:sp>
+        <p:nvSpPr>
+          <p:cNvPr id="2" name="Titre 1"/>
+          <p:cNvSpPr>
+            <a:spLocks noGrp="1"/>
+          </p:cNvSpPr>
+          <p:nvPr>
+            <p:ph type="title"/>
+          </p:nvPr>
+        </p:nvSpPr>
+        <p:spPr>
+          <a:xfrm>
+            <a:off x="2592925" y="624110"/>
+            <a:ext cx="8911687" cy="1280890"/>
+          </a:xfrm>
+        </p:spPr>
+        <p:txBody>
+          <a:bodyPr/>
+          <a:lstStyle/>
+          <a:p>
+            <a:r>
+              <a:rPr lang="fr-FR" dirty="0" smtClean="0"/>
+              <a:t>La fonction </a:t>
+            </a:r>
+            <a:r>
+              <a:rPr lang="fr-FR" b="1" i="1" dirty="0" smtClean="0">
+                <a:solidFill>
+                  <a:schemeClr val="accent6"/>
+                </a:solidFill>
+              </a:rPr>
+              <a:t>range()</a:t>
+            </a:r>
+            <a:endParaRPr lang="fr-FR" b="1" i="1" dirty="0">
+              <a:solidFill>
+                <a:schemeClr val="accent6"/>
+              </a:solidFill>
+            </a:endParaRPr>
+          </a:p>
+        </p:txBody>
+      </p:sp>
+      <p:sp>
+        <p:nvSpPr>
+          <p:cNvPr id="3" name="Espace réservé du contenu 2"/>
+          <p:cNvSpPr>
+            <a:spLocks noGrp="1"/>
+          </p:cNvSpPr>
+          <p:nvPr>
+            <p:ph idx="1"/>
+          </p:nvPr>
+        </p:nvSpPr>
+        <p:spPr>
+          <a:xfrm>
+            <a:off x="763325" y="1701579"/>
+            <a:ext cx="11065980" cy="3880237"/>
+          </a:xfrm>
+        </p:spPr>
+        <p:txBody>
+          <a:bodyPr anchor="ctr" anchorCtr="0">
+            <a:noAutofit/>
+          </a:bodyPr>
+          <a:lstStyle/>
+          <a:p>
+            <a:pPr algn="just"/>
+            <a:r>
+              <a:rPr lang="fr-FR" dirty="0">
+                <a:solidFill>
+                  <a:schemeClr val="tx1"/>
+                </a:solidFill>
+              </a:rPr>
+              <a:t>Pour itérer sur les indices d’une séquence, on peut combiner les fonctions </a:t>
+            </a:r>
+            <a:r>
+              <a:rPr lang="fr-FR" b="1" i="1" dirty="0">
+                <a:solidFill>
+                  <a:schemeClr val="accent6"/>
+                </a:solidFill>
+              </a:rPr>
+              <a:t>range()</a:t>
+            </a:r>
+            <a:r>
+              <a:rPr lang="fr-FR" dirty="0">
+                <a:solidFill>
+                  <a:schemeClr val="tx1"/>
+                </a:solidFill>
+              </a:rPr>
+              <a:t> et len</a:t>
+            </a:r>
+            <a:r>
+              <a:rPr lang="fr-FR" dirty="0" smtClean="0">
+                <a:solidFill>
+                  <a:schemeClr val="tx1"/>
+                </a:solidFill>
+              </a:rPr>
+              <a:t>()</a:t>
+            </a:r>
+          </a:p>
+          <a:p>
+            <a:pPr algn="just"/>
+            <a:endParaRPr lang="fr-FR" dirty="0" smtClean="0">
+              <a:solidFill>
+                <a:schemeClr val="tx1"/>
+              </a:solidFill>
+            </a:endParaRPr>
+          </a:p>
+          <a:p>
+            <a:pPr algn="just"/>
+            <a:endParaRPr lang="fr-FR" dirty="0">
+              <a:solidFill>
+                <a:schemeClr val="tx1"/>
+              </a:solidFill>
+            </a:endParaRPr>
+          </a:p>
+          <a:p>
+            <a:pPr algn="just"/>
+            <a:endParaRPr lang="fr-FR" dirty="0" smtClean="0">
+              <a:solidFill>
+                <a:schemeClr val="tx1"/>
+              </a:solidFill>
+            </a:endParaRPr>
+          </a:p>
+          <a:p>
+            <a:pPr algn="just"/>
+            <a:endParaRPr lang="fr-FR" dirty="0">
+              <a:solidFill>
+                <a:schemeClr val="tx1"/>
+              </a:solidFill>
+            </a:endParaRPr>
+          </a:p>
+          <a:p>
+            <a:pPr algn="just"/>
+            <a:endParaRPr lang="fr-FR" dirty="0" smtClean="0">
+              <a:solidFill>
+                <a:schemeClr val="tx1"/>
+              </a:solidFill>
+            </a:endParaRPr>
+          </a:p>
+          <a:p>
+            <a:pPr algn="just"/>
+            <a:endParaRPr lang="fr-FR" dirty="0">
+              <a:solidFill>
+                <a:schemeClr val="tx1"/>
+              </a:solidFill>
+            </a:endParaRPr>
+          </a:p>
+          <a:p>
+            <a:pPr algn="just"/>
+            <a:endParaRPr lang="fr-FR" dirty="0" smtClean="0">
+              <a:solidFill>
+                <a:schemeClr val="tx1"/>
+              </a:solidFill>
+            </a:endParaRPr>
+          </a:p>
+          <a:p>
+            <a:pPr algn="just"/>
+            <a:r>
+              <a:rPr lang="fr-FR" dirty="0">
+                <a:solidFill>
+                  <a:schemeClr val="tx1"/>
+                </a:solidFill>
+              </a:rPr>
+              <a:t>Cependant, dans la plupart des cas, il est plus pratique d’utiliser la fonction </a:t>
+            </a:r>
+            <a:r>
+              <a:rPr lang="fr-FR" b="1" i="1" dirty="0">
+                <a:solidFill>
+                  <a:schemeClr val="accent6"/>
+                </a:solidFill>
+              </a:rPr>
+              <a:t>enumerate()</a:t>
+            </a:r>
+            <a:endParaRPr lang="fr-FR" b="1" i="1" dirty="0">
+              <a:solidFill>
+                <a:schemeClr val="accent6"/>
+              </a:solidFill>
+            </a:endParaRPr>
+          </a:p>
+        </p:txBody>
+      </p:sp>
+      <p:pic>
+        <p:nvPicPr>
+          <p:cNvPr id="8" name="Image 7"/>
+          <p:cNvPicPr>
+            <a:picLocks noChangeAspect="1"/>
+          </p:cNvPicPr>
+          <p:nvPr/>
+        </p:nvPicPr>
+        <p:blipFill>
+          <a:blip r:embed="rId3"/>
+          <a:stretch>
+            <a:fillRect/>
+          </a:stretch>
+        </p:blipFill>
+        <p:spPr>
+          <a:xfrm>
+            <a:off x="3414629" y="2651761"/>
+            <a:ext cx="5267325" cy="1809750"/>
+          </a:xfrm>
+          <a:prstGeom prst="rect">
+            <a:avLst/>
+          </a:prstGeom>
+          <a:ln>
+            <a:noFill/>
+          </a:ln>
+          <a:effectLst>
+            <a:outerShdw blurRad="292100" dist="139700" dir="2700000" algn="tl" rotWithShape="0">
+              <a:srgbClr val="333333">
+                <a:alpha val="65000"/>
+              </a:srgbClr>
+            </a:outerShdw>
+          </a:effectLst>
+        </p:spPr>
+      </p:pic>
+    </p:spTree>
+    <p:extLst>
+      <p:ext uri="{BB962C8B-B14F-4D97-AF65-F5344CB8AC3E}">
+        <p14:creationId xmlns:p14="http://schemas.microsoft.com/office/powerpoint/2010/main" val="1594227458"/>
+      </p:ext>
+    </p:extLst>
+  </p:cSld>
+  <p:clrMapOvr>
+    <a:masterClrMapping/>
+  </p:clrMapOvr>
+  <p:timing>
+    <p:tnLst>
+      <p:par>
+        <p:cTn id="1" dur="indefinite" restart="never" nodeType="tmRoot"/>
+      </p:par>
+    </p:tnLst>
+  </p:timing>
+</p:sld>
+</file>
+
+<file path=ppt/slides/slide46.xml><?xml version="1.0" encoding="utf-8"?>
+<p:sld xmlns:a="http://schemas.openxmlformats.org/drawingml/2006/main" xmlns:r="http://schemas.openxmlformats.org/officeDocument/2006/relationships" xmlns:p="http://schemas.openxmlformats.org/presentationml/2006/main">
+  <p:cSld>
+    <p:spTree>
+      <p:nvGrpSpPr>
+        <p:cNvPr id="1" name=""/>
+        <p:cNvGrpSpPr/>
+        <p:nvPr/>
+      </p:nvGrpSpPr>
+      <p:grpSpPr>
+        <a:xfrm>
+          <a:off x="0" y="0"/>
+          <a:ext cx="0" cy="0"/>
+          <a:chOff x="0" y="0"/>
+          <a:chExt cx="0" cy="0"/>
+        </a:xfrm>
+      </p:grpSpPr>
+      <p:sp>
+        <p:nvSpPr>
+          <p:cNvPr id="2" name="Titre 1"/>
+          <p:cNvSpPr>
+            <a:spLocks noGrp="1"/>
+          </p:cNvSpPr>
+          <p:nvPr>
+            <p:ph type="title"/>
+          </p:nvPr>
+        </p:nvSpPr>
+        <p:spPr>
+          <a:xfrm>
+            <a:off x="2592925" y="624110"/>
+            <a:ext cx="8911687" cy="1280890"/>
+          </a:xfrm>
+        </p:spPr>
+        <p:txBody>
+          <a:bodyPr/>
+          <a:lstStyle/>
+          <a:p>
+            <a:r>
+              <a:rPr lang="fr-FR" dirty="0" smtClean="0"/>
+              <a:t>La fonction </a:t>
+            </a:r>
+            <a:r>
+              <a:rPr lang="fr-FR" b="1" i="1" dirty="0" smtClean="0">
+                <a:solidFill>
+                  <a:schemeClr val="accent6"/>
+                </a:solidFill>
+              </a:rPr>
+              <a:t>range()</a:t>
+            </a:r>
+            <a:endParaRPr lang="fr-FR" b="1" i="1" dirty="0">
+              <a:solidFill>
+                <a:schemeClr val="accent6"/>
+              </a:solidFill>
+            </a:endParaRPr>
+          </a:p>
+        </p:txBody>
+      </p:sp>
+      <p:sp>
+        <p:nvSpPr>
+          <p:cNvPr id="3" name="Espace réservé du contenu 2"/>
+          <p:cNvSpPr>
+            <a:spLocks noGrp="1"/>
+          </p:cNvSpPr>
+          <p:nvPr>
+            <p:ph idx="1"/>
+          </p:nvPr>
+        </p:nvSpPr>
+        <p:spPr>
+          <a:xfrm>
+            <a:off x="763325" y="1701579"/>
+            <a:ext cx="11065980" cy="3880237"/>
+          </a:xfrm>
+        </p:spPr>
+        <p:txBody>
+          <a:bodyPr anchor="ctr" anchorCtr="0">
+            <a:noAutofit/>
+          </a:bodyPr>
+          <a:lstStyle/>
+          <a:p>
+            <a:pPr algn="just"/>
+            <a:r>
+              <a:rPr lang="fr-FR" dirty="0">
+                <a:solidFill>
+                  <a:schemeClr val="tx1"/>
+                </a:solidFill>
+              </a:rPr>
+              <a:t>Une chose étrange se produit lorsqu’on affiche un </a:t>
+            </a:r>
+            <a:r>
+              <a:rPr lang="fr-FR" dirty="0" smtClean="0">
+                <a:solidFill>
+                  <a:schemeClr val="tx1"/>
+                </a:solidFill>
+              </a:rPr>
+              <a:t>range</a:t>
+            </a:r>
+          </a:p>
+          <a:p>
+            <a:pPr algn="just"/>
+            <a:r>
+              <a:rPr lang="fr-FR" dirty="0">
+                <a:solidFill>
+                  <a:schemeClr val="tx1"/>
+                </a:solidFill>
+              </a:rPr>
+              <a:t>Les objets </a:t>
+            </a:r>
+            <a:r>
+              <a:rPr lang="fr-FR" dirty="0" smtClean="0">
+                <a:solidFill>
+                  <a:schemeClr val="tx1"/>
+                </a:solidFill>
+              </a:rPr>
+              <a:t>donnés </a:t>
+            </a:r>
+            <a:r>
+              <a:rPr lang="fr-FR" dirty="0">
+                <a:solidFill>
+                  <a:schemeClr val="tx1"/>
+                </a:solidFill>
+              </a:rPr>
+              <a:t>par </a:t>
+            </a:r>
+            <a:r>
+              <a:rPr lang="fr-FR" b="1" i="1" dirty="0">
+                <a:solidFill>
+                  <a:schemeClr val="accent6"/>
+                </a:solidFill>
+              </a:rPr>
+              <a:t>range()</a:t>
+            </a:r>
+            <a:r>
+              <a:rPr lang="fr-FR" dirty="0">
+                <a:solidFill>
+                  <a:schemeClr val="tx1"/>
+                </a:solidFill>
+              </a:rPr>
+              <a:t> se comportent presque comme des listes, mais n’en sont </a:t>
+            </a:r>
+            <a:r>
+              <a:rPr lang="fr-FR" dirty="0" smtClean="0">
+                <a:solidFill>
+                  <a:schemeClr val="tx1"/>
+                </a:solidFill>
+              </a:rPr>
+              <a:t>pas</a:t>
+            </a:r>
+          </a:p>
+          <a:p>
+            <a:pPr algn="just"/>
+            <a:r>
+              <a:rPr lang="fr-FR" dirty="0" smtClean="0">
+                <a:solidFill>
+                  <a:schemeClr val="tx1"/>
+                </a:solidFill>
+              </a:rPr>
+              <a:t>Ce </a:t>
+            </a:r>
+            <a:r>
+              <a:rPr lang="fr-FR" dirty="0">
+                <a:solidFill>
+                  <a:schemeClr val="tx1"/>
+                </a:solidFill>
+              </a:rPr>
+              <a:t>sont des objets qui génèrent les éléments de la séquence au fur et à mesure de leur itération, économisant ainsi de l’espace</a:t>
+            </a:r>
+            <a:r>
+              <a:rPr lang="fr-FR" dirty="0" smtClean="0">
+                <a:solidFill>
+                  <a:schemeClr val="tx1"/>
+                </a:solidFill>
+              </a:rPr>
+              <a:t>.</a:t>
+            </a:r>
+            <a:endParaRPr lang="fr-FR" dirty="0">
+              <a:solidFill>
+                <a:schemeClr val="tx1"/>
+              </a:solidFill>
+            </a:endParaRPr>
+          </a:p>
+          <a:p>
+            <a:pPr algn="just"/>
+            <a:r>
+              <a:rPr lang="fr-FR" dirty="0">
+                <a:solidFill>
+                  <a:schemeClr val="tx1"/>
+                </a:solidFill>
+              </a:rPr>
+              <a:t>On appelle de tels objets des </a:t>
+            </a:r>
+            <a:r>
+              <a:rPr lang="fr-FR" dirty="0" smtClean="0">
+                <a:solidFill>
+                  <a:schemeClr val="tx1"/>
+                </a:solidFill>
+              </a:rPr>
+              <a:t>itérables</a:t>
+            </a:r>
+            <a:r>
+              <a:rPr lang="fr-FR" dirty="0">
+                <a:solidFill>
+                  <a:schemeClr val="tx1"/>
+                </a:solidFill>
+              </a:rPr>
+              <a:t>, c’est à dire des objets qui conviennent à des </a:t>
+            </a:r>
+            <a:r>
+              <a:rPr lang="fr-FR" dirty="0" smtClean="0">
+                <a:solidFill>
+                  <a:schemeClr val="tx1"/>
+                </a:solidFill>
+              </a:rPr>
+              <a:t>itérateurs</a:t>
+            </a:r>
+            <a:r>
+              <a:rPr lang="fr-FR" dirty="0">
+                <a:solidFill>
+                  <a:schemeClr val="tx1"/>
+                </a:solidFill>
+              </a:rPr>
+              <a:t>, des fonctions ou constructions qui s’attendent à quelque-chose duquel ils peuvent tirer des éléments, successives successivement, jusqu’à </a:t>
+            </a:r>
+            <a:r>
+              <a:rPr lang="fr-FR" dirty="0" smtClean="0">
+                <a:solidFill>
+                  <a:schemeClr val="tx1"/>
+                </a:solidFill>
+              </a:rPr>
+              <a:t>épuisement</a:t>
+            </a:r>
+          </a:p>
+          <a:p>
+            <a:pPr algn="just"/>
+            <a:r>
+              <a:rPr lang="fr-FR" dirty="0" smtClean="0">
+                <a:solidFill>
+                  <a:schemeClr val="tx1"/>
+                </a:solidFill>
+              </a:rPr>
+              <a:t>On </a:t>
+            </a:r>
+            <a:r>
+              <a:rPr lang="fr-FR" dirty="0">
+                <a:solidFill>
+                  <a:schemeClr val="tx1"/>
+                </a:solidFill>
+              </a:rPr>
+              <a:t>a vu que l’instruction </a:t>
+            </a:r>
+            <a:r>
+              <a:rPr lang="fr-FR" b="1" i="1" dirty="0">
+                <a:solidFill>
+                  <a:schemeClr val="accent6"/>
+                </a:solidFill>
+              </a:rPr>
+              <a:t>for</a:t>
+            </a:r>
+            <a:r>
+              <a:rPr lang="fr-FR" dirty="0">
+                <a:solidFill>
+                  <a:schemeClr val="tx1"/>
+                </a:solidFill>
+              </a:rPr>
+              <a:t> est un </a:t>
+            </a:r>
+            <a:r>
+              <a:rPr lang="fr-FR" dirty="0" smtClean="0">
+                <a:solidFill>
+                  <a:schemeClr val="tx1"/>
+                </a:solidFill>
+              </a:rPr>
+              <a:t>itérateur</a:t>
+            </a:r>
+          </a:p>
+          <a:p>
+            <a:pPr algn="just"/>
+            <a:r>
+              <a:rPr lang="fr-FR" dirty="0" smtClean="0">
+                <a:solidFill>
+                  <a:schemeClr val="tx1"/>
+                </a:solidFill>
+              </a:rPr>
+              <a:t>La </a:t>
+            </a:r>
+            <a:r>
+              <a:rPr lang="fr-FR" dirty="0">
+                <a:solidFill>
+                  <a:schemeClr val="tx1"/>
+                </a:solidFill>
+              </a:rPr>
+              <a:t>fonction </a:t>
+            </a:r>
+            <a:r>
+              <a:rPr lang="fr-FR" b="1" i="1" dirty="0">
+                <a:solidFill>
+                  <a:schemeClr val="accent6"/>
+                </a:solidFill>
+              </a:rPr>
+              <a:t>list()</a:t>
+            </a:r>
+            <a:r>
+              <a:rPr lang="fr-FR" dirty="0">
+                <a:solidFill>
+                  <a:schemeClr val="tx1"/>
+                </a:solidFill>
+              </a:rPr>
+              <a:t> en est un autre, qui créé des listes à partir </a:t>
+            </a:r>
+            <a:r>
+              <a:rPr lang="fr-FR" dirty="0" smtClean="0">
+                <a:solidFill>
+                  <a:schemeClr val="tx1"/>
+                </a:solidFill>
+              </a:rPr>
+              <a:t>d’itérables</a:t>
+            </a:r>
+            <a:endParaRPr lang="fr-FR" dirty="0">
+              <a:solidFill>
+                <a:schemeClr val="tx1"/>
+              </a:solidFill>
+            </a:endParaRPr>
+          </a:p>
+        </p:txBody>
+      </p:sp>
+      <p:pic>
+        <p:nvPicPr>
+          <p:cNvPr id="4" name="Image 3"/>
+          <p:cNvPicPr>
+            <a:picLocks noChangeAspect="1"/>
+          </p:cNvPicPr>
+          <p:nvPr/>
+        </p:nvPicPr>
+        <p:blipFill>
+          <a:blip r:embed="rId3"/>
+          <a:stretch>
+            <a:fillRect/>
+          </a:stretch>
+        </p:blipFill>
+        <p:spPr>
+          <a:xfrm>
+            <a:off x="3746017" y="5477869"/>
+            <a:ext cx="2381250" cy="704850"/>
+          </a:xfrm>
+          <a:prstGeom prst="rect">
+            <a:avLst/>
+          </a:prstGeom>
+          <a:ln>
+            <a:noFill/>
+          </a:ln>
+          <a:effectLst>
+            <a:outerShdw blurRad="292100" dist="139700" dir="2700000" algn="tl" rotWithShape="0">
+              <a:srgbClr val="333333">
+                <a:alpha val="65000"/>
+              </a:srgbClr>
+            </a:outerShdw>
+          </a:effectLst>
+        </p:spPr>
+      </p:pic>
+      <p:pic>
+        <p:nvPicPr>
+          <p:cNvPr id="5" name="Image 4"/>
+          <p:cNvPicPr>
+            <a:picLocks noChangeAspect="1"/>
+          </p:cNvPicPr>
+          <p:nvPr/>
+        </p:nvPicPr>
+        <p:blipFill>
+          <a:blip r:embed="rId4"/>
+          <a:stretch>
+            <a:fillRect/>
+          </a:stretch>
+        </p:blipFill>
+        <p:spPr>
+          <a:xfrm>
+            <a:off x="6247489" y="5458819"/>
+            <a:ext cx="2305050" cy="723900"/>
+          </a:xfrm>
+          <a:prstGeom prst="rect">
+            <a:avLst/>
+          </a:prstGeom>
+          <a:ln>
+            <a:noFill/>
+          </a:ln>
+          <a:effectLst>
+            <a:outerShdw blurRad="292100" dist="139700" dir="2700000" algn="tl" rotWithShape="0">
+              <a:srgbClr val="333333">
+                <a:alpha val="65000"/>
+              </a:srgbClr>
+            </a:outerShdw>
+          </a:effectLst>
+        </p:spPr>
+      </p:pic>
+    </p:spTree>
+    <p:extLst>
+      <p:ext uri="{BB962C8B-B14F-4D97-AF65-F5344CB8AC3E}">
+        <p14:creationId xmlns:p14="http://schemas.microsoft.com/office/powerpoint/2010/main" val="85672270"/>
+      </p:ext>
+    </p:extLst>
+  </p:cSld>
+  <p:clrMapOvr>
+    <a:masterClrMapping/>
+  </p:clrMapOvr>
+  <p:timing>
+    <p:tnLst>
+      <p:par>
+        <p:cTn id="1" dur="indefinite" restart="never" nodeType="tmRoot"/>
+      </p:par>
+    </p:tnLst>
+  </p:timing>
+</p:sld>
+</file>
+
+<file path=ppt/slides/slide47.xml><?xml version="1.0" encoding="utf-8"?>
 <p:sld xmlns:a="http://schemas.openxmlformats.org/drawingml/2006/main" xmlns:r="http://schemas.openxmlformats.org/officeDocument/2006/relationships" xmlns:p="http://schemas.openxmlformats.org/presentationml/2006/main">
   <p:cSld>
     <p:spTree>

--- a/documentations/learning-python.pptx
+++ b/documentations/learning-python.pptx
@@ -5,7 +5,7 @@
     <p:sldMasterId id="2147483665" r:id="rId1"/>
   </p:sldMasterIdLst>
   <p:notesMasterIdLst>
-    <p:notesMasterId r:id="rId49"/>
+    <p:notesMasterId r:id="rId52"/>
   </p:notesMasterIdLst>
   <p:sldIdLst>
     <p:sldId id="256" r:id="rId2"/>
@@ -54,7 +54,10 @@
     <p:sldId id="300" r:id="rId45"/>
     <p:sldId id="301" r:id="rId46"/>
     <p:sldId id="302" r:id="rId47"/>
-    <p:sldId id="285" r:id="rId48"/>
+    <p:sldId id="303" r:id="rId48"/>
+    <p:sldId id="304" r:id="rId49"/>
+    <p:sldId id="305" r:id="rId50"/>
+    <p:sldId id="285" r:id="rId51"/>
   </p:sldIdLst>
   <p:sldSz cx="12192000" cy="6858000"/>
   <p:notesSz cx="6858000" cy="9144000"/>
@@ -3945,6 +3948,258 @@
     </p:spTree>
     <p:extLst>
       <p:ext uri="{BB962C8B-B14F-4D97-AF65-F5344CB8AC3E}">
+        <p14:creationId xmlns:p14="http://schemas.microsoft.com/office/powerpoint/2010/main" val="378880317"/>
+      </p:ext>
+    </p:extLst>
+  </p:cSld>
+  <p:clrMapOvr>
+    <a:masterClrMapping/>
+  </p:clrMapOvr>
+</p:notes>
+</file>
+
+<file path=ppt/notesSlides/notesSlide47.xml><?xml version="1.0" encoding="utf-8"?>
+<p:notes xmlns:a="http://schemas.openxmlformats.org/drawingml/2006/main" xmlns:r="http://schemas.openxmlformats.org/officeDocument/2006/relationships" xmlns:p="http://schemas.openxmlformats.org/presentationml/2006/main">
+  <p:cSld>
+    <p:spTree>
+      <p:nvGrpSpPr>
+        <p:cNvPr id="1" name=""/>
+        <p:cNvGrpSpPr/>
+        <p:nvPr/>
+      </p:nvGrpSpPr>
+      <p:grpSpPr>
+        <a:xfrm>
+          <a:off x="0" y="0"/>
+          <a:ext cx="0" cy="0"/>
+          <a:chOff x="0" y="0"/>
+          <a:chExt cx="0" cy="0"/>
+        </a:xfrm>
+      </p:grpSpPr>
+      <p:sp>
+        <p:nvSpPr>
+          <p:cNvPr id="2" name="Espace réservé de l'image des diapositives 1"/>
+          <p:cNvSpPr>
+            <a:spLocks noGrp="1" noRot="1" noChangeAspect="1"/>
+          </p:cNvSpPr>
+          <p:nvPr>
+            <p:ph type="sldImg"/>
+          </p:nvPr>
+        </p:nvSpPr>
+        <p:spPr/>
+      </p:sp>
+      <p:sp>
+        <p:nvSpPr>
+          <p:cNvPr id="3" name="Espace réservé des commentaires 2"/>
+          <p:cNvSpPr>
+            <a:spLocks noGrp="1"/>
+          </p:cNvSpPr>
+          <p:nvPr>
+            <p:ph type="body" idx="1"/>
+          </p:nvPr>
+        </p:nvSpPr>
+        <p:spPr/>
+        <p:txBody>
+          <a:bodyPr/>
+          <a:lstStyle/>
+          <a:p>
+            <a:endParaRPr lang="fr-FR" dirty="0"/>
+          </a:p>
+        </p:txBody>
+      </p:sp>
+      <p:sp>
+        <p:nvSpPr>
+          <p:cNvPr id="4" name="Espace réservé du numéro de diapositive 3"/>
+          <p:cNvSpPr>
+            <a:spLocks noGrp="1"/>
+          </p:cNvSpPr>
+          <p:nvPr>
+            <p:ph type="sldNum" sz="quarter" idx="10"/>
+          </p:nvPr>
+        </p:nvSpPr>
+        <p:spPr/>
+        <p:txBody>
+          <a:bodyPr/>
+          <a:lstStyle/>
+          <a:p>
+            <a:fld id="{58BEE673-8D3B-4BBD-97EB-7004EF7CF6EF}" type="slidenum">
+              <a:rPr lang="fr-FR" smtClean="0"/>
+              <a:t>48</a:t>
+            </a:fld>
+            <a:endParaRPr lang="fr-FR" dirty="0"/>
+          </a:p>
+        </p:txBody>
+      </p:sp>
+    </p:spTree>
+    <p:extLst>
+      <p:ext uri="{BB962C8B-B14F-4D97-AF65-F5344CB8AC3E}">
+        <p14:creationId xmlns:p14="http://schemas.microsoft.com/office/powerpoint/2010/main" val="4057881950"/>
+      </p:ext>
+    </p:extLst>
+  </p:cSld>
+  <p:clrMapOvr>
+    <a:masterClrMapping/>
+  </p:clrMapOvr>
+</p:notes>
+</file>
+
+<file path=ppt/notesSlides/notesSlide48.xml><?xml version="1.0" encoding="utf-8"?>
+<p:notes xmlns:a="http://schemas.openxmlformats.org/drawingml/2006/main" xmlns:r="http://schemas.openxmlformats.org/officeDocument/2006/relationships" xmlns:p="http://schemas.openxmlformats.org/presentationml/2006/main">
+  <p:cSld>
+    <p:spTree>
+      <p:nvGrpSpPr>
+        <p:cNvPr id="1" name=""/>
+        <p:cNvGrpSpPr/>
+        <p:nvPr/>
+      </p:nvGrpSpPr>
+      <p:grpSpPr>
+        <a:xfrm>
+          <a:off x="0" y="0"/>
+          <a:ext cx="0" cy="0"/>
+          <a:chOff x="0" y="0"/>
+          <a:chExt cx="0" cy="0"/>
+        </a:xfrm>
+      </p:grpSpPr>
+      <p:sp>
+        <p:nvSpPr>
+          <p:cNvPr id="2" name="Espace réservé de l'image des diapositives 1"/>
+          <p:cNvSpPr>
+            <a:spLocks noGrp="1" noRot="1" noChangeAspect="1"/>
+          </p:cNvSpPr>
+          <p:nvPr>
+            <p:ph type="sldImg"/>
+          </p:nvPr>
+        </p:nvSpPr>
+        <p:spPr/>
+      </p:sp>
+      <p:sp>
+        <p:nvSpPr>
+          <p:cNvPr id="3" name="Espace réservé des commentaires 2"/>
+          <p:cNvSpPr>
+            <a:spLocks noGrp="1"/>
+          </p:cNvSpPr>
+          <p:nvPr>
+            <p:ph type="body" idx="1"/>
+          </p:nvPr>
+        </p:nvSpPr>
+        <p:spPr/>
+        <p:txBody>
+          <a:bodyPr/>
+          <a:lstStyle/>
+          <a:p>
+            <a:endParaRPr lang="fr-FR" dirty="0"/>
+          </a:p>
+        </p:txBody>
+      </p:sp>
+      <p:sp>
+        <p:nvSpPr>
+          <p:cNvPr id="4" name="Espace réservé du numéro de diapositive 3"/>
+          <p:cNvSpPr>
+            <a:spLocks noGrp="1"/>
+          </p:cNvSpPr>
+          <p:nvPr>
+            <p:ph type="sldNum" sz="quarter" idx="10"/>
+          </p:nvPr>
+        </p:nvSpPr>
+        <p:spPr/>
+        <p:txBody>
+          <a:bodyPr/>
+          <a:lstStyle/>
+          <a:p>
+            <a:fld id="{58BEE673-8D3B-4BBD-97EB-7004EF7CF6EF}" type="slidenum">
+              <a:rPr lang="fr-FR" smtClean="0"/>
+              <a:t>49</a:t>
+            </a:fld>
+            <a:endParaRPr lang="fr-FR" dirty="0"/>
+          </a:p>
+        </p:txBody>
+      </p:sp>
+    </p:spTree>
+    <p:extLst>
+      <p:ext uri="{BB962C8B-B14F-4D97-AF65-F5344CB8AC3E}">
+        <p14:creationId xmlns:p14="http://schemas.microsoft.com/office/powerpoint/2010/main" val="3787717850"/>
+      </p:ext>
+    </p:extLst>
+  </p:cSld>
+  <p:clrMapOvr>
+    <a:masterClrMapping/>
+  </p:clrMapOvr>
+</p:notes>
+</file>
+
+<file path=ppt/notesSlides/notesSlide49.xml><?xml version="1.0" encoding="utf-8"?>
+<p:notes xmlns:a="http://schemas.openxmlformats.org/drawingml/2006/main" xmlns:r="http://schemas.openxmlformats.org/officeDocument/2006/relationships" xmlns:p="http://schemas.openxmlformats.org/presentationml/2006/main">
+  <p:cSld>
+    <p:spTree>
+      <p:nvGrpSpPr>
+        <p:cNvPr id="1" name=""/>
+        <p:cNvGrpSpPr/>
+        <p:nvPr/>
+      </p:nvGrpSpPr>
+      <p:grpSpPr>
+        <a:xfrm>
+          <a:off x="0" y="0"/>
+          <a:ext cx="0" cy="0"/>
+          <a:chOff x="0" y="0"/>
+          <a:chExt cx="0" cy="0"/>
+        </a:xfrm>
+      </p:grpSpPr>
+      <p:sp>
+        <p:nvSpPr>
+          <p:cNvPr id="2" name="Espace réservé de l'image des diapositives 1"/>
+          <p:cNvSpPr>
+            <a:spLocks noGrp="1" noRot="1" noChangeAspect="1"/>
+          </p:cNvSpPr>
+          <p:nvPr>
+            <p:ph type="sldImg"/>
+          </p:nvPr>
+        </p:nvSpPr>
+        <p:spPr/>
+      </p:sp>
+      <p:sp>
+        <p:nvSpPr>
+          <p:cNvPr id="3" name="Espace réservé des commentaires 2"/>
+          <p:cNvSpPr>
+            <a:spLocks noGrp="1"/>
+          </p:cNvSpPr>
+          <p:nvPr>
+            <p:ph type="body" idx="1"/>
+          </p:nvPr>
+        </p:nvSpPr>
+        <p:spPr/>
+        <p:txBody>
+          <a:bodyPr/>
+          <a:lstStyle/>
+          <a:p>
+            <a:endParaRPr lang="fr-FR" dirty="0"/>
+          </a:p>
+        </p:txBody>
+      </p:sp>
+      <p:sp>
+        <p:nvSpPr>
+          <p:cNvPr id="4" name="Espace réservé du numéro de diapositive 3"/>
+          <p:cNvSpPr>
+            <a:spLocks noGrp="1"/>
+          </p:cNvSpPr>
+          <p:nvPr>
+            <p:ph type="sldNum" sz="quarter" idx="10"/>
+          </p:nvPr>
+        </p:nvSpPr>
+        <p:spPr/>
+        <p:txBody>
+          <a:bodyPr/>
+          <a:lstStyle/>
+          <a:p>
+            <a:fld id="{58BEE673-8D3B-4BBD-97EB-7004EF7CF6EF}" type="slidenum">
+              <a:rPr lang="fr-FR" smtClean="0"/>
+              <a:t>50</a:t>
+            </a:fld>
+            <a:endParaRPr lang="fr-FR" dirty="0"/>
+          </a:p>
+        </p:txBody>
+      </p:sp>
+    </p:spTree>
+    <p:extLst>
+      <p:ext uri="{BB962C8B-B14F-4D97-AF65-F5344CB8AC3E}">
         <p14:creationId xmlns:p14="http://schemas.microsoft.com/office/powerpoint/2010/main" val="831955769"/>
       </p:ext>
     </p:extLst>
@@ -7796,7 +8051,7 @@
         <p:spPr>
           <a:xfrm>
             <a:off x="206734" y="6611779"/>
-            <a:ext cx="1619354" cy="230832"/>
+            <a:ext cx="2198038" cy="230832"/>
           </a:xfrm>
           <a:prstGeom prst="rect">
             <a:avLst/>
@@ -7815,7 +8070,39 @@
                   <a:schemeClr val="accent1"/>
                 </a:solidFill>
               </a:rPr>
-              <a:t>Une introduction à Python</a:t>
+              <a:t>Une introduction </a:t>
+            </a:r>
+            <a:r>
+              <a:rPr lang="fr-FR" sz="900" b="1" dirty="0" smtClean="0">
+                <a:solidFill>
+                  <a:schemeClr val="accent1"/>
+                </a:solidFill>
+              </a:rPr>
+              <a:t>au</a:t>
+            </a:r>
+            <a:r>
+              <a:rPr lang="fr-FR" sz="900" b="1" baseline="0" dirty="0" smtClean="0">
+                <a:solidFill>
+                  <a:schemeClr val="accent1"/>
+                </a:solidFill>
+              </a:rPr>
+              <a:t> langage</a:t>
+            </a:r>
+            <a:r>
+              <a:rPr lang="fr-FR" sz="900" b="1" dirty="0" smtClean="0">
+                <a:solidFill>
+                  <a:schemeClr val="accent1"/>
+                </a:solidFill>
+              </a:rPr>
+              <a:t> </a:t>
+            </a:r>
+            <a:r>
+              <a:rPr lang="fr-FR" sz="900" b="1" dirty="0" smtClean="0">
+                <a:solidFill>
+                  <a:schemeClr val="accent1"/>
+                </a:solidFill>
+              </a:rPr>
+              <a:t>Python</a:t>
             </a:r>
             <a:endParaRPr lang="fr-FR" sz="900" b="1" dirty="0">
               <a:solidFill>
@@ -20825,11 +21112,6 @@
               </a:rPr>
               <a:t>” est un raccourci pour “else if”, mais permet de gagner un niveau d’indentation. Une séquence if … elif … elif … est par ailleurs équivalente aux instructions switch ou case disponibles dans d’autres langage</a:t>
             </a:r>
-            <a:endParaRPr lang="fr-FR" dirty="0">
-              <a:solidFill>
-                <a:schemeClr val="tx1"/>
-              </a:solidFill>
-            </a:endParaRPr>
           </a:p>
         </p:txBody>
       </p:sp>
@@ -21651,11 +21933,6 @@
               </a:rPr>
               <a:t>est possible de spécifier une valeur de début et/ou une valeur d’incrément différente(s) (y compris négative pour cette dernière, que l’on appelle également parfois le “pas”)</a:t>
             </a:r>
-            <a:endParaRPr lang="fr-FR" dirty="0">
-              <a:solidFill>
-                <a:schemeClr val="tx1"/>
-              </a:solidFill>
-            </a:endParaRPr>
           </a:p>
         </p:txBody>
       </p:sp>
@@ -21938,11 +22215,6 @@
               </a:rPr>
               <a:t>enumerate()</a:t>
             </a:r>
-            <a:endParaRPr lang="fr-FR" b="1" i="1" dirty="0">
-              <a:solidFill>
-                <a:schemeClr val="accent6"/>
-              </a:solidFill>
-            </a:endParaRPr>
           </a:p>
         </p:txBody>
       </p:sp>
@@ -22451,9 +22723,45 @@
           <a:p>
             <a:r>
               <a:rPr lang="fr-FR" dirty="0" smtClean="0"/>
-              <a:t>Références</a:t>
-            </a:r>
-            <a:endParaRPr lang="fr-FR" dirty="0"/>
+              <a:t>Les instructions </a:t>
+            </a:r>
+            <a:r>
+              <a:rPr lang="fr-FR" b="1" i="1" dirty="0" smtClean="0">
+                <a:solidFill>
+                  <a:schemeClr val="accent6"/>
+                </a:solidFill>
+              </a:rPr>
+              <a:t>break, continue</a:t>
+            </a:r>
+            <a:r>
+              <a:rPr lang="fr-FR" dirty="0" smtClean="0">
+                <a:solidFill>
+                  <a:schemeClr val="tx1"/>
+                </a:solidFill>
+              </a:rPr>
+              <a:t> et les clauses </a:t>
+            </a:r>
+            <a:r>
+              <a:rPr lang="fr-FR" b="1" i="1" dirty="0" smtClean="0">
+                <a:solidFill>
+                  <a:schemeClr val="accent6"/>
+                </a:solidFill>
+              </a:rPr>
+              <a:t>else</a:t>
+            </a:r>
+            <a:r>
+              <a:rPr lang="fr-FR" dirty="0" smtClean="0">
+                <a:solidFill>
+                  <a:schemeClr val="tx1"/>
+                </a:solidFill>
+              </a:rPr>
+              <a:t> au sein des boucles</a:t>
+            </a:r>
+            <a:endParaRPr lang="fr-FR" b="1" i="1" dirty="0">
+              <a:solidFill>
+                <a:schemeClr val="accent6"/>
+              </a:solidFill>
+            </a:endParaRPr>
           </a:p>
         </p:txBody>
       </p:sp>
@@ -22469,100 +22777,32 @@
         </p:nvSpPr>
         <p:spPr>
           <a:xfrm>
-            <a:off x="1661823" y="1542413"/>
-            <a:ext cx="9842789" cy="2965977"/>
+            <a:off x="485030" y="1701579"/>
+            <a:ext cx="5701085" cy="4937760"/>
           </a:xfrm>
         </p:spPr>
         <p:txBody>
           <a:bodyPr anchor="ctr" anchorCtr="0">
-            <a:normAutofit/>
+            <a:noAutofit/>
           </a:bodyPr>
           <a:lstStyle/>
           <a:p>
             <a:pPr algn="just"/>
             <a:r>
+              <a:rPr lang="fr-FR" dirty="0">
+                <a:solidFill>
+                  <a:schemeClr val="tx1"/>
+                </a:solidFill>
+              </a:rPr>
+              <a:t>L’instruction break, comme en C, interrompt la boucle for ou while la plus </a:t>
+            </a:r>
+            <a:r>
               <a:rPr lang="fr-FR" dirty="0" smtClean="0">
                 <a:solidFill>
                   <a:schemeClr val="tx1"/>
                 </a:solidFill>
               </a:rPr>
-              <a:t>Python.org </a:t>
-            </a:r>
-            <a:r>
-              <a:rPr lang="fr-FR" dirty="0">
-                <a:solidFill>
-                  <a:schemeClr val="tx1"/>
-                </a:solidFill>
-              </a:rPr>
-              <a:t>: </a:t>
-            </a:r>
-            <a:r>
-              <a:rPr lang="fr-FR" dirty="0">
-                <a:solidFill>
-                  <a:schemeClr val="tx1"/>
-                </a:solidFill>
-                <a:hlinkClick r:id="rId3"/>
-              </a:rPr>
-              <a:t>https://www.python.org</a:t>
-            </a:r>
-            <a:r>
-              <a:rPr lang="fr-FR" dirty="0" smtClean="0">
-                <a:solidFill>
-                  <a:schemeClr val="tx1"/>
-                </a:solidFill>
-                <a:hlinkClick r:id="rId3"/>
-              </a:rPr>
-              <a:t>/</a:t>
-            </a:r>
-            <a:endParaRPr lang="fr-FR" dirty="0" smtClean="0">
-              <a:solidFill>
-                <a:schemeClr val="tx1"/>
-              </a:solidFill>
-            </a:endParaRPr>
-          </a:p>
-          <a:p>
-            <a:pPr algn="just"/>
-            <a:r>
-              <a:rPr lang="fr-FR" dirty="0">
-                <a:solidFill>
-                  <a:schemeClr val="tx1"/>
-                </a:solidFill>
-              </a:rPr>
-              <a:t>Learning Python : </a:t>
-            </a:r>
-            <a:r>
-              <a:rPr lang="fr-FR" dirty="0">
-                <a:solidFill>
-                  <a:schemeClr val="tx1"/>
-                </a:solidFill>
-                <a:hlinkClick r:id="rId4"/>
-              </a:rPr>
-              <a:t>https://</a:t>
-            </a:r>
-            <a:r>
-              <a:rPr lang="fr-FR" dirty="0" smtClean="0">
-                <a:solidFill>
-                  <a:schemeClr val="tx1"/>
-                </a:solidFill>
-                <a:hlinkClick r:id="rId4"/>
-              </a:rPr>
-              <a:t>github.com/thierrydecker/learning-python</a:t>
-            </a:r>
-            <a:endParaRPr lang="fr-FR" dirty="0" smtClean="0">
-              <a:solidFill>
-                <a:schemeClr val="tx1"/>
-              </a:solidFill>
-            </a:endParaRPr>
-          </a:p>
-          <a:p>
-            <a:pPr algn="just"/>
-            <a:r>
-              <a:rPr lang="fr-FR" dirty="0" smtClean="0">
-                <a:solidFill>
-                  <a:schemeClr val="tx1"/>
-                </a:solidFill>
-              </a:rPr>
-              <a:t>…</a:t>
+              <a:t>profonde</a:t>
             </a:r>
             <a:endParaRPr lang="fr-FR" dirty="0">
               <a:solidFill>
@@ -22570,12 +22810,521 @@
               </a:solidFill>
             </a:endParaRPr>
           </a:p>
-        </p:txBody>
-      </p:sp>
+          <a:p>
+            <a:pPr algn="just"/>
+            <a:r>
+              <a:rPr lang="fr-FR" dirty="0">
+                <a:solidFill>
+                  <a:schemeClr val="tx1"/>
+                </a:solidFill>
+              </a:rPr>
+              <a:t>Les boucles peuvent également disposer d’une instruction else ; celle-ci est exécutée lorsqu’une boucle se termine alors que tous ses éléments ont été traités (dans le cas d’un for) ou que la condition devient fausse (dans le cas d’un while), mais pas lorsque la boucle est interrompue par une instruction </a:t>
+            </a:r>
+            <a:r>
+              <a:rPr lang="fr-FR" dirty="0" smtClean="0">
+                <a:solidFill>
+                  <a:schemeClr val="tx1"/>
+                </a:solidFill>
+              </a:rPr>
+              <a:t>break</a:t>
+            </a:r>
+          </a:p>
+          <a:p>
+            <a:pPr algn="just"/>
+            <a:r>
+              <a:rPr lang="fr-FR" dirty="0" smtClean="0">
+                <a:solidFill>
+                  <a:schemeClr val="tx1"/>
+                </a:solidFill>
+              </a:rPr>
+              <a:t>L’exemple </a:t>
+            </a:r>
+            <a:r>
+              <a:rPr lang="fr-FR" dirty="0">
+                <a:solidFill>
+                  <a:schemeClr val="tx1"/>
+                </a:solidFill>
+              </a:rPr>
+              <a:t>suivant, qui effectue une recherche de nombres premiers, en est une démonstration</a:t>
+            </a:r>
+            <a:endParaRPr lang="fr-FR" dirty="0">
+              <a:solidFill>
+                <a:schemeClr val="tx1"/>
+              </a:solidFill>
+            </a:endParaRPr>
+          </a:p>
+        </p:txBody>
+      </p:sp>
+      <p:pic>
+        <p:nvPicPr>
+          <p:cNvPr id="6" name="Image 5"/>
+          <p:cNvPicPr>
+            <a:picLocks noChangeAspect="1"/>
+          </p:cNvPicPr>
+          <p:nvPr/>
+        </p:nvPicPr>
+        <p:blipFill>
+          <a:blip r:embed="rId3"/>
+          <a:stretch>
+            <a:fillRect/>
+          </a:stretch>
+        </p:blipFill>
+        <p:spPr>
+          <a:xfrm>
+            <a:off x="6323855" y="2449499"/>
+            <a:ext cx="5505450" cy="3771900"/>
+          </a:xfrm>
+          <a:prstGeom prst="rect">
+            <a:avLst/>
+          </a:prstGeom>
+        </p:spPr>
+      </p:pic>
     </p:spTree>
     <p:extLst>
       <p:ext uri="{BB962C8B-B14F-4D97-AF65-F5344CB8AC3E}">
-        <p14:creationId xmlns:p14="http://schemas.microsoft.com/office/powerpoint/2010/main" val="3875151851"/>
+        <p14:creationId xmlns:p14="http://schemas.microsoft.com/office/powerpoint/2010/main" val="1372273515"/>
+      </p:ext>
+    </p:extLst>
+  </p:cSld>
+  <p:clrMapOvr>
+    <a:masterClrMapping/>
+  </p:clrMapOvr>
+  <p:timing>
+    <p:tnLst>
+      <p:par>
+        <p:cTn id="1" dur="indefinite" restart="never" nodeType="tmRoot"/>
+      </p:par>
+    </p:tnLst>
+  </p:timing>
+</p:sld>
+</file>
+
+<file path=ppt/slides/slide48.xml><?xml version="1.0" encoding="utf-8"?>
+<p:sld xmlns:a="http://schemas.openxmlformats.org/drawingml/2006/main" xmlns:r="http://schemas.openxmlformats.org/officeDocument/2006/relationships" xmlns:p="http://schemas.openxmlformats.org/presentationml/2006/main">
+  <p:cSld>
+    <p:spTree>
+      <p:nvGrpSpPr>
+        <p:cNvPr id="1" name=""/>
+        <p:cNvGrpSpPr/>
+        <p:nvPr/>
+      </p:nvGrpSpPr>
+      <p:grpSpPr>
+        <a:xfrm>
+          <a:off x="0" y="0"/>
+          <a:ext cx="0" cy="0"/>
+          <a:chOff x="0" y="0"/>
+          <a:chExt cx="0" cy="0"/>
+        </a:xfrm>
+      </p:grpSpPr>
+      <p:sp>
+        <p:nvSpPr>
+          <p:cNvPr id="2" name="Titre 1"/>
+          <p:cNvSpPr>
+            <a:spLocks noGrp="1"/>
+          </p:cNvSpPr>
+          <p:nvPr>
+            <p:ph type="title"/>
+          </p:nvPr>
+        </p:nvSpPr>
+        <p:spPr>
+          <a:xfrm>
+            <a:off x="2592925" y="624110"/>
+            <a:ext cx="8911687" cy="1280890"/>
+          </a:xfrm>
+        </p:spPr>
+        <p:txBody>
+          <a:bodyPr/>
+          <a:lstStyle/>
+          <a:p>
+            <a:r>
+              <a:rPr lang="fr-FR" dirty="0" smtClean="0"/>
+              <a:t>Les instructions </a:t>
+            </a:r>
+            <a:r>
+              <a:rPr lang="fr-FR" b="1" i="1" dirty="0" smtClean="0">
+                <a:solidFill>
+                  <a:schemeClr val="accent6"/>
+                </a:solidFill>
+              </a:rPr>
+              <a:t>break, continue</a:t>
+            </a:r>
+            <a:r>
+              <a:rPr lang="fr-FR" dirty="0" smtClean="0">
+                <a:solidFill>
+                  <a:schemeClr val="tx1"/>
+                </a:solidFill>
+              </a:rPr>
+              <a:t> et les clauses </a:t>
+            </a:r>
+            <a:r>
+              <a:rPr lang="fr-FR" b="1" i="1" dirty="0" smtClean="0">
+                <a:solidFill>
+                  <a:schemeClr val="accent6"/>
+                </a:solidFill>
+              </a:rPr>
+              <a:t>else</a:t>
+            </a:r>
+            <a:r>
+              <a:rPr lang="fr-FR" dirty="0" smtClean="0">
+                <a:solidFill>
+                  <a:schemeClr val="tx1"/>
+                </a:solidFill>
+              </a:rPr>
+              <a:t> au sein des boucles</a:t>
+            </a:r>
+            <a:endParaRPr lang="fr-FR" b="1" i="1" dirty="0">
+              <a:solidFill>
+                <a:schemeClr val="accent6"/>
+              </a:solidFill>
+            </a:endParaRPr>
+          </a:p>
+        </p:txBody>
+      </p:sp>
+      <p:sp>
+        <p:nvSpPr>
+          <p:cNvPr id="3" name="Espace réservé du contenu 2"/>
+          <p:cNvSpPr>
+            <a:spLocks noGrp="1"/>
+          </p:cNvSpPr>
+          <p:nvPr>
+            <p:ph idx="1"/>
+          </p:nvPr>
+        </p:nvSpPr>
+        <p:spPr>
+          <a:xfrm>
+            <a:off x="1327868" y="1701579"/>
+            <a:ext cx="4858247" cy="3713259"/>
+          </a:xfrm>
+        </p:spPr>
+        <p:txBody>
+          <a:bodyPr anchor="ctr" anchorCtr="0">
+            <a:noAutofit/>
+          </a:bodyPr>
+          <a:lstStyle/>
+          <a:p>
+            <a:pPr algn="just"/>
+            <a:r>
+              <a:rPr lang="fr-FR" dirty="0">
+                <a:solidFill>
+                  <a:schemeClr val="tx1"/>
+                </a:solidFill>
+              </a:rPr>
+              <a:t>L’instruction continue, également empruntée au C, fait passer la boucle à son itération suivante</a:t>
+            </a:r>
+            <a:endParaRPr lang="fr-FR" dirty="0">
+              <a:solidFill>
+                <a:schemeClr val="tx1"/>
+              </a:solidFill>
+            </a:endParaRPr>
+          </a:p>
+        </p:txBody>
+      </p:sp>
+      <p:pic>
+        <p:nvPicPr>
+          <p:cNvPr id="4" name="Image 3"/>
+          <p:cNvPicPr>
+            <a:picLocks noChangeAspect="1"/>
+          </p:cNvPicPr>
+          <p:nvPr/>
+        </p:nvPicPr>
+        <p:blipFill>
+          <a:blip r:embed="rId3"/>
+          <a:stretch>
+            <a:fillRect/>
+          </a:stretch>
+        </p:blipFill>
+        <p:spPr>
+          <a:xfrm>
+            <a:off x="6730116" y="2533774"/>
+            <a:ext cx="5029200" cy="3305175"/>
+          </a:xfrm>
+          <a:prstGeom prst="rect">
+            <a:avLst/>
+          </a:prstGeom>
+          <a:ln>
+            <a:noFill/>
+          </a:ln>
+          <a:effectLst>
+            <a:outerShdw blurRad="292100" dist="139700" dir="2700000" algn="tl" rotWithShape="0">
+              <a:srgbClr val="333333">
+                <a:alpha val="65000"/>
+              </a:srgbClr>
+            </a:outerShdw>
+          </a:effectLst>
+        </p:spPr>
+      </p:pic>
+    </p:spTree>
+    <p:extLst>
+      <p:ext uri="{BB962C8B-B14F-4D97-AF65-F5344CB8AC3E}">
+        <p14:creationId xmlns:p14="http://schemas.microsoft.com/office/powerpoint/2010/main" val="3271090157"/>
+      </p:ext>
+    </p:extLst>
+  </p:cSld>
+  <p:clrMapOvr>
+    <a:masterClrMapping/>
+  </p:clrMapOvr>
+  <p:timing>
+    <p:tnLst>
+      <p:par>
+        <p:cTn id="1" dur="indefinite" restart="never" nodeType="tmRoot"/>
+      </p:par>
+    </p:tnLst>
+  </p:timing>
+</p:sld>
+</file>
+
+<file path=ppt/slides/slide49.xml><?xml version="1.0" encoding="utf-8"?>
+<p:sld xmlns:a="http://schemas.openxmlformats.org/drawingml/2006/main" xmlns:r="http://schemas.openxmlformats.org/officeDocument/2006/relationships" xmlns:p="http://schemas.openxmlformats.org/presentationml/2006/main">
+  <p:cSld>
+    <p:spTree>
+      <p:nvGrpSpPr>
+        <p:cNvPr id="1" name=""/>
+        <p:cNvGrpSpPr/>
+        <p:nvPr/>
+      </p:nvGrpSpPr>
+      <p:grpSpPr>
+        <a:xfrm>
+          <a:off x="0" y="0"/>
+          <a:ext cx="0" cy="0"/>
+          <a:chOff x="0" y="0"/>
+          <a:chExt cx="0" cy="0"/>
+        </a:xfrm>
+      </p:grpSpPr>
+      <p:sp>
+        <p:nvSpPr>
+          <p:cNvPr id="2" name="Titre 1"/>
+          <p:cNvSpPr>
+            <a:spLocks noGrp="1"/>
+          </p:cNvSpPr>
+          <p:nvPr>
+            <p:ph type="title"/>
+          </p:nvPr>
+        </p:nvSpPr>
+        <p:spPr>
+          <a:xfrm>
+            <a:off x="2592925" y="624110"/>
+            <a:ext cx="8911687" cy="1280890"/>
+          </a:xfrm>
+        </p:spPr>
+        <p:txBody>
+          <a:bodyPr/>
+          <a:lstStyle/>
+          <a:p>
+            <a:r>
+              <a:rPr lang="fr-FR" dirty="0" smtClean="0"/>
+              <a:t>L'instruction </a:t>
+            </a:r>
+            <a:r>
+              <a:rPr lang="fr-FR" b="1" i="1" dirty="0" smtClean="0">
+                <a:solidFill>
+                  <a:schemeClr val="accent6"/>
+                </a:solidFill>
+              </a:rPr>
+              <a:t>pass</a:t>
+            </a:r>
+            <a:endParaRPr lang="fr-FR" b="1" i="1" dirty="0">
+              <a:solidFill>
+                <a:schemeClr val="accent6"/>
+              </a:solidFill>
+            </a:endParaRPr>
+          </a:p>
+        </p:txBody>
+      </p:sp>
+      <p:sp>
+        <p:nvSpPr>
+          <p:cNvPr id="3" name="Espace réservé du contenu 2"/>
+          <p:cNvSpPr>
+            <a:spLocks noGrp="1"/>
+          </p:cNvSpPr>
+          <p:nvPr>
+            <p:ph idx="1"/>
+          </p:nvPr>
+        </p:nvSpPr>
+        <p:spPr>
+          <a:xfrm>
+            <a:off x="1327869" y="1701579"/>
+            <a:ext cx="6061944" cy="4595853"/>
+          </a:xfrm>
+        </p:spPr>
+        <p:txBody>
+          <a:bodyPr anchor="ctr" anchorCtr="0">
+            <a:noAutofit/>
+          </a:bodyPr>
+          <a:lstStyle/>
+          <a:p>
+            <a:pPr algn="just"/>
+            <a:r>
+              <a:rPr lang="fr-FR" dirty="0">
+                <a:solidFill>
+                  <a:schemeClr val="tx1"/>
+                </a:solidFill>
+              </a:rPr>
+              <a:t>L’instruction pass ne fait </a:t>
+            </a:r>
+            <a:r>
+              <a:rPr lang="fr-FR" dirty="0" smtClean="0">
+                <a:solidFill>
+                  <a:schemeClr val="tx1"/>
+                </a:solidFill>
+              </a:rPr>
+              <a:t>rien</a:t>
+            </a:r>
+          </a:p>
+          <a:p>
+            <a:pPr algn="just"/>
+            <a:r>
+              <a:rPr lang="fr-FR" dirty="0" smtClean="0">
+                <a:solidFill>
+                  <a:schemeClr val="tx1"/>
+                </a:solidFill>
+              </a:rPr>
+              <a:t>Elle </a:t>
+            </a:r>
+            <a:r>
+              <a:rPr lang="fr-FR" dirty="0">
+                <a:solidFill>
+                  <a:schemeClr val="tx1"/>
+                </a:solidFill>
+              </a:rPr>
+              <a:t>peut être utilisée lorsqu’une instruction est nécessaire pour fournir une syntaxe correcte, mais qu’aucune action ne doit être </a:t>
+            </a:r>
+            <a:r>
+              <a:rPr lang="fr-FR" dirty="0" smtClean="0">
+                <a:solidFill>
+                  <a:schemeClr val="tx1"/>
+                </a:solidFill>
+              </a:rPr>
+              <a:t>effectuée</a:t>
+            </a:r>
+          </a:p>
+          <a:p>
+            <a:pPr algn="just"/>
+            <a:r>
+              <a:rPr lang="fr-FR" dirty="0" smtClean="0">
+                <a:solidFill>
+                  <a:schemeClr val="tx1"/>
+                </a:solidFill>
+              </a:rPr>
+              <a:t>L'exemple suivant est une boucle infinie que l'on interrompra par Ctrl+c</a:t>
+            </a:r>
+          </a:p>
+          <a:p>
+            <a:pPr algn="just"/>
+            <a:r>
+              <a:rPr lang="fr-FR" dirty="0">
+                <a:solidFill>
+                  <a:schemeClr val="tx1"/>
+                </a:solidFill>
+              </a:rPr>
+              <a:t>Un autre cas d’utilisation du pass est de réserver un espace en phase de développement pour une fonction ou un traitement conditionnel, vous permettant ainsi de construire votre code à un niveau plus </a:t>
+            </a:r>
+            <a:r>
+              <a:rPr lang="fr-FR" dirty="0" smtClean="0">
+                <a:solidFill>
+                  <a:schemeClr val="tx1"/>
+                </a:solidFill>
+              </a:rPr>
+              <a:t>abstrait</a:t>
+            </a:r>
+          </a:p>
+          <a:p>
+            <a:pPr algn="just"/>
+            <a:r>
+              <a:rPr lang="fr-FR" dirty="0" smtClean="0">
+                <a:solidFill>
+                  <a:schemeClr val="tx1"/>
+                </a:solidFill>
+              </a:rPr>
+              <a:t>L’instruction </a:t>
+            </a:r>
+            <a:r>
+              <a:rPr lang="fr-FR" dirty="0">
+                <a:solidFill>
+                  <a:schemeClr val="tx1"/>
+                </a:solidFill>
+              </a:rPr>
+              <a:t>pass est alors ignorée silencieusement</a:t>
+            </a:r>
+            <a:endParaRPr lang="fr-FR" dirty="0">
+              <a:solidFill>
+                <a:schemeClr val="tx1"/>
+              </a:solidFill>
+            </a:endParaRPr>
+          </a:p>
+        </p:txBody>
+      </p:sp>
+      <p:pic>
+        <p:nvPicPr>
+          <p:cNvPr id="5" name="Image 4"/>
+          <p:cNvPicPr>
+            <a:picLocks noChangeAspect="1"/>
+          </p:cNvPicPr>
+          <p:nvPr/>
+        </p:nvPicPr>
+        <p:blipFill>
+          <a:blip r:embed="rId3"/>
+          <a:stretch>
+            <a:fillRect/>
+          </a:stretch>
+        </p:blipFill>
+        <p:spPr>
+          <a:xfrm>
+            <a:off x="7839696" y="2537709"/>
+            <a:ext cx="4114800" cy="1581150"/>
+          </a:xfrm>
+          <a:prstGeom prst="rect">
+            <a:avLst/>
+          </a:prstGeom>
+          <a:ln>
+            <a:noFill/>
+          </a:ln>
+          <a:effectLst>
+            <a:outerShdw blurRad="292100" dist="139700" dir="2700000" algn="tl" rotWithShape="0">
+              <a:srgbClr val="333333">
+                <a:alpha val="65000"/>
+              </a:srgbClr>
+            </a:outerShdw>
+          </a:effectLst>
+        </p:spPr>
+      </p:pic>
+      <p:pic>
+        <p:nvPicPr>
+          <p:cNvPr id="6" name="Image 5"/>
+          <p:cNvPicPr>
+            <a:picLocks noChangeAspect="1"/>
+          </p:cNvPicPr>
+          <p:nvPr/>
+        </p:nvPicPr>
+        <p:blipFill>
+          <a:blip r:embed="rId4"/>
+          <a:stretch>
+            <a:fillRect/>
+          </a:stretch>
+        </p:blipFill>
+        <p:spPr>
+          <a:xfrm>
+            <a:off x="7839696" y="4317972"/>
+            <a:ext cx="3686175" cy="1152525"/>
+          </a:xfrm>
+          <a:prstGeom prst="rect">
+            <a:avLst/>
+          </a:prstGeom>
+          <a:ln>
+            <a:noFill/>
+          </a:ln>
+          <a:effectLst>
+            <a:outerShdw blurRad="292100" dist="139700" dir="2700000" algn="tl" rotWithShape="0">
+              <a:srgbClr val="333333">
+                <a:alpha val="65000"/>
+              </a:srgbClr>
+            </a:outerShdw>
+          </a:effectLst>
+        </p:spPr>
+      </p:pic>
+    </p:spTree>
+    <p:extLst>
+      <p:ext uri="{BB962C8B-B14F-4D97-AF65-F5344CB8AC3E}">
+        <p14:creationId xmlns:p14="http://schemas.microsoft.com/office/powerpoint/2010/main" val="229857392"/>
       </p:ext>
     </p:extLst>
   </p:cSld>
@@ -22725,6 +23474,186 @@
     <p:extLst>
       <p:ext uri="{BB962C8B-B14F-4D97-AF65-F5344CB8AC3E}">
         <p14:creationId xmlns:p14="http://schemas.microsoft.com/office/powerpoint/2010/main" val="1554236543"/>
+      </p:ext>
+    </p:extLst>
+  </p:cSld>
+  <p:clrMapOvr>
+    <a:masterClrMapping/>
+  </p:clrMapOvr>
+  <p:timing>
+    <p:tnLst>
+      <p:par>
+        <p:cTn id="1" dur="indefinite" restart="never" nodeType="tmRoot"/>
+      </p:par>
+    </p:tnLst>
+  </p:timing>
+</p:sld>
+</file>
+
+<file path=ppt/slides/slide50.xml><?xml version="1.0" encoding="utf-8"?>
+<p:sld xmlns:a="http://schemas.openxmlformats.org/drawingml/2006/main" xmlns:r="http://schemas.openxmlformats.org/officeDocument/2006/relationships" xmlns:p="http://schemas.openxmlformats.org/presentationml/2006/main">
+  <p:cSld>
+    <p:spTree>
+      <p:nvGrpSpPr>
+        <p:cNvPr id="1" name=""/>
+        <p:cNvGrpSpPr/>
+        <p:nvPr/>
+      </p:nvGrpSpPr>
+      <p:grpSpPr>
+        <a:xfrm>
+          <a:off x="0" y="0"/>
+          <a:ext cx="0" cy="0"/>
+          <a:chOff x="0" y="0"/>
+          <a:chExt cx="0" cy="0"/>
+        </a:xfrm>
+      </p:grpSpPr>
+      <p:sp>
+        <p:nvSpPr>
+          <p:cNvPr id="2" name="Titre 1"/>
+          <p:cNvSpPr>
+            <a:spLocks noGrp="1"/>
+          </p:cNvSpPr>
+          <p:nvPr>
+            <p:ph type="title"/>
+          </p:nvPr>
+        </p:nvSpPr>
+        <p:spPr>
+          <a:xfrm>
+            <a:off x="2592925" y="624110"/>
+            <a:ext cx="8911687" cy="1280890"/>
+          </a:xfrm>
+        </p:spPr>
+        <p:txBody>
+          <a:bodyPr/>
+          <a:lstStyle/>
+          <a:p>
+            <a:r>
+              <a:rPr lang="fr-FR" dirty="0" smtClean="0"/>
+              <a:t>Références</a:t>
+            </a:r>
+            <a:endParaRPr lang="fr-FR" dirty="0"/>
+          </a:p>
+        </p:txBody>
+      </p:sp>
+      <p:sp>
+        <p:nvSpPr>
+          <p:cNvPr id="3" name="Espace réservé du contenu 2"/>
+          <p:cNvSpPr>
+            <a:spLocks noGrp="1"/>
+          </p:cNvSpPr>
+          <p:nvPr>
+            <p:ph idx="1"/>
+          </p:nvPr>
+        </p:nvSpPr>
+        <p:spPr>
+          <a:xfrm>
+            <a:off x="1661823" y="1542413"/>
+            <a:ext cx="9842789" cy="2965977"/>
+          </a:xfrm>
+        </p:spPr>
+        <p:txBody>
+          <a:bodyPr anchor="ctr" anchorCtr="0">
+            <a:normAutofit/>
+          </a:bodyPr>
+          <a:lstStyle/>
+          <a:p>
+            <a:pPr algn="just"/>
+            <a:r>
+              <a:rPr lang="fr-FR" dirty="0" smtClean="0">
+                <a:solidFill>
+                  <a:schemeClr val="tx1"/>
+                </a:solidFill>
+              </a:rPr>
+              <a:t>Python.org </a:t>
+            </a:r>
+            <a:r>
+              <a:rPr lang="fr-FR" dirty="0">
+                <a:solidFill>
+                  <a:schemeClr val="tx1"/>
+                </a:solidFill>
+              </a:rPr>
+              <a:t>: </a:t>
+            </a:r>
+            <a:r>
+              <a:rPr lang="fr-FR" dirty="0">
+                <a:solidFill>
+                  <a:schemeClr val="tx1"/>
+                </a:solidFill>
+                <a:hlinkClick r:id="rId3"/>
+              </a:rPr>
+              <a:t>https://www.python.org</a:t>
+            </a:r>
+            <a:r>
+              <a:rPr lang="fr-FR" dirty="0" smtClean="0">
+                <a:solidFill>
+                  <a:schemeClr val="tx1"/>
+                </a:solidFill>
+                <a:hlinkClick r:id="rId3"/>
+              </a:rPr>
+              <a:t>/</a:t>
+            </a:r>
+            <a:endParaRPr lang="fr-FR" dirty="0" smtClean="0">
+              <a:solidFill>
+                <a:schemeClr val="tx1"/>
+              </a:solidFill>
+            </a:endParaRPr>
+          </a:p>
+          <a:p>
+            <a:pPr algn="just"/>
+            <a:r>
+              <a:rPr lang="fr-FR" dirty="0">
+                <a:solidFill>
+                  <a:schemeClr val="tx1"/>
+                </a:solidFill>
+              </a:rPr>
+              <a:t>Learning Python : </a:t>
+            </a:r>
+            <a:r>
+              <a:rPr lang="fr-FR" dirty="0">
+                <a:solidFill>
+                  <a:schemeClr val="tx1"/>
+                </a:solidFill>
+                <a:hlinkClick r:id="rId4"/>
+              </a:rPr>
+              <a:t>https://</a:t>
+            </a:r>
+            <a:r>
+              <a:rPr lang="fr-FR" dirty="0" smtClean="0">
+                <a:solidFill>
+                  <a:schemeClr val="tx1"/>
+                </a:solidFill>
+                <a:hlinkClick r:id="rId4"/>
+              </a:rPr>
+              <a:t>github.com/thierrydecker/learning-python</a:t>
+            </a:r>
+            <a:endParaRPr lang="fr-FR" dirty="0" smtClean="0">
+              <a:solidFill>
+                <a:schemeClr val="tx1"/>
+              </a:solidFill>
+            </a:endParaRPr>
+          </a:p>
+          <a:p>
+            <a:pPr algn="just"/>
+            <a:r>
+              <a:rPr lang="fr-FR" dirty="0" smtClean="0">
+                <a:solidFill>
+                  <a:schemeClr val="tx1"/>
+                </a:solidFill>
+              </a:rPr>
+              <a:t>…</a:t>
+            </a:r>
+            <a:endParaRPr lang="fr-FR" dirty="0">
+              <a:solidFill>
+                <a:schemeClr val="tx1"/>
+              </a:solidFill>
+            </a:endParaRPr>
+          </a:p>
+        </p:txBody>
+      </p:sp>
+    </p:spTree>
+    <p:extLst>
+      <p:ext uri="{BB962C8B-B14F-4D97-AF65-F5344CB8AC3E}">
+        <p14:creationId xmlns:p14="http://schemas.microsoft.com/office/powerpoint/2010/main" val="3875151851"/>
       </p:ext>
     </p:extLst>
   </p:cSld>

--- a/documentations/learning-python.pptx
+++ b/documentations/learning-python.pptx
@@ -5,7 +5,7 @@
     <p:sldMasterId id="2147483665" r:id="rId1"/>
   </p:sldMasterIdLst>
   <p:notesMasterIdLst>
-    <p:notesMasterId r:id="rId52"/>
+    <p:notesMasterId r:id="rId56"/>
   </p:notesMasterIdLst>
   <p:sldIdLst>
     <p:sldId id="256" r:id="rId2"/>
@@ -57,7 +57,11 @@
     <p:sldId id="303" r:id="rId48"/>
     <p:sldId id="304" r:id="rId49"/>
     <p:sldId id="305" r:id="rId50"/>
-    <p:sldId id="285" r:id="rId51"/>
+    <p:sldId id="306" r:id="rId51"/>
+    <p:sldId id="307" r:id="rId52"/>
+    <p:sldId id="308" r:id="rId53"/>
+    <p:sldId id="285" r:id="rId54"/>
+    <p:sldId id="309" r:id="rId55"/>
   </p:sldIdLst>
   <p:sldSz cx="12192000" cy="6858000"/>
   <p:notesSz cx="6858000" cy="9144000"/>
@@ -4200,7 +4204,7 @@
     </p:spTree>
     <p:extLst>
       <p:ext uri="{BB962C8B-B14F-4D97-AF65-F5344CB8AC3E}">
-        <p14:creationId xmlns:p14="http://schemas.microsoft.com/office/powerpoint/2010/main" val="831955769"/>
+        <p14:creationId xmlns:p14="http://schemas.microsoft.com/office/powerpoint/2010/main" val="506775172"/>
       </p:ext>
     </p:extLst>
   </p:cSld>
@@ -4285,6 +4289,342 @@
     <p:extLst>
       <p:ext uri="{BB962C8B-B14F-4D97-AF65-F5344CB8AC3E}">
         <p14:creationId xmlns:p14="http://schemas.microsoft.com/office/powerpoint/2010/main" val="1051018602"/>
+      </p:ext>
+    </p:extLst>
+  </p:cSld>
+  <p:clrMapOvr>
+    <a:masterClrMapping/>
+  </p:clrMapOvr>
+</p:notes>
+</file>
+
+<file path=ppt/notesSlides/notesSlide50.xml><?xml version="1.0" encoding="utf-8"?>
+<p:notes xmlns:a="http://schemas.openxmlformats.org/drawingml/2006/main" xmlns:r="http://schemas.openxmlformats.org/officeDocument/2006/relationships" xmlns:p="http://schemas.openxmlformats.org/presentationml/2006/main">
+  <p:cSld>
+    <p:spTree>
+      <p:nvGrpSpPr>
+        <p:cNvPr id="1" name=""/>
+        <p:cNvGrpSpPr/>
+        <p:nvPr/>
+      </p:nvGrpSpPr>
+      <p:grpSpPr>
+        <a:xfrm>
+          <a:off x="0" y="0"/>
+          <a:ext cx="0" cy="0"/>
+          <a:chOff x="0" y="0"/>
+          <a:chExt cx="0" cy="0"/>
+        </a:xfrm>
+      </p:grpSpPr>
+      <p:sp>
+        <p:nvSpPr>
+          <p:cNvPr id="2" name="Espace réservé de l'image des diapositives 1"/>
+          <p:cNvSpPr>
+            <a:spLocks noGrp="1" noRot="1" noChangeAspect="1"/>
+          </p:cNvSpPr>
+          <p:nvPr>
+            <p:ph type="sldImg"/>
+          </p:nvPr>
+        </p:nvSpPr>
+        <p:spPr/>
+      </p:sp>
+      <p:sp>
+        <p:nvSpPr>
+          <p:cNvPr id="3" name="Espace réservé des commentaires 2"/>
+          <p:cNvSpPr>
+            <a:spLocks noGrp="1"/>
+          </p:cNvSpPr>
+          <p:nvPr>
+            <p:ph type="body" idx="1"/>
+          </p:nvPr>
+        </p:nvSpPr>
+        <p:spPr/>
+        <p:txBody>
+          <a:bodyPr/>
+          <a:lstStyle/>
+          <a:p>
+            <a:endParaRPr lang="fr-FR" dirty="0"/>
+          </a:p>
+        </p:txBody>
+      </p:sp>
+      <p:sp>
+        <p:nvSpPr>
+          <p:cNvPr id="4" name="Espace réservé du numéro de diapositive 3"/>
+          <p:cNvSpPr>
+            <a:spLocks noGrp="1"/>
+          </p:cNvSpPr>
+          <p:nvPr>
+            <p:ph type="sldNum" sz="quarter" idx="10"/>
+          </p:nvPr>
+        </p:nvSpPr>
+        <p:spPr/>
+        <p:txBody>
+          <a:bodyPr/>
+          <a:lstStyle/>
+          <a:p>
+            <a:fld id="{58BEE673-8D3B-4BBD-97EB-7004EF7CF6EF}" type="slidenum">
+              <a:rPr lang="fr-FR" smtClean="0"/>
+              <a:t>51</a:t>
+            </a:fld>
+            <a:endParaRPr lang="fr-FR" dirty="0"/>
+          </a:p>
+        </p:txBody>
+      </p:sp>
+    </p:spTree>
+    <p:extLst>
+      <p:ext uri="{BB962C8B-B14F-4D97-AF65-F5344CB8AC3E}">
+        <p14:creationId xmlns:p14="http://schemas.microsoft.com/office/powerpoint/2010/main" val="2442515745"/>
+      </p:ext>
+    </p:extLst>
+  </p:cSld>
+  <p:clrMapOvr>
+    <a:masterClrMapping/>
+  </p:clrMapOvr>
+</p:notes>
+</file>
+
+<file path=ppt/notesSlides/notesSlide51.xml><?xml version="1.0" encoding="utf-8"?>
+<p:notes xmlns:a="http://schemas.openxmlformats.org/drawingml/2006/main" xmlns:r="http://schemas.openxmlformats.org/officeDocument/2006/relationships" xmlns:p="http://schemas.openxmlformats.org/presentationml/2006/main">
+  <p:cSld>
+    <p:spTree>
+      <p:nvGrpSpPr>
+        <p:cNvPr id="1" name=""/>
+        <p:cNvGrpSpPr/>
+        <p:nvPr/>
+      </p:nvGrpSpPr>
+      <p:grpSpPr>
+        <a:xfrm>
+          <a:off x="0" y="0"/>
+          <a:ext cx="0" cy="0"/>
+          <a:chOff x="0" y="0"/>
+          <a:chExt cx="0" cy="0"/>
+        </a:xfrm>
+      </p:grpSpPr>
+      <p:sp>
+        <p:nvSpPr>
+          <p:cNvPr id="2" name="Espace réservé de l'image des diapositives 1"/>
+          <p:cNvSpPr>
+            <a:spLocks noGrp="1" noRot="1" noChangeAspect="1"/>
+          </p:cNvSpPr>
+          <p:nvPr>
+            <p:ph type="sldImg"/>
+          </p:nvPr>
+        </p:nvSpPr>
+        <p:spPr/>
+      </p:sp>
+      <p:sp>
+        <p:nvSpPr>
+          <p:cNvPr id="3" name="Espace réservé des commentaires 2"/>
+          <p:cNvSpPr>
+            <a:spLocks noGrp="1"/>
+          </p:cNvSpPr>
+          <p:nvPr>
+            <p:ph type="body" idx="1"/>
+          </p:nvPr>
+        </p:nvSpPr>
+        <p:spPr/>
+        <p:txBody>
+          <a:bodyPr/>
+          <a:lstStyle/>
+          <a:p>
+            <a:endParaRPr lang="fr-FR" dirty="0"/>
+          </a:p>
+        </p:txBody>
+      </p:sp>
+      <p:sp>
+        <p:nvSpPr>
+          <p:cNvPr id="4" name="Espace réservé du numéro de diapositive 3"/>
+          <p:cNvSpPr>
+            <a:spLocks noGrp="1"/>
+          </p:cNvSpPr>
+          <p:nvPr>
+            <p:ph type="sldNum" sz="quarter" idx="10"/>
+          </p:nvPr>
+        </p:nvSpPr>
+        <p:spPr/>
+        <p:txBody>
+          <a:bodyPr/>
+          <a:lstStyle/>
+          <a:p>
+            <a:fld id="{58BEE673-8D3B-4BBD-97EB-7004EF7CF6EF}" type="slidenum">
+              <a:rPr lang="fr-FR" smtClean="0"/>
+              <a:t>52</a:t>
+            </a:fld>
+            <a:endParaRPr lang="fr-FR" dirty="0"/>
+          </a:p>
+        </p:txBody>
+      </p:sp>
+    </p:spTree>
+    <p:extLst>
+      <p:ext uri="{BB962C8B-B14F-4D97-AF65-F5344CB8AC3E}">
+        <p14:creationId xmlns:p14="http://schemas.microsoft.com/office/powerpoint/2010/main" val="471859371"/>
+      </p:ext>
+    </p:extLst>
+  </p:cSld>
+  <p:clrMapOvr>
+    <a:masterClrMapping/>
+  </p:clrMapOvr>
+</p:notes>
+</file>
+
+<file path=ppt/notesSlides/notesSlide52.xml><?xml version="1.0" encoding="utf-8"?>
+<p:notes xmlns:a="http://schemas.openxmlformats.org/drawingml/2006/main" xmlns:r="http://schemas.openxmlformats.org/officeDocument/2006/relationships" xmlns:p="http://schemas.openxmlformats.org/presentationml/2006/main">
+  <p:cSld>
+    <p:spTree>
+      <p:nvGrpSpPr>
+        <p:cNvPr id="1" name=""/>
+        <p:cNvGrpSpPr/>
+        <p:nvPr/>
+      </p:nvGrpSpPr>
+      <p:grpSpPr>
+        <a:xfrm>
+          <a:off x="0" y="0"/>
+          <a:ext cx="0" cy="0"/>
+          <a:chOff x="0" y="0"/>
+          <a:chExt cx="0" cy="0"/>
+        </a:xfrm>
+      </p:grpSpPr>
+      <p:sp>
+        <p:nvSpPr>
+          <p:cNvPr id="2" name="Espace réservé de l'image des diapositives 1"/>
+          <p:cNvSpPr>
+            <a:spLocks noGrp="1" noRot="1" noChangeAspect="1"/>
+          </p:cNvSpPr>
+          <p:nvPr>
+            <p:ph type="sldImg"/>
+          </p:nvPr>
+        </p:nvSpPr>
+        <p:spPr/>
+      </p:sp>
+      <p:sp>
+        <p:nvSpPr>
+          <p:cNvPr id="3" name="Espace réservé des commentaires 2"/>
+          <p:cNvSpPr>
+            <a:spLocks noGrp="1"/>
+          </p:cNvSpPr>
+          <p:nvPr>
+            <p:ph type="body" idx="1"/>
+          </p:nvPr>
+        </p:nvSpPr>
+        <p:spPr/>
+        <p:txBody>
+          <a:bodyPr/>
+          <a:lstStyle/>
+          <a:p>
+            <a:endParaRPr lang="fr-FR" dirty="0"/>
+          </a:p>
+        </p:txBody>
+      </p:sp>
+      <p:sp>
+        <p:nvSpPr>
+          <p:cNvPr id="4" name="Espace réservé du numéro de diapositive 3"/>
+          <p:cNvSpPr>
+            <a:spLocks noGrp="1"/>
+          </p:cNvSpPr>
+          <p:nvPr>
+            <p:ph type="sldNum" sz="quarter" idx="10"/>
+          </p:nvPr>
+        </p:nvSpPr>
+        <p:spPr/>
+        <p:txBody>
+          <a:bodyPr/>
+          <a:lstStyle/>
+          <a:p>
+            <a:fld id="{58BEE673-8D3B-4BBD-97EB-7004EF7CF6EF}" type="slidenum">
+              <a:rPr lang="fr-FR" smtClean="0"/>
+              <a:t>53</a:t>
+            </a:fld>
+            <a:endParaRPr lang="fr-FR" dirty="0"/>
+          </a:p>
+        </p:txBody>
+      </p:sp>
+    </p:spTree>
+    <p:extLst>
+      <p:ext uri="{BB962C8B-B14F-4D97-AF65-F5344CB8AC3E}">
+        <p14:creationId xmlns:p14="http://schemas.microsoft.com/office/powerpoint/2010/main" val="831955769"/>
+      </p:ext>
+    </p:extLst>
+  </p:cSld>
+  <p:clrMapOvr>
+    <a:masterClrMapping/>
+  </p:clrMapOvr>
+</p:notes>
+</file>
+
+<file path=ppt/notesSlides/notesSlide53.xml><?xml version="1.0" encoding="utf-8"?>
+<p:notes xmlns:a="http://schemas.openxmlformats.org/drawingml/2006/main" xmlns:r="http://schemas.openxmlformats.org/officeDocument/2006/relationships" xmlns:p="http://schemas.openxmlformats.org/presentationml/2006/main">
+  <p:cSld>
+    <p:spTree>
+      <p:nvGrpSpPr>
+        <p:cNvPr id="1" name=""/>
+        <p:cNvGrpSpPr/>
+        <p:nvPr/>
+      </p:nvGrpSpPr>
+      <p:grpSpPr>
+        <a:xfrm>
+          <a:off x="0" y="0"/>
+          <a:ext cx="0" cy="0"/>
+          <a:chOff x="0" y="0"/>
+          <a:chExt cx="0" cy="0"/>
+        </a:xfrm>
+      </p:grpSpPr>
+      <p:sp>
+        <p:nvSpPr>
+          <p:cNvPr id="2" name="Espace réservé de l'image des diapositives 1"/>
+          <p:cNvSpPr>
+            <a:spLocks noGrp="1" noRot="1" noChangeAspect="1"/>
+          </p:cNvSpPr>
+          <p:nvPr>
+            <p:ph type="sldImg"/>
+          </p:nvPr>
+        </p:nvSpPr>
+        <p:spPr/>
+      </p:sp>
+      <p:sp>
+        <p:nvSpPr>
+          <p:cNvPr id="3" name="Espace réservé des commentaires 2"/>
+          <p:cNvSpPr>
+            <a:spLocks noGrp="1"/>
+          </p:cNvSpPr>
+          <p:nvPr>
+            <p:ph type="body" idx="1"/>
+          </p:nvPr>
+        </p:nvSpPr>
+        <p:spPr/>
+        <p:txBody>
+          <a:bodyPr/>
+          <a:lstStyle/>
+          <a:p>
+            <a:endParaRPr lang="fr-FR" dirty="0"/>
+          </a:p>
+        </p:txBody>
+      </p:sp>
+      <p:sp>
+        <p:nvSpPr>
+          <p:cNvPr id="4" name="Espace réservé du numéro de diapositive 3"/>
+          <p:cNvSpPr>
+            <a:spLocks noGrp="1"/>
+          </p:cNvSpPr>
+          <p:nvPr>
+            <p:ph type="sldNum" sz="quarter" idx="10"/>
+          </p:nvPr>
+        </p:nvSpPr>
+        <p:spPr/>
+        <p:txBody>
+          <a:bodyPr/>
+          <a:lstStyle/>
+          <a:p>
+            <a:fld id="{58BEE673-8D3B-4BBD-97EB-7004EF7CF6EF}" type="slidenum">
+              <a:rPr lang="fr-FR" smtClean="0"/>
+              <a:t>54</a:t>
+            </a:fld>
+            <a:endParaRPr lang="fr-FR" dirty="0"/>
+          </a:p>
+        </p:txBody>
+      </p:sp>
+    </p:spTree>
+    <p:extLst>
+      <p:ext uri="{BB962C8B-B14F-4D97-AF65-F5344CB8AC3E}">
+        <p14:creationId xmlns:p14="http://schemas.microsoft.com/office/powerpoint/2010/main" val="4283531152"/>
       </p:ext>
     </p:extLst>
   </p:cSld>
@@ -8070,7 +8410,15 @@
                   <a:schemeClr val="accent1"/>
                 </a:solidFill>
               </a:rPr>
-              <a:t>Une introduction </a:t>
+              <a:t>Une introduction au</a:t>
+            </a:r>
+            <a:r>
+              <a:rPr lang="fr-FR" sz="900" b="1" baseline="0" dirty="0" smtClean="0">
+                <a:solidFill>
+                  <a:schemeClr val="accent1"/>
+                </a:solidFill>
+              </a:rPr>
+              <a:t> langage</a:t>
             </a:r>
             <a:r>
               <a:rPr lang="fr-FR" sz="900" b="1" dirty="0" smtClean="0">
@@ -8078,31 +8426,7 @@
                   <a:schemeClr val="accent1"/>
                 </a:solidFill>
               </a:rPr>
-              <a:t>au</a:t>
-            </a:r>
-            <a:r>
-              <a:rPr lang="fr-FR" sz="900" b="1" baseline="0" dirty="0" smtClean="0">
-                <a:solidFill>
-                  <a:schemeClr val="accent1"/>
-                </a:solidFill>
-              </a:rPr>
-              <a:t> langage</a:t>
-            </a:r>
-            <a:r>
-              <a:rPr lang="fr-FR" sz="900" b="1" dirty="0" smtClean="0">
-                <a:solidFill>
-                  <a:schemeClr val="accent1"/>
-                </a:solidFill>
-              </a:rPr>
-              <a:t> </a:t>
-            </a:r>
-            <a:r>
-              <a:rPr lang="fr-FR" sz="900" b="1" dirty="0" smtClean="0">
-                <a:solidFill>
-                  <a:schemeClr val="accent1"/>
-                </a:solidFill>
-              </a:rPr>
-              <a:t>Python</a:t>
+              <a:t> Python</a:t>
             </a:r>
             <a:endParaRPr lang="fr-FR" sz="900" b="1" dirty="0">
               <a:solidFill>
@@ -22847,11 +23171,6 @@
               </a:rPr>
               <a:t>suivant, qui effectue une recherche de nombres premiers, en est une démonstration</a:t>
             </a:r>
-            <a:endParaRPr lang="fr-FR" dirty="0">
-              <a:solidFill>
-                <a:schemeClr val="tx1"/>
-              </a:solidFill>
-            </a:endParaRPr>
           </a:p>
         </p:txBody>
       </p:sp>
@@ -23011,11 +23330,6 @@
               </a:rPr>
               <a:t>L’instruction continue, également empruntée au C, fait passer la boucle à son itération suivante</a:t>
             </a:r>
-            <a:endParaRPr lang="fr-FR" dirty="0">
-              <a:solidFill>
-                <a:schemeClr val="tx1"/>
-              </a:solidFill>
-            </a:endParaRPr>
           </a:p>
         </p:txBody>
       </p:sp>
@@ -23245,11 +23559,6 @@
               </a:rPr>
               <a:t>pass est alors ignorée silencieusement</a:t>
             </a:r>
-            <a:endParaRPr lang="fr-FR" dirty="0">
-              <a:solidFill>
-                <a:schemeClr val="tx1"/>
-              </a:solidFill>
-            </a:endParaRPr>
           </a:p>
         </p:txBody>
       </p:sp>
@@ -23529,6 +23838,732 @@
           <a:p>
             <a:r>
               <a:rPr lang="fr-FR" dirty="0" smtClean="0"/>
+              <a:t>Style de codage</a:t>
+            </a:r>
+            <a:endParaRPr lang="fr-FR" b="1" i="1" dirty="0">
+              <a:solidFill>
+                <a:schemeClr val="accent6"/>
+              </a:solidFill>
+            </a:endParaRPr>
+          </a:p>
+        </p:txBody>
+      </p:sp>
+      <p:sp>
+        <p:nvSpPr>
+          <p:cNvPr id="3" name="Espace réservé du contenu 2"/>
+          <p:cNvSpPr>
+            <a:spLocks noGrp="1"/>
+          </p:cNvSpPr>
+          <p:nvPr>
+            <p:ph idx="1"/>
+          </p:nvPr>
+        </p:nvSpPr>
+        <p:spPr>
+          <a:xfrm>
+            <a:off x="1327869" y="1701579"/>
+            <a:ext cx="10296938" cy="4595853"/>
+          </a:xfrm>
+        </p:spPr>
+        <p:txBody>
+          <a:bodyPr anchor="ctr" anchorCtr="0">
+            <a:noAutofit/>
+          </a:bodyPr>
+          <a:lstStyle/>
+          <a:p>
+            <a:pPr algn="just"/>
+            <a:r>
+              <a:rPr lang="fr-FR" dirty="0">
+                <a:solidFill>
+                  <a:schemeClr val="tx1"/>
+                </a:solidFill>
+              </a:rPr>
+              <a:t>Maintenant que vous êtes prêt à écrire des programmes plus longs et plus complexes, il est temps de parler du style de </a:t>
+            </a:r>
+            <a:r>
+              <a:rPr lang="fr-FR" dirty="0" smtClean="0">
+                <a:solidFill>
+                  <a:schemeClr val="tx1"/>
+                </a:solidFill>
+              </a:rPr>
+              <a:t>codage</a:t>
+            </a:r>
+          </a:p>
+          <a:p>
+            <a:pPr algn="just"/>
+            <a:r>
+              <a:rPr lang="fr-FR" dirty="0" smtClean="0">
+                <a:solidFill>
+                  <a:schemeClr val="tx1"/>
+                </a:solidFill>
+              </a:rPr>
+              <a:t>La </a:t>
+            </a:r>
+            <a:r>
+              <a:rPr lang="fr-FR" dirty="0">
+                <a:solidFill>
+                  <a:schemeClr val="tx1"/>
+                </a:solidFill>
+              </a:rPr>
+              <a:t>plupart des langages peuvent être écrits (ou plutôt formatés) selon différents </a:t>
+            </a:r>
+            <a:r>
+              <a:rPr lang="fr-FR" dirty="0" smtClean="0">
+                <a:solidFill>
+                  <a:schemeClr val="tx1"/>
+                </a:solidFill>
+              </a:rPr>
+              <a:t>styles</a:t>
+            </a:r>
+          </a:p>
+          <a:p>
+            <a:pPr algn="just"/>
+            <a:r>
+              <a:rPr lang="fr-FR" dirty="0" smtClean="0">
+                <a:solidFill>
+                  <a:schemeClr val="tx1"/>
+                </a:solidFill>
+              </a:rPr>
+              <a:t>certains </a:t>
+            </a:r>
+            <a:r>
+              <a:rPr lang="fr-FR" dirty="0">
+                <a:solidFill>
+                  <a:schemeClr val="tx1"/>
+                </a:solidFill>
+              </a:rPr>
+              <a:t>sont plus lisibles que </a:t>
+            </a:r>
+            <a:r>
+              <a:rPr lang="fr-FR" dirty="0" smtClean="0">
+                <a:solidFill>
+                  <a:schemeClr val="tx1"/>
+                </a:solidFill>
+              </a:rPr>
+              <a:t>d’autres</a:t>
+            </a:r>
+          </a:p>
+          <a:p>
+            <a:pPr algn="just"/>
+            <a:r>
+              <a:rPr lang="fr-FR" dirty="0" smtClean="0">
+                <a:solidFill>
+                  <a:schemeClr val="tx1"/>
+                </a:solidFill>
+              </a:rPr>
+              <a:t>Rendre </a:t>
+            </a:r>
+            <a:r>
+              <a:rPr lang="fr-FR" dirty="0">
+                <a:solidFill>
+                  <a:schemeClr val="tx1"/>
+                </a:solidFill>
+              </a:rPr>
+              <a:t>la lecture de votre code plus facile aux autres est toujours une bonne idée, et adopter un bon style de codage peut énormément vous y </a:t>
+            </a:r>
+            <a:r>
+              <a:rPr lang="fr-FR" dirty="0" smtClean="0">
+                <a:solidFill>
+                  <a:schemeClr val="tx1"/>
+                </a:solidFill>
+              </a:rPr>
+              <a:t>aider</a:t>
+            </a:r>
+          </a:p>
+          <a:p>
+            <a:pPr algn="just"/>
+            <a:r>
+              <a:rPr lang="fr-FR" dirty="0">
+                <a:solidFill>
+                  <a:schemeClr val="tx1"/>
+                </a:solidFill>
+              </a:rPr>
+              <a:t>En Python, la </a:t>
+            </a:r>
+            <a:r>
+              <a:rPr lang="fr-FR" b="1" i="1" dirty="0">
+                <a:solidFill>
+                  <a:schemeClr val="accent1"/>
+                </a:solidFill>
+              </a:rPr>
+              <a:t>PEP 8</a:t>
+            </a:r>
+            <a:r>
+              <a:rPr lang="fr-FR" dirty="0">
+                <a:solidFill>
+                  <a:schemeClr val="tx1"/>
+                </a:solidFill>
+              </a:rPr>
+              <a:t> a émergé comme étant un guide auquel la plupart des projets adhèrent ; elle met en avant un style de codage très lisible et agréable à </a:t>
+            </a:r>
+            <a:r>
+              <a:rPr lang="fr-FR" dirty="0" smtClean="0">
+                <a:solidFill>
+                  <a:schemeClr val="tx1"/>
+                </a:solidFill>
+              </a:rPr>
+              <a:t>l’œil</a:t>
+            </a:r>
+          </a:p>
+          <a:p>
+            <a:pPr algn="just"/>
+            <a:r>
+              <a:rPr lang="fr-FR" dirty="0" smtClean="0">
+                <a:solidFill>
+                  <a:schemeClr val="tx1"/>
+                </a:solidFill>
+              </a:rPr>
+              <a:t>Chaque </a:t>
+            </a:r>
+            <a:r>
+              <a:rPr lang="fr-FR" dirty="0">
+                <a:solidFill>
+                  <a:schemeClr val="tx1"/>
+                </a:solidFill>
+              </a:rPr>
+              <a:t>développeur Python devrait donc la lire et s’en inspirer autant que </a:t>
+            </a:r>
+            <a:r>
+              <a:rPr lang="fr-FR" dirty="0" smtClean="0">
+                <a:solidFill>
+                  <a:schemeClr val="tx1"/>
+                </a:solidFill>
+              </a:rPr>
+              <a:t>possible</a:t>
+            </a:r>
+            <a:endParaRPr lang="fr-FR" dirty="0">
+              <a:solidFill>
+                <a:schemeClr val="tx1"/>
+              </a:solidFill>
+            </a:endParaRPr>
+          </a:p>
+        </p:txBody>
+      </p:sp>
+    </p:spTree>
+    <p:extLst>
+      <p:ext uri="{BB962C8B-B14F-4D97-AF65-F5344CB8AC3E}">
+        <p14:creationId xmlns:p14="http://schemas.microsoft.com/office/powerpoint/2010/main" val="983697788"/>
+      </p:ext>
+    </p:extLst>
+  </p:cSld>
+  <p:clrMapOvr>
+    <a:masterClrMapping/>
+  </p:clrMapOvr>
+  <p:timing>
+    <p:tnLst>
+      <p:par>
+        <p:cTn id="1" dur="indefinite" restart="never" nodeType="tmRoot"/>
+      </p:par>
+    </p:tnLst>
+  </p:timing>
+</p:sld>
+</file>
+
+<file path=ppt/slides/slide51.xml><?xml version="1.0" encoding="utf-8"?>
+<p:sld xmlns:a="http://schemas.openxmlformats.org/drawingml/2006/main" xmlns:r="http://schemas.openxmlformats.org/officeDocument/2006/relationships" xmlns:p="http://schemas.openxmlformats.org/presentationml/2006/main">
+  <p:cSld>
+    <p:spTree>
+      <p:nvGrpSpPr>
+        <p:cNvPr id="1" name=""/>
+        <p:cNvGrpSpPr/>
+        <p:nvPr/>
+      </p:nvGrpSpPr>
+      <p:grpSpPr>
+        <a:xfrm>
+          <a:off x="0" y="0"/>
+          <a:ext cx="0" cy="0"/>
+          <a:chOff x="0" y="0"/>
+          <a:chExt cx="0" cy="0"/>
+        </a:xfrm>
+      </p:grpSpPr>
+      <p:sp>
+        <p:nvSpPr>
+          <p:cNvPr id="2" name="Titre 1"/>
+          <p:cNvSpPr>
+            <a:spLocks noGrp="1"/>
+          </p:cNvSpPr>
+          <p:nvPr>
+            <p:ph type="title"/>
+          </p:nvPr>
+        </p:nvSpPr>
+        <p:spPr>
+          <a:xfrm>
+            <a:off x="2592925" y="624110"/>
+            <a:ext cx="8911687" cy="1280890"/>
+          </a:xfrm>
+        </p:spPr>
+        <p:txBody>
+          <a:bodyPr/>
+          <a:lstStyle/>
+          <a:p>
+            <a:r>
+              <a:rPr lang="fr-FR" dirty="0" smtClean="0"/>
+              <a:t>Style de codage</a:t>
+            </a:r>
+            <a:endParaRPr lang="fr-FR" b="1" i="1" dirty="0">
+              <a:solidFill>
+                <a:schemeClr val="accent6"/>
+              </a:solidFill>
+            </a:endParaRPr>
+          </a:p>
+        </p:txBody>
+      </p:sp>
+      <p:sp>
+        <p:nvSpPr>
+          <p:cNvPr id="3" name="Espace réservé du contenu 2"/>
+          <p:cNvSpPr>
+            <a:spLocks noGrp="1"/>
+          </p:cNvSpPr>
+          <p:nvPr>
+            <p:ph idx="1"/>
+          </p:nvPr>
+        </p:nvSpPr>
+        <p:spPr>
+          <a:xfrm>
+            <a:off x="1327869" y="1701579"/>
+            <a:ext cx="10296938" cy="4595853"/>
+          </a:xfrm>
+        </p:spPr>
+        <p:txBody>
+          <a:bodyPr anchor="ctr" anchorCtr="0">
+            <a:noAutofit/>
+          </a:bodyPr>
+          <a:lstStyle/>
+          <a:p>
+            <a:pPr algn="just"/>
+            <a:r>
+              <a:rPr lang="fr-FR" dirty="0">
+                <a:solidFill>
+                  <a:schemeClr val="tx1"/>
+                </a:solidFill>
+              </a:rPr>
+              <a:t>Utilisez des indentations de 4 espaces, et pas de tabulation.</a:t>
+            </a:r>
+          </a:p>
+          <a:p>
+            <a:pPr algn="just"/>
+            <a:r>
+              <a:rPr lang="fr-FR" dirty="0" smtClean="0">
+                <a:solidFill>
+                  <a:schemeClr val="tx1"/>
+                </a:solidFill>
+              </a:rPr>
+              <a:t>4 </a:t>
+            </a:r>
+            <a:r>
+              <a:rPr lang="fr-FR" dirty="0">
+                <a:solidFill>
+                  <a:schemeClr val="tx1"/>
+                </a:solidFill>
+              </a:rPr>
+              <a:t>espaces constituent un bon compromis entre une indentation courte (qui permet une profondeur d’imbrication plus importante) et une longue (qui rend le code plus facile à lire). Les tabulations introduisent de la confusion, et doivent être proscrites autant que possible.</a:t>
+            </a:r>
+          </a:p>
+          <a:p>
+            <a:pPr algn="just"/>
+            <a:r>
+              <a:rPr lang="fr-FR" dirty="0" smtClean="0">
+                <a:solidFill>
+                  <a:schemeClr val="tx1"/>
+                </a:solidFill>
+              </a:rPr>
+              <a:t>Faites </a:t>
+            </a:r>
+            <a:r>
+              <a:rPr lang="fr-FR" dirty="0">
+                <a:solidFill>
+                  <a:schemeClr val="tx1"/>
+                </a:solidFill>
+              </a:rPr>
+              <a:t>des retours à la ligne, de telle sorte qu’elles n’excèdent pas 79 caractères.</a:t>
+            </a:r>
+          </a:p>
+          <a:p>
+            <a:pPr algn="just"/>
+            <a:r>
+              <a:rPr lang="fr-FR" dirty="0" smtClean="0">
+                <a:solidFill>
+                  <a:schemeClr val="tx1"/>
+                </a:solidFill>
+              </a:rPr>
+              <a:t>Ceci </a:t>
+            </a:r>
+            <a:r>
+              <a:rPr lang="fr-FR" dirty="0">
+                <a:solidFill>
+                  <a:schemeClr val="tx1"/>
+                </a:solidFill>
+              </a:rPr>
+              <a:t>aide les utilisateurs ne disposant que de petits écrans, et permet sur de plus grands de disposer plusieurs fichiers côte à côte sans difficulté.</a:t>
+            </a:r>
+          </a:p>
+          <a:p>
+            <a:pPr algn="just"/>
+            <a:r>
+              <a:rPr lang="fr-FR" dirty="0" smtClean="0">
+                <a:solidFill>
+                  <a:schemeClr val="tx1"/>
+                </a:solidFill>
+              </a:rPr>
+              <a:t>Utilisez </a:t>
+            </a:r>
+            <a:r>
+              <a:rPr lang="fr-FR" dirty="0">
+                <a:solidFill>
+                  <a:schemeClr val="tx1"/>
+                </a:solidFill>
+              </a:rPr>
+              <a:t>des lignes vides pour séparer les fonctions et les classes, ou pour scinder de gros blocs de code à l’intérieur de fonctions.</a:t>
+            </a:r>
+          </a:p>
+          <a:p>
+            <a:pPr algn="just"/>
+            <a:r>
+              <a:rPr lang="fr-FR" dirty="0" smtClean="0">
+                <a:solidFill>
+                  <a:schemeClr val="tx1"/>
+                </a:solidFill>
+              </a:rPr>
+              <a:t>Lorsque </a:t>
+            </a:r>
+            <a:r>
+              <a:rPr lang="fr-FR" dirty="0">
+                <a:solidFill>
+                  <a:schemeClr val="tx1"/>
+                </a:solidFill>
+              </a:rPr>
+              <a:t>c’est possible, placez les commentaires sur leur propres lignes.</a:t>
+            </a:r>
+          </a:p>
+          <a:p>
+            <a:pPr algn="just"/>
+            <a:r>
+              <a:rPr lang="fr-FR" dirty="0" smtClean="0">
+                <a:solidFill>
+                  <a:schemeClr val="tx1"/>
+                </a:solidFill>
+              </a:rPr>
+              <a:t>Utilisez </a:t>
+            </a:r>
+            <a:r>
+              <a:rPr lang="fr-FR" dirty="0">
+                <a:solidFill>
+                  <a:schemeClr val="tx1"/>
+                </a:solidFill>
+              </a:rPr>
+              <a:t>les chaînes de </a:t>
+            </a:r>
+            <a:r>
+              <a:rPr lang="fr-FR" dirty="0" smtClean="0">
+                <a:solidFill>
+                  <a:schemeClr val="tx1"/>
+                </a:solidFill>
+              </a:rPr>
+              <a:t>documentation</a:t>
+            </a:r>
+            <a:endParaRPr lang="fr-FR" dirty="0">
+              <a:solidFill>
+                <a:schemeClr val="tx1"/>
+              </a:solidFill>
+            </a:endParaRPr>
+          </a:p>
+        </p:txBody>
+      </p:sp>
+    </p:spTree>
+    <p:extLst>
+      <p:ext uri="{BB962C8B-B14F-4D97-AF65-F5344CB8AC3E}">
+        <p14:creationId xmlns:p14="http://schemas.microsoft.com/office/powerpoint/2010/main" val="1701520310"/>
+      </p:ext>
+    </p:extLst>
+  </p:cSld>
+  <p:clrMapOvr>
+    <a:masterClrMapping/>
+  </p:clrMapOvr>
+  <p:timing>
+    <p:tnLst>
+      <p:par>
+        <p:cTn id="1" dur="indefinite" restart="never" nodeType="tmRoot"/>
+      </p:par>
+    </p:tnLst>
+  </p:timing>
+</p:sld>
+</file>
+
+<file path=ppt/slides/slide52.xml><?xml version="1.0" encoding="utf-8"?>
+<p:sld xmlns:a="http://schemas.openxmlformats.org/drawingml/2006/main" xmlns:r="http://schemas.openxmlformats.org/officeDocument/2006/relationships" xmlns:p="http://schemas.openxmlformats.org/presentationml/2006/main">
+  <p:cSld>
+    <p:spTree>
+      <p:nvGrpSpPr>
+        <p:cNvPr id="1" name=""/>
+        <p:cNvGrpSpPr/>
+        <p:nvPr/>
+      </p:nvGrpSpPr>
+      <p:grpSpPr>
+        <a:xfrm>
+          <a:off x="0" y="0"/>
+          <a:ext cx="0" cy="0"/>
+          <a:chOff x="0" y="0"/>
+          <a:chExt cx="0" cy="0"/>
+        </a:xfrm>
+      </p:grpSpPr>
+      <p:sp>
+        <p:nvSpPr>
+          <p:cNvPr id="2" name="Titre 1"/>
+          <p:cNvSpPr>
+            <a:spLocks noGrp="1"/>
+          </p:cNvSpPr>
+          <p:nvPr>
+            <p:ph type="title"/>
+          </p:nvPr>
+        </p:nvSpPr>
+        <p:spPr>
+          <a:xfrm>
+            <a:off x="2592925" y="624110"/>
+            <a:ext cx="8911687" cy="1280890"/>
+          </a:xfrm>
+        </p:spPr>
+        <p:txBody>
+          <a:bodyPr/>
+          <a:lstStyle/>
+          <a:p>
+            <a:r>
+              <a:rPr lang="fr-FR" dirty="0" smtClean="0"/>
+              <a:t>Style de codage</a:t>
+            </a:r>
+            <a:endParaRPr lang="fr-FR" b="1" i="1" dirty="0">
+              <a:solidFill>
+                <a:schemeClr val="accent6"/>
+              </a:solidFill>
+            </a:endParaRPr>
+          </a:p>
+        </p:txBody>
+      </p:sp>
+      <p:sp>
+        <p:nvSpPr>
+          <p:cNvPr id="3" name="Espace réservé du contenu 2"/>
+          <p:cNvSpPr>
+            <a:spLocks noGrp="1"/>
+          </p:cNvSpPr>
+          <p:nvPr>
+            <p:ph idx="1"/>
+          </p:nvPr>
+        </p:nvSpPr>
+        <p:spPr>
+          <a:xfrm>
+            <a:off x="1327869" y="1701579"/>
+            <a:ext cx="10296938" cy="4595853"/>
+          </a:xfrm>
+        </p:spPr>
+        <p:txBody>
+          <a:bodyPr anchor="ctr" anchorCtr="0">
+            <a:noAutofit/>
+          </a:bodyPr>
+          <a:lstStyle/>
+          <a:p>
+            <a:pPr algn="just"/>
+            <a:r>
+              <a:rPr lang="fr-FR" dirty="0" smtClean="0">
+                <a:solidFill>
+                  <a:schemeClr val="tx1"/>
+                </a:solidFill>
+              </a:rPr>
+              <a:t>Utilisez </a:t>
+            </a:r>
+            <a:r>
+              <a:rPr lang="fr-FR" dirty="0">
+                <a:solidFill>
+                  <a:schemeClr val="tx1"/>
+                </a:solidFill>
+              </a:rPr>
+              <a:t>des espaces autour des opérateurs et après les virgules, mais pas directement à l’intérieur des parenthèses : a = f(1, 2) + g(3, 4).</a:t>
+            </a:r>
+          </a:p>
+          <a:p>
+            <a:pPr algn="just"/>
+            <a:r>
+              <a:rPr lang="fr-FR" dirty="0" smtClean="0">
+                <a:solidFill>
+                  <a:schemeClr val="tx1"/>
+                </a:solidFill>
+              </a:rPr>
+              <a:t>Nommez </a:t>
+            </a:r>
+            <a:r>
+              <a:rPr lang="fr-FR" dirty="0">
+                <a:solidFill>
+                  <a:schemeClr val="tx1"/>
+                </a:solidFill>
+              </a:rPr>
+              <a:t>toujours vos classes et fonctions de la même manière ; la convention est d’utiliser une notation </a:t>
+            </a:r>
+            <a:r>
+              <a:rPr lang="fr-FR" b="1" i="1" dirty="0">
+                <a:solidFill>
+                  <a:schemeClr val="accent1"/>
+                </a:solidFill>
+              </a:rPr>
+              <a:t>CamelCase</a:t>
+            </a:r>
+            <a:r>
+              <a:rPr lang="fr-FR" dirty="0">
+                <a:solidFill>
+                  <a:schemeClr val="tx1"/>
+                </a:solidFill>
+              </a:rPr>
+              <a:t> pour les classes, et </a:t>
+            </a:r>
+            <a:r>
+              <a:rPr lang="fr-FR" b="1" i="1" dirty="0">
+                <a:solidFill>
+                  <a:schemeClr val="accent1"/>
+                </a:solidFill>
+              </a:rPr>
+              <a:t>minuscules_avec_trait_bas</a:t>
+            </a:r>
+            <a:r>
+              <a:rPr lang="fr-FR" dirty="0">
+                <a:solidFill>
+                  <a:schemeClr val="tx1"/>
+                </a:solidFill>
+              </a:rPr>
+              <a:t> pour les fonctions et méthodes. Utilisez toujours </a:t>
+            </a:r>
+            <a:r>
+              <a:rPr lang="fr-FR" b="1" i="1" dirty="0">
+                <a:solidFill>
+                  <a:schemeClr val="accent1"/>
+                </a:solidFill>
+              </a:rPr>
+              <a:t>self</a:t>
+            </a:r>
+            <a:r>
+              <a:rPr lang="fr-FR" dirty="0">
+                <a:solidFill>
+                  <a:schemeClr val="tx1"/>
+                </a:solidFill>
+              </a:rPr>
+              <a:t> comme nom du premier argument des méthodes (voyez </a:t>
+            </a:r>
+            <a:r>
+              <a:rPr lang="fr-FR" dirty="0" smtClean="0">
+                <a:solidFill>
+                  <a:schemeClr val="tx1"/>
+                </a:solidFill>
+              </a:rPr>
+              <a:t>une </a:t>
+            </a:r>
+            <a:r>
+              <a:rPr lang="fr-FR" dirty="0">
+                <a:solidFill>
+                  <a:schemeClr val="tx1"/>
+                </a:solidFill>
+              </a:rPr>
+              <a:t>première approche des classes pour en savoir plus sur les classes et les méthodes).</a:t>
+            </a:r>
+          </a:p>
+          <a:p>
+            <a:pPr algn="just"/>
+            <a:r>
+              <a:rPr lang="fr-FR" dirty="0" smtClean="0">
+                <a:solidFill>
+                  <a:schemeClr val="tx1"/>
+                </a:solidFill>
+              </a:rPr>
+              <a:t>N’utilisez </a:t>
+            </a:r>
+            <a:r>
+              <a:rPr lang="fr-FR" dirty="0">
+                <a:solidFill>
+                  <a:schemeClr val="tx1"/>
+                </a:solidFill>
+              </a:rPr>
+              <a:t>pas d’encodages exotiques dès lors que votre code est sensé être utilisé dans des environnements internationaux. Par défaut, Python travaille en UTF-8, ou sinon du simple ASCII fonctionne dans la plupart des cas.</a:t>
+            </a:r>
+          </a:p>
+          <a:p>
+            <a:pPr algn="just"/>
+            <a:r>
+              <a:rPr lang="fr-FR" dirty="0" smtClean="0">
+                <a:solidFill>
+                  <a:schemeClr val="tx1"/>
+                </a:solidFill>
+              </a:rPr>
+              <a:t>De </a:t>
+            </a:r>
+            <a:r>
+              <a:rPr lang="fr-FR" dirty="0">
+                <a:solidFill>
+                  <a:schemeClr val="tx1"/>
+                </a:solidFill>
+              </a:rPr>
+              <a:t>la même manière, n’utilisez que des caractères ASCII pour vos noms de variables si vous soupçonnez qu’un personne parlant une autre langue lira ou devra modifier votre code.</a:t>
+            </a:r>
+            <a:endParaRPr lang="fr-FR" dirty="0">
+              <a:solidFill>
+                <a:schemeClr val="tx1"/>
+              </a:solidFill>
+            </a:endParaRPr>
+          </a:p>
+        </p:txBody>
+      </p:sp>
+    </p:spTree>
+    <p:extLst>
+      <p:ext uri="{BB962C8B-B14F-4D97-AF65-F5344CB8AC3E}">
+        <p14:creationId xmlns:p14="http://schemas.microsoft.com/office/powerpoint/2010/main" val="4243432789"/>
+      </p:ext>
+    </p:extLst>
+  </p:cSld>
+  <p:clrMapOvr>
+    <a:masterClrMapping/>
+  </p:clrMapOvr>
+  <p:timing>
+    <p:tnLst>
+      <p:par>
+        <p:cTn id="1" dur="indefinite" restart="never" nodeType="tmRoot"/>
+      </p:par>
+    </p:tnLst>
+  </p:timing>
+</p:sld>
+</file>
+
+<file path=ppt/slides/slide53.xml><?xml version="1.0" encoding="utf-8"?>
+<p:sld xmlns:a="http://schemas.openxmlformats.org/drawingml/2006/main" xmlns:r="http://schemas.openxmlformats.org/officeDocument/2006/relationships" xmlns:p="http://schemas.openxmlformats.org/presentationml/2006/main">
+  <p:cSld>
+    <p:spTree>
+      <p:nvGrpSpPr>
+        <p:cNvPr id="1" name=""/>
+        <p:cNvGrpSpPr/>
+        <p:nvPr/>
+      </p:nvGrpSpPr>
+      <p:grpSpPr>
+        <a:xfrm>
+          <a:off x="0" y="0"/>
+          <a:ext cx="0" cy="0"/>
+          <a:chOff x="0" y="0"/>
+          <a:chExt cx="0" cy="0"/>
+        </a:xfrm>
+      </p:grpSpPr>
+      <p:sp>
+        <p:nvSpPr>
+          <p:cNvPr id="2" name="Titre 1"/>
+          <p:cNvSpPr>
+            <a:spLocks noGrp="1"/>
+          </p:cNvSpPr>
+          <p:nvPr>
+            <p:ph type="title"/>
+          </p:nvPr>
+        </p:nvSpPr>
+        <p:spPr>
+          <a:xfrm>
+            <a:off x="2592925" y="624110"/>
+            <a:ext cx="8911687" cy="1280890"/>
+          </a:xfrm>
+        </p:spPr>
+        <p:txBody>
+          <a:bodyPr/>
+          <a:lstStyle/>
+          <a:p>
+            <a:r>
+              <a:rPr lang="fr-FR" dirty="0" smtClean="0"/>
               <a:t>Références</a:t>
             </a:r>
             <a:endParaRPr lang="fr-FR" dirty="0"/>
@@ -23654,6 +24689,202 @@
     <p:extLst>
       <p:ext uri="{BB962C8B-B14F-4D97-AF65-F5344CB8AC3E}">
         <p14:creationId xmlns:p14="http://schemas.microsoft.com/office/powerpoint/2010/main" val="3875151851"/>
+      </p:ext>
+    </p:extLst>
+  </p:cSld>
+  <p:clrMapOvr>
+    <a:masterClrMapping/>
+  </p:clrMapOvr>
+  <p:timing>
+    <p:tnLst>
+      <p:par>
+        <p:cTn id="1" dur="indefinite" restart="never" nodeType="tmRoot"/>
+      </p:par>
+    </p:tnLst>
+  </p:timing>
+</p:sld>
+</file>
+
+<file path=ppt/slides/slide54.xml><?xml version="1.0" encoding="utf-8"?>
+<p:sld xmlns:a="http://schemas.openxmlformats.org/drawingml/2006/main" xmlns:r="http://schemas.openxmlformats.org/officeDocument/2006/relationships" xmlns:p="http://schemas.openxmlformats.org/presentationml/2006/main">
+  <p:cSld>
+    <p:spTree>
+      <p:nvGrpSpPr>
+        <p:cNvPr id="1" name=""/>
+        <p:cNvGrpSpPr/>
+        <p:nvPr/>
+      </p:nvGrpSpPr>
+      <p:grpSpPr>
+        <a:xfrm>
+          <a:off x="0" y="0"/>
+          <a:ext cx="0" cy="0"/>
+          <a:chOff x="0" y="0"/>
+          <a:chExt cx="0" cy="0"/>
+        </a:xfrm>
+      </p:grpSpPr>
+      <p:sp>
+        <p:nvSpPr>
+          <p:cNvPr id="2" name="Titre 1"/>
+          <p:cNvSpPr>
+            <a:spLocks noGrp="1"/>
+          </p:cNvSpPr>
+          <p:nvPr>
+            <p:ph type="title"/>
+          </p:nvPr>
+        </p:nvSpPr>
+        <p:spPr>
+          <a:xfrm>
+            <a:off x="2592925" y="624110"/>
+            <a:ext cx="8911687" cy="1280890"/>
+          </a:xfrm>
+        </p:spPr>
+        <p:txBody>
+          <a:bodyPr/>
+          <a:lstStyle/>
+          <a:p>
+            <a:r>
+              <a:rPr lang="fr-FR" dirty="0" smtClean="0"/>
+              <a:t>Outils</a:t>
+            </a:r>
+            <a:endParaRPr lang="fr-FR" dirty="0"/>
+          </a:p>
+        </p:txBody>
+      </p:sp>
+      <p:sp>
+        <p:nvSpPr>
+          <p:cNvPr id="3" name="Espace réservé du contenu 2"/>
+          <p:cNvSpPr>
+            <a:spLocks noGrp="1"/>
+          </p:cNvSpPr>
+          <p:nvPr>
+            <p:ph idx="1"/>
+          </p:nvPr>
+        </p:nvSpPr>
+        <p:spPr>
+          <a:xfrm>
+            <a:off x="1661823" y="1542413"/>
+            <a:ext cx="9842789" cy="2965977"/>
+          </a:xfrm>
+        </p:spPr>
+        <p:txBody>
+          <a:bodyPr anchor="ctr" anchorCtr="0">
+            <a:normAutofit/>
+          </a:bodyPr>
+          <a:lstStyle/>
+          <a:p>
+            <a:pPr algn="just"/>
+            <a:r>
+              <a:rPr lang="fr-FR" dirty="0" smtClean="0">
+                <a:solidFill>
+                  <a:schemeClr val="tx1"/>
+                </a:solidFill>
+              </a:rPr>
+              <a:t>IDE </a:t>
+            </a:r>
+            <a:r>
+              <a:rPr lang="fr-FR" dirty="0" smtClean="0">
+                <a:solidFill>
+                  <a:schemeClr val="tx1"/>
+                </a:solidFill>
+              </a:rPr>
+              <a:t>Pycharm Community</a:t>
+            </a:r>
+            <a:r>
+              <a:rPr lang="fr-FR" dirty="0">
+                <a:solidFill>
+                  <a:schemeClr val="tx1"/>
+                </a:solidFill>
+              </a:rPr>
+              <a:t> : </a:t>
+            </a:r>
+            <a:r>
+              <a:rPr lang="fr-FR" dirty="0">
+                <a:solidFill>
+                  <a:schemeClr val="tx1"/>
+                </a:solidFill>
+                <a:hlinkClick r:id="rId3"/>
+              </a:rPr>
+              <a:t>https://www.jetbrains.com/pycharm</a:t>
+            </a:r>
+            <a:r>
+              <a:rPr lang="fr-FR" dirty="0" smtClean="0">
+                <a:solidFill>
+                  <a:schemeClr val="tx1"/>
+                </a:solidFill>
+                <a:hlinkClick r:id="rId3"/>
+              </a:rPr>
+              <a:t>/</a:t>
+            </a:r>
+            <a:endParaRPr lang="fr-FR" dirty="0" smtClean="0">
+              <a:solidFill>
+                <a:schemeClr val="tx1"/>
+              </a:solidFill>
+            </a:endParaRPr>
+          </a:p>
+          <a:p>
+            <a:pPr algn="just"/>
+            <a:r>
+              <a:rPr lang="fr-FR" dirty="0" smtClean="0">
+                <a:solidFill>
+                  <a:schemeClr val="tx1"/>
+                </a:solidFill>
+              </a:rPr>
+              <a:t>Analyse en ligne de code Python </a:t>
+            </a:r>
+            <a:r>
+              <a:rPr lang="fr-FR" dirty="0">
+                <a:solidFill>
+                  <a:schemeClr val="tx1"/>
+                </a:solidFill>
+              </a:rPr>
+              <a:t>: </a:t>
+            </a:r>
+            <a:r>
+              <a:rPr lang="fr-FR" dirty="0">
+                <a:solidFill>
+                  <a:schemeClr val="tx1"/>
+                </a:solidFill>
+                <a:hlinkClick r:id="rId4"/>
+              </a:rPr>
+              <a:t>http://www.pythontutor.com</a:t>
+            </a:r>
+            <a:r>
+              <a:rPr lang="fr-FR" dirty="0" smtClean="0">
+                <a:solidFill>
+                  <a:schemeClr val="tx1"/>
+                </a:solidFill>
+                <a:hlinkClick r:id="rId4"/>
+              </a:rPr>
+              <a:t>/</a:t>
+            </a:r>
+            <a:endParaRPr lang="fr-FR" dirty="0" smtClean="0">
+              <a:solidFill>
+                <a:schemeClr val="tx1"/>
+              </a:solidFill>
+            </a:endParaRPr>
+          </a:p>
+          <a:p>
+            <a:pPr algn="just"/>
+            <a:r>
+              <a:rPr lang="fr-FR" dirty="0" smtClean="0">
+                <a:solidFill>
+                  <a:schemeClr val="tx1"/>
+                </a:solidFill>
+              </a:rPr>
+              <a:t>…</a:t>
+            </a:r>
+            <a:endParaRPr lang="fr-FR" dirty="0">
+              <a:solidFill>
+                <a:schemeClr val="tx1"/>
+              </a:solidFill>
+            </a:endParaRPr>
+          </a:p>
+        </p:txBody>
+      </p:sp>
+    </p:spTree>
+    <p:extLst>
+      <p:ext uri="{BB962C8B-B14F-4D97-AF65-F5344CB8AC3E}">
+        <p14:creationId xmlns:p14="http://schemas.microsoft.com/office/powerpoint/2010/main" val="3475247113"/>
       </p:ext>
     </p:extLst>
   </p:cSld>

--- a/documentations/learning-python.pptx
+++ b/documentations/learning-python.pptx
@@ -5,7 +5,7 @@
     <p:sldMasterId id="2147483665" r:id="rId1"/>
   </p:sldMasterIdLst>
   <p:notesMasterIdLst>
-    <p:notesMasterId r:id="rId56"/>
+    <p:notesMasterId r:id="rId72"/>
   </p:notesMasterIdLst>
   <p:sldIdLst>
     <p:sldId id="256" r:id="rId2"/>
@@ -57,11 +57,27 @@
     <p:sldId id="303" r:id="rId48"/>
     <p:sldId id="304" r:id="rId49"/>
     <p:sldId id="305" r:id="rId50"/>
-    <p:sldId id="306" r:id="rId51"/>
-    <p:sldId id="307" r:id="rId52"/>
-    <p:sldId id="308" r:id="rId53"/>
-    <p:sldId id="285" r:id="rId54"/>
-    <p:sldId id="309" r:id="rId55"/>
+    <p:sldId id="310" r:id="rId51"/>
+    <p:sldId id="311" r:id="rId52"/>
+    <p:sldId id="312" r:id="rId53"/>
+    <p:sldId id="313" r:id="rId54"/>
+    <p:sldId id="314" r:id="rId55"/>
+    <p:sldId id="315" r:id="rId56"/>
+    <p:sldId id="316" r:id="rId57"/>
+    <p:sldId id="317" r:id="rId58"/>
+    <p:sldId id="318" r:id="rId59"/>
+    <p:sldId id="319" r:id="rId60"/>
+    <p:sldId id="320" r:id="rId61"/>
+    <p:sldId id="321" r:id="rId62"/>
+    <p:sldId id="322" r:id="rId63"/>
+    <p:sldId id="323" r:id="rId64"/>
+    <p:sldId id="324" r:id="rId65"/>
+    <p:sldId id="325" r:id="rId66"/>
+    <p:sldId id="306" r:id="rId67"/>
+    <p:sldId id="307" r:id="rId68"/>
+    <p:sldId id="308" r:id="rId69"/>
+    <p:sldId id="285" r:id="rId70"/>
+    <p:sldId id="309" r:id="rId71"/>
   </p:sldIdLst>
   <p:sldSz cx="12192000" cy="6858000"/>
   <p:notesSz cx="6858000" cy="9144000"/>
@@ -4204,7 +4220,7 @@
     </p:spTree>
     <p:extLst>
       <p:ext uri="{BB962C8B-B14F-4D97-AF65-F5344CB8AC3E}">
-        <p14:creationId xmlns:p14="http://schemas.microsoft.com/office/powerpoint/2010/main" val="506775172"/>
+        <p14:creationId xmlns:p14="http://schemas.microsoft.com/office/powerpoint/2010/main" val="3854011744"/>
       </p:ext>
     </p:extLst>
   </p:cSld>
@@ -4372,7 +4388,7 @@
     </p:spTree>
     <p:extLst>
       <p:ext uri="{BB962C8B-B14F-4D97-AF65-F5344CB8AC3E}">
-        <p14:creationId xmlns:p14="http://schemas.microsoft.com/office/powerpoint/2010/main" val="2442515745"/>
+        <p14:creationId xmlns:p14="http://schemas.microsoft.com/office/powerpoint/2010/main" val="1081756360"/>
       </p:ext>
     </p:extLst>
   </p:cSld>
@@ -4456,7 +4472,7 @@
     </p:spTree>
     <p:extLst>
       <p:ext uri="{BB962C8B-B14F-4D97-AF65-F5344CB8AC3E}">
-        <p14:creationId xmlns:p14="http://schemas.microsoft.com/office/powerpoint/2010/main" val="471859371"/>
+        <p14:creationId xmlns:p14="http://schemas.microsoft.com/office/powerpoint/2010/main" val="2872533283"/>
       </p:ext>
     </p:extLst>
   </p:cSld>
@@ -4540,7 +4556,7 @@
     </p:spTree>
     <p:extLst>
       <p:ext uri="{BB962C8B-B14F-4D97-AF65-F5344CB8AC3E}">
-        <p14:creationId xmlns:p14="http://schemas.microsoft.com/office/powerpoint/2010/main" val="831955769"/>
+        <p14:creationId xmlns:p14="http://schemas.microsoft.com/office/powerpoint/2010/main" val="979044029"/>
       </p:ext>
     </p:extLst>
   </p:cSld>
@@ -4624,7 +4640,511 @@
     </p:spTree>
     <p:extLst>
       <p:ext uri="{BB962C8B-B14F-4D97-AF65-F5344CB8AC3E}">
-        <p14:creationId xmlns:p14="http://schemas.microsoft.com/office/powerpoint/2010/main" val="4283531152"/>
+        <p14:creationId xmlns:p14="http://schemas.microsoft.com/office/powerpoint/2010/main" val="3395944791"/>
+      </p:ext>
+    </p:extLst>
+  </p:cSld>
+  <p:clrMapOvr>
+    <a:masterClrMapping/>
+  </p:clrMapOvr>
+</p:notes>
+</file>
+
+<file path=ppt/notesSlides/notesSlide54.xml><?xml version="1.0" encoding="utf-8"?>
+<p:notes xmlns:a="http://schemas.openxmlformats.org/drawingml/2006/main" xmlns:r="http://schemas.openxmlformats.org/officeDocument/2006/relationships" xmlns:p="http://schemas.openxmlformats.org/presentationml/2006/main">
+  <p:cSld>
+    <p:spTree>
+      <p:nvGrpSpPr>
+        <p:cNvPr id="1" name=""/>
+        <p:cNvGrpSpPr/>
+        <p:nvPr/>
+      </p:nvGrpSpPr>
+      <p:grpSpPr>
+        <a:xfrm>
+          <a:off x="0" y="0"/>
+          <a:ext cx="0" cy="0"/>
+          <a:chOff x="0" y="0"/>
+          <a:chExt cx="0" cy="0"/>
+        </a:xfrm>
+      </p:grpSpPr>
+      <p:sp>
+        <p:nvSpPr>
+          <p:cNvPr id="2" name="Espace réservé de l'image des diapositives 1"/>
+          <p:cNvSpPr>
+            <a:spLocks noGrp="1" noRot="1" noChangeAspect="1"/>
+          </p:cNvSpPr>
+          <p:nvPr>
+            <p:ph type="sldImg"/>
+          </p:nvPr>
+        </p:nvSpPr>
+        <p:spPr/>
+      </p:sp>
+      <p:sp>
+        <p:nvSpPr>
+          <p:cNvPr id="3" name="Espace réservé des commentaires 2"/>
+          <p:cNvSpPr>
+            <a:spLocks noGrp="1"/>
+          </p:cNvSpPr>
+          <p:nvPr>
+            <p:ph type="body" idx="1"/>
+          </p:nvPr>
+        </p:nvSpPr>
+        <p:spPr/>
+        <p:txBody>
+          <a:bodyPr/>
+          <a:lstStyle/>
+          <a:p>
+            <a:endParaRPr lang="fr-FR" dirty="0"/>
+          </a:p>
+        </p:txBody>
+      </p:sp>
+      <p:sp>
+        <p:nvSpPr>
+          <p:cNvPr id="4" name="Espace réservé du numéro de diapositive 3"/>
+          <p:cNvSpPr>
+            <a:spLocks noGrp="1"/>
+          </p:cNvSpPr>
+          <p:nvPr>
+            <p:ph type="sldNum" sz="quarter" idx="10"/>
+          </p:nvPr>
+        </p:nvSpPr>
+        <p:spPr/>
+        <p:txBody>
+          <a:bodyPr/>
+          <a:lstStyle/>
+          <a:p>
+            <a:fld id="{58BEE673-8D3B-4BBD-97EB-7004EF7CF6EF}" type="slidenum">
+              <a:rPr lang="fr-FR" smtClean="0"/>
+              <a:t>55</a:t>
+            </a:fld>
+            <a:endParaRPr lang="fr-FR" dirty="0"/>
+          </a:p>
+        </p:txBody>
+      </p:sp>
+    </p:spTree>
+    <p:extLst>
+      <p:ext uri="{BB962C8B-B14F-4D97-AF65-F5344CB8AC3E}">
+        <p14:creationId xmlns:p14="http://schemas.microsoft.com/office/powerpoint/2010/main" val="1259369720"/>
+      </p:ext>
+    </p:extLst>
+  </p:cSld>
+  <p:clrMapOvr>
+    <a:masterClrMapping/>
+  </p:clrMapOvr>
+</p:notes>
+</file>
+
+<file path=ppt/notesSlides/notesSlide55.xml><?xml version="1.0" encoding="utf-8"?>
+<p:notes xmlns:a="http://schemas.openxmlformats.org/drawingml/2006/main" xmlns:r="http://schemas.openxmlformats.org/officeDocument/2006/relationships" xmlns:p="http://schemas.openxmlformats.org/presentationml/2006/main">
+  <p:cSld>
+    <p:spTree>
+      <p:nvGrpSpPr>
+        <p:cNvPr id="1" name=""/>
+        <p:cNvGrpSpPr/>
+        <p:nvPr/>
+      </p:nvGrpSpPr>
+      <p:grpSpPr>
+        <a:xfrm>
+          <a:off x="0" y="0"/>
+          <a:ext cx="0" cy="0"/>
+          <a:chOff x="0" y="0"/>
+          <a:chExt cx="0" cy="0"/>
+        </a:xfrm>
+      </p:grpSpPr>
+      <p:sp>
+        <p:nvSpPr>
+          <p:cNvPr id="2" name="Espace réservé de l'image des diapositives 1"/>
+          <p:cNvSpPr>
+            <a:spLocks noGrp="1" noRot="1" noChangeAspect="1"/>
+          </p:cNvSpPr>
+          <p:nvPr>
+            <p:ph type="sldImg"/>
+          </p:nvPr>
+        </p:nvSpPr>
+        <p:spPr/>
+      </p:sp>
+      <p:sp>
+        <p:nvSpPr>
+          <p:cNvPr id="3" name="Espace réservé des commentaires 2"/>
+          <p:cNvSpPr>
+            <a:spLocks noGrp="1"/>
+          </p:cNvSpPr>
+          <p:nvPr>
+            <p:ph type="body" idx="1"/>
+          </p:nvPr>
+        </p:nvSpPr>
+        <p:spPr/>
+        <p:txBody>
+          <a:bodyPr/>
+          <a:lstStyle/>
+          <a:p>
+            <a:endParaRPr lang="fr-FR" dirty="0"/>
+          </a:p>
+        </p:txBody>
+      </p:sp>
+      <p:sp>
+        <p:nvSpPr>
+          <p:cNvPr id="4" name="Espace réservé du numéro de diapositive 3"/>
+          <p:cNvSpPr>
+            <a:spLocks noGrp="1"/>
+          </p:cNvSpPr>
+          <p:nvPr>
+            <p:ph type="sldNum" sz="quarter" idx="10"/>
+          </p:nvPr>
+        </p:nvSpPr>
+        <p:spPr/>
+        <p:txBody>
+          <a:bodyPr/>
+          <a:lstStyle/>
+          <a:p>
+            <a:fld id="{58BEE673-8D3B-4BBD-97EB-7004EF7CF6EF}" type="slidenum">
+              <a:rPr lang="fr-FR" smtClean="0"/>
+              <a:t>56</a:t>
+            </a:fld>
+            <a:endParaRPr lang="fr-FR" dirty="0"/>
+          </a:p>
+        </p:txBody>
+      </p:sp>
+    </p:spTree>
+    <p:extLst>
+      <p:ext uri="{BB962C8B-B14F-4D97-AF65-F5344CB8AC3E}">
+        <p14:creationId xmlns:p14="http://schemas.microsoft.com/office/powerpoint/2010/main" val="1264544172"/>
+      </p:ext>
+    </p:extLst>
+  </p:cSld>
+  <p:clrMapOvr>
+    <a:masterClrMapping/>
+  </p:clrMapOvr>
+</p:notes>
+</file>
+
+<file path=ppt/notesSlides/notesSlide56.xml><?xml version="1.0" encoding="utf-8"?>
+<p:notes xmlns:a="http://schemas.openxmlformats.org/drawingml/2006/main" xmlns:r="http://schemas.openxmlformats.org/officeDocument/2006/relationships" xmlns:p="http://schemas.openxmlformats.org/presentationml/2006/main">
+  <p:cSld>
+    <p:spTree>
+      <p:nvGrpSpPr>
+        <p:cNvPr id="1" name=""/>
+        <p:cNvGrpSpPr/>
+        <p:nvPr/>
+      </p:nvGrpSpPr>
+      <p:grpSpPr>
+        <a:xfrm>
+          <a:off x="0" y="0"/>
+          <a:ext cx="0" cy="0"/>
+          <a:chOff x="0" y="0"/>
+          <a:chExt cx="0" cy="0"/>
+        </a:xfrm>
+      </p:grpSpPr>
+      <p:sp>
+        <p:nvSpPr>
+          <p:cNvPr id="2" name="Espace réservé de l'image des diapositives 1"/>
+          <p:cNvSpPr>
+            <a:spLocks noGrp="1" noRot="1" noChangeAspect="1"/>
+          </p:cNvSpPr>
+          <p:nvPr>
+            <p:ph type="sldImg"/>
+          </p:nvPr>
+        </p:nvSpPr>
+        <p:spPr/>
+      </p:sp>
+      <p:sp>
+        <p:nvSpPr>
+          <p:cNvPr id="3" name="Espace réservé des commentaires 2"/>
+          <p:cNvSpPr>
+            <a:spLocks noGrp="1"/>
+          </p:cNvSpPr>
+          <p:nvPr>
+            <p:ph type="body" idx="1"/>
+          </p:nvPr>
+        </p:nvSpPr>
+        <p:spPr/>
+        <p:txBody>
+          <a:bodyPr/>
+          <a:lstStyle/>
+          <a:p>
+            <a:endParaRPr lang="fr-FR" dirty="0"/>
+          </a:p>
+        </p:txBody>
+      </p:sp>
+      <p:sp>
+        <p:nvSpPr>
+          <p:cNvPr id="4" name="Espace réservé du numéro de diapositive 3"/>
+          <p:cNvSpPr>
+            <a:spLocks noGrp="1"/>
+          </p:cNvSpPr>
+          <p:nvPr>
+            <p:ph type="sldNum" sz="quarter" idx="10"/>
+          </p:nvPr>
+        </p:nvSpPr>
+        <p:spPr/>
+        <p:txBody>
+          <a:bodyPr/>
+          <a:lstStyle/>
+          <a:p>
+            <a:fld id="{58BEE673-8D3B-4BBD-97EB-7004EF7CF6EF}" type="slidenum">
+              <a:rPr lang="fr-FR" smtClean="0"/>
+              <a:t>57</a:t>
+            </a:fld>
+            <a:endParaRPr lang="fr-FR" dirty="0"/>
+          </a:p>
+        </p:txBody>
+      </p:sp>
+    </p:spTree>
+    <p:extLst>
+      <p:ext uri="{BB962C8B-B14F-4D97-AF65-F5344CB8AC3E}">
+        <p14:creationId xmlns:p14="http://schemas.microsoft.com/office/powerpoint/2010/main" val="3902281157"/>
+      </p:ext>
+    </p:extLst>
+  </p:cSld>
+  <p:clrMapOvr>
+    <a:masterClrMapping/>
+  </p:clrMapOvr>
+</p:notes>
+</file>
+
+<file path=ppt/notesSlides/notesSlide57.xml><?xml version="1.0" encoding="utf-8"?>
+<p:notes xmlns:a="http://schemas.openxmlformats.org/drawingml/2006/main" xmlns:r="http://schemas.openxmlformats.org/officeDocument/2006/relationships" xmlns:p="http://schemas.openxmlformats.org/presentationml/2006/main">
+  <p:cSld>
+    <p:spTree>
+      <p:nvGrpSpPr>
+        <p:cNvPr id="1" name=""/>
+        <p:cNvGrpSpPr/>
+        <p:nvPr/>
+      </p:nvGrpSpPr>
+      <p:grpSpPr>
+        <a:xfrm>
+          <a:off x="0" y="0"/>
+          <a:ext cx="0" cy="0"/>
+          <a:chOff x="0" y="0"/>
+          <a:chExt cx="0" cy="0"/>
+        </a:xfrm>
+      </p:grpSpPr>
+      <p:sp>
+        <p:nvSpPr>
+          <p:cNvPr id="2" name="Espace réservé de l'image des diapositives 1"/>
+          <p:cNvSpPr>
+            <a:spLocks noGrp="1" noRot="1" noChangeAspect="1"/>
+          </p:cNvSpPr>
+          <p:nvPr>
+            <p:ph type="sldImg"/>
+          </p:nvPr>
+        </p:nvSpPr>
+        <p:spPr/>
+      </p:sp>
+      <p:sp>
+        <p:nvSpPr>
+          <p:cNvPr id="3" name="Espace réservé des commentaires 2"/>
+          <p:cNvSpPr>
+            <a:spLocks noGrp="1"/>
+          </p:cNvSpPr>
+          <p:nvPr>
+            <p:ph type="body" idx="1"/>
+          </p:nvPr>
+        </p:nvSpPr>
+        <p:spPr/>
+        <p:txBody>
+          <a:bodyPr/>
+          <a:lstStyle/>
+          <a:p>
+            <a:endParaRPr lang="fr-FR" dirty="0"/>
+          </a:p>
+        </p:txBody>
+      </p:sp>
+      <p:sp>
+        <p:nvSpPr>
+          <p:cNvPr id="4" name="Espace réservé du numéro de diapositive 3"/>
+          <p:cNvSpPr>
+            <a:spLocks noGrp="1"/>
+          </p:cNvSpPr>
+          <p:nvPr>
+            <p:ph type="sldNum" sz="quarter" idx="10"/>
+          </p:nvPr>
+        </p:nvSpPr>
+        <p:spPr/>
+        <p:txBody>
+          <a:bodyPr/>
+          <a:lstStyle/>
+          <a:p>
+            <a:fld id="{58BEE673-8D3B-4BBD-97EB-7004EF7CF6EF}" type="slidenum">
+              <a:rPr lang="fr-FR" smtClean="0"/>
+              <a:t>58</a:t>
+            </a:fld>
+            <a:endParaRPr lang="fr-FR" dirty="0"/>
+          </a:p>
+        </p:txBody>
+      </p:sp>
+    </p:spTree>
+    <p:extLst>
+      <p:ext uri="{BB962C8B-B14F-4D97-AF65-F5344CB8AC3E}">
+        <p14:creationId xmlns:p14="http://schemas.microsoft.com/office/powerpoint/2010/main" val="1273434959"/>
+      </p:ext>
+    </p:extLst>
+  </p:cSld>
+  <p:clrMapOvr>
+    <a:masterClrMapping/>
+  </p:clrMapOvr>
+</p:notes>
+</file>
+
+<file path=ppt/notesSlides/notesSlide58.xml><?xml version="1.0" encoding="utf-8"?>
+<p:notes xmlns:a="http://schemas.openxmlformats.org/drawingml/2006/main" xmlns:r="http://schemas.openxmlformats.org/officeDocument/2006/relationships" xmlns:p="http://schemas.openxmlformats.org/presentationml/2006/main">
+  <p:cSld>
+    <p:spTree>
+      <p:nvGrpSpPr>
+        <p:cNvPr id="1" name=""/>
+        <p:cNvGrpSpPr/>
+        <p:nvPr/>
+      </p:nvGrpSpPr>
+      <p:grpSpPr>
+        <a:xfrm>
+          <a:off x="0" y="0"/>
+          <a:ext cx="0" cy="0"/>
+          <a:chOff x="0" y="0"/>
+          <a:chExt cx="0" cy="0"/>
+        </a:xfrm>
+      </p:grpSpPr>
+      <p:sp>
+        <p:nvSpPr>
+          <p:cNvPr id="2" name="Espace réservé de l'image des diapositives 1"/>
+          <p:cNvSpPr>
+            <a:spLocks noGrp="1" noRot="1" noChangeAspect="1"/>
+          </p:cNvSpPr>
+          <p:nvPr>
+            <p:ph type="sldImg"/>
+          </p:nvPr>
+        </p:nvSpPr>
+        <p:spPr/>
+      </p:sp>
+      <p:sp>
+        <p:nvSpPr>
+          <p:cNvPr id="3" name="Espace réservé des commentaires 2"/>
+          <p:cNvSpPr>
+            <a:spLocks noGrp="1"/>
+          </p:cNvSpPr>
+          <p:nvPr>
+            <p:ph type="body" idx="1"/>
+          </p:nvPr>
+        </p:nvSpPr>
+        <p:spPr/>
+        <p:txBody>
+          <a:bodyPr/>
+          <a:lstStyle/>
+          <a:p>
+            <a:endParaRPr lang="fr-FR" dirty="0"/>
+          </a:p>
+        </p:txBody>
+      </p:sp>
+      <p:sp>
+        <p:nvSpPr>
+          <p:cNvPr id="4" name="Espace réservé du numéro de diapositive 3"/>
+          <p:cNvSpPr>
+            <a:spLocks noGrp="1"/>
+          </p:cNvSpPr>
+          <p:nvPr>
+            <p:ph type="sldNum" sz="quarter" idx="10"/>
+          </p:nvPr>
+        </p:nvSpPr>
+        <p:spPr/>
+        <p:txBody>
+          <a:bodyPr/>
+          <a:lstStyle/>
+          <a:p>
+            <a:fld id="{58BEE673-8D3B-4BBD-97EB-7004EF7CF6EF}" type="slidenum">
+              <a:rPr lang="fr-FR" smtClean="0"/>
+              <a:t>59</a:t>
+            </a:fld>
+            <a:endParaRPr lang="fr-FR" dirty="0"/>
+          </a:p>
+        </p:txBody>
+      </p:sp>
+    </p:spTree>
+    <p:extLst>
+      <p:ext uri="{BB962C8B-B14F-4D97-AF65-F5344CB8AC3E}">
+        <p14:creationId xmlns:p14="http://schemas.microsoft.com/office/powerpoint/2010/main" val="1447107037"/>
+      </p:ext>
+    </p:extLst>
+  </p:cSld>
+  <p:clrMapOvr>
+    <a:masterClrMapping/>
+  </p:clrMapOvr>
+</p:notes>
+</file>
+
+<file path=ppt/notesSlides/notesSlide59.xml><?xml version="1.0" encoding="utf-8"?>
+<p:notes xmlns:a="http://schemas.openxmlformats.org/drawingml/2006/main" xmlns:r="http://schemas.openxmlformats.org/officeDocument/2006/relationships" xmlns:p="http://schemas.openxmlformats.org/presentationml/2006/main">
+  <p:cSld>
+    <p:spTree>
+      <p:nvGrpSpPr>
+        <p:cNvPr id="1" name=""/>
+        <p:cNvGrpSpPr/>
+        <p:nvPr/>
+      </p:nvGrpSpPr>
+      <p:grpSpPr>
+        <a:xfrm>
+          <a:off x="0" y="0"/>
+          <a:ext cx="0" cy="0"/>
+          <a:chOff x="0" y="0"/>
+          <a:chExt cx="0" cy="0"/>
+        </a:xfrm>
+      </p:grpSpPr>
+      <p:sp>
+        <p:nvSpPr>
+          <p:cNvPr id="2" name="Espace réservé de l'image des diapositives 1"/>
+          <p:cNvSpPr>
+            <a:spLocks noGrp="1" noRot="1" noChangeAspect="1"/>
+          </p:cNvSpPr>
+          <p:nvPr>
+            <p:ph type="sldImg"/>
+          </p:nvPr>
+        </p:nvSpPr>
+        <p:spPr/>
+      </p:sp>
+      <p:sp>
+        <p:nvSpPr>
+          <p:cNvPr id="3" name="Espace réservé des commentaires 2"/>
+          <p:cNvSpPr>
+            <a:spLocks noGrp="1"/>
+          </p:cNvSpPr>
+          <p:nvPr>
+            <p:ph type="body" idx="1"/>
+          </p:nvPr>
+        </p:nvSpPr>
+        <p:spPr/>
+        <p:txBody>
+          <a:bodyPr/>
+          <a:lstStyle/>
+          <a:p>
+            <a:endParaRPr lang="fr-FR" dirty="0"/>
+          </a:p>
+        </p:txBody>
+      </p:sp>
+      <p:sp>
+        <p:nvSpPr>
+          <p:cNvPr id="4" name="Espace réservé du numéro de diapositive 3"/>
+          <p:cNvSpPr>
+            <a:spLocks noGrp="1"/>
+          </p:cNvSpPr>
+          <p:nvPr>
+            <p:ph type="sldNum" sz="quarter" idx="10"/>
+          </p:nvPr>
+        </p:nvSpPr>
+        <p:spPr/>
+        <p:txBody>
+          <a:bodyPr/>
+          <a:lstStyle/>
+          <a:p>
+            <a:fld id="{58BEE673-8D3B-4BBD-97EB-7004EF7CF6EF}" type="slidenum">
+              <a:rPr lang="fr-FR" smtClean="0"/>
+              <a:t>60</a:t>
+            </a:fld>
+            <a:endParaRPr lang="fr-FR" dirty="0"/>
+          </a:p>
+        </p:txBody>
+      </p:sp>
+    </p:spTree>
+    <p:extLst>
+      <p:ext uri="{BB962C8B-B14F-4D97-AF65-F5344CB8AC3E}">
+        <p14:creationId xmlns:p14="http://schemas.microsoft.com/office/powerpoint/2010/main" val="252505279"/>
       </p:ext>
     </p:extLst>
   </p:cSld>
@@ -4709,6 +5229,846 @@
     <p:extLst>
       <p:ext uri="{BB962C8B-B14F-4D97-AF65-F5344CB8AC3E}">
         <p14:creationId xmlns:p14="http://schemas.microsoft.com/office/powerpoint/2010/main" val="2075033331"/>
+      </p:ext>
+    </p:extLst>
+  </p:cSld>
+  <p:clrMapOvr>
+    <a:masterClrMapping/>
+  </p:clrMapOvr>
+</p:notes>
+</file>
+
+<file path=ppt/notesSlides/notesSlide60.xml><?xml version="1.0" encoding="utf-8"?>
+<p:notes xmlns:a="http://schemas.openxmlformats.org/drawingml/2006/main" xmlns:r="http://schemas.openxmlformats.org/officeDocument/2006/relationships" xmlns:p="http://schemas.openxmlformats.org/presentationml/2006/main">
+  <p:cSld>
+    <p:spTree>
+      <p:nvGrpSpPr>
+        <p:cNvPr id="1" name=""/>
+        <p:cNvGrpSpPr/>
+        <p:nvPr/>
+      </p:nvGrpSpPr>
+      <p:grpSpPr>
+        <a:xfrm>
+          <a:off x="0" y="0"/>
+          <a:ext cx="0" cy="0"/>
+          <a:chOff x="0" y="0"/>
+          <a:chExt cx="0" cy="0"/>
+        </a:xfrm>
+      </p:grpSpPr>
+      <p:sp>
+        <p:nvSpPr>
+          <p:cNvPr id="2" name="Espace réservé de l'image des diapositives 1"/>
+          <p:cNvSpPr>
+            <a:spLocks noGrp="1" noRot="1" noChangeAspect="1"/>
+          </p:cNvSpPr>
+          <p:nvPr>
+            <p:ph type="sldImg"/>
+          </p:nvPr>
+        </p:nvSpPr>
+        <p:spPr/>
+      </p:sp>
+      <p:sp>
+        <p:nvSpPr>
+          <p:cNvPr id="3" name="Espace réservé des commentaires 2"/>
+          <p:cNvSpPr>
+            <a:spLocks noGrp="1"/>
+          </p:cNvSpPr>
+          <p:nvPr>
+            <p:ph type="body" idx="1"/>
+          </p:nvPr>
+        </p:nvSpPr>
+        <p:spPr/>
+        <p:txBody>
+          <a:bodyPr/>
+          <a:lstStyle/>
+          <a:p>
+            <a:endParaRPr lang="fr-FR" dirty="0"/>
+          </a:p>
+        </p:txBody>
+      </p:sp>
+      <p:sp>
+        <p:nvSpPr>
+          <p:cNvPr id="4" name="Espace réservé du numéro de diapositive 3"/>
+          <p:cNvSpPr>
+            <a:spLocks noGrp="1"/>
+          </p:cNvSpPr>
+          <p:nvPr>
+            <p:ph type="sldNum" sz="quarter" idx="10"/>
+          </p:nvPr>
+        </p:nvSpPr>
+        <p:spPr/>
+        <p:txBody>
+          <a:bodyPr/>
+          <a:lstStyle/>
+          <a:p>
+            <a:fld id="{58BEE673-8D3B-4BBD-97EB-7004EF7CF6EF}" type="slidenum">
+              <a:rPr lang="fr-FR" smtClean="0"/>
+              <a:t>61</a:t>
+            </a:fld>
+            <a:endParaRPr lang="fr-FR" dirty="0"/>
+          </a:p>
+        </p:txBody>
+      </p:sp>
+    </p:spTree>
+    <p:extLst>
+      <p:ext uri="{BB962C8B-B14F-4D97-AF65-F5344CB8AC3E}">
+        <p14:creationId xmlns:p14="http://schemas.microsoft.com/office/powerpoint/2010/main" val="1128129099"/>
+      </p:ext>
+    </p:extLst>
+  </p:cSld>
+  <p:clrMapOvr>
+    <a:masterClrMapping/>
+  </p:clrMapOvr>
+</p:notes>
+</file>
+
+<file path=ppt/notesSlides/notesSlide61.xml><?xml version="1.0" encoding="utf-8"?>
+<p:notes xmlns:a="http://schemas.openxmlformats.org/drawingml/2006/main" xmlns:r="http://schemas.openxmlformats.org/officeDocument/2006/relationships" xmlns:p="http://schemas.openxmlformats.org/presentationml/2006/main">
+  <p:cSld>
+    <p:spTree>
+      <p:nvGrpSpPr>
+        <p:cNvPr id="1" name=""/>
+        <p:cNvGrpSpPr/>
+        <p:nvPr/>
+      </p:nvGrpSpPr>
+      <p:grpSpPr>
+        <a:xfrm>
+          <a:off x="0" y="0"/>
+          <a:ext cx="0" cy="0"/>
+          <a:chOff x="0" y="0"/>
+          <a:chExt cx="0" cy="0"/>
+        </a:xfrm>
+      </p:grpSpPr>
+      <p:sp>
+        <p:nvSpPr>
+          <p:cNvPr id="2" name="Espace réservé de l'image des diapositives 1"/>
+          <p:cNvSpPr>
+            <a:spLocks noGrp="1" noRot="1" noChangeAspect="1"/>
+          </p:cNvSpPr>
+          <p:nvPr>
+            <p:ph type="sldImg"/>
+          </p:nvPr>
+        </p:nvSpPr>
+        <p:spPr/>
+      </p:sp>
+      <p:sp>
+        <p:nvSpPr>
+          <p:cNvPr id="3" name="Espace réservé des commentaires 2"/>
+          <p:cNvSpPr>
+            <a:spLocks noGrp="1"/>
+          </p:cNvSpPr>
+          <p:nvPr>
+            <p:ph type="body" idx="1"/>
+          </p:nvPr>
+        </p:nvSpPr>
+        <p:spPr/>
+        <p:txBody>
+          <a:bodyPr/>
+          <a:lstStyle/>
+          <a:p>
+            <a:endParaRPr lang="fr-FR" dirty="0"/>
+          </a:p>
+        </p:txBody>
+      </p:sp>
+      <p:sp>
+        <p:nvSpPr>
+          <p:cNvPr id="4" name="Espace réservé du numéro de diapositive 3"/>
+          <p:cNvSpPr>
+            <a:spLocks noGrp="1"/>
+          </p:cNvSpPr>
+          <p:nvPr>
+            <p:ph type="sldNum" sz="quarter" idx="10"/>
+          </p:nvPr>
+        </p:nvSpPr>
+        <p:spPr/>
+        <p:txBody>
+          <a:bodyPr/>
+          <a:lstStyle/>
+          <a:p>
+            <a:fld id="{58BEE673-8D3B-4BBD-97EB-7004EF7CF6EF}" type="slidenum">
+              <a:rPr lang="fr-FR" smtClean="0"/>
+              <a:t>62</a:t>
+            </a:fld>
+            <a:endParaRPr lang="fr-FR" dirty="0"/>
+          </a:p>
+        </p:txBody>
+      </p:sp>
+    </p:spTree>
+    <p:extLst>
+      <p:ext uri="{BB962C8B-B14F-4D97-AF65-F5344CB8AC3E}">
+        <p14:creationId xmlns:p14="http://schemas.microsoft.com/office/powerpoint/2010/main" val="2582929164"/>
+      </p:ext>
+    </p:extLst>
+  </p:cSld>
+  <p:clrMapOvr>
+    <a:masterClrMapping/>
+  </p:clrMapOvr>
+</p:notes>
+</file>
+
+<file path=ppt/notesSlides/notesSlide62.xml><?xml version="1.0" encoding="utf-8"?>
+<p:notes xmlns:a="http://schemas.openxmlformats.org/drawingml/2006/main" xmlns:r="http://schemas.openxmlformats.org/officeDocument/2006/relationships" xmlns:p="http://schemas.openxmlformats.org/presentationml/2006/main">
+  <p:cSld>
+    <p:spTree>
+      <p:nvGrpSpPr>
+        <p:cNvPr id="1" name=""/>
+        <p:cNvGrpSpPr/>
+        <p:nvPr/>
+      </p:nvGrpSpPr>
+      <p:grpSpPr>
+        <a:xfrm>
+          <a:off x="0" y="0"/>
+          <a:ext cx="0" cy="0"/>
+          <a:chOff x="0" y="0"/>
+          <a:chExt cx="0" cy="0"/>
+        </a:xfrm>
+      </p:grpSpPr>
+      <p:sp>
+        <p:nvSpPr>
+          <p:cNvPr id="2" name="Espace réservé de l'image des diapositives 1"/>
+          <p:cNvSpPr>
+            <a:spLocks noGrp="1" noRot="1" noChangeAspect="1"/>
+          </p:cNvSpPr>
+          <p:nvPr>
+            <p:ph type="sldImg"/>
+          </p:nvPr>
+        </p:nvSpPr>
+        <p:spPr/>
+      </p:sp>
+      <p:sp>
+        <p:nvSpPr>
+          <p:cNvPr id="3" name="Espace réservé des commentaires 2"/>
+          <p:cNvSpPr>
+            <a:spLocks noGrp="1"/>
+          </p:cNvSpPr>
+          <p:nvPr>
+            <p:ph type="body" idx="1"/>
+          </p:nvPr>
+        </p:nvSpPr>
+        <p:spPr/>
+        <p:txBody>
+          <a:bodyPr/>
+          <a:lstStyle/>
+          <a:p>
+            <a:endParaRPr lang="fr-FR" dirty="0"/>
+          </a:p>
+        </p:txBody>
+      </p:sp>
+      <p:sp>
+        <p:nvSpPr>
+          <p:cNvPr id="4" name="Espace réservé du numéro de diapositive 3"/>
+          <p:cNvSpPr>
+            <a:spLocks noGrp="1"/>
+          </p:cNvSpPr>
+          <p:nvPr>
+            <p:ph type="sldNum" sz="quarter" idx="10"/>
+          </p:nvPr>
+        </p:nvSpPr>
+        <p:spPr/>
+        <p:txBody>
+          <a:bodyPr/>
+          <a:lstStyle/>
+          <a:p>
+            <a:fld id="{58BEE673-8D3B-4BBD-97EB-7004EF7CF6EF}" type="slidenum">
+              <a:rPr lang="fr-FR" smtClean="0"/>
+              <a:t>63</a:t>
+            </a:fld>
+            <a:endParaRPr lang="fr-FR" dirty="0"/>
+          </a:p>
+        </p:txBody>
+      </p:sp>
+    </p:spTree>
+    <p:extLst>
+      <p:ext uri="{BB962C8B-B14F-4D97-AF65-F5344CB8AC3E}">
+        <p14:creationId xmlns:p14="http://schemas.microsoft.com/office/powerpoint/2010/main" val="2041190858"/>
+      </p:ext>
+    </p:extLst>
+  </p:cSld>
+  <p:clrMapOvr>
+    <a:masterClrMapping/>
+  </p:clrMapOvr>
+</p:notes>
+</file>
+
+<file path=ppt/notesSlides/notesSlide63.xml><?xml version="1.0" encoding="utf-8"?>
+<p:notes xmlns:a="http://schemas.openxmlformats.org/drawingml/2006/main" xmlns:r="http://schemas.openxmlformats.org/officeDocument/2006/relationships" xmlns:p="http://schemas.openxmlformats.org/presentationml/2006/main">
+  <p:cSld>
+    <p:spTree>
+      <p:nvGrpSpPr>
+        <p:cNvPr id="1" name=""/>
+        <p:cNvGrpSpPr/>
+        <p:nvPr/>
+      </p:nvGrpSpPr>
+      <p:grpSpPr>
+        <a:xfrm>
+          <a:off x="0" y="0"/>
+          <a:ext cx="0" cy="0"/>
+          <a:chOff x="0" y="0"/>
+          <a:chExt cx="0" cy="0"/>
+        </a:xfrm>
+      </p:grpSpPr>
+      <p:sp>
+        <p:nvSpPr>
+          <p:cNvPr id="2" name="Espace réservé de l'image des diapositives 1"/>
+          <p:cNvSpPr>
+            <a:spLocks noGrp="1" noRot="1" noChangeAspect="1"/>
+          </p:cNvSpPr>
+          <p:nvPr>
+            <p:ph type="sldImg"/>
+          </p:nvPr>
+        </p:nvSpPr>
+        <p:spPr/>
+      </p:sp>
+      <p:sp>
+        <p:nvSpPr>
+          <p:cNvPr id="3" name="Espace réservé des commentaires 2"/>
+          <p:cNvSpPr>
+            <a:spLocks noGrp="1"/>
+          </p:cNvSpPr>
+          <p:nvPr>
+            <p:ph type="body" idx="1"/>
+          </p:nvPr>
+        </p:nvSpPr>
+        <p:spPr/>
+        <p:txBody>
+          <a:bodyPr/>
+          <a:lstStyle/>
+          <a:p>
+            <a:endParaRPr lang="fr-FR" dirty="0"/>
+          </a:p>
+        </p:txBody>
+      </p:sp>
+      <p:sp>
+        <p:nvSpPr>
+          <p:cNvPr id="4" name="Espace réservé du numéro de diapositive 3"/>
+          <p:cNvSpPr>
+            <a:spLocks noGrp="1"/>
+          </p:cNvSpPr>
+          <p:nvPr>
+            <p:ph type="sldNum" sz="quarter" idx="10"/>
+          </p:nvPr>
+        </p:nvSpPr>
+        <p:spPr/>
+        <p:txBody>
+          <a:bodyPr/>
+          <a:lstStyle/>
+          <a:p>
+            <a:fld id="{58BEE673-8D3B-4BBD-97EB-7004EF7CF6EF}" type="slidenum">
+              <a:rPr lang="fr-FR" smtClean="0"/>
+              <a:t>64</a:t>
+            </a:fld>
+            <a:endParaRPr lang="fr-FR" dirty="0"/>
+          </a:p>
+        </p:txBody>
+      </p:sp>
+    </p:spTree>
+    <p:extLst>
+      <p:ext uri="{BB962C8B-B14F-4D97-AF65-F5344CB8AC3E}">
+        <p14:creationId xmlns:p14="http://schemas.microsoft.com/office/powerpoint/2010/main" val="1923932730"/>
+      </p:ext>
+    </p:extLst>
+  </p:cSld>
+  <p:clrMapOvr>
+    <a:masterClrMapping/>
+  </p:clrMapOvr>
+</p:notes>
+</file>
+
+<file path=ppt/notesSlides/notesSlide64.xml><?xml version="1.0" encoding="utf-8"?>
+<p:notes xmlns:a="http://schemas.openxmlformats.org/drawingml/2006/main" xmlns:r="http://schemas.openxmlformats.org/officeDocument/2006/relationships" xmlns:p="http://schemas.openxmlformats.org/presentationml/2006/main">
+  <p:cSld>
+    <p:spTree>
+      <p:nvGrpSpPr>
+        <p:cNvPr id="1" name=""/>
+        <p:cNvGrpSpPr/>
+        <p:nvPr/>
+      </p:nvGrpSpPr>
+      <p:grpSpPr>
+        <a:xfrm>
+          <a:off x="0" y="0"/>
+          <a:ext cx="0" cy="0"/>
+          <a:chOff x="0" y="0"/>
+          <a:chExt cx="0" cy="0"/>
+        </a:xfrm>
+      </p:grpSpPr>
+      <p:sp>
+        <p:nvSpPr>
+          <p:cNvPr id="2" name="Espace réservé de l'image des diapositives 1"/>
+          <p:cNvSpPr>
+            <a:spLocks noGrp="1" noRot="1" noChangeAspect="1"/>
+          </p:cNvSpPr>
+          <p:nvPr>
+            <p:ph type="sldImg"/>
+          </p:nvPr>
+        </p:nvSpPr>
+        <p:spPr/>
+      </p:sp>
+      <p:sp>
+        <p:nvSpPr>
+          <p:cNvPr id="3" name="Espace réservé des commentaires 2"/>
+          <p:cNvSpPr>
+            <a:spLocks noGrp="1"/>
+          </p:cNvSpPr>
+          <p:nvPr>
+            <p:ph type="body" idx="1"/>
+          </p:nvPr>
+        </p:nvSpPr>
+        <p:spPr/>
+        <p:txBody>
+          <a:bodyPr/>
+          <a:lstStyle/>
+          <a:p>
+            <a:endParaRPr lang="fr-FR" dirty="0"/>
+          </a:p>
+        </p:txBody>
+      </p:sp>
+      <p:sp>
+        <p:nvSpPr>
+          <p:cNvPr id="4" name="Espace réservé du numéro de diapositive 3"/>
+          <p:cNvSpPr>
+            <a:spLocks noGrp="1"/>
+          </p:cNvSpPr>
+          <p:nvPr>
+            <p:ph type="sldNum" sz="quarter" idx="10"/>
+          </p:nvPr>
+        </p:nvSpPr>
+        <p:spPr/>
+        <p:txBody>
+          <a:bodyPr/>
+          <a:lstStyle/>
+          <a:p>
+            <a:fld id="{58BEE673-8D3B-4BBD-97EB-7004EF7CF6EF}" type="slidenum">
+              <a:rPr lang="fr-FR" smtClean="0"/>
+              <a:t>65</a:t>
+            </a:fld>
+            <a:endParaRPr lang="fr-FR" dirty="0"/>
+          </a:p>
+        </p:txBody>
+      </p:sp>
+    </p:spTree>
+    <p:extLst>
+      <p:ext uri="{BB962C8B-B14F-4D97-AF65-F5344CB8AC3E}">
+        <p14:creationId xmlns:p14="http://schemas.microsoft.com/office/powerpoint/2010/main" val="4009780876"/>
+      </p:ext>
+    </p:extLst>
+  </p:cSld>
+  <p:clrMapOvr>
+    <a:masterClrMapping/>
+  </p:clrMapOvr>
+</p:notes>
+</file>
+
+<file path=ppt/notesSlides/notesSlide65.xml><?xml version="1.0" encoding="utf-8"?>
+<p:notes xmlns:a="http://schemas.openxmlformats.org/drawingml/2006/main" xmlns:r="http://schemas.openxmlformats.org/officeDocument/2006/relationships" xmlns:p="http://schemas.openxmlformats.org/presentationml/2006/main">
+  <p:cSld>
+    <p:spTree>
+      <p:nvGrpSpPr>
+        <p:cNvPr id="1" name=""/>
+        <p:cNvGrpSpPr/>
+        <p:nvPr/>
+      </p:nvGrpSpPr>
+      <p:grpSpPr>
+        <a:xfrm>
+          <a:off x="0" y="0"/>
+          <a:ext cx="0" cy="0"/>
+          <a:chOff x="0" y="0"/>
+          <a:chExt cx="0" cy="0"/>
+        </a:xfrm>
+      </p:grpSpPr>
+      <p:sp>
+        <p:nvSpPr>
+          <p:cNvPr id="2" name="Espace réservé de l'image des diapositives 1"/>
+          <p:cNvSpPr>
+            <a:spLocks noGrp="1" noRot="1" noChangeAspect="1"/>
+          </p:cNvSpPr>
+          <p:nvPr>
+            <p:ph type="sldImg"/>
+          </p:nvPr>
+        </p:nvSpPr>
+        <p:spPr/>
+      </p:sp>
+      <p:sp>
+        <p:nvSpPr>
+          <p:cNvPr id="3" name="Espace réservé des commentaires 2"/>
+          <p:cNvSpPr>
+            <a:spLocks noGrp="1"/>
+          </p:cNvSpPr>
+          <p:nvPr>
+            <p:ph type="body" idx="1"/>
+          </p:nvPr>
+        </p:nvSpPr>
+        <p:spPr/>
+        <p:txBody>
+          <a:bodyPr/>
+          <a:lstStyle/>
+          <a:p>
+            <a:endParaRPr lang="fr-FR" dirty="0"/>
+          </a:p>
+        </p:txBody>
+      </p:sp>
+      <p:sp>
+        <p:nvSpPr>
+          <p:cNvPr id="4" name="Espace réservé du numéro de diapositive 3"/>
+          <p:cNvSpPr>
+            <a:spLocks noGrp="1"/>
+          </p:cNvSpPr>
+          <p:nvPr>
+            <p:ph type="sldNum" sz="quarter" idx="10"/>
+          </p:nvPr>
+        </p:nvSpPr>
+        <p:spPr/>
+        <p:txBody>
+          <a:bodyPr/>
+          <a:lstStyle/>
+          <a:p>
+            <a:fld id="{58BEE673-8D3B-4BBD-97EB-7004EF7CF6EF}" type="slidenum">
+              <a:rPr lang="fr-FR" smtClean="0"/>
+              <a:t>66</a:t>
+            </a:fld>
+            <a:endParaRPr lang="fr-FR" dirty="0"/>
+          </a:p>
+        </p:txBody>
+      </p:sp>
+    </p:spTree>
+    <p:extLst>
+      <p:ext uri="{BB962C8B-B14F-4D97-AF65-F5344CB8AC3E}">
+        <p14:creationId xmlns:p14="http://schemas.microsoft.com/office/powerpoint/2010/main" val="506775172"/>
+      </p:ext>
+    </p:extLst>
+  </p:cSld>
+  <p:clrMapOvr>
+    <a:masterClrMapping/>
+  </p:clrMapOvr>
+</p:notes>
+</file>
+
+<file path=ppt/notesSlides/notesSlide66.xml><?xml version="1.0" encoding="utf-8"?>
+<p:notes xmlns:a="http://schemas.openxmlformats.org/drawingml/2006/main" xmlns:r="http://schemas.openxmlformats.org/officeDocument/2006/relationships" xmlns:p="http://schemas.openxmlformats.org/presentationml/2006/main">
+  <p:cSld>
+    <p:spTree>
+      <p:nvGrpSpPr>
+        <p:cNvPr id="1" name=""/>
+        <p:cNvGrpSpPr/>
+        <p:nvPr/>
+      </p:nvGrpSpPr>
+      <p:grpSpPr>
+        <a:xfrm>
+          <a:off x="0" y="0"/>
+          <a:ext cx="0" cy="0"/>
+          <a:chOff x="0" y="0"/>
+          <a:chExt cx="0" cy="0"/>
+        </a:xfrm>
+      </p:grpSpPr>
+      <p:sp>
+        <p:nvSpPr>
+          <p:cNvPr id="2" name="Espace réservé de l'image des diapositives 1"/>
+          <p:cNvSpPr>
+            <a:spLocks noGrp="1" noRot="1" noChangeAspect="1"/>
+          </p:cNvSpPr>
+          <p:nvPr>
+            <p:ph type="sldImg"/>
+          </p:nvPr>
+        </p:nvSpPr>
+        <p:spPr/>
+      </p:sp>
+      <p:sp>
+        <p:nvSpPr>
+          <p:cNvPr id="3" name="Espace réservé des commentaires 2"/>
+          <p:cNvSpPr>
+            <a:spLocks noGrp="1"/>
+          </p:cNvSpPr>
+          <p:nvPr>
+            <p:ph type="body" idx="1"/>
+          </p:nvPr>
+        </p:nvSpPr>
+        <p:spPr/>
+        <p:txBody>
+          <a:bodyPr/>
+          <a:lstStyle/>
+          <a:p>
+            <a:endParaRPr lang="fr-FR" dirty="0"/>
+          </a:p>
+        </p:txBody>
+      </p:sp>
+      <p:sp>
+        <p:nvSpPr>
+          <p:cNvPr id="4" name="Espace réservé du numéro de diapositive 3"/>
+          <p:cNvSpPr>
+            <a:spLocks noGrp="1"/>
+          </p:cNvSpPr>
+          <p:nvPr>
+            <p:ph type="sldNum" sz="quarter" idx="10"/>
+          </p:nvPr>
+        </p:nvSpPr>
+        <p:spPr/>
+        <p:txBody>
+          <a:bodyPr/>
+          <a:lstStyle/>
+          <a:p>
+            <a:fld id="{58BEE673-8D3B-4BBD-97EB-7004EF7CF6EF}" type="slidenum">
+              <a:rPr lang="fr-FR" smtClean="0"/>
+              <a:t>67</a:t>
+            </a:fld>
+            <a:endParaRPr lang="fr-FR" dirty="0"/>
+          </a:p>
+        </p:txBody>
+      </p:sp>
+    </p:spTree>
+    <p:extLst>
+      <p:ext uri="{BB962C8B-B14F-4D97-AF65-F5344CB8AC3E}">
+        <p14:creationId xmlns:p14="http://schemas.microsoft.com/office/powerpoint/2010/main" val="2442515745"/>
+      </p:ext>
+    </p:extLst>
+  </p:cSld>
+  <p:clrMapOvr>
+    <a:masterClrMapping/>
+  </p:clrMapOvr>
+</p:notes>
+</file>
+
+<file path=ppt/notesSlides/notesSlide67.xml><?xml version="1.0" encoding="utf-8"?>
+<p:notes xmlns:a="http://schemas.openxmlformats.org/drawingml/2006/main" xmlns:r="http://schemas.openxmlformats.org/officeDocument/2006/relationships" xmlns:p="http://schemas.openxmlformats.org/presentationml/2006/main">
+  <p:cSld>
+    <p:spTree>
+      <p:nvGrpSpPr>
+        <p:cNvPr id="1" name=""/>
+        <p:cNvGrpSpPr/>
+        <p:nvPr/>
+      </p:nvGrpSpPr>
+      <p:grpSpPr>
+        <a:xfrm>
+          <a:off x="0" y="0"/>
+          <a:ext cx="0" cy="0"/>
+          <a:chOff x="0" y="0"/>
+          <a:chExt cx="0" cy="0"/>
+        </a:xfrm>
+      </p:grpSpPr>
+      <p:sp>
+        <p:nvSpPr>
+          <p:cNvPr id="2" name="Espace réservé de l'image des diapositives 1"/>
+          <p:cNvSpPr>
+            <a:spLocks noGrp="1" noRot="1" noChangeAspect="1"/>
+          </p:cNvSpPr>
+          <p:nvPr>
+            <p:ph type="sldImg"/>
+          </p:nvPr>
+        </p:nvSpPr>
+        <p:spPr/>
+      </p:sp>
+      <p:sp>
+        <p:nvSpPr>
+          <p:cNvPr id="3" name="Espace réservé des commentaires 2"/>
+          <p:cNvSpPr>
+            <a:spLocks noGrp="1"/>
+          </p:cNvSpPr>
+          <p:nvPr>
+            <p:ph type="body" idx="1"/>
+          </p:nvPr>
+        </p:nvSpPr>
+        <p:spPr/>
+        <p:txBody>
+          <a:bodyPr/>
+          <a:lstStyle/>
+          <a:p>
+            <a:endParaRPr lang="fr-FR" dirty="0"/>
+          </a:p>
+        </p:txBody>
+      </p:sp>
+      <p:sp>
+        <p:nvSpPr>
+          <p:cNvPr id="4" name="Espace réservé du numéro de diapositive 3"/>
+          <p:cNvSpPr>
+            <a:spLocks noGrp="1"/>
+          </p:cNvSpPr>
+          <p:nvPr>
+            <p:ph type="sldNum" sz="quarter" idx="10"/>
+          </p:nvPr>
+        </p:nvSpPr>
+        <p:spPr/>
+        <p:txBody>
+          <a:bodyPr/>
+          <a:lstStyle/>
+          <a:p>
+            <a:fld id="{58BEE673-8D3B-4BBD-97EB-7004EF7CF6EF}" type="slidenum">
+              <a:rPr lang="fr-FR" smtClean="0"/>
+              <a:t>68</a:t>
+            </a:fld>
+            <a:endParaRPr lang="fr-FR" dirty="0"/>
+          </a:p>
+        </p:txBody>
+      </p:sp>
+    </p:spTree>
+    <p:extLst>
+      <p:ext uri="{BB962C8B-B14F-4D97-AF65-F5344CB8AC3E}">
+        <p14:creationId xmlns:p14="http://schemas.microsoft.com/office/powerpoint/2010/main" val="471859371"/>
+      </p:ext>
+    </p:extLst>
+  </p:cSld>
+  <p:clrMapOvr>
+    <a:masterClrMapping/>
+  </p:clrMapOvr>
+</p:notes>
+</file>
+
+<file path=ppt/notesSlides/notesSlide68.xml><?xml version="1.0" encoding="utf-8"?>
+<p:notes xmlns:a="http://schemas.openxmlformats.org/drawingml/2006/main" xmlns:r="http://schemas.openxmlformats.org/officeDocument/2006/relationships" xmlns:p="http://schemas.openxmlformats.org/presentationml/2006/main">
+  <p:cSld>
+    <p:spTree>
+      <p:nvGrpSpPr>
+        <p:cNvPr id="1" name=""/>
+        <p:cNvGrpSpPr/>
+        <p:nvPr/>
+      </p:nvGrpSpPr>
+      <p:grpSpPr>
+        <a:xfrm>
+          <a:off x="0" y="0"/>
+          <a:ext cx="0" cy="0"/>
+          <a:chOff x="0" y="0"/>
+          <a:chExt cx="0" cy="0"/>
+        </a:xfrm>
+      </p:grpSpPr>
+      <p:sp>
+        <p:nvSpPr>
+          <p:cNvPr id="2" name="Espace réservé de l'image des diapositives 1"/>
+          <p:cNvSpPr>
+            <a:spLocks noGrp="1" noRot="1" noChangeAspect="1"/>
+          </p:cNvSpPr>
+          <p:nvPr>
+            <p:ph type="sldImg"/>
+          </p:nvPr>
+        </p:nvSpPr>
+        <p:spPr/>
+      </p:sp>
+      <p:sp>
+        <p:nvSpPr>
+          <p:cNvPr id="3" name="Espace réservé des commentaires 2"/>
+          <p:cNvSpPr>
+            <a:spLocks noGrp="1"/>
+          </p:cNvSpPr>
+          <p:nvPr>
+            <p:ph type="body" idx="1"/>
+          </p:nvPr>
+        </p:nvSpPr>
+        <p:spPr/>
+        <p:txBody>
+          <a:bodyPr/>
+          <a:lstStyle/>
+          <a:p>
+            <a:endParaRPr lang="fr-FR" dirty="0"/>
+          </a:p>
+        </p:txBody>
+      </p:sp>
+      <p:sp>
+        <p:nvSpPr>
+          <p:cNvPr id="4" name="Espace réservé du numéro de diapositive 3"/>
+          <p:cNvSpPr>
+            <a:spLocks noGrp="1"/>
+          </p:cNvSpPr>
+          <p:nvPr>
+            <p:ph type="sldNum" sz="quarter" idx="10"/>
+          </p:nvPr>
+        </p:nvSpPr>
+        <p:spPr/>
+        <p:txBody>
+          <a:bodyPr/>
+          <a:lstStyle/>
+          <a:p>
+            <a:fld id="{58BEE673-8D3B-4BBD-97EB-7004EF7CF6EF}" type="slidenum">
+              <a:rPr lang="fr-FR" smtClean="0"/>
+              <a:t>69</a:t>
+            </a:fld>
+            <a:endParaRPr lang="fr-FR" dirty="0"/>
+          </a:p>
+        </p:txBody>
+      </p:sp>
+    </p:spTree>
+    <p:extLst>
+      <p:ext uri="{BB962C8B-B14F-4D97-AF65-F5344CB8AC3E}">
+        <p14:creationId xmlns:p14="http://schemas.microsoft.com/office/powerpoint/2010/main" val="831955769"/>
+      </p:ext>
+    </p:extLst>
+  </p:cSld>
+  <p:clrMapOvr>
+    <a:masterClrMapping/>
+  </p:clrMapOvr>
+</p:notes>
+</file>
+
+<file path=ppt/notesSlides/notesSlide69.xml><?xml version="1.0" encoding="utf-8"?>
+<p:notes xmlns:a="http://schemas.openxmlformats.org/drawingml/2006/main" xmlns:r="http://schemas.openxmlformats.org/officeDocument/2006/relationships" xmlns:p="http://schemas.openxmlformats.org/presentationml/2006/main">
+  <p:cSld>
+    <p:spTree>
+      <p:nvGrpSpPr>
+        <p:cNvPr id="1" name=""/>
+        <p:cNvGrpSpPr/>
+        <p:nvPr/>
+      </p:nvGrpSpPr>
+      <p:grpSpPr>
+        <a:xfrm>
+          <a:off x="0" y="0"/>
+          <a:ext cx="0" cy="0"/>
+          <a:chOff x="0" y="0"/>
+          <a:chExt cx="0" cy="0"/>
+        </a:xfrm>
+      </p:grpSpPr>
+      <p:sp>
+        <p:nvSpPr>
+          <p:cNvPr id="2" name="Espace réservé de l'image des diapositives 1"/>
+          <p:cNvSpPr>
+            <a:spLocks noGrp="1" noRot="1" noChangeAspect="1"/>
+          </p:cNvSpPr>
+          <p:nvPr>
+            <p:ph type="sldImg"/>
+          </p:nvPr>
+        </p:nvSpPr>
+        <p:spPr/>
+      </p:sp>
+      <p:sp>
+        <p:nvSpPr>
+          <p:cNvPr id="3" name="Espace réservé des commentaires 2"/>
+          <p:cNvSpPr>
+            <a:spLocks noGrp="1"/>
+          </p:cNvSpPr>
+          <p:nvPr>
+            <p:ph type="body" idx="1"/>
+          </p:nvPr>
+        </p:nvSpPr>
+        <p:spPr/>
+        <p:txBody>
+          <a:bodyPr/>
+          <a:lstStyle/>
+          <a:p>
+            <a:endParaRPr lang="fr-FR" dirty="0"/>
+          </a:p>
+        </p:txBody>
+      </p:sp>
+      <p:sp>
+        <p:nvSpPr>
+          <p:cNvPr id="4" name="Espace réservé du numéro de diapositive 3"/>
+          <p:cNvSpPr>
+            <a:spLocks noGrp="1"/>
+          </p:cNvSpPr>
+          <p:nvPr>
+            <p:ph type="sldNum" sz="quarter" idx="10"/>
+          </p:nvPr>
+        </p:nvSpPr>
+        <p:spPr/>
+        <p:txBody>
+          <a:bodyPr/>
+          <a:lstStyle/>
+          <a:p>
+            <a:fld id="{58BEE673-8D3B-4BBD-97EB-7004EF7CF6EF}" type="slidenum">
+              <a:rPr lang="fr-FR" smtClean="0"/>
+              <a:t>70</a:t>
+            </a:fld>
+            <a:endParaRPr lang="fr-FR" dirty="0"/>
+          </a:p>
+        </p:txBody>
+      </p:sp>
+    </p:spTree>
+    <p:extLst>
+      <p:ext uri="{BB962C8B-B14F-4D97-AF65-F5344CB8AC3E}">
+        <p14:creationId xmlns:p14="http://schemas.microsoft.com/office/powerpoint/2010/main" val="4283531152"/>
       </p:ext>
     </p:extLst>
   </p:cSld>
@@ -23838,7 +25198,7 @@
           <a:p>
             <a:r>
               <a:rPr lang="fr-FR" dirty="0" smtClean="0"/>
-              <a:t>Style de codage</a:t>
+              <a:t>Définir des fonctions</a:t>
             </a:r>
             <a:endParaRPr lang="fr-FR" b="1" i="1" dirty="0">
               <a:solidFill>
@@ -23860,8 +25220,8 @@
         </p:nvSpPr>
         <p:spPr>
           <a:xfrm>
-            <a:off x="1327869" y="1701579"/>
-            <a:ext cx="10296938" cy="4595853"/>
+            <a:off x="1327869" y="1701580"/>
+            <a:ext cx="10344646" cy="850789"/>
           </a:xfrm>
         </p:spPr>
         <p:txBody>
@@ -23877,158 +25237,7 @@
                   <a:schemeClr val="tx1"/>
                 </a:solidFill>
               </a:rPr>
-              <a:t>Maintenant que vous êtes prêt à écrire des programmes plus longs et plus complexes, il est temps de parler du style de </a:t>
-            </a:r>
-            <a:r>
-              <a:rPr lang="fr-FR" dirty="0" smtClean="0">
-                <a:solidFill>
-                  <a:schemeClr val="tx1"/>
-                </a:solidFill>
-              </a:rPr>
-              <a:t>codage</a:t>
-            </a:r>
-          </a:p>
-          <a:p>
-            <a:pPr algn="just"/>
-            <a:r>
-              <a:rPr lang="fr-FR" dirty="0" smtClean="0">
-                <a:solidFill>
-                  <a:schemeClr val="tx1"/>
-                </a:solidFill>
-              </a:rPr>
-              <a:t>La </a:t>
-            </a:r>
-            <a:r>
-              <a:rPr lang="fr-FR" dirty="0">
-                <a:solidFill>
-                  <a:schemeClr val="tx1"/>
-                </a:solidFill>
-              </a:rPr>
-              <a:t>plupart des langages peuvent être écrits (ou plutôt formatés) selon différents </a:t>
-            </a:r>
-            <a:r>
-              <a:rPr lang="fr-FR" dirty="0" smtClean="0">
-                <a:solidFill>
-                  <a:schemeClr val="tx1"/>
-                </a:solidFill>
-              </a:rPr>
-              <a:t>styles</a:t>
-            </a:r>
-          </a:p>
-          <a:p>
-            <a:pPr algn="just"/>
-            <a:r>
-              <a:rPr lang="fr-FR" dirty="0" smtClean="0">
-                <a:solidFill>
-                  <a:schemeClr val="tx1"/>
-                </a:solidFill>
-              </a:rPr>
-              <a:t>certains </a:t>
-            </a:r>
-            <a:r>
-              <a:rPr lang="fr-FR" dirty="0">
-                <a:solidFill>
-                  <a:schemeClr val="tx1"/>
-                </a:solidFill>
-              </a:rPr>
-              <a:t>sont plus lisibles que </a:t>
-            </a:r>
-            <a:r>
-              <a:rPr lang="fr-FR" dirty="0" smtClean="0">
-                <a:solidFill>
-                  <a:schemeClr val="tx1"/>
-                </a:solidFill>
-              </a:rPr>
-              <a:t>d’autres</a:t>
-            </a:r>
-          </a:p>
-          <a:p>
-            <a:pPr algn="just"/>
-            <a:r>
-              <a:rPr lang="fr-FR" dirty="0" smtClean="0">
-                <a:solidFill>
-                  <a:schemeClr val="tx1"/>
-                </a:solidFill>
-              </a:rPr>
-              <a:t>Rendre </a:t>
-            </a:r>
-            <a:r>
-              <a:rPr lang="fr-FR" dirty="0">
-                <a:solidFill>
-                  <a:schemeClr val="tx1"/>
-                </a:solidFill>
-              </a:rPr>
-              <a:t>la lecture de votre code plus facile aux autres est toujours une bonne idée, et adopter un bon style de codage peut énormément vous y </a:t>
-            </a:r>
-            <a:r>
-              <a:rPr lang="fr-FR" dirty="0" smtClean="0">
-                <a:solidFill>
-                  <a:schemeClr val="tx1"/>
-                </a:solidFill>
-              </a:rPr>
-              <a:t>aider</a:t>
-            </a:r>
-          </a:p>
-          <a:p>
-            <a:pPr algn="just"/>
-            <a:r>
-              <a:rPr lang="fr-FR" dirty="0">
-                <a:solidFill>
-                  <a:schemeClr val="tx1"/>
-                </a:solidFill>
-              </a:rPr>
-              <a:t>En Python, la </a:t>
-            </a:r>
-            <a:r>
-              <a:rPr lang="fr-FR" b="1" i="1" dirty="0">
-                <a:solidFill>
-                  <a:schemeClr val="accent1"/>
-                </a:solidFill>
-              </a:rPr>
-              <a:t>PEP 8</a:t>
-            </a:r>
-            <a:r>
-              <a:rPr lang="fr-FR" dirty="0">
-                <a:solidFill>
-                  <a:schemeClr val="tx1"/>
-                </a:solidFill>
-              </a:rPr>
-              <a:t> a émergé comme étant un guide auquel la plupart des projets adhèrent ; elle met en avant un style de codage très lisible et agréable à </a:t>
-            </a:r>
-            <a:r>
-              <a:rPr lang="fr-FR" dirty="0" smtClean="0">
-                <a:solidFill>
-                  <a:schemeClr val="tx1"/>
-                </a:solidFill>
-              </a:rPr>
-              <a:t>l’œil</a:t>
-            </a:r>
-          </a:p>
-          <a:p>
-            <a:pPr algn="just"/>
-            <a:r>
-              <a:rPr lang="fr-FR" dirty="0" smtClean="0">
-                <a:solidFill>
-                  <a:schemeClr val="tx1"/>
-                </a:solidFill>
-              </a:rPr>
-              <a:t>Chaque </a:t>
-            </a:r>
-            <a:r>
-              <a:rPr lang="fr-FR" dirty="0">
-                <a:solidFill>
-                  <a:schemeClr val="tx1"/>
-                </a:solidFill>
-              </a:rPr>
-              <a:t>développeur Python devrait donc la lire et s’en inspirer autant que </a:t>
-            </a:r>
-            <a:r>
-              <a:rPr lang="fr-FR" dirty="0" smtClean="0">
-                <a:solidFill>
-                  <a:schemeClr val="tx1"/>
-                </a:solidFill>
-              </a:rPr>
-              <a:t>possible</a:t>
+              <a:t>On peut créer une fonction qui écrit la suite de Fibonacci jusqu’à une limite imposée</a:t>
             </a:r>
             <a:endParaRPr lang="fr-FR" dirty="0">
               <a:solidFill>
@@ -24038,10 +25247,44 @@
           </a:p>
         </p:txBody>
       </p:sp>
+      <p:pic>
+        <p:nvPicPr>
+          <p:cNvPr id="4" name="Image 3"/>
+          <p:cNvPicPr>
+            <a:picLocks noChangeAspect="1"/>
+          </p:cNvPicPr>
+          <p:nvPr/>
+        </p:nvPicPr>
+        <p:blipFill>
+          <a:blip r:embed="rId3"/>
+          <a:stretch>
+            <a:fillRect/>
+          </a:stretch>
+        </p:blipFill>
+        <p:spPr>
+          <a:xfrm>
+            <a:off x="3392763" y="2843279"/>
+            <a:ext cx="5724525" cy="2695575"/>
+          </a:xfrm>
+          <a:prstGeom prst="rect">
+            <a:avLst/>
+          </a:prstGeom>
+          <a:ln>
+            <a:noFill/>
+          </a:ln>
+          <a:effectLst>
+            <a:outerShdw blurRad="292100" dist="139700" dir="2700000" algn="tl" rotWithShape="0">
+              <a:srgbClr val="333333">
+                <a:alpha val="65000"/>
+              </a:srgbClr>
+            </a:outerShdw>
+          </a:effectLst>
+        </p:spPr>
+      </p:pic>
     </p:spTree>
     <p:extLst>
       <p:ext uri="{BB962C8B-B14F-4D97-AF65-F5344CB8AC3E}">
-        <p14:creationId xmlns:p14="http://schemas.microsoft.com/office/powerpoint/2010/main" val="983697788"/>
+        <p14:creationId xmlns:p14="http://schemas.microsoft.com/office/powerpoint/2010/main" val="1828679925"/>
       </p:ext>
     </p:extLst>
   </p:cSld>
@@ -24097,7 +25340,7 @@
           <a:p>
             <a:r>
               <a:rPr lang="fr-FR" dirty="0" smtClean="0"/>
-              <a:t>Style de codage</a:t>
+              <a:t>Définir des fonctions</a:t>
             </a:r>
             <a:endParaRPr lang="fr-FR" b="1" i="1" dirty="0">
               <a:solidFill>
@@ -24119,8 +25362,8 @@
         </p:nvSpPr>
         <p:spPr>
           <a:xfrm>
-            <a:off x="1327869" y="1701579"/>
-            <a:ext cx="10296938" cy="4595853"/>
+            <a:off x="1327869" y="1701580"/>
+            <a:ext cx="10344646" cy="4659463"/>
           </a:xfrm>
         </p:spPr>
         <p:txBody>
@@ -24136,7 +25379,31 @@
                   <a:schemeClr val="tx1"/>
                 </a:solidFill>
               </a:rPr>
-              <a:t>Utilisez des indentations de 4 espaces, et pas de tabulation.</a:t>
+              <a:t>Le mot-clé </a:t>
+            </a:r>
+            <a:r>
+              <a:rPr lang="fr-FR" b="1" i="1" dirty="0">
+                <a:solidFill>
+                  <a:schemeClr val="accent6"/>
+                </a:solidFill>
+              </a:rPr>
+              <a:t>def</a:t>
+            </a:r>
+            <a:r>
+              <a:rPr lang="fr-FR" dirty="0">
+                <a:solidFill>
+                  <a:schemeClr val="tx1"/>
+                </a:solidFill>
+              </a:rPr>
+              <a:t> introduit une définition de </a:t>
+            </a:r>
+            <a:r>
+              <a:rPr lang="fr-FR" dirty="0" smtClean="0">
+                <a:solidFill>
+                  <a:schemeClr val="tx1"/>
+                </a:solidFill>
+              </a:rPr>
+              <a:t>fonction</a:t>
             </a:r>
           </a:p>
           <a:p>
@@ -24147,7 +25414,7 @@
                   <a:schemeClr val="tx1"/>
                 </a:solidFill>
               </a:rPr>
-              <a:t>4 </a:t>
+              <a:t>Il </a:t>
             </a:r>
             <a:r>
               <a:rPr lang="fr-FR" dirty="0">
@@ -24155,7 +25422,15 @@
                   <a:schemeClr val="tx1"/>
                 </a:solidFill>
               </a:rPr>
-              <a:t>espaces constituent un bon compromis entre une indentation courte (qui permet une profondeur d’imbrication plus importante) et une longue (qui rend le code plus facile à lire). Les tabulations introduisent de la confusion, et doivent être proscrites autant que possible.</a:t>
+              <a:t>doit être suivi du nom de la fonction et d’une liste entre parenthèses de ses </a:t>
+            </a:r>
+            <a:r>
+              <a:rPr lang="fr-FR" dirty="0" smtClean="0">
+                <a:solidFill>
+                  <a:schemeClr val="tx1"/>
+                </a:solidFill>
+              </a:rPr>
+              <a:t>paramètres</a:t>
             </a:r>
           </a:p>
           <a:p>
@@ -24166,7 +25441,7 @@
                   <a:schemeClr val="tx1"/>
                 </a:solidFill>
               </a:rPr>
-              <a:t>Faites </a:t>
+              <a:t>L’instruction </a:t>
             </a:r>
             <a:r>
               <a:rPr lang="fr-FR" dirty="0">
@@ -24174,26 +25449,34 @@
                   <a:schemeClr val="tx1"/>
                 </a:solidFill>
               </a:rPr>
-              <a:t>des retours à la ligne, de telle sorte qu’elles n’excèdent pas 79 caractères.</a:t>
+              <a:t>qui constitue le corps de la fonction débute à la ligne suivante, et doit être </a:t>
+            </a:r>
+            <a:r>
+              <a:rPr lang="fr-FR" dirty="0" smtClean="0">
+                <a:solidFill>
+                  <a:schemeClr val="tx1"/>
+                </a:solidFill>
+              </a:rPr>
+              <a:t>indentée</a:t>
             </a:r>
           </a:p>
           <a:p>
             <a:pPr algn="just"/>
             <a:r>
-              <a:rPr lang="fr-FR" dirty="0" smtClean="0">
-                <a:solidFill>
-                  <a:schemeClr val="tx1"/>
-                </a:solidFill>
-              </a:rPr>
-              <a:t>Ceci </a:t>
-            </a:r>
-            <a:r>
               <a:rPr lang="fr-FR" dirty="0">
                 <a:solidFill>
                   <a:schemeClr val="tx1"/>
                 </a:solidFill>
               </a:rPr>
-              <a:t>aide les utilisateurs ne disposant que de petits écrans, et permet sur de plus grands de disposer plusieurs fichiers côte à côte sans difficulté.</a:t>
+              <a:t>La première instruction d’une fonction peut, de façon facultative, être une chaîne de caractères </a:t>
+            </a:r>
+            <a:r>
+              <a:rPr lang="fr-FR" dirty="0" smtClean="0">
+                <a:solidFill>
+                  <a:schemeClr val="tx1"/>
+                </a:solidFill>
+              </a:rPr>
+              <a:t>littérale</a:t>
             </a:r>
           </a:p>
           <a:p>
@@ -24204,7 +25487,7 @@
                   <a:schemeClr val="tx1"/>
                 </a:solidFill>
               </a:rPr>
-              <a:t>Utilisez </a:t>
+              <a:t>Cette </a:t>
             </a:r>
             <a:r>
               <a:rPr lang="fr-FR" dirty="0">
@@ -24212,8 +25495,21 @@
                   <a:schemeClr val="tx1"/>
                 </a:solidFill>
               </a:rPr>
-              <a:t>des lignes vides pour séparer les fonctions et les classes, ou pour scinder de gros blocs de code à l’intérieur de fonctions.</a:t>
-            </a:r>
+              <a:t>chaîne de caractères sera alors la chaîne de documentation de la fonction, ou </a:t>
+            </a:r>
+            <a:r>
+              <a:rPr lang="fr-FR" b="1" i="1" dirty="0" smtClean="0">
+                <a:solidFill>
+                  <a:schemeClr val="tx1"/>
+                </a:solidFill>
+              </a:rPr>
+              <a:t>docstring</a:t>
+            </a:r>
+            <a:endParaRPr lang="fr-FR" dirty="0" smtClean="0">
+              <a:solidFill>
+                <a:schemeClr val="tx1"/>
+              </a:solidFill>
+            </a:endParaRPr>
           </a:p>
           <a:p>
             <a:pPr algn="just"/>
@@ -24223,7 +25519,7 @@
                   <a:schemeClr val="tx1"/>
                 </a:solidFill>
               </a:rPr>
-              <a:t>Lorsque </a:t>
+              <a:t>Il </a:t>
             </a:r>
             <a:r>
               <a:rPr lang="fr-FR" dirty="0">
@@ -24231,34 +25527,7 @@
                   <a:schemeClr val="tx1"/>
                 </a:solidFill>
               </a:rPr>
-              <a:t>c’est possible, placez les commentaires sur leur propres lignes.</a:t>
-            </a:r>
-          </a:p>
-          <a:p>
-            <a:pPr algn="just"/>
-            <a:r>
-              <a:rPr lang="fr-FR" dirty="0" smtClean="0">
-                <a:solidFill>
-                  <a:schemeClr val="tx1"/>
-                </a:solidFill>
-              </a:rPr>
-              <a:t>Utilisez </a:t>
-            </a:r>
-            <a:r>
-              <a:rPr lang="fr-FR" dirty="0">
-                <a:solidFill>
-                  <a:schemeClr val="tx1"/>
-                </a:solidFill>
-              </a:rPr>
-              <a:t>les chaînes de </a:t>
-            </a:r>
-            <a:r>
-              <a:rPr lang="fr-FR" dirty="0" smtClean="0">
-                <a:solidFill>
-                  <a:schemeClr val="tx1"/>
-                </a:solidFill>
-              </a:rPr>
-              <a:t>documentation</a:t>
+              <a:t>existe des outils qui utilisent ces chaînes de documentation pour générer automatiquement une documentation en ligne ou imprimée, ou pour permettre à l’utilisateur de naviguer de façon interactive dans le code ; prenez-en l’habitude, c’est une bonne habitude que de documenter le code que vous écrivez !</a:t>
             </a:r>
             <a:endParaRPr lang="fr-FR" dirty="0">
               <a:solidFill>
@@ -24271,7 +25540,7 @@
     </p:spTree>
     <p:extLst>
       <p:ext uri="{BB962C8B-B14F-4D97-AF65-F5344CB8AC3E}">
-        <p14:creationId xmlns:p14="http://schemas.microsoft.com/office/powerpoint/2010/main" val="1701520310"/>
+        <p14:creationId xmlns:p14="http://schemas.microsoft.com/office/powerpoint/2010/main" val="1534022420"/>
       </p:ext>
     </p:extLst>
   </p:cSld>
@@ -24327,7 +25596,7 @@
           <a:p>
             <a:r>
               <a:rPr lang="fr-FR" dirty="0" smtClean="0"/>
-              <a:t>Style de codage</a:t>
+              <a:t>Définir des fonctions</a:t>
             </a:r>
             <a:endParaRPr lang="fr-FR" b="1" i="1" dirty="0">
               <a:solidFill>
@@ -24349,8 +25618,8 @@
         </p:nvSpPr>
         <p:spPr>
           <a:xfrm>
-            <a:off x="1327869" y="1701579"/>
-            <a:ext cx="10296938" cy="4595853"/>
+            <a:off x="1327869" y="1701580"/>
+            <a:ext cx="10344646" cy="4659463"/>
           </a:xfrm>
         </p:spPr>
         <p:txBody>
@@ -24361,20 +25630,20 @@
           <a:p>
             <a:pPr algn="just"/>
             <a:r>
-              <a:rPr lang="fr-FR" dirty="0" smtClean="0">
-                <a:solidFill>
-                  <a:schemeClr val="tx1"/>
-                </a:solidFill>
-              </a:rPr>
-              <a:t>Utilisez </a:t>
-            </a:r>
-            <a:r>
               <a:rPr lang="fr-FR" dirty="0">
                 <a:solidFill>
                   <a:schemeClr val="tx1"/>
                 </a:solidFill>
               </a:rPr>
-              <a:t>des espaces autour des opérateurs et après les virgules, mais pas directement à l’intérieur des parenthèses : a = f(1, 2) + g(3, 4).</a:t>
+              <a:t>L’exécution d’une fonction introduit une nouvelle table de symboles utilisée par les variables locales de la </a:t>
+            </a:r>
+            <a:r>
+              <a:rPr lang="fr-FR" dirty="0" smtClean="0">
+                <a:solidFill>
+                  <a:schemeClr val="tx1"/>
+                </a:solidFill>
+              </a:rPr>
+              <a:t>fonction</a:t>
             </a:r>
           </a:p>
           <a:p>
@@ -24385,7 +25654,7 @@
                   <a:schemeClr val="tx1"/>
                 </a:solidFill>
               </a:rPr>
-              <a:t>Nommez </a:t>
+              <a:t>Plus </a:t>
             </a:r>
             <a:r>
               <a:rPr lang="fr-FR" dirty="0">
@@ -24393,15 +25662,58 @@
                   <a:schemeClr val="tx1"/>
                 </a:solidFill>
               </a:rPr>
-              <a:t>toujours vos classes et fonctions de la même manière ; la convention est d’utiliser une notation </a:t>
+              <a:t>précisément, toutes les affectations de variables effectuées au sein d’une fonction stockent la valeur dans la table de symboles locale ; tandis que les références de variables sont recherchées dans la table de symboles locale, puis dans la table de symboles locale des fonctions englobantes, puis dans la table de symboles globale et </a:t>
+            </a:r>
+            <a:r>
+              <a:rPr lang="fr-FR" dirty="0" smtClean="0">
+                <a:solidFill>
+                  <a:schemeClr val="tx1"/>
+                </a:solidFill>
+              </a:rPr>
+              <a:t>finalement </a:t>
+            </a:r>
+            <a:r>
+              <a:rPr lang="fr-FR" dirty="0">
+                <a:solidFill>
+                  <a:schemeClr val="tx1"/>
+                </a:solidFill>
+              </a:rPr>
+              <a:t>dans la table de noms des </a:t>
+            </a:r>
+            <a:r>
+              <a:rPr lang="fr-FR" dirty="0" smtClean="0">
+                <a:solidFill>
+                  <a:schemeClr val="tx1"/>
+                </a:solidFill>
+              </a:rPr>
+              <a:t>primitives</a:t>
+            </a:r>
+          </a:p>
+          <a:p>
+            <a:pPr algn="just"/>
+            <a:r>
+              <a:rPr lang="fr-FR" dirty="0" smtClean="0">
+                <a:solidFill>
+                  <a:schemeClr val="tx1"/>
+                </a:solidFill>
+              </a:rPr>
+              <a:t>Par </a:t>
+            </a:r>
+            <a:r>
+              <a:rPr lang="fr-FR" dirty="0">
+                <a:solidFill>
+                  <a:schemeClr val="tx1"/>
+                </a:solidFill>
+              </a:rPr>
+              <a:t>conséquent, il est impossible d’affecter une valeur à une variable globale (sauf en utilisant une instruction </a:t>
             </a:r>
             <a:r>
               <a:rPr lang="fr-FR" b="1" i="1" dirty="0">
                 <a:solidFill>
-                  <a:schemeClr val="accent1"/>
-                </a:solidFill>
-              </a:rPr>
-              <a:t>CamelCase</a:t>
+                  <a:schemeClr val="accent6"/>
+                </a:solidFill>
+              </a:rPr>
+              <a:t>global</a:t>
             </a:r>
             <a:r>
               <a:rPr lang="fr-FR" dirty="0">
@@ -24409,93 +25721,7 @@
                   <a:schemeClr val="tx1"/>
                 </a:solidFill>
               </a:rPr>
-              <a:t> pour les classes, et </a:t>
-            </a:r>
-            <a:r>
-              <a:rPr lang="fr-FR" b="1" i="1" dirty="0">
-                <a:solidFill>
-                  <a:schemeClr val="accent1"/>
-                </a:solidFill>
-              </a:rPr>
-              <a:t>minuscules_avec_trait_bas</a:t>
-            </a:r>
-            <a:r>
-              <a:rPr lang="fr-FR" dirty="0">
-                <a:solidFill>
-                  <a:schemeClr val="tx1"/>
-                </a:solidFill>
-              </a:rPr>
-              <a:t> pour les fonctions et méthodes. Utilisez toujours </a:t>
-            </a:r>
-            <a:r>
-              <a:rPr lang="fr-FR" b="1" i="1" dirty="0">
-                <a:solidFill>
-                  <a:schemeClr val="accent1"/>
-                </a:solidFill>
-              </a:rPr>
-              <a:t>self</a:t>
-            </a:r>
-            <a:r>
-              <a:rPr lang="fr-FR" dirty="0">
-                <a:solidFill>
-                  <a:schemeClr val="tx1"/>
-                </a:solidFill>
-              </a:rPr>
-              <a:t> comme nom du premier argument des méthodes (voyez </a:t>
-            </a:r>
-            <a:r>
-              <a:rPr lang="fr-FR" dirty="0" smtClean="0">
-                <a:solidFill>
-                  <a:schemeClr val="tx1"/>
-                </a:solidFill>
-              </a:rPr>
-              <a:t>une </a:t>
-            </a:r>
-            <a:r>
-              <a:rPr lang="fr-FR" dirty="0">
-                <a:solidFill>
-                  <a:schemeClr val="tx1"/>
-                </a:solidFill>
-              </a:rPr>
-              <a:t>première approche des classes pour en savoir plus sur les classes et les méthodes).</a:t>
-            </a:r>
-          </a:p>
-          <a:p>
-            <a:pPr algn="just"/>
-            <a:r>
-              <a:rPr lang="fr-FR" dirty="0" smtClean="0">
-                <a:solidFill>
-                  <a:schemeClr val="tx1"/>
-                </a:solidFill>
-              </a:rPr>
-              <a:t>N’utilisez </a:t>
-            </a:r>
-            <a:r>
-              <a:rPr lang="fr-FR" dirty="0">
-                <a:solidFill>
-                  <a:schemeClr val="tx1"/>
-                </a:solidFill>
-              </a:rPr>
-              <a:t>pas d’encodages exotiques dès lors que votre code est sensé être utilisé dans des environnements internationaux. Par défaut, Python travaille en UTF-8, ou sinon du simple ASCII fonctionne dans la plupart des cas.</a:t>
-            </a:r>
-          </a:p>
-          <a:p>
-            <a:pPr algn="just"/>
-            <a:r>
-              <a:rPr lang="fr-FR" dirty="0" smtClean="0">
-                <a:solidFill>
-                  <a:schemeClr val="tx1"/>
-                </a:solidFill>
-              </a:rPr>
-              <a:t>De </a:t>
-            </a:r>
-            <a:r>
-              <a:rPr lang="fr-FR" dirty="0">
-                <a:solidFill>
-                  <a:schemeClr val="tx1"/>
-                </a:solidFill>
-              </a:rPr>
-              <a:t>la même manière, n’utilisez que des caractères ASCII pour vos noms de variables si vous soupçonnez qu’un personne parlant une autre langue lira ou devra modifier votre code.</a:t>
+              <a:t>), bien qu’elles puissent être référencée</a:t>
             </a:r>
             <a:endParaRPr lang="fr-FR" dirty="0">
               <a:solidFill>
@@ -24508,7 +25734,7 @@
     </p:spTree>
     <p:extLst>
       <p:ext uri="{BB962C8B-B14F-4D97-AF65-F5344CB8AC3E}">
-        <p14:creationId xmlns:p14="http://schemas.microsoft.com/office/powerpoint/2010/main" val="4243432789"/>
+        <p14:creationId xmlns:p14="http://schemas.microsoft.com/office/powerpoint/2010/main" val="3376753861"/>
       </p:ext>
     </p:extLst>
   </p:cSld>
@@ -24564,9 +25790,13 @@
           <a:p>
             <a:r>
               <a:rPr lang="fr-FR" dirty="0" smtClean="0"/>
-              <a:t>Références</a:t>
-            </a:r>
-            <a:endParaRPr lang="fr-FR" dirty="0"/>
+              <a:t>Définir des fonctions</a:t>
+            </a:r>
+            <a:endParaRPr lang="fr-FR" b="1" i="1" dirty="0">
+              <a:solidFill>
+                <a:schemeClr val="accent6"/>
+              </a:solidFill>
+            </a:endParaRPr>
           </a:p>
         </p:txBody>
       </p:sp>
@@ -24582,100 +25812,78 @@
         </p:nvSpPr>
         <p:spPr>
           <a:xfrm>
-            <a:off x="1661823" y="1542413"/>
-            <a:ext cx="9842789" cy="2965977"/>
+            <a:off x="1327869" y="1701580"/>
+            <a:ext cx="10344646" cy="4659463"/>
           </a:xfrm>
         </p:spPr>
         <p:txBody>
           <a:bodyPr anchor="ctr" anchorCtr="0">
-            <a:normAutofit/>
+            <a:noAutofit/>
           </a:bodyPr>
           <a:lstStyle/>
           <a:p>
             <a:pPr algn="just"/>
             <a:r>
-              <a:rPr lang="fr-FR" dirty="0" smtClean="0">
-                <a:solidFill>
-                  <a:schemeClr val="tx1"/>
-                </a:solidFill>
-              </a:rPr>
-              <a:t>Python.org </a:t>
-            </a:r>
-            <a:r>
               <a:rPr lang="fr-FR" dirty="0">
                 <a:solidFill>
                   <a:schemeClr val="tx1"/>
                 </a:solidFill>
               </a:rPr>
-              <a:t>: </a:t>
+              <a:t>Les paramètres effectifs (arguments) d’une fonction sont introduits dans la table de symboles locale de la fonction appelée lorsqu’elle est </a:t>
+            </a:r>
+            <a:r>
+              <a:rPr lang="fr-FR" dirty="0" smtClean="0">
+                <a:solidFill>
+                  <a:schemeClr val="tx1"/>
+                </a:solidFill>
+              </a:rPr>
+              <a:t>appelée</a:t>
+            </a:r>
+          </a:p>
+          <a:p>
+            <a:pPr algn="just"/>
+            <a:r>
+              <a:rPr lang="fr-FR" dirty="0" smtClean="0">
+                <a:solidFill>
+                  <a:schemeClr val="tx1"/>
+                </a:solidFill>
+              </a:rPr>
+              <a:t>Par </a:t>
             </a:r>
             <a:r>
               <a:rPr lang="fr-FR" dirty="0">
                 <a:solidFill>
                   <a:schemeClr val="tx1"/>
                 </a:solidFill>
-                <a:hlinkClick r:id="rId3"/>
-              </a:rPr>
-              <a:t>https://www.python.org</a:t>
-            </a:r>
-            <a:r>
-              <a:rPr lang="fr-FR" dirty="0" smtClean="0">
-                <a:solidFill>
-                  <a:schemeClr val="tx1"/>
-                </a:solidFill>
-                <a:hlinkClick r:id="rId3"/>
-              </a:rPr>
-              <a:t>/</a:t>
-            </a:r>
-            <a:endParaRPr lang="fr-FR" dirty="0" smtClean="0">
-              <a:solidFill>
-                <a:schemeClr val="tx1"/>
-              </a:solidFill>
-            </a:endParaRPr>
+              </a:rPr>
+              <a:t>conséquent, les passages de paramètres se font par valeur, la valeur étant toujours une référence à un objet, et non la valeur de l’objet </a:t>
+            </a:r>
+            <a:r>
+              <a:rPr lang="fr-FR" dirty="0" smtClean="0">
+                <a:solidFill>
+                  <a:schemeClr val="tx1"/>
+                </a:solidFill>
+              </a:rPr>
+              <a:t>lui-même.</a:t>
+            </a:r>
           </a:p>
           <a:p>
             <a:pPr algn="just"/>
             <a:r>
+              <a:rPr lang="fr-FR" dirty="0" smtClean="0">
+                <a:solidFill>
+                  <a:schemeClr val="tx1"/>
+                </a:solidFill>
+              </a:rPr>
+              <a:t>Lorsqu’une </a:t>
+            </a:r>
+            <a:r>
               <a:rPr lang="fr-FR" dirty="0">
                 <a:solidFill>
                   <a:schemeClr val="tx1"/>
                 </a:solidFill>
               </a:rPr>
-              <a:t>Learning Python : </a:t>
-            </a:r>
-            <a:r>
-              <a:rPr lang="fr-FR" dirty="0">
-                <a:solidFill>
-                  <a:schemeClr val="tx1"/>
-                </a:solidFill>
-                <a:hlinkClick r:id="rId4"/>
-              </a:rPr>
-              <a:t>https://</a:t>
-            </a:r>
-            <a:r>
-              <a:rPr lang="fr-FR" dirty="0" smtClean="0">
-                <a:solidFill>
-                  <a:schemeClr val="tx1"/>
-                </a:solidFill>
-                <a:hlinkClick r:id="rId4"/>
-              </a:rPr>
-              <a:t>github.com/thierrydecker/learning-python</a:t>
-            </a:r>
-            <a:endParaRPr lang="fr-FR" dirty="0" smtClean="0">
-              <a:solidFill>
-                <a:schemeClr val="tx1"/>
-              </a:solidFill>
-            </a:endParaRPr>
-          </a:p>
-          <a:p>
-            <a:pPr algn="just"/>
-            <a:r>
-              <a:rPr lang="fr-FR" dirty="0" smtClean="0">
-                <a:solidFill>
-                  <a:schemeClr val="tx1"/>
-                </a:solidFill>
-              </a:rPr>
-              <a:t>…</a:t>
+              <a:t>fonction appelle une autre fonction, une nouvelle table de symboles locale est créée pour cet appel</a:t>
             </a:r>
             <a:endParaRPr lang="fr-FR" dirty="0">
               <a:solidFill>
@@ -24688,7 +25896,7 @@
     </p:spTree>
     <p:extLst>
       <p:ext uri="{BB962C8B-B14F-4D97-AF65-F5344CB8AC3E}">
-        <p14:creationId xmlns:p14="http://schemas.microsoft.com/office/powerpoint/2010/main" val="3875151851"/>
+        <p14:creationId xmlns:p14="http://schemas.microsoft.com/office/powerpoint/2010/main" val="1662566887"/>
       </p:ext>
     </p:extLst>
   </p:cSld>
@@ -24744,9 +25952,13 @@
           <a:p>
             <a:r>
               <a:rPr lang="fr-FR" dirty="0" smtClean="0"/>
-              <a:t>Outils</a:t>
-            </a:r>
-            <a:endParaRPr lang="fr-FR" dirty="0"/>
+              <a:t>Définir des fonctions</a:t>
+            </a:r>
+            <a:endParaRPr lang="fr-FR" b="1" i="1" dirty="0">
+              <a:solidFill>
+                <a:schemeClr val="accent6"/>
+              </a:solidFill>
+            </a:endParaRPr>
           </a:p>
         </p:txBody>
       </p:sp>
@@ -24762,64 +25974,60 @@
         </p:nvSpPr>
         <p:spPr>
           <a:xfrm>
-            <a:off x="1661823" y="1542413"/>
-            <a:ext cx="9842789" cy="2965977"/>
+            <a:off x="1327869" y="1701581"/>
+            <a:ext cx="10344646" cy="2759102"/>
           </a:xfrm>
         </p:spPr>
         <p:txBody>
           <a:bodyPr anchor="ctr" anchorCtr="0">
-            <a:normAutofit/>
+            <a:noAutofit/>
           </a:bodyPr>
           <a:lstStyle/>
           <a:p>
             <a:pPr algn="just"/>
             <a:r>
-              <a:rPr lang="fr-FR" dirty="0" smtClean="0">
-                <a:solidFill>
-                  <a:schemeClr val="tx1"/>
-                </a:solidFill>
-              </a:rPr>
-              <a:t>IDE </a:t>
-            </a:r>
-            <a:r>
-              <a:rPr lang="fr-FR" dirty="0" smtClean="0">
-                <a:solidFill>
-                  <a:schemeClr val="tx1"/>
-                </a:solidFill>
-              </a:rPr>
-              <a:t>Pycharm Community</a:t>
-            </a:r>
-            <a:r>
               <a:rPr lang="fr-FR" dirty="0">
                 <a:solidFill>
                   <a:schemeClr val="tx1"/>
                 </a:solidFill>
               </a:rPr>
-              <a:t> : </a:t>
+              <a:t>Une définition de fonction introduit le nom de la fonction dans la table de symboles </a:t>
+            </a:r>
+            <a:r>
+              <a:rPr lang="fr-FR" dirty="0" smtClean="0">
+                <a:solidFill>
+                  <a:schemeClr val="tx1"/>
+                </a:solidFill>
+              </a:rPr>
+              <a:t>courante</a:t>
+            </a:r>
+          </a:p>
+          <a:p>
+            <a:pPr algn="just"/>
+            <a:r>
+              <a:rPr lang="fr-FR" dirty="0" smtClean="0">
+                <a:solidFill>
+                  <a:schemeClr val="tx1"/>
+                </a:solidFill>
+              </a:rPr>
+              <a:t>La </a:t>
             </a:r>
             <a:r>
               <a:rPr lang="fr-FR" dirty="0">
                 <a:solidFill>
                   <a:schemeClr val="tx1"/>
                 </a:solidFill>
-                <a:hlinkClick r:id="rId3"/>
-              </a:rPr>
-              <a:t>https://www.jetbrains.com/pycharm</a:t>
-            </a:r>
-            <a:r>
-              <a:rPr lang="fr-FR" dirty="0" smtClean="0">
-                <a:solidFill>
-                  <a:schemeClr val="tx1"/>
-                </a:solidFill>
-                <a:hlinkClick r:id="rId3"/>
-              </a:rPr>
-              <a:t>/</a:t>
-            </a:r>
-            <a:endParaRPr lang="fr-FR" dirty="0" smtClean="0">
-              <a:solidFill>
-                <a:schemeClr val="tx1"/>
-              </a:solidFill>
-            </a:endParaRPr>
+              </a:rPr>
+              <a:t>valeur du nom de la fonction est un type qui est reconnu par l’interpréteur comme une fonction </a:t>
+            </a:r>
+            <a:r>
+              <a:rPr lang="fr-FR" dirty="0" smtClean="0">
+                <a:solidFill>
+                  <a:schemeClr val="tx1"/>
+                </a:solidFill>
+              </a:rPr>
+              <a:t>utilisateur</a:t>
+            </a:r>
           </a:p>
           <a:p>
             <a:pPr algn="just"/>
@@ -24829,7 +26037,7 @@
                   <a:schemeClr val="tx1"/>
                 </a:solidFill>
               </a:rPr>
-              <a:t>Analyse en ligne de code Python </a:t>
+              <a:t>Cette </a:t>
             </a:r>
             <a:r>
               <a:rPr lang="fr-FR" dirty="0">
@@ -24837,41 +26045,34 @@
                   <a:schemeClr val="tx1"/>
                 </a:solidFill>
               </a:rPr>
-              <a:t>: </a:t>
+              <a:t>valeur peut être affectée à un autre nom qui pourra alors être utilisé également comme une </a:t>
+            </a:r>
+            <a:r>
+              <a:rPr lang="fr-FR" dirty="0" smtClean="0">
+                <a:solidFill>
+                  <a:schemeClr val="tx1"/>
+                </a:solidFill>
+              </a:rPr>
+              <a:t>fonction</a:t>
+            </a:r>
+          </a:p>
+          <a:p>
+            <a:pPr algn="just"/>
+            <a:r>
+              <a:rPr lang="fr-FR" dirty="0" smtClean="0">
+                <a:solidFill>
+                  <a:schemeClr val="tx1"/>
+                </a:solidFill>
+              </a:rPr>
+              <a:t>Ceci </a:t>
             </a:r>
             <a:r>
               <a:rPr lang="fr-FR" dirty="0">
                 <a:solidFill>
                   <a:schemeClr val="tx1"/>
                 </a:solidFill>
-                <a:hlinkClick r:id="rId4"/>
-              </a:rPr>
-              <a:t>http://www.pythontutor.com</a:t>
-            </a:r>
-            <a:r>
-              <a:rPr lang="fr-FR" dirty="0" smtClean="0">
-                <a:solidFill>
-                  <a:schemeClr val="tx1"/>
-                </a:solidFill>
-                <a:hlinkClick r:id="rId4"/>
-              </a:rPr>
-              <a:t>/</a:t>
-            </a:r>
-            <a:endParaRPr lang="fr-FR" dirty="0" smtClean="0">
-              <a:solidFill>
-                <a:schemeClr val="tx1"/>
-              </a:solidFill>
-            </a:endParaRPr>
-          </a:p>
-          <a:p>
-            <a:pPr algn="just"/>
-            <a:r>
-              <a:rPr lang="fr-FR" dirty="0" smtClean="0">
-                <a:solidFill>
-                  <a:schemeClr val="tx1"/>
-                </a:solidFill>
-              </a:rPr>
-              <a:t>…</a:t>
+              </a:rPr>
+              <a:t>fournit un mécanisme de renommage général</a:t>
             </a:r>
             <a:endParaRPr lang="fr-FR" dirty="0">
               <a:solidFill>
@@ -24881,10 +26082,1396 @@
           </a:p>
         </p:txBody>
       </p:sp>
+      <p:pic>
+        <p:nvPicPr>
+          <p:cNvPr id="4" name="Image 3"/>
+          <p:cNvPicPr>
+            <a:picLocks noChangeAspect="1"/>
+          </p:cNvPicPr>
+          <p:nvPr/>
+        </p:nvPicPr>
+        <p:blipFill>
+          <a:blip r:embed="rId3"/>
+          <a:stretch>
+            <a:fillRect/>
+          </a:stretch>
+        </p:blipFill>
+        <p:spPr>
+          <a:xfrm>
+            <a:off x="4130785" y="4460683"/>
+            <a:ext cx="4057650" cy="1400175"/>
+          </a:xfrm>
+          <a:prstGeom prst="rect">
+            <a:avLst/>
+          </a:prstGeom>
+          <a:ln>
+            <a:noFill/>
+          </a:ln>
+          <a:effectLst>
+            <a:outerShdw blurRad="292100" dist="139700" dir="2700000" algn="tl" rotWithShape="0">
+              <a:srgbClr val="333333">
+                <a:alpha val="65000"/>
+              </a:srgbClr>
+            </a:outerShdw>
+          </a:effectLst>
+        </p:spPr>
+      </p:pic>
     </p:spTree>
     <p:extLst>
       <p:ext uri="{BB962C8B-B14F-4D97-AF65-F5344CB8AC3E}">
-        <p14:creationId xmlns:p14="http://schemas.microsoft.com/office/powerpoint/2010/main" val="3475247113"/>
+        <p14:creationId xmlns:p14="http://schemas.microsoft.com/office/powerpoint/2010/main" val="2095255391"/>
+      </p:ext>
+    </p:extLst>
+  </p:cSld>
+  <p:clrMapOvr>
+    <a:masterClrMapping/>
+  </p:clrMapOvr>
+  <p:timing>
+    <p:tnLst>
+      <p:par>
+        <p:cTn id="1" dur="indefinite" restart="never" nodeType="tmRoot"/>
+      </p:par>
+    </p:tnLst>
+  </p:timing>
+</p:sld>
+</file>
+
+<file path=ppt/slides/slide55.xml><?xml version="1.0" encoding="utf-8"?>
+<p:sld xmlns:a="http://schemas.openxmlformats.org/drawingml/2006/main" xmlns:r="http://schemas.openxmlformats.org/officeDocument/2006/relationships" xmlns:p="http://schemas.openxmlformats.org/presentationml/2006/main">
+  <p:cSld>
+    <p:spTree>
+      <p:nvGrpSpPr>
+        <p:cNvPr id="1" name=""/>
+        <p:cNvGrpSpPr/>
+        <p:nvPr/>
+      </p:nvGrpSpPr>
+      <p:grpSpPr>
+        <a:xfrm>
+          <a:off x="0" y="0"/>
+          <a:ext cx="0" cy="0"/>
+          <a:chOff x="0" y="0"/>
+          <a:chExt cx="0" cy="0"/>
+        </a:xfrm>
+      </p:grpSpPr>
+      <p:sp>
+        <p:nvSpPr>
+          <p:cNvPr id="2" name="Titre 1"/>
+          <p:cNvSpPr>
+            <a:spLocks noGrp="1"/>
+          </p:cNvSpPr>
+          <p:nvPr>
+            <p:ph type="title"/>
+          </p:nvPr>
+        </p:nvSpPr>
+        <p:spPr>
+          <a:xfrm>
+            <a:off x="2592925" y="624110"/>
+            <a:ext cx="8911687" cy="1280890"/>
+          </a:xfrm>
+        </p:spPr>
+        <p:txBody>
+          <a:bodyPr/>
+          <a:lstStyle/>
+          <a:p>
+            <a:r>
+              <a:rPr lang="fr-FR" dirty="0" smtClean="0"/>
+              <a:t>Définir des fonctions</a:t>
+            </a:r>
+            <a:endParaRPr lang="fr-FR" b="1" i="1" dirty="0">
+              <a:solidFill>
+                <a:schemeClr val="accent6"/>
+              </a:solidFill>
+            </a:endParaRPr>
+          </a:p>
+        </p:txBody>
+      </p:sp>
+      <p:sp>
+        <p:nvSpPr>
+          <p:cNvPr id="3" name="Espace réservé du contenu 2"/>
+          <p:cNvSpPr>
+            <a:spLocks noGrp="1"/>
+          </p:cNvSpPr>
+          <p:nvPr>
+            <p:ph idx="1"/>
+          </p:nvPr>
+        </p:nvSpPr>
+        <p:spPr>
+          <a:xfrm>
+            <a:off x="1327869" y="1701581"/>
+            <a:ext cx="10344646" cy="2759102"/>
+          </a:xfrm>
+        </p:spPr>
+        <p:txBody>
+          <a:bodyPr anchor="ctr" anchorCtr="0">
+            <a:noAutofit/>
+          </a:bodyPr>
+          <a:lstStyle/>
+          <a:p>
+            <a:pPr algn="just"/>
+            <a:r>
+              <a:rPr lang="fr-FR" dirty="0">
+                <a:solidFill>
+                  <a:schemeClr val="tx1"/>
+                </a:solidFill>
+              </a:rPr>
+              <a:t>Si vous venez d’autres langages, vous pouvez penser que </a:t>
+            </a:r>
+            <a:r>
+              <a:rPr lang="fr-FR" b="1" i="1" dirty="0" err="1" smtClean="0">
+                <a:solidFill>
+                  <a:schemeClr val="accent6"/>
+                </a:solidFill>
+              </a:rPr>
+              <a:t>fibo</a:t>
+            </a:r>
+            <a:r>
+              <a:rPr lang="fr-FR" b="1" i="1" dirty="0" smtClean="0">
+                <a:solidFill>
+                  <a:schemeClr val="accent6"/>
+                </a:solidFill>
+              </a:rPr>
+              <a:t>()</a:t>
+            </a:r>
+            <a:r>
+              <a:rPr lang="fr-FR" dirty="0" smtClean="0">
+                <a:solidFill>
+                  <a:schemeClr val="tx1"/>
+                </a:solidFill>
+              </a:rPr>
+              <a:t> </a:t>
+            </a:r>
+            <a:r>
+              <a:rPr lang="fr-FR" dirty="0">
+                <a:solidFill>
+                  <a:schemeClr val="tx1"/>
+                </a:solidFill>
+              </a:rPr>
+              <a:t>n’est pas une fonction mais une procédure, puisqu’elle ne renvoie pas de </a:t>
+            </a:r>
+            <a:r>
+              <a:rPr lang="fr-FR" dirty="0" smtClean="0">
+                <a:solidFill>
+                  <a:schemeClr val="tx1"/>
+                </a:solidFill>
+              </a:rPr>
+              <a:t>résultat</a:t>
+            </a:r>
+          </a:p>
+          <a:p>
+            <a:pPr algn="just"/>
+            <a:r>
+              <a:rPr lang="fr-FR" dirty="0" smtClean="0">
+                <a:solidFill>
+                  <a:schemeClr val="tx1"/>
+                </a:solidFill>
+              </a:rPr>
+              <a:t>En </a:t>
+            </a:r>
+            <a:r>
+              <a:rPr lang="fr-FR" dirty="0">
+                <a:solidFill>
+                  <a:schemeClr val="tx1"/>
+                </a:solidFill>
+              </a:rPr>
+              <a:t>fait, même les fonctions sans instruction return renvoient une valeur, quoique </a:t>
+            </a:r>
+            <a:r>
+              <a:rPr lang="fr-FR" dirty="0" smtClean="0">
+                <a:solidFill>
+                  <a:schemeClr val="tx1"/>
+                </a:solidFill>
+              </a:rPr>
+              <a:t>ennuyeuse</a:t>
+            </a:r>
+          </a:p>
+          <a:p>
+            <a:pPr algn="just"/>
+            <a:r>
+              <a:rPr lang="fr-FR" dirty="0" smtClean="0">
+                <a:solidFill>
+                  <a:schemeClr val="tx1"/>
+                </a:solidFill>
+              </a:rPr>
+              <a:t>Cette </a:t>
+            </a:r>
+            <a:r>
+              <a:rPr lang="fr-FR" dirty="0">
+                <a:solidFill>
+                  <a:schemeClr val="tx1"/>
+                </a:solidFill>
+              </a:rPr>
+              <a:t>valeur est appelée </a:t>
+            </a:r>
+            <a:r>
+              <a:rPr lang="fr-FR" b="1" i="1" dirty="0">
+                <a:solidFill>
+                  <a:schemeClr val="accent6"/>
+                </a:solidFill>
+              </a:rPr>
+              <a:t>None</a:t>
+            </a:r>
+            <a:r>
+              <a:rPr lang="fr-FR" dirty="0">
+                <a:solidFill>
+                  <a:schemeClr val="tx1"/>
+                </a:solidFill>
+              </a:rPr>
+              <a:t> (c’est le nom d’une </a:t>
+            </a:r>
+            <a:r>
+              <a:rPr lang="fr-FR" dirty="0" smtClean="0">
+                <a:solidFill>
+                  <a:schemeClr val="tx1"/>
+                </a:solidFill>
+              </a:rPr>
+              <a:t>primitive)</a:t>
+            </a:r>
+          </a:p>
+          <a:p>
+            <a:pPr algn="just"/>
+            <a:r>
+              <a:rPr lang="fr-FR" dirty="0" smtClean="0">
+                <a:solidFill>
+                  <a:schemeClr val="tx1"/>
+                </a:solidFill>
+              </a:rPr>
+              <a:t>Écrire </a:t>
+            </a:r>
+            <a:r>
+              <a:rPr lang="fr-FR" dirty="0">
+                <a:solidFill>
+                  <a:schemeClr val="tx1"/>
+                </a:solidFill>
+              </a:rPr>
+              <a:t>la valeur None est normalement supprimé par l’interpréteur lorsqu’il s’agit de la seule value </a:t>
+            </a:r>
+            <a:r>
+              <a:rPr lang="fr-FR" dirty="0" smtClean="0">
+                <a:solidFill>
+                  <a:schemeClr val="tx1"/>
+                </a:solidFill>
+              </a:rPr>
+              <a:t>écrite</a:t>
+            </a:r>
+          </a:p>
+          <a:p>
+            <a:pPr algn="just"/>
+            <a:r>
+              <a:rPr lang="fr-FR" dirty="0" smtClean="0">
+                <a:solidFill>
+                  <a:schemeClr val="tx1"/>
+                </a:solidFill>
+              </a:rPr>
+              <a:t>Vous </a:t>
+            </a:r>
+            <a:r>
+              <a:rPr lang="fr-FR" dirty="0">
+                <a:solidFill>
+                  <a:schemeClr val="tx1"/>
+                </a:solidFill>
+              </a:rPr>
+              <a:t>pouvez le voir si vous y tenez vraiment en utilisant </a:t>
+            </a:r>
+            <a:r>
+              <a:rPr lang="fr-FR" b="1" i="1" dirty="0">
+                <a:solidFill>
+                  <a:schemeClr val="accent6"/>
+                </a:solidFill>
+              </a:rPr>
+              <a:t>print()</a:t>
+            </a:r>
+            <a:endParaRPr lang="fr-FR" b="1" i="1" dirty="0">
+              <a:solidFill>
+                <a:schemeClr val="accent6"/>
+              </a:solidFill>
+            </a:endParaRPr>
+          </a:p>
+        </p:txBody>
+      </p:sp>
+      <p:pic>
+        <p:nvPicPr>
+          <p:cNvPr id="5" name="Image 4"/>
+          <p:cNvPicPr>
+            <a:picLocks noChangeAspect="1"/>
+          </p:cNvPicPr>
+          <p:nvPr/>
+        </p:nvPicPr>
+        <p:blipFill>
+          <a:blip r:embed="rId3"/>
+          <a:stretch>
+            <a:fillRect/>
+          </a:stretch>
+        </p:blipFill>
+        <p:spPr>
+          <a:xfrm>
+            <a:off x="4848493" y="4843586"/>
+            <a:ext cx="2200275" cy="971550"/>
+          </a:xfrm>
+          <a:prstGeom prst="rect">
+            <a:avLst/>
+          </a:prstGeom>
+          <a:ln>
+            <a:noFill/>
+          </a:ln>
+          <a:effectLst>
+            <a:outerShdw blurRad="292100" dist="139700" dir="2700000" algn="tl" rotWithShape="0">
+              <a:srgbClr val="333333">
+                <a:alpha val="65000"/>
+              </a:srgbClr>
+            </a:outerShdw>
+          </a:effectLst>
+        </p:spPr>
+      </p:pic>
+    </p:spTree>
+    <p:extLst>
+      <p:ext uri="{BB962C8B-B14F-4D97-AF65-F5344CB8AC3E}">
+        <p14:creationId xmlns:p14="http://schemas.microsoft.com/office/powerpoint/2010/main" val="3806197911"/>
+      </p:ext>
+    </p:extLst>
+  </p:cSld>
+  <p:clrMapOvr>
+    <a:masterClrMapping/>
+  </p:clrMapOvr>
+  <p:timing>
+    <p:tnLst>
+      <p:par>
+        <p:cTn id="1" dur="indefinite" restart="never" nodeType="tmRoot"/>
+      </p:par>
+    </p:tnLst>
+  </p:timing>
+</p:sld>
+</file>
+
+<file path=ppt/slides/slide56.xml><?xml version="1.0" encoding="utf-8"?>
+<p:sld xmlns:a="http://schemas.openxmlformats.org/drawingml/2006/main" xmlns:r="http://schemas.openxmlformats.org/officeDocument/2006/relationships" xmlns:p="http://schemas.openxmlformats.org/presentationml/2006/main">
+  <p:cSld>
+    <p:spTree>
+      <p:nvGrpSpPr>
+        <p:cNvPr id="1" name=""/>
+        <p:cNvGrpSpPr/>
+        <p:nvPr/>
+      </p:nvGrpSpPr>
+      <p:grpSpPr>
+        <a:xfrm>
+          <a:off x="0" y="0"/>
+          <a:ext cx="0" cy="0"/>
+          <a:chOff x="0" y="0"/>
+          <a:chExt cx="0" cy="0"/>
+        </a:xfrm>
+      </p:grpSpPr>
+      <p:sp>
+        <p:nvSpPr>
+          <p:cNvPr id="2" name="Titre 1"/>
+          <p:cNvSpPr>
+            <a:spLocks noGrp="1"/>
+          </p:cNvSpPr>
+          <p:nvPr>
+            <p:ph type="title"/>
+          </p:nvPr>
+        </p:nvSpPr>
+        <p:spPr>
+          <a:xfrm>
+            <a:off x="2592925" y="624110"/>
+            <a:ext cx="8911687" cy="1280890"/>
+          </a:xfrm>
+        </p:spPr>
+        <p:txBody>
+          <a:bodyPr/>
+          <a:lstStyle/>
+          <a:p>
+            <a:r>
+              <a:rPr lang="fr-FR" dirty="0" smtClean="0"/>
+              <a:t>Définir des fonctions</a:t>
+            </a:r>
+            <a:endParaRPr lang="fr-FR" b="1" i="1" dirty="0">
+              <a:solidFill>
+                <a:schemeClr val="accent6"/>
+              </a:solidFill>
+            </a:endParaRPr>
+          </a:p>
+        </p:txBody>
+      </p:sp>
+      <p:sp>
+        <p:nvSpPr>
+          <p:cNvPr id="3" name="Espace réservé du contenu 2"/>
+          <p:cNvSpPr>
+            <a:spLocks noGrp="1"/>
+          </p:cNvSpPr>
+          <p:nvPr>
+            <p:ph idx="1"/>
+          </p:nvPr>
+        </p:nvSpPr>
+        <p:spPr>
+          <a:xfrm>
+            <a:off x="1327869" y="1701581"/>
+            <a:ext cx="10344646" cy="1526649"/>
+          </a:xfrm>
+        </p:spPr>
+        <p:txBody>
+          <a:bodyPr anchor="ctr" anchorCtr="0">
+            <a:noAutofit/>
+          </a:bodyPr>
+          <a:lstStyle/>
+          <a:p>
+            <a:pPr algn="just"/>
+            <a:r>
+              <a:rPr lang="fr-FR" dirty="0">
+                <a:solidFill>
+                  <a:schemeClr val="tx1"/>
+                </a:solidFill>
+              </a:rPr>
+              <a:t>Il est facile d’écrire une fonction qui renvoie une liste de la série de Fibonacci au lieu de l’imprimer</a:t>
+            </a:r>
+            <a:endParaRPr lang="fr-FR" b="1" i="1" dirty="0">
+              <a:solidFill>
+                <a:schemeClr val="accent6"/>
+              </a:solidFill>
+            </a:endParaRPr>
+          </a:p>
+        </p:txBody>
+      </p:sp>
+      <p:pic>
+        <p:nvPicPr>
+          <p:cNvPr id="4" name="Image 3"/>
+          <p:cNvPicPr>
+            <a:picLocks noChangeAspect="1"/>
+          </p:cNvPicPr>
+          <p:nvPr/>
+        </p:nvPicPr>
+        <p:blipFill>
+          <a:blip r:embed="rId3"/>
+          <a:stretch>
+            <a:fillRect/>
+          </a:stretch>
+        </p:blipFill>
+        <p:spPr>
+          <a:xfrm>
+            <a:off x="3428379" y="3051395"/>
+            <a:ext cx="6143625" cy="2838450"/>
+          </a:xfrm>
+          <a:prstGeom prst="rect">
+            <a:avLst/>
+          </a:prstGeom>
+          <a:ln>
+            <a:noFill/>
+          </a:ln>
+          <a:effectLst>
+            <a:outerShdw blurRad="292100" dist="139700" dir="2700000" algn="tl" rotWithShape="0">
+              <a:srgbClr val="333333">
+                <a:alpha val="65000"/>
+              </a:srgbClr>
+            </a:outerShdw>
+          </a:effectLst>
+        </p:spPr>
+      </p:pic>
+    </p:spTree>
+    <p:extLst>
+      <p:ext uri="{BB962C8B-B14F-4D97-AF65-F5344CB8AC3E}">
+        <p14:creationId xmlns:p14="http://schemas.microsoft.com/office/powerpoint/2010/main" val="3308670606"/>
+      </p:ext>
+    </p:extLst>
+  </p:cSld>
+  <p:clrMapOvr>
+    <a:masterClrMapping/>
+  </p:clrMapOvr>
+  <p:timing>
+    <p:tnLst>
+      <p:par>
+        <p:cTn id="1" dur="indefinite" restart="never" nodeType="tmRoot"/>
+      </p:par>
+    </p:tnLst>
+  </p:timing>
+</p:sld>
+</file>
+
+<file path=ppt/slides/slide57.xml><?xml version="1.0" encoding="utf-8"?>
+<p:sld xmlns:a="http://schemas.openxmlformats.org/drawingml/2006/main" xmlns:r="http://schemas.openxmlformats.org/officeDocument/2006/relationships" xmlns:p="http://schemas.openxmlformats.org/presentationml/2006/main">
+  <p:cSld>
+    <p:spTree>
+      <p:nvGrpSpPr>
+        <p:cNvPr id="1" name=""/>
+        <p:cNvGrpSpPr/>
+        <p:nvPr/>
+      </p:nvGrpSpPr>
+      <p:grpSpPr>
+        <a:xfrm>
+          <a:off x="0" y="0"/>
+          <a:ext cx="0" cy="0"/>
+          <a:chOff x="0" y="0"/>
+          <a:chExt cx="0" cy="0"/>
+        </a:xfrm>
+      </p:grpSpPr>
+      <p:sp>
+        <p:nvSpPr>
+          <p:cNvPr id="2" name="Titre 1"/>
+          <p:cNvSpPr>
+            <a:spLocks noGrp="1"/>
+          </p:cNvSpPr>
+          <p:nvPr>
+            <p:ph type="title"/>
+          </p:nvPr>
+        </p:nvSpPr>
+        <p:spPr>
+          <a:xfrm>
+            <a:off x="2592925" y="624110"/>
+            <a:ext cx="8911687" cy="1280890"/>
+          </a:xfrm>
+        </p:spPr>
+        <p:txBody>
+          <a:bodyPr/>
+          <a:lstStyle/>
+          <a:p>
+            <a:r>
+              <a:rPr lang="fr-FR" dirty="0" smtClean="0"/>
+              <a:t>Définir des fonctions</a:t>
+            </a:r>
+            <a:endParaRPr lang="fr-FR" b="1" i="1" dirty="0">
+              <a:solidFill>
+                <a:schemeClr val="accent6"/>
+              </a:solidFill>
+            </a:endParaRPr>
+          </a:p>
+        </p:txBody>
+      </p:sp>
+      <p:sp>
+        <p:nvSpPr>
+          <p:cNvPr id="3" name="Espace réservé du contenu 2"/>
+          <p:cNvSpPr>
+            <a:spLocks noGrp="1"/>
+          </p:cNvSpPr>
+          <p:nvPr>
+            <p:ph idx="1"/>
+          </p:nvPr>
+        </p:nvSpPr>
+        <p:spPr>
+          <a:xfrm>
+            <a:off x="1327869" y="1701581"/>
+            <a:ext cx="10344646" cy="4699219"/>
+          </a:xfrm>
+        </p:spPr>
+        <p:txBody>
+          <a:bodyPr anchor="ctr" anchorCtr="0">
+            <a:noAutofit/>
+          </a:bodyPr>
+          <a:lstStyle/>
+          <a:p>
+            <a:pPr algn="just"/>
+            <a:r>
+              <a:rPr lang="fr-FR" dirty="0">
+                <a:solidFill>
+                  <a:schemeClr val="tx1"/>
+                </a:solidFill>
+              </a:rPr>
+              <a:t>L’instruction </a:t>
+            </a:r>
+            <a:r>
+              <a:rPr lang="fr-FR" b="1" i="1" dirty="0">
+                <a:solidFill>
+                  <a:schemeClr val="accent6"/>
+                </a:solidFill>
+              </a:rPr>
+              <a:t>return</a:t>
+            </a:r>
+            <a:r>
+              <a:rPr lang="fr-FR" dirty="0">
+                <a:solidFill>
+                  <a:schemeClr val="tx1"/>
+                </a:solidFill>
+              </a:rPr>
+              <a:t> provoque la sortie de la fonction en renvoyant une </a:t>
+            </a:r>
+            <a:r>
+              <a:rPr lang="fr-FR" dirty="0" smtClean="0">
+                <a:solidFill>
+                  <a:schemeClr val="tx1"/>
+                </a:solidFill>
+              </a:rPr>
+              <a:t>valeur</a:t>
+            </a:r>
+          </a:p>
+          <a:p>
+            <a:pPr algn="just"/>
+            <a:r>
+              <a:rPr lang="fr-FR" dirty="0" smtClean="0">
+                <a:solidFill>
+                  <a:schemeClr val="tx1"/>
+                </a:solidFill>
+              </a:rPr>
+              <a:t>return </a:t>
+            </a:r>
+            <a:r>
+              <a:rPr lang="fr-FR" dirty="0">
+                <a:solidFill>
+                  <a:schemeClr val="tx1"/>
+                </a:solidFill>
+              </a:rPr>
+              <a:t>sans expression en paramètre renvoie </a:t>
+            </a:r>
+            <a:r>
+              <a:rPr lang="fr-FR" b="1" i="1" dirty="0" smtClean="0">
+                <a:solidFill>
+                  <a:schemeClr val="accent6"/>
+                </a:solidFill>
+              </a:rPr>
+              <a:t>None</a:t>
+            </a:r>
+          </a:p>
+          <a:p>
+            <a:pPr algn="just"/>
+            <a:r>
+              <a:rPr lang="fr-FR" dirty="0" smtClean="0">
+                <a:solidFill>
+                  <a:schemeClr val="tx1"/>
+                </a:solidFill>
+              </a:rPr>
+              <a:t>Arriver </a:t>
+            </a:r>
+            <a:r>
+              <a:rPr lang="fr-FR" dirty="0">
+                <a:solidFill>
+                  <a:schemeClr val="tx1"/>
+                </a:solidFill>
+              </a:rPr>
+              <a:t>à la fin d’une fonction renvoie également </a:t>
+            </a:r>
+            <a:r>
+              <a:rPr lang="fr-FR" dirty="0" smtClean="0">
+                <a:solidFill>
+                  <a:schemeClr val="tx1"/>
+                </a:solidFill>
+              </a:rPr>
+              <a:t>None</a:t>
+            </a:r>
+          </a:p>
+          <a:p>
+            <a:pPr algn="just"/>
+            <a:r>
+              <a:rPr lang="fr-FR" dirty="0">
+                <a:solidFill>
+                  <a:schemeClr val="tx1"/>
+                </a:solidFill>
+              </a:rPr>
+              <a:t>L’instruction </a:t>
+            </a:r>
+            <a:r>
+              <a:rPr lang="fr-FR" b="1" i="1" dirty="0" smtClean="0">
+                <a:solidFill>
+                  <a:schemeClr val="accent6"/>
+                </a:solidFill>
+              </a:rPr>
+              <a:t>resultat.append(a</a:t>
+            </a:r>
+            <a:r>
+              <a:rPr lang="fr-FR" b="1" i="1" dirty="0">
+                <a:solidFill>
+                  <a:schemeClr val="accent6"/>
+                </a:solidFill>
+              </a:rPr>
+              <a:t>) </a:t>
+            </a:r>
+            <a:r>
+              <a:rPr lang="fr-FR" dirty="0">
+                <a:solidFill>
+                  <a:schemeClr val="tx1"/>
+                </a:solidFill>
+              </a:rPr>
+              <a:t>appelle une méthode de l’objet </a:t>
+            </a:r>
+            <a:r>
+              <a:rPr lang="fr-FR" b="1" i="1" dirty="0" smtClean="0">
+                <a:solidFill>
+                  <a:schemeClr val="accent6"/>
+                </a:solidFill>
+              </a:rPr>
+              <a:t>resultat</a:t>
+            </a:r>
+            <a:r>
+              <a:rPr lang="fr-FR" dirty="0" smtClean="0">
+                <a:solidFill>
+                  <a:schemeClr val="tx1"/>
+                </a:solidFill>
+              </a:rPr>
+              <a:t> </a:t>
+            </a:r>
+            <a:r>
+              <a:rPr lang="fr-FR" dirty="0">
+                <a:solidFill>
+                  <a:schemeClr val="tx1"/>
+                </a:solidFill>
+              </a:rPr>
+              <a:t>qui est une </a:t>
+            </a:r>
+            <a:r>
+              <a:rPr lang="fr-FR" dirty="0" smtClean="0">
+                <a:solidFill>
+                  <a:schemeClr val="tx1"/>
+                </a:solidFill>
+              </a:rPr>
+              <a:t>liste</a:t>
+            </a:r>
+          </a:p>
+          <a:p>
+            <a:pPr algn="just"/>
+            <a:r>
+              <a:rPr lang="fr-FR" dirty="0" smtClean="0">
+                <a:solidFill>
+                  <a:schemeClr val="tx1"/>
+                </a:solidFill>
+              </a:rPr>
+              <a:t>Une </a:t>
+            </a:r>
+            <a:r>
+              <a:rPr lang="fr-FR" dirty="0">
+                <a:solidFill>
+                  <a:schemeClr val="tx1"/>
+                </a:solidFill>
+              </a:rPr>
+              <a:t>méthode est une fonction qui “appartient” à un objet et qui est nommée </a:t>
+            </a:r>
+            <a:r>
+              <a:rPr lang="fr-FR" b="1" i="1" dirty="0">
+                <a:solidFill>
+                  <a:schemeClr val="accent6"/>
+                </a:solidFill>
+              </a:rPr>
+              <a:t>obj.methodname</a:t>
+            </a:r>
+            <a:r>
+              <a:rPr lang="fr-FR" dirty="0">
+                <a:solidFill>
+                  <a:schemeClr val="tx1"/>
+                </a:solidFill>
+              </a:rPr>
+              <a:t>, où </a:t>
+            </a:r>
+            <a:r>
+              <a:rPr lang="fr-FR" b="1" i="1" dirty="0">
+                <a:solidFill>
+                  <a:schemeClr val="accent6"/>
+                </a:solidFill>
+              </a:rPr>
+              <a:t>obj</a:t>
+            </a:r>
+            <a:r>
+              <a:rPr lang="fr-FR" dirty="0">
+                <a:solidFill>
+                  <a:schemeClr val="tx1"/>
+                </a:solidFill>
+              </a:rPr>
+              <a:t> est un objet (il peut également s’agir d’une expression), et </a:t>
+            </a:r>
+            <a:r>
+              <a:rPr lang="fr-FR" b="1" i="1" dirty="0">
+                <a:solidFill>
+                  <a:schemeClr val="accent6"/>
+                </a:solidFill>
+              </a:rPr>
+              <a:t>methodname</a:t>
+            </a:r>
+            <a:r>
+              <a:rPr lang="fr-FR" dirty="0">
+                <a:solidFill>
+                  <a:schemeClr val="tx1"/>
+                </a:solidFill>
+              </a:rPr>
+              <a:t> est le nom d’une méthode définie par le type de </a:t>
+            </a:r>
+            <a:r>
+              <a:rPr lang="fr-FR" dirty="0" smtClean="0">
+                <a:solidFill>
+                  <a:schemeClr val="tx1"/>
+                </a:solidFill>
+              </a:rPr>
+              <a:t>l’objet</a:t>
+            </a:r>
+          </a:p>
+          <a:p>
+            <a:pPr algn="just"/>
+            <a:r>
+              <a:rPr lang="fr-FR" dirty="0" smtClean="0">
+                <a:solidFill>
+                  <a:schemeClr val="tx1"/>
+                </a:solidFill>
+              </a:rPr>
+              <a:t>Différents </a:t>
+            </a:r>
+            <a:r>
+              <a:rPr lang="fr-FR" dirty="0">
+                <a:solidFill>
+                  <a:schemeClr val="tx1"/>
+                </a:solidFill>
+              </a:rPr>
+              <a:t>types définissent différentes méthodes. Des méthodes de différents types peuvent porter le même nom sans qu’il n’y ait d’ambigüité (vous pouvez définir vos propres types d’objets et leurs méthodes en utilisant des </a:t>
+            </a:r>
+            <a:r>
+              <a:rPr lang="fr-FR" dirty="0" smtClean="0">
+                <a:solidFill>
+                  <a:schemeClr val="tx1"/>
+                </a:solidFill>
+              </a:rPr>
+              <a:t>classes)</a:t>
+            </a:r>
+          </a:p>
+          <a:p>
+            <a:pPr algn="just"/>
+            <a:r>
+              <a:rPr lang="fr-FR" dirty="0" smtClean="0">
+                <a:solidFill>
+                  <a:schemeClr val="tx1"/>
+                </a:solidFill>
+              </a:rPr>
+              <a:t>La </a:t>
+            </a:r>
+            <a:r>
+              <a:rPr lang="fr-FR" dirty="0">
+                <a:solidFill>
+                  <a:schemeClr val="tx1"/>
+                </a:solidFill>
+              </a:rPr>
+              <a:t>méthode </a:t>
+            </a:r>
+            <a:r>
+              <a:rPr lang="fr-FR" b="1" i="1" dirty="0">
+                <a:solidFill>
+                  <a:schemeClr val="accent6"/>
+                </a:solidFill>
+              </a:rPr>
+              <a:t>append() </a:t>
+            </a:r>
+            <a:r>
+              <a:rPr lang="fr-FR" dirty="0">
+                <a:solidFill>
+                  <a:schemeClr val="tx1"/>
+                </a:solidFill>
+              </a:rPr>
+              <a:t>donnée dans cet exemple est définie pour les listes ; elles ajoute un nouvel élément à la fin de la liste. Dans cet exemple, elle est l’équivalent de </a:t>
+            </a:r>
+            <a:r>
+              <a:rPr lang="fr-FR" b="1" i="1" dirty="0" smtClean="0">
+                <a:solidFill>
+                  <a:schemeClr val="accent6"/>
+                </a:solidFill>
+              </a:rPr>
+              <a:t>resultat </a:t>
+            </a:r>
+            <a:r>
+              <a:rPr lang="fr-FR" b="1" i="1" dirty="0">
+                <a:solidFill>
+                  <a:schemeClr val="accent6"/>
+                </a:solidFill>
+              </a:rPr>
+              <a:t>= </a:t>
+            </a:r>
+            <a:r>
+              <a:rPr lang="fr-FR" b="1" i="1" dirty="0" smtClean="0">
+                <a:solidFill>
+                  <a:schemeClr val="accent6"/>
+                </a:solidFill>
+              </a:rPr>
+              <a:t>resultat </a:t>
+            </a:r>
+            <a:r>
+              <a:rPr lang="fr-FR" b="1" i="1" dirty="0">
+                <a:solidFill>
+                  <a:schemeClr val="accent6"/>
+                </a:solidFill>
+              </a:rPr>
+              <a:t>+ [a]</a:t>
+            </a:r>
+            <a:r>
+              <a:rPr lang="fr-FR" dirty="0">
+                <a:solidFill>
+                  <a:schemeClr val="tx1"/>
+                </a:solidFill>
+              </a:rPr>
+              <a:t>, mais elle est plus efficace</a:t>
+            </a:r>
+            <a:endParaRPr lang="fr-FR" dirty="0">
+              <a:solidFill>
+                <a:schemeClr val="tx1"/>
+              </a:solidFill>
+            </a:endParaRPr>
+          </a:p>
+        </p:txBody>
+      </p:sp>
+    </p:spTree>
+    <p:extLst>
+      <p:ext uri="{BB962C8B-B14F-4D97-AF65-F5344CB8AC3E}">
+        <p14:creationId xmlns:p14="http://schemas.microsoft.com/office/powerpoint/2010/main" val="1262929367"/>
+      </p:ext>
+    </p:extLst>
+  </p:cSld>
+  <p:clrMapOvr>
+    <a:masterClrMapping/>
+  </p:clrMapOvr>
+  <p:timing>
+    <p:tnLst>
+      <p:par>
+        <p:cTn id="1" dur="indefinite" restart="never" nodeType="tmRoot"/>
+      </p:par>
+    </p:tnLst>
+  </p:timing>
+</p:sld>
+</file>
+
+<file path=ppt/slides/slide58.xml><?xml version="1.0" encoding="utf-8"?>
+<p:sld xmlns:a="http://schemas.openxmlformats.org/drawingml/2006/main" xmlns:r="http://schemas.openxmlformats.org/officeDocument/2006/relationships" xmlns:p="http://schemas.openxmlformats.org/presentationml/2006/main">
+  <p:cSld>
+    <p:spTree>
+      <p:nvGrpSpPr>
+        <p:cNvPr id="1" name=""/>
+        <p:cNvGrpSpPr/>
+        <p:nvPr/>
+      </p:nvGrpSpPr>
+      <p:grpSpPr>
+        <a:xfrm>
+          <a:off x="0" y="0"/>
+          <a:ext cx="0" cy="0"/>
+          <a:chOff x="0" y="0"/>
+          <a:chExt cx="0" cy="0"/>
+        </a:xfrm>
+      </p:grpSpPr>
+      <p:sp>
+        <p:nvSpPr>
+          <p:cNvPr id="2" name="Titre 1"/>
+          <p:cNvSpPr>
+            <a:spLocks noGrp="1"/>
+          </p:cNvSpPr>
+          <p:nvPr>
+            <p:ph type="title"/>
+          </p:nvPr>
+        </p:nvSpPr>
+        <p:spPr>
+          <a:xfrm>
+            <a:off x="2592925" y="624110"/>
+            <a:ext cx="8911687" cy="1280890"/>
+          </a:xfrm>
+        </p:spPr>
+        <p:txBody>
+          <a:bodyPr/>
+          <a:lstStyle/>
+          <a:p>
+            <a:r>
+              <a:rPr lang="fr-FR" dirty="0" smtClean="0"/>
+              <a:t>Fonctions : </a:t>
+            </a:r>
+            <a:r>
+              <a:rPr lang="fr-FR" sz="2000" b="1" i="1" dirty="0" smtClean="0">
+                <a:solidFill>
+                  <a:schemeClr val="accent1"/>
+                </a:solidFill>
+              </a:rPr>
+              <a:t>Valeurs par défaut des arguments</a:t>
+            </a:r>
+            <a:endParaRPr lang="fr-FR" sz="3200" b="1" i="1" dirty="0">
+              <a:solidFill>
+                <a:schemeClr val="accent1"/>
+              </a:solidFill>
+            </a:endParaRPr>
+          </a:p>
+        </p:txBody>
+      </p:sp>
+      <p:sp>
+        <p:nvSpPr>
+          <p:cNvPr id="3" name="Espace réservé du contenu 2"/>
+          <p:cNvSpPr>
+            <a:spLocks noGrp="1"/>
+          </p:cNvSpPr>
+          <p:nvPr>
+            <p:ph idx="1"/>
+          </p:nvPr>
+        </p:nvSpPr>
+        <p:spPr>
+          <a:xfrm>
+            <a:off x="1327869" y="1701582"/>
+            <a:ext cx="10344646" cy="1375574"/>
+          </a:xfrm>
+        </p:spPr>
+        <p:txBody>
+          <a:bodyPr anchor="ctr" anchorCtr="0">
+            <a:noAutofit/>
+          </a:bodyPr>
+          <a:lstStyle/>
+          <a:p>
+            <a:pPr algn="just"/>
+            <a:r>
+              <a:rPr lang="fr-FR" dirty="0">
+                <a:solidFill>
+                  <a:schemeClr val="tx1"/>
+                </a:solidFill>
+              </a:rPr>
+              <a:t>La forme la plus utile consiste à indiquer une valeur par défaut pour certains </a:t>
+            </a:r>
+            <a:r>
+              <a:rPr lang="fr-FR" dirty="0" smtClean="0">
+                <a:solidFill>
+                  <a:schemeClr val="tx1"/>
+                </a:solidFill>
+              </a:rPr>
+              <a:t>arguments</a:t>
+            </a:r>
+          </a:p>
+          <a:p>
+            <a:pPr algn="just"/>
+            <a:r>
+              <a:rPr lang="fr-FR" dirty="0" smtClean="0">
+                <a:solidFill>
+                  <a:schemeClr val="tx1"/>
+                </a:solidFill>
+              </a:rPr>
+              <a:t>Ceci </a:t>
+            </a:r>
+            <a:r>
+              <a:rPr lang="fr-FR" dirty="0">
+                <a:solidFill>
+                  <a:schemeClr val="tx1"/>
+                </a:solidFill>
+              </a:rPr>
+              <a:t>crée une fonction qui pourra être appelée avec moins d’arguments que ceux présents dans sa définition</a:t>
+            </a:r>
+            <a:endParaRPr lang="fr-FR" dirty="0">
+              <a:solidFill>
+                <a:schemeClr val="tx1"/>
+              </a:solidFill>
+            </a:endParaRPr>
+          </a:p>
+        </p:txBody>
+      </p:sp>
+      <p:pic>
+        <p:nvPicPr>
+          <p:cNvPr id="4" name="Image 3"/>
+          <p:cNvPicPr>
+            <a:picLocks noChangeAspect="1"/>
+          </p:cNvPicPr>
+          <p:nvPr/>
+        </p:nvPicPr>
+        <p:blipFill>
+          <a:blip r:embed="rId3"/>
+          <a:stretch>
+            <a:fillRect/>
+          </a:stretch>
+        </p:blipFill>
+        <p:spPr>
+          <a:xfrm>
+            <a:off x="2747342" y="3175553"/>
+            <a:ext cx="7505700" cy="2971800"/>
+          </a:xfrm>
+          <a:prstGeom prst="rect">
+            <a:avLst/>
+          </a:prstGeom>
+          <a:ln>
+            <a:noFill/>
+          </a:ln>
+          <a:effectLst>
+            <a:outerShdw blurRad="292100" dist="139700" dir="2700000" algn="tl" rotWithShape="0">
+              <a:srgbClr val="333333">
+                <a:alpha val="65000"/>
+              </a:srgbClr>
+            </a:outerShdw>
+          </a:effectLst>
+        </p:spPr>
+      </p:pic>
+    </p:spTree>
+    <p:extLst>
+      <p:ext uri="{BB962C8B-B14F-4D97-AF65-F5344CB8AC3E}">
+        <p14:creationId xmlns:p14="http://schemas.microsoft.com/office/powerpoint/2010/main" val="588557759"/>
+      </p:ext>
+    </p:extLst>
+  </p:cSld>
+  <p:clrMapOvr>
+    <a:masterClrMapping/>
+  </p:clrMapOvr>
+  <p:timing>
+    <p:tnLst>
+      <p:par>
+        <p:cTn id="1" dur="indefinite" restart="never" nodeType="tmRoot"/>
+      </p:par>
+    </p:tnLst>
+  </p:timing>
+</p:sld>
+</file>
+
+<file path=ppt/slides/slide59.xml><?xml version="1.0" encoding="utf-8"?>
+<p:sld xmlns:a="http://schemas.openxmlformats.org/drawingml/2006/main" xmlns:r="http://schemas.openxmlformats.org/officeDocument/2006/relationships" xmlns:p="http://schemas.openxmlformats.org/presentationml/2006/main">
+  <p:cSld>
+    <p:spTree>
+      <p:nvGrpSpPr>
+        <p:cNvPr id="1" name=""/>
+        <p:cNvGrpSpPr/>
+        <p:nvPr/>
+      </p:nvGrpSpPr>
+      <p:grpSpPr>
+        <a:xfrm>
+          <a:off x="0" y="0"/>
+          <a:ext cx="0" cy="0"/>
+          <a:chOff x="0" y="0"/>
+          <a:chExt cx="0" cy="0"/>
+        </a:xfrm>
+      </p:grpSpPr>
+      <p:sp>
+        <p:nvSpPr>
+          <p:cNvPr id="2" name="Titre 1"/>
+          <p:cNvSpPr>
+            <a:spLocks noGrp="1"/>
+          </p:cNvSpPr>
+          <p:nvPr>
+            <p:ph type="title"/>
+          </p:nvPr>
+        </p:nvSpPr>
+        <p:spPr>
+          <a:xfrm>
+            <a:off x="2592925" y="624110"/>
+            <a:ext cx="8911687" cy="1280890"/>
+          </a:xfrm>
+        </p:spPr>
+        <p:txBody>
+          <a:bodyPr/>
+          <a:lstStyle/>
+          <a:p>
+            <a:r>
+              <a:rPr lang="fr-FR" dirty="0" smtClean="0"/>
+              <a:t>Fonctions : </a:t>
+            </a:r>
+            <a:r>
+              <a:rPr lang="fr-FR" sz="2000" b="1" i="1" dirty="0" smtClean="0">
+                <a:solidFill>
+                  <a:schemeClr val="accent1"/>
+                </a:solidFill>
+              </a:rPr>
+              <a:t>Valeurs par défaut des arguments</a:t>
+            </a:r>
+            <a:endParaRPr lang="fr-FR" sz="3200" b="1" i="1" dirty="0">
+              <a:solidFill>
+                <a:schemeClr val="accent1"/>
+              </a:solidFill>
+            </a:endParaRPr>
+          </a:p>
+        </p:txBody>
+      </p:sp>
+      <p:sp>
+        <p:nvSpPr>
+          <p:cNvPr id="3" name="Espace réservé du contenu 2"/>
+          <p:cNvSpPr>
+            <a:spLocks noGrp="1"/>
+          </p:cNvSpPr>
+          <p:nvPr>
+            <p:ph idx="1"/>
+          </p:nvPr>
+        </p:nvSpPr>
+        <p:spPr>
+          <a:xfrm>
+            <a:off x="1327869" y="1701581"/>
+            <a:ext cx="10344646" cy="4667413"/>
+          </a:xfrm>
+        </p:spPr>
+        <p:txBody>
+          <a:bodyPr anchor="ctr" anchorCtr="0">
+            <a:noAutofit/>
+          </a:bodyPr>
+          <a:lstStyle/>
+          <a:p>
+            <a:pPr algn="just"/>
+            <a:r>
+              <a:rPr lang="fr-FR" dirty="0">
+                <a:solidFill>
+                  <a:schemeClr val="tx1"/>
+                </a:solidFill>
+              </a:rPr>
+              <a:t>Cette fonction peut être appelée de plusieurs </a:t>
+            </a:r>
+            <a:r>
+              <a:rPr lang="fr-FR" dirty="0" smtClean="0">
+                <a:solidFill>
+                  <a:schemeClr val="tx1"/>
+                </a:solidFill>
+              </a:rPr>
+              <a:t>façons</a:t>
+            </a:r>
+            <a:endParaRPr lang="fr-FR" dirty="0">
+              <a:solidFill>
+                <a:schemeClr val="tx1"/>
+              </a:solidFill>
+            </a:endParaRPr>
+          </a:p>
+          <a:p>
+            <a:pPr lvl="1" algn="just"/>
+            <a:r>
+              <a:rPr lang="fr-FR" dirty="0">
+                <a:solidFill>
+                  <a:schemeClr val="tx1"/>
+                </a:solidFill>
+              </a:rPr>
+              <a:t>en ne fournissant que les arguments </a:t>
+            </a:r>
+            <a:r>
+              <a:rPr lang="fr-FR" dirty="0" smtClean="0">
+                <a:solidFill>
+                  <a:schemeClr val="tx1"/>
+                </a:solidFill>
+              </a:rPr>
+              <a:t>obligatoires</a:t>
+            </a:r>
+          </a:p>
+          <a:p>
+            <a:pPr lvl="2" algn="just"/>
+            <a:r>
+              <a:rPr lang="fr-FR" b="1" i="1" dirty="0" smtClean="0">
+                <a:solidFill>
+                  <a:schemeClr val="accent6"/>
+                </a:solidFill>
+              </a:rPr>
+              <a:t>demander_ok</a:t>
+            </a:r>
+            <a:r>
+              <a:rPr lang="fr-FR" b="1" i="1" dirty="0">
+                <a:solidFill>
+                  <a:schemeClr val="accent6"/>
+                </a:solidFill>
+              </a:rPr>
+              <a:t>('Voulez-vous vraiment quitter ?')</a:t>
+            </a:r>
+          </a:p>
+          <a:p>
+            <a:pPr lvl="1" algn="just"/>
+            <a:r>
+              <a:rPr lang="fr-FR" dirty="0">
+                <a:solidFill>
+                  <a:schemeClr val="tx1"/>
+                </a:solidFill>
+              </a:rPr>
+              <a:t>en fournissant une partie des arguments facultatifs </a:t>
+            </a:r>
+            <a:r>
+              <a:rPr lang="fr-FR" dirty="0" smtClean="0">
+                <a:solidFill>
+                  <a:schemeClr val="tx1"/>
+                </a:solidFill>
+              </a:rPr>
+              <a:t>:</a:t>
+            </a:r>
+          </a:p>
+          <a:p>
+            <a:pPr lvl="2" algn="just"/>
+            <a:r>
+              <a:rPr lang="fr-FR" b="1" i="1" dirty="0" smtClean="0">
+                <a:solidFill>
+                  <a:schemeClr val="accent6"/>
+                </a:solidFill>
+              </a:rPr>
+              <a:t>demander_ok</a:t>
+            </a:r>
+            <a:r>
+              <a:rPr lang="fr-FR" b="1" i="1" dirty="0">
+                <a:solidFill>
+                  <a:schemeClr val="accent6"/>
+                </a:solidFill>
+              </a:rPr>
+              <a:t>('OK pour écraser le fichier ?', 2)</a:t>
+            </a:r>
+          </a:p>
+          <a:p>
+            <a:pPr lvl="1" algn="just"/>
+            <a:r>
+              <a:rPr lang="fr-FR" dirty="0">
+                <a:solidFill>
+                  <a:schemeClr val="tx1"/>
+                </a:solidFill>
+              </a:rPr>
+              <a:t>en fournissant tous les </a:t>
+            </a:r>
+            <a:r>
+              <a:rPr lang="fr-FR" dirty="0" smtClean="0">
+                <a:solidFill>
+                  <a:schemeClr val="tx1"/>
+                </a:solidFill>
+              </a:rPr>
+              <a:t>arguments</a:t>
+            </a:r>
+          </a:p>
+          <a:p>
+            <a:pPr lvl="2" algn="just"/>
+            <a:r>
+              <a:rPr lang="fr-FR" b="1" i="1" dirty="0" smtClean="0">
+                <a:solidFill>
+                  <a:schemeClr val="accent6"/>
+                </a:solidFill>
+              </a:rPr>
+              <a:t>demander_ok</a:t>
+            </a:r>
+            <a:r>
+              <a:rPr lang="fr-FR" b="1" i="1" dirty="0">
+                <a:solidFill>
+                  <a:schemeClr val="accent6"/>
+                </a:solidFill>
+              </a:rPr>
+              <a:t>('OK pour écraser le fichier ?', 2, 'Allez, seulement oui ou non </a:t>
+            </a:r>
+            <a:r>
+              <a:rPr lang="fr-FR" b="1" i="1" dirty="0" smtClean="0">
+                <a:solidFill>
+                  <a:schemeClr val="accent6"/>
+                </a:solidFill>
+              </a:rPr>
+              <a:t>!')</a:t>
+            </a:r>
+          </a:p>
+          <a:p>
+            <a:pPr algn="just"/>
+            <a:r>
+              <a:rPr lang="fr-FR" dirty="0">
+                <a:solidFill>
+                  <a:schemeClr val="tx1"/>
+                </a:solidFill>
+              </a:rPr>
+              <a:t>Cet exemple présente également le mot-clé </a:t>
+            </a:r>
+            <a:r>
+              <a:rPr lang="fr-FR" b="1" i="1" dirty="0">
+                <a:solidFill>
+                  <a:schemeClr val="accent6"/>
+                </a:solidFill>
+              </a:rPr>
+              <a:t>in</a:t>
+            </a:r>
+            <a:r>
+              <a:rPr lang="fr-FR" dirty="0" smtClean="0">
+                <a:solidFill>
+                  <a:schemeClr val="tx1"/>
+                </a:solidFill>
+              </a:rPr>
+              <a:t>.</a:t>
+            </a:r>
+          </a:p>
+          <a:p>
+            <a:pPr algn="just"/>
+            <a:r>
+              <a:rPr lang="fr-FR" dirty="0" smtClean="0">
+                <a:solidFill>
+                  <a:schemeClr val="tx1"/>
+                </a:solidFill>
+              </a:rPr>
+              <a:t>Celui-ci </a:t>
+            </a:r>
+            <a:r>
+              <a:rPr lang="fr-FR" dirty="0">
+                <a:solidFill>
+                  <a:schemeClr val="tx1"/>
+                </a:solidFill>
+              </a:rPr>
+              <a:t>permet de tester si une séquence contient une certaine valeur</a:t>
+            </a:r>
+            <a:endParaRPr lang="fr-FR" dirty="0">
+              <a:solidFill>
+                <a:schemeClr val="tx1"/>
+              </a:solidFill>
+            </a:endParaRPr>
+          </a:p>
+        </p:txBody>
+      </p:sp>
+    </p:spTree>
+    <p:extLst>
+      <p:ext uri="{BB962C8B-B14F-4D97-AF65-F5344CB8AC3E}">
+        <p14:creationId xmlns:p14="http://schemas.microsoft.com/office/powerpoint/2010/main" val="3324957798"/>
       </p:ext>
     </p:extLst>
   </p:cSld>
@@ -25380,6 +27967,2391 @@
     <p:extLst>
       <p:ext uri="{BB962C8B-B14F-4D97-AF65-F5344CB8AC3E}">
         <p14:creationId xmlns:p14="http://schemas.microsoft.com/office/powerpoint/2010/main" val="2063766052"/>
+      </p:ext>
+    </p:extLst>
+  </p:cSld>
+  <p:clrMapOvr>
+    <a:masterClrMapping/>
+  </p:clrMapOvr>
+  <p:timing>
+    <p:tnLst>
+      <p:par>
+        <p:cTn id="1" dur="indefinite" restart="never" nodeType="tmRoot"/>
+      </p:par>
+    </p:tnLst>
+  </p:timing>
+</p:sld>
+</file>
+
+<file path=ppt/slides/slide60.xml><?xml version="1.0" encoding="utf-8"?>
+<p:sld xmlns:a="http://schemas.openxmlformats.org/drawingml/2006/main" xmlns:r="http://schemas.openxmlformats.org/officeDocument/2006/relationships" xmlns:p="http://schemas.openxmlformats.org/presentationml/2006/main">
+  <p:cSld>
+    <p:spTree>
+      <p:nvGrpSpPr>
+        <p:cNvPr id="1" name=""/>
+        <p:cNvGrpSpPr/>
+        <p:nvPr/>
+      </p:nvGrpSpPr>
+      <p:grpSpPr>
+        <a:xfrm>
+          <a:off x="0" y="0"/>
+          <a:ext cx="0" cy="0"/>
+          <a:chOff x="0" y="0"/>
+          <a:chExt cx="0" cy="0"/>
+        </a:xfrm>
+      </p:grpSpPr>
+      <p:sp>
+        <p:nvSpPr>
+          <p:cNvPr id="2" name="Titre 1"/>
+          <p:cNvSpPr>
+            <a:spLocks noGrp="1"/>
+          </p:cNvSpPr>
+          <p:nvPr>
+            <p:ph type="title"/>
+          </p:nvPr>
+        </p:nvSpPr>
+        <p:spPr>
+          <a:xfrm>
+            <a:off x="2592925" y="624110"/>
+            <a:ext cx="8911687" cy="1280890"/>
+          </a:xfrm>
+        </p:spPr>
+        <p:txBody>
+          <a:bodyPr/>
+          <a:lstStyle/>
+          <a:p>
+            <a:r>
+              <a:rPr lang="fr-FR" dirty="0" smtClean="0"/>
+              <a:t>Fonctions : </a:t>
+            </a:r>
+            <a:r>
+              <a:rPr lang="fr-FR" sz="2000" b="1" i="1" dirty="0" smtClean="0">
+                <a:solidFill>
+                  <a:schemeClr val="accent1"/>
+                </a:solidFill>
+              </a:rPr>
+              <a:t>Valeurs par défaut des arguments</a:t>
+            </a:r>
+            <a:endParaRPr lang="fr-FR" sz="3200" b="1" i="1" dirty="0">
+              <a:solidFill>
+                <a:schemeClr val="accent1"/>
+              </a:solidFill>
+            </a:endParaRPr>
+          </a:p>
+        </p:txBody>
+      </p:sp>
+      <p:sp>
+        <p:nvSpPr>
+          <p:cNvPr id="3" name="Espace réservé du contenu 2"/>
+          <p:cNvSpPr>
+            <a:spLocks noGrp="1"/>
+          </p:cNvSpPr>
+          <p:nvPr>
+            <p:ph idx="1"/>
+          </p:nvPr>
+        </p:nvSpPr>
+        <p:spPr>
+          <a:xfrm>
+            <a:off x="1327869" y="1701582"/>
+            <a:ext cx="10344646" cy="1046604"/>
+          </a:xfrm>
+        </p:spPr>
+        <p:txBody>
+          <a:bodyPr anchor="ctr" anchorCtr="0">
+            <a:noAutofit/>
+          </a:bodyPr>
+          <a:lstStyle/>
+          <a:p>
+            <a:pPr algn="just"/>
+            <a:r>
+              <a:rPr lang="fr-FR" dirty="0">
+                <a:solidFill>
+                  <a:schemeClr val="tx1"/>
+                </a:solidFill>
+              </a:rPr>
+              <a:t>Les valeurs par défaut sont évaluées lors de la définition de la fonction dans la portée de </a:t>
+            </a:r>
+            <a:r>
+              <a:rPr lang="fr-FR" dirty="0" smtClean="0">
+                <a:solidFill>
+                  <a:schemeClr val="tx1"/>
+                </a:solidFill>
+              </a:rPr>
+              <a:t>définition</a:t>
+            </a:r>
+          </a:p>
+        </p:txBody>
+      </p:sp>
+      <p:pic>
+        <p:nvPicPr>
+          <p:cNvPr id="4" name="Image 3"/>
+          <p:cNvPicPr>
+            <a:picLocks noChangeAspect="1"/>
+          </p:cNvPicPr>
+          <p:nvPr/>
+        </p:nvPicPr>
+        <p:blipFill>
+          <a:blip r:embed="rId3"/>
+          <a:stretch>
+            <a:fillRect/>
+          </a:stretch>
+        </p:blipFill>
+        <p:spPr>
+          <a:xfrm>
+            <a:off x="4843723" y="3193897"/>
+            <a:ext cx="2495550" cy="2124075"/>
+          </a:xfrm>
+          <a:prstGeom prst="rect">
+            <a:avLst/>
+          </a:prstGeom>
+          <a:ln>
+            <a:noFill/>
+          </a:ln>
+          <a:effectLst>
+            <a:outerShdw blurRad="292100" dist="139700" dir="2700000" algn="tl" rotWithShape="0">
+              <a:srgbClr val="333333">
+                <a:alpha val="65000"/>
+              </a:srgbClr>
+            </a:outerShdw>
+          </a:effectLst>
+        </p:spPr>
+      </p:pic>
+    </p:spTree>
+    <p:extLst>
+      <p:ext uri="{BB962C8B-B14F-4D97-AF65-F5344CB8AC3E}">
+        <p14:creationId xmlns:p14="http://schemas.microsoft.com/office/powerpoint/2010/main" val="2556497937"/>
+      </p:ext>
+    </p:extLst>
+  </p:cSld>
+  <p:clrMapOvr>
+    <a:masterClrMapping/>
+  </p:clrMapOvr>
+  <p:timing>
+    <p:tnLst>
+      <p:par>
+        <p:cTn id="1" dur="indefinite" restart="never" nodeType="tmRoot"/>
+      </p:par>
+    </p:tnLst>
+  </p:timing>
+</p:sld>
+</file>
+
+<file path=ppt/slides/slide61.xml><?xml version="1.0" encoding="utf-8"?>
+<p:sld xmlns:a="http://schemas.openxmlformats.org/drawingml/2006/main" xmlns:r="http://schemas.openxmlformats.org/officeDocument/2006/relationships" xmlns:p="http://schemas.openxmlformats.org/presentationml/2006/main">
+  <p:cSld>
+    <p:spTree>
+      <p:nvGrpSpPr>
+        <p:cNvPr id="1" name=""/>
+        <p:cNvGrpSpPr/>
+        <p:nvPr/>
+      </p:nvGrpSpPr>
+      <p:grpSpPr>
+        <a:xfrm>
+          <a:off x="0" y="0"/>
+          <a:ext cx="0" cy="0"/>
+          <a:chOff x="0" y="0"/>
+          <a:chExt cx="0" cy="0"/>
+        </a:xfrm>
+      </p:grpSpPr>
+      <p:sp>
+        <p:nvSpPr>
+          <p:cNvPr id="2" name="Titre 1"/>
+          <p:cNvSpPr>
+            <a:spLocks noGrp="1"/>
+          </p:cNvSpPr>
+          <p:nvPr>
+            <p:ph type="title"/>
+          </p:nvPr>
+        </p:nvSpPr>
+        <p:spPr>
+          <a:xfrm>
+            <a:off x="2592925" y="624110"/>
+            <a:ext cx="8911687" cy="1280890"/>
+          </a:xfrm>
+        </p:spPr>
+        <p:txBody>
+          <a:bodyPr/>
+          <a:lstStyle/>
+          <a:p>
+            <a:r>
+              <a:rPr lang="fr-FR" dirty="0" smtClean="0"/>
+              <a:t>Fonctions : </a:t>
+            </a:r>
+            <a:r>
+              <a:rPr lang="fr-FR" sz="2000" b="1" i="1" dirty="0" smtClean="0">
+                <a:solidFill>
+                  <a:schemeClr val="accent1"/>
+                </a:solidFill>
+              </a:rPr>
+              <a:t>Valeurs par défaut des arguments</a:t>
+            </a:r>
+            <a:endParaRPr lang="fr-FR" sz="3200" b="1" i="1" dirty="0">
+              <a:solidFill>
+                <a:schemeClr val="accent1"/>
+              </a:solidFill>
+            </a:endParaRPr>
+          </a:p>
+        </p:txBody>
+      </p:sp>
+      <p:sp>
+        <p:nvSpPr>
+          <p:cNvPr id="3" name="Espace réservé du contenu 2"/>
+          <p:cNvSpPr>
+            <a:spLocks noGrp="1"/>
+          </p:cNvSpPr>
+          <p:nvPr>
+            <p:ph idx="1"/>
+          </p:nvPr>
+        </p:nvSpPr>
+        <p:spPr>
+          <a:xfrm>
+            <a:off x="1327869" y="1701581"/>
+            <a:ext cx="5152444" cy="4786683"/>
+          </a:xfrm>
+        </p:spPr>
+        <p:txBody>
+          <a:bodyPr anchor="ctr" anchorCtr="0">
+            <a:noAutofit/>
+          </a:bodyPr>
+          <a:lstStyle/>
+          <a:p>
+            <a:pPr algn="just"/>
+            <a:r>
+              <a:rPr lang="fr-FR" b="1" i="1" u="sng" dirty="0" smtClean="0">
+                <a:solidFill>
+                  <a:schemeClr val="accent1"/>
+                </a:solidFill>
+                <a:effectLst>
+                  <a:outerShdw blurRad="38100" dist="38100" dir="2700000" algn="tl">
+                    <a:srgbClr val="000000">
+                      <a:alpha val="43137"/>
+                    </a:srgbClr>
+                  </a:outerShdw>
+                </a:effectLst>
+              </a:rPr>
+              <a:t>Avertissement </a:t>
+            </a:r>
+            <a:r>
+              <a:rPr lang="fr-FR" b="1" i="1" u="sng" dirty="0">
+                <a:solidFill>
+                  <a:schemeClr val="accent1"/>
+                </a:solidFill>
+                <a:effectLst>
+                  <a:outerShdw blurRad="38100" dist="38100" dir="2700000" algn="tl">
+                    <a:srgbClr val="000000">
+                      <a:alpha val="43137"/>
+                    </a:srgbClr>
+                  </a:outerShdw>
+                </a:effectLst>
+              </a:rPr>
+              <a:t>important </a:t>
+            </a:r>
+            <a:r>
+              <a:rPr lang="fr-FR" dirty="0">
+                <a:solidFill>
+                  <a:schemeClr val="tx1"/>
+                </a:solidFill>
+              </a:rPr>
+              <a:t>: La valeur par défaut n’est évaluée qu’une seule </a:t>
+            </a:r>
+            <a:r>
+              <a:rPr lang="fr-FR" dirty="0" smtClean="0">
+                <a:solidFill>
+                  <a:schemeClr val="tx1"/>
+                </a:solidFill>
+              </a:rPr>
+              <a:t>fois</a:t>
+            </a:r>
+          </a:p>
+          <a:p>
+            <a:pPr algn="just"/>
+            <a:r>
+              <a:rPr lang="fr-FR" dirty="0" smtClean="0">
+                <a:solidFill>
+                  <a:schemeClr val="tx1"/>
+                </a:solidFill>
+              </a:rPr>
+              <a:t>Ceci </a:t>
+            </a:r>
+            <a:r>
+              <a:rPr lang="fr-FR" dirty="0">
+                <a:solidFill>
+                  <a:schemeClr val="tx1"/>
+                </a:solidFill>
+              </a:rPr>
+              <a:t>fait une différence lorsque cette valeur par défaut est un objet muable tel qu’une liste, un dictionnaire ou des instances de la plupart des </a:t>
+            </a:r>
+            <a:r>
+              <a:rPr lang="fr-FR" dirty="0" smtClean="0">
+                <a:solidFill>
+                  <a:schemeClr val="tx1"/>
+                </a:solidFill>
+              </a:rPr>
+              <a:t>classes</a:t>
+            </a:r>
+          </a:p>
+          <a:p>
+            <a:pPr algn="just"/>
+            <a:r>
+              <a:rPr lang="fr-FR" dirty="0" smtClean="0">
+                <a:solidFill>
+                  <a:schemeClr val="tx1"/>
+                </a:solidFill>
+              </a:rPr>
+              <a:t>Par </a:t>
+            </a:r>
+            <a:r>
+              <a:rPr lang="fr-FR" dirty="0">
+                <a:solidFill>
+                  <a:schemeClr val="tx1"/>
+                </a:solidFill>
+              </a:rPr>
+              <a:t>exemple, la fonction suivante accumule les arguments qui lui sont passés au fil des appels </a:t>
+            </a:r>
+            <a:r>
+              <a:rPr lang="fr-FR" dirty="0" smtClean="0">
+                <a:solidFill>
+                  <a:schemeClr val="tx1"/>
+                </a:solidFill>
+              </a:rPr>
+              <a:t>successifs</a:t>
+            </a:r>
+          </a:p>
+          <a:p>
+            <a:pPr algn="just"/>
+            <a:r>
+              <a:rPr lang="fr-FR" dirty="0">
+                <a:solidFill>
+                  <a:schemeClr val="tx1"/>
+                </a:solidFill>
+              </a:rPr>
+              <a:t>Si vous ne voulez pas que cette valeur par défaut soit partagée entre des appels successifs, vous pouvez écrire la fonction de cette façon</a:t>
+            </a:r>
+            <a:endParaRPr lang="fr-FR" dirty="0">
+              <a:solidFill>
+                <a:schemeClr val="tx1"/>
+              </a:solidFill>
+            </a:endParaRPr>
+          </a:p>
+        </p:txBody>
+      </p:sp>
+      <p:pic>
+        <p:nvPicPr>
+          <p:cNvPr id="5" name="Image 4"/>
+          <p:cNvPicPr>
+            <a:picLocks noChangeAspect="1"/>
+          </p:cNvPicPr>
+          <p:nvPr/>
+        </p:nvPicPr>
+        <p:blipFill>
+          <a:blip r:embed="rId3"/>
+          <a:stretch>
+            <a:fillRect/>
+          </a:stretch>
+        </p:blipFill>
+        <p:spPr>
+          <a:xfrm>
+            <a:off x="9338744" y="1777282"/>
+            <a:ext cx="2276475" cy="2419350"/>
+          </a:xfrm>
+          <a:prstGeom prst="rect">
+            <a:avLst/>
+          </a:prstGeom>
+          <a:ln>
+            <a:noFill/>
+          </a:ln>
+          <a:effectLst>
+            <a:outerShdw blurRad="292100" dist="139700" dir="2700000" algn="tl" rotWithShape="0">
+              <a:srgbClr val="333333">
+                <a:alpha val="65000"/>
+              </a:srgbClr>
+            </a:outerShdw>
+          </a:effectLst>
+        </p:spPr>
+      </p:pic>
+      <p:pic>
+        <p:nvPicPr>
+          <p:cNvPr id="6" name="Image 5"/>
+          <p:cNvPicPr>
+            <a:picLocks noChangeAspect="1"/>
+          </p:cNvPicPr>
+          <p:nvPr/>
+        </p:nvPicPr>
+        <p:blipFill>
+          <a:blip r:embed="rId4"/>
+          <a:stretch>
+            <a:fillRect/>
+          </a:stretch>
+        </p:blipFill>
+        <p:spPr>
+          <a:xfrm>
+            <a:off x="6889742" y="3559519"/>
+            <a:ext cx="2609850" cy="2914650"/>
+          </a:xfrm>
+          <a:prstGeom prst="rect">
+            <a:avLst/>
+          </a:prstGeom>
+          <a:ln>
+            <a:noFill/>
+          </a:ln>
+          <a:effectLst>
+            <a:outerShdw blurRad="292100" dist="139700" dir="2700000" algn="tl" rotWithShape="0">
+              <a:srgbClr val="333333">
+                <a:alpha val="65000"/>
+              </a:srgbClr>
+            </a:outerShdw>
+          </a:effectLst>
+        </p:spPr>
+      </p:pic>
+    </p:spTree>
+    <p:extLst>
+      <p:ext uri="{BB962C8B-B14F-4D97-AF65-F5344CB8AC3E}">
+        <p14:creationId xmlns:p14="http://schemas.microsoft.com/office/powerpoint/2010/main" val="2033662437"/>
+      </p:ext>
+    </p:extLst>
+  </p:cSld>
+  <p:clrMapOvr>
+    <a:masterClrMapping/>
+  </p:clrMapOvr>
+  <p:timing>
+    <p:tnLst>
+      <p:par>
+        <p:cTn id="1" dur="indefinite" restart="never" nodeType="tmRoot"/>
+      </p:par>
+    </p:tnLst>
+  </p:timing>
+</p:sld>
+</file>
+
+<file path=ppt/slides/slide62.xml><?xml version="1.0" encoding="utf-8"?>
+<p:sld xmlns:a="http://schemas.openxmlformats.org/drawingml/2006/main" xmlns:r="http://schemas.openxmlformats.org/officeDocument/2006/relationships" xmlns:p="http://schemas.openxmlformats.org/presentationml/2006/main">
+  <p:cSld>
+    <p:spTree>
+      <p:nvGrpSpPr>
+        <p:cNvPr id="1" name=""/>
+        <p:cNvGrpSpPr/>
+        <p:nvPr/>
+      </p:nvGrpSpPr>
+      <p:grpSpPr>
+        <a:xfrm>
+          <a:off x="0" y="0"/>
+          <a:ext cx="0" cy="0"/>
+          <a:chOff x="0" y="0"/>
+          <a:chExt cx="0" cy="0"/>
+        </a:xfrm>
+      </p:grpSpPr>
+      <p:sp>
+        <p:nvSpPr>
+          <p:cNvPr id="2" name="Titre 1"/>
+          <p:cNvSpPr>
+            <a:spLocks noGrp="1"/>
+          </p:cNvSpPr>
+          <p:nvPr>
+            <p:ph type="title"/>
+          </p:nvPr>
+        </p:nvSpPr>
+        <p:spPr>
+          <a:xfrm>
+            <a:off x="2592925" y="624110"/>
+            <a:ext cx="8911687" cy="1280890"/>
+          </a:xfrm>
+        </p:spPr>
+        <p:txBody>
+          <a:bodyPr/>
+          <a:lstStyle/>
+          <a:p>
+            <a:r>
+              <a:rPr lang="fr-FR" dirty="0" smtClean="0"/>
+              <a:t>Fonctions : </a:t>
+            </a:r>
+            <a:r>
+              <a:rPr lang="fr-FR" sz="2000" b="1" i="1" dirty="0" smtClean="0">
+                <a:solidFill>
+                  <a:schemeClr val="accent1"/>
+                </a:solidFill>
+              </a:rPr>
+              <a:t>Arguments nommés</a:t>
+            </a:r>
+            <a:endParaRPr lang="fr-FR" sz="3200" b="1" i="1" dirty="0">
+              <a:solidFill>
+                <a:schemeClr val="accent1"/>
+              </a:solidFill>
+            </a:endParaRPr>
+          </a:p>
+        </p:txBody>
+      </p:sp>
+      <p:sp>
+        <p:nvSpPr>
+          <p:cNvPr id="3" name="Espace réservé du contenu 2"/>
+          <p:cNvSpPr>
+            <a:spLocks noGrp="1"/>
+          </p:cNvSpPr>
+          <p:nvPr>
+            <p:ph idx="1"/>
+          </p:nvPr>
+        </p:nvSpPr>
+        <p:spPr>
+          <a:xfrm>
+            <a:off x="1327868" y="1451729"/>
+            <a:ext cx="10647831" cy="5036536"/>
+          </a:xfrm>
+        </p:spPr>
+        <p:txBody>
+          <a:bodyPr anchor="t" anchorCtr="0">
+            <a:noAutofit/>
+          </a:bodyPr>
+          <a:lstStyle/>
+          <a:p>
+            <a:pPr algn="just"/>
+            <a:r>
+              <a:rPr lang="fr-FR" dirty="0">
+                <a:solidFill>
+                  <a:schemeClr val="tx1"/>
+                </a:solidFill>
+              </a:rPr>
+              <a:t>Les fonctions peuvent également être appelées en utilisant des arguments nommés sous la </a:t>
+            </a:r>
+            <a:r>
+              <a:rPr lang="fr-FR" dirty="0" smtClean="0">
+                <a:solidFill>
+                  <a:schemeClr val="tx1"/>
+                </a:solidFill>
+              </a:rPr>
+              <a:t>forme </a:t>
+            </a:r>
+            <a:r>
+              <a:rPr lang="fr-FR" b="1" i="1" dirty="0" smtClean="0">
+                <a:solidFill>
+                  <a:schemeClr val="accent1"/>
+                </a:solidFill>
+              </a:rPr>
+              <a:t>kwarg=value</a:t>
+            </a:r>
+          </a:p>
+          <a:p>
+            <a:pPr algn="just"/>
+            <a:r>
+              <a:rPr lang="fr-FR" b="1" i="1" dirty="0" smtClean="0">
+                <a:solidFill>
+                  <a:schemeClr val="accent6"/>
+                </a:solidFill>
+              </a:rPr>
+              <a:t>m</a:t>
+            </a:r>
+            <a:r>
+              <a:rPr lang="fr-FR" b="1" i="1" dirty="0" smtClean="0">
+                <a:solidFill>
+                  <a:schemeClr val="accent6"/>
+                </a:solidFill>
+              </a:rPr>
+              <a:t>a_fonction()</a:t>
+            </a:r>
+            <a:r>
+              <a:rPr lang="fr-FR" dirty="0" smtClean="0">
+                <a:solidFill>
+                  <a:schemeClr val="tx1"/>
+                </a:solidFill>
+              </a:rPr>
+              <a:t> accepte un argument obligatoire (</a:t>
+            </a:r>
+            <a:r>
+              <a:rPr lang="fr-FR" b="1" i="1" dirty="0" smtClean="0">
+                <a:solidFill>
+                  <a:schemeClr val="accent6"/>
+                </a:solidFill>
+              </a:rPr>
+              <a:t>a_pos</a:t>
+            </a:r>
+            <a:r>
+              <a:rPr lang="fr-FR" dirty="0" smtClean="0">
+                <a:solidFill>
+                  <a:schemeClr val="tx1"/>
+                </a:solidFill>
+              </a:rPr>
+              <a:t>), et trois arguments facultatifs (</a:t>
+            </a:r>
+            <a:r>
+              <a:rPr lang="fr-FR" b="1" i="1" dirty="0" smtClean="0">
+                <a:solidFill>
+                  <a:schemeClr val="accent6"/>
+                </a:solidFill>
+              </a:rPr>
+              <a:t>a_nom_a</a:t>
+            </a:r>
+            <a:r>
+              <a:rPr lang="fr-FR" dirty="0" smtClean="0">
+                <a:solidFill>
+                  <a:schemeClr val="tx1"/>
+                </a:solidFill>
+              </a:rPr>
+              <a:t>, </a:t>
+            </a:r>
+            <a:r>
+              <a:rPr lang="fr-FR" b="1" i="1" dirty="0" smtClean="0">
+                <a:solidFill>
+                  <a:schemeClr val="accent6"/>
+                </a:solidFill>
+              </a:rPr>
+              <a:t>a_nom_b</a:t>
+            </a:r>
+            <a:r>
+              <a:rPr lang="fr-FR" dirty="0" smtClean="0">
+                <a:solidFill>
+                  <a:schemeClr val="accent6"/>
+                </a:solidFill>
+              </a:rPr>
+              <a:t> </a:t>
+            </a:r>
+            <a:r>
+              <a:rPr lang="fr-FR" dirty="0" smtClean="0">
+                <a:solidFill>
+                  <a:schemeClr val="tx1"/>
+                </a:solidFill>
+              </a:rPr>
+              <a:t>et </a:t>
+            </a:r>
+            <a:r>
+              <a:rPr lang="fr-FR" b="1" i="1" dirty="0" smtClean="0">
+                <a:solidFill>
+                  <a:schemeClr val="accent6"/>
+                </a:solidFill>
+              </a:rPr>
+              <a:t>a_nom_c</a:t>
+            </a:r>
+            <a:r>
+              <a:rPr lang="fr-FR" dirty="0" smtClean="0">
+                <a:solidFill>
+                  <a:schemeClr val="tx1"/>
+                </a:solidFill>
+              </a:rPr>
+              <a:t>)</a:t>
+            </a:r>
+          </a:p>
+          <a:p>
+            <a:pPr algn="just"/>
+            <a:r>
+              <a:rPr lang="fr-FR" dirty="0" smtClean="0">
+                <a:solidFill>
+                  <a:schemeClr val="tx1"/>
+                </a:solidFill>
+              </a:rPr>
+              <a:t>Cette fonction peut être appelée de n'importe laquelle de ces façons :</a:t>
+            </a:r>
+          </a:p>
+          <a:p>
+            <a:pPr lvl="1" algn="just"/>
+            <a:r>
+              <a:rPr lang="fr-FR" b="1" i="1" dirty="0" smtClean="0">
+                <a:solidFill>
+                  <a:schemeClr val="accent6"/>
+                </a:solidFill>
+              </a:rPr>
+              <a:t>ma_fonction(1000)</a:t>
+            </a:r>
+          </a:p>
+          <a:p>
+            <a:pPr lvl="1" algn="just"/>
+            <a:r>
+              <a:rPr lang="fr-FR" b="1" i="1" dirty="0" smtClean="0">
+                <a:solidFill>
+                  <a:schemeClr val="accent6"/>
+                </a:solidFill>
+              </a:rPr>
+              <a:t>ma_fonction(a_pos=1000</a:t>
+            </a:r>
+            <a:r>
+              <a:rPr lang="fr-FR" b="1" i="1" dirty="0">
+                <a:solidFill>
+                  <a:schemeClr val="accent6"/>
+                </a:solidFill>
+              </a:rPr>
+              <a:t>)</a:t>
+            </a:r>
+          </a:p>
+          <a:p>
+            <a:pPr lvl="1" algn="just"/>
+            <a:r>
+              <a:rPr lang="fr-FR" b="1" i="1" dirty="0" smtClean="0">
+                <a:solidFill>
+                  <a:schemeClr val="accent6"/>
+                </a:solidFill>
+              </a:rPr>
+              <a:t>ma_fonction(a_pos=1000, a_nom_a='AAA')</a:t>
+            </a:r>
+          </a:p>
+          <a:p>
+            <a:pPr lvl="1" algn="just"/>
+            <a:r>
+              <a:rPr lang="fr-FR" b="1" i="1" dirty="0">
+                <a:solidFill>
+                  <a:schemeClr val="accent6"/>
+                </a:solidFill>
+              </a:rPr>
+              <a:t>ma_fonction(a_pos=1000, </a:t>
+            </a:r>
+            <a:r>
+              <a:rPr lang="fr-FR" b="1" i="1" dirty="0" smtClean="0">
+                <a:solidFill>
+                  <a:schemeClr val="accent6"/>
+                </a:solidFill>
+              </a:rPr>
+              <a:t>a_nom_a=</a:t>
+            </a:r>
+            <a:r>
+              <a:rPr lang="fr-FR" b="1" i="1" dirty="0">
+                <a:solidFill>
+                  <a:schemeClr val="accent6"/>
+                </a:solidFill>
+              </a:rPr>
+              <a:t>'AAA</a:t>
+            </a:r>
+            <a:r>
+              <a:rPr lang="fr-FR" b="1" i="1" dirty="0" smtClean="0">
+                <a:solidFill>
+                  <a:schemeClr val="accent6"/>
+                </a:solidFill>
+              </a:rPr>
+              <a:t>')</a:t>
+            </a:r>
+          </a:p>
+          <a:p>
+            <a:pPr lvl="1" algn="just"/>
+            <a:r>
+              <a:rPr lang="fr-FR" b="1" i="1" dirty="0" smtClean="0">
+                <a:solidFill>
+                  <a:schemeClr val="accent6"/>
+                </a:solidFill>
+              </a:rPr>
+              <a:t>ma_fonction(a_nom_b='BBB', a_pos=100, a_nom_c='CCC')</a:t>
+            </a:r>
+            <a:endParaRPr lang="fr-FR" b="1" i="1" dirty="0">
+              <a:solidFill>
+                <a:schemeClr val="accent6"/>
+              </a:solidFill>
+            </a:endParaRPr>
+          </a:p>
+          <a:p>
+            <a:pPr lvl="1" algn="just"/>
+            <a:endParaRPr lang="fr-FR" dirty="0">
+              <a:solidFill>
+                <a:schemeClr val="tx1"/>
+              </a:solidFill>
+            </a:endParaRPr>
+          </a:p>
+          <a:p>
+            <a:pPr lvl="1" algn="just"/>
+            <a:endParaRPr lang="fr-FR" dirty="0">
+              <a:solidFill>
+                <a:schemeClr val="tx1"/>
+              </a:solidFill>
+            </a:endParaRPr>
+          </a:p>
+        </p:txBody>
+      </p:sp>
+      <p:pic>
+        <p:nvPicPr>
+          <p:cNvPr id="7" name="Image 6"/>
+          <p:cNvPicPr>
+            <a:picLocks noChangeAspect="1"/>
+          </p:cNvPicPr>
+          <p:nvPr/>
+        </p:nvPicPr>
+        <p:blipFill>
+          <a:blip r:embed="rId3"/>
+          <a:stretch>
+            <a:fillRect/>
+          </a:stretch>
+        </p:blipFill>
+        <p:spPr>
+          <a:xfrm>
+            <a:off x="5241525" y="5126189"/>
+            <a:ext cx="6734175" cy="1362075"/>
+          </a:xfrm>
+          <a:prstGeom prst="rect">
+            <a:avLst/>
+          </a:prstGeom>
+          <a:ln>
+            <a:noFill/>
+          </a:ln>
+          <a:effectLst>
+            <a:outerShdw blurRad="292100" dist="139700" dir="2700000" algn="tl" rotWithShape="0">
+              <a:srgbClr val="333333">
+                <a:alpha val="65000"/>
+              </a:srgbClr>
+            </a:outerShdw>
+          </a:effectLst>
+        </p:spPr>
+      </p:pic>
+    </p:spTree>
+    <p:extLst>
+      <p:ext uri="{BB962C8B-B14F-4D97-AF65-F5344CB8AC3E}">
+        <p14:creationId xmlns:p14="http://schemas.microsoft.com/office/powerpoint/2010/main" val="3230871622"/>
+      </p:ext>
+    </p:extLst>
+  </p:cSld>
+  <p:clrMapOvr>
+    <a:masterClrMapping/>
+  </p:clrMapOvr>
+  <p:timing>
+    <p:tnLst>
+      <p:par>
+        <p:cTn id="1" dur="indefinite" restart="never" nodeType="tmRoot"/>
+      </p:par>
+    </p:tnLst>
+  </p:timing>
+</p:sld>
+</file>
+
+<file path=ppt/slides/slide63.xml><?xml version="1.0" encoding="utf-8"?>
+<p:sld xmlns:a="http://schemas.openxmlformats.org/drawingml/2006/main" xmlns:r="http://schemas.openxmlformats.org/officeDocument/2006/relationships" xmlns:p="http://schemas.openxmlformats.org/presentationml/2006/main">
+  <p:cSld>
+    <p:spTree>
+      <p:nvGrpSpPr>
+        <p:cNvPr id="1" name=""/>
+        <p:cNvGrpSpPr/>
+        <p:nvPr/>
+      </p:nvGrpSpPr>
+      <p:grpSpPr>
+        <a:xfrm>
+          <a:off x="0" y="0"/>
+          <a:ext cx="0" cy="0"/>
+          <a:chOff x="0" y="0"/>
+          <a:chExt cx="0" cy="0"/>
+        </a:xfrm>
+      </p:grpSpPr>
+      <p:sp>
+        <p:nvSpPr>
+          <p:cNvPr id="2" name="Titre 1"/>
+          <p:cNvSpPr>
+            <a:spLocks noGrp="1"/>
+          </p:cNvSpPr>
+          <p:nvPr>
+            <p:ph type="title"/>
+          </p:nvPr>
+        </p:nvSpPr>
+        <p:spPr>
+          <a:xfrm>
+            <a:off x="2592925" y="624110"/>
+            <a:ext cx="8911687" cy="1280890"/>
+          </a:xfrm>
+        </p:spPr>
+        <p:txBody>
+          <a:bodyPr/>
+          <a:lstStyle/>
+          <a:p>
+            <a:r>
+              <a:rPr lang="fr-FR" dirty="0" smtClean="0"/>
+              <a:t>Fonctions : </a:t>
+            </a:r>
+            <a:r>
+              <a:rPr lang="fr-FR" sz="2000" b="1" i="1" dirty="0" smtClean="0">
+                <a:solidFill>
+                  <a:schemeClr val="accent1"/>
+                </a:solidFill>
+              </a:rPr>
+              <a:t>Arguments nommés</a:t>
+            </a:r>
+            <a:endParaRPr lang="fr-FR" sz="3200" b="1" i="1" dirty="0">
+              <a:solidFill>
+                <a:schemeClr val="accent1"/>
+              </a:solidFill>
+            </a:endParaRPr>
+          </a:p>
+        </p:txBody>
+      </p:sp>
+      <p:sp>
+        <p:nvSpPr>
+          <p:cNvPr id="3" name="Espace réservé du contenu 2"/>
+          <p:cNvSpPr>
+            <a:spLocks noGrp="1"/>
+          </p:cNvSpPr>
+          <p:nvPr>
+            <p:ph idx="1"/>
+          </p:nvPr>
+        </p:nvSpPr>
+        <p:spPr>
+          <a:xfrm>
+            <a:off x="1327868" y="1451729"/>
+            <a:ext cx="10647831" cy="5036536"/>
+          </a:xfrm>
+        </p:spPr>
+        <p:txBody>
+          <a:bodyPr anchor="t" anchorCtr="0">
+            <a:noAutofit/>
+          </a:bodyPr>
+          <a:lstStyle/>
+          <a:p>
+            <a:pPr algn="just"/>
+            <a:r>
+              <a:rPr lang="fr-FR" dirty="0">
+                <a:solidFill>
+                  <a:schemeClr val="tx1"/>
+                </a:solidFill>
+              </a:rPr>
+              <a:t>Dans un appel de fonction, les arguments nommés doivent suivre les arguments </a:t>
+            </a:r>
+            <a:r>
+              <a:rPr lang="fr-FR" dirty="0" smtClean="0">
+                <a:solidFill>
+                  <a:schemeClr val="tx1"/>
+                </a:solidFill>
+              </a:rPr>
+              <a:t>positionnés</a:t>
+            </a:r>
+          </a:p>
+          <a:p>
+            <a:pPr algn="just"/>
+            <a:r>
+              <a:rPr lang="fr-FR" dirty="0" smtClean="0">
+                <a:solidFill>
+                  <a:schemeClr val="tx1"/>
+                </a:solidFill>
+              </a:rPr>
+              <a:t>Tous </a:t>
+            </a:r>
+            <a:r>
+              <a:rPr lang="fr-FR" dirty="0">
+                <a:solidFill>
+                  <a:schemeClr val="tx1"/>
+                </a:solidFill>
+              </a:rPr>
+              <a:t>les arguments nommés doivent correspondre à l’un des arguments acceptés par la </a:t>
+            </a:r>
+            <a:r>
+              <a:rPr lang="fr-FR" dirty="0" smtClean="0">
+                <a:solidFill>
+                  <a:schemeClr val="tx1"/>
+                </a:solidFill>
+              </a:rPr>
+              <a:t>fonction, </a:t>
+            </a:r>
+            <a:r>
+              <a:rPr lang="fr-FR" dirty="0">
+                <a:solidFill>
+                  <a:schemeClr val="tx1"/>
+                </a:solidFill>
+              </a:rPr>
+              <a:t>mais leur ordre n’est pas </a:t>
+            </a:r>
+            <a:r>
+              <a:rPr lang="fr-FR" dirty="0" smtClean="0">
+                <a:solidFill>
+                  <a:schemeClr val="tx1"/>
+                </a:solidFill>
+              </a:rPr>
+              <a:t>important</a:t>
+            </a:r>
+          </a:p>
+          <a:p>
+            <a:pPr algn="just"/>
+            <a:r>
+              <a:rPr lang="fr-FR" dirty="0" smtClean="0">
+                <a:solidFill>
+                  <a:schemeClr val="tx1"/>
+                </a:solidFill>
+              </a:rPr>
+              <a:t>Ceci </a:t>
+            </a:r>
+            <a:r>
+              <a:rPr lang="fr-FR" dirty="0">
+                <a:solidFill>
+                  <a:schemeClr val="tx1"/>
+                </a:solidFill>
+              </a:rPr>
+              <a:t>inclut également les arguments </a:t>
+            </a:r>
+            <a:r>
+              <a:rPr lang="fr-FR" dirty="0" smtClean="0">
+                <a:solidFill>
+                  <a:schemeClr val="tx1"/>
+                </a:solidFill>
+              </a:rPr>
+              <a:t>facultatifs</a:t>
+            </a:r>
+          </a:p>
+          <a:p>
+            <a:pPr algn="just"/>
+            <a:r>
+              <a:rPr lang="fr-FR" dirty="0" smtClean="0">
+                <a:solidFill>
+                  <a:schemeClr val="tx1"/>
+                </a:solidFill>
+              </a:rPr>
+              <a:t>Aucun </a:t>
+            </a:r>
+            <a:r>
+              <a:rPr lang="fr-FR" dirty="0">
+                <a:solidFill>
+                  <a:schemeClr val="tx1"/>
+                </a:solidFill>
+              </a:rPr>
+              <a:t>argument ne peut recevoir une valeur plus d’une fois, comme l’illustre cet exemple incorrect du fait de cette </a:t>
+            </a:r>
+            <a:r>
+              <a:rPr lang="fr-FR" dirty="0" smtClean="0">
+                <a:solidFill>
+                  <a:schemeClr val="tx1"/>
+                </a:solidFill>
+              </a:rPr>
+              <a:t>restriction</a:t>
+            </a:r>
+            <a:endParaRPr lang="fr-FR" dirty="0">
+              <a:solidFill>
+                <a:schemeClr val="tx1"/>
+              </a:solidFill>
+            </a:endParaRPr>
+          </a:p>
+        </p:txBody>
+      </p:sp>
+      <p:pic>
+        <p:nvPicPr>
+          <p:cNvPr id="4" name="Image 3"/>
+          <p:cNvPicPr>
+            <a:picLocks noChangeAspect="1"/>
+          </p:cNvPicPr>
+          <p:nvPr/>
+        </p:nvPicPr>
+        <p:blipFill>
+          <a:blip r:embed="rId3"/>
+          <a:stretch>
+            <a:fillRect/>
+          </a:stretch>
+        </p:blipFill>
+        <p:spPr>
+          <a:xfrm>
+            <a:off x="3641883" y="4268182"/>
+            <a:ext cx="6019800" cy="1790700"/>
+          </a:xfrm>
+          <a:prstGeom prst="rect">
+            <a:avLst/>
+          </a:prstGeom>
+          <a:ln>
+            <a:noFill/>
+          </a:ln>
+          <a:effectLst>
+            <a:outerShdw blurRad="292100" dist="139700" dir="2700000" algn="tl" rotWithShape="0">
+              <a:srgbClr val="333333">
+                <a:alpha val="65000"/>
+              </a:srgbClr>
+            </a:outerShdw>
+          </a:effectLst>
+        </p:spPr>
+      </p:pic>
+    </p:spTree>
+    <p:extLst>
+      <p:ext uri="{BB962C8B-B14F-4D97-AF65-F5344CB8AC3E}">
+        <p14:creationId xmlns:p14="http://schemas.microsoft.com/office/powerpoint/2010/main" val="2633645319"/>
+      </p:ext>
+    </p:extLst>
+  </p:cSld>
+  <p:clrMapOvr>
+    <a:masterClrMapping/>
+  </p:clrMapOvr>
+  <p:timing>
+    <p:tnLst>
+      <p:par>
+        <p:cTn id="1" dur="indefinite" restart="never" nodeType="tmRoot"/>
+      </p:par>
+    </p:tnLst>
+  </p:timing>
+</p:sld>
+</file>
+
+<file path=ppt/slides/slide64.xml><?xml version="1.0" encoding="utf-8"?>
+<p:sld xmlns:a="http://schemas.openxmlformats.org/drawingml/2006/main" xmlns:r="http://schemas.openxmlformats.org/officeDocument/2006/relationships" xmlns:p="http://schemas.openxmlformats.org/presentationml/2006/main">
+  <p:cSld>
+    <p:spTree>
+      <p:nvGrpSpPr>
+        <p:cNvPr id="1" name=""/>
+        <p:cNvGrpSpPr/>
+        <p:nvPr/>
+      </p:nvGrpSpPr>
+      <p:grpSpPr>
+        <a:xfrm>
+          <a:off x="0" y="0"/>
+          <a:ext cx="0" cy="0"/>
+          <a:chOff x="0" y="0"/>
+          <a:chExt cx="0" cy="0"/>
+        </a:xfrm>
+      </p:grpSpPr>
+      <p:sp>
+        <p:nvSpPr>
+          <p:cNvPr id="2" name="Titre 1"/>
+          <p:cNvSpPr>
+            <a:spLocks noGrp="1"/>
+          </p:cNvSpPr>
+          <p:nvPr>
+            <p:ph type="title"/>
+          </p:nvPr>
+        </p:nvSpPr>
+        <p:spPr>
+          <a:xfrm>
+            <a:off x="2592925" y="624110"/>
+            <a:ext cx="8911687" cy="1280890"/>
+          </a:xfrm>
+        </p:spPr>
+        <p:txBody>
+          <a:bodyPr/>
+          <a:lstStyle/>
+          <a:p>
+            <a:r>
+              <a:rPr lang="fr-FR" dirty="0" smtClean="0"/>
+              <a:t>Fonctions : </a:t>
+            </a:r>
+            <a:r>
+              <a:rPr lang="fr-FR" sz="2000" b="1" i="1" dirty="0" smtClean="0">
+                <a:solidFill>
+                  <a:schemeClr val="accent1"/>
+                </a:solidFill>
+              </a:rPr>
+              <a:t>Arguments nommés</a:t>
+            </a:r>
+            <a:endParaRPr lang="fr-FR" sz="3200" b="1" i="1" dirty="0">
+              <a:solidFill>
+                <a:schemeClr val="accent1"/>
+              </a:solidFill>
+            </a:endParaRPr>
+          </a:p>
+        </p:txBody>
+      </p:sp>
+      <p:sp>
+        <p:nvSpPr>
+          <p:cNvPr id="3" name="Espace réservé du contenu 2"/>
+          <p:cNvSpPr>
+            <a:spLocks noGrp="1"/>
+          </p:cNvSpPr>
+          <p:nvPr>
+            <p:ph idx="1"/>
+          </p:nvPr>
+        </p:nvSpPr>
+        <p:spPr>
+          <a:xfrm>
+            <a:off x="1327869" y="1451729"/>
+            <a:ext cx="4950384" cy="5036536"/>
+          </a:xfrm>
+        </p:spPr>
+        <p:txBody>
+          <a:bodyPr anchor="t" anchorCtr="0">
+            <a:noAutofit/>
+          </a:bodyPr>
+          <a:lstStyle/>
+          <a:p>
+            <a:pPr algn="just"/>
+            <a:r>
+              <a:rPr lang="fr-FR" dirty="0">
+                <a:solidFill>
+                  <a:schemeClr val="tx1"/>
+                </a:solidFill>
+              </a:rPr>
+              <a:t>Quand un dernier paramètre formel est présent sous la forme </a:t>
+            </a:r>
+            <a:r>
+              <a:rPr lang="fr-FR" b="1" i="1" dirty="0">
+                <a:solidFill>
+                  <a:schemeClr val="accent6"/>
+                </a:solidFill>
+              </a:rPr>
+              <a:t>**name</a:t>
+            </a:r>
+            <a:r>
+              <a:rPr lang="fr-FR" dirty="0">
+                <a:solidFill>
+                  <a:schemeClr val="tx1"/>
+                </a:solidFill>
+              </a:rPr>
+              <a:t>, il reçoit un dictionnaire </a:t>
+            </a:r>
+            <a:r>
+              <a:rPr lang="fr-FR" dirty="0" smtClean="0">
+                <a:solidFill>
+                  <a:schemeClr val="tx1"/>
+                </a:solidFill>
+              </a:rPr>
+              <a:t>contenant </a:t>
+            </a:r>
+            <a:r>
+              <a:rPr lang="fr-FR" dirty="0">
+                <a:solidFill>
+                  <a:schemeClr val="tx1"/>
+                </a:solidFill>
+              </a:rPr>
+              <a:t>tous les arguments nommés à l’exception de ceux correspondant à un paramètre </a:t>
+            </a:r>
+            <a:r>
+              <a:rPr lang="fr-FR" dirty="0" smtClean="0">
+                <a:solidFill>
+                  <a:schemeClr val="tx1"/>
+                </a:solidFill>
+              </a:rPr>
+              <a:t>formel</a:t>
+            </a:r>
+          </a:p>
+          <a:p>
+            <a:pPr algn="just"/>
+            <a:r>
+              <a:rPr lang="fr-FR" dirty="0" smtClean="0">
+                <a:solidFill>
+                  <a:schemeClr val="tx1"/>
+                </a:solidFill>
+              </a:rPr>
+              <a:t>Ceci </a:t>
+            </a:r>
+            <a:r>
+              <a:rPr lang="fr-FR" dirty="0">
+                <a:solidFill>
+                  <a:schemeClr val="tx1"/>
+                </a:solidFill>
+              </a:rPr>
+              <a:t>peut être combiné à un paramètre formel sous la forme *name </a:t>
+            </a:r>
+            <a:r>
+              <a:rPr lang="fr-FR" dirty="0" smtClean="0">
+                <a:solidFill>
+                  <a:schemeClr val="tx1"/>
+                </a:solidFill>
+              </a:rPr>
+              <a:t>qui </a:t>
+            </a:r>
+            <a:r>
+              <a:rPr lang="fr-FR" dirty="0">
+                <a:solidFill>
+                  <a:schemeClr val="tx1"/>
+                </a:solidFill>
+              </a:rPr>
+              <a:t>lui reçoit un tuple contenant les arguments positionnés au-delà de la liste des paramètres formels (</a:t>
+            </a:r>
+            <a:r>
+              <a:rPr lang="fr-FR" b="1" i="1" dirty="0">
+                <a:solidFill>
+                  <a:schemeClr val="accent6"/>
+                </a:solidFill>
+              </a:rPr>
+              <a:t>*name</a:t>
+            </a:r>
+            <a:r>
+              <a:rPr lang="fr-FR" dirty="0">
+                <a:solidFill>
+                  <a:schemeClr val="tx1"/>
+                </a:solidFill>
+              </a:rPr>
+              <a:t> doit être présent avant </a:t>
+            </a:r>
+            <a:r>
+              <a:rPr lang="fr-FR" b="1" i="1" dirty="0">
+                <a:solidFill>
+                  <a:schemeClr val="accent6"/>
+                </a:solidFill>
+              </a:rPr>
+              <a:t>**name</a:t>
+            </a:r>
+            <a:r>
+              <a:rPr lang="fr-FR" dirty="0" smtClean="0">
+                <a:solidFill>
+                  <a:schemeClr val="tx1"/>
+                </a:solidFill>
+              </a:rPr>
+              <a:t>)</a:t>
+            </a:r>
+          </a:p>
+          <a:p>
+            <a:pPr algn="just"/>
+            <a:r>
+              <a:rPr lang="fr-FR" dirty="0">
+                <a:solidFill>
+                  <a:schemeClr val="tx1"/>
+                </a:solidFill>
+              </a:rPr>
+              <a:t>Il est garanti que l’ordre d’affichage des arguments est le même que l’ordre dans lesquels ils sont fournis lors de l’appel à la fonction</a:t>
+            </a:r>
+            <a:endParaRPr lang="fr-FR" dirty="0">
+              <a:solidFill>
+                <a:schemeClr val="tx1"/>
+              </a:solidFill>
+            </a:endParaRPr>
+          </a:p>
+        </p:txBody>
+      </p:sp>
+      <p:pic>
+        <p:nvPicPr>
+          <p:cNvPr id="5" name="Image 4"/>
+          <p:cNvPicPr>
+            <a:picLocks noChangeAspect="1"/>
+          </p:cNvPicPr>
+          <p:nvPr/>
+        </p:nvPicPr>
+        <p:blipFill>
+          <a:blip r:embed="rId3"/>
+          <a:stretch>
+            <a:fillRect/>
+          </a:stretch>
+        </p:blipFill>
+        <p:spPr>
+          <a:xfrm>
+            <a:off x="6438507" y="1517377"/>
+            <a:ext cx="5537192" cy="4970888"/>
+          </a:xfrm>
+          <a:prstGeom prst="rect">
+            <a:avLst/>
+          </a:prstGeom>
+          <a:ln>
+            <a:noFill/>
+          </a:ln>
+          <a:effectLst>
+            <a:outerShdw blurRad="292100" dist="139700" dir="2700000" algn="tl" rotWithShape="0">
+              <a:srgbClr val="333333">
+                <a:alpha val="65000"/>
+              </a:srgbClr>
+            </a:outerShdw>
+          </a:effectLst>
+        </p:spPr>
+      </p:pic>
+    </p:spTree>
+    <p:extLst>
+      <p:ext uri="{BB962C8B-B14F-4D97-AF65-F5344CB8AC3E}">
+        <p14:creationId xmlns:p14="http://schemas.microsoft.com/office/powerpoint/2010/main" val="1208697648"/>
+      </p:ext>
+    </p:extLst>
+  </p:cSld>
+  <p:clrMapOvr>
+    <a:masterClrMapping/>
+  </p:clrMapOvr>
+  <p:timing>
+    <p:tnLst>
+      <p:par>
+        <p:cTn id="1" dur="indefinite" restart="never" nodeType="tmRoot"/>
+      </p:par>
+    </p:tnLst>
+  </p:timing>
+</p:sld>
+</file>
+
+<file path=ppt/slides/slide65.xml><?xml version="1.0" encoding="utf-8"?>
+<p:sld xmlns:a="http://schemas.openxmlformats.org/drawingml/2006/main" xmlns:r="http://schemas.openxmlformats.org/officeDocument/2006/relationships" xmlns:p="http://schemas.openxmlformats.org/presentationml/2006/main">
+  <p:cSld>
+    <p:spTree>
+      <p:nvGrpSpPr>
+        <p:cNvPr id="1" name=""/>
+        <p:cNvGrpSpPr/>
+        <p:nvPr/>
+      </p:nvGrpSpPr>
+      <p:grpSpPr>
+        <a:xfrm>
+          <a:off x="0" y="0"/>
+          <a:ext cx="0" cy="0"/>
+          <a:chOff x="0" y="0"/>
+          <a:chExt cx="0" cy="0"/>
+        </a:xfrm>
+      </p:grpSpPr>
+      <p:sp>
+        <p:nvSpPr>
+          <p:cNvPr id="2" name="Titre 1"/>
+          <p:cNvSpPr>
+            <a:spLocks noGrp="1"/>
+          </p:cNvSpPr>
+          <p:nvPr>
+            <p:ph type="title"/>
+          </p:nvPr>
+        </p:nvSpPr>
+        <p:spPr>
+          <a:xfrm>
+            <a:off x="2592925" y="624110"/>
+            <a:ext cx="8911687" cy="1280890"/>
+          </a:xfrm>
+        </p:spPr>
+        <p:txBody>
+          <a:bodyPr/>
+          <a:lstStyle/>
+          <a:p>
+            <a:r>
+              <a:rPr lang="fr-FR" dirty="0" smtClean="0"/>
+              <a:t>Fonctions : </a:t>
+            </a:r>
+            <a:r>
+              <a:rPr lang="fr-FR" sz="2000" b="1" i="1" dirty="0" smtClean="0">
+                <a:solidFill>
+                  <a:schemeClr val="accent1"/>
+                </a:solidFill>
+              </a:rPr>
+              <a:t>Liste d'arguments arbitraires</a:t>
+            </a:r>
+            <a:endParaRPr lang="fr-FR" sz="3200" b="1" i="1" dirty="0">
+              <a:solidFill>
+                <a:schemeClr val="accent1"/>
+              </a:solidFill>
+            </a:endParaRPr>
+          </a:p>
+        </p:txBody>
+      </p:sp>
+      <p:sp>
+        <p:nvSpPr>
+          <p:cNvPr id="3" name="Espace réservé du contenu 2"/>
+          <p:cNvSpPr>
+            <a:spLocks noGrp="1"/>
+          </p:cNvSpPr>
+          <p:nvPr>
+            <p:ph idx="1"/>
+          </p:nvPr>
+        </p:nvSpPr>
+        <p:spPr>
+          <a:xfrm>
+            <a:off x="1327869" y="1451729"/>
+            <a:ext cx="4950384" cy="5036536"/>
+          </a:xfrm>
+        </p:spPr>
+        <p:txBody>
+          <a:bodyPr anchor="t" anchorCtr="0">
+            <a:noAutofit/>
+          </a:bodyPr>
+          <a:lstStyle/>
+          <a:p>
+            <a:pPr algn="just"/>
+            <a:r>
+              <a:rPr lang="fr-FR" dirty="0" smtClean="0">
+                <a:solidFill>
+                  <a:schemeClr val="tx1"/>
+                </a:solidFill>
+              </a:rPr>
+              <a:t>…</a:t>
+            </a:r>
+            <a:endParaRPr lang="fr-FR" dirty="0">
+              <a:solidFill>
+                <a:schemeClr val="tx1"/>
+              </a:solidFill>
+            </a:endParaRPr>
+          </a:p>
+        </p:txBody>
+      </p:sp>
+    </p:spTree>
+    <p:extLst>
+      <p:ext uri="{BB962C8B-B14F-4D97-AF65-F5344CB8AC3E}">
+        <p14:creationId xmlns:p14="http://schemas.microsoft.com/office/powerpoint/2010/main" val="1294843088"/>
+      </p:ext>
+    </p:extLst>
+  </p:cSld>
+  <p:clrMapOvr>
+    <a:masterClrMapping/>
+  </p:clrMapOvr>
+  <p:timing>
+    <p:tnLst>
+      <p:par>
+        <p:cTn id="1" dur="indefinite" restart="never" nodeType="tmRoot"/>
+      </p:par>
+    </p:tnLst>
+  </p:timing>
+</p:sld>
+</file>
+
+<file path=ppt/slides/slide66.xml><?xml version="1.0" encoding="utf-8"?>
+<p:sld xmlns:a="http://schemas.openxmlformats.org/drawingml/2006/main" xmlns:r="http://schemas.openxmlformats.org/officeDocument/2006/relationships" xmlns:p="http://schemas.openxmlformats.org/presentationml/2006/main">
+  <p:cSld>
+    <p:spTree>
+      <p:nvGrpSpPr>
+        <p:cNvPr id="1" name=""/>
+        <p:cNvGrpSpPr/>
+        <p:nvPr/>
+      </p:nvGrpSpPr>
+      <p:grpSpPr>
+        <a:xfrm>
+          <a:off x="0" y="0"/>
+          <a:ext cx="0" cy="0"/>
+          <a:chOff x="0" y="0"/>
+          <a:chExt cx="0" cy="0"/>
+        </a:xfrm>
+      </p:grpSpPr>
+      <p:sp>
+        <p:nvSpPr>
+          <p:cNvPr id="2" name="Titre 1"/>
+          <p:cNvSpPr>
+            <a:spLocks noGrp="1"/>
+          </p:cNvSpPr>
+          <p:nvPr>
+            <p:ph type="title"/>
+          </p:nvPr>
+        </p:nvSpPr>
+        <p:spPr>
+          <a:xfrm>
+            <a:off x="2592925" y="624110"/>
+            <a:ext cx="8911687" cy="1280890"/>
+          </a:xfrm>
+        </p:spPr>
+        <p:txBody>
+          <a:bodyPr/>
+          <a:lstStyle/>
+          <a:p>
+            <a:r>
+              <a:rPr lang="fr-FR" dirty="0" smtClean="0"/>
+              <a:t>Style de codage</a:t>
+            </a:r>
+            <a:endParaRPr lang="fr-FR" b="1" i="1" dirty="0">
+              <a:solidFill>
+                <a:schemeClr val="accent6"/>
+              </a:solidFill>
+            </a:endParaRPr>
+          </a:p>
+        </p:txBody>
+      </p:sp>
+      <p:sp>
+        <p:nvSpPr>
+          <p:cNvPr id="3" name="Espace réservé du contenu 2"/>
+          <p:cNvSpPr>
+            <a:spLocks noGrp="1"/>
+          </p:cNvSpPr>
+          <p:nvPr>
+            <p:ph idx="1"/>
+          </p:nvPr>
+        </p:nvSpPr>
+        <p:spPr>
+          <a:xfrm>
+            <a:off x="1327869" y="1701579"/>
+            <a:ext cx="10296938" cy="4595853"/>
+          </a:xfrm>
+        </p:spPr>
+        <p:txBody>
+          <a:bodyPr anchor="ctr" anchorCtr="0">
+            <a:noAutofit/>
+          </a:bodyPr>
+          <a:lstStyle/>
+          <a:p>
+            <a:pPr algn="just"/>
+            <a:r>
+              <a:rPr lang="fr-FR" dirty="0">
+                <a:solidFill>
+                  <a:schemeClr val="tx1"/>
+                </a:solidFill>
+              </a:rPr>
+              <a:t>Maintenant que vous êtes prêt à écrire des programmes plus longs et plus complexes, il est temps de parler du style de </a:t>
+            </a:r>
+            <a:r>
+              <a:rPr lang="fr-FR" dirty="0" smtClean="0">
+                <a:solidFill>
+                  <a:schemeClr val="tx1"/>
+                </a:solidFill>
+              </a:rPr>
+              <a:t>codage</a:t>
+            </a:r>
+          </a:p>
+          <a:p>
+            <a:pPr algn="just"/>
+            <a:r>
+              <a:rPr lang="fr-FR" dirty="0" smtClean="0">
+                <a:solidFill>
+                  <a:schemeClr val="tx1"/>
+                </a:solidFill>
+              </a:rPr>
+              <a:t>La </a:t>
+            </a:r>
+            <a:r>
+              <a:rPr lang="fr-FR" dirty="0">
+                <a:solidFill>
+                  <a:schemeClr val="tx1"/>
+                </a:solidFill>
+              </a:rPr>
+              <a:t>plupart des langages peuvent être écrits (ou plutôt formatés) selon différents </a:t>
+            </a:r>
+            <a:r>
+              <a:rPr lang="fr-FR" dirty="0" smtClean="0">
+                <a:solidFill>
+                  <a:schemeClr val="tx1"/>
+                </a:solidFill>
+              </a:rPr>
+              <a:t>styles</a:t>
+            </a:r>
+          </a:p>
+          <a:p>
+            <a:pPr algn="just"/>
+            <a:r>
+              <a:rPr lang="fr-FR" dirty="0" smtClean="0">
+                <a:solidFill>
+                  <a:schemeClr val="tx1"/>
+                </a:solidFill>
+              </a:rPr>
+              <a:t>certains </a:t>
+            </a:r>
+            <a:r>
+              <a:rPr lang="fr-FR" dirty="0">
+                <a:solidFill>
+                  <a:schemeClr val="tx1"/>
+                </a:solidFill>
+              </a:rPr>
+              <a:t>sont plus lisibles que </a:t>
+            </a:r>
+            <a:r>
+              <a:rPr lang="fr-FR" dirty="0" smtClean="0">
+                <a:solidFill>
+                  <a:schemeClr val="tx1"/>
+                </a:solidFill>
+              </a:rPr>
+              <a:t>d’autres</a:t>
+            </a:r>
+          </a:p>
+          <a:p>
+            <a:pPr algn="just"/>
+            <a:r>
+              <a:rPr lang="fr-FR" dirty="0" smtClean="0">
+                <a:solidFill>
+                  <a:schemeClr val="tx1"/>
+                </a:solidFill>
+              </a:rPr>
+              <a:t>Rendre </a:t>
+            </a:r>
+            <a:r>
+              <a:rPr lang="fr-FR" dirty="0">
+                <a:solidFill>
+                  <a:schemeClr val="tx1"/>
+                </a:solidFill>
+              </a:rPr>
+              <a:t>la lecture de votre code plus facile aux autres est toujours une bonne idée, et adopter un bon style de codage peut énormément vous y </a:t>
+            </a:r>
+            <a:r>
+              <a:rPr lang="fr-FR" dirty="0" smtClean="0">
+                <a:solidFill>
+                  <a:schemeClr val="tx1"/>
+                </a:solidFill>
+              </a:rPr>
+              <a:t>aider</a:t>
+            </a:r>
+          </a:p>
+          <a:p>
+            <a:pPr algn="just"/>
+            <a:r>
+              <a:rPr lang="fr-FR" dirty="0">
+                <a:solidFill>
+                  <a:schemeClr val="tx1"/>
+                </a:solidFill>
+              </a:rPr>
+              <a:t>En Python, la </a:t>
+            </a:r>
+            <a:r>
+              <a:rPr lang="fr-FR" b="1" i="1" dirty="0">
+                <a:solidFill>
+                  <a:schemeClr val="accent1"/>
+                </a:solidFill>
+                <a:hlinkClick r:id="rId3"/>
+              </a:rPr>
+              <a:t>PEP 8</a:t>
+            </a:r>
+            <a:r>
+              <a:rPr lang="fr-FR" dirty="0">
+                <a:solidFill>
+                  <a:schemeClr val="tx1"/>
+                </a:solidFill>
+                <a:hlinkClick r:id="rId3"/>
+              </a:rPr>
+              <a:t> </a:t>
+            </a:r>
+            <a:r>
+              <a:rPr lang="fr-FR" dirty="0">
+                <a:solidFill>
+                  <a:schemeClr val="tx1"/>
+                </a:solidFill>
+              </a:rPr>
+              <a:t>a émergé comme étant un guide auquel la plupart des projets adhèrent ; elle met en avant un style de codage très lisible et agréable à </a:t>
+            </a:r>
+            <a:r>
+              <a:rPr lang="fr-FR" dirty="0" smtClean="0">
+                <a:solidFill>
+                  <a:schemeClr val="tx1"/>
+                </a:solidFill>
+              </a:rPr>
+              <a:t>l’œil</a:t>
+            </a:r>
+          </a:p>
+          <a:p>
+            <a:pPr algn="just"/>
+            <a:r>
+              <a:rPr lang="fr-FR" dirty="0" smtClean="0">
+                <a:solidFill>
+                  <a:schemeClr val="tx1"/>
+                </a:solidFill>
+              </a:rPr>
+              <a:t>Chaque </a:t>
+            </a:r>
+            <a:r>
+              <a:rPr lang="fr-FR" dirty="0">
+                <a:solidFill>
+                  <a:schemeClr val="tx1"/>
+                </a:solidFill>
+              </a:rPr>
+              <a:t>développeur Python devrait donc la lire et s’en inspirer autant que </a:t>
+            </a:r>
+            <a:r>
+              <a:rPr lang="fr-FR" dirty="0" smtClean="0">
+                <a:solidFill>
+                  <a:schemeClr val="tx1"/>
+                </a:solidFill>
+              </a:rPr>
+              <a:t>possible</a:t>
+            </a:r>
+            <a:endParaRPr lang="fr-FR" dirty="0">
+              <a:solidFill>
+                <a:schemeClr val="tx1"/>
+              </a:solidFill>
+            </a:endParaRPr>
+          </a:p>
+        </p:txBody>
+      </p:sp>
+    </p:spTree>
+    <p:extLst>
+      <p:ext uri="{BB962C8B-B14F-4D97-AF65-F5344CB8AC3E}">
+        <p14:creationId xmlns:p14="http://schemas.microsoft.com/office/powerpoint/2010/main" val="983697788"/>
+      </p:ext>
+    </p:extLst>
+  </p:cSld>
+  <p:clrMapOvr>
+    <a:masterClrMapping/>
+  </p:clrMapOvr>
+  <p:timing>
+    <p:tnLst>
+      <p:par>
+        <p:cTn id="1" dur="indefinite" restart="never" nodeType="tmRoot"/>
+      </p:par>
+    </p:tnLst>
+  </p:timing>
+</p:sld>
+</file>
+
+<file path=ppt/slides/slide67.xml><?xml version="1.0" encoding="utf-8"?>
+<p:sld xmlns:a="http://schemas.openxmlformats.org/drawingml/2006/main" xmlns:r="http://schemas.openxmlformats.org/officeDocument/2006/relationships" xmlns:p="http://schemas.openxmlformats.org/presentationml/2006/main">
+  <p:cSld>
+    <p:spTree>
+      <p:nvGrpSpPr>
+        <p:cNvPr id="1" name=""/>
+        <p:cNvGrpSpPr/>
+        <p:nvPr/>
+      </p:nvGrpSpPr>
+      <p:grpSpPr>
+        <a:xfrm>
+          <a:off x="0" y="0"/>
+          <a:ext cx="0" cy="0"/>
+          <a:chOff x="0" y="0"/>
+          <a:chExt cx="0" cy="0"/>
+        </a:xfrm>
+      </p:grpSpPr>
+      <p:sp>
+        <p:nvSpPr>
+          <p:cNvPr id="2" name="Titre 1"/>
+          <p:cNvSpPr>
+            <a:spLocks noGrp="1"/>
+          </p:cNvSpPr>
+          <p:nvPr>
+            <p:ph type="title"/>
+          </p:nvPr>
+        </p:nvSpPr>
+        <p:spPr>
+          <a:xfrm>
+            <a:off x="2592925" y="624110"/>
+            <a:ext cx="8911687" cy="1280890"/>
+          </a:xfrm>
+        </p:spPr>
+        <p:txBody>
+          <a:bodyPr/>
+          <a:lstStyle/>
+          <a:p>
+            <a:r>
+              <a:rPr lang="fr-FR" dirty="0" smtClean="0"/>
+              <a:t>Style de codage</a:t>
+            </a:r>
+            <a:endParaRPr lang="fr-FR" b="1" i="1" dirty="0">
+              <a:solidFill>
+                <a:schemeClr val="accent6"/>
+              </a:solidFill>
+            </a:endParaRPr>
+          </a:p>
+        </p:txBody>
+      </p:sp>
+      <p:sp>
+        <p:nvSpPr>
+          <p:cNvPr id="3" name="Espace réservé du contenu 2"/>
+          <p:cNvSpPr>
+            <a:spLocks noGrp="1"/>
+          </p:cNvSpPr>
+          <p:nvPr>
+            <p:ph idx="1"/>
+          </p:nvPr>
+        </p:nvSpPr>
+        <p:spPr>
+          <a:xfrm>
+            <a:off x="1327869" y="1701579"/>
+            <a:ext cx="10296938" cy="4595853"/>
+          </a:xfrm>
+        </p:spPr>
+        <p:txBody>
+          <a:bodyPr anchor="ctr" anchorCtr="0">
+            <a:noAutofit/>
+          </a:bodyPr>
+          <a:lstStyle/>
+          <a:p>
+            <a:pPr algn="just"/>
+            <a:r>
+              <a:rPr lang="fr-FR" dirty="0">
+                <a:solidFill>
+                  <a:schemeClr val="tx1"/>
+                </a:solidFill>
+              </a:rPr>
+              <a:t>Utilisez des indentations de 4 espaces, et pas de tabulation.</a:t>
+            </a:r>
+          </a:p>
+          <a:p>
+            <a:pPr algn="just"/>
+            <a:r>
+              <a:rPr lang="fr-FR" dirty="0" smtClean="0">
+                <a:solidFill>
+                  <a:schemeClr val="tx1"/>
+                </a:solidFill>
+              </a:rPr>
+              <a:t>4 </a:t>
+            </a:r>
+            <a:r>
+              <a:rPr lang="fr-FR" dirty="0">
+                <a:solidFill>
+                  <a:schemeClr val="tx1"/>
+                </a:solidFill>
+              </a:rPr>
+              <a:t>espaces constituent un bon compromis entre une indentation courte (qui permet une profondeur d’imbrication plus importante) et une longue (qui rend le code plus facile à lire). Les tabulations introduisent de la confusion, et doivent être proscrites autant que possible.</a:t>
+            </a:r>
+          </a:p>
+          <a:p>
+            <a:pPr algn="just"/>
+            <a:r>
+              <a:rPr lang="fr-FR" dirty="0" smtClean="0">
+                <a:solidFill>
+                  <a:schemeClr val="tx1"/>
+                </a:solidFill>
+              </a:rPr>
+              <a:t>Faites </a:t>
+            </a:r>
+            <a:r>
+              <a:rPr lang="fr-FR" dirty="0">
+                <a:solidFill>
+                  <a:schemeClr val="tx1"/>
+                </a:solidFill>
+              </a:rPr>
+              <a:t>des retours à la ligne, de telle sorte qu’elles n’excèdent pas 79 caractères.</a:t>
+            </a:r>
+          </a:p>
+          <a:p>
+            <a:pPr algn="just"/>
+            <a:r>
+              <a:rPr lang="fr-FR" dirty="0" smtClean="0">
+                <a:solidFill>
+                  <a:schemeClr val="tx1"/>
+                </a:solidFill>
+              </a:rPr>
+              <a:t>Ceci </a:t>
+            </a:r>
+            <a:r>
+              <a:rPr lang="fr-FR" dirty="0">
+                <a:solidFill>
+                  <a:schemeClr val="tx1"/>
+                </a:solidFill>
+              </a:rPr>
+              <a:t>aide les utilisateurs ne disposant que de petits écrans, et permet sur de plus grands de disposer plusieurs fichiers côte à côte sans difficulté.</a:t>
+            </a:r>
+          </a:p>
+          <a:p>
+            <a:pPr algn="just"/>
+            <a:r>
+              <a:rPr lang="fr-FR" dirty="0" smtClean="0">
+                <a:solidFill>
+                  <a:schemeClr val="tx1"/>
+                </a:solidFill>
+              </a:rPr>
+              <a:t>Utilisez </a:t>
+            </a:r>
+            <a:r>
+              <a:rPr lang="fr-FR" dirty="0">
+                <a:solidFill>
+                  <a:schemeClr val="tx1"/>
+                </a:solidFill>
+              </a:rPr>
+              <a:t>des lignes vides pour séparer les fonctions et les classes, ou pour scinder de gros blocs de code à l’intérieur de fonctions.</a:t>
+            </a:r>
+          </a:p>
+          <a:p>
+            <a:pPr algn="just"/>
+            <a:r>
+              <a:rPr lang="fr-FR" dirty="0" smtClean="0">
+                <a:solidFill>
+                  <a:schemeClr val="tx1"/>
+                </a:solidFill>
+              </a:rPr>
+              <a:t>Lorsque </a:t>
+            </a:r>
+            <a:r>
+              <a:rPr lang="fr-FR" dirty="0">
+                <a:solidFill>
+                  <a:schemeClr val="tx1"/>
+                </a:solidFill>
+              </a:rPr>
+              <a:t>c’est possible, placez les commentaires sur leur propres lignes.</a:t>
+            </a:r>
+          </a:p>
+          <a:p>
+            <a:pPr algn="just"/>
+            <a:r>
+              <a:rPr lang="fr-FR" dirty="0" smtClean="0">
+                <a:solidFill>
+                  <a:schemeClr val="tx1"/>
+                </a:solidFill>
+              </a:rPr>
+              <a:t>Utilisez </a:t>
+            </a:r>
+            <a:r>
+              <a:rPr lang="fr-FR" dirty="0">
+                <a:solidFill>
+                  <a:schemeClr val="tx1"/>
+                </a:solidFill>
+              </a:rPr>
+              <a:t>les chaînes de </a:t>
+            </a:r>
+            <a:r>
+              <a:rPr lang="fr-FR" dirty="0" smtClean="0">
+                <a:solidFill>
+                  <a:schemeClr val="tx1"/>
+                </a:solidFill>
+              </a:rPr>
+              <a:t>documentation</a:t>
+            </a:r>
+            <a:endParaRPr lang="fr-FR" dirty="0">
+              <a:solidFill>
+                <a:schemeClr val="tx1"/>
+              </a:solidFill>
+            </a:endParaRPr>
+          </a:p>
+        </p:txBody>
+      </p:sp>
+    </p:spTree>
+    <p:extLst>
+      <p:ext uri="{BB962C8B-B14F-4D97-AF65-F5344CB8AC3E}">
+        <p14:creationId xmlns:p14="http://schemas.microsoft.com/office/powerpoint/2010/main" val="1701520310"/>
+      </p:ext>
+    </p:extLst>
+  </p:cSld>
+  <p:clrMapOvr>
+    <a:masterClrMapping/>
+  </p:clrMapOvr>
+  <p:timing>
+    <p:tnLst>
+      <p:par>
+        <p:cTn id="1" dur="indefinite" restart="never" nodeType="tmRoot"/>
+      </p:par>
+    </p:tnLst>
+  </p:timing>
+</p:sld>
+</file>
+
+<file path=ppt/slides/slide68.xml><?xml version="1.0" encoding="utf-8"?>
+<p:sld xmlns:a="http://schemas.openxmlformats.org/drawingml/2006/main" xmlns:r="http://schemas.openxmlformats.org/officeDocument/2006/relationships" xmlns:p="http://schemas.openxmlformats.org/presentationml/2006/main">
+  <p:cSld>
+    <p:spTree>
+      <p:nvGrpSpPr>
+        <p:cNvPr id="1" name=""/>
+        <p:cNvGrpSpPr/>
+        <p:nvPr/>
+      </p:nvGrpSpPr>
+      <p:grpSpPr>
+        <a:xfrm>
+          <a:off x="0" y="0"/>
+          <a:ext cx="0" cy="0"/>
+          <a:chOff x="0" y="0"/>
+          <a:chExt cx="0" cy="0"/>
+        </a:xfrm>
+      </p:grpSpPr>
+      <p:sp>
+        <p:nvSpPr>
+          <p:cNvPr id="2" name="Titre 1"/>
+          <p:cNvSpPr>
+            <a:spLocks noGrp="1"/>
+          </p:cNvSpPr>
+          <p:nvPr>
+            <p:ph type="title"/>
+          </p:nvPr>
+        </p:nvSpPr>
+        <p:spPr>
+          <a:xfrm>
+            <a:off x="2592925" y="624110"/>
+            <a:ext cx="8911687" cy="1280890"/>
+          </a:xfrm>
+        </p:spPr>
+        <p:txBody>
+          <a:bodyPr/>
+          <a:lstStyle/>
+          <a:p>
+            <a:r>
+              <a:rPr lang="fr-FR" dirty="0" smtClean="0"/>
+              <a:t>Style de codage</a:t>
+            </a:r>
+            <a:endParaRPr lang="fr-FR" b="1" i="1" dirty="0">
+              <a:solidFill>
+                <a:schemeClr val="accent6"/>
+              </a:solidFill>
+            </a:endParaRPr>
+          </a:p>
+        </p:txBody>
+      </p:sp>
+      <p:sp>
+        <p:nvSpPr>
+          <p:cNvPr id="3" name="Espace réservé du contenu 2"/>
+          <p:cNvSpPr>
+            <a:spLocks noGrp="1"/>
+          </p:cNvSpPr>
+          <p:nvPr>
+            <p:ph idx="1"/>
+          </p:nvPr>
+        </p:nvSpPr>
+        <p:spPr>
+          <a:xfrm>
+            <a:off x="1327869" y="1701579"/>
+            <a:ext cx="10296938" cy="4595853"/>
+          </a:xfrm>
+        </p:spPr>
+        <p:txBody>
+          <a:bodyPr anchor="ctr" anchorCtr="0">
+            <a:noAutofit/>
+          </a:bodyPr>
+          <a:lstStyle/>
+          <a:p>
+            <a:pPr algn="just"/>
+            <a:r>
+              <a:rPr lang="fr-FR" dirty="0" smtClean="0">
+                <a:solidFill>
+                  <a:schemeClr val="tx1"/>
+                </a:solidFill>
+              </a:rPr>
+              <a:t>Utilisez </a:t>
+            </a:r>
+            <a:r>
+              <a:rPr lang="fr-FR" dirty="0">
+                <a:solidFill>
+                  <a:schemeClr val="tx1"/>
+                </a:solidFill>
+              </a:rPr>
+              <a:t>des espaces autour des opérateurs et après les virgules, mais pas directement à l’intérieur des parenthèses : a = f(1, 2) + g(3, 4).</a:t>
+            </a:r>
+          </a:p>
+          <a:p>
+            <a:pPr algn="just"/>
+            <a:r>
+              <a:rPr lang="fr-FR" dirty="0" smtClean="0">
+                <a:solidFill>
+                  <a:schemeClr val="tx1"/>
+                </a:solidFill>
+              </a:rPr>
+              <a:t>Nommez </a:t>
+            </a:r>
+            <a:r>
+              <a:rPr lang="fr-FR" dirty="0">
+                <a:solidFill>
+                  <a:schemeClr val="tx1"/>
+                </a:solidFill>
+              </a:rPr>
+              <a:t>toujours vos classes et fonctions de la même manière ; la convention est d’utiliser une notation </a:t>
+            </a:r>
+            <a:r>
+              <a:rPr lang="fr-FR" b="1" i="1" dirty="0">
+                <a:solidFill>
+                  <a:schemeClr val="accent1"/>
+                </a:solidFill>
+              </a:rPr>
+              <a:t>CamelCase</a:t>
+            </a:r>
+            <a:r>
+              <a:rPr lang="fr-FR" dirty="0">
+                <a:solidFill>
+                  <a:schemeClr val="tx1"/>
+                </a:solidFill>
+              </a:rPr>
+              <a:t> pour les classes, et </a:t>
+            </a:r>
+            <a:r>
+              <a:rPr lang="fr-FR" b="1" i="1" dirty="0">
+                <a:solidFill>
+                  <a:schemeClr val="accent1"/>
+                </a:solidFill>
+              </a:rPr>
+              <a:t>minuscules_avec_trait_bas</a:t>
+            </a:r>
+            <a:r>
+              <a:rPr lang="fr-FR" dirty="0">
+                <a:solidFill>
+                  <a:schemeClr val="tx1"/>
+                </a:solidFill>
+              </a:rPr>
+              <a:t> pour les </a:t>
+            </a:r>
+            <a:r>
+              <a:rPr lang="fr-FR" dirty="0" smtClean="0">
+                <a:solidFill>
+                  <a:schemeClr val="tx1"/>
+                </a:solidFill>
+              </a:rPr>
+              <a:t>fonctions, méthodes et variables. </a:t>
+            </a:r>
+            <a:r>
+              <a:rPr lang="fr-FR" dirty="0">
+                <a:solidFill>
+                  <a:schemeClr val="tx1"/>
+                </a:solidFill>
+              </a:rPr>
+              <a:t>Utilisez toujours </a:t>
+            </a:r>
+            <a:r>
+              <a:rPr lang="fr-FR" b="1" i="1" dirty="0">
+                <a:solidFill>
+                  <a:schemeClr val="accent1"/>
+                </a:solidFill>
+              </a:rPr>
+              <a:t>self</a:t>
+            </a:r>
+            <a:r>
+              <a:rPr lang="fr-FR" dirty="0">
+                <a:solidFill>
+                  <a:schemeClr val="tx1"/>
+                </a:solidFill>
+              </a:rPr>
+              <a:t> comme nom du premier argument des méthodes (voyez </a:t>
+            </a:r>
+            <a:r>
+              <a:rPr lang="fr-FR" dirty="0" smtClean="0">
+                <a:solidFill>
+                  <a:schemeClr val="tx1"/>
+                </a:solidFill>
+              </a:rPr>
+              <a:t>une </a:t>
+            </a:r>
+            <a:r>
+              <a:rPr lang="fr-FR" dirty="0">
+                <a:solidFill>
+                  <a:schemeClr val="tx1"/>
+                </a:solidFill>
+              </a:rPr>
+              <a:t>première approche des classes pour en savoir plus sur les classes et les méthodes).</a:t>
+            </a:r>
+          </a:p>
+          <a:p>
+            <a:pPr algn="just"/>
+            <a:r>
+              <a:rPr lang="fr-FR" dirty="0" smtClean="0">
+                <a:solidFill>
+                  <a:schemeClr val="tx1"/>
+                </a:solidFill>
+              </a:rPr>
+              <a:t>N’utilisez </a:t>
+            </a:r>
+            <a:r>
+              <a:rPr lang="fr-FR" dirty="0">
+                <a:solidFill>
+                  <a:schemeClr val="tx1"/>
+                </a:solidFill>
+              </a:rPr>
+              <a:t>pas d’encodages exotiques dès lors que votre code est sensé être utilisé dans des environnements internationaux. Par défaut, Python travaille en UTF-8, ou sinon du simple ASCII fonctionne dans la plupart des cas.</a:t>
+            </a:r>
+          </a:p>
+          <a:p>
+            <a:pPr algn="just"/>
+            <a:r>
+              <a:rPr lang="fr-FR" dirty="0" smtClean="0">
+                <a:solidFill>
+                  <a:schemeClr val="tx1"/>
+                </a:solidFill>
+              </a:rPr>
+              <a:t>De </a:t>
+            </a:r>
+            <a:r>
+              <a:rPr lang="fr-FR" dirty="0">
+                <a:solidFill>
+                  <a:schemeClr val="tx1"/>
+                </a:solidFill>
+              </a:rPr>
+              <a:t>la même manière, n’utilisez que des caractères ASCII pour vos noms de variables si vous soupçonnez qu’un personne parlant une autre langue lira ou devra modifier votre code.</a:t>
+            </a:r>
+          </a:p>
+        </p:txBody>
+      </p:sp>
+    </p:spTree>
+    <p:extLst>
+      <p:ext uri="{BB962C8B-B14F-4D97-AF65-F5344CB8AC3E}">
+        <p14:creationId xmlns:p14="http://schemas.microsoft.com/office/powerpoint/2010/main" val="4243432789"/>
+      </p:ext>
+    </p:extLst>
+  </p:cSld>
+  <p:clrMapOvr>
+    <a:masterClrMapping/>
+  </p:clrMapOvr>
+  <p:timing>
+    <p:tnLst>
+      <p:par>
+        <p:cTn id="1" dur="indefinite" restart="never" nodeType="tmRoot"/>
+      </p:par>
+    </p:tnLst>
+  </p:timing>
+</p:sld>
+</file>
+
+<file path=ppt/slides/slide69.xml><?xml version="1.0" encoding="utf-8"?>
+<p:sld xmlns:a="http://schemas.openxmlformats.org/drawingml/2006/main" xmlns:r="http://schemas.openxmlformats.org/officeDocument/2006/relationships" xmlns:p="http://schemas.openxmlformats.org/presentationml/2006/main">
+  <p:cSld>
+    <p:spTree>
+      <p:nvGrpSpPr>
+        <p:cNvPr id="1" name=""/>
+        <p:cNvGrpSpPr/>
+        <p:nvPr/>
+      </p:nvGrpSpPr>
+      <p:grpSpPr>
+        <a:xfrm>
+          <a:off x="0" y="0"/>
+          <a:ext cx="0" cy="0"/>
+          <a:chOff x="0" y="0"/>
+          <a:chExt cx="0" cy="0"/>
+        </a:xfrm>
+      </p:grpSpPr>
+      <p:sp>
+        <p:nvSpPr>
+          <p:cNvPr id="2" name="Titre 1"/>
+          <p:cNvSpPr>
+            <a:spLocks noGrp="1"/>
+          </p:cNvSpPr>
+          <p:nvPr>
+            <p:ph type="title"/>
+          </p:nvPr>
+        </p:nvSpPr>
+        <p:spPr>
+          <a:xfrm>
+            <a:off x="2592925" y="624110"/>
+            <a:ext cx="8911687" cy="1280890"/>
+          </a:xfrm>
+        </p:spPr>
+        <p:txBody>
+          <a:bodyPr/>
+          <a:lstStyle/>
+          <a:p>
+            <a:r>
+              <a:rPr lang="fr-FR" dirty="0" smtClean="0"/>
+              <a:t>Références</a:t>
+            </a:r>
+            <a:endParaRPr lang="fr-FR" dirty="0"/>
+          </a:p>
+        </p:txBody>
+      </p:sp>
+      <p:sp>
+        <p:nvSpPr>
+          <p:cNvPr id="3" name="Espace réservé du contenu 2"/>
+          <p:cNvSpPr>
+            <a:spLocks noGrp="1"/>
+          </p:cNvSpPr>
+          <p:nvPr>
+            <p:ph idx="1"/>
+          </p:nvPr>
+        </p:nvSpPr>
+        <p:spPr>
+          <a:xfrm>
+            <a:off x="1661823" y="1542413"/>
+            <a:ext cx="9842789" cy="2965977"/>
+          </a:xfrm>
+        </p:spPr>
+        <p:txBody>
+          <a:bodyPr anchor="ctr" anchorCtr="0">
+            <a:normAutofit/>
+          </a:bodyPr>
+          <a:lstStyle/>
+          <a:p>
+            <a:pPr algn="just"/>
+            <a:r>
+              <a:rPr lang="fr-FR" dirty="0" smtClean="0">
+                <a:solidFill>
+                  <a:schemeClr val="tx1"/>
+                </a:solidFill>
+              </a:rPr>
+              <a:t>Python.org </a:t>
+            </a:r>
+            <a:r>
+              <a:rPr lang="fr-FR" dirty="0">
+                <a:solidFill>
+                  <a:schemeClr val="tx1"/>
+                </a:solidFill>
+              </a:rPr>
+              <a:t>: </a:t>
+            </a:r>
+            <a:r>
+              <a:rPr lang="fr-FR" dirty="0">
+                <a:solidFill>
+                  <a:schemeClr val="tx1"/>
+                </a:solidFill>
+                <a:hlinkClick r:id="rId3"/>
+              </a:rPr>
+              <a:t>https://www.python.org</a:t>
+            </a:r>
+            <a:r>
+              <a:rPr lang="fr-FR" dirty="0" smtClean="0">
+                <a:solidFill>
+                  <a:schemeClr val="tx1"/>
+                </a:solidFill>
+                <a:hlinkClick r:id="rId3"/>
+              </a:rPr>
+              <a:t>/</a:t>
+            </a:r>
+            <a:endParaRPr lang="fr-FR" dirty="0" smtClean="0">
+              <a:solidFill>
+                <a:schemeClr val="tx1"/>
+              </a:solidFill>
+            </a:endParaRPr>
+          </a:p>
+          <a:p>
+            <a:pPr algn="just"/>
+            <a:r>
+              <a:rPr lang="fr-FR" dirty="0">
+                <a:solidFill>
+                  <a:schemeClr val="tx1"/>
+                </a:solidFill>
+              </a:rPr>
+              <a:t>Learning Python : </a:t>
+            </a:r>
+            <a:r>
+              <a:rPr lang="fr-FR" dirty="0">
+                <a:solidFill>
+                  <a:schemeClr val="tx1"/>
+                </a:solidFill>
+                <a:hlinkClick r:id="rId4"/>
+              </a:rPr>
+              <a:t>https://</a:t>
+            </a:r>
+            <a:r>
+              <a:rPr lang="fr-FR" dirty="0" smtClean="0">
+                <a:solidFill>
+                  <a:schemeClr val="tx1"/>
+                </a:solidFill>
+                <a:hlinkClick r:id="rId4"/>
+              </a:rPr>
+              <a:t>github.com/thierrydecker/learning-python</a:t>
+            </a:r>
+            <a:endParaRPr lang="fr-FR" dirty="0" smtClean="0">
+              <a:solidFill>
+                <a:schemeClr val="tx1"/>
+              </a:solidFill>
+            </a:endParaRPr>
+          </a:p>
+          <a:p>
+            <a:pPr algn="just"/>
+            <a:r>
+              <a:rPr lang="fr-FR" dirty="0" smtClean="0">
+                <a:solidFill>
+                  <a:schemeClr val="tx1"/>
+                </a:solidFill>
+              </a:rPr>
+              <a:t>…</a:t>
+            </a:r>
+            <a:endParaRPr lang="fr-FR" dirty="0">
+              <a:solidFill>
+                <a:schemeClr val="tx1"/>
+              </a:solidFill>
+            </a:endParaRPr>
+          </a:p>
+        </p:txBody>
+      </p:sp>
+    </p:spTree>
+    <p:extLst>
+      <p:ext uri="{BB962C8B-B14F-4D97-AF65-F5344CB8AC3E}">
+        <p14:creationId xmlns:p14="http://schemas.microsoft.com/office/powerpoint/2010/main" val="3875151851"/>
       </p:ext>
     </p:extLst>
   </p:cSld>
@@ -25491,6 +30463,194 @@
     <p:extLst>
       <p:ext uri="{BB962C8B-B14F-4D97-AF65-F5344CB8AC3E}">
         <p14:creationId xmlns:p14="http://schemas.microsoft.com/office/powerpoint/2010/main" val="440090951"/>
+      </p:ext>
+    </p:extLst>
+  </p:cSld>
+  <p:clrMapOvr>
+    <a:masterClrMapping/>
+  </p:clrMapOvr>
+  <p:timing>
+    <p:tnLst>
+      <p:par>
+        <p:cTn id="1" dur="indefinite" restart="never" nodeType="tmRoot"/>
+      </p:par>
+    </p:tnLst>
+  </p:timing>
+</p:sld>
+</file>
+
+<file path=ppt/slides/slide70.xml><?xml version="1.0" encoding="utf-8"?>
+<p:sld xmlns:a="http://schemas.openxmlformats.org/drawingml/2006/main" xmlns:r="http://schemas.openxmlformats.org/officeDocument/2006/relationships" xmlns:p="http://schemas.openxmlformats.org/presentationml/2006/main">
+  <p:cSld>
+    <p:spTree>
+      <p:nvGrpSpPr>
+        <p:cNvPr id="1" name=""/>
+        <p:cNvGrpSpPr/>
+        <p:nvPr/>
+      </p:nvGrpSpPr>
+      <p:grpSpPr>
+        <a:xfrm>
+          <a:off x="0" y="0"/>
+          <a:ext cx="0" cy="0"/>
+          <a:chOff x="0" y="0"/>
+          <a:chExt cx="0" cy="0"/>
+        </a:xfrm>
+      </p:grpSpPr>
+      <p:sp>
+        <p:nvSpPr>
+          <p:cNvPr id="2" name="Titre 1"/>
+          <p:cNvSpPr>
+            <a:spLocks noGrp="1"/>
+          </p:cNvSpPr>
+          <p:nvPr>
+            <p:ph type="title"/>
+          </p:nvPr>
+        </p:nvSpPr>
+        <p:spPr>
+          <a:xfrm>
+            <a:off x="2592925" y="624110"/>
+            <a:ext cx="8911687" cy="1280890"/>
+          </a:xfrm>
+        </p:spPr>
+        <p:txBody>
+          <a:bodyPr/>
+          <a:lstStyle/>
+          <a:p>
+            <a:r>
+              <a:rPr lang="fr-FR" dirty="0" smtClean="0"/>
+              <a:t>Outils</a:t>
+            </a:r>
+            <a:endParaRPr lang="fr-FR" dirty="0"/>
+          </a:p>
+        </p:txBody>
+      </p:sp>
+      <p:sp>
+        <p:nvSpPr>
+          <p:cNvPr id="3" name="Espace réservé du contenu 2"/>
+          <p:cNvSpPr>
+            <a:spLocks noGrp="1"/>
+          </p:cNvSpPr>
+          <p:nvPr>
+            <p:ph idx="1"/>
+          </p:nvPr>
+        </p:nvSpPr>
+        <p:spPr>
+          <a:xfrm>
+            <a:off x="1661823" y="1542413"/>
+            <a:ext cx="9842789" cy="2965977"/>
+          </a:xfrm>
+        </p:spPr>
+        <p:txBody>
+          <a:bodyPr anchor="ctr" anchorCtr="0">
+            <a:normAutofit/>
+          </a:bodyPr>
+          <a:lstStyle/>
+          <a:p>
+            <a:pPr algn="just"/>
+            <a:r>
+              <a:rPr lang="fr-FR" dirty="0" smtClean="0">
+                <a:solidFill>
+                  <a:schemeClr val="tx1"/>
+                </a:solidFill>
+              </a:rPr>
+              <a:t>IDE Pycharm Community</a:t>
+            </a:r>
+            <a:r>
+              <a:rPr lang="fr-FR" dirty="0">
+                <a:solidFill>
+                  <a:schemeClr val="tx1"/>
+                </a:solidFill>
+              </a:rPr>
+              <a:t> : </a:t>
+            </a:r>
+            <a:r>
+              <a:rPr lang="fr-FR" dirty="0">
+                <a:solidFill>
+                  <a:schemeClr val="tx1"/>
+                </a:solidFill>
+                <a:hlinkClick r:id="rId3"/>
+              </a:rPr>
+              <a:t>https://www.jetbrains.com/pycharm</a:t>
+            </a:r>
+            <a:r>
+              <a:rPr lang="fr-FR" dirty="0" smtClean="0">
+                <a:solidFill>
+                  <a:schemeClr val="tx1"/>
+                </a:solidFill>
+                <a:hlinkClick r:id="rId3"/>
+              </a:rPr>
+              <a:t>/</a:t>
+            </a:r>
+            <a:endParaRPr lang="fr-FR" dirty="0" smtClean="0">
+              <a:solidFill>
+                <a:schemeClr val="tx1"/>
+              </a:solidFill>
+            </a:endParaRPr>
+          </a:p>
+          <a:p>
+            <a:pPr algn="just"/>
+            <a:r>
+              <a:rPr lang="fr-FR" dirty="0" smtClean="0">
+                <a:solidFill>
+                  <a:schemeClr val="tx1"/>
+                </a:solidFill>
+              </a:rPr>
+              <a:t>Analyse en ligne de code Python </a:t>
+            </a:r>
+            <a:r>
+              <a:rPr lang="fr-FR" dirty="0">
+                <a:solidFill>
+                  <a:schemeClr val="tx1"/>
+                </a:solidFill>
+              </a:rPr>
+              <a:t>: </a:t>
+            </a:r>
+            <a:r>
+              <a:rPr lang="fr-FR" dirty="0">
+                <a:solidFill>
+                  <a:schemeClr val="tx1"/>
+                </a:solidFill>
+                <a:hlinkClick r:id="rId4"/>
+              </a:rPr>
+              <a:t>http://www.pythontutor.com</a:t>
+            </a:r>
+            <a:r>
+              <a:rPr lang="fr-FR" dirty="0" smtClean="0">
+                <a:solidFill>
+                  <a:schemeClr val="tx1"/>
+                </a:solidFill>
+                <a:hlinkClick r:id="rId4"/>
+              </a:rPr>
+              <a:t>/</a:t>
+            </a:r>
+            <a:endParaRPr lang="fr-FR" dirty="0" smtClean="0">
+              <a:solidFill>
+                <a:schemeClr val="tx1"/>
+              </a:solidFill>
+            </a:endParaRPr>
+          </a:p>
+          <a:p>
+            <a:pPr algn="just"/>
+            <a:r>
+              <a:rPr lang="fr-FR" dirty="0" smtClean="0">
+                <a:solidFill>
+                  <a:schemeClr val="tx1"/>
+                </a:solidFill>
+              </a:rPr>
+              <a:t>…</a:t>
+            </a:r>
+            <a:endParaRPr lang="fr-FR" dirty="0">
+              <a:solidFill>
+                <a:schemeClr val="tx1"/>
+              </a:solidFill>
+            </a:endParaRPr>
+          </a:p>
+        </p:txBody>
+      </p:sp>
+    </p:spTree>
+    <p:extLst>
+      <p:ext uri="{BB962C8B-B14F-4D97-AF65-F5344CB8AC3E}">
+        <p14:creationId xmlns:p14="http://schemas.microsoft.com/office/powerpoint/2010/main" val="3475247113"/>
       </p:ext>
     </p:extLst>
   </p:cSld>

--- a/documentations/learning-python.pptx
+++ b/documentations/learning-python.pptx
@@ -5,7 +5,7 @@
     <p:sldMasterId id="2147483665" r:id="rId1"/>
   </p:sldMasterIdLst>
   <p:notesMasterIdLst>
-    <p:notesMasterId r:id="rId72"/>
+    <p:notesMasterId r:id="rId75"/>
   </p:notesMasterIdLst>
   <p:sldIdLst>
     <p:sldId id="256" r:id="rId2"/>
@@ -73,11 +73,14 @@
     <p:sldId id="323" r:id="rId64"/>
     <p:sldId id="324" r:id="rId65"/>
     <p:sldId id="325" r:id="rId66"/>
-    <p:sldId id="306" r:id="rId67"/>
-    <p:sldId id="307" r:id="rId68"/>
-    <p:sldId id="308" r:id="rId69"/>
-    <p:sldId id="285" r:id="rId70"/>
-    <p:sldId id="309" r:id="rId71"/>
+    <p:sldId id="326" r:id="rId67"/>
+    <p:sldId id="327" r:id="rId68"/>
+    <p:sldId id="328" r:id="rId69"/>
+    <p:sldId id="306" r:id="rId70"/>
+    <p:sldId id="307" r:id="rId71"/>
+    <p:sldId id="308" r:id="rId72"/>
+    <p:sldId id="285" r:id="rId73"/>
+    <p:sldId id="309" r:id="rId74"/>
   </p:sldIdLst>
   <p:sldSz cx="12192000" cy="6858000"/>
   <p:notesSz cx="6858000" cy="9144000"/>
@@ -266,7 +269,7 @@
           <a:p>
             <a:fld id="{ADCD2C08-3C00-4791-9388-3FB9A56F87F8}" type="datetimeFigureOut">
               <a:rPr lang="fr-FR" smtClean="0"/>
-              <a:t>20/01/2018</a:t>
+              <a:t>21/01/2018</a:t>
             </a:fld>
             <a:endParaRPr lang="fr-FR" dirty="0"/>
           </a:p>
@@ -5732,7 +5735,7 @@
     </p:spTree>
     <p:extLst>
       <p:ext uri="{BB962C8B-B14F-4D97-AF65-F5344CB8AC3E}">
-        <p14:creationId xmlns:p14="http://schemas.microsoft.com/office/powerpoint/2010/main" val="506775172"/>
+        <p14:creationId xmlns:p14="http://schemas.microsoft.com/office/powerpoint/2010/main" val="270781935"/>
       </p:ext>
     </p:extLst>
   </p:cSld>
@@ -5816,7 +5819,7 @@
     </p:spTree>
     <p:extLst>
       <p:ext uri="{BB962C8B-B14F-4D97-AF65-F5344CB8AC3E}">
-        <p14:creationId xmlns:p14="http://schemas.microsoft.com/office/powerpoint/2010/main" val="2442515745"/>
+        <p14:creationId xmlns:p14="http://schemas.microsoft.com/office/powerpoint/2010/main" val="1964520471"/>
       </p:ext>
     </p:extLst>
   </p:cSld>
@@ -5900,7 +5903,7 @@
     </p:spTree>
     <p:extLst>
       <p:ext uri="{BB962C8B-B14F-4D97-AF65-F5344CB8AC3E}">
-        <p14:creationId xmlns:p14="http://schemas.microsoft.com/office/powerpoint/2010/main" val="471859371"/>
+        <p14:creationId xmlns:p14="http://schemas.microsoft.com/office/powerpoint/2010/main" val="1623035244"/>
       </p:ext>
     </p:extLst>
   </p:cSld>
@@ -5984,7 +5987,7 @@
     </p:spTree>
     <p:extLst>
       <p:ext uri="{BB962C8B-B14F-4D97-AF65-F5344CB8AC3E}">
-        <p14:creationId xmlns:p14="http://schemas.microsoft.com/office/powerpoint/2010/main" val="831955769"/>
+        <p14:creationId xmlns:p14="http://schemas.microsoft.com/office/powerpoint/2010/main" val="506775172"/>
       </p:ext>
     </p:extLst>
   </p:cSld>
@@ -6068,7 +6071,7 @@
     </p:spTree>
     <p:extLst>
       <p:ext uri="{BB962C8B-B14F-4D97-AF65-F5344CB8AC3E}">
-        <p14:creationId xmlns:p14="http://schemas.microsoft.com/office/powerpoint/2010/main" val="4283531152"/>
+        <p14:creationId xmlns:p14="http://schemas.microsoft.com/office/powerpoint/2010/main" val="2442515745"/>
       </p:ext>
     </p:extLst>
   </p:cSld>
@@ -6153,6 +6156,258 @@
     <p:extLst>
       <p:ext uri="{BB962C8B-B14F-4D97-AF65-F5344CB8AC3E}">
         <p14:creationId xmlns:p14="http://schemas.microsoft.com/office/powerpoint/2010/main" val="2911672271"/>
+      </p:ext>
+    </p:extLst>
+  </p:cSld>
+  <p:clrMapOvr>
+    <a:masterClrMapping/>
+  </p:clrMapOvr>
+</p:notes>
+</file>
+
+<file path=ppt/notesSlides/notesSlide70.xml><?xml version="1.0" encoding="utf-8"?>
+<p:notes xmlns:a="http://schemas.openxmlformats.org/drawingml/2006/main" xmlns:r="http://schemas.openxmlformats.org/officeDocument/2006/relationships" xmlns:p="http://schemas.openxmlformats.org/presentationml/2006/main">
+  <p:cSld>
+    <p:spTree>
+      <p:nvGrpSpPr>
+        <p:cNvPr id="1" name=""/>
+        <p:cNvGrpSpPr/>
+        <p:nvPr/>
+      </p:nvGrpSpPr>
+      <p:grpSpPr>
+        <a:xfrm>
+          <a:off x="0" y="0"/>
+          <a:ext cx="0" cy="0"/>
+          <a:chOff x="0" y="0"/>
+          <a:chExt cx="0" cy="0"/>
+        </a:xfrm>
+      </p:grpSpPr>
+      <p:sp>
+        <p:nvSpPr>
+          <p:cNvPr id="2" name="Espace réservé de l'image des diapositives 1"/>
+          <p:cNvSpPr>
+            <a:spLocks noGrp="1" noRot="1" noChangeAspect="1"/>
+          </p:cNvSpPr>
+          <p:nvPr>
+            <p:ph type="sldImg"/>
+          </p:nvPr>
+        </p:nvSpPr>
+        <p:spPr/>
+      </p:sp>
+      <p:sp>
+        <p:nvSpPr>
+          <p:cNvPr id="3" name="Espace réservé des commentaires 2"/>
+          <p:cNvSpPr>
+            <a:spLocks noGrp="1"/>
+          </p:cNvSpPr>
+          <p:nvPr>
+            <p:ph type="body" idx="1"/>
+          </p:nvPr>
+        </p:nvSpPr>
+        <p:spPr/>
+        <p:txBody>
+          <a:bodyPr/>
+          <a:lstStyle/>
+          <a:p>
+            <a:endParaRPr lang="fr-FR" dirty="0"/>
+          </a:p>
+        </p:txBody>
+      </p:sp>
+      <p:sp>
+        <p:nvSpPr>
+          <p:cNvPr id="4" name="Espace réservé du numéro de diapositive 3"/>
+          <p:cNvSpPr>
+            <a:spLocks noGrp="1"/>
+          </p:cNvSpPr>
+          <p:nvPr>
+            <p:ph type="sldNum" sz="quarter" idx="10"/>
+          </p:nvPr>
+        </p:nvSpPr>
+        <p:spPr/>
+        <p:txBody>
+          <a:bodyPr/>
+          <a:lstStyle/>
+          <a:p>
+            <a:fld id="{58BEE673-8D3B-4BBD-97EB-7004EF7CF6EF}" type="slidenum">
+              <a:rPr lang="fr-FR" smtClean="0"/>
+              <a:t>71</a:t>
+            </a:fld>
+            <a:endParaRPr lang="fr-FR" dirty="0"/>
+          </a:p>
+        </p:txBody>
+      </p:sp>
+    </p:spTree>
+    <p:extLst>
+      <p:ext uri="{BB962C8B-B14F-4D97-AF65-F5344CB8AC3E}">
+        <p14:creationId xmlns:p14="http://schemas.microsoft.com/office/powerpoint/2010/main" val="471859371"/>
+      </p:ext>
+    </p:extLst>
+  </p:cSld>
+  <p:clrMapOvr>
+    <a:masterClrMapping/>
+  </p:clrMapOvr>
+</p:notes>
+</file>
+
+<file path=ppt/notesSlides/notesSlide71.xml><?xml version="1.0" encoding="utf-8"?>
+<p:notes xmlns:a="http://schemas.openxmlformats.org/drawingml/2006/main" xmlns:r="http://schemas.openxmlformats.org/officeDocument/2006/relationships" xmlns:p="http://schemas.openxmlformats.org/presentationml/2006/main">
+  <p:cSld>
+    <p:spTree>
+      <p:nvGrpSpPr>
+        <p:cNvPr id="1" name=""/>
+        <p:cNvGrpSpPr/>
+        <p:nvPr/>
+      </p:nvGrpSpPr>
+      <p:grpSpPr>
+        <a:xfrm>
+          <a:off x="0" y="0"/>
+          <a:ext cx="0" cy="0"/>
+          <a:chOff x="0" y="0"/>
+          <a:chExt cx="0" cy="0"/>
+        </a:xfrm>
+      </p:grpSpPr>
+      <p:sp>
+        <p:nvSpPr>
+          <p:cNvPr id="2" name="Espace réservé de l'image des diapositives 1"/>
+          <p:cNvSpPr>
+            <a:spLocks noGrp="1" noRot="1" noChangeAspect="1"/>
+          </p:cNvSpPr>
+          <p:nvPr>
+            <p:ph type="sldImg"/>
+          </p:nvPr>
+        </p:nvSpPr>
+        <p:spPr/>
+      </p:sp>
+      <p:sp>
+        <p:nvSpPr>
+          <p:cNvPr id="3" name="Espace réservé des commentaires 2"/>
+          <p:cNvSpPr>
+            <a:spLocks noGrp="1"/>
+          </p:cNvSpPr>
+          <p:nvPr>
+            <p:ph type="body" idx="1"/>
+          </p:nvPr>
+        </p:nvSpPr>
+        <p:spPr/>
+        <p:txBody>
+          <a:bodyPr/>
+          <a:lstStyle/>
+          <a:p>
+            <a:endParaRPr lang="fr-FR" dirty="0"/>
+          </a:p>
+        </p:txBody>
+      </p:sp>
+      <p:sp>
+        <p:nvSpPr>
+          <p:cNvPr id="4" name="Espace réservé du numéro de diapositive 3"/>
+          <p:cNvSpPr>
+            <a:spLocks noGrp="1"/>
+          </p:cNvSpPr>
+          <p:nvPr>
+            <p:ph type="sldNum" sz="quarter" idx="10"/>
+          </p:nvPr>
+        </p:nvSpPr>
+        <p:spPr/>
+        <p:txBody>
+          <a:bodyPr/>
+          <a:lstStyle/>
+          <a:p>
+            <a:fld id="{58BEE673-8D3B-4BBD-97EB-7004EF7CF6EF}" type="slidenum">
+              <a:rPr lang="fr-FR" smtClean="0"/>
+              <a:t>72</a:t>
+            </a:fld>
+            <a:endParaRPr lang="fr-FR" dirty="0"/>
+          </a:p>
+        </p:txBody>
+      </p:sp>
+    </p:spTree>
+    <p:extLst>
+      <p:ext uri="{BB962C8B-B14F-4D97-AF65-F5344CB8AC3E}">
+        <p14:creationId xmlns:p14="http://schemas.microsoft.com/office/powerpoint/2010/main" val="831955769"/>
+      </p:ext>
+    </p:extLst>
+  </p:cSld>
+  <p:clrMapOvr>
+    <a:masterClrMapping/>
+  </p:clrMapOvr>
+</p:notes>
+</file>
+
+<file path=ppt/notesSlides/notesSlide72.xml><?xml version="1.0" encoding="utf-8"?>
+<p:notes xmlns:a="http://schemas.openxmlformats.org/drawingml/2006/main" xmlns:r="http://schemas.openxmlformats.org/officeDocument/2006/relationships" xmlns:p="http://schemas.openxmlformats.org/presentationml/2006/main">
+  <p:cSld>
+    <p:spTree>
+      <p:nvGrpSpPr>
+        <p:cNvPr id="1" name=""/>
+        <p:cNvGrpSpPr/>
+        <p:nvPr/>
+      </p:nvGrpSpPr>
+      <p:grpSpPr>
+        <a:xfrm>
+          <a:off x="0" y="0"/>
+          <a:ext cx="0" cy="0"/>
+          <a:chOff x="0" y="0"/>
+          <a:chExt cx="0" cy="0"/>
+        </a:xfrm>
+      </p:grpSpPr>
+      <p:sp>
+        <p:nvSpPr>
+          <p:cNvPr id="2" name="Espace réservé de l'image des diapositives 1"/>
+          <p:cNvSpPr>
+            <a:spLocks noGrp="1" noRot="1" noChangeAspect="1"/>
+          </p:cNvSpPr>
+          <p:nvPr>
+            <p:ph type="sldImg"/>
+          </p:nvPr>
+        </p:nvSpPr>
+        <p:spPr/>
+      </p:sp>
+      <p:sp>
+        <p:nvSpPr>
+          <p:cNvPr id="3" name="Espace réservé des commentaires 2"/>
+          <p:cNvSpPr>
+            <a:spLocks noGrp="1"/>
+          </p:cNvSpPr>
+          <p:nvPr>
+            <p:ph type="body" idx="1"/>
+          </p:nvPr>
+        </p:nvSpPr>
+        <p:spPr/>
+        <p:txBody>
+          <a:bodyPr/>
+          <a:lstStyle/>
+          <a:p>
+            <a:endParaRPr lang="fr-FR" dirty="0"/>
+          </a:p>
+        </p:txBody>
+      </p:sp>
+      <p:sp>
+        <p:nvSpPr>
+          <p:cNvPr id="4" name="Espace réservé du numéro de diapositive 3"/>
+          <p:cNvSpPr>
+            <a:spLocks noGrp="1"/>
+          </p:cNvSpPr>
+          <p:nvPr>
+            <p:ph type="sldNum" sz="quarter" idx="10"/>
+          </p:nvPr>
+        </p:nvSpPr>
+        <p:spPr/>
+        <p:txBody>
+          <a:bodyPr/>
+          <a:lstStyle/>
+          <a:p>
+            <a:fld id="{58BEE673-8D3B-4BBD-97EB-7004EF7CF6EF}" type="slidenum">
+              <a:rPr lang="fr-FR" smtClean="0"/>
+              <a:t>73</a:t>
+            </a:fld>
+            <a:endParaRPr lang="fr-FR" dirty="0"/>
+          </a:p>
+        </p:txBody>
+      </p:sp>
+    </p:spTree>
+    <p:extLst>
+      <p:ext uri="{BB962C8B-B14F-4D97-AF65-F5344CB8AC3E}">
+        <p14:creationId xmlns:p14="http://schemas.microsoft.com/office/powerpoint/2010/main" val="4283531152"/>
       </p:ext>
     </p:extLst>
   </p:cSld>
@@ -6518,7 +6773,7 @@
           <a:p>
             <a:fld id="{CAB5D9F6-764D-45E8-BA35-322ECA954888}" type="datetime1">
               <a:rPr lang="en-US" smtClean="0"/>
-              <a:t>1/20/2018</a:t>
+              <a:t>1/21/2018</a:t>
             </a:fld>
             <a:endParaRPr lang="en-US" dirty="0"/>
           </a:p>
@@ -6858,7 +7113,7 @@
           <a:p>
             <a:fld id="{7E62AF45-EF0A-4378-934F-84EB6BC3D026}" type="datetime1">
               <a:rPr lang="en-US" smtClean="0"/>
-              <a:t>1/20/2018</a:t>
+              <a:t>1/21/2018</a:t>
             </a:fld>
             <a:endParaRPr lang="en-US" dirty="0"/>
           </a:p>
@@ -7260,7 +7515,7 @@
           <a:p>
             <a:fld id="{76D4023A-E694-4331-A23E-E1356D15A4BD}" type="datetime1">
               <a:rPr lang="en-US" smtClean="0"/>
-              <a:t>1/20/2018</a:t>
+              <a:t>1/21/2018</a:t>
             </a:fld>
             <a:endParaRPr lang="en-US" dirty="0"/>
           </a:p>
@@ -7597,7 +7852,7 @@
           <a:p>
             <a:fld id="{D6F2E77E-7F60-441B-806F-66DDB3F74163}" type="datetime1">
               <a:rPr lang="en-US" smtClean="0"/>
-              <a:t>1/20/2018</a:t>
+              <a:t>1/21/2018</a:t>
             </a:fld>
             <a:endParaRPr lang="en-US" dirty="0"/>
           </a:p>
@@ -7918,7 +8173,7 @@
           <a:p>
             <a:fld id="{266B8AF4-4A0E-4A4E-9660-2094B624C07D}" type="datetime1">
               <a:rPr lang="en-US" smtClean="0"/>
-              <a:t>1/20/2018</a:t>
+              <a:t>1/21/2018</a:t>
             </a:fld>
             <a:endParaRPr lang="en-US" dirty="0"/>
           </a:p>
@@ -8315,7 +8570,7 @@
           <a:p>
             <a:fld id="{CB2BF7E3-4C05-4502-A416-452E6496AE59}" type="datetime1">
               <a:rPr lang="en-US" smtClean="0"/>
-              <a:t>1/20/2018</a:t>
+              <a:t>1/21/2018</a:t>
             </a:fld>
             <a:endParaRPr lang="en-US" dirty="0"/>
           </a:p>
@@ -8573,7 +8828,7 @@
           <a:p>
             <a:fld id="{F6F8AC83-13D2-4813-AD1A-CAFB5DEDD213}" type="datetime1">
               <a:rPr lang="en-US" smtClean="0"/>
-              <a:t>1/20/2018</a:t>
+              <a:t>1/21/2018</a:t>
             </a:fld>
             <a:endParaRPr lang="en-US" dirty="0"/>
           </a:p>
@@ -8836,7 +9091,7 @@
           <a:p>
             <a:fld id="{74455543-85E2-46E2-A974-7ADB0844C12A}" type="datetime1">
               <a:rPr lang="en-US" smtClean="0"/>
-              <a:t>1/20/2018</a:t>
+              <a:t>1/21/2018</a:t>
             </a:fld>
             <a:endParaRPr lang="en-US" dirty="0"/>
           </a:p>
@@ -10002,7 +10257,7 @@
           <a:p>
             <a:fld id="{086CC522-5229-4E69-BBB2-D5F912967395}" type="datetime1">
               <a:rPr lang="en-US" smtClean="0"/>
-              <a:t>1/20/2018</a:t>
+              <a:t>1/21/2018</a:t>
             </a:fld>
             <a:endParaRPr lang="en-US" dirty="0"/>
           </a:p>
@@ -10321,7 +10576,7 @@
           <a:p>
             <a:fld id="{56B9B5DB-1D1A-42F8-93F0-BBA44C1CAF57}" type="datetime1">
               <a:rPr lang="en-US" smtClean="0"/>
-              <a:t>1/20/2018</a:t>
+              <a:t>1/21/2018</a:t>
             </a:fld>
             <a:endParaRPr lang="en-US" dirty="0"/>
           </a:p>
@@ -10779,7 +11034,7 @@
           <a:p>
             <a:fld id="{9A4E8950-D3FA-4365-B561-9EE5AC9B6B6C}" type="datetime1">
               <a:rPr lang="en-US" smtClean="0"/>
-              <a:t>1/20/2018</a:t>
+              <a:t>1/21/2018</a:t>
             </a:fld>
             <a:endParaRPr lang="en-US" dirty="0"/>
           </a:p>
@@ -10985,7 +11240,7 @@
           <a:p>
             <a:fld id="{20724122-C579-4659-8A06-81F42FC84005}" type="datetime1">
               <a:rPr lang="en-US" smtClean="0"/>
-              <a:t>1/20/2018</a:t>
+              <a:t>1/21/2018</a:t>
             </a:fld>
             <a:endParaRPr lang="en-US" dirty="0"/>
           </a:p>
@@ -11163,7 +11418,7 @@
           <a:p>
             <a:fld id="{E4C13383-9243-41F6-8072-8685ED9DD899}" type="datetime1">
               <a:rPr lang="en-US" smtClean="0"/>
-              <a:t>1/20/2018</a:t>
+              <a:t>1/21/2018</a:t>
             </a:fld>
             <a:endParaRPr lang="en-US" dirty="0"/>
           </a:p>
@@ -11497,7 +11752,7 @@
           <a:p>
             <a:fld id="{03F027E6-328C-49ED-AE4B-BD647A7E3EDE}" type="datetime1">
               <a:rPr lang="en-US" smtClean="0"/>
-              <a:t>1/20/2018</a:t>
+              <a:t>1/21/2018</a:t>
             </a:fld>
             <a:endParaRPr lang="en-US" dirty="0"/>
           </a:p>
@@ -11843,7 +12098,7 @@
           <a:p>
             <a:fld id="{6B498982-A325-4B29-8B06-CBC7789C234F}" type="datetime1">
               <a:rPr lang="en-US" smtClean="0"/>
-              <a:t>1/20/2018</a:t>
+              <a:t>1/21/2018</a:t>
             </a:fld>
             <a:endParaRPr lang="en-US" dirty="0"/>
           </a:p>
@@ -13961,7 +14216,7 @@
           <a:p>
             <a:fld id="{CAB5D9F6-764D-45E8-BA35-322ECA954888}" type="datetime1">
               <a:rPr lang="en-US" smtClean="0"/>
-              <a:t>1/20/2018</a:t>
+              <a:t>1/21/2018</a:t>
             </a:fld>
             <a:endParaRPr lang="en-US" dirty="0"/>
           </a:p>
@@ -25239,11 +25494,6 @@
               </a:rPr>
               <a:t>On peut créer une fonction qui écrit la suite de Fibonacci jusqu’à une limite imposée</a:t>
             </a:r>
-            <a:endParaRPr lang="fr-FR" dirty="0">
-              <a:solidFill>
-                <a:schemeClr val="tx1"/>
-              </a:solidFill>
-            </a:endParaRPr>
           </a:p>
         </p:txBody>
       </p:sp>
@@ -25529,11 +25779,6 @@
               </a:rPr>
               <a:t>existe des outils qui utilisent ces chaînes de documentation pour générer automatiquement une documentation en ligne ou imprimée, ou pour permettre à l’utilisateur de naviguer de façon interactive dans le code ; prenez-en l’habitude, c’est une bonne habitude que de documenter le code que vous écrivez !</a:t>
             </a:r>
-            <a:endParaRPr lang="fr-FR" dirty="0">
-              <a:solidFill>
-                <a:schemeClr val="tx1"/>
-              </a:solidFill>
-            </a:endParaRPr>
           </a:p>
         </p:txBody>
       </p:sp>
@@ -25723,11 +25968,6 @@
               </a:rPr>
               <a:t>), bien qu’elles puissent être référencée</a:t>
             </a:r>
-            <a:endParaRPr lang="fr-FR" dirty="0">
-              <a:solidFill>
-                <a:schemeClr val="tx1"/>
-              </a:solidFill>
-            </a:endParaRPr>
           </a:p>
         </p:txBody>
       </p:sp>
@@ -25885,11 +26125,6 @@
               </a:rPr>
               <a:t>fonction appelle une autre fonction, une nouvelle table de symboles locale est créée pour cet appel</a:t>
             </a:r>
-            <a:endParaRPr lang="fr-FR" dirty="0">
-              <a:solidFill>
-                <a:schemeClr val="tx1"/>
-              </a:solidFill>
-            </a:endParaRPr>
           </a:p>
         </p:txBody>
       </p:sp>
@@ -26074,11 +26309,6 @@
               </a:rPr>
               <a:t>fournit un mécanisme de renommage général</a:t>
             </a:r>
-            <a:endParaRPr lang="fr-FR" dirty="0">
-              <a:solidFill>
-                <a:schemeClr val="tx1"/>
-              </a:solidFill>
-            </a:endParaRPr>
           </a:p>
         </p:txBody>
       </p:sp>
@@ -26380,11 +26610,6 @@
               </a:rPr>
               <a:t>print()</a:t>
             </a:r>
-            <a:endParaRPr lang="fr-FR" b="1" i="1" dirty="0">
-              <a:solidFill>
-                <a:schemeClr val="accent6"/>
-              </a:solidFill>
-            </a:endParaRPr>
           </a:p>
         </p:txBody>
       </p:sp>
@@ -26986,11 +27211,6 @@
               </a:rPr>
               <a:t>, mais elle est plus efficace</a:t>
             </a:r>
-            <a:endParaRPr lang="fr-FR" dirty="0">
-              <a:solidFill>
-                <a:schemeClr val="tx1"/>
-              </a:solidFill>
-            </a:endParaRPr>
           </a:p>
         </p:txBody>
       </p:sp>
@@ -27129,11 +27349,6 @@
               </a:rPr>
               <a:t>crée une fonction qui pourra être appelée avec moins d’arguments que ceux présents dans sa définition</a:t>
             </a:r>
-            <a:endParaRPr lang="fr-FR" dirty="0">
-              <a:solidFill>
-                <a:schemeClr val="tx1"/>
-              </a:solidFill>
-            </a:endParaRPr>
           </a:p>
         </p:txBody>
       </p:sp>
@@ -27460,11 +27675,6 @@
               </a:rPr>
               <a:t>permet de tester si une séquence contient une certaine valeur</a:t>
             </a:r>
-            <a:endParaRPr lang="fr-FR" dirty="0">
-              <a:solidFill>
-                <a:schemeClr val="tx1"/>
-              </a:solidFill>
-            </a:endParaRPr>
           </a:p>
         </p:txBody>
       </p:sp>
@@ -28327,11 +28537,6 @@
               </a:rPr>
               <a:t>Si vous ne voulez pas que cette valeur par défaut soit partagée entre des appels successifs, vous pouvez écrire la fonction de cette façon</a:t>
             </a:r>
-            <a:endParaRPr lang="fr-FR" dirty="0">
-              <a:solidFill>
-                <a:schemeClr val="tx1"/>
-              </a:solidFill>
-            </a:endParaRPr>
           </a:p>
         </p:txBody>
       </p:sp>
@@ -28536,15 +28741,7 @@
                   <a:schemeClr val="accent6"/>
                 </a:solidFill>
               </a:rPr>
-              <a:t>m</a:t>
-            </a:r>
-            <a:r>
-              <a:rPr lang="fr-FR" b="1" i="1" dirty="0" smtClean="0">
-                <a:solidFill>
-                  <a:schemeClr val="accent6"/>
-                </a:solidFill>
-              </a:rPr>
-              <a:t>a_fonction()</a:t>
+              <a:t>ma_fonction()</a:t>
             </a:r>
             <a:r>
               <a:rPr lang="fr-FR" dirty="0" smtClean="0">
@@ -29263,11 +29460,6 @@
               </a:rPr>
               <a:t>Il est garanti que l’ordre d’affichage des arguments est le même que l’ordre dans lesquels ils sont fournis lors de l’appel à la fonction</a:t>
             </a:r>
-            <a:endParaRPr lang="fr-FR" dirty="0">
-              <a:solidFill>
-                <a:schemeClr val="tx1"/>
-              </a:solidFill>
-            </a:endParaRPr>
           </a:p>
         </p:txBody>
       </p:sp>
@@ -29395,7 +29587,7 @@
         <p:spPr>
           <a:xfrm>
             <a:off x="1327869" y="1451729"/>
-            <a:ext cx="4950384" cy="5036536"/>
+            <a:ext cx="10249230" cy="2841975"/>
           </a:xfrm>
         </p:spPr>
         <p:txBody>
@@ -29406,12 +29598,117 @@
           <a:p>
             <a:pPr algn="just"/>
             <a:r>
-              <a:rPr lang="fr-FR" dirty="0" smtClean="0">
-                <a:solidFill>
-                  <a:schemeClr val="tx1"/>
-                </a:solidFill>
-              </a:rPr>
-              <a:t>…</a:t>
+              <a:rPr lang="fr-FR" dirty="0">
+                <a:solidFill>
+                  <a:schemeClr val="tx1"/>
+                </a:solidFill>
+              </a:rPr>
+              <a:t>Pour terminer, l’option la moins fréquente consiste à indiquer qu’une fonction peut être appelée avec un nombre arbitraire </a:t>
+            </a:r>
+            <a:r>
+              <a:rPr lang="fr-FR" dirty="0" smtClean="0">
+                <a:solidFill>
+                  <a:schemeClr val="tx1"/>
+                </a:solidFill>
+              </a:rPr>
+              <a:t>d’arguments</a:t>
+            </a:r>
+          </a:p>
+          <a:p>
+            <a:pPr algn="just"/>
+            <a:r>
+              <a:rPr lang="fr-FR" dirty="0" smtClean="0">
+                <a:solidFill>
+                  <a:schemeClr val="tx1"/>
+                </a:solidFill>
+              </a:rPr>
+              <a:t>Ces </a:t>
+            </a:r>
+            <a:r>
+              <a:rPr lang="fr-FR" dirty="0">
+                <a:solidFill>
+                  <a:schemeClr val="tx1"/>
+                </a:solidFill>
+              </a:rPr>
+              <a:t>arguments sont intégrés dans un </a:t>
+            </a:r>
+            <a:r>
+              <a:rPr lang="fr-FR" dirty="0" smtClean="0">
+                <a:solidFill>
+                  <a:schemeClr val="tx1"/>
+                </a:solidFill>
+              </a:rPr>
+              <a:t>tuple</a:t>
+            </a:r>
+          </a:p>
+          <a:p>
+            <a:pPr algn="just"/>
+            <a:r>
+              <a:rPr lang="fr-FR" dirty="0" smtClean="0">
+                <a:solidFill>
+                  <a:schemeClr val="tx1"/>
+                </a:solidFill>
+              </a:rPr>
+              <a:t>Avant </a:t>
+            </a:r>
+            <a:r>
+              <a:rPr lang="fr-FR" dirty="0">
+                <a:solidFill>
+                  <a:schemeClr val="tx1"/>
+                </a:solidFill>
+              </a:rPr>
+              <a:t>le nombre variable d’arguments, zéro arguments normaux ou plus peuvent </a:t>
+            </a:r>
+            <a:r>
+              <a:rPr lang="fr-FR" dirty="0" smtClean="0">
+                <a:solidFill>
+                  <a:schemeClr val="tx1"/>
+                </a:solidFill>
+              </a:rPr>
+              <a:t>apparaître</a:t>
+            </a:r>
+          </a:p>
+          <a:p>
+            <a:pPr algn="just"/>
+            <a:r>
+              <a:rPr lang="fr-FR" dirty="0">
+                <a:solidFill>
+                  <a:schemeClr val="tx1"/>
+                </a:solidFill>
+              </a:rPr>
+              <a:t>Normalement, ces arguments variadiques sont les derniers paramètres, parce qu’ils agrègent toutes les valeurs suivantes. Tout paramètre placé après le paramètre </a:t>
+            </a:r>
+            <a:r>
+              <a:rPr lang="fr-FR" b="1" i="1" dirty="0">
+                <a:solidFill>
+                  <a:schemeClr val="accent6"/>
+                </a:solidFill>
+              </a:rPr>
+              <a:t>*</a:t>
+            </a:r>
+            <a:r>
+              <a:rPr lang="fr-FR" b="1" i="1" dirty="0" err="1" smtClean="0">
+                <a:solidFill>
+                  <a:schemeClr val="accent6"/>
+                </a:solidFill>
+              </a:rPr>
+              <a:t>args</a:t>
+            </a:r>
+            <a:r>
+              <a:rPr lang="fr-FR" dirty="0" smtClean="0">
+                <a:solidFill>
+                  <a:schemeClr val="tx1"/>
+                </a:solidFill>
+              </a:rPr>
+              <a:t> </a:t>
+            </a:r>
+            <a:r>
+              <a:rPr lang="fr-FR" dirty="0">
+                <a:solidFill>
+                  <a:schemeClr val="tx1"/>
+                </a:solidFill>
+              </a:rPr>
+              <a:t>ne pourra être utilisé que par son nom</a:t>
             </a:r>
             <a:endParaRPr lang="fr-FR" dirty="0">
               <a:solidFill>
@@ -29421,6 +29718,40 @@
           </a:p>
         </p:txBody>
       </p:sp>
+      <p:pic>
+        <p:nvPicPr>
+          <p:cNvPr id="5" name="Image 4"/>
+          <p:cNvPicPr>
+            <a:picLocks noChangeAspect="1"/>
+          </p:cNvPicPr>
+          <p:nvPr/>
+        </p:nvPicPr>
+        <p:blipFill>
+          <a:blip r:embed="rId3"/>
+          <a:stretch>
+            <a:fillRect/>
+          </a:stretch>
+        </p:blipFill>
+        <p:spPr>
+          <a:xfrm>
+            <a:off x="4759560" y="4149570"/>
+            <a:ext cx="3385847" cy="2249283"/>
+          </a:xfrm>
+          <a:prstGeom prst="rect">
+            <a:avLst/>
+          </a:prstGeom>
+          <a:ln>
+            <a:noFill/>
+          </a:ln>
+          <a:effectLst>
+            <a:outerShdw blurRad="292100" dist="139700" dir="2700000" algn="tl" rotWithShape="0">
+              <a:srgbClr val="333333">
+                <a:alpha val="65000"/>
+              </a:srgbClr>
+            </a:outerShdw>
+          </a:effectLst>
+        </p:spPr>
+      </p:pic>
     </p:spTree>
     <p:extLst>
       <p:ext uri="{BB962C8B-B14F-4D97-AF65-F5344CB8AC3E}">
@@ -29480,11 +29811,19 @@
           <a:p>
             <a:r>
               <a:rPr lang="fr-FR" dirty="0" smtClean="0"/>
-              <a:t>Style de codage</a:t>
-            </a:r>
-            <a:endParaRPr lang="fr-FR" b="1" i="1" dirty="0">
+              <a:t>Fonctions : </a:t>
+            </a:r>
+            <a:r>
+              <a:rPr lang="fr-FR" sz="2000" b="1" i="1" dirty="0" smtClean="0">
+                <a:solidFill>
+                  <a:schemeClr val="accent1"/>
+                </a:solidFill>
+              </a:rPr>
+              <a:t>Séparation des listes d'arguments</a:t>
+            </a:r>
+            <a:endParaRPr lang="fr-FR" sz="3200" b="1" i="1" dirty="0">
               <a:solidFill>
-                <a:schemeClr val="accent6"/>
+                <a:schemeClr val="accent1"/>
               </a:solidFill>
             </a:endParaRPr>
           </a:p>
@@ -29502,12 +29841,12 @@
         </p:nvSpPr>
         <p:spPr>
           <a:xfrm>
-            <a:off x="1327869" y="1701579"/>
-            <a:ext cx="10296938" cy="4595853"/>
+            <a:off x="1327869" y="1451729"/>
+            <a:ext cx="10249230" cy="2897633"/>
           </a:xfrm>
         </p:spPr>
         <p:txBody>
-          <a:bodyPr anchor="ctr" anchorCtr="0">
+          <a:bodyPr anchor="t" anchorCtr="0">
             <a:noAutofit/>
           </a:bodyPr>
           <a:lstStyle/>
@@ -29519,15 +29858,15 @@
                   <a:schemeClr val="tx1"/>
                 </a:solidFill>
               </a:rPr>
-              <a:t>Maintenant que vous êtes prêt à écrire des programmes plus longs et plus complexes, il est temps de parler du style de </a:t>
-            </a:r>
-            <a:r>
-              <a:rPr lang="fr-FR" dirty="0" smtClean="0">
-                <a:solidFill>
-                  <a:schemeClr val="tx1"/>
-                </a:solidFill>
-              </a:rPr>
-              <a:t>codage</a:t>
+              <a:t>La situation inverse intervient lorsque les arguments sont déjà dans une liste ou un tuple mais doivent être séparés pour un appel de fonction nécessitant des arguments positionnés </a:t>
+            </a:r>
+            <a:r>
+              <a:rPr lang="fr-FR" dirty="0" smtClean="0">
+                <a:solidFill>
+                  <a:schemeClr val="tx1"/>
+                </a:solidFill>
+              </a:rPr>
+              <a:t>séparés</a:t>
             </a:r>
           </a:p>
           <a:p>
@@ -29538,7 +29877,7 @@
                   <a:schemeClr val="tx1"/>
                 </a:solidFill>
               </a:rPr>
-              <a:t>La </a:t>
+              <a:t>Par </a:t>
             </a:r>
             <a:r>
               <a:rPr lang="fr-FR" dirty="0">
@@ -29546,15 +29885,47 @@
                   <a:schemeClr val="tx1"/>
                 </a:solidFill>
               </a:rPr>
-              <a:t>plupart des langages peuvent être écrits (ou plutôt formatés) selon différents </a:t>
-            </a:r>
-            <a:r>
-              <a:rPr lang="fr-FR" dirty="0" smtClean="0">
-                <a:solidFill>
-                  <a:schemeClr val="tx1"/>
-                </a:solidFill>
-              </a:rPr>
-              <a:t>styles</a:t>
+              <a:t>exemple, la primitive range() attend des arguments </a:t>
+            </a:r>
+            <a:r>
+              <a:rPr lang="fr-FR" b="1" i="1" dirty="0">
+                <a:solidFill>
+                  <a:schemeClr val="accent6"/>
+                </a:solidFill>
+              </a:rPr>
+              <a:t>start</a:t>
+            </a:r>
+            <a:r>
+              <a:rPr lang="fr-FR" dirty="0">
+                <a:solidFill>
+                  <a:schemeClr val="tx1"/>
+                </a:solidFill>
+              </a:rPr>
+              <a:t> et </a:t>
+            </a:r>
+            <a:r>
+              <a:rPr lang="fr-FR" b="1" i="1" dirty="0">
+                <a:solidFill>
+                  <a:schemeClr val="accent6"/>
+                </a:solidFill>
+              </a:rPr>
+              <a:t>stop</a:t>
+            </a:r>
+            <a:r>
+              <a:rPr lang="fr-FR" dirty="0">
+                <a:solidFill>
+                  <a:schemeClr val="tx1"/>
+                </a:solidFill>
+              </a:rPr>
+              <a:t> </a:t>
+            </a:r>
+            <a:r>
+              <a:rPr lang="fr-FR" dirty="0" smtClean="0">
+                <a:solidFill>
+                  <a:schemeClr val="tx1"/>
+                </a:solidFill>
+              </a:rPr>
+              <a:t>distincts</a:t>
             </a:r>
           </a:p>
           <a:p>
@@ -29565,7 +29936,7 @@
                   <a:schemeClr val="tx1"/>
                 </a:solidFill>
               </a:rPr>
-              <a:t>certains </a:t>
+              <a:t>S’ils </a:t>
             </a:r>
             <a:r>
               <a:rPr lang="fr-FR" dirty="0">
@@ -29573,114 +29944,42 @@
                   <a:schemeClr val="tx1"/>
                 </a:solidFill>
               </a:rPr>
-              <a:t>sont plus lisibles que </a:t>
-            </a:r>
-            <a:r>
-              <a:rPr lang="fr-FR" dirty="0" smtClean="0">
-                <a:solidFill>
-                  <a:schemeClr val="tx1"/>
-                </a:solidFill>
-              </a:rPr>
-              <a:t>d’autres</a:t>
+              <a:t>ne sont pas disponibles séparément, écrivez l’appel de fonction en utilisant l’opérateur </a:t>
+            </a:r>
+            <a:r>
+              <a:rPr lang="fr-FR" b="1" i="1" dirty="0">
+                <a:solidFill>
+                  <a:schemeClr val="accent6"/>
+                </a:solidFill>
+              </a:rPr>
+              <a:t>*</a:t>
+            </a:r>
+            <a:r>
+              <a:rPr lang="fr-FR" dirty="0">
+                <a:solidFill>
+                  <a:schemeClr val="tx1"/>
+                </a:solidFill>
+              </a:rPr>
+              <a:t> pour séparer les arguments présents dans une liste ou un </a:t>
+            </a:r>
+            <a:r>
+              <a:rPr lang="fr-FR" dirty="0" smtClean="0">
+                <a:solidFill>
+                  <a:schemeClr val="tx1"/>
+                </a:solidFill>
+              </a:rPr>
+              <a:t>tuple</a:t>
             </a:r>
           </a:p>
           <a:p>
             <a:pPr algn="just"/>
             <a:r>
-              <a:rPr lang="fr-FR" dirty="0" smtClean="0">
-                <a:solidFill>
-                  <a:schemeClr val="tx1"/>
-                </a:solidFill>
-              </a:rPr>
-              <a:t>Rendre </a:t>
-            </a:r>
-            <a:r>
               <a:rPr lang="fr-FR" dirty="0">
                 <a:solidFill>
                   <a:schemeClr val="tx1"/>
                 </a:solidFill>
               </a:rPr>
-              <a:t>la lecture de votre code plus facile aux autres est toujours une bonne idée, et adopter un bon style de codage peut énormément vous y </a:t>
-            </a:r>
-            <a:r>
-              <a:rPr lang="fr-FR" dirty="0" smtClean="0">
-                <a:solidFill>
-                  <a:schemeClr val="tx1"/>
-                </a:solidFill>
-              </a:rPr>
-              <a:t>aider</a:t>
-            </a:r>
-          </a:p>
-          <a:p>
-            <a:pPr algn="just"/>
-            <a:r>
-              <a:rPr lang="fr-FR" dirty="0">
-                <a:solidFill>
-                  <a:schemeClr val="tx1"/>
-                </a:solidFill>
-              </a:rPr>
-              <a:t>En Python, la </a:t>
-            </a:r>
-            <a:r>
-              <a:rPr lang="fr-FR" b="1" i="1" dirty="0">
-                <a:solidFill>
-                  <a:schemeClr val="accent1"/>
-                </a:solidFill>
-                <a:hlinkClick r:id="rId3"/>
-              </a:rPr>
-              <a:t>PEP 8</a:t>
-            </a:r>
-            <a:r>
-              <a:rPr lang="fr-FR" dirty="0">
-                <a:solidFill>
-                  <a:schemeClr val="tx1"/>
-                </a:solidFill>
-                <a:hlinkClick r:id="rId3"/>
-              </a:rPr>
-              <a:t> </a:t>
-            </a:r>
-            <a:r>
-              <a:rPr lang="fr-FR" dirty="0">
-                <a:solidFill>
-                  <a:schemeClr val="tx1"/>
-                </a:solidFill>
-              </a:rPr>
-              <a:t>a émergé comme étant un guide auquel la plupart des projets adhèrent ; elle met en avant un style de codage très lisible et agréable à </a:t>
-            </a:r>
-            <a:r>
-              <a:rPr lang="fr-FR" dirty="0" smtClean="0">
-                <a:solidFill>
-                  <a:schemeClr val="tx1"/>
-                </a:solidFill>
-              </a:rPr>
-              <a:t>l’œil</a:t>
-            </a:r>
-          </a:p>
-          <a:p>
-            <a:pPr algn="just"/>
-            <a:r>
-              <a:rPr lang="fr-FR" dirty="0" smtClean="0">
-                <a:solidFill>
-                  <a:schemeClr val="tx1"/>
-                </a:solidFill>
-              </a:rPr>
-              <a:t>Chaque </a:t>
-            </a:r>
-            <a:r>
-              <a:rPr lang="fr-FR" dirty="0">
-                <a:solidFill>
-                  <a:schemeClr val="tx1"/>
-                </a:solidFill>
-              </a:rPr>
-              <a:t>développeur Python devrait donc la lire et s’en inspirer autant que </a:t>
-            </a:r>
-            <a:r>
-              <a:rPr lang="fr-FR" dirty="0" smtClean="0">
-                <a:solidFill>
-                  <a:schemeClr val="tx1"/>
-                </a:solidFill>
-              </a:rPr>
-              <a:t>possible</a:t>
+              <a:t>De la même façon, les dictionnaires peuvent fournir des arguments nommés en utilisant l’opérateur **</a:t>
             </a:r>
             <a:endParaRPr lang="fr-FR" dirty="0">
               <a:solidFill>
@@ -29690,10 +29989,78 @@
           </a:p>
         </p:txBody>
       </p:sp>
+      <p:pic>
+        <p:nvPicPr>
+          <p:cNvPr id="4" name="Image 3"/>
+          <p:cNvPicPr>
+            <a:picLocks noChangeAspect="1"/>
+          </p:cNvPicPr>
+          <p:nvPr/>
+        </p:nvPicPr>
+        <p:blipFill>
+          <a:blip r:embed="rId3"/>
+          <a:stretch>
+            <a:fillRect/>
+          </a:stretch>
+        </p:blipFill>
+        <p:spPr>
+          <a:xfrm>
+            <a:off x="2464822" y="4424115"/>
+            <a:ext cx="2647950" cy="1381125"/>
+          </a:xfrm>
+          <a:prstGeom prst="rect">
+            <a:avLst/>
+          </a:prstGeom>
+          <a:ln>
+            <a:noFill/>
+          </a:ln>
+          <a:effectLst>
+            <a:outerShdw blurRad="292100" dist="139700" dir="2700000" algn="tl" rotWithShape="0">
+              <a:srgbClr val="333333">
+                <a:alpha val="65000"/>
+              </a:srgbClr>
+            </a:outerShdw>
+          </a:effectLst>
+        </p:spPr>
+      </p:pic>
+      <p:pic>
+        <p:nvPicPr>
+          <p:cNvPr id="6" name="Image 5"/>
+          <p:cNvPicPr>
+            <a:picLocks noChangeAspect="1"/>
+          </p:cNvPicPr>
+          <p:nvPr/>
+        </p:nvPicPr>
+        <p:blipFill>
+          <a:blip r:embed="rId4"/>
+          <a:stretch>
+            <a:fillRect/>
+          </a:stretch>
+        </p:blipFill>
+        <p:spPr>
+          <a:xfrm>
+            <a:off x="5420139" y="4424115"/>
+            <a:ext cx="5486400" cy="1552575"/>
+          </a:xfrm>
+          <a:prstGeom prst="rect">
+            <a:avLst/>
+          </a:prstGeom>
+          <a:ln>
+            <a:noFill/>
+          </a:ln>
+          <a:effectLst>
+            <a:outerShdw blurRad="292100" dist="139700" dir="2700000" algn="tl" rotWithShape="0">
+              <a:srgbClr val="333333">
+                <a:alpha val="65000"/>
+              </a:srgbClr>
+            </a:outerShdw>
+          </a:effectLst>
+        </p:spPr>
+      </p:pic>
     </p:spTree>
     <p:extLst>
       <p:ext uri="{BB962C8B-B14F-4D97-AF65-F5344CB8AC3E}">
-        <p14:creationId xmlns:p14="http://schemas.microsoft.com/office/powerpoint/2010/main" val="983697788"/>
+        <p14:creationId xmlns:p14="http://schemas.microsoft.com/office/powerpoint/2010/main" val="1187187767"/>
       </p:ext>
     </p:extLst>
   </p:cSld>
@@ -29749,11 +30116,19 @@
           <a:p>
             <a:r>
               <a:rPr lang="fr-FR" dirty="0" smtClean="0"/>
-              <a:t>Style de codage</a:t>
-            </a:r>
-            <a:endParaRPr lang="fr-FR" b="1" i="1" dirty="0">
+              <a:t>Fonctions : </a:t>
+            </a:r>
+            <a:r>
+              <a:rPr lang="fr-FR" sz="2000" b="1" i="1" dirty="0" smtClean="0">
+                <a:solidFill>
+                  <a:schemeClr val="accent1"/>
+                </a:solidFill>
+              </a:rPr>
+              <a:t>Fonctions anonymes</a:t>
+            </a:r>
+            <a:endParaRPr lang="fr-FR" sz="3200" b="1" i="1" dirty="0">
               <a:solidFill>
-                <a:schemeClr val="accent6"/>
+                <a:schemeClr val="accent1"/>
               </a:solidFill>
             </a:endParaRPr>
           </a:p>
@@ -29771,12 +30146,12 @@
         </p:nvSpPr>
         <p:spPr>
           <a:xfrm>
-            <a:off x="1327869" y="1701579"/>
-            <a:ext cx="10296938" cy="4595853"/>
+            <a:off x="1327869" y="1451729"/>
+            <a:ext cx="10249230" cy="2897633"/>
           </a:xfrm>
         </p:spPr>
         <p:txBody>
-          <a:bodyPr anchor="ctr" anchorCtr="0">
+          <a:bodyPr anchor="t" anchorCtr="0">
             <a:noAutofit/>
           </a:bodyPr>
           <a:lstStyle/>
@@ -29788,7 +30163,31 @@
                   <a:schemeClr val="tx1"/>
                 </a:solidFill>
               </a:rPr>
-              <a:t>Utilisez des indentations de 4 espaces, et pas de tabulation.</a:t>
+              <a:t>Avec le mot-clé </a:t>
+            </a:r>
+            <a:r>
+              <a:rPr lang="fr-FR" b="1" i="1" dirty="0">
+                <a:solidFill>
+                  <a:schemeClr val="accent6"/>
+                </a:solidFill>
+              </a:rPr>
+              <a:t>lambda</a:t>
+            </a:r>
+            <a:r>
+              <a:rPr lang="fr-FR" dirty="0">
+                <a:solidFill>
+                  <a:schemeClr val="tx1"/>
+                </a:solidFill>
+              </a:rPr>
+              <a:t>, on peut créer de petites fonctions </a:t>
+            </a:r>
+            <a:r>
+              <a:rPr lang="fr-FR" dirty="0" smtClean="0">
+                <a:solidFill>
+                  <a:schemeClr val="tx1"/>
+                </a:solidFill>
+              </a:rPr>
+              <a:t>anonymes</a:t>
             </a:r>
           </a:p>
           <a:p>
@@ -29799,7 +30198,7 @@
                   <a:schemeClr val="tx1"/>
                 </a:solidFill>
               </a:rPr>
-              <a:t>4 </a:t>
+              <a:t>Voilà une </a:t>
             </a:r>
             <a:r>
               <a:rPr lang="fr-FR" dirty="0">
@@ -29807,8 +30206,21 @@
                   <a:schemeClr val="tx1"/>
                 </a:solidFill>
               </a:rPr>
-              <a:t>espaces constituent un bon compromis entre une indentation courte (qui permet une profondeur d’imbrication plus importante) et une longue (qui rend le code plus facile à lire). Les tabulations introduisent de la confusion, et doivent être proscrites autant que possible.</a:t>
-            </a:r>
+              <a:t>fonction qui renvoie la somme de ses deux arguments : lambda a, b: </a:t>
+            </a:r>
+            <a:r>
+              <a:rPr lang="fr-FR" dirty="0" err="1" smtClean="0">
+                <a:solidFill>
+                  <a:schemeClr val="tx1"/>
+                </a:solidFill>
+              </a:rPr>
+              <a:t>a+b</a:t>
+            </a:r>
+            <a:endParaRPr lang="fr-FR" dirty="0" smtClean="0">
+              <a:solidFill>
+                <a:schemeClr val="tx1"/>
+              </a:solidFill>
+            </a:endParaRPr>
           </a:p>
           <a:p>
             <a:pPr algn="just"/>
@@ -29818,7 +30230,7 @@
                   <a:schemeClr val="tx1"/>
                 </a:solidFill>
               </a:rPr>
-              <a:t>Faites </a:t>
+              <a:t>Les </a:t>
             </a:r>
             <a:r>
               <a:rPr lang="fr-FR" dirty="0">
@@ -29826,7 +30238,15 @@
                   <a:schemeClr val="tx1"/>
                 </a:solidFill>
               </a:rPr>
-              <a:t>des retours à la ligne, de telle sorte qu’elles n’excèdent pas 79 caractères.</a:t>
+              <a:t>fonctions lambda peuvent être utilisées partout où un objet fonction est </a:t>
+            </a:r>
+            <a:r>
+              <a:rPr lang="fr-FR" dirty="0" smtClean="0">
+                <a:solidFill>
+                  <a:schemeClr val="tx1"/>
+                </a:solidFill>
+              </a:rPr>
+              <a:t>attendu</a:t>
             </a:r>
           </a:p>
           <a:p>
@@ -29837,7 +30257,7 @@
                   <a:schemeClr val="tx1"/>
                 </a:solidFill>
               </a:rPr>
-              <a:t>Ceci </a:t>
+              <a:t>Elles </a:t>
             </a:r>
             <a:r>
               <a:rPr lang="fr-FR" dirty="0">
@@ -29845,7 +30265,15 @@
                   <a:schemeClr val="tx1"/>
                 </a:solidFill>
               </a:rPr>
-              <a:t>aide les utilisateurs ne disposant que de petits écrans, et permet sur de plus grands de disposer plusieurs fichiers côte à côte sans difficulté.</a:t>
+              <a:t>sont syntaxiquement restreintes à une seule </a:t>
+            </a:r>
+            <a:r>
+              <a:rPr lang="fr-FR" dirty="0" smtClean="0">
+                <a:solidFill>
+                  <a:schemeClr val="tx1"/>
+                </a:solidFill>
+              </a:rPr>
+              <a:t>expression</a:t>
             </a:r>
           </a:p>
           <a:p>
@@ -29856,7 +30284,7 @@
                   <a:schemeClr val="tx1"/>
                 </a:solidFill>
               </a:rPr>
-              <a:t>Utilisez </a:t>
+              <a:t>Sémantiquement</a:t>
             </a:r>
             <a:r>
               <a:rPr lang="fr-FR" dirty="0">
@@ -29864,7 +30292,31 @@
                   <a:schemeClr val="tx1"/>
                 </a:solidFill>
               </a:rPr>
-              <a:t>des lignes vides pour séparer les fonctions et les classes, ou pour scinder de gros blocs de code à l’intérieur de fonctions.</a:t>
+              <a:t>, elles ne sont </a:t>
+            </a:r>
+            <a:r>
+              <a:rPr lang="fr-FR" dirty="0" smtClean="0">
+                <a:solidFill>
+                  <a:schemeClr val="tx1"/>
+                </a:solidFill>
+              </a:rPr>
+              <a:t>qu’une raccourci </a:t>
+            </a:r>
+            <a:r>
+              <a:rPr lang="fr-FR" dirty="0">
+                <a:solidFill>
+                  <a:schemeClr val="tx1"/>
+                </a:solidFill>
+              </a:rPr>
+              <a:t>syntaxique pour une définition de fonction </a:t>
+            </a:r>
+            <a:r>
+              <a:rPr lang="fr-FR" dirty="0" smtClean="0">
+                <a:solidFill>
+                  <a:schemeClr val="tx1"/>
+                </a:solidFill>
+              </a:rPr>
+              <a:t>normale</a:t>
             </a:r>
           </a:p>
           <a:p>
@@ -29875,7 +30327,7 @@
                   <a:schemeClr val="tx1"/>
                 </a:solidFill>
               </a:rPr>
-              <a:t>Lorsque </a:t>
+              <a:t>Comme </a:t>
             </a:r>
             <a:r>
               <a:rPr lang="fr-FR" dirty="0">
@@ -29883,34 +30335,7 @@
                   <a:schemeClr val="tx1"/>
                 </a:solidFill>
               </a:rPr>
-              <a:t>c’est possible, placez les commentaires sur leur propres lignes.</a:t>
-            </a:r>
-          </a:p>
-          <a:p>
-            <a:pPr algn="just"/>
-            <a:r>
-              <a:rPr lang="fr-FR" dirty="0" smtClean="0">
-                <a:solidFill>
-                  <a:schemeClr val="tx1"/>
-                </a:solidFill>
-              </a:rPr>
-              <a:t>Utilisez </a:t>
-            </a:r>
-            <a:r>
-              <a:rPr lang="fr-FR" dirty="0">
-                <a:solidFill>
-                  <a:schemeClr val="tx1"/>
-                </a:solidFill>
-              </a:rPr>
-              <a:t>les chaînes de </a:t>
-            </a:r>
-            <a:r>
-              <a:rPr lang="fr-FR" dirty="0" smtClean="0">
-                <a:solidFill>
-                  <a:schemeClr val="tx1"/>
-                </a:solidFill>
-              </a:rPr>
-              <a:t>documentation</a:t>
+              <a:t>les fonctions imbriquées, les fonctions lambda peuvent référencer des variables de la portée englobante</a:t>
             </a:r>
             <a:endParaRPr lang="fr-FR" dirty="0">
               <a:solidFill>
@@ -29920,10 +30345,44 @@
           </a:p>
         </p:txBody>
       </p:sp>
+      <p:pic>
+        <p:nvPicPr>
+          <p:cNvPr id="5" name="Image 4"/>
+          <p:cNvPicPr>
+            <a:picLocks noChangeAspect="1"/>
+          </p:cNvPicPr>
+          <p:nvPr/>
+        </p:nvPicPr>
+        <p:blipFill>
+          <a:blip r:embed="rId3"/>
+          <a:stretch>
+            <a:fillRect/>
+          </a:stretch>
+        </p:blipFill>
+        <p:spPr>
+          <a:xfrm>
+            <a:off x="4150581" y="4503081"/>
+            <a:ext cx="5034459" cy="1896288"/>
+          </a:xfrm>
+          <a:prstGeom prst="rect">
+            <a:avLst/>
+          </a:prstGeom>
+          <a:ln>
+            <a:noFill/>
+          </a:ln>
+          <a:effectLst>
+            <a:outerShdw blurRad="292100" dist="139700" dir="2700000" algn="tl" rotWithShape="0">
+              <a:srgbClr val="333333">
+                <a:alpha val="65000"/>
+              </a:srgbClr>
+            </a:outerShdw>
+          </a:effectLst>
+        </p:spPr>
+      </p:pic>
     </p:spTree>
     <p:extLst>
       <p:ext uri="{BB962C8B-B14F-4D97-AF65-F5344CB8AC3E}">
-        <p14:creationId xmlns:p14="http://schemas.microsoft.com/office/powerpoint/2010/main" val="1701520310"/>
+        <p14:creationId xmlns:p14="http://schemas.microsoft.com/office/powerpoint/2010/main" val="4198510629"/>
       </p:ext>
     </p:extLst>
   </p:cSld>
@@ -29979,11 +30438,19 @@
           <a:p>
             <a:r>
               <a:rPr lang="fr-FR" dirty="0" smtClean="0"/>
-              <a:t>Style de codage</a:t>
-            </a:r>
-            <a:endParaRPr lang="fr-FR" b="1" i="1" dirty="0">
+              <a:t>Fonctions : </a:t>
+            </a:r>
+            <a:r>
+              <a:rPr lang="fr-FR" sz="2000" b="1" i="1" dirty="0" smtClean="0">
+                <a:solidFill>
+                  <a:schemeClr val="accent1"/>
+                </a:solidFill>
+              </a:rPr>
+              <a:t>Fonctions anonymes</a:t>
+            </a:r>
+            <a:endParaRPr lang="fr-FR" sz="3200" b="1" i="1" dirty="0">
               <a:solidFill>
-                <a:schemeClr val="accent6"/>
+                <a:schemeClr val="accent1"/>
               </a:solidFill>
             </a:endParaRPr>
           </a:p>
@@ -30001,32 +30468,32 @@
         </p:nvSpPr>
         <p:spPr>
           <a:xfrm>
-            <a:off x="1327869" y="1701579"/>
-            <a:ext cx="10296938" cy="4595853"/>
+            <a:off x="1327869" y="1630017"/>
+            <a:ext cx="10249230" cy="1248355"/>
           </a:xfrm>
         </p:spPr>
         <p:txBody>
-          <a:bodyPr anchor="ctr" anchorCtr="0">
+          <a:bodyPr anchor="t" anchorCtr="0">
             <a:noAutofit/>
           </a:bodyPr>
           <a:lstStyle/>
           <a:p>
             <a:pPr algn="just"/>
             <a:r>
-              <a:rPr lang="fr-FR" dirty="0" smtClean="0">
-                <a:solidFill>
-                  <a:schemeClr val="tx1"/>
-                </a:solidFill>
-              </a:rPr>
-              <a:t>Utilisez </a:t>
-            </a:r>
-            <a:r>
               <a:rPr lang="fr-FR" dirty="0">
                 <a:solidFill>
                   <a:schemeClr val="tx1"/>
                 </a:solidFill>
               </a:rPr>
-              <a:t>des espaces autour des opérateurs et après les virgules, mais pas directement à l’intérieur des parenthèses : a = f(1, 2) + g(3, 4).</a:t>
+              <a:t>L’exemple précédent utilise une fonction anonyme pour renvoyer une </a:t>
+            </a:r>
+            <a:r>
+              <a:rPr lang="fr-FR" dirty="0" smtClean="0">
+                <a:solidFill>
+                  <a:schemeClr val="tx1"/>
+                </a:solidFill>
+              </a:rPr>
+              <a:t>fonction</a:t>
             </a:r>
           </a:p>
           <a:p>
@@ -30037,7 +30504,7 @@
                   <a:schemeClr val="tx1"/>
                 </a:solidFill>
               </a:rPr>
-              <a:t>Nommez </a:t>
+              <a:t>Un autre </a:t>
             </a:r>
             <a:r>
               <a:rPr lang="fr-FR" dirty="0">
@@ -30045,133 +30512,54 @@
                   <a:schemeClr val="tx1"/>
                 </a:solidFill>
               </a:rPr>
-              <a:t>toujours vos classes et fonctions de la même manière ; la convention est d’utiliser une notation </a:t>
-            </a:r>
-            <a:r>
-              <a:rPr lang="fr-FR" b="1" i="1" dirty="0">
-                <a:solidFill>
-                  <a:schemeClr val="accent1"/>
-                </a:solidFill>
-              </a:rPr>
-              <a:t>CamelCase</a:t>
-            </a:r>
-            <a:r>
-              <a:rPr lang="fr-FR" dirty="0">
-                <a:solidFill>
-                  <a:schemeClr val="tx1"/>
-                </a:solidFill>
-              </a:rPr>
-              <a:t> pour les classes, et </a:t>
-            </a:r>
-            <a:r>
-              <a:rPr lang="fr-FR" b="1" i="1" dirty="0">
-                <a:solidFill>
-                  <a:schemeClr val="accent1"/>
-                </a:solidFill>
-              </a:rPr>
-              <a:t>minuscules_avec_trait_bas</a:t>
-            </a:r>
-            <a:r>
-              <a:rPr lang="fr-FR" dirty="0">
-                <a:solidFill>
-                  <a:schemeClr val="tx1"/>
-                </a:solidFill>
-              </a:rPr>
-              <a:t> pour les </a:t>
-            </a:r>
-            <a:r>
-              <a:rPr lang="fr-FR" dirty="0" smtClean="0">
-                <a:solidFill>
-                  <a:schemeClr val="tx1"/>
-                </a:solidFill>
-              </a:rPr>
-              <a:t>fonctions, méthodes et variables. </a:t>
-            </a:r>
-            <a:r>
-              <a:rPr lang="fr-FR" dirty="0">
-                <a:solidFill>
-                  <a:schemeClr val="tx1"/>
-                </a:solidFill>
-              </a:rPr>
-              <a:t>Utilisez toujours </a:t>
-            </a:r>
-            <a:r>
-              <a:rPr lang="fr-FR" b="1" i="1" dirty="0">
-                <a:solidFill>
-                  <a:schemeClr val="accent1"/>
-                </a:solidFill>
-              </a:rPr>
-              <a:t>self</a:t>
-            </a:r>
-            <a:r>
-              <a:rPr lang="fr-FR" dirty="0">
-                <a:solidFill>
-                  <a:schemeClr val="tx1"/>
-                </a:solidFill>
-              </a:rPr>
-              <a:t> comme nom du premier argument des méthodes (voyez </a:t>
-            </a:r>
-            <a:r>
-              <a:rPr lang="fr-FR" dirty="0" smtClean="0">
-                <a:solidFill>
-                  <a:schemeClr val="tx1"/>
-                </a:solidFill>
-              </a:rPr>
-              <a:t>une </a:t>
-            </a:r>
-            <a:r>
-              <a:rPr lang="fr-FR" dirty="0">
-                <a:solidFill>
-                  <a:schemeClr val="tx1"/>
-                </a:solidFill>
-              </a:rPr>
-              <a:t>première approche des classes pour en savoir plus sur les classes et les méthodes).</a:t>
-            </a:r>
-          </a:p>
-          <a:p>
-            <a:pPr algn="just"/>
-            <a:r>
-              <a:rPr lang="fr-FR" dirty="0" smtClean="0">
-                <a:solidFill>
-                  <a:schemeClr val="tx1"/>
-                </a:solidFill>
-              </a:rPr>
-              <a:t>N’utilisez </a:t>
-            </a:r>
-            <a:r>
-              <a:rPr lang="fr-FR" dirty="0">
-                <a:solidFill>
-                  <a:schemeClr val="tx1"/>
-                </a:solidFill>
-              </a:rPr>
-              <a:t>pas d’encodages exotiques dès lors que votre code est sensé être utilisé dans des environnements internationaux. Par défaut, Python travaille en UTF-8, ou sinon du simple ASCII fonctionne dans la plupart des cas.</a:t>
-            </a:r>
-          </a:p>
-          <a:p>
-            <a:pPr algn="just"/>
-            <a:r>
-              <a:rPr lang="fr-FR" dirty="0" smtClean="0">
-                <a:solidFill>
-                  <a:schemeClr val="tx1"/>
-                </a:solidFill>
-              </a:rPr>
-              <a:t>De </a:t>
-            </a:r>
-            <a:r>
-              <a:rPr lang="fr-FR" dirty="0">
-                <a:solidFill>
-                  <a:schemeClr val="tx1"/>
-                </a:solidFill>
-              </a:rPr>
-              <a:t>la même manière, n’utilisez que des caractères ASCII pour vos noms de variables si vous soupçonnez qu’un personne parlant une autre langue lira ou devra modifier votre code.</a:t>
-            </a:r>
-          </a:p>
-        </p:txBody>
-      </p:sp>
+              <a:t>usage typique est de donner une fonction minimaliste directement en temps que paramètre</a:t>
+            </a:r>
+            <a:endParaRPr lang="fr-FR" dirty="0">
+              <a:solidFill>
+                <a:schemeClr val="tx1"/>
+              </a:solidFill>
+            </a:endParaRPr>
+          </a:p>
+        </p:txBody>
+      </p:sp>
+      <p:pic>
+        <p:nvPicPr>
+          <p:cNvPr id="4" name="Image 3"/>
+          <p:cNvPicPr>
+            <a:picLocks noChangeAspect="1"/>
+          </p:cNvPicPr>
+          <p:nvPr/>
+        </p:nvPicPr>
+        <p:blipFill>
+          <a:blip r:embed="rId3"/>
+          <a:stretch>
+            <a:fillRect/>
+          </a:stretch>
+        </p:blipFill>
+        <p:spPr>
+          <a:xfrm>
+            <a:off x="3048497" y="3884279"/>
+            <a:ext cx="6667500" cy="1581150"/>
+          </a:xfrm>
+          <a:prstGeom prst="rect">
+            <a:avLst/>
+          </a:prstGeom>
+          <a:ln>
+            <a:noFill/>
+          </a:ln>
+          <a:effectLst>
+            <a:outerShdw blurRad="292100" dist="139700" dir="2700000" algn="tl" rotWithShape="0">
+              <a:srgbClr val="333333">
+                <a:alpha val="65000"/>
+              </a:srgbClr>
+            </a:outerShdw>
+          </a:effectLst>
+        </p:spPr>
+      </p:pic>
     </p:spTree>
     <p:extLst>
       <p:ext uri="{BB962C8B-B14F-4D97-AF65-F5344CB8AC3E}">
-        <p14:creationId xmlns:p14="http://schemas.microsoft.com/office/powerpoint/2010/main" val="4243432789"/>
+        <p14:creationId xmlns:p14="http://schemas.microsoft.com/office/powerpoint/2010/main" val="2841293409"/>
       </p:ext>
     </p:extLst>
   </p:cSld>
@@ -30227,9 +30615,13 @@
           <a:p>
             <a:r>
               <a:rPr lang="fr-FR" dirty="0" smtClean="0"/>
-              <a:t>Références</a:t>
-            </a:r>
-            <a:endParaRPr lang="fr-FR" dirty="0"/>
+              <a:t>Style de codage</a:t>
+            </a:r>
+            <a:endParaRPr lang="fr-FR" b="1" i="1" dirty="0">
+              <a:solidFill>
+                <a:schemeClr val="accent6"/>
+              </a:solidFill>
+            </a:endParaRPr>
           </a:p>
         </p:txBody>
       </p:sp>
@@ -30245,100 +30637,185 @@
         </p:nvSpPr>
         <p:spPr>
           <a:xfrm>
-            <a:off x="1661823" y="1542413"/>
-            <a:ext cx="9842789" cy="2965977"/>
+            <a:off x="1327869" y="1701579"/>
+            <a:ext cx="10296938" cy="4595853"/>
           </a:xfrm>
         </p:spPr>
         <p:txBody>
           <a:bodyPr anchor="ctr" anchorCtr="0">
-            <a:normAutofit/>
+            <a:noAutofit/>
           </a:bodyPr>
           <a:lstStyle/>
           <a:p>
             <a:pPr algn="just"/>
             <a:r>
-              <a:rPr lang="fr-FR" dirty="0" smtClean="0">
-                <a:solidFill>
-                  <a:schemeClr val="tx1"/>
-                </a:solidFill>
-              </a:rPr>
-              <a:t>Python.org </a:t>
-            </a:r>
-            <a:r>
               <a:rPr lang="fr-FR" dirty="0">
                 <a:solidFill>
                   <a:schemeClr val="tx1"/>
                 </a:solidFill>
               </a:rPr>
-              <a:t>: </a:t>
+              <a:t>Maintenant que vous êtes prêt à écrire des programmes plus longs et plus complexes, il est temps de parler du style de </a:t>
+            </a:r>
+            <a:r>
+              <a:rPr lang="fr-FR" dirty="0" smtClean="0">
+                <a:solidFill>
+                  <a:schemeClr val="tx1"/>
+                </a:solidFill>
+              </a:rPr>
+              <a:t>codage</a:t>
+            </a:r>
+          </a:p>
+          <a:p>
+            <a:pPr algn="just"/>
+            <a:r>
+              <a:rPr lang="fr-FR" dirty="0" smtClean="0">
+                <a:solidFill>
+                  <a:schemeClr val="tx1"/>
+                </a:solidFill>
+              </a:rPr>
+              <a:t>La </a:t>
             </a:r>
             <a:r>
               <a:rPr lang="fr-FR" dirty="0">
                 <a:solidFill>
                   <a:schemeClr val="tx1"/>
                 </a:solidFill>
+              </a:rPr>
+              <a:t>plupart des langages peuvent être écrits (ou plutôt formatés) selon différents </a:t>
+            </a:r>
+            <a:r>
+              <a:rPr lang="fr-FR" dirty="0" smtClean="0">
+                <a:solidFill>
+                  <a:schemeClr val="tx1"/>
+                </a:solidFill>
+              </a:rPr>
+              <a:t>styles</a:t>
+            </a:r>
+          </a:p>
+          <a:p>
+            <a:pPr algn="just"/>
+            <a:r>
+              <a:rPr lang="fr-FR" dirty="0" smtClean="0">
+                <a:solidFill>
+                  <a:schemeClr val="tx1"/>
+                </a:solidFill>
+              </a:rPr>
+              <a:t>certains </a:t>
+            </a:r>
+            <a:r>
+              <a:rPr lang="fr-FR" dirty="0">
+                <a:solidFill>
+                  <a:schemeClr val="tx1"/>
+                </a:solidFill>
+              </a:rPr>
+              <a:t>sont plus lisibles que </a:t>
+            </a:r>
+            <a:r>
+              <a:rPr lang="fr-FR" dirty="0" smtClean="0">
+                <a:solidFill>
+                  <a:schemeClr val="tx1"/>
+                </a:solidFill>
+              </a:rPr>
+              <a:t>d’autres</a:t>
+            </a:r>
+          </a:p>
+          <a:p>
+            <a:pPr algn="just"/>
+            <a:r>
+              <a:rPr lang="fr-FR" dirty="0" smtClean="0">
+                <a:solidFill>
+                  <a:schemeClr val="tx1"/>
+                </a:solidFill>
+              </a:rPr>
+              <a:t>Rendre </a:t>
+            </a:r>
+            <a:r>
+              <a:rPr lang="fr-FR" dirty="0">
+                <a:solidFill>
+                  <a:schemeClr val="tx1"/>
+                </a:solidFill>
+              </a:rPr>
+              <a:t>la lecture de votre code plus facile aux autres est toujours une bonne idée, et adopter un bon style de codage peut énormément vous y </a:t>
+            </a:r>
+            <a:r>
+              <a:rPr lang="fr-FR" dirty="0" smtClean="0">
+                <a:solidFill>
+                  <a:schemeClr val="tx1"/>
+                </a:solidFill>
+              </a:rPr>
+              <a:t>aider</a:t>
+            </a:r>
+          </a:p>
+          <a:p>
+            <a:pPr algn="just"/>
+            <a:r>
+              <a:rPr lang="fr-FR" dirty="0">
+                <a:solidFill>
+                  <a:schemeClr val="tx1"/>
+                </a:solidFill>
+              </a:rPr>
+              <a:t>En Python, la </a:t>
+            </a:r>
+            <a:r>
+              <a:rPr lang="fr-FR" b="1" i="1" dirty="0">
+                <a:solidFill>
+                  <a:schemeClr val="accent1"/>
+                </a:solidFill>
                 <a:hlinkClick r:id="rId3"/>
               </a:rPr>
-              <a:t>https://www.python.org</a:t>
-            </a:r>
-            <a:r>
-              <a:rPr lang="fr-FR" dirty="0" smtClean="0">
+              <a:t>PEP 8</a:t>
+            </a:r>
+            <a:r>
+              <a:rPr lang="fr-FR" dirty="0">
                 <a:solidFill>
                   <a:schemeClr val="tx1"/>
                 </a:solidFill>
                 <a:hlinkClick r:id="rId3"/>
               </a:rPr>
-              <a:t>/</a:t>
-            </a:r>
-            <a:endParaRPr lang="fr-FR" dirty="0" smtClean="0">
-              <a:solidFill>
-                <a:schemeClr val="tx1"/>
-              </a:solidFill>
-            </a:endParaRPr>
+              <a:t> </a:t>
+            </a:r>
+            <a:r>
+              <a:rPr lang="fr-FR" dirty="0">
+                <a:solidFill>
+                  <a:schemeClr val="tx1"/>
+                </a:solidFill>
+              </a:rPr>
+              <a:t>a émergé comme étant un guide auquel la plupart des projets adhèrent ; elle met en avant un style de codage très lisible et agréable à </a:t>
+            </a:r>
+            <a:r>
+              <a:rPr lang="fr-FR" dirty="0" smtClean="0">
+                <a:solidFill>
+                  <a:schemeClr val="tx1"/>
+                </a:solidFill>
+              </a:rPr>
+              <a:t>l’œil</a:t>
+            </a:r>
           </a:p>
           <a:p>
             <a:pPr algn="just"/>
             <a:r>
+              <a:rPr lang="fr-FR" dirty="0" smtClean="0">
+                <a:solidFill>
+                  <a:schemeClr val="tx1"/>
+                </a:solidFill>
+              </a:rPr>
+              <a:t>Chaque </a:t>
+            </a:r>
+            <a:r>
               <a:rPr lang="fr-FR" dirty="0">
                 <a:solidFill>
                   <a:schemeClr val="tx1"/>
                 </a:solidFill>
               </a:rPr>
-              <a:t>Learning Python : </a:t>
-            </a:r>
-            <a:r>
-              <a:rPr lang="fr-FR" dirty="0">
-                <a:solidFill>
-                  <a:schemeClr val="tx1"/>
-                </a:solidFill>
-                <a:hlinkClick r:id="rId4"/>
-              </a:rPr>
-              <a:t>https://</a:t>
-            </a:r>
-            <a:r>
-              <a:rPr lang="fr-FR" dirty="0" smtClean="0">
-                <a:solidFill>
-                  <a:schemeClr val="tx1"/>
-                </a:solidFill>
-                <a:hlinkClick r:id="rId4"/>
-              </a:rPr>
-              <a:t>github.com/thierrydecker/learning-python</a:t>
-            </a:r>
-            <a:endParaRPr lang="fr-FR" dirty="0" smtClean="0">
-              <a:solidFill>
-                <a:schemeClr val="tx1"/>
-              </a:solidFill>
-            </a:endParaRPr>
-          </a:p>
-          <a:p>
-            <a:pPr algn="just"/>
-            <a:r>
-              <a:rPr lang="fr-FR" dirty="0" smtClean="0">
-                <a:solidFill>
-                  <a:schemeClr val="tx1"/>
-                </a:solidFill>
-              </a:rPr>
-              <a:t>…</a:t>
+              <a:t>développeur Python devrait donc la lire et s’en inspirer autant que </a:t>
+            </a:r>
+            <a:r>
+              <a:rPr lang="fr-FR" dirty="0" smtClean="0">
+                <a:solidFill>
+                  <a:schemeClr val="tx1"/>
+                </a:solidFill>
+              </a:rPr>
+              <a:t>possible</a:t>
             </a:r>
             <a:endParaRPr lang="fr-FR" dirty="0">
               <a:solidFill>
@@ -30351,7 +30828,7 @@
     </p:spTree>
     <p:extLst>
       <p:ext uri="{BB962C8B-B14F-4D97-AF65-F5344CB8AC3E}">
-        <p14:creationId xmlns:p14="http://schemas.microsoft.com/office/powerpoint/2010/main" val="3875151851"/>
+        <p14:creationId xmlns:p14="http://schemas.microsoft.com/office/powerpoint/2010/main" val="983697788"/>
       </p:ext>
     </p:extLst>
   </p:cSld>
@@ -30480,6 +30957,664 @@
 </file>
 
 <file path=ppt/slides/slide70.xml><?xml version="1.0" encoding="utf-8"?>
+<p:sld xmlns:a="http://schemas.openxmlformats.org/drawingml/2006/main" xmlns:r="http://schemas.openxmlformats.org/officeDocument/2006/relationships" xmlns:p="http://schemas.openxmlformats.org/presentationml/2006/main">
+  <p:cSld>
+    <p:spTree>
+      <p:nvGrpSpPr>
+        <p:cNvPr id="1" name=""/>
+        <p:cNvGrpSpPr/>
+        <p:nvPr/>
+      </p:nvGrpSpPr>
+      <p:grpSpPr>
+        <a:xfrm>
+          <a:off x="0" y="0"/>
+          <a:ext cx="0" cy="0"/>
+          <a:chOff x="0" y="0"/>
+          <a:chExt cx="0" cy="0"/>
+        </a:xfrm>
+      </p:grpSpPr>
+      <p:sp>
+        <p:nvSpPr>
+          <p:cNvPr id="2" name="Titre 1"/>
+          <p:cNvSpPr>
+            <a:spLocks noGrp="1"/>
+          </p:cNvSpPr>
+          <p:nvPr>
+            <p:ph type="title"/>
+          </p:nvPr>
+        </p:nvSpPr>
+        <p:spPr>
+          <a:xfrm>
+            <a:off x="2592925" y="624110"/>
+            <a:ext cx="8911687" cy="1280890"/>
+          </a:xfrm>
+        </p:spPr>
+        <p:txBody>
+          <a:bodyPr/>
+          <a:lstStyle/>
+          <a:p>
+            <a:r>
+              <a:rPr lang="fr-FR" dirty="0" smtClean="0"/>
+              <a:t>Style de codage</a:t>
+            </a:r>
+            <a:endParaRPr lang="fr-FR" b="1" i="1" dirty="0">
+              <a:solidFill>
+                <a:schemeClr val="accent6"/>
+              </a:solidFill>
+            </a:endParaRPr>
+          </a:p>
+        </p:txBody>
+      </p:sp>
+      <p:sp>
+        <p:nvSpPr>
+          <p:cNvPr id="3" name="Espace réservé du contenu 2"/>
+          <p:cNvSpPr>
+            <a:spLocks noGrp="1"/>
+          </p:cNvSpPr>
+          <p:nvPr>
+            <p:ph idx="1"/>
+          </p:nvPr>
+        </p:nvSpPr>
+        <p:spPr>
+          <a:xfrm>
+            <a:off x="1327869" y="1701579"/>
+            <a:ext cx="10296938" cy="4595853"/>
+          </a:xfrm>
+        </p:spPr>
+        <p:txBody>
+          <a:bodyPr anchor="ctr" anchorCtr="0">
+            <a:noAutofit/>
+          </a:bodyPr>
+          <a:lstStyle/>
+          <a:p>
+            <a:pPr algn="just"/>
+            <a:r>
+              <a:rPr lang="fr-FR" dirty="0">
+                <a:solidFill>
+                  <a:schemeClr val="tx1"/>
+                </a:solidFill>
+              </a:rPr>
+              <a:t>Utilisez des indentations de 4 espaces, et pas de tabulation.</a:t>
+            </a:r>
+          </a:p>
+          <a:p>
+            <a:pPr algn="just"/>
+            <a:r>
+              <a:rPr lang="fr-FR" dirty="0" smtClean="0">
+                <a:solidFill>
+                  <a:schemeClr val="tx1"/>
+                </a:solidFill>
+              </a:rPr>
+              <a:t>4 </a:t>
+            </a:r>
+            <a:r>
+              <a:rPr lang="fr-FR" dirty="0">
+                <a:solidFill>
+                  <a:schemeClr val="tx1"/>
+                </a:solidFill>
+              </a:rPr>
+              <a:t>espaces constituent un bon compromis entre une indentation courte (qui permet une profondeur d’imbrication plus importante) et une longue (qui rend le code plus facile à lire). Les tabulations introduisent de la confusion, et doivent être proscrites autant que possible.</a:t>
+            </a:r>
+          </a:p>
+          <a:p>
+            <a:pPr algn="just"/>
+            <a:r>
+              <a:rPr lang="fr-FR" dirty="0" smtClean="0">
+                <a:solidFill>
+                  <a:schemeClr val="tx1"/>
+                </a:solidFill>
+              </a:rPr>
+              <a:t>Faites </a:t>
+            </a:r>
+            <a:r>
+              <a:rPr lang="fr-FR" dirty="0">
+                <a:solidFill>
+                  <a:schemeClr val="tx1"/>
+                </a:solidFill>
+              </a:rPr>
+              <a:t>des retours à la ligne, de telle sorte qu’elles n’excèdent pas 79 caractères.</a:t>
+            </a:r>
+          </a:p>
+          <a:p>
+            <a:pPr algn="just"/>
+            <a:r>
+              <a:rPr lang="fr-FR" dirty="0" smtClean="0">
+                <a:solidFill>
+                  <a:schemeClr val="tx1"/>
+                </a:solidFill>
+              </a:rPr>
+              <a:t>Ceci </a:t>
+            </a:r>
+            <a:r>
+              <a:rPr lang="fr-FR" dirty="0">
+                <a:solidFill>
+                  <a:schemeClr val="tx1"/>
+                </a:solidFill>
+              </a:rPr>
+              <a:t>aide les utilisateurs ne disposant que de petits écrans, et permet sur de plus grands de disposer plusieurs fichiers côte à côte sans difficulté.</a:t>
+            </a:r>
+          </a:p>
+          <a:p>
+            <a:pPr algn="just"/>
+            <a:r>
+              <a:rPr lang="fr-FR" dirty="0" smtClean="0">
+                <a:solidFill>
+                  <a:schemeClr val="tx1"/>
+                </a:solidFill>
+              </a:rPr>
+              <a:t>Utilisez </a:t>
+            </a:r>
+            <a:r>
+              <a:rPr lang="fr-FR" dirty="0">
+                <a:solidFill>
+                  <a:schemeClr val="tx1"/>
+                </a:solidFill>
+              </a:rPr>
+              <a:t>des lignes vides pour séparer les fonctions et les classes, ou pour scinder de gros blocs de code à l’intérieur de fonctions.</a:t>
+            </a:r>
+          </a:p>
+          <a:p>
+            <a:pPr algn="just"/>
+            <a:r>
+              <a:rPr lang="fr-FR" dirty="0" smtClean="0">
+                <a:solidFill>
+                  <a:schemeClr val="tx1"/>
+                </a:solidFill>
+              </a:rPr>
+              <a:t>Lorsque </a:t>
+            </a:r>
+            <a:r>
+              <a:rPr lang="fr-FR" dirty="0">
+                <a:solidFill>
+                  <a:schemeClr val="tx1"/>
+                </a:solidFill>
+              </a:rPr>
+              <a:t>c’est possible, placez les commentaires sur leur propres lignes.</a:t>
+            </a:r>
+          </a:p>
+          <a:p>
+            <a:pPr algn="just"/>
+            <a:r>
+              <a:rPr lang="fr-FR" dirty="0" smtClean="0">
+                <a:solidFill>
+                  <a:schemeClr val="tx1"/>
+                </a:solidFill>
+              </a:rPr>
+              <a:t>Utilisez </a:t>
+            </a:r>
+            <a:r>
+              <a:rPr lang="fr-FR" dirty="0">
+                <a:solidFill>
+                  <a:schemeClr val="tx1"/>
+                </a:solidFill>
+              </a:rPr>
+              <a:t>les chaînes de </a:t>
+            </a:r>
+            <a:r>
+              <a:rPr lang="fr-FR" dirty="0" smtClean="0">
+                <a:solidFill>
+                  <a:schemeClr val="tx1"/>
+                </a:solidFill>
+              </a:rPr>
+              <a:t>documentation</a:t>
+            </a:r>
+            <a:endParaRPr lang="fr-FR" dirty="0">
+              <a:solidFill>
+                <a:schemeClr val="tx1"/>
+              </a:solidFill>
+            </a:endParaRPr>
+          </a:p>
+        </p:txBody>
+      </p:sp>
+    </p:spTree>
+    <p:extLst>
+      <p:ext uri="{BB962C8B-B14F-4D97-AF65-F5344CB8AC3E}">
+        <p14:creationId xmlns:p14="http://schemas.microsoft.com/office/powerpoint/2010/main" val="1701520310"/>
+      </p:ext>
+    </p:extLst>
+  </p:cSld>
+  <p:clrMapOvr>
+    <a:masterClrMapping/>
+  </p:clrMapOvr>
+  <p:timing>
+    <p:tnLst>
+      <p:par>
+        <p:cTn id="1" dur="indefinite" restart="never" nodeType="tmRoot"/>
+      </p:par>
+    </p:tnLst>
+  </p:timing>
+</p:sld>
+</file>
+
+<file path=ppt/slides/slide71.xml><?xml version="1.0" encoding="utf-8"?>
+<p:sld xmlns:a="http://schemas.openxmlformats.org/drawingml/2006/main" xmlns:r="http://schemas.openxmlformats.org/officeDocument/2006/relationships" xmlns:p="http://schemas.openxmlformats.org/presentationml/2006/main">
+  <p:cSld>
+    <p:spTree>
+      <p:nvGrpSpPr>
+        <p:cNvPr id="1" name=""/>
+        <p:cNvGrpSpPr/>
+        <p:nvPr/>
+      </p:nvGrpSpPr>
+      <p:grpSpPr>
+        <a:xfrm>
+          <a:off x="0" y="0"/>
+          <a:ext cx="0" cy="0"/>
+          <a:chOff x="0" y="0"/>
+          <a:chExt cx="0" cy="0"/>
+        </a:xfrm>
+      </p:grpSpPr>
+      <p:sp>
+        <p:nvSpPr>
+          <p:cNvPr id="2" name="Titre 1"/>
+          <p:cNvSpPr>
+            <a:spLocks noGrp="1"/>
+          </p:cNvSpPr>
+          <p:nvPr>
+            <p:ph type="title"/>
+          </p:nvPr>
+        </p:nvSpPr>
+        <p:spPr>
+          <a:xfrm>
+            <a:off x="2592925" y="624110"/>
+            <a:ext cx="8911687" cy="1280890"/>
+          </a:xfrm>
+        </p:spPr>
+        <p:txBody>
+          <a:bodyPr/>
+          <a:lstStyle/>
+          <a:p>
+            <a:r>
+              <a:rPr lang="fr-FR" dirty="0" smtClean="0"/>
+              <a:t>Style de codage</a:t>
+            </a:r>
+            <a:endParaRPr lang="fr-FR" b="1" i="1" dirty="0">
+              <a:solidFill>
+                <a:schemeClr val="accent6"/>
+              </a:solidFill>
+            </a:endParaRPr>
+          </a:p>
+        </p:txBody>
+      </p:sp>
+      <p:sp>
+        <p:nvSpPr>
+          <p:cNvPr id="3" name="Espace réservé du contenu 2"/>
+          <p:cNvSpPr>
+            <a:spLocks noGrp="1"/>
+          </p:cNvSpPr>
+          <p:nvPr>
+            <p:ph idx="1"/>
+          </p:nvPr>
+        </p:nvSpPr>
+        <p:spPr>
+          <a:xfrm>
+            <a:off x="1327869" y="1701579"/>
+            <a:ext cx="10296938" cy="4595853"/>
+          </a:xfrm>
+        </p:spPr>
+        <p:txBody>
+          <a:bodyPr anchor="ctr" anchorCtr="0">
+            <a:noAutofit/>
+          </a:bodyPr>
+          <a:lstStyle/>
+          <a:p>
+            <a:pPr algn="just"/>
+            <a:r>
+              <a:rPr lang="fr-FR" dirty="0" smtClean="0">
+                <a:solidFill>
+                  <a:schemeClr val="tx1"/>
+                </a:solidFill>
+              </a:rPr>
+              <a:t>Utilisez </a:t>
+            </a:r>
+            <a:r>
+              <a:rPr lang="fr-FR" dirty="0">
+                <a:solidFill>
+                  <a:schemeClr val="tx1"/>
+                </a:solidFill>
+              </a:rPr>
+              <a:t>des espaces autour des opérateurs et après les virgules, mais pas directement à l’intérieur des parenthèses : a = f(1, 2) + g(3, 4).</a:t>
+            </a:r>
+          </a:p>
+          <a:p>
+            <a:pPr algn="just"/>
+            <a:r>
+              <a:rPr lang="fr-FR" dirty="0" smtClean="0">
+                <a:solidFill>
+                  <a:schemeClr val="tx1"/>
+                </a:solidFill>
+              </a:rPr>
+              <a:t>Nommez </a:t>
+            </a:r>
+            <a:r>
+              <a:rPr lang="fr-FR" dirty="0">
+                <a:solidFill>
+                  <a:schemeClr val="tx1"/>
+                </a:solidFill>
+              </a:rPr>
+              <a:t>toujours vos classes et fonctions de la même manière ; la convention est d’utiliser une notation </a:t>
+            </a:r>
+            <a:r>
+              <a:rPr lang="fr-FR" b="1" i="1" dirty="0">
+                <a:solidFill>
+                  <a:schemeClr val="accent1"/>
+                </a:solidFill>
+              </a:rPr>
+              <a:t>CamelCase</a:t>
+            </a:r>
+            <a:r>
+              <a:rPr lang="fr-FR" dirty="0">
+                <a:solidFill>
+                  <a:schemeClr val="tx1"/>
+                </a:solidFill>
+              </a:rPr>
+              <a:t> pour les classes, et </a:t>
+            </a:r>
+            <a:r>
+              <a:rPr lang="fr-FR" b="1" i="1" dirty="0">
+                <a:solidFill>
+                  <a:schemeClr val="accent1"/>
+                </a:solidFill>
+              </a:rPr>
+              <a:t>minuscules_avec_trait_bas</a:t>
+            </a:r>
+            <a:r>
+              <a:rPr lang="fr-FR" dirty="0">
+                <a:solidFill>
+                  <a:schemeClr val="tx1"/>
+                </a:solidFill>
+              </a:rPr>
+              <a:t> pour les </a:t>
+            </a:r>
+            <a:r>
+              <a:rPr lang="fr-FR" dirty="0" smtClean="0">
+                <a:solidFill>
+                  <a:schemeClr val="tx1"/>
+                </a:solidFill>
+              </a:rPr>
+              <a:t>fonctions, méthodes et variables. </a:t>
+            </a:r>
+            <a:r>
+              <a:rPr lang="fr-FR" dirty="0">
+                <a:solidFill>
+                  <a:schemeClr val="tx1"/>
+                </a:solidFill>
+              </a:rPr>
+              <a:t>Utilisez toujours </a:t>
+            </a:r>
+            <a:r>
+              <a:rPr lang="fr-FR" b="1" i="1" dirty="0">
+                <a:solidFill>
+                  <a:schemeClr val="accent1"/>
+                </a:solidFill>
+              </a:rPr>
+              <a:t>self</a:t>
+            </a:r>
+            <a:r>
+              <a:rPr lang="fr-FR" dirty="0">
+                <a:solidFill>
+                  <a:schemeClr val="tx1"/>
+                </a:solidFill>
+              </a:rPr>
+              <a:t> comme nom du premier argument des méthodes (voyez </a:t>
+            </a:r>
+            <a:r>
+              <a:rPr lang="fr-FR" dirty="0" smtClean="0">
+                <a:solidFill>
+                  <a:schemeClr val="tx1"/>
+                </a:solidFill>
+              </a:rPr>
+              <a:t>une </a:t>
+            </a:r>
+            <a:r>
+              <a:rPr lang="fr-FR" dirty="0">
+                <a:solidFill>
+                  <a:schemeClr val="tx1"/>
+                </a:solidFill>
+              </a:rPr>
+              <a:t>première approche des classes pour en savoir plus sur les classes et les méthodes).</a:t>
+            </a:r>
+          </a:p>
+          <a:p>
+            <a:pPr algn="just"/>
+            <a:r>
+              <a:rPr lang="fr-FR" dirty="0" smtClean="0">
+                <a:solidFill>
+                  <a:schemeClr val="tx1"/>
+                </a:solidFill>
+              </a:rPr>
+              <a:t>N’utilisez </a:t>
+            </a:r>
+            <a:r>
+              <a:rPr lang="fr-FR" dirty="0">
+                <a:solidFill>
+                  <a:schemeClr val="tx1"/>
+                </a:solidFill>
+              </a:rPr>
+              <a:t>pas d’encodages exotiques dès lors que votre code est sensé être utilisé dans des environnements internationaux. Par défaut, Python travaille en UTF-8, ou sinon du simple ASCII fonctionne dans la plupart des cas.</a:t>
+            </a:r>
+          </a:p>
+          <a:p>
+            <a:pPr algn="just"/>
+            <a:r>
+              <a:rPr lang="fr-FR" dirty="0" smtClean="0">
+                <a:solidFill>
+                  <a:schemeClr val="tx1"/>
+                </a:solidFill>
+              </a:rPr>
+              <a:t>De </a:t>
+            </a:r>
+            <a:r>
+              <a:rPr lang="fr-FR" dirty="0">
+                <a:solidFill>
+                  <a:schemeClr val="tx1"/>
+                </a:solidFill>
+              </a:rPr>
+              <a:t>la même manière, n’utilisez que des caractères ASCII pour vos noms de variables si vous soupçonnez qu’un personne parlant une autre langue lira ou devra modifier votre code.</a:t>
+            </a:r>
+          </a:p>
+        </p:txBody>
+      </p:sp>
+    </p:spTree>
+    <p:extLst>
+      <p:ext uri="{BB962C8B-B14F-4D97-AF65-F5344CB8AC3E}">
+        <p14:creationId xmlns:p14="http://schemas.microsoft.com/office/powerpoint/2010/main" val="4243432789"/>
+      </p:ext>
+    </p:extLst>
+  </p:cSld>
+  <p:clrMapOvr>
+    <a:masterClrMapping/>
+  </p:clrMapOvr>
+  <p:timing>
+    <p:tnLst>
+      <p:par>
+        <p:cTn id="1" dur="indefinite" restart="never" nodeType="tmRoot"/>
+      </p:par>
+    </p:tnLst>
+  </p:timing>
+</p:sld>
+</file>
+
+<file path=ppt/slides/slide72.xml><?xml version="1.0" encoding="utf-8"?>
+<p:sld xmlns:a="http://schemas.openxmlformats.org/drawingml/2006/main" xmlns:r="http://schemas.openxmlformats.org/officeDocument/2006/relationships" xmlns:p="http://schemas.openxmlformats.org/presentationml/2006/main">
+  <p:cSld>
+    <p:spTree>
+      <p:nvGrpSpPr>
+        <p:cNvPr id="1" name=""/>
+        <p:cNvGrpSpPr/>
+        <p:nvPr/>
+      </p:nvGrpSpPr>
+      <p:grpSpPr>
+        <a:xfrm>
+          <a:off x="0" y="0"/>
+          <a:ext cx="0" cy="0"/>
+          <a:chOff x="0" y="0"/>
+          <a:chExt cx="0" cy="0"/>
+        </a:xfrm>
+      </p:grpSpPr>
+      <p:sp>
+        <p:nvSpPr>
+          <p:cNvPr id="2" name="Titre 1"/>
+          <p:cNvSpPr>
+            <a:spLocks noGrp="1"/>
+          </p:cNvSpPr>
+          <p:nvPr>
+            <p:ph type="title"/>
+          </p:nvPr>
+        </p:nvSpPr>
+        <p:spPr>
+          <a:xfrm>
+            <a:off x="2592925" y="624110"/>
+            <a:ext cx="8911687" cy="1280890"/>
+          </a:xfrm>
+        </p:spPr>
+        <p:txBody>
+          <a:bodyPr/>
+          <a:lstStyle/>
+          <a:p>
+            <a:r>
+              <a:rPr lang="fr-FR" dirty="0" smtClean="0"/>
+              <a:t>Références</a:t>
+            </a:r>
+            <a:endParaRPr lang="fr-FR" dirty="0"/>
+          </a:p>
+        </p:txBody>
+      </p:sp>
+      <p:sp>
+        <p:nvSpPr>
+          <p:cNvPr id="3" name="Espace réservé du contenu 2"/>
+          <p:cNvSpPr>
+            <a:spLocks noGrp="1"/>
+          </p:cNvSpPr>
+          <p:nvPr>
+            <p:ph idx="1"/>
+          </p:nvPr>
+        </p:nvSpPr>
+        <p:spPr>
+          <a:xfrm>
+            <a:off x="1661823" y="1542413"/>
+            <a:ext cx="9842789" cy="2965977"/>
+          </a:xfrm>
+        </p:spPr>
+        <p:txBody>
+          <a:bodyPr anchor="ctr" anchorCtr="0">
+            <a:normAutofit/>
+          </a:bodyPr>
+          <a:lstStyle/>
+          <a:p>
+            <a:pPr algn="just"/>
+            <a:r>
+              <a:rPr lang="fr-FR" dirty="0" smtClean="0">
+                <a:solidFill>
+                  <a:schemeClr val="tx1"/>
+                </a:solidFill>
+              </a:rPr>
+              <a:t>Python.org </a:t>
+            </a:r>
+            <a:r>
+              <a:rPr lang="fr-FR" dirty="0">
+                <a:solidFill>
+                  <a:schemeClr val="tx1"/>
+                </a:solidFill>
+              </a:rPr>
+              <a:t>: </a:t>
+            </a:r>
+            <a:r>
+              <a:rPr lang="fr-FR" dirty="0">
+                <a:solidFill>
+                  <a:schemeClr val="tx1"/>
+                </a:solidFill>
+                <a:hlinkClick r:id="rId3"/>
+              </a:rPr>
+              <a:t>https://www.python.org</a:t>
+            </a:r>
+            <a:r>
+              <a:rPr lang="fr-FR" dirty="0" smtClean="0">
+                <a:solidFill>
+                  <a:schemeClr val="tx1"/>
+                </a:solidFill>
+                <a:hlinkClick r:id="rId3"/>
+              </a:rPr>
+              <a:t>/</a:t>
+            </a:r>
+            <a:endParaRPr lang="fr-FR" dirty="0" smtClean="0">
+              <a:solidFill>
+                <a:schemeClr val="tx1"/>
+              </a:solidFill>
+            </a:endParaRPr>
+          </a:p>
+          <a:p>
+            <a:pPr algn="just"/>
+            <a:r>
+              <a:rPr lang="fr-FR" dirty="0">
+                <a:solidFill>
+                  <a:schemeClr val="tx1"/>
+                </a:solidFill>
+              </a:rPr>
+              <a:t>Learning Python : </a:t>
+            </a:r>
+            <a:r>
+              <a:rPr lang="fr-FR" dirty="0">
+                <a:solidFill>
+                  <a:schemeClr val="tx1"/>
+                </a:solidFill>
+                <a:hlinkClick r:id="rId4"/>
+              </a:rPr>
+              <a:t>https://</a:t>
+            </a:r>
+            <a:r>
+              <a:rPr lang="fr-FR" dirty="0" smtClean="0">
+                <a:solidFill>
+                  <a:schemeClr val="tx1"/>
+                </a:solidFill>
+                <a:hlinkClick r:id="rId4"/>
+              </a:rPr>
+              <a:t>github.com/thierrydecker/learning-python</a:t>
+            </a:r>
+            <a:endParaRPr lang="fr-FR" dirty="0" smtClean="0">
+              <a:solidFill>
+                <a:schemeClr val="tx1"/>
+              </a:solidFill>
+            </a:endParaRPr>
+          </a:p>
+          <a:p>
+            <a:pPr algn="just"/>
+            <a:r>
+              <a:rPr lang="fr-FR" dirty="0" smtClean="0">
+                <a:solidFill>
+                  <a:schemeClr val="tx1"/>
+                </a:solidFill>
+              </a:rPr>
+              <a:t>…</a:t>
+            </a:r>
+            <a:endParaRPr lang="fr-FR" dirty="0">
+              <a:solidFill>
+                <a:schemeClr val="tx1"/>
+              </a:solidFill>
+            </a:endParaRPr>
+          </a:p>
+        </p:txBody>
+      </p:sp>
+    </p:spTree>
+    <p:extLst>
+      <p:ext uri="{BB962C8B-B14F-4D97-AF65-F5344CB8AC3E}">
+        <p14:creationId xmlns:p14="http://schemas.microsoft.com/office/powerpoint/2010/main" val="3875151851"/>
+      </p:ext>
+    </p:extLst>
+  </p:cSld>
+  <p:clrMapOvr>
+    <a:masterClrMapping/>
+  </p:clrMapOvr>
+  <p:timing>
+    <p:tnLst>
+      <p:par>
+        <p:cTn id="1" dur="indefinite" restart="never" nodeType="tmRoot"/>
+      </p:par>
+    </p:tnLst>
+  </p:timing>
+</p:sld>
+</file>
+
+<file path=ppt/slides/slide73.xml><?xml version="1.0" encoding="utf-8"?>
 <p:sld xmlns:a="http://schemas.openxmlformats.org/drawingml/2006/main" xmlns:r="http://schemas.openxmlformats.org/officeDocument/2006/relationships" xmlns:p="http://schemas.openxmlformats.org/presentationml/2006/main">
   <p:cSld>
     <p:spTree>

--- a/documentations/learning-python.pptx
+++ b/documentations/learning-python.pptx
@@ -5,7 +5,7 @@
     <p:sldMasterId id="2147483665" r:id="rId1"/>
   </p:sldMasterIdLst>
   <p:notesMasterIdLst>
-    <p:notesMasterId r:id="rId75"/>
+    <p:notesMasterId r:id="rId76"/>
   </p:notesMasterIdLst>
   <p:sldIdLst>
     <p:sldId id="256" r:id="rId2"/>
@@ -76,11 +76,12 @@
     <p:sldId id="326" r:id="rId67"/>
     <p:sldId id="327" r:id="rId68"/>
     <p:sldId id="328" r:id="rId69"/>
-    <p:sldId id="306" r:id="rId70"/>
-    <p:sldId id="307" r:id="rId71"/>
-    <p:sldId id="308" r:id="rId72"/>
-    <p:sldId id="285" r:id="rId73"/>
-    <p:sldId id="309" r:id="rId74"/>
+    <p:sldId id="329" r:id="rId70"/>
+    <p:sldId id="306" r:id="rId71"/>
+    <p:sldId id="307" r:id="rId72"/>
+    <p:sldId id="308" r:id="rId73"/>
+    <p:sldId id="285" r:id="rId74"/>
+    <p:sldId id="309" r:id="rId75"/>
   </p:sldIdLst>
   <p:sldSz cx="12192000" cy="6858000"/>
   <p:notesSz cx="6858000" cy="9144000"/>
@@ -5987,7 +5988,7 @@
     </p:spTree>
     <p:extLst>
       <p:ext uri="{BB962C8B-B14F-4D97-AF65-F5344CB8AC3E}">
-        <p14:creationId xmlns:p14="http://schemas.microsoft.com/office/powerpoint/2010/main" val="506775172"/>
+        <p14:creationId xmlns:p14="http://schemas.microsoft.com/office/powerpoint/2010/main" val="3450457458"/>
       </p:ext>
     </p:extLst>
   </p:cSld>
@@ -6071,7 +6072,7 @@
     </p:spTree>
     <p:extLst>
       <p:ext uri="{BB962C8B-B14F-4D97-AF65-F5344CB8AC3E}">
-        <p14:creationId xmlns:p14="http://schemas.microsoft.com/office/powerpoint/2010/main" val="2442515745"/>
+        <p14:creationId xmlns:p14="http://schemas.microsoft.com/office/powerpoint/2010/main" val="506775172"/>
       </p:ext>
     </p:extLst>
   </p:cSld>
@@ -6239,7 +6240,7 @@
     </p:spTree>
     <p:extLst>
       <p:ext uri="{BB962C8B-B14F-4D97-AF65-F5344CB8AC3E}">
-        <p14:creationId xmlns:p14="http://schemas.microsoft.com/office/powerpoint/2010/main" val="471859371"/>
+        <p14:creationId xmlns:p14="http://schemas.microsoft.com/office/powerpoint/2010/main" val="2442515745"/>
       </p:ext>
     </p:extLst>
   </p:cSld>
@@ -6323,7 +6324,7 @@
     </p:spTree>
     <p:extLst>
       <p:ext uri="{BB962C8B-B14F-4D97-AF65-F5344CB8AC3E}">
-        <p14:creationId xmlns:p14="http://schemas.microsoft.com/office/powerpoint/2010/main" val="831955769"/>
+        <p14:creationId xmlns:p14="http://schemas.microsoft.com/office/powerpoint/2010/main" val="471859371"/>
       </p:ext>
     </p:extLst>
   </p:cSld>
@@ -6399,6 +6400,90 @@
             <a:fld id="{58BEE673-8D3B-4BBD-97EB-7004EF7CF6EF}" type="slidenum">
               <a:rPr lang="fr-FR" smtClean="0"/>
               <a:t>73</a:t>
+            </a:fld>
+            <a:endParaRPr lang="fr-FR" dirty="0"/>
+          </a:p>
+        </p:txBody>
+      </p:sp>
+    </p:spTree>
+    <p:extLst>
+      <p:ext uri="{BB962C8B-B14F-4D97-AF65-F5344CB8AC3E}">
+        <p14:creationId xmlns:p14="http://schemas.microsoft.com/office/powerpoint/2010/main" val="831955769"/>
+      </p:ext>
+    </p:extLst>
+  </p:cSld>
+  <p:clrMapOvr>
+    <a:masterClrMapping/>
+  </p:clrMapOvr>
+</p:notes>
+</file>
+
+<file path=ppt/notesSlides/notesSlide73.xml><?xml version="1.0" encoding="utf-8"?>
+<p:notes xmlns:a="http://schemas.openxmlformats.org/drawingml/2006/main" xmlns:r="http://schemas.openxmlformats.org/officeDocument/2006/relationships" xmlns:p="http://schemas.openxmlformats.org/presentationml/2006/main">
+  <p:cSld>
+    <p:spTree>
+      <p:nvGrpSpPr>
+        <p:cNvPr id="1" name=""/>
+        <p:cNvGrpSpPr/>
+        <p:nvPr/>
+      </p:nvGrpSpPr>
+      <p:grpSpPr>
+        <a:xfrm>
+          <a:off x="0" y="0"/>
+          <a:ext cx="0" cy="0"/>
+          <a:chOff x="0" y="0"/>
+          <a:chExt cx="0" cy="0"/>
+        </a:xfrm>
+      </p:grpSpPr>
+      <p:sp>
+        <p:nvSpPr>
+          <p:cNvPr id="2" name="Espace réservé de l'image des diapositives 1"/>
+          <p:cNvSpPr>
+            <a:spLocks noGrp="1" noRot="1" noChangeAspect="1"/>
+          </p:cNvSpPr>
+          <p:nvPr>
+            <p:ph type="sldImg"/>
+          </p:nvPr>
+        </p:nvSpPr>
+        <p:spPr/>
+      </p:sp>
+      <p:sp>
+        <p:nvSpPr>
+          <p:cNvPr id="3" name="Espace réservé des commentaires 2"/>
+          <p:cNvSpPr>
+            <a:spLocks noGrp="1"/>
+          </p:cNvSpPr>
+          <p:nvPr>
+            <p:ph type="body" idx="1"/>
+          </p:nvPr>
+        </p:nvSpPr>
+        <p:spPr/>
+        <p:txBody>
+          <a:bodyPr/>
+          <a:lstStyle/>
+          <a:p>
+            <a:endParaRPr lang="fr-FR" dirty="0"/>
+          </a:p>
+        </p:txBody>
+      </p:sp>
+      <p:sp>
+        <p:nvSpPr>
+          <p:cNvPr id="4" name="Espace réservé du numéro de diapositive 3"/>
+          <p:cNvSpPr>
+            <a:spLocks noGrp="1"/>
+          </p:cNvSpPr>
+          <p:nvPr>
+            <p:ph type="sldNum" sz="quarter" idx="10"/>
+          </p:nvPr>
+        </p:nvSpPr>
+        <p:spPr/>
+        <p:txBody>
+          <a:bodyPr/>
+          <a:lstStyle/>
+          <a:p>
+            <a:fld id="{58BEE673-8D3B-4BBD-97EB-7004EF7CF6EF}" type="slidenum">
+              <a:rPr lang="fr-FR" smtClean="0"/>
+              <a:t>74</a:t>
             </a:fld>
             <a:endParaRPr lang="fr-FR" dirty="0"/>
           </a:p>
@@ -29710,11 +29795,6 @@
               </a:rPr>
               <a:t>ne pourra être utilisé que par son nom</a:t>
             </a:r>
-            <a:endParaRPr lang="fr-FR" dirty="0">
-              <a:solidFill>
-                <a:schemeClr val="tx1"/>
-              </a:solidFill>
-            </a:endParaRPr>
           </a:p>
         </p:txBody>
       </p:sp>
@@ -29981,11 +30061,6 @@
               </a:rPr>
               <a:t>De la même façon, les dictionnaires peuvent fournir des arguments nommés en utilisant l’opérateur **</a:t>
             </a:r>
-            <a:endParaRPr lang="fr-FR" dirty="0">
-              <a:solidFill>
-                <a:schemeClr val="tx1"/>
-              </a:solidFill>
-            </a:endParaRPr>
           </a:p>
         </p:txBody>
       </p:sp>
@@ -30337,11 +30412,6 @@
               </a:rPr>
               <a:t>les fonctions imbriquées, les fonctions lambda peuvent référencer des variables de la portée englobante</a:t>
             </a:r>
-            <a:endParaRPr lang="fr-FR" dirty="0">
-              <a:solidFill>
-                <a:schemeClr val="tx1"/>
-              </a:solidFill>
-            </a:endParaRPr>
           </a:p>
         </p:txBody>
       </p:sp>
@@ -30514,11 +30584,6 @@
               </a:rPr>
               <a:t>usage typique est de donner une fonction minimaliste directement en temps que paramètre</a:t>
             </a:r>
-            <a:endParaRPr lang="fr-FR" dirty="0">
-              <a:solidFill>
-                <a:schemeClr val="tx1"/>
-              </a:solidFill>
-            </a:endParaRPr>
           </a:p>
         </p:txBody>
       </p:sp>
@@ -30615,11 +30680,11 @@
           <a:p>
             <a:r>
               <a:rPr lang="fr-FR" dirty="0" smtClean="0"/>
-              <a:t>Style de codage</a:t>
-            </a:r>
-            <a:endParaRPr lang="fr-FR" b="1" i="1" dirty="0">
+              <a:t>Chaines de documentation</a:t>
+            </a:r>
+            <a:endParaRPr lang="fr-FR" sz="3200" b="1" i="1" dirty="0">
               <a:solidFill>
-                <a:schemeClr val="accent6"/>
+                <a:schemeClr val="accent1"/>
               </a:solidFill>
             </a:endParaRPr>
           </a:p>
@@ -30637,185 +30702,24 @@
         </p:nvSpPr>
         <p:spPr>
           <a:xfrm>
-            <a:off x="1327869" y="1701579"/>
-            <a:ext cx="10296938" cy="4595853"/>
+            <a:off x="1327869" y="2250219"/>
+            <a:ext cx="10249230" cy="3331597"/>
           </a:xfrm>
         </p:spPr>
         <p:txBody>
-          <a:bodyPr anchor="ctr" anchorCtr="0">
+          <a:bodyPr anchor="t" anchorCtr="0">
             <a:noAutofit/>
           </a:bodyPr>
           <a:lstStyle/>
           <a:p>
             <a:pPr algn="just"/>
             <a:r>
-              <a:rPr lang="fr-FR" dirty="0">
-                <a:solidFill>
-                  <a:schemeClr val="tx1"/>
-                </a:solidFill>
-              </a:rPr>
-              <a:t>Maintenant que vous êtes prêt à écrire des programmes plus longs et plus complexes, il est temps de parler du style de </a:t>
-            </a:r>
-            <a:r>
-              <a:rPr lang="fr-FR" dirty="0" smtClean="0">
-                <a:solidFill>
-                  <a:schemeClr val="tx1"/>
-                </a:solidFill>
-              </a:rPr>
-              <a:t>codage</a:t>
-            </a:r>
-          </a:p>
-          <a:p>
-            <a:pPr algn="just"/>
-            <a:r>
-              <a:rPr lang="fr-FR" dirty="0" smtClean="0">
-                <a:solidFill>
-                  <a:schemeClr val="tx1"/>
-                </a:solidFill>
-              </a:rPr>
-              <a:t>La </a:t>
-            </a:r>
-            <a:r>
-              <a:rPr lang="fr-FR" dirty="0">
-                <a:solidFill>
-                  <a:schemeClr val="tx1"/>
-                </a:solidFill>
-              </a:rPr>
-              <a:t>plupart des langages peuvent être écrits (ou plutôt formatés) selon différents </a:t>
-            </a:r>
-            <a:r>
-              <a:rPr lang="fr-FR" dirty="0" smtClean="0">
-                <a:solidFill>
-                  <a:schemeClr val="tx1"/>
-                </a:solidFill>
-              </a:rPr>
-              <a:t>styles</a:t>
-            </a:r>
-          </a:p>
-          <a:p>
-            <a:pPr algn="just"/>
-            <a:r>
-              <a:rPr lang="fr-FR" dirty="0" smtClean="0">
-                <a:solidFill>
-                  <a:schemeClr val="tx1"/>
-                </a:solidFill>
-              </a:rPr>
-              <a:t>certains </a:t>
-            </a:r>
-            <a:r>
-              <a:rPr lang="fr-FR" dirty="0">
-                <a:solidFill>
-                  <a:schemeClr val="tx1"/>
-                </a:solidFill>
-              </a:rPr>
-              <a:t>sont plus lisibles que </a:t>
-            </a:r>
-            <a:r>
-              <a:rPr lang="fr-FR" dirty="0" smtClean="0">
-                <a:solidFill>
-                  <a:schemeClr val="tx1"/>
-                </a:solidFill>
-              </a:rPr>
-              <a:t>d’autres</a:t>
-            </a:r>
-          </a:p>
-          <a:p>
-            <a:pPr algn="just"/>
-            <a:r>
-              <a:rPr lang="fr-FR" dirty="0" smtClean="0">
-                <a:solidFill>
-                  <a:schemeClr val="tx1"/>
-                </a:solidFill>
-              </a:rPr>
-              <a:t>Rendre </a:t>
-            </a:r>
-            <a:r>
-              <a:rPr lang="fr-FR" dirty="0">
-                <a:solidFill>
-                  <a:schemeClr val="tx1"/>
-                </a:solidFill>
-              </a:rPr>
-              <a:t>la lecture de votre code plus facile aux autres est toujours une bonne idée, et adopter un bon style de codage peut énormément vous y </a:t>
-            </a:r>
-            <a:r>
-              <a:rPr lang="fr-FR" dirty="0" smtClean="0">
-                <a:solidFill>
-                  <a:schemeClr val="tx1"/>
-                </a:solidFill>
-              </a:rPr>
-              <a:t>aider</a:t>
-            </a:r>
-          </a:p>
-          <a:p>
-            <a:pPr algn="just"/>
-            <a:r>
-              <a:rPr lang="fr-FR" dirty="0">
-                <a:solidFill>
-                  <a:schemeClr val="tx1"/>
-                </a:solidFill>
-              </a:rPr>
-              <a:t>En Python, la </a:t>
-            </a:r>
-            <a:r>
-              <a:rPr lang="fr-FR" b="1" i="1" dirty="0">
-                <a:solidFill>
-                  <a:schemeClr val="accent1"/>
-                </a:solidFill>
-                <a:hlinkClick r:id="rId3"/>
-              </a:rPr>
-              <a:t>PEP 8</a:t>
-            </a:r>
-            <a:r>
-              <a:rPr lang="fr-FR" dirty="0">
-                <a:solidFill>
-                  <a:schemeClr val="tx1"/>
-                </a:solidFill>
-                <a:hlinkClick r:id="rId3"/>
-              </a:rPr>
-              <a:t> </a:t>
-            </a:r>
-            <a:r>
-              <a:rPr lang="fr-FR" dirty="0">
-                <a:solidFill>
-                  <a:schemeClr val="tx1"/>
-                </a:solidFill>
-              </a:rPr>
-              <a:t>a émergé comme étant un guide auquel la plupart des projets adhèrent ; elle met en avant un style de codage très lisible et agréable à </a:t>
-            </a:r>
-            <a:r>
-              <a:rPr lang="fr-FR" dirty="0" smtClean="0">
-                <a:solidFill>
-                  <a:schemeClr val="tx1"/>
-                </a:solidFill>
-              </a:rPr>
-              <a:t>l’œil</a:t>
-            </a:r>
-          </a:p>
-          <a:p>
-            <a:pPr algn="just"/>
-            <a:r>
-              <a:rPr lang="fr-FR" dirty="0" smtClean="0">
-                <a:solidFill>
-                  <a:schemeClr val="tx1"/>
-                </a:solidFill>
-              </a:rPr>
-              <a:t>Chaque </a:t>
-            </a:r>
-            <a:r>
-              <a:rPr lang="fr-FR" dirty="0">
-                <a:solidFill>
-                  <a:schemeClr val="tx1"/>
-                </a:solidFill>
-              </a:rPr>
-              <a:t>développeur Python devrait donc la lire et s’en inspirer autant que </a:t>
-            </a:r>
-            <a:r>
-              <a:rPr lang="fr-FR" dirty="0" smtClean="0">
-                <a:solidFill>
-                  <a:schemeClr val="tx1"/>
-                </a:solidFill>
-              </a:rPr>
-              <a:t>possible</a:t>
+              <a:rPr lang="fr-FR" smtClean="0">
+                <a:solidFill>
+                  <a:schemeClr val="tx1"/>
+                </a:solidFill>
+              </a:rPr>
+              <a:t>…</a:t>
             </a:r>
             <a:endParaRPr lang="fr-FR" dirty="0">
               <a:solidFill>
@@ -30828,7 +30732,7 @@
     </p:spTree>
     <p:extLst>
       <p:ext uri="{BB962C8B-B14F-4D97-AF65-F5344CB8AC3E}">
-        <p14:creationId xmlns:p14="http://schemas.microsoft.com/office/powerpoint/2010/main" val="983697788"/>
+        <p14:creationId xmlns:p14="http://schemas.microsoft.com/office/powerpoint/2010/main" val="2175153631"/>
       </p:ext>
     </p:extLst>
   </p:cSld>
@@ -31034,7 +30938,15 @@
                   <a:schemeClr val="tx1"/>
                 </a:solidFill>
               </a:rPr>
-              <a:t>Utilisez des indentations de 4 espaces, et pas de tabulation.</a:t>
+              <a:t>Maintenant que vous êtes prêt à écrire des programmes plus longs et plus complexes, il est temps de parler du style de </a:t>
+            </a:r>
+            <a:r>
+              <a:rPr lang="fr-FR" dirty="0" smtClean="0">
+                <a:solidFill>
+                  <a:schemeClr val="tx1"/>
+                </a:solidFill>
+              </a:rPr>
+              <a:t>codage</a:t>
             </a:r>
           </a:p>
           <a:p>
@@ -31045,7 +30957,7 @@
                   <a:schemeClr val="tx1"/>
                 </a:solidFill>
               </a:rPr>
-              <a:t>4 </a:t>
+              <a:t>La </a:t>
             </a:r>
             <a:r>
               <a:rPr lang="fr-FR" dirty="0">
@@ -31053,7 +30965,15 @@
                   <a:schemeClr val="tx1"/>
                 </a:solidFill>
               </a:rPr>
-              <a:t>espaces constituent un bon compromis entre une indentation courte (qui permet une profondeur d’imbrication plus importante) et une longue (qui rend le code plus facile à lire). Les tabulations introduisent de la confusion, et doivent être proscrites autant que possible.</a:t>
+              <a:t>plupart des langages peuvent être écrits (ou plutôt formatés) selon différents </a:t>
+            </a:r>
+            <a:r>
+              <a:rPr lang="fr-FR" dirty="0" smtClean="0">
+                <a:solidFill>
+                  <a:schemeClr val="tx1"/>
+                </a:solidFill>
+              </a:rPr>
+              <a:t>styles</a:t>
             </a:r>
           </a:p>
           <a:p>
@@ -31064,7 +30984,7 @@
                   <a:schemeClr val="tx1"/>
                 </a:solidFill>
               </a:rPr>
-              <a:t>Faites </a:t>
+              <a:t>certains </a:t>
             </a:r>
             <a:r>
               <a:rPr lang="fr-FR" dirty="0">
@@ -31072,7 +30992,15 @@
                   <a:schemeClr val="tx1"/>
                 </a:solidFill>
               </a:rPr>
-              <a:t>des retours à la ligne, de telle sorte qu’elles n’excèdent pas 79 caractères.</a:t>
+              <a:t>sont plus lisibles que </a:t>
+            </a:r>
+            <a:r>
+              <a:rPr lang="fr-FR" dirty="0" smtClean="0">
+                <a:solidFill>
+                  <a:schemeClr val="tx1"/>
+                </a:solidFill>
+              </a:rPr>
+              <a:t>d’autres</a:t>
             </a:r>
           </a:p>
           <a:p>
@@ -31083,7 +31011,7 @@
                   <a:schemeClr val="tx1"/>
                 </a:solidFill>
               </a:rPr>
-              <a:t>Ceci </a:t>
+              <a:t>Rendre </a:t>
             </a:r>
             <a:r>
               <a:rPr lang="fr-FR" dirty="0">
@@ -31091,26 +31019,60 @@
                   <a:schemeClr val="tx1"/>
                 </a:solidFill>
               </a:rPr>
-              <a:t>aide les utilisateurs ne disposant que de petits écrans, et permet sur de plus grands de disposer plusieurs fichiers côte à côte sans difficulté.</a:t>
+              <a:t>la lecture de votre code plus facile aux autres est toujours une bonne idée, et adopter un bon style de codage peut énormément vous y </a:t>
+            </a:r>
+            <a:r>
+              <a:rPr lang="fr-FR" dirty="0" smtClean="0">
+                <a:solidFill>
+                  <a:schemeClr val="tx1"/>
+                </a:solidFill>
+              </a:rPr>
+              <a:t>aider</a:t>
             </a:r>
           </a:p>
           <a:p>
             <a:pPr algn="just"/>
             <a:r>
-              <a:rPr lang="fr-FR" dirty="0" smtClean="0">
-                <a:solidFill>
-                  <a:schemeClr val="tx1"/>
-                </a:solidFill>
-              </a:rPr>
-              <a:t>Utilisez </a:t>
-            </a:r>
-            <a:r>
               <a:rPr lang="fr-FR" dirty="0">
                 <a:solidFill>
                   <a:schemeClr val="tx1"/>
                 </a:solidFill>
               </a:rPr>
-              <a:t>des lignes vides pour séparer les fonctions et les classes, ou pour scinder de gros blocs de code à l’intérieur de fonctions.</a:t>
+              <a:t>En Python, la </a:t>
+            </a:r>
+            <a:r>
+              <a:rPr lang="fr-FR" b="1" i="1" dirty="0">
+                <a:solidFill>
+                  <a:schemeClr val="accent1"/>
+                </a:solidFill>
+                <a:hlinkClick r:id="rId3"/>
+              </a:rPr>
+              <a:t>PEP 8</a:t>
+            </a:r>
+            <a:r>
+              <a:rPr lang="fr-FR" dirty="0">
+                <a:solidFill>
+                  <a:schemeClr val="tx1"/>
+                </a:solidFill>
+                <a:hlinkClick r:id="rId3"/>
+              </a:rPr>
+              <a:t> </a:t>
+            </a:r>
+            <a:r>
+              <a:rPr lang="fr-FR" dirty="0">
+                <a:solidFill>
+                  <a:schemeClr val="tx1"/>
+                </a:solidFill>
+              </a:rPr>
+              <a:t>a émergé comme étant un guide auquel la plupart des projets adhèrent ; elle met en avant un style de codage très lisible et agréable à </a:t>
+            </a:r>
+            <a:r>
+              <a:rPr lang="fr-FR" dirty="0" smtClean="0">
+                <a:solidFill>
+                  <a:schemeClr val="tx1"/>
+                </a:solidFill>
+              </a:rPr>
+              <a:t>l’œil</a:t>
             </a:r>
           </a:p>
           <a:p>
@@ -31121,7 +31083,7 @@
                   <a:schemeClr val="tx1"/>
                 </a:solidFill>
               </a:rPr>
-              <a:t>Lorsque </a:t>
+              <a:t>Chaque </a:t>
             </a:r>
             <a:r>
               <a:rPr lang="fr-FR" dirty="0">
@@ -31129,34 +31091,15 @@
                   <a:schemeClr val="tx1"/>
                 </a:solidFill>
               </a:rPr>
-              <a:t>c’est possible, placez les commentaires sur leur propres lignes.</a:t>
-            </a:r>
-          </a:p>
-          <a:p>
-            <a:pPr algn="just"/>
-            <a:r>
-              <a:rPr lang="fr-FR" dirty="0" smtClean="0">
-                <a:solidFill>
-                  <a:schemeClr val="tx1"/>
-                </a:solidFill>
-              </a:rPr>
-              <a:t>Utilisez </a:t>
-            </a:r>
-            <a:r>
-              <a:rPr lang="fr-FR" dirty="0">
-                <a:solidFill>
-                  <a:schemeClr val="tx1"/>
-                </a:solidFill>
-              </a:rPr>
-              <a:t>les chaînes de </a:t>
-            </a:r>
-            <a:r>
-              <a:rPr lang="fr-FR" dirty="0" smtClean="0">
-                <a:solidFill>
-                  <a:schemeClr val="tx1"/>
-                </a:solidFill>
-              </a:rPr>
-              <a:t>documentation</a:t>
+              <a:t>développeur Python devrait donc la lire et s’en inspirer autant que </a:t>
+            </a:r>
+            <a:r>
+              <a:rPr lang="fr-FR" dirty="0" smtClean="0">
+                <a:solidFill>
+                  <a:schemeClr val="tx1"/>
+                </a:solidFill>
+              </a:rPr>
+              <a:t>possible</a:t>
             </a:r>
             <a:endParaRPr lang="fr-FR" dirty="0">
               <a:solidFill>
@@ -31169,7 +31112,7 @@
     </p:spTree>
     <p:extLst>
       <p:ext uri="{BB962C8B-B14F-4D97-AF65-F5344CB8AC3E}">
-        <p14:creationId xmlns:p14="http://schemas.microsoft.com/office/powerpoint/2010/main" val="1701520310"/>
+        <p14:creationId xmlns:p14="http://schemas.microsoft.com/office/powerpoint/2010/main" val="983697788"/>
       </p:ext>
     </p:extLst>
   </p:cSld>
@@ -31259,6 +31202,74 @@
           <a:p>
             <a:pPr algn="just"/>
             <a:r>
+              <a:rPr lang="fr-FR" dirty="0">
+                <a:solidFill>
+                  <a:schemeClr val="tx1"/>
+                </a:solidFill>
+              </a:rPr>
+              <a:t>Utilisez des indentations de 4 espaces, et pas de tabulation.</a:t>
+            </a:r>
+          </a:p>
+          <a:p>
+            <a:pPr algn="just"/>
+            <a:r>
+              <a:rPr lang="fr-FR" dirty="0" smtClean="0">
+                <a:solidFill>
+                  <a:schemeClr val="tx1"/>
+                </a:solidFill>
+              </a:rPr>
+              <a:t>4 </a:t>
+            </a:r>
+            <a:r>
+              <a:rPr lang="fr-FR" dirty="0">
+                <a:solidFill>
+                  <a:schemeClr val="tx1"/>
+                </a:solidFill>
+              </a:rPr>
+              <a:t>espaces constituent un bon compromis entre une indentation courte (qui permet une profondeur d’imbrication plus importante) et une longue (qui rend le code plus facile à lire). Les tabulations introduisent de la confusion, et doivent être proscrites autant que possible.</a:t>
+            </a:r>
+          </a:p>
+          <a:p>
+            <a:pPr algn="just"/>
+            <a:r>
+              <a:rPr lang="fr-FR" dirty="0" smtClean="0">
+                <a:solidFill>
+                  <a:schemeClr val="tx1"/>
+                </a:solidFill>
+              </a:rPr>
+              <a:t>Faites </a:t>
+            </a:r>
+            <a:r>
+              <a:rPr lang="fr-FR" dirty="0">
+                <a:solidFill>
+                  <a:schemeClr val="tx1"/>
+                </a:solidFill>
+              </a:rPr>
+              <a:t>des retours à la ligne, de telle sorte qu’elles n’excèdent pas 79 caractères.</a:t>
+            </a:r>
+          </a:p>
+          <a:p>
+            <a:pPr algn="just"/>
+            <a:r>
+              <a:rPr lang="fr-FR" dirty="0" smtClean="0">
+                <a:solidFill>
+                  <a:schemeClr val="tx1"/>
+                </a:solidFill>
+              </a:rPr>
+              <a:t>Ceci </a:t>
+            </a:r>
+            <a:r>
+              <a:rPr lang="fr-FR" dirty="0">
+                <a:solidFill>
+                  <a:schemeClr val="tx1"/>
+                </a:solidFill>
+              </a:rPr>
+              <a:t>aide les utilisateurs ne disposant que de petits écrans, et permet sur de plus grands de disposer plusieurs fichiers côte à côte sans difficulté.</a:t>
+            </a:r>
+          </a:p>
+          <a:p>
+            <a:pPr algn="just"/>
+            <a:r>
               <a:rPr lang="fr-FR" dirty="0" smtClean="0">
                 <a:solidFill>
                   <a:schemeClr val="tx1"/>
@@ -31272,7 +31283,7 @@
                   <a:schemeClr val="tx1"/>
                 </a:solidFill>
               </a:rPr>
-              <a:t>des espaces autour des opérateurs et après les virgules, mais pas directement à l’intérieur des parenthèses : a = f(1, 2) + g(3, 4).</a:t>
+              <a:t>des lignes vides pour séparer les fonctions et les classes, ou pour scinder de gros blocs de code à l’intérieur de fonctions.</a:t>
             </a:r>
           </a:p>
           <a:p>
@@ -31283,7 +31294,7 @@
                   <a:schemeClr val="tx1"/>
                 </a:solidFill>
               </a:rPr>
-              <a:t>Nommez </a:t>
+              <a:t>Lorsque </a:t>
             </a:r>
             <a:r>
               <a:rPr lang="fr-FR" dirty="0">
@@ -31291,15 +31302,18 @@
                   <a:schemeClr val="tx1"/>
                 </a:solidFill>
               </a:rPr>
-              <a:t>toujours vos classes et fonctions de la même manière ; la convention est d’utiliser une notation </a:t>
-            </a:r>
-            <a:r>
-              <a:rPr lang="fr-FR" b="1" i="1" dirty="0">
-                <a:solidFill>
-                  <a:schemeClr val="accent1"/>
-                </a:solidFill>
-              </a:rPr>
-              <a:t>CamelCase</a:t>
+              <a:t>c’est possible, placez les commentaires sur leur propres lignes.</a:t>
+            </a:r>
+          </a:p>
+          <a:p>
+            <a:pPr algn="just"/>
+            <a:r>
+              <a:rPr lang="fr-FR" dirty="0" smtClean="0">
+                <a:solidFill>
+                  <a:schemeClr val="tx1"/>
+                </a:solidFill>
+              </a:rPr>
+              <a:t>Utilisez </a:t>
             </a:r>
             <a:r>
               <a:rPr lang="fr-FR" dirty="0">
@@ -31307,117 +31321,28 @@
                   <a:schemeClr val="tx1"/>
                 </a:solidFill>
               </a:rPr>
-              <a:t> pour les classes, et </a:t>
-            </a:r>
-            <a:r>
-              <a:rPr lang="fr-FR" b="1" i="1" dirty="0">
-                <a:solidFill>
-                  <a:schemeClr val="accent1"/>
-                </a:solidFill>
-              </a:rPr>
-              <a:t>minuscules_avec_trait_bas</a:t>
-            </a:r>
-            <a:r>
-              <a:rPr lang="fr-FR" dirty="0">
-                <a:solidFill>
-                  <a:schemeClr val="tx1"/>
-                </a:solidFill>
-              </a:rPr>
-              <a:t> pour les </a:t>
-            </a:r>
-            <a:r>
-              <a:rPr lang="fr-FR" dirty="0" smtClean="0">
-                <a:solidFill>
-                  <a:schemeClr val="tx1"/>
-                </a:solidFill>
-              </a:rPr>
-              <a:t>fonctions, méthodes et variables. </a:t>
-            </a:r>
-            <a:r>
-              <a:rPr lang="fr-FR" dirty="0">
-                <a:solidFill>
-                  <a:schemeClr val="tx1"/>
-                </a:solidFill>
-              </a:rPr>
-              <a:t>Utilisez toujours </a:t>
-            </a:r>
-            <a:r>
-              <a:rPr lang="fr-FR" b="1" i="1" dirty="0">
-                <a:solidFill>
-                  <a:schemeClr val="accent1"/>
-                </a:solidFill>
-              </a:rPr>
-              <a:t>self</a:t>
-            </a:r>
-            <a:r>
-              <a:rPr lang="fr-FR" dirty="0">
-                <a:solidFill>
-                  <a:schemeClr val="tx1"/>
-                </a:solidFill>
-              </a:rPr>
-              <a:t> comme nom du premier argument des méthodes (voyez </a:t>
-            </a:r>
-            <a:r>
-              <a:rPr lang="fr-FR" dirty="0" smtClean="0">
-                <a:solidFill>
-                  <a:schemeClr val="tx1"/>
-                </a:solidFill>
-              </a:rPr>
-              <a:t>une </a:t>
-            </a:r>
-            <a:r>
-              <a:rPr lang="fr-FR" dirty="0">
-                <a:solidFill>
-                  <a:schemeClr val="tx1"/>
-                </a:solidFill>
-              </a:rPr>
-              <a:t>première approche des classes pour en savoir plus sur les classes et les méthodes).</a:t>
-            </a:r>
-          </a:p>
-          <a:p>
-            <a:pPr algn="just"/>
-            <a:r>
-              <a:rPr lang="fr-FR" dirty="0" smtClean="0">
-                <a:solidFill>
-                  <a:schemeClr val="tx1"/>
-                </a:solidFill>
-              </a:rPr>
-              <a:t>N’utilisez </a:t>
-            </a:r>
-            <a:r>
-              <a:rPr lang="fr-FR" dirty="0">
-                <a:solidFill>
-                  <a:schemeClr val="tx1"/>
-                </a:solidFill>
-              </a:rPr>
-              <a:t>pas d’encodages exotiques dès lors que votre code est sensé être utilisé dans des environnements internationaux. Par défaut, Python travaille en UTF-8, ou sinon du simple ASCII fonctionne dans la plupart des cas.</a:t>
-            </a:r>
-          </a:p>
-          <a:p>
-            <a:pPr algn="just"/>
-            <a:r>
-              <a:rPr lang="fr-FR" dirty="0" smtClean="0">
-                <a:solidFill>
-                  <a:schemeClr val="tx1"/>
-                </a:solidFill>
-              </a:rPr>
-              <a:t>De </a:t>
-            </a:r>
-            <a:r>
-              <a:rPr lang="fr-FR" dirty="0">
-                <a:solidFill>
-                  <a:schemeClr val="tx1"/>
-                </a:solidFill>
-              </a:rPr>
-              <a:t>la même manière, n’utilisez que des caractères ASCII pour vos noms de variables si vous soupçonnez qu’un personne parlant une autre langue lira ou devra modifier votre code.</a:t>
-            </a:r>
+              <a:t>les chaînes de </a:t>
+            </a:r>
+            <a:r>
+              <a:rPr lang="fr-FR" dirty="0" smtClean="0">
+                <a:solidFill>
+                  <a:schemeClr val="tx1"/>
+                </a:solidFill>
+              </a:rPr>
+              <a:t>documentation</a:t>
+            </a:r>
+            <a:endParaRPr lang="fr-FR" dirty="0">
+              <a:solidFill>
+                <a:schemeClr val="tx1"/>
+              </a:solidFill>
+            </a:endParaRPr>
           </a:p>
         </p:txBody>
       </p:sp>
     </p:spTree>
     <p:extLst>
       <p:ext uri="{BB962C8B-B14F-4D97-AF65-F5344CB8AC3E}">
-        <p14:creationId xmlns:p14="http://schemas.microsoft.com/office/powerpoint/2010/main" val="4243432789"/>
+        <p14:creationId xmlns:p14="http://schemas.microsoft.com/office/powerpoint/2010/main" val="1701520310"/>
       </p:ext>
     </p:extLst>
   </p:cSld>
@@ -31473,6 +31398,254 @@
           <a:p>
             <a:r>
               <a:rPr lang="fr-FR" dirty="0" smtClean="0"/>
+              <a:t>Style de codage</a:t>
+            </a:r>
+            <a:endParaRPr lang="fr-FR" b="1" i="1" dirty="0">
+              <a:solidFill>
+                <a:schemeClr val="accent6"/>
+              </a:solidFill>
+            </a:endParaRPr>
+          </a:p>
+        </p:txBody>
+      </p:sp>
+      <p:sp>
+        <p:nvSpPr>
+          <p:cNvPr id="3" name="Espace réservé du contenu 2"/>
+          <p:cNvSpPr>
+            <a:spLocks noGrp="1"/>
+          </p:cNvSpPr>
+          <p:nvPr>
+            <p:ph idx="1"/>
+          </p:nvPr>
+        </p:nvSpPr>
+        <p:spPr>
+          <a:xfrm>
+            <a:off x="1327869" y="1701579"/>
+            <a:ext cx="10296938" cy="4595853"/>
+          </a:xfrm>
+        </p:spPr>
+        <p:txBody>
+          <a:bodyPr anchor="ctr" anchorCtr="0">
+            <a:noAutofit/>
+          </a:bodyPr>
+          <a:lstStyle/>
+          <a:p>
+            <a:pPr algn="just"/>
+            <a:r>
+              <a:rPr lang="fr-FR" dirty="0" smtClean="0">
+                <a:solidFill>
+                  <a:schemeClr val="tx1"/>
+                </a:solidFill>
+              </a:rPr>
+              <a:t>Utilisez </a:t>
+            </a:r>
+            <a:r>
+              <a:rPr lang="fr-FR" dirty="0">
+                <a:solidFill>
+                  <a:schemeClr val="tx1"/>
+                </a:solidFill>
+              </a:rPr>
+              <a:t>des espaces autour des opérateurs et après les virgules, mais pas directement à l’intérieur des parenthèses : a = f(1, 2) + g(3, 4).</a:t>
+            </a:r>
+          </a:p>
+          <a:p>
+            <a:pPr algn="just"/>
+            <a:r>
+              <a:rPr lang="fr-FR" dirty="0" smtClean="0">
+                <a:solidFill>
+                  <a:schemeClr val="tx1"/>
+                </a:solidFill>
+              </a:rPr>
+              <a:t>Nommez </a:t>
+            </a:r>
+            <a:r>
+              <a:rPr lang="fr-FR" dirty="0">
+                <a:solidFill>
+                  <a:schemeClr val="tx1"/>
+                </a:solidFill>
+              </a:rPr>
+              <a:t>toujours vos classes et fonctions de la même manière ; la convention est d’utiliser une notation </a:t>
+            </a:r>
+            <a:r>
+              <a:rPr lang="fr-FR" b="1" i="1" dirty="0">
+                <a:solidFill>
+                  <a:schemeClr val="accent1"/>
+                </a:solidFill>
+              </a:rPr>
+              <a:t>CamelCase</a:t>
+            </a:r>
+            <a:r>
+              <a:rPr lang="fr-FR" dirty="0">
+                <a:solidFill>
+                  <a:schemeClr val="tx1"/>
+                </a:solidFill>
+              </a:rPr>
+              <a:t> pour les classes, et </a:t>
+            </a:r>
+            <a:r>
+              <a:rPr lang="fr-FR" b="1" i="1" dirty="0">
+                <a:solidFill>
+                  <a:schemeClr val="accent1"/>
+                </a:solidFill>
+              </a:rPr>
+              <a:t>minuscules_avec_trait_bas</a:t>
+            </a:r>
+            <a:r>
+              <a:rPr lang="fr-FR" dirty="0">
+                <a:solidFill>
+                  <a:schemeClr val="tx1"/>
+                </a:solidFill>
+              </a:rPr>
+              <a:t> pour les </a:t>
+            </a:r>
+            <a:r>
+              <a:rPr lang="fr-FR" dirty="0" smtClean="0">
+                <a:solidFill>
+                  <a:schemeClr val="tx1"/>
+                </a:solidFill>
+              </a:rPr>
+              <a:t>fonctions, méthodes et variables. </a:t>
+            </a:r>
+            <a:r>
+              <a:rPr lang="fr-FR" dirty="0">
+                <a:solidFill>
+                  <a:schemeClr val="tx1"/>
+                </a:solidFill>
+              </a:rPr>
+              <a:t>Utilisez toujours </a:t>
+            </a:r>
+            <a:r>
+              <a:rPr lang="fr-FR" b="1" i="1" dirty="0">
+                <a:solidFill>
+                  <a:schemeClr val="accent1"/>
+                </a:solidFill>
+              </a:rPr>
+              <a:t>self</a:t>
+            </a:r>
+            <a:r>
+              <a:rPr lang="fr-FR" dirty="0">
+                <a:solidFill>
+                  <a:schemeClr val="tx1"/>
+                </a:solidFill>
+              </a:rPr>
+              <a:t> comme nom du premier argument des méthodes (voyez </a:t>
+            </a:r>
+            <a:r>
+              <a:rPr lang="fr-FR" dirty="0" smtClean="0">
+                <a:solidFill>
+                  <a:schemeClr val="tx1"/>
+                </a:solidFill>
+              </a:rPr>
+              <a:t>une </a:t>
+            </a:r>
+            <a:r>
+              <a:rPr lang="fr-FR" dirty="0">
+                <a:solidFill>
+                  <a:schemeClr val="tx1"/>
+                </a:solidFill>
+              </a:rPr>
+              <a:t>première approche des classes pour en savoir plus sur les classes et les méthodes).</a:t>
+            </a:r>
+          </a:p>
+          <a:p>
+            <a:pPr algn="just"/>
+            <a:r>
+              <a:rPr lang="fr-FR" dirty="0" smtClean="0">
+                <a:solidFill>
+                  <a:schemeClr val="tx1"/>
+                </a:solidFill>
+              </a:rPr>
+              <a:t>N’utilisez </a:t>
+            </a:r>
+            <a:r>
+              <a:rPr lang="fr-FR" dirty="0">
+                <a:solidFill>
+                  <a:schemeClr val="tx1"/>
+                </a:solidFill>
+              </a:rPr>
+              <a:t>pas d’encodages exotiques dès lors que votre code est sensé être utilisé dans des environnements internationaux. Par défaut, Python travaille en UTF-8, ou sinon du simple ASCII fonctionne dans la plupart des cas.</a:t>
+            </a:r>
+          </a:p>
+          <a:p>
+            <a:pPr algn="just"/>
+            <a:r>
+              <a:rPr lang="fr-FR" dirty="0" smtClean="0">
+                <a:solidFill>
+                  <a:schemeClr val="tx1"/>
+                </a:solidFill>
+              </a:rPr>
+              <a:t>De </a:t>
+            </a:r>
+            <a:r>
+              <a:rPr lang="fr-FR" dirty="0">
+                <a:solidFill>
+                  <a:schemeClr val="tx1"/>
+                </a:solidFill>
+              </a:rPr>
+              <a:t>la même manière, n’utilisez que des caractères ASCII pour vos noms de variables si vous soupçonnez qu’un personne parlant une autre langue lira ou devra modifier votre code.</a:t>
+            </a:r>
+          </a:p>
+        </p:txBody>
+      </p:sp>
+    </p:spTree>
+    <p:extLst>
+      <p:ext uri="{BB962C8B-B14F-4D97-AF65-F5344CB8AC3E}">
+        <p14:creationId xmlns:p14="http://schemas.microsoft.com/office/powerpoint/2010/main" val="4243432789"/>
+      </p:ext>
+    </p:extLst>
+  </p:cSld>
+  <p:clrMapOvr>
+    <a:masterClrMapping/>
+  </p:clrMapOvr>
+  <p:timing>
+    <p:tnLst>
+      <p:par>
+        <p:cTn id="1" dur="indefinite" restart="never" nodeType="tmRoot"/>
+      </p:par>
+    </p:tnLst>
+  </p:timing>
+</p:sld>
+</file>
+
+<file path=ppt/slides/slide73.xml><?xml version="1.0" encoding="utf-8"?>
+<p:sld xmlns:a="http://schemas.openxmlformats.org/drawingml/2006/main" xmlns:r="http://schemas.openxmlformats.org/officeDocument/2006/relationships" xmlns:p="http://schemas.openxmlformats.org/presentationml/2006/main">
+  <p:cSld>
+    <p:spTree>
+      <p:nvGrpSpPr>
+        <p:cNvPr id="1" name=""/>
+        <p:cNvGrpSpPr/>
+        <p:nvPr/>
+      </p:nvGrpSpPr>
+      <p:grpSpPr>
+        <a:xfrm>
+          <a:off x="0" y="0"/>
+          <a:ext cx="0" cy="0"/>
+          <a:chOff x="0" y="0"/>
+          <a:chExt cx="0" cy="0"/>
+        </a:xfrm>
+      </p:grpSpPr>
+      <p:sp>
+        <p:nvSpPr>
+          <p:cNvPr id="2" name="Titre 1"/>
+          <p:cNvSpPr>
+            <a:spLocks noGrp="1"/>
+          </p:cNvSpPr>
+          <p:nvPr>
+            <p:ph type="title"/>
+          </p:nvPr>
+        </p:nvSpPr>
+        <p:spPr>
+          <a:xfrm>
+            <a:off x="2592925" y="624110"/>
+            <a:ext cx="8911687" cy="1280890"/>
+          </a:xfrm>
+        </p:spPr>
+        <p:txBody>
+          <a:bodyPr/>
+          <a:lstStyle/>
+          <a:p>
+            <a:r>
+              <a:rPr lang="fr-FR" dirty="0" smtClean="0"/>
               <a:t>Références</a:t>
             </a:r>
             <a:endParaRPr lang="fr-FR" dirty="0"/>
@@ -31614,7 +31787,7 @@
 </p:sld>
 </file>
 
-<file path=ppt/slides/slide73.xml><?xml version="1.0" encoding="utf-8"?>
+<file path=ppt/slides/slide74.xml><?xml version="1.0" encoding="utf-8"?>
 <p:sld xmlns:a="http://schemas.openxmlformats.org/drawingml/2006/main" xmlns:r="http://schemas.openxmlformats.org/officeDocument/2006/relationships" xmlns:p="http://schemas.openxmlformats.org/presentationml/2006/main">
   <p:cSld>
     <p:spTree>

--- a/documentations/learning-python.pptx
+++ b/documentations/learning-python.pptx
@@ -5,7 +5,7 @@
     <p:sldMasterId id="2147483665" r:id="rId1"/>
   </p:sldMasterIdLst>
   <p:notesMasterIdLst>
-    <p:notesMasterId r:id="rId76"/>
+    <p:notesMasterId r:id="rId79"/>
   </p:notesMasterIdLst>
   <p:sldIdLst>
     <p:sldId id="256" r:id="rId2"/>
@@ -77,11 +77,14 @@
     <p:sldId id="327" r:id="rId68"/>
     <p:sldId id="328" r:id="rId69"/>
     <p:sldId id="329" r:id="rId70"/>
-    <p:sldId id="306" r:id="rId71"/>
-    <p:sldId id="307" r:id="rId72"/>
-    <p:sldId id="308" r:id="rId73"/>
-    <p:sldId id="285" r:id="rId74"/>
-    <p:sldId id="309" r:id="rId75"/>
+    <p:sldId id="330" r:id="rId71"/>
+    <p:sldId id="331" r:id="rId72"/>
+    <p:sldId id="306" r:id="rId73"/>
+    <p:sldId id="307" r:id="rId74"/>
+    <p:sldId id="308" r:id="rId75"/>
+    <p:sldId id="332" r:id="rId76"/>
+    <p:sldId id="285" r:id="rId77"/>
+    <p:sldId id="309" r:id="rId78"/>
   </p:sldIdLst>
   <p:sldSz cx="12192000" cy="6858000"/>
   <p:notesSz cx="6858000" cy="9144000"/>
@@ -6072,7 +6075,7 @@
     </p:spTree>
     <p:extLst>
       <p:ext uri="{BB962C8B-B14F-4D97-AF65-F5344CB8AC3E}">
-        <p14:creationId xmlns:p14="http://schemas.microsoft.com/office/powerpoint/2010/main" val="506775172"/>
+        <p14:creationId xmlns:p14="http://schemas.microsoft.com/office/powerpoint/2010/main" val="1896904726"/>
       </p:ext>
     </p:extLst>
   </p:cSld>
@@ -6240,7 +6243,7 @@
     </p:spTree>
     <p:extLst>
       <p:ext uri="{BB962C8B-B14F-4D97-AF65-F5344CB8AC3E}">
-        <p14:creationId xmlns:p14="http://schemas.microsoft.com/office/powerpoint/2010/main" val="2442515745"/>
+        <p14:creationId xmlns:p14="http://schemas.microsoft.com/office/powerpoint/2010/main" val="847972680"/>
       </p:ext>
     </p:extLst>
   </p:cSld>
@@ -6324,7 +6327,7 @@
     </p:spTree>
     <p:extLst>
       <p:ext uri="{BB962C8B-B14F-4D97-AF65-F5344CB8AC3E}">
-        <p14:creationId xmlns:p14="http://schemas.microsoft.com/office/powerpoint/2010/main" val="471859371"/>
+        <p14:creationId xmlns:p14="http://schemas.microsoft.com/office/powerpoint/2010/main" val="506775172"/>
       </p:ext>
     </p:extLst>
   </p:cSld>
@@ -6408,7 +6411,7 @@
     </p:spTree>
     <p:extLst>
       <p:ext uri="{BB962C8B-B14F-4D97-AF65-F5344CB8AC3E}">
-        <p14:creationId xmlns:p14="http://schemas.microsoft.com/office/powerpoint/2010/main" val="831955769"/>
+        <p14:creationId xmlns:p14="http://schemas.microsoft.com/office/powerpoint/2010/main" val="2442515745"/>
       </p:ext>
     </p:extLst>
   </p:cSld>
@@ -6484,6 +6487,258 @@
             <a:fld id="{58BEE673-8D3B-4BBD-97EB-7004EF7CF6EF}" type="slidenum">
               <a:rPr lang="fr-FR" smtClean="0"/>
               <a:t>74</a:t>
+            </a:fld>
+            <a:endParaRPr lang="fr-FR" dirty="0"/>
+          </a:p>
+        </p:txBody>
+      </p:sp>
+    </p:spTree>
+    <p:extLst>
+      <p:ext uri="{BB962C8B-B14F-4D97-AF65-F5344CB8AC3E}">
+        <p14:creationId xmlns:p14="http://schemas.microsoft.com/office/powerpoint/2010/main" val="471859371"/>
+      </p:ext>
+    </p:extLst>
+  </p:cSld>
+  <p:clrMapOvr>
+    <a:masterClrMapping/>
+  </p:clrMapOvr>
+</p:notes>
+</file>
+
+<file path=ppt/notesSlides/notesSlide74.xml><?xml version="1.0" encoding="utf-8"?>
+<p:notes xmlns:a="http://schemas.openxmlformats.org/drawingml/2006/main" xmlns:r="http://schemas.openxmlformats.org/officeDocument/2006/relationships" xmlns:p="http://schemas.openxmlformats.org/presentationml/2006/main">
+  <p:cSld>
+    <p:spTree>
+      <p:nvGrpSpPr>
+        <p:cNvPr id="1" name=""/>
+        <p:cNvGrpSpPr/>
+        <p:nvPr/>
+      </p:nvGrpSpPr>
+      <p:grpSpPr>
+        <a:xfrm>
+          <a:off x="0" y="0"/>
+          <a:ext cx="0" cy="0"/>
+          <a:chOff x="0" y="0"/>
+          <a:chExt cx="0" cy="0"/>
+        </a:xfrm>
+      </p:grpSpPr>
+      <p:sp>
+        <p:nvSpPr>
+          <p:cNvPr id="2" name="Espace réservé de l'image des diapositives 1"/>
+          <p:cNvSpPr>
+            <a:spLocks noGrp="1" noRot="1" noChangeAspect="1"/>
+          </p:cNvSpPr>
+          <p:nvPr>
+            <p:ph type="sldImg"/>
+          </p:nvPr>
+        </p:nvSpPr>
+        <p:spPr/>
+      </p:sp>
+      <p:sp>
+        <p:nvSpPr>
+          <p:cNvPr id="3" name="Espace réservé des commentaires 2"/>
+          <p:cNvSpPr>
+            <a:spLocks noGrp="1"/>
+          </p:cNvSpPr>
+          <p:nvPr>
+            <p:ph type="body" idx="1"/>
+          </p:nvPr>
+        </p:nvSpPr>
+        <p:spPr/>
+        <p:txBody>
+          <a:bodyPr/>
+          <a:lstStyle/>
+          <a:p>
+            <a:endParaRPr lang="fr-FR" dirty="0"/>
+          </a:p>
+        </p:txBody>
+      </p:sp>
+      <p:sp>
+        <p:nvSpPr>
+          <p:cNvPr id="4" name="Espace réservé du numéro de diapositive 3"/>
+          <p:cNvSpPr>
+            <a:spLocks noGrp="1"/>
+          </p:cNvSpPr>
+          <p:nvPr>
+            <p:ph type="sldNum" sz="quarter" idx="10"/>
+          </p:nvPr>
+        </p:nvSpPr>
+        <p:spPr/>
+        <p:txBody>
+          <a:bodyPr/>
+          <a:lstStyle/>
+          <a:p>
+            <a:fld id="{58BEE673-8D3B-4BBD-97EB-7004EF7CF6EF}" type="slidenum">
+              <a:rPr lang="fr-FR" smtClean="0"/>
+              <a:t>75</a:t>
+            </a:fld>
+            <a:endParaRPr lang="fr-FR" dirty="0"/>
+          </a:p>
+        </p:txBody>
+      </p:sp>
+    </p:spTree>
+    <p:extLst>
+      <p:ext uri="{BB962C8B-B14F-4D97-AF65-F5344CB8AC3E}">
+        <p14:creationId xmlns:p14="http://schemas.microsoft.com/office/powerpoint/2010/main" val="1072387869"/>
+      </p:ext>
+    </p:extLst>
+  </p:cSld>
+  <p:clrMapOvr>
+    <a:masterClrMapping/>
+  </p:clrMapOvr>
+</p:notes>
+</file>
+
+<file path=ppt/notesSlides/notesSlide75.xml><?xml version="1.0" encoding="utf-8"?>
+<p:notes xmlns:a="http://schemas.openxmlformats.org/drawingml/2006/main" xmlns:r="http://schemas.openxmlformats.org/officeDocument/2006/relationships" xmlns:p="http://schemas.openxmlformats.org/presentationml/2006/main">
+  <p:cSld>
+    <p:spTree>
+      <p:nvGrpSpPr>
+        <p:cNvPr id="1" name=""/>
+        <p:cNvGrpSpPr/>
+        <p:nvPr/>
+      </p:nvGrpSpPr>
+      <p:grpSpPr>
+        <a:xfrm>
+          <a:off x="0" y="0"/>
+          <a:ext cx="0" cy="0"/>
+          <a:chOff x="0" y="0"/>
+          <a:chExt cx="0" cy="0"/>
+        </a:xfrm>
+      </p:grpSpPr>
+      <p:sp>
+        <p:nvSpPr>
+          <p:cNvPr id="2" name="Espace réservé de l'image des diapositives 1"/>
+          <p:cNvSpPr>
+            <a:spLocks noGrp="1" noRot="1" noChangeAspect="1"/>
+          </p:cNvSpPr>
+          <p:nvPr>
+            <p:ph type="sldImg"/>
+          </p:nvPr>
+        </p:nvSpPr>
+        <p:spPr/>
+      </p:sp>
+      <p:sp>
+        <p:nvSpPr>
+          <p:cNvPr id="3" name="Espace réservé des commentaires 2"/>
+          <p:cNvSpPr>
+            <a:spLocks noGrp="1"/>
+          </p:cNvSpPr>
+          <p:nvPr>
+            <p:ph type="body" idx="1"/>
+          </p:nvPr>
+        </p:nvSpPr>
+        <p:spPr/>
+        <p:txBody>
+          <a:bodyPr/>
+          <a:lstStyle/>
+          <a:p>
+            <a:endParaRPr lang="fr-FR" dirty="0"/>
+          </a:p>
+        </p:txBody>
+      </p:sp>
+      <p:sp>
+        <p:nvSpPr>
+          <p:cNvPr id="4" name="Espace réservé du numéro de diapositive 3"/>
+          <p:cNvSpPr>
+            <a:spLocks noGrp="1"/>
+          </p:cNvSpPr>
+          <p:nvPr>
+            <p:ph type="sldNum" sz="quarter" idx="10"/>
+          </p:nvPr>
+        </p:nvSpPr>
+        <p:spPr/>
+        <p:txBody>
+          <a:bodyPr/>
+          <a:lstStyle/>
+          <a:p>
+            <a:fld id="{58BEE673-8D3B-4BBD-97EB-7004EF7CF6EF}" type="slidenum">
+              <a:rPr lang="fr-FR" smtClean="0"/>
+              <a:t>76</a:t>
+            </a:fld>
+            <a:endParaRPr lang="fr-FR" dirty="0"/>
+          </a:p>
+        </p:txBody>
+      </p:sp>
+    </p:spTree>
+    <p:extLst>
+      <p:ext uri="{BB962C8B-B14F-4D97-AF65-F5344CB8AC3E}">
+        <p14:creationId xmlns:p14="http://schemas.microsoft.com/office/powerpoint/2010/main" val="831955769"/>
+      </p:ext>
+    </p:extLst>
+  </p:cSld>
+  <p:clrMapOvr>
+    <a:masterClrMapping/>
+  </p:clrMapOvr>
+</p:notes>
+</file>
+
+<file path=ppt/notesSlides/notesSlide76.xml><?xml version="1.0" encoding="utf-8"?>
+<p:notes xmlns:a="http://schemas.openxmlformats.org/drawingml/2006/main" xmlns:r="http://schemas.openxmlformats.org/officeDocument/2006/relationships" xmlns:p="http://schemas.openxmlformats.org/presentationml/2006/main">
+  <p:cSld>
+    <p:spTree>
+      <p:nvGrpSpPr>
+        <p:cNvPr id="1" name=""/>
+        <p:cNvGrpSpPr/>
+        <p:nvPr/>
+      </p:nvGrpSpPr>
+      <p:grpSpPr>
+        <a:xfrm>
+          <a:off x="0" y="0"/>
+          <a:ext cx="0" cy="0"/>
+          <a:chOff x="0" y="0"/>
+          <a:chExt cx="0" cy="0"/>
+        </a:xfrm>
+      </p:grpSpPr>
+      <p:sp>
+        <p:nvSpPr>
+          <p:cNvPr id="2" name="Espace réservé de l'image des diapositives 1"/>
+          <p:cNvSpPr>
+            <a:spLocks noGrp="1" noRot="1" noChangeAspect="1"/>
+          </p:cNvSpPr>
+          <p:nvPr>
+            <p:ph type="sldImg"/>
+          </p:nvPr>
+        </p:nvSpPr>
+        <p:spPr/>
+      </p:sp>
+      <p:sp>
+        <p:nvSpPr>
+          <p:cNvPr id="3" name="Espace réservé des commentaires 2"/>
+          <p:cNvSpPr>
+            <a:spLocks noGrp="1"/>
+          </p:cNvSpPr>
+          <p:nvPr>
+            <p:ph type="body" idx="1"/>
+          </p:nvPr>
+        </p:nvSpPr>
+        <p:spPr/>
+        <p:txBody>
+          <a:bodyPr/>
+          <a:lstStyle/>
+          <a:p>
+            <a:endParaRPr lang="fr-FR" dirty="0"/>
+          </a:p>
+        </p:txBody>
+      </p:sp>
+      <p:sp>
+        <p:nvSpPr>
+          <p:cNvPr id="4" name="Espace réservé du numéro de diapositive 3"/>
+          <p:cNvSpPr>
+            <a:spLocks noGrp="1"/>
+          </p:cNvSpPr>
+          <p:nvPr>
+            <p:ph type="sldNum" sz="quarter" idx="10"/>
+          </p:nvPr>
+        </p:nvSpPr>
+        <p:spPr/>
+        <p:txBody>
+          <a:bodyPr/>
+          <a:lstStyle/>
+          <a:p>
+            <a:fld id="{58BEE673-8D3B-4BBD-97EB-7004EF7CF6EF}" type="slidenum">
+              <a:rPr lang="fr-FR" smtClean="0"/>
+              <a:t>77</a:t>
             </a:fld>
             <a:endParaRPr lang="fr-FR" dirty="0"/>
           </a:p>
@@ -30680,9 +30935,21 @@
           <a:p>
             <a:r>
               <a:rPr lang="fr-FR" dirty="0" smtClean="0"/>
-              <a:t>Chaines de documentation</a:t>
-            </a:r>
-            <a:endParaRPr lang="fr-FR" sz="3200" b="1" i="1" dirty="0">
+              <a:t>Chaines de </a:t>
+            </a:r>
+            <a:r>
+              <a:rPr lang="fr-FR" dirty="0" smtClean="0"/>
+              <a:t>documentation </a:t>
+            </a:r>
+            <a:r>
+              <a:rPr lang="fr-FR" sz="2000" b="1" i="1" dirty="0" smtClean="0">
+                <a:solidFill>
+                  <a:schemeClr val="accent1"/>
+                </a:solidFill>
+              </a:rPr>
+              <a:t>(docstrings)</a:t>
+            </a:r>
+            <a:endParaRPr lang="fr-FR" sz="2000" b="1" i="1" dirty="0">
               <a:solidFill>
                 <a:schemeClr val="accent1"/>
               </a:solidFill>
@@ -30702,24 +30969,143 @@
         </p:nvSpPr>
         <p:spPr>
           <a:xfrm>
-            <a:off x="1327869" y="2250219"/>
-            <a:ext cx="10249230" cy="3331597"/>
+            <a:off x="1327869" y="1640264"/>
+            <a:ext cx="10249230" cy="4619134"/>
           </a:xfrm>
         </p:spPr>
         <p:txBody>
-          <a:bodyPr anchor="t" anchorCtr="0">
+          <a:bodyPr anchor="ctr" anchorCtr="0">
             <a:noAutofit/>
           </a:bodyPr>
           <a:lstStyle/>
           <a:p>
             <a:pPr algn="just"/>
             <a:r>
-              <a:rPr lang="fr-FR" smtClean="0">
-                <a:solidFill>
-                  <a:schemeClr val="tx1"/>
-                </a:solidFill>
-              </a:rPr>
-              <a:t>…</a:t>
+              <a:rPr lang="fr-FR" dirty="0">
+                <a:solidFill>
+                  <a:schemeClr val="tx1"/>
+                </a:solidFill>
+              </a:rPr>
+              <a:t>Voici quelques conventions concernant le contenu et le format des chaînes de </a:t>
+            </a:r>
+            <a:r>
+              <a:rPr lang="fr-FR" dirty="0" smtClean="0">
+                <a:solidFill>
+                  <a:schemeClr val="tx1"/>
+                </a:solidFill>
+              </a:rPr>
+              <a:t>documentation</a:t>
+            </a:r>
+          </a:p>
+          <a:p>
+            <a:pPr algn="just"/>
+            <a:r>
+              <a:rPr lang="fr-FR" dirty="0">
+                <a:solidFill>
+                  <a:schemeClr val="tx1"/>
+                </a:solidFill>
+              </a:rPr>
+              <a:t>La première ligne devrait toujours être courte, un résumé concis de l’utilité de </a:t>
+            </a:r>
+            <a:r>
+              <a:rPr lang="fr-FR" dirty="0" smtClean="0">
+                <a:solidFill>
+                  <a:schemeClr val="tx1"/>
+                </a:solidFill>
+              </a:rPr>
+              <a:t>l’objet</a:t>
+            </a:r>
+          </a:p>
+          <a:p>
+            <a:pPr algn="just"/>
+            <a:r>
+              <a:rPr lang="fr-FR" dirty="0" smtClean="0">
+                <a:solidFill>
+                  <a:schemeClr val="tx1"/>
+                </a:solidFill>
+              </a:rPr>
+              <a:t>Pour </a:t>
+            </a:r>
+            <a:r>
+              <a:rPr lang="fr-FR" dirty="0">
+                <a:solidFill>
+                  <a:schemeClr val="tx1"/>
+                </a:solidFill>
+              </a:rPr>
+              <a:t>être bref, nul besoin de rappeler le nom de l’objet ou son type, qui sont accessibles par d’autres moyens (sauf si le nom est un verbe qui décrit une opération</a:t>
+            </a:r>
+            <a:r>
+              <a:rPr lang="fr-FR" dirty="0" smtClean="0">
+                <a:solidFill>
+                  <a:schemeClr val="tx1"/>
+                </a:solidFill>
+              </a:rPr>
+              <a:t>)</a:t>
+            </a:r>
+          </a:p>
+          <a:p>
+            <a:pPr algn="just"/>
+            <a:r>
+              <a:rPr lang="fr-FR" dirty="0" smtClean="0">
+                <a:solidFill>
+                  <a:schemeClr val="tx1"/>
+                </a:solidFill>
+              </a:rPr>
+              <a:t>Cette </a:t>
+            </a:r>
+            <a:r>
+              <a:rPr lang="fr-FR" dirty="0">
+                <a:solidFill>
+                  <a:schemeClr val="tx1"/>
+                </a:solidFill>
+              </a:rPr>
+              <a:t>ligne devrait commencer avec une majuscule et se terminer par un </a:t>
+            </a:r>
+            <a:r>
+              <a:rPr lang="fr-FR" dirty="0" smtClean="0">
+                <a:solidFill>
+                  <a:schemeClr val="tx1"/>
+                </a:solidFill>
+              </a:rPr>
+              <a:t>point</a:t>
+            </a:r>
+          </a:p>
+          <a:p>
+            <a:pPr algn="just"/>
+            <a:r>
+              <a:rPr lang="fr-FR" dirty="0">
+                <a:solidFill>
+                  <a:schemeClr val="tx1"/>
+                </a:solidFill>
+              </a:rPr>
+              <a:t>Si il a d’autres lignes dans la chaîne de documentation, la seconde ligne devrait être vide, pour la séparer visuellement du reste de la </a:t>
+            </a:r>
+            <a:r>
+              <a:rPr lang="fr-FR" dirty="0" smtClean="0">
+                <a:solidFill>
+                  <a:schemeClr val="tx1"/>
+                </a:solidFill>
+              </a:rPr>
+              <a:t>description</a:t>
+            </a:r>
+          </a:p>
+          <a:p>
+            <a:pPr algn="just"/>
+            <a:r>
+              <a:rPr lang="fr-FR" dirty="0" smtClean="0">
+                <a:solidFill>
+                  <a:schemeClr val="tx1"/>
+                </a:solidFill>
+              </a:rPr>
+              <a:t>Les </a:t>
+            </a:r>
+            <a:r>
+              <a:rPr lang="fr-FR" dirty="0">
+                <a:solidFill>
+                  <a:schemeClr val="tx1"/>
+                </a:solidFill>
+              </a:rPr>
+              <a:t>autres lignes peuvent alors constituer un ou plusieurs paragraphes décrivant le mode d’utilisation de l’objet, ses effets de bord, etc.</a:t>
             </a:r>
             <a:endParaRPr lang="fr-FR" dirty="0">
               <a:solidFill>
@@ -30899,11 +31285,23 @@
           <a:p>
             <a:r>
               <a:rPr lang="fr-FR" dirty="0" smtClean="0"/>
-              <a:t>Style de codage</a:t>
-            </a:r>
-            <a:endParaRPr lang="fr-FR" b="1" i="1" dirty="0">
+              <a:t>Chaines de </a:t>
+            </a:r>
+            <a:r>
+              <a:rPr lang="fr-FR" dirty="0" smtClean="0"/>
+              <a:t>documentation </a:t>
+            </a:r>
+            <a:r>
+              <a:rPr lang="fr-FR" sz="2000" b="1" i="1" dirty="0" smtClean="0">
+                <a:solidFill>
+                  <a:schemeClr val="accent1"/>
+                </a:solidFill>
+              </a:rPr>
+              <a:t>(docstrings)</a:t>
+            </a:r>
+            <a:endParaRPr lang="fr-FR" sz="2000" b="1" i="1" dirty="0">
               <a:solidFill>
-                <a:schemeClr val="accent6"/>
+                <a:schemeClr val="accent1"/>
               </a:solidFill>
             </a:endParaRPr>
           </a:p>
@@ -30921,8 +31319,8 @@
         </p:nvSpPr>
         <p:spPr>
           <a:xfrm>
-            <a:off x="1327869" y="1701579"/>
-            <a:ext cx="10296938" cy="4595853"/>
+            <a:off x="1327869" y="1640264"/>
+            <a:ext cx="10249230" cy="4619134"/>
           </a:xfrm>
         </p:spPr>
         <p:txBody>
@@ -30938,15 +31336,15 @@
                   <a:schemeClr val="tx1"/>
                 </a:solidFill>
               </a:rPr>
-              <a:t>Maintenant que vous êtes prêt à écrire des programmes plus longs et plus complexes, il est temps de parler du style de </a:t>
-            </a:r>
-            <a:r>
-              <a:rPr lang="fr-FR" dirty="0" smtClean="0">
-                <a:solidFill>
-                  <a:schemeClr val="tx1"/>
-                </a:solidFill>
-              </a:rPr>
-              <a:t>codage</a:t>
+              <a:t>L’analyseur de code Python ne supprime pas l’indentation des chaînes de caractères littérales multi-lignes, donc les outils qui utilisent la documentation doivent si besoin faire cette opération </a:t>
+            </a:r>
+            <a:r>
+              <a:rPr lang="fr-FR" dirty="0" smtClean="0">
+                <a:solidFill>
+                  <a:schemeClr val="tx1"/>
+                </a:solidFill>
+              </a:rPr>
+              <a:t>eux-mêmes</a:t>
             </a:r>
           </a:p>
           <a:p>
@@ -30965,15 +31363,15 @@
                   <a:schemeClr val="tx1"/>
                 </a:solidFill>
               </a:rPr>
-              <a:t>plupart des langages peuvent être écrits (ou plutôt formatés) selon différents </a:t>
-            </a:r>
-            <a:r>
-              <a:rPr lang="fr-FR" dirty="0" smtClean="0">
-                <a:solidFill>
-                  <a:schemeClr val="tx1"/>
-                </a:solidFill>
-              </a:rPr>
-              <a:t>styles</a:t>
+              <a:t>convention suivante s’applique : la première ligne non vide après la première détermine la profondeur d’indentation de l’ensemble de la chaîne de documentation (on ne peut pas utiliser la première ligne qui est généralement accolée aux guillemets d’ouverture de la chaîne de caractères et dont l’indentation n’est donc pas visible</a:t>
+            </a:r>
+            <a:r>
+              <a:rPr lang="fr-FR" dirty="0" smtClean="0">
+                <a:solidFill>
+                  <a:schemeClr val="tx1"/>
+                </a:solidFill>
+              </a:rPr>
+              <a:t>)</a:t>
             </a:r>
           </a:p>
           <a:p>
@@ -30984,23 +31382,23 @@
                   <a:schemeClr val="tx1"/>
                 </a:solidFill>
               </a:rPr>
-              <a:t>certains </a:t>
-            </a:r>
-            <a:r>
-              <a:rPr lang="fr-FR" dirty="0">
-                <a:solidFill>
-                  <a:schemeClr val="tx1"/>
-                </a:solidFill>
-              </a:rPr>
-              <a:t>sont plus lisibles que </a:t>
-            </a:r>
-            <a:r>
-              <a:rPr lang="fr-FR" dirty="0" smtClean="0">
-                <a:solidFill>
-                  <a:schemeClr val="tx1"/>
-                </a:solidFill>
-              </a:rPr>
-              <a:t>d’autres</a:t>
+              <a:t>Les </a:t>
+            </a:r>
+            <a:r>
+              <a:rPr lang="fr-FR" dirty="0">
+                <a:solidFill>
+                  <a:schemeClr val="tx1"/>
+                </a:solidFill>
+              </a:rPr>
+              <a:t>espaces « correspondant » à cette profondeur d’indentation sont alors supprimés du début de chacune des lignes de la </a:t>
+            </a:r>
+            <a:r>
+              <a:rPr lang="fr-FR" dirty="0" smtClean="0">
+                <a:solidFill>
+                  <a:schemeClr val="tx1"/>
+                </a:solidFill>
+              </a:rPr>
+              <a:t>chaîne</a:t>
             </a:r>
           </a:p>
           <a:p>
@@ -31011,95 +31409,42 @@
                   <a:schemeClr val="tx1"/>
                 </a:solidFill>
               </a:rPr>
-              <a:t>Rendre </a:t>
-            </a:r>
-            <a:r>
-              <a:rPr lang="fr-FR" dirty="0">
-                <a:solidFill>
-                  <a:schemeClr val="tx1"/>
-                </a:solidFill>
-              </a:rPr>
-              <a:t>la lecture de votre code plus facile aux autres est toujours une bonne idée, et adopter un bon style de codage peut énormément vous y </a:t>
-            </a:r>
-            <a:r>
-              <a:rPr lang="fr-FR" dirty="0" smtClean="0">
-                <a:solidFill>
-                  <a:schemeClr val="tx1"/>
-                </a:solidFill>
-              </a:rPr>
-              <a:t>aider</a:t>
+              <a:t>Aucune </a:t>
+            </a:r>
+            <a:r>
+              <a:rPr lang="fr-FR" dirty="0">
+                <a:solidFill>
+                  <a:schemeClr val="tx1"/>
+                </a:solidFill>
+              </a:rPr>
+              <a:t>ligne ne devrait présenter un niveau d’indentation inférieur mais si cela arrive, tous les espaces situés en début de ligne doivent être </a:t>
+            </a:r>
+            <a:r>
+              <a:rPr lang="fr-FR" dirty="0" smtClean="0">
+                <a:solidFill>
+                  <a:schemeClr val="tx1"/>
+                </a:solidFill>
+              </a:rPr>
+              <a:t>supprimés</a:t>
             </a:r>
           </a:p>
           <a:p>
             <a:pPr algn="just"/>
             <a:r>
-              <a:rPr lang="fr-FR" dirty="0">
-                <a:solidFill>
-                  <a:schemeClr val="tx1"/>
-                </a:solidFill>
-              </a:rPr>
-              <a:t>En Python, la </a:t>
-            </a:r>
-            <a:r>
-              <a:rPr lang="fr-FR" b="1" i="1" dirty="0">
-                <a:solidFill>
-                  <a:schemeClr val="accent1"/>
-                </a:solidFill>
-                <a:hlinkClick r:id="rId3"/>
-              </a:rPr>
-              <a:t>PEP 8</a:t>
-            </a:r>
-            <a:r>
-              <a:rPr lang="fr-FR" dirty="0">
-                <a:solidFill>
-                  <a:schemeClr val="tx1"/>
-                </a:solidFill>
-                <a:hlinkClick r:id="rId3"/>
-              </a:rPr>
-              <a:t> </a:t>
-            </a:r>
-            <a:r>
-              <a:rPr lang="fr-FR" dirty="0">
-                <a:solidFill>
-                  <a:schemeClr val="tx1"/>
-                </a:solidFill>
-              </a:rPr>
-              <a:t>a émergé comme étant un guide auquel la plupart des projets adhèrent ; elle met en avant un style de codage très lisible et agréable à </a:t>
-            </a:r>
-            <a:r>
-              <a:rPr lang="fr-FR" dirty="0" smtClean="0">
-                <a:solidFill>
-                  <a:schemeClr val="tx1"/>
-                </a:solidFill>
-              </a:rPr>
-              <a:t>l’œil</a:t>
-            </a:r>
-          </a:p>
-          <a:p>
-            <a:pPr algn="just"/>
-            <a:r>
-              <a:rPr lang="fr-FR" dirty="0" smtClean="0">
-                <a:solidFill>
-                  <a:schemeClr val="tx1"/>
-                </a:solidFill>
-              </a:rPr>
-              <a:t>Chaque </a:t>
-            </a:r>
-            <a:r>
-              <a:rPr lang="fr-FR" dirty="0">
-                <a:solidFill>
-                  <a:schemeClr val="tx1"/>
-                </a:solidFill>
-              </a:rPr>
-              <a:t>développeur Python devrait donc la lire et s’en inspirer autant que </a:t>
-            </a:r>
-            <a:r>
-              <a:rPr lang="fr-FR" dirty="0" smtClean="0">
-                <a:solidFill>
-                  <a:schemeClr val="tx1"/>
-                </a:solidFill>
-              </a:rPr>
-              <a:t>possible</a:t>
+              <a:rPr lang="fr-FR" dirty="0" smtClean="0">
+                <a:solidFill>
+                  <a:schemeClr val="tx1"/>
+                </a:solidFill>
+              </a:rPr>
+              <a:t>L’équivalent </a:t>
+            </a:r>
+            <a:r>
+              <a:rPr lang="fr-FR" dirty="0">
+                <a:solidFill>
+                  <a:schemeClr val="tx1"/>
+                </a:solidFill>
+              </a:rPr>
+              <a:t>des espaces doit être testé après expansion des tabulations (normalement remplacés par 4 espaces)</a:t>
             </a:r>
             <a:endParaRPr lang="fr-FR" dirty="0">
               <a:solidFill>
@@ -31112,7 +31457,7 @@
     </p:spTree>
     <p:extLst>
       <p:ext uri="{BB962C8B-B14F-4D97-AF65-F5344CB8AC3E}">
-        <p14:creationId xmlns:p14="http://schemas.microsoft.com/office/powerpoint/2010/main" val="983697788"/>
+        <p14:creationId xmlns:p14="http://schemas.microsoft.com/office/powerpoint/2010/main" val="3773333372"/>
       </p:ext>
     </p:extLst>
   </p:cSld>
@@ -31168,11 +31513,23 @@
           <a:p>
             <a:r>
               <a:rPr lang="fr-FR" dirty="0" smtClean="0"/>
-              <a:t>Style de codage</a:t>
-            </a:r>
-            <a:endParaRPr lang="fr-FR" b="1" i="1" dirty="0">
+              <a:t>Chaines de </a:t>
+            </a:r>
+            <a:r>
+              <a:rPr lang="fr-FR" dirty="0" smtClean="0"/>
+              <a:t>documentation </a:t>
+            </a:r>
+            <a:r>
+              <a:rPr lang="fr-FR" sz="2000" b="1" i="1" dirty="0" smtClean="0">
+                <a:solidFill>
+                  <a:schemeClr val="accent1"/>
+                </a:solidFill>
+              </a:rPr>
+              <a:t>(docstrings)</a:t>
+            </a:r>
+            <a:endParaRPr lang="fr-FR" sz="2000" b="1" i="1" dirty="0">
               <a:solidFill>
-                <a:schemeClr val="accent6"/>
+                <a:schemeClr val="accent1"/>
               </a:solidFill>
             </a:endParaRPr>
           </a:p>
@@ -31190,146 +31547,32 @@
         </p:nvSpPr>
         <p:spPr>
           <a:xfrm>
-            <a:off x="1327869" y="1701579"/>
-            <a:ext cx="10296938" cy="4595853"/>
+            <a:off x="1327869" y="1640264"/>
+            <a:ext cx="10249230" cy="4619134"/>
           </a:xfrm>
         </p:spPr>
         <p:txBody>
-          <a:bodyPr anchor="ctr" anchorCtr="0">
+          <a:bodyPr anchor="t" anchorCtr="0">
             <a:noAutofit/>
           </a:bodyPr>
           <a:lstStyle/>
           <a:p>
             <a:pPr algn="just"/>
             <a:r>
-              <a:rPr lang="fr-FR" dirty="0">
-                <a:solidFill>
-                  <a:schemeClr val="tx1"/>
-                </a:solidFill>
-              </a:rPr>
-              <a:t>Utilisez des indentations de 4 espaces, et pas de tabulation.</a:t>
-            </a:r>
-          </a:p>
-          <a:p>
-            <a:pPr algn="just"/>
-            <a:r>
-              <a:rPr lang="fr-FR" dirty="0" smtClean="0">
-                <a:solidFill>
-                  <a:schemeClr val="tx1"/>
-                </a:solidFill>
-              </a:rPr>
-              <a:t>4 </a:t>
-            </a:r>
-            <a:r>
-              <a:rPr lang="fr-FR" dirty="0">
-                <a:solidFill>
-                  <a:schemeClr val="tx1"/>
-                </a:solidFill>
-              </a:rPr>
-              <a:t>espaces constituent un bon compromis entre une indentation courte (qui permet une profondeur d’imbrication plus importante) et une longue (qui rend le code plus facile à lire). Les tabulations introduisent de la confusion, et doivent être proscrites autant que possible.</a:t>
-            </a:r>
-          </a:p>
-          <a:p>
-            <a:pPr algn="just"/>
-            <a:r>
-              <a:rPr lang="fr-FR" dirty="0" smtClean="0">
-                <a:solidFill>
-                  <a:schemeClr val="tx1"/>
-                </a:solidFill>
-              </a:rPr>
-              <a:t>Faites </a:t>
-            </a:r>
-            <a:r>
-              <a:rPr lang="fr-FR" dirty="0">
-                <a:solidFill>
-                  <a:schemeClr val="tx1"/>
-                </a:solidFill>
-              </a:rPr>
-              <a:t>des retours à la ligne, de telle sorte qu’elles n’excèdent pas 79 caractères.</a:t>
-            </a:r>
-          </a:p>
-          <a:p>
-            <a:pPr algn="just"/>
-            <a:r>
-              <a:rPr lang="fr-FR" dirty="0" smtClean="0">
-                <a:solidFill>
-                  <a:schemeClr val="tx1"/>
-                </a:solidFill>
-              </a:rPr>
-              <a:t>Ceci </a:t>
-            </a:r>
-            <a:r>
-              <a:rPr lang="fr-FR" dirty="0">
-                <a:solidFill>
-                  <a:schemeClr val="tx1"/>
-                </a:solidFill>
-              </a:rPr>
-              <a:t>aide les utilisateurs ne disposant que de petits écrans, et permet sur de plus grands de disposer plusieurs fichiers côte à côte sans difficulté.</a:t>
-            </a:r>
-          </a:p>
-          <a:p>
-            <a:pPr algn="just"/>
-            <a:r>
-              <a:rPr lang="fr-FR" dirty="0" smtClean="0">
-                <a:solidFill>
-                  <a:schemeClr val="tx1"/>
-                </a:solidFill>
-              </a:rPr>
-              <a:t>Utilisez </a:t>
-            </a:r>
-            <a:r>
-              <a:rPr lang="fr-FR" dirty="0">
-                <a:solidFill>
-                  <a:schemeClr val="tx1"/>
-                </a:solidFill>
-              </a:rPr>
-              <a:t>des lignes vides pour séparer les fonctions et les classes, ou pour scinder de gros blocs de code à l’intérieur de fonctions.</a:t>
-            </a:r>
-          </a:p>
-          <a:p>
-            <a:pPr algn="just"/>
-            <a:r>
-              <a:rPr lang="fr-FR" dirty="0" smtClean="0">
-                <a:solidFill>
-                  <a:schemeClr val="tx1"/>
-                </a:solidFill>
-              </a:rPr>
-              <a:t>Lorsque </a:t>
-            </a:r>
-            <a:r>
-              <a:rPr lang="fr-FR" dirty="0">
-                <a:solidFill>
-                  <a:schemeClr val="tx1"/>
-                </a:solidFill>
-              </a:rPr>
-              <a:t>c’est possible, placez les commentaires sur leur propres lignes.</a:t>
-            </a:r>
-          </a:p>
-          <a:p>
-            <a:pPr algn="just"/>
-            <a:r>
-              <a:rPr lang="fr-FR" dirty="0" smtClean="0">
-                <a:solidFill>
-                  <a:schemeClr val="tx1"/>
-                </a:solidFill>
-              </a:rPr>
-              <a:t>Utilisez </a:t>
-            </a:r>
-            <a:r>
-              <a:rPr lang="fr-FR" dirty="0">
-                <a:solidFill>
-                  <a:schemeClr val="tx1"/>
-                </a:solidFill>
-              </a:rPr>
-              <a:t>les chaînes de </a:t>
-            </a:r>
-            <a:r>
-              <a:rPr lang="fr-FR" dirty="0" smtClean="0">
-                <a:solidFill>
-                  <a:schemeClr val="tx1"/>
-                </a:solidFill>
-              </a:rPr>
-              <a:t>documentation</a:t>
+              <a:rPr lang="fr-FR" dirty="0" smtClean="0">
+                <a:solidFill>
+                  <a:schemeClr val="tx1"/>
+                </a:solidFill>
+              </a:rPr>
+              <a:t>Voici </a:t>
+            </a:r>
+            <a:r>
+              <a:rPr lang="fr-FR" dirty="0">
+                <a:solidFill>
+                  <a:schemeClr val="tx1"/>
+                </a:solidFill>
+              </a:rPr>
+              <a:t>un exemple de chaîne de documentation multi-lignes</a:t>
             </a:r>
             <a:endParaRPr lang="fr-FR" dirty="0">
               <a:solidFill>
@@ -31339,10 +31582,44 @@
           </a:p>
         </p:txBody>
       </p:sp>
+      <p:pic>
+        <p:nvPicPr>
+          <p:cNvPr id="4" name="Image 3"/>
+          <p:cNvPicPr>
+            <a:picLocks noChangeAspect="1"/>
+          </p:cNvPicPr>
+          <p:nvPr/>
+        </p:nvPicPr>
+        <p:blipFill>
+          <a:blip r:embed="rId3"/>
+          <a:stretch>
+            <a:fillRect/>
+          </a:stretch>
+        </p:blipFill>
+        <p:spPr>
+          <a:xfrm>
+            <a:off x="3528423" y="2496286"/>
+            <a:ext cx="5248275" cy="3171825"/>
+          </a:xfrm>
+          <a:prstGeom prst="rect">
+            <a:avLst/>
+          </a:prstGeom>
+          <a:ln>
+            <a:noFill/>
+          </a:ln>
+          <a:effectLst>
+            <a:outerShdw blurRad="292100" dist="139700" dir="2700000" algn="tl" rotWithShape="0">
+              <a:srgbClr val="333333">
+                <a:alpha val="65000"/>
+              </a:srgbClr>
+            </a:outerShdw>
+          </a:effectLst>
+        </p:spPr>
+      </p:pic>
     </p:spTree>
     <p:extLst>
       <p:ext uri="{BB962C8B-B14F-4D97-AF65-F5344CB8AC3E}">
-        <p14:creationId xmlns:p14="http://schemas.microsoft.com/office/powerpoint/2010/main" val="1701520310"/>
+        <p14:creationId xmlns:p14="http://schemas.microsoft.com/office/powerpoint/2010/main" val="1363642811"/>
       </p:ext>
     </p:extLst>
   </p:cSld>
@@ -31432,20 +31709,20 @@
           <a:p>
             <a:pPr algn="just"/>
             <a:r>
-              <a:rPr lang="fr-FR" dirty="0" smtClean="0">
-                <a:solidFill>
-                  <a:schemeClr val="tx1"/>
-                </a:solidFill>
-              </a:rPr>
-              <a:t>Utilisez </a:t>
-            </a:r>
-            <a:r>
-              <a:rPr lang="fr-FR" dirty="0">
-                <a:solidFill>
-                  <a:schemeClr val="tx1"/>
-                </a:solidFill>
-              </a:rPr>
-              <a:t>des espaces autour des opérateurs et après les virgules, mais pas directement à l’intérieur des parenthèses : a = f(1, 2) + g(3, 4).</a:t>
+              <a:rPr lang="fr-FR" dirty="0">
+                <a:solidFill>
+                  <a:schemeClr val="tx1"/>
+                </a:solidFill>
+              </a:rPr>
+              <a:t>Maintenant que vous êtes prêt à écrire des programmes plus longs et plus complexes, il est temps de parler du style de </a:t>
+            </a:r>
+            <a:r>
+              <a:rPr lang="fr-FR" dirty="0" smtClean="0">
+                <a:solidFill>
+                  <a:schemeClr val="tx1"/>
+                </a:solidFill>
+              </a:rPr>
+              <a:t>codage</a:t>
             </a:r>
           </a:p>
           <a:p>
@@ -31456,95 +31733,122 @@
                   <a:schemeClr val="tx1"/>
                 </a:solidFill>
               </a:rPr>
-              <a:t>Nommez </a:t>
-            </a:r>
-            <a:r>
-              <a:rPr lang="fr-FR" dirty="0">
-                <a:solidFill>
-                  <a:schemeClr val="tx1"/>
-                </a:solidFill>
-              </a:rPr>
-              <a:t>toujours vos classes et fonctions de la même manière ; la convention est d’utiliser une notation </a:t>
+              <a:t>La </a:t>
+            </a:r>
+            <a:r>
+              <a:rPr lang="fr-FR" dirty="0">
+                <a:solidFill>
+                  <a:schemeClr val="tx1"/>
+                </a:solidFill>
+              </a:rPr>
+              <a:t>plupart des langages peuvent être écrits (ou plutôt formatés) selon différents </a:t>
+            </a:r>
+            <a:r>
+              <a:rPr lang="fr-FR" dirty="0" smtClean="0">
+                <a:solidFill>
+                  <a:schemeClr val="tx1"/>
+                </a:solidFill>
+              </a:rPr>
+              <a:t>styles</a:t>
+            </a:r>
+          </a:p>
+          <a:p>
+            <a:pPr algn="just"/>
+            <a:r>
+              <a:rPr lang="fr-FR" dirty="0" smtClean="0">
+                <a:solidFill>
+                  <a:schemeClr val="tx1"/>
+                </a:solidFill>
+              </a:rPr>
+              <a:t>certains </a:t>
+            </a:r>
+            <a:r>
+              <a:rPr lang="fr-FR" dirty="0">
+                <a:solidFill>
+                  <a:schemeClr val="tx1"/>
+                </a:solidFill>
+              </a:rPr>
+              <a:t>sont plus lisibles que </a:t>
+            </a:r>
+            <a:r>
+              <a:rPr lang="fr-FR" dirty="0" smtClean="0">
+                <a:solidFill>
+                  <a:schemeClr val="tx1"/>
+                </a:solidFill>
+              </a:rPr>
+              <a:t>d’autres</a:t>
+            </a:r>
+          </a:p>
+          <a:p>
+            <a:pPr algn="just"/>
+            <a:r>
+              <a:rPr lang="fr-FR" dirty="0" smtClean="0">
+                <a:solidFill>
+                  <a:schemeClr val="tx1"/>
+                </a:solidFill>
+              </a:rPr>
+              <a:t>Rendre </a:t>
+            </a:r>
+            <a:r>
+              <a:rPr lang="fr-FR" dirty="0">
+                <a:solidFill>
+                  <a:schemeClr val="tx1"/>
+                </a:solidFill>
+              </a:rPr>
+              <a:t>la lecture de votre code plus facile aux autres est toujours une bonne idée, et adopter un bon style de codage peut énormément vous y </a:t>
+            </a:r>
+            <a:r>
+              <a:rPr lang="fr-FR" dirty="0" smtClean="0">
+                <a:solidFill>
+                  <a:schemeClr val="tx1"/>
+                </a:solidFill>
+              </a:rPr>
+              <a:t>aider</a:t>
+            </a:r>
+          </a:p>
+          <a:p>
+            <a:pPr algn="just"/>
+            <a:r>
+              <a:rPr lang="fr-FR" dirty="0">
+                <a:solidFill>
+                  <a:schemeClr val="tx1"/>
+                </a:solidFill>
+              </a:rPr>
+              <a:t>En Python, la </a:t>
             </a:r>
             <a:r>
               <a:rPr lang="fr-FR" b="1" i="1" dirty="0">
                 <a:solidFill>
                   <a:schemeClr val="accent1"/>
                 </a:solidFill>
-              </a:rPr>
-              <a:t>CamelCase</a:t>
-            </a:r>
-            <a:r>
-              <a:rPr lang="fr-FR" dirty="0">
-                <a:solidFill>
-                  <a:schemeClr val="tx1"/>
-                </a:solidFill>
-              </a:rPr>
-              <a:t> pour les classes, et </a:t>
-            </a:r>
-            <a:r>
-              <a:rPr lang="fr-FR" b="1" i="1" dirty="0">
-                <a:solidFill>
-                  <a:schemeClr val="accent1"/>
-                </a:solidFill>
-              </a:rPr>
-              <a:t>minuscules_avec_trait_bas</a:t>
-            </a:r>
-            <a:r>
-              <a:rPr lang="fr-FR" dirty="0">
-                <a:solidFill>
-                  <a:schemeClr val="tx1"/>
-                </a:solidFill>
-              </a:rPr>
-              <a:t> pour les </a:t>
-            </a:r>
-            <a:r>
-              <a:rPr lang="fr-FR" dirty="0" smtClean="0">
-                <a:solidFill>
-                  <a:schemeClr val="tx1"/>
-                </a:solidFill>
-              </a:rPr>
-              <a:t>fonctions, méthodes et variables. </a:t>
-            </a:r>
-            <a:r>
-              <a:rPr lang="fr-FR" dirty="0">
-                <a:solidFill>
-                  <a:schemeClr val="tx1"/>
-                </a:solidFill>
-              </a:rPr>
-              <a:t>Utilisez toujours </a:t>
-            </a:r>
-            <a:r>
-              <a:rPr lang="fr-FR" b="1" i="1" dirty="0">
-                <a:solidFill>
-                  <a:schemeClr val="accent1"/>
-                </a:solidFill>
-              </a:rPr>
-              <a:t>self</a:t>
-            </a:r>
-            <a:r>
-              <a:rPr lang="fr-FR" dirty="0">
-                <a:solidFill>
-                  <a:schemeClr val="tx1"/>
-                </a:solidFill>
-              </a:rPr>
-              <a:t> comme nom du premier argument des méthodes (voyez </a:t>
-            </a:r>
-            <a:r>
-              <a:rPr lang="fr-FR" dirty="0" smtClean="0">
-                <a:solidFill>
-                  <a:schemeClr val="tx1"/>
-                </a:solidFill>
-              </a:rPr>
-              <a:t>une </a:t>
-            </a:r>
-            <a:r>
-              <a:rPr lang="fr-FR" dirty="0">
-                <a:solidFill>
-                  <a:schemeClr val="tx1"/>
-                </a:solidFill>
-              </a:rPr>
-              <a:t>première approche des classes pour en savoir plus sur les classes et les méthodes).</a:t>
+                <a:hlinkClick r:id="rId3"/>
+              </a:rPr>
+              <a:t>PEP 8</a:t>
+            </a:r>
+            <a:r>
+              <a:rPr lang="fr-FR" dirty="0">
+                <a:solidFill>
+                  <a:schemeClr val="tx1"/>
+                </a:solidFill>
+                <a:hlinkClick r:id="rId3"/>
+              </a:rPr>
+              <a:t> </a:t>
+            </a:r>
+            <a:r>
+              <a:rPr lang="fr-FR" dirty="0">
+                <a:solidFill>
+                  <a:schemeClr val="tx1"/>
+                </a:solidFill>
+              </a:rPr>
+              <a:t>a émergé comme étant un guide auquel la plupart des projets adhèrent ; elle met en avant un style de codage très lisible et agréable à </a:t>
+            </a:r>
+            <a:r>
+              <a:rPr lang="fr-FR" dirty="0" smtClean="0">
+                <a:solidFill>
+                  <a:schemeClr val="tx1"/>
+                </a:solidFill>
+              </a:rPr>
+              <a:t>l’œil</a:t>
             </a:r>
           </a:p>
           <a:p>
@@ -31555,42 +31859,36 @@
                   <a:schemeClr val="tx1"/>
                 </a:solidFill>
               </a:rPr>
-              <a:t>N’utilisez </a:t>
-            </a:r>
-            <a:r>
-              <a:rPr lang="fr-FR" dirty="0">
-                <a:solidFill>
-                  <a:schemeClr val="tx1"/>
-                </a:solidFill>
-              </a:rPr>
-              <a:t>pas d’encodages exotiques dès lors que votre code est sensé être utilisé dans des environnements internationaux. Par défaut, Python travaille en UTF-8, ou sinon du simple ASCII fonctionne dans la plupart des cas.</a:t>
-            </a:r>
-          </a:p>
-          <a:p>
-            <a:pPr algn="just"/>
-            <a:r>
-              <a:rPr lang="fr-FR" dirty="0" smtClean="0">
-                <a:solidFill>
-                  <a:schemeClr val="tx1"/>
-                </a:solidFill>
-              </a:rPr>
-              <a:t>De </a:t>
-            </a:r>
-            <a:r>
-              <a:rPr lang="fr-FR" dirty="0">
-                <a:solidFill>
-                  <a:schemeClr val="tx1"/>
-                </a:solidFill>
-              </a:rPr>
-              <a:t>la même manière, n’utilisez que des caractères ASCII pour vos noms de variables si vous soupçonnez qu’un personne parlant une autre langue lira ou devra modifier votre code.</a:t>
-            </a:r>
+              <a:t>Chaque </a:t>
+            </a:r>
+            <a:r>
+              <a:rPr lang="fr-FR" dirty="0">
+                <a:solidFill>
+                  <a:schemeClr val="tx1"/>
+                </a:solidFill>
+              </a:rPr>
+              <a:t>développeur Python devrait donc la lire et s’en inspirer autant que </a:t>
+            </a:r>
+            <a:r>
+              <a:rPr lang="fr-FR" dirty="0" smtClean="0">
+                <a:solidFill>
+                  <a:schemeClr val="tx1"/>
+                </a:solidFill>
+              </a:rPr>
+              <a:t>possible</a:t>
+            </a:r>
+            <a:endParaRPr lang="fr-FR" dirty="0">
+              <a:solidFill>
+                <a:schemeClr val="tx1"/>
+              </a:solidFill>
+            </a:endParaRPr>
           </a:p>
         </p:txBody>
       </p:sp>
     </p:spTree>
     <p:extLst>
       <p:ext uri="{BB962C8B-B14F-4D97-AF65-F5344CB8AC3E}">
-        <p14:creationId xmlns:p14="http://schemas.microsoft.com/office/powerpoint/2010/main" val="4243432789"/>
+        <p14:creationId xmlns:p14="http://schemas.microsoft.com/office/powerpoint/2010/main" val="983697788"/>
       </p:ext>
     </p:extLst>
   </p:cSld>
@@ -31646,6 +31944,618 @@
           <a:p>
             <a:r>
               <a:rPr lang="fr-FR" dirty="0" smtClean="0"/>
+              <a:t>Style de codage</a:t>
+            </a:r>
+            <a:endParaRPr lang="fr-FR" b="1" i="1" dirty="0">
+              <a:solidFill>
+                <a:schemeClr val="accent6"/>
+              </a:solidFill>
+            </a:endParaRPr>
+          </a:p>
+        </p:txBody>
+      </p:sp>
+      <p:sp>
+        <p:nvSpPr>
+          <p:cNvPr id="3" name="Espace réservé du contenu 2"/>
+          <p:cNvSpPr>
+            <a:spLocks noGrp="1"/>
+          </p:cNvSpPr>
+          <p:nvPr>
+            <p:ph idx="1"/>
+          </p:nvPr>
+        </p:nvSpPr>
+        <p:spPr>
+          <a:xfrm>
+            <a:off x="1327869" y="1701579"/>
+            <a:ext cx="10296938" cy="4595853"/>
+          </a:xfrm>
+        </p:spPr>
+        <p:txBody>
+          <a:bodyPr anchor="ctr" anchorCtr="0">
+            <a:noAutofit/>
+          </a:bodyPr>
+          <a:lstStyle/>
+          <a:p>
+            <a:pPr algn="just"/>
+            <a:r>
+              <a:rPr lang="fr-FR" dirty="0">
+                <a:solidFill>
+                  <a:schemeClr val="tx1"/>
+                </a:solidFill>
+              </a:rPr>
+              <a:t>Utilisez des indentations de 4 espaces, et pas de tabulation.</a:t>
+            </a:r>
+          </a:p>
+          <a:p>
+            <a:pPr algn="just"/>
+            <a:r>
+              <a:rPr lang="fr-FR" dirty="0" smtClean="0">
+                <a:solidFill>
+                  <a:schemeClr val="tx1"/>
+                </a:solidFill>
+              </a:rPr>
+              <a:t>4 </a:t>
+            </a:r>
+            <a:r>
+              <a:rPr lang="fr-FR" dirty="0">
+                <a:solidFill>
+                  <a:schemeClr val="tx1"/>
+                </a:solidFill>
+              </a:rPr>
+              <a:t>espaces constituent un bon compromis entre une indentation courte (qui permet une profondeur d’imbrication plus importante) et une longue (qui rend le code plus facile à lire). Les tabulations introduisent de la confusion, et doivent être proscrites autant que possible.</a:t>
+            </a:r>
+          </a:p>
+          <a:p>
+            <a:pPr algn="just"/>
+            <a:r>
+              <a:rPr lang="fr-FR" dirty="0" smtClean="0">
+                <a:solidFill>
+                  <a:schemeClr val="tx1"/>
+                </a:solidFill>
+              </a:rPr>
+              <a:t>Faites </a:t>
+            </a:r>
+            <a:r>
+              <a:rPr lang="fr-FR" dirty="0">
+                <a:solidFill>
+                  <a:schemeClr val="tx1"/>
+                </a:solidFill>
+              </a:rPr>
+              <a:t>des retours à la ligne, de telle sorte qu’elles n’excèdent pas 79 caractères.</a:t>
+            </a:r>
+          </a:p>
+          <a:p>
+            <a:pPr algn="just"/>
+            <a:r>
+              <a:rPr lang="fr-FR" dirty="0" smtClean="0">
+                <a:solidFill>
+                  <a:schemeClr val="tx1"/>
+                </a:solidFill>
+              </a:rPr>
+              <a:t>Ceci </a:t>
+            </a:r>
+            <a:r>
+              <a:rPr lang="fr-FR" dirty="0">
+                <a:solidFill>
+                  <a:schemeClr val="tx1"/>
+                </a:solidFill>
+              </a:rPr>
+              <a:t>aide les utilisateurs ne disposant que de petits écrans, et permet sur de plus grands de disposer plusieurs fichiers côte à côte sans difficulté.</a:t>
+            </a:r>
+          </a:p>
+          <a:p>
+            <a:pPr algn="just"/>
+            <a:r>
+              <a:rPr lang="fr-FR" dirty="0" smtClean="0">
+                <a:solidFill>
+                  <a:schemeClr val="tx1"/>
+                </a:solidFill>
+              </a:rPr>
+              <a:t>Utilisez </a:t>
+            </a:r>
+            <a:r>
+              <a:rPr lang="fr-FR" dirty="0">
+                <a:solidFill>
+                  <a:schemeClr val="tx1"/>
+                </a:solidFill>
+              </a:rPr>
+              <a:t>des lignes vides pour séparer les fonctions et les classes, ou pour scinder de gros blocs de code à l’intérieur de fonctions.</a:t>
+            </a:r>
+          </a:p>
+          <a:p>
+            <a:pPr algn="just"/>
+            <a:r>
+              <a:rPr lang="fr-FR" dirty="0" smtClean="0">
+                <a:solidFill>
+                  <a:schemeClr val="tx1"/>
+                </a:solidFill>
+              </a:rPr>
+              <a:t>Lorsque </a:t>
+            </a:r>
+            <a:r>
+              <a:rPr lang="fr-FR" dirty="0">
+                <a:solidFill>
+                  <a:schemeClr val="tx1"/>
+                </a:solidFill>
+              </a:rPr>
+              <a:t>c’est possible, placez les commentaires sur leur propres lignes.</a:t>
+            </a:r>
+          </a:p>
+          <a:p>
+            <a:pPr algn="just"/>
+            <a:r>
+              <a:rPr lang="fr-FR" dirty="0" smtClean="0">
+                <a:solidFill>
+                  <a:schemeClr val="tx1"/>
+                </a:solidFill>
+              </a:rPr>
+              <a:t>Utilisez </a:t>
+            </a:r>
+            <a:r>
+              <a:rPr lang="fr-FR" dirty="0">
+                <a:solidFill>
+                  <a:schemeClr val="tx1"/>
+                </a:solidFill>
+              </a:rPr>
+              <a:t>les chaînes de </a:t>
+            </a:r>
+            <a:r>
+              <a:rPr lang="fr-FR" dirty="0" smtClean="0">
+                <a:solidFill>
+                  <a:schemeClr val="tx1"/>
+                </a:solidFill>
+              </a:rPr>
+              <a:t>documentation</a:t>
+            </a:r>
+            <a:endParaRPr lang="fr-FR" dirty="0">
+              <a:solidFill>
+                <a:schemeClr val="tx1"/>
+              </a:solidFill>
+            </a:endParaRPr>
+          </a:p>
+        </p:txBody>
+      </p:sp>
+    </p:spTree>
+    <p:extLst>
+      <p:ext uri="{BB962C8B-B14F-4D97-AF65-F5344CB8AC3E}">
+        <p14:creationId xmlns:p14="http://schemas.microsoft.com/office/powerpoint/2010/main" val="1701520310"/>
+      </p:ext>
+    </p:extLst>
+  </p:cSld>
+  <p:clrMapOvr>
+    <a:masterClrMapping/>
+  </p:clrMapOvr>
+  <p:timing>
+    <p:tnLst>
+      <p:par>
+        <p:cTn id="1" dur="indefinite" restart="never" nodeType="tmRoot"/>
+      </p:par>
+    </p:tnLst>
+  </p:timing>
+</p:sld>
+</file>
+
+<file path=ppt/slides/slide74.xml><?xml version="1.0" encoding="utf-8"?>
+<p:sld xmlns:a="http://schemas.openxmlformats.org/drawingml/2006/main" xmlns:r="http://schemas.openxmlformats.org/officeDocument/2006/relationships" xmlns:p="http://schemas.openxmlformats.org/presentationml/2006/main">
+  <p:cSld>
+    <p:spTree>
+      <p:nvGrpSpPr>
+        <p:cNvPr id="1" name=""/>
+        <p:cNvGrpSpPr/>
+        <p:nvPr/>
+      </p:nvGrpSpPr>
+      <p:grpSpPr>
+        <a:xfrm>
+          <a:off x="0" y="0"/>
+          <a:ext cx="0" cy="0"/>
+          <a:chOff x="0" y="0"/>
+          <a:chExt cx="0" cy="0"/>
+        </a:xfrm>
+      </p:grpSpPr>
+      <p:sp>
+        <p:nvSpPr>
+          <p:cNvPr id="2" name="Titre 1"/>
+          <p:cNvSpPr>
+            <a:spLocks noGrp="1"/>
+          </p:cNvSpPr>
+          <p:nvPr>
+            <p:ph type="title"/>
+          </p:nvPr>
+        </p:nvSpPr>
+        <p:spPr>
+          <a:xfrm>
+            <a:off x="2592925" y="624110"/>
+            <a:ext cx="8911687" cy="1280890"/>
+          </a:xfrm>
+        </p:spPr>
+        <p:txBody>
+          <a:bodyPr/>
+          <a:lstStyle/>
+          <a:p>
+            <a:r>
+              <a:rPr lang="fr-FR" dirty="0" smtClean="0"/>
+              <a:t>Style de codage</a:t>
+            </a:r>
+            <a:endParaRPr lang="fr-FR" b="1" i="1" dirty="0">
+              <a:solidFill>
+                <a:schemeClr val="accent6"/>
+              </a:solidFill>
+            </a:endParaRPr>
+          </a:p>
+        </p:txBody>
+      </p:sp>
+      <p:sp>
+        <p:nvSpPr>
+          <p:cNvPr id="3" name="Espace réservé du contenu 2"/>
+          <p:cNvSpPr>
+            <a:spLocks noGrp="1"/>
+          </p:cNvSpPr>
+          <p:nvPr>
+            <p:ph idx="1"/>
+          </p:nvPr>
+        </p:nvSpPr>
+        <p:spPr>
+          <a:xfrm>
+            <a:off x="1327869" y="1701579"/>
+            <a:ext cx="10296938" cy="4595853"/>
+          </a:xfrm>
+        </p:spPr>
+        <p:txBody>
+          <a:bodyPr anchor="ctr" anchorCtr="0">
+            <a:noAutofit/>
+          </a:bodyPr>
+          <a:lstStyle/>
+          <a:p>
+            <a:pPr algn="just"/>
+            <a:r>
+              <a:rPr lang="fr-FR" dirty="0" smtClean="0">
+                <a:solidFill>
+                  <a:schemeClr val="tx1"/>
+                </a:solidFill>
+              </a:rPr>
+              <a:t>Utilisez </a:t>
+            </a:r>
+            <a:r>
+              <a:rPr lang="fr-FR" dirty="0">
+                <a:solidFill>
+                  <a:schemeClr val="tx1"/>
+                </a:solidFill>
+              </a:rPr>
+              <a:t>des espaces autour des opérateurs et après les virgules, mais pas directement à l’intérieur des parenthèses : a = f(1, 2) + g(3, 4).</a:t>
+            </a:r>
+          </a:p>
+          <a:p>
+            <a:pPr algn="just"/>
+            <a:r>
+              <a:rPr lang="fr-FR" dirty="0" smtClean="0">
+                <a:solidFill>
+                  <a:schemeClr val="tx1"/>
+                </a:solidFill>
+              </a:rPr>
+              <a:t>Nommez </a:t>
+            </a:r>
+            <a:r>
+              <a:rPr lang="fr-FR" dirty="0">
+                <a:solidFill>
+                  <a:schemeClr val="tx1"/>
+                </a:solidFill>
+              </a:rPr>
+              <a:t>toujours vos classes et fonctions de la même manière ; la convention est d’utiliser une notation </a:t>
+            </a:r>
+            <a:r>
+              <a:rPr lang="fr-FR" b="1" i="1" dirty="0">
+                <a:solidFill>
+                  <a:schemeClr val="accent1"/>
+                </a:solidFill>
+              </a:rPr>
+              <a:t>CamelCase</a:t>
+            </a:r>
+            <a:r>
+              <a:rPr lang="fr-FR" dirty="0">
+                <a:solidFill>
+                  <a:schemeClr val="tx1"/>
+                </a:solidFill>
+              </a:rPr>
+              <a:t> pour les classes, et </a:t>
+            </a:r>
+            <a:r>
+              <a:rPr lang="fr-FR" b="1" i="1" dirty="0">
+                <a:solidFill>
+                  <a:schemeClr val="accent1"/>
+                </a:solidFill>
+              </a:rPr>
+              <a:t>minuscules_avec_trait_bas</a:t>
+            </a:r>
+            <a:r>
+              <a:rPr lang="fr-FR" dirty="0">
+                <a:solidFill>
+                  <a:schemeClr val="tx1"/>
+                </a:solidFill>
+              </a:rPr>
+              <a:t> pour les </a:t>
+            </a:r>
+            <a:r>
+              <a:rPr lang="fr-FR" dirty="0" smtClean="0">
+                <a:solidFill>
+                  <a:schemeClr val="tx1"/>
+                </a:solidFill>
+              </a:rPr>
+              <a:t>fonctions, méthodes et variables. </a:t>
+            </a:r>
+            <a:r>
+              <a:rPr lang="fr-FR" dirty="0">
+                <a:solidFill>
+                  <a:schemeClr val="tx1"/>
+                </a:solidFill>
+              </a:rPr>
+              <a:t>Utilisez toujours </a:t>
+            </a:r>
+            <a:r>
+              <a:rPr lang="fr-FR" b="1" i="1" dirty="0">
+                <a:solidFill>
+                  <a:schemeClr val="accent1"/>
+                </a:solidFill>
+              </a:rPr>
+              <a:t>self</a:t>
+            </a:r>
+            <a:r>
+              <a:rPr lang="fr-FR" dirty="0">
+                <a:solidFill>
+                  <a:schemeClr val="tx1"/>
+                </a:solidFill>
+              </a:rPr>
+              <a:t> comme nom du premier argument des méthodes (voyez </a:t>
+            </a:r>
+            <a:r>
+              <a:rPr lang="fr-FR" dirty="0" smtClean="0">
+                <a:solidFill>
+                  <a:schemeClr val="tx1"/>
+                </a:solidFill>
+              </a:rPr>
+              <a:t>une </a:t>
+            </a:r>
+            <a:r>
+              <a:rPr lang="fr-FR" dirty="0">
+                <a:solidFill>
+                  <a:schemeClr val="tx1"/>
+                </a:solidFill>
+              </a:rPr>
+              <a:t>première approche des classes pour en savoir plus sur les classes et les méthodes).</a:t>
+            </a:r>
+          </a:p>
+          <a:p>
+            <a:pPr algn="just"/>
+            <a:r>
+              <a:rPr lang="fr-FR" dirty="0" smtClean="0">
+                <a:solidFill>
+                  <a:schemeClr val="tx1"/>
+                </a:solidFill>
+              </a:rPr>
+              <a:t>N’utilisez </a:t>
+            </a:r>
+            <a:r>
+              <a:rPr lang="fr-FR" dirty="0">
+                <a:solidFill>
+                  <a:schemeClr val="tx1"/>
+                </a:solidFill>
+              </a:rPr>
+              <a:t>pas d’encodages exotiques dès lors que votre code est sensé être utilisé dans des environnements internationaux. Par défaut, Python travaille en UTF-8, ou sinon du simple ASCII fonctionne dans la plupart des cas.</a:t>
+            </a:r>
+          </a:p>
+          <a:p>
+            <a:pPr algn="just"/>
+            <a:r>
+              <a:rPr lang="fr-FR" dirty="0" smtClean="0">
+                <a:solidFill>
+                  <a:schemeClr val="tx1"/>
+                </a:solidFill>
+              </a:rPr>
+              <a:t>De </a:t>
+            </a:r>
+            <a:r>
+              <a:rPr lang="fr-FR" dirty="0">
+                <a:solidFill>
+                  <a:schemeClr val="tx1"/>
+                </a:solidFill>
+              </a:rPr>
+              <a:t>la même manière, n’utilisez que des caractères ASCII pour vos noms de variables si vous soupçonnez qu’un personne parlant une autre langue lira ou devra modifier votre code.</a:t>
+            </a:r>
+          </a:p>
+        </p:txBody>
+      </p:sp>
+    </p:spTree>
+    <p:extLst>
+      <p:ext uri="{BB962C8B-B14F-4D97-AF65-F5344CB8AC3E}">
+        <p14:creationId xmlns:p14="http://schemas.microsoft.com/office/powerpoint/2010/main" val="4243432789"/>
+      </p:ext>
+    </p:extLst>
+  </p:cSld>
+  <p:clrMapOvr>
+    <a:masterClrMapping/>
+  </p:clrMapOvr>
+  <p:timing>
+    <p:tnLst>
+      <p:par>
+        <p:cTn id="1" dur="indefinite" restart="never" nodeType="tmRoot"/>
+      </p:par>
+    </p:tnLst>
+  </p:timing>
+</p:sld>
+</file>
+
+<file path=ppt/slides/slide75.xml><?xml version="1.0" encoding="utf-8"?>
+<p:sld xmlns:a="http://schemas.openxmlformats.org/drawingml/2006/main" xmlns:r="http://schemas.openxmlformats.org/officeDocument/2006/relationships" xmlns:p="http://schemas.openxmlformats.org/presentationml/2006/main">
+  <p:cSld>
+    <p:spTree>
+      <p:nvGrpSpPr>
+        <p:cNvPr id="1" name=""/>
+        <p:cNvGrpSpPr/>
+        <p:nvPr/>
+      </p:nvGrpSpPr>
+      <p:grpSpPr>
+        <a:xfrm>
+          <a:off x="0" y="0"/>
+          <a:ext cx="0" cy="0"/>
+          <a:chOff x="0" y="0"/>
+          <a:chExt cx="0" cy="0"/>
+        </a:xfrm>
+      </p:grpSpPr>
+      <p:sp>
+        <p:nvSpPr>
+          <p:cNvPr id="2" name="Titre 1"/>
+          <p:cNvSpPr>
+            <a:spLocks noGrp="1"/>
+          </p:cNvSpPr>
+          <p:nvPr>
+            <p:ph type="title"/>
+          </p:nvPr>
+        </p:nvSpPr>
+        <p:spPr>
+          <a:xfrm>
+            <a:off x="2592925" y="624110"/>
+            <a:ext cx="8911687" cy="1280890"/>
+          </a:xfrm>
+        </p:spPr>
+        <p:txBody>
+          <a:bodyPr/>
+          <a:lstStyle/>
+          <a:p>
+            <a:r>
+              <a:rPr lang="fr-FR" dirty="0" smtClean="0"/>
+              <a:t>Style de codage</a:t>
+            </a:r>
+            <a:endParaRPr lang="fr-FR" b="1" i="1" dirty="0">
+              <a:solidFill>
+                <a:schemeClr val="accent6"/>
+              </a:solidFill>
+            </a:endParaRPr>
+          </a:p>
+        </p:txBody>
+      </p:sp>
+      <p:sp>
+        <p:nvSpPr>
+          <p:cNvPr id="3" name="Espace réservé du contenu 2"/>
+          <p:cNvSpPr>
+            <a:spLocks noGrp="1"/>
+          </p:cNvSpPr>
+          <p:nvPr>
+            <p:ph idx="1"/>
+          </p:nvPr>
+        </p:nvSpPr>
+        <p:spPr>
+          <a:xfrm>
+            <a:off x="1327869" y="1701579"/>
+            <a:ext cx="10296938" cy="4595853"/>
+          </a:xfrm>
+        </p:spPr>
+        <p:txBody>
+          <a:bodyPr anchor="ctr" anchorCtr="0">
+            <a:noAutofit/>
+          </a:bodyPr>
+          <a:lstStyle/>
+          <a:p>
+            <a:pPr algn="just"/>
+            <a:r>
+              <a:rPr lang="fr-FR" dirty="0">
+                <a:solidFill>
+                  <a:schemeClr val="tx1"/>
+                </a:solidFill>
+              </a:rPr>
+              <a:t>Le document </a:t>
+            </a:r>
+            <a:r>
+              <a:rPr lang="fr-FR" dirty="0">
+                <a:solidFill>
+                  <a:schemeClr val="tx1"/>
+                </a:solidFill>
+                <a:hlinkClick r:id="rId3"/>
+              </a:rPr>
+              <a:t>PEP 257</a:t>
+            </a:r>
+            <a:endParaRPr lang="fr-FR" dirty="0">
+              <a:solidFill>
+                <a:schemeClr val="tx1"/>
+              </a:solidFill>
+            </a:endParaRPr>
+          </a:p>
+          <a:p>
+            <a:pPr algn="just"/>
+            <a:r>
+              <a:rPr lang="fr-FR" dirty="0">
+                <a:solidFill>
+                  <a:schemeClr val="tx1"/>
+                </a:solidFill>
+                <a:hlinkClick r:id="rId4"/>
+              </a:rPr>
+              <a:t>Google Python Style Guide</a:t>
+            </a:r>
+            <a:endParaRPr lang="fr-FR" dirty="0">
+              <a:solidFill>
+                <a:schemeClr val="tx1"/>
+              </a:solidFill>
+            </a:endParaRPr>
+          </a:p>
+        </p:txBody>
+      </p:sp>
+    </p:spTree>
+    <p:extLst>
+      <p:ext uri="{BB962C8B-B14F-4D97-AF65-F5344CB8AC3E}">
+        <p14:creationId xmlns:p14="http://schemas.microsoft.com/office/powerpoint/2010/main" val="2035680166"/>
+      </p:ext>
+    </p:extLst>
+  </p:cSld>
+  <p:clrMapOvr>
+    <a:masterClrMapping/>
+  </p:clrMapOvr>
+  <p:timing>
+    <p:tnLst>
+      <p:par>
+        <p:cTn id="1" dur="indefinite" restart="never" nodeType="tmRoot"/>
+      </p:par>
+    </p:tnLst>
+  </p:timing>
+</p:sld>
+</file>
+
+<file path=ppt/slides/slide76.xml><?xml version="1.0" encoding="utf-8"?>
+<p:sld xmlns:a="http://schemas.openxmlformats.org/drawingml/2006/main" xmlns:r="http://schemas.openxmlformats.org/officeDocument/2006/relationships" xmlns:p="http://schemas.openxmlformats.org/presentationml/2006/main">
+  <p:cSld>
+    <p:spTree>
+      <p:nvGrpSpPr>
+        <p:cNvPr id="1" name=""/>
+        <p:cNvGrpSpPr/>
+        <p:nvPr/>
+      </p:nvGrpSpPr>
+      <p:grpSpPr>
+        <a:xfrm>
+          <a:off x="0" y="0"/>
+          <a:ext cx="0" cy="0"/>
+          <a:chOff x="0" y="0"/>
+          <a:chExt cx="0" cy="0"/>
+        </a:xfrm>
+      </p:grpSpPr>
+      <p:sp>
+        <p:nvSpPr>
+          <p:cNvPr id="2" name="Titre 1"/>
+          <p:cNvSpPr>
+            <a:spLocks noGrp="1"/>
+          </p:cNvSpPr>
+          <p:nvPr>
+            <p:ph type="title"/>
+          </p:nvPr>
+        </p:nvSpPr>
+        <p:spPr>
+          <a:xfrm>
+            <a:off x="2592925" y="624110"/>
+            <a:ext cx="8911687" cy="1280890"/>
+          </a:xfrm>
+        </p:spPr>
+        <p:txBody>
+          <a:bodyPr/>
+          <a:lstStyle/>
+          <a:p>
+            <a:r>
+              <a:rPr lang="fr-FR" dirty="0" smtClean="0"/>
               <a:t>Références</a:t>
             </a:r>
             <a:endParaRPr lang="fr-FR" dirty="0"/>
@@ -31787,7 +32697,7 @@
 </p:sld>
 </file>
 
-<file path=ppt/slides/slide74.xml><?xml version="1.0" encoding="utf-8"?>
+<file path=ppt/slides/slide77.xml><?xml version="1.0" encoding="utf-8"?>
 <p:sld xmlns:a="http://schemas.openxmlformats.org/drawingml/2006/main" xmlns:r="http://schemas.openxmlformats.org/officeDocument/2006/relationships" xmlns:p="http://schemas.openxmlformats.org/presentationml/2006/main">
   <p:cSld>
     <p:spTree>

--- a/documentations/learning-python.pptx
+++ b/documentations/learning-python.pptx
@@ -5,7 +5,7 @@
     <p:sldMasterId id="2147483665" r:id="rId1"/>
   </p:sldMasterIdLst>
   <p:notesMasterIdLst>
-    <p:notesMasterId r:id="rId79"/>
+    <p:notesMasterId r:id="rId81"/>
   </p:notesMasterIdLst>
   <p:sldIdLst>
     <p:sldId id="256" r:id="rId2"/>
@@ -79,12 +79,14 @@
     <p:sldId id="329" r:id="rId70"/>
     <p:sldId id="330" r:id="rId71"/>
     <p:sldId id="331" r:id="rId72"/>
-    <p:sldId id="306" r:id="rId73"/>
-    <p:sldId id="307" r:id="rId74"/>
-    <p:sldId id="308" r:id="rId75"/>
-    <p:sldId id="332" r:id="rId76"/>
-    <p:sldId id="285" r:id="rId77"/>
-    <p:sldId id="309" r:id="rId78"/>
+    <p:sldId id="333" r:id="rId73"/>
+    <p:sldId id="334" r:id="rId74"/>
+    <p:sldId id="306" r:id="rId75"/>
+    <p:sldId id="307" r:id="rId76"/>
+    <p:sldId id="308" r:id="rId77"/>
+    <p:sldId id="332" r:id="rId78"/>
+    <p:sldId id="285" r:id="rId79"/>
+    <p:sldId id="309" r:id="rId80"/>
   </p:sldIdLst>
   <p:sldSz cx="12192000" cy="6858000"/>
   <p:notesSz cx="6858000" cy="9144000"/>
@@ -6327,7 +6329,7 @@
     </p:spTree>
     <p:extLst>
       <p:ext uri="{BB962C8B-B14F-4D97-AF65-F5344CB8AC3E}">
-        <p14:creationId xmlns:p14="http://schemas.microsoft.com/office/powerpoint/2010/main" val="506775172"/>
+        <p14:creationId xmlns:p14="http://schemas.microsoft.com/office/powerpoint/2010/main" val="1833878476"/>
       </p:ext>
     </p:extLst>
   </p:cSld>
@@ -6411,7 +6413,7 @@
     </p:spTree>
     <p:extLst>
       <p:ext uri="{BB962C8B-B14F-4D97-AF65-F5344CB8AC3E}">
-        <p14:creationId xmlns:p14="http://schemas.microsoft.com/office/powerpoint/2010/main" val="2442515745"/>
+        <p14:creationId xmlns:p14="http://schemas.microsoft.com/office/powerpoint/2010/main" val="4040359467"/>
       </p:ext>
     </p:extLst>
   </p:cSld>
@@ -6495,7 +6497,7 @@
     </p:spTree>
     <p:extLst>
       <p:ext uri="{BB962C8B-B14F-4D97-AF65-F5344CB8AC3E}">
-        <p14:creationId xmlns:p14="http://schemas.microsoft.com/office/powerpoint/2010/main" val="471859371"/>
+        <p14:creationId xmlns:p14="http://schemas.microsoft.com/office/powerpoint/2010/main" val="506775172"/>
       </p:ext>
     </p:extLst>
   </p:cSld>
@@ -6579,7 +6581,7 @@
     </p:spTree>
     <p:extLst>
       <p:ext uri="{BB962C8B-B14F-4D97-AF65-F5344CB8AC3E}">
-        <p14:creationId xmlns:p14="http://schemas.microsoft.com/office/powerpoint/2010/main" val="1072387869"/>
+        <p14:creationId xmlns:p14="http://schemas.microsoft.com/office/powerpoint/2010/main" val="2442515745"/>
       </p:ext>
     </p:extLst>
   </p:cSld>
@@ -6663,7 +6665,7 @@
     </p:spTree>
     <p:extLst>
       <p:ext uri="{BB962C8B-B14F-4D97-AF65-F5344CB8AC3E}">
-        <p14:creationId xmlns:p14="http://schemas.microsoft.com/office/powerpoint/2010/main" val="831955769"/>
+        <p14:creationId xmlns:p14="http://schemas.microsoft.com/office/powerpoint/2010/main" val="471859371"/>
       </p:ext>
     </p:extLst>
   </p:cSld>
@@ -6739,6 +6741,174 @@
             <a:fld id="{58BEE673-8D3B-4BBD-97EB-7004EF7CF6EF}" type="slidenum">
               <a:rPr lang="fr-FR" smtClean="0"/>
               <a:t>77</a:t>
+            </a:fld>
+            <a:endParaRPr lang="fr-FR" dirty="0"/>
+          </a:p>
+        </p:txBody>
+      </p:sp>
+    </p:spTree>
+    <p:extLst>
+      <p:ext uri="{BB962C8B-B14F-4D97-AF65-F5344CB8AC3E}">
+        <p14:creationId xmlns:p14="http://schemas.microsoft.com/office/powerpoint/2010/main" val="1072387869"/>
+      </p:ext>
+    </p:extLst>
+  </p:cSld>
+  <p:clrMapOvr>
+    <a:masterClrMapping/>
+  </p:clrMapOvr>
+</p:notes>
+</file>
+
+<file path=ppt/notesSlides/notesSlide77.xml><?xml version="1.0" encoding="utf-8"?>
+<p:notes xmlns:a="http://schemas.openxmlformats.org/drawingml/2006/main" xmlns:r="http://schemas.openxmlformats.org/officeDocument/2006/relationships" xmlns:p="http://schemas.openxmlformats.org/presentationml/2006/main">
+  <p:cSld>
+    <p:spTree>
+      <p:nvGrpSpPr>
+        <p:cNvPr id="1" name=""/>
+        <p:cNvGrpSpPr/>
+        <p:nvPr/>
+      </p:nvGrpSpPr>
+      <p:grpSpPr>
+        <a:xfrm>
+          <a:off x="0" y="0"/>
+          <a:ext cx="0" cy="0"/>
+          <a:chOff x="0" y="0"/>
+          <a:chExt cx="0" cy="0"/>
+        </a:xfrm>
+      </p:grpSpPr>
+      <p:sp>
+        <p:nvSpPr>
+          <p:cNvPr id="2" name="Espace réservé de l'image des diapositives 1"/>
+          <p:cNvSpPr>
+            <a:spLocks noGrp="1" noRot="1" noChangeAspect="1"/>
+          </p:cNvSpPr>
+          <p:nvPr>
+            <p:ph type="sldImg"/>
+          </p:nvPr>
+        </p:nvSpPr>
+        <p:spPr/>
+      </p:sp>
+      <p:sp>
+        <p:nvSpPr>
+          <p:cNvPr id="3" name="Espace réservé des commentaires 2"/>
+          <p:cNvSpPr>
+            <a:spLocks noGrp="1"/>
+          </p:cNvSpPr>
+          <p:nvPr>
+            <p:ph type="body" idx="1"/>
+          </p:nvPr>
+        </p:nvSpPr>
+        <p:spPr/>
+        <p:txBody>
+          <a:bodyPr/>
+          <a:lstStyle/>
+          <a:p>
+            <a:endParaRPr lang="fr-FR" dirty="0"/>
+          </a:p>
+        </p:txBody>
+      </p:sp>
+      <p:sp>
+        <p:nvSpPr>
+          <p:cNvPr id="4" name="Espace réservé du numéro de diapositive 3"/>
+          <p:cNvSpPr>
+            <a:spLocks noGrp="1"/>
+          </p:cNvSpPr>
+          <p:nvPr>
+            <p:ph type="sldNum" sz="quarter" idx="10"/>
+          </p:nvPr>
+        </p:nvSpPr>
+        <p:spPr/>
+        <p:txBody>
+          <a:bodyPr/>
+          <a:lstStyle/>
+          <a:p>
+            <a:fld id="{58BEE673-8D3B-4BBD-97EB-7004EF7CF6EF}" type="slidenum">
+              <a:rPr lang="fr-FR" smtClean="0"/>
+              <a:t>78</a:t>
+            </a:fld>
+            <a:endParaRPr lang="fr-FR" dirty="0"/>
+          </a:p>
+        </p:txBody>
+      </p:sp>
+    </p:spTree>
+    <p:extLst>
+      <p:ext uri="{BB962C8B-B14F-4D97-AF65-F5344CB8AC3E}">
+        <p14:creationId xmlns:p14="http://schemas.microsoft.com/office/powerpoint/2010/main" val="831955769"/>
+      </p:ext>
+    </p:extLst>
+  </p:cSld>
+  <p:clrMapOvr>
+    <a:masterClrMapping/>
+  </p:clrMapOvr>
+</p:notes>
+</file>
+
+<file path=ppt/notesSlides/notesSlide78.xml><?xml version="1.0" encoding="utf-8"?>
+<p:notes xmlns:a="http://schemas.openxmlformats.org/drawingml/2006/main" xmlns:r="http://schemas.openxmlformats.org/officeDocument/2006/relationships" xmlns:p="http://schemas.openxmlformats.org/presentationml/2006/main">
+  <p:cSld>
+    <p:spTree>
+      <p:nvGrpSpPr>
+        <p:cNvPr id="1" name=""/>
+        <p:cNvGrpSpPr/>
+        <p:nvPr/>
+      </p:nvGrpSpPr>
+      <p:grpSpPr>
+        <a:xfrm>
+          <a:off x="0" y="0"/>
+          <a:ext cx="0" cy="0"/>
+          <a:chOff x="0" y="0"/>
+          <a:chExt cx="0" cy="0"/>
+        </a:xfrm>
+      </p:grpSpPr>
+      <p:sp>
+        <p:nvSpPr>
+          <p:cNvPr id="2" name="Espace réservé de l'image des diapositives 1"/>
+          <p:cNvSpPr>
+            <a:spLocks noGrp="1" noRot="1" noChangeAspect="1"/>
+          </p:cNvSpPr>
+          <p:nvPr>
+            <p:ph type="sldImg"/>
+          </p:nvPr>
+        </p:nvSpPr>
+        <p:spPr/>
+      </p:sp>
+      <p:sp>
+        <p:nvSpPr>
+          <p:cNvPr id="3" name="Espace réservé des commentaires 2"/>
+          <p:cNvSpPr>
+            <a:spLocks noGrp="1"/>
+          </p:cNvSpPr>
+          <p:nvPr>
+            <p:ph type="body" idx="1"/>
+          </p:nvPr>
+        </p:nvSpPr>
+        <p:spPr/>
+        <p:txBody>
+          <a:bodyPr/>
+          <a:lstStyle/>
+          <a:p>
+            <a:endParaRPr lang="fr-FR" dirty="0"/>
+          </a:p>
+        </p:txBody>
+      </p:sp>
+      <p:sp>
+        <p:nvSpPr>
+          <p:cNvPr id="4" name="Espace réservé du numéro de diapositive 3"/>
+          <p:cNvSpPr>
+            <a:spLocks noGrp="1"/>
+          </p:cNvSpPr>
+          <p:nvPr>
+            <p:ph type="sldNum" sz="quarter" idx="10"/>
+          </p:nvPr>
+        </p:nvSpPr>
+        <p:spPr/>
+        <p:txBody>
+          <a:bodyPr/>
+          <a:lstStyle/>
+          <a:p>
+            <a:fld id="{58BEE673-8D3B-4BBD-97EB-7004EF7CF6EF}" type="slidenum">
+              <a:rPr lang="fr-FR" smtClean="0"/>
+              <a:t>79</a:t>
             </a:fld>
             <a:endParaRPr lang="fr-FR" dirty="0"/>
           </a:p>
@@ -30935,11 +31105,7 @@
           <a:p>
             <a:r>
               <a:rPr lang="fr-FR" dirty="0" smtClean="0"/>
-              <a:t>Chaines de </a:t>
-            </a:r>
-            <a:r>
-              <a:rPr lang="fr-FR" dirty="0" smtClean="0"/>
-              <a:t>documentation </a:t>
+              <a:t>Chaines de documentation </a:t>
             </a:r>
             <a:r>
               <a:rPr lang="fr-FR" sz="2000" b="1" i="1" dirty="0" smtClean="0">
@@ -31107,11 +31273,6 @@
               </a:rPr>
               <a:t>autres lignes peuvent alors constituer un ou plusieurs paragraphes décrivant le mode d’utilisation de l’objet, ses effets de bord, etc.</a:t>
             </a:r>
-            <a:endParaRPr lang="fr-FR" dirty="0">
-              <a:solidFill>
-                <a:schemeClr val="tx1"/>
-              </a:solidFill>
-            </a:endParaRPr>
           </a:p>
         </p:txBody>
       </p:sp>
@@ -31285,11 +31446,7 @@
           <a:p>
             <a:r>
               <a:rPr lang="fr-FR" dirty="0" smtClean="0"/>
-              <a:t>Chaines de </a:t>
-            </a:r>
-            <a:r>
-              <a:rPr lang="fr-FR" dirty="0" smtClean="0"/>
-              <a:t>documentation </a:t>
+              <a:t>Chaines de documentation </a:t>
             </a:r>
             <a:r>
               <a:rPr lang="fr-FR" sz="2000" b="1" i="1" dirty="0" smtClean="0">
@@ -31446,11 +31603,6 @@
               </a:rPr>
               <a:t>des espaces doit être testé après expansion des tabulations (normalement remplacés par 4 espaces)</a:t>
             </a:r>
-            <a:endParaRPr lang="fr-FR" dirty="0">
-              <a:solidFill>
-                <a:schemeClr val="tx1"/>
-              </a:solidFill>
-            </a:endParaRPr>
           </a:p>
         </p:txBody>
       </p:sp>
@@ -31513,11 +31665,7 @@
           <a:p>
             <a:r>
               <a:rPr lang="fr-FR" dirty="0" smtClean="0"/>
-              <a:t>Chaines de </a:t>
-            </a:r>
-            <a:r>
-              <a:rPr lang="fr-FR" dirty="0" smtClean="0"/>
-              <a:t>documentation </a:t>
+              <a:t>Chaines de documentation </a:t>
             </a:r>
             <a:r>
               <a:rPr lang="fr-FR" sz="2000" b="1" i="1" dirty="0" smtClean="0">
@@ -31574,11 +31722,6 @@
               </a:rPr>
               <a:t>un exemple de chaîne de documentation multi-lignes</a:t>
             </a:r>
-            <a:endParaRPr lang="fr-FR" dirty="0">
-              <a:solidFill>
-                <a:schemeClr val="tx1"/>
-              </a:solidFill>
-            </a:endParaRPr>
           </a:p>
         </p:txBody>
       </p:sp>
@@ -31675,11 +31818,11 @@
           <a:p>
             <a:r>
               <a:rPr lang="fr-FR" dirty="0" smtClean="0"/>
-              <a:t>Style de codage</a:t>
-            </a:r>
-            <a:endParaRPr lang="fr-FR" b="1" i="1" dirty="0">
+              <a:t>Annotation des fonctions</a:t>
+            </a:r>
+            <a:endParaRPr lang="fr-FR" sz="2000" b="1" i="1" dirty="0">
               <a:solidFill>
-                <a:schemeClr val="accent6"/>
+                <a:schemeClr val="accent1"/>
               </a:solidFill>
             </a:endParaRPr>
           </a:p>
@@ -31697,59 +31840,76 @@
         </p:nvSpPr>
         <p:spPr>
           <a:xfrm>
-            <a:off x="1327869" y="1701579"/>
-            <a:ext cx="10296938" cy="4595853"/>
+            <a:off x="1327869" y="2234316"/>
+            <a:ext cx="10249230" cy="4025081"/>
           </a:xfrm>
         </p:spPr>
         <p:txBody>
-          <a:bodyPr anchor="ctr" anchorCtr="0">
+          <a:bodyPr anchor="t" anchorCtr="0">
             <a:noAutofit/>
           </a:bodyPr>
           <a:lstStyle/>
           <a:p>
             <a:pPr algn="just"/>
             <a:r>
-              <a:rPr lang="fr-FR" dirty="0">
-                <a:solidFill>
-                  <a:schemeClr val="tx1"/>
-                </a:solidFill>
-              </a:rPr>
-              <a:t>Maintenant que vous êtes prêt à écrire des programmes plus longs et plus complexes, il est temps de parler du style de </a:t>
-            </a:r>
-            <a:r>
-              <a:rPr lang="fr-FR" dirty="0" smtClean="0">
-                <a:solidFill>
-                  <a:schemeClr val="tx1"/>
-                </a:solidFill>
-              </a:rPr>
-              <a:t>codage</a:t>
+              <a:rPr lang="fr-FR" dirty="0" smtClean="0">
+                <a:solidFill>
+                  <a:schemeClr val="tx1"/>
+                </a:solidFill>
+              </a:rPr>
+              <a:t>Les </a:t>
+            </a:r>
+            <a:r>
+              <a:rPr lang="fr-FR" dirty="0">
+                <a:solidFill>
+                  <a:schemeClr val="tx1"/>
+                </a:solidFill>
+              </a:rPr>
+              <a:t>annotations sont des métadonnée optionnelles décrivant les types utilisées par une fonction définie par l’utilisateur (Voir la </a:t>
+            </a:r>
+            <a:r>
+              <a:rPr lang="fr-FR" dirty="0">
+                <a:solidFill>
+                  <a:schemeClr val="tx1"/>
+                </a:solidFill>
+                <a:hlinkClick r:id="rId3"/>
+              </a:rPr>
+              <a:t>PEP 484 </a:t>
+            </a:r>
+            <a:r>
+              <a:rPr lang="fr-FR" dirty="0">
+                <a:solidFill>
+                  <a:schemeClr val="tx1"/>
+                </a:solidFill>
+              </a:rPr>
+              <a:t>pour plus d’informations</a:t>
+            </a:r>
+            <a:r>
+              <a:rPr lang="fr-FR" dirty="0" smtClean="0">
+                <a:solidFill>
+                  <a:schemeClr val="tx1"/>
+                </a:solidFill>
+              </a:rPr>
+              <a:t>)</a:t>
             </a:r>
           </a:p>
           <a:p>
             <a:pPr algn="just"/>
             <a:r>
-              <a:rPr lang="fr-FR" dirty="0" smtClean="0">
-                <a:solidFill>
-                  <a:schemeClr val="tx1"/>
-                </a:solidFill>
-              </a:rPr>
-              <a:t>La </a:t>
-            </a:r>
-            <a:r>
-              <a:rPr lang="fr-FR" dirty="0">
-                <a:solidFill>
-                  <a:schemeClr val="tx1"/>
-                </a:solidFill>
-              </a:rPr>
-              <a:t>plupart des langages peuvent être écrits (ou plutôt formatés) selon différents </a:t>
-            </a:r>
-            <a:r>
-              <a:rPr lang="fr-FR" dirty="0" smtClean="0">
-                <a:solidFill>
-                  <a:schemeClr val="tx1"/>
-                </a:solidFill>
-              </a:rPr>
-              <a:t>styles</a:t>
+              <a:rPr lang="fr-FR" dirty="0">
+                <a:solidFill>
+                  <a:schemeClr val="tx1"/>
+                </a:solidFill>
+              </a:rPr>
+              <a:t>Les annotations sont stockées dans l’attribut __annotations__ de la fonction, sous forme d’un dictionnaire, et n’ont aucun autre </a:t>
+            </a:r>
+            <a:r>
+              <a:rPr lang="fr-FR" dirty="0" smtClean="0">
+                <a:solidFill>
+                  <a:schemeClr val="tx1"/>
+                </a:solidFill>
+              </a:rPr>
+              <a:t>effet</a:t>
             </a:r>
           </a:p>
           <a:p>
@@ -31760,23 +31920,23 @@
                   <a:schemeClr val="tx1"/>
                 </a:solidFill>
               </a:rPr>
-              <a:t>certains </a:t>
-            </a:r>
-            <a:r>
-              <a:rPr lang="fr-FR" dirty="0">
-                <a:solidFill>
-                  <a:schemeClr val="tx1"/>
-                </a:solidFill>
-              </a:rPr>
-              <a:t>sont plus lisibles que </a:t>
-            </a:r>
-            <a:r>
-              <a:rPr lang="fr-FR" dirty="0" smtClean="0">
-                <a:solidFill>
-                  <a:schemeClr val="tx1"/>
-                </a:solidFill>
-              </a:rPr>
-              <a:t>d’autres</a:t>
+              <a:t>Les </a:t>
+            </a:r>
+            <a:r>
+              <a:rPr lang="fr-FR" dirty="0">
+                <a:solidFill>
+                  <a:schemeClr val="tx1"/>
+                </a:solidFill>
+              </a:rPr>
+              <a:t>annotations sur les paramètres sont définis par deux points (:) après le nom du paramètre suivi d’une expression donnant la valeur de </a:t>
+            </a:r>
+            <a:r>
+              <a:rPr lang="fr-FR" dirty="0" smtClean="0">
+                <a:solidFill>
+                  <a:schemeClr val="tx1"/>
+                </a:solidFill>
+              </a:rPr>
+              <a:t>l’annotation</a:t>
             </a:r>
           </a:p>
           <a:p>
@@ -31787,95 +31947,42 @@
                   <a:schemeClr val="tx1"/>
                 </a:solidFill>
               </a:rPr>
-              <a:t>Rendre </a:t>
-            </a:r>
-            <a:r>
-              <a:rPr lang="fr-FR" dirty="0">
-                <a:solidFill>
-                  <a:schemeClr val="tx1"/>
-                </a:solidFill>
-              </a:rPr>
-              <a:t>la lecture de votre code plus facile aux autres est toujours une bonne idée, et adopter un bon style de codage peut énormément vous y </a:t>
-            </a:r>
-            <a:r>
-              <a:rPr lang="fr-FR" dirty="0" smtClean="0">
-                <a:solidFill>
-                  <a:schemeClr val="tx1"/>
-                </a:solidFill>
-              </a:rPr>
-              <a:t>aider</a:t>
+              <a:t>Les </a:t>
+            </a:r>
+            <a:r>
+              <a:rPr lang="fr-FR" dirty="0">
+                <a:solidFill>
+                  <a:schemeClr val="tx1"/>
+                </a:solidFill>
+              </a:rPr>
+              <a:t>annotations de retour sont définies par -&gt; suivi d’une expression, entre la liste des paramètres et les deux points de fin de l’instruction </a:t>
+            </a:r>
+            <a:r>
+              <a:rPr lang="fr-FR" dirty="0" smtClean="0">
+                <a:solidFill>
+                  <a:schemeClr val="tx1"/>
+                </a:solidFill>
+              </a:rPr>
+              <a:t>def</a:t>
             </a:r>
           </a:p>
           <a:p>
             <a:pPr algn="just"/>
             <a:r>
-              <a:rPr lang="fr-FR" dirty="0">
-                <a:solidFill>
-                  <a:schemeClr val="tx1"/>
-                </a:solidFill>
-              </a:rPr>
-              <a:t>En Python, la </a:t>
-            </a:r>
-            <a:r>
-              <a:rPr lang="fr-FR" b="1" i="1" dirty="0">
-                <a:solidFill>
-                  <a:schemeClr val="accent1"/>
-                </a:solidFill>
-                <a:hlinkClick r:id="rId3"/>
-              </a:rPr>
-              <a:t>PEP 8</a:t>
-            </a:r>
-            <a:r>
-              <a:rPr lang="fr-FR" dirty="0">
-                <a:solidFill>
-                  <a:schemeClr val="tx1"/>
-                </a:solidFill>
-                <a:hlinkClick r:id="rId3"/>
-              </a:rPr>
-              <a:t> </a:t>
-            </a:r>
-            <a:r>
-              <a:rPr lang="fr-FR" dirty="0">
-                <a:solidFill>
-                  <a:schemeClr val="tx1"/>
-                </a:solidFill>
-              </a:rPr>
-              <a:t>a émergé comme étant un guide auquel la plupart des projets adhèrent ; elle met en avant un style de codage très lisible et agréable à </a:t>
-            </a:r>
-            <a:r>
-              <a:rPr lang="fr-FR" dirty="0" smtClean="0">
-                <a:solidFill>
-                  <a:schemeClr val="tx1"/>
-                </a:solidFill>
-              </a:rPr>
-              <a:t>l’œil</a:t>
-            </a:r>
-          </a:p>
-          <a:p>
-            <a:pPr algn="just"/>
-            <a:r>
-              <a:rPr lang="fr-FR" dirty="0" smtClean="0">
-                <a:solidFill>
-                  <a:schemeClr val="tx1"/>
-                </a:solidFill>
-              </a:rPr>
-              <a:t>Chaque </a:t>
-            </a:r>
-            <a:r>
-              <a:rPr lang="fr-FR" dirty="0">
-                <a:solidFill>
-                  <a:schemeClr val="tx1"/>
-                </a:solidFill>
-              </a:rPr>
-              <a:t>développeur Python devrait donc la lire et s’en inspirer autant que </a:t>
-            </a:r>
-            <a:r>
-              <a:rPr lang="fr-FR" dirty="0" smtClean="0">
-                <a:solidFill>
-                  <a:schemeClr val="tx1"/>
-                </a:solidFill>
-              </a:rPr>
-              <a:t>possible</a:t>
+              <a:rPr lang="fr-FR" dirty="0" smtClean="0">
+                <a:solidFill>
+                  <a:schemeClr val="tx1"/>
+                </a:solidFill>
+              </a:rPr>
+              <a:t>L’exemple </a:t>
+            </a:r>
+            <a:r>
+              <a:rPr lang="fr-FR" dirty="0">
+                <a:solidFill>
+                  <a:schemeClr val="tx1"/>
+                </a:solidFill>
+              </a:rPr>
+              <a:t>suivant a un paramètre positionnel, un paramètre nommé, et une valeur de retour annotée</a:t>
             </a:r>
             <a:endParaRPr lang="fr-FR" dirty="0">
               <a:solidFill>
@@ -31888,7 +31995,7 @@
     </p:spTree>
     <p:extLst>
       <p:ext uri="{BB962C8B-B14F-4D97-AF65-F5344CB8AC3E}">
-        <p14:creationId xmlns:p14="http://schemas.microsoft.com/office/powerpoint/2010/main" val="983697788"/>
+        <p14:creationId xmlns:p14="http://schemas.microsoft.com/office/powerpoint/2010/main" val="3652967006"/>
       </p:ext>
     </p:extLst>
   </p:cSld>
@@ -31944,181 +32051,54 @@
           <a:p>
             <a:r>
               <a:rPr lang="fr-FR" dirty="0" smtClean="0"/>
-              <a:t>Style de codage</a:t>
-            </a:r>
-            <a:endParaRPr lang="fr-FR" b="1" i="1" dirty="0">
+              <a:t>Annotation des fonctions</a:t>
+            </a:r>
+            <a:endParaRPr lang="fr-FR" sz="2000" b="1" i="1" dirty="0">
               <a:solidFill>
-                <a:schemeClr val="accent6"/>
+                <a:schemeClr val="accent1"/>
               </a:solidFill>
             </a:endParaRPr>
           </a:p>
         </p:txBody>
       </p:sp>
-      <p:sp>
-        <p:nvSpPr>
-          <p:cNvPr id="3" name="Espace réservé du contenu 2"/>
-          <p:cNvSpPr>
-            <a:spLocks noGrp="1"/>
-          </p:cNvSpPr>
-          <p:nvPr>
-            <p:ph idx="1"/>
-          </p:nvPr>
-        </p:nvSpPr>
+      <p:pic>
+        <p:nvPicPr>
+          <p:cNvPr id="4" name="Image 3"/>
+          <p:cNvPicPr>
+            <a:picLocks noChangeAspect="1"/>
+          </p:cNvPicPr>
+          <p:nvPr/>
+        </p:nvPicPr>
+        <p:blipFill>
+          <a:blip r:embed="rId3"/>
+          <a:stretch>
+            <a:fillRect/>
+          </a:stretch>
+        </p:blipFill>
         <p:spPr>
           <a:xfrm>
-            <a:off x="1327869" y="1701579"/>
-            <a:ext cx="10296938" cy="4595853"/>
+            <a:off x="2145113" y="2430904"/>
+            <a:ext cx="8362950" cy="2505075"/>
           </a:xfrm>
+          <a:prstGeom prst="rect">
+            <a:avLst/>
+          </a:prstGeom>
+          <a:ln>
+            <a:noFill/>
+          </a:ln>
+          <a:effectLst>
+            <a:outerShdw blurRad="292100" dist="139700" dir="2700000" algn="tl" rotWithShape="0">
+              <a:srgbClr val="333333">
+                <a:alpha val="65000"/>
+              </a:srgbClr>
+            </a:outerShdw>
+          </a:effectLst>
         </p:spPr>
-        <p:txBody>
-          <a:bodyPr anchor="ctr" anchorCtr="0">
-            <a:noAutofit/>
-          </a:bodyPr>
-          <a:lstStyle/>
-          <a:p>
-            <a:pPr algn="just"/>
-            <a:r>
-              <a:rPr lang="fr-FR" dirty="0">
-                <a:solidFill>
-                  <a:schemeClr val="tx1"/>
-                </a:solidFill>
-              </a:rPr>
-              <a:t>Utilisez des indentations de 4 espaces, et pas de tabulation.</a:t>
-            </a:r>
-          </a:p>
-          <a:p>
-            <a:pPr algn="just"/>
-            <a:r>
-              <a:rPr lang="fr-FR" dirty="0" smtClean="0">
-                <a:solidFill>
-                  <a:schemeClr val="tx1"/>
-                </a:solidFill>
-              </a:rPr>
-              <a:t>4 </a:t>
-            </a:r>
-            <a:r>
-              <a:rPr lang="fr-FR" dirty="0">
-                <a:solidFill>
-                  <a:schemeClr val="tx1"/>
-                </a:solidFill>
-              </a:rPr>
-              <a:t>espaces constituent un bon compromis entre une indentation courte (qui permet une profondeur d’imbrication plus importante) et une longue (qui rend le code plus facile à lire). Les tabulations introduisent de la confusion, et doivent être proscrites autant que possible.</a:t>
-            </a:r>
-          </a:p>
-          <a:p>
-            <a:pPr algn="just"/>
-            <a:r>
-              <a:rPr lang="fr-FR" dirty="0" smtClean="0">
-                <a:solidFill>
-                  <a:schemeClr val="tx1"/>
-                </a:solidFill>
-              </a:rPr>
-              <a:t>Faites </a:t>
-            </a:r>
-            <a:r>
-              <a:rPr lang="fr-FR" dirty="0">
-                <a:solidFill>
-                  <a:schemeClr val="tx1"/>
-                </a:solidFill>
-              </a:rPr>
-              <a:t>des retours à la ligne, de telle sorte qu’elles n’excèdent pas 79 caractères.</a:t>
-            </a:r>
-          </a:p>
-          <a:p>
-            <a:pPr algn="just"/>
-            <a:r>
-              <a:rPr lang="fr-FR" dirty="0" smtClean="0">
-                <a:solidFill>
-                  <a:schemeClr val="tx1"/>
-                </a:solidFill>
-              </a:rPr>
-              <a:t>Ceci </a:t>
-            </a:r>
-            <a:r>
-              <a:rPr lang="fr-FR" dirty="0">
-                <a:solidFill>
-                  <a:schemeClr val="tx1"/>
-                </a:solidFill>
-              </a:rPr>
-              <a:t>aide les utilisateurs ne disposant que de petits écrans, et permet sur de plus grands de disposer plusieurs fichiers côte à côte sans difficulté.</a:t>
-            </a:r>
-          </a:p>
-          <a:p>
-            <a:pPr algn="just"/>
-            <a:r>
-              <a:rPr lang="fr-FR" dirty="0" smtClean="0">
-                <a:solidFill>
-                  <a:schemeClr val="tx1"/>
-                </a:solidFill>
-              </a:rPr>
-              <a:t>Utilisez </a:t>
-            </a:r>
-            <a:r>
-              <a:rPr lang="fr-FR" dirty="0">
-                <a:solidFill>
-                  <a:schemeClr val="tx1"/>
-                </a:solidFill>
-              </a:rPr>
-              <a:t>des lignes vides pour séparer les fonctions et les classes, ou pour scinder de gros blocs de code à l’intérieur de fonctions.</a:t>
-            </a:r>
-          </a:p>
-          <a:p>
-            <a:pPr algn="just"/>
-            <a:r>
-              <a:rPr lang="fr-FR" dirty="0" smtClean="0">
-                <a:solidFill>
-                  <a:schemeClr val="tx1"/>
-                </a:solidFill>
-              </a:rPr>
-              <a:t>Lorsque </a:t>
-            </a:r>
-            <a:r>
-              <a:rPr lang="fr-FR" dirty="0">
-                <a:solidFill>
-                  <a:schemeClr val="tx1"/>
-                </a:solidFill>
-              </a:rPr>
-              <a:t>c’est possible, placez les commentaires sur leur propres lignes.</a:t>
-            </a:r>
-          </a:p>
-          <a:p>
-            <a:pPr algn="just"/>
-            <a:r>
-              <a:rPr lang="fr-FR" dirty="0" smtClean="0">
-                <a:solidFill>
-                  <a:schemeClr val="tx1"/>
-                </a:solidFill>
-              </a:rPr>
-              <a:t>Utilisez </a:t>
-            </a:r>
-            <a:r>
-              <a:rPr lang="fr-FR" dirty="0">
-                <a:solidFill>
-                  <a:schemeClr val="tx1"/>
-                </a:solidFill>
-              </a:rPr>
-              <a:t>les chaînes de </a:t>
-            </a:r>
-            <a:r>
-              <a:rPr lang="fr-FR" dirty="0" smtClean="0">
-                <a:solidFill>
-                  <a:schemeClr val="tx1"/>
-                </a:solidFill>
-              </a:rPr>
-              <a:t>documentation</a:t>
-            </a:r>
-            <a:endParaRPr lang="fr-FR" dirty="0">
-              <a:solidFill>
-                <a:schemeClr val="tx1"/>
-              </a:solidFill>
-            </a:endParaRPr>
-          </a:p>
-        </p:txBody>
-      </p:sp>
+      </p:pic>
     </p:spTree>
     <p:extLst>
       <p:ext uri="{BB962C8B-B14F-4D97-AF65-F5344CB8AC3E}">
-        <p14:creationId xmlns:p14="http://schemas.microsoft.com/office/powerpoint/2010/main" val="1701520310"/>
+        <p14:creationId xmlns:p14="http://schemas.microsoft.com/office/powerpoint/2010/main" val="18992563"/>
       </p:ext>
     </p:extLst>
   </p:cSld>
@@ -32208,20 +32188,20 @@
           <a:p>
             <a:pPr algn="just"/>
             <a:r>
-              <a:rPr lang="fr-FR" dirty="0" smtClean="0">
-                <a:solidFill>
-                  <a:schemeClr val="tx1"/>
-                </a:solidFill>
-              </a:rPr>
-              <a:t>Utilisez </a:t>
-            </a:r>
-            <a:r>
-              <a:rPr lang="fr-FR" dirty="0">
-                <a:solidFill>
-                  <a:schemeClr val="tx1"/>
-                </a:solidFill>
-              </a:rPr>
-              <a:t>des espaces autour des opérateurs et après les virgules, mais pas directement à l’intérieur des parenthèses : a = f(1, 2) + g(3, 4).</a:t>
+              <a:rPr lang="fr-FR" dirty="0">
+                <a:solidFill>
+                  <a:schemeClr val="tx1"/>
+                </a:solidFill>
+              </a:rPr>
+              <a:t>Maintenant que vous êtes prêt à écrire des programmes plus longs et plus complexes, il est temps de parler du style de </a:t>
+            </a:r>
+            <a:r>
+              <a:rPr lang="fr-FR" dirty="0" smtClean="0">
+                <a:solidFill>
+                  <a:schemeClr val="tx1"/>
+                </a:solidFill>
+              </a:rPr>
+              <a:t>codage</a:t>
             </a:r>
           </a:p>
           <a:p>
@@ -32232,95 +32212,122 @@
                   <a:schemeClr val="tx1"/>
                 </a:solidFill>
               </a:rPr>
-              <a:t>Nommez </a:t>
-            </a:r>
-            <a:r>
-              <a:rPr lang="fr-FR" dirty="0">
-                <a:solidFill>
-                  <a:schemeClr val="tx1"/>
-                </a:solidFill>
-              </a:rPr>
-              <a:t>toujours vos classes et fonctions de la même manière ; la convention est d’utiliser une notation </a:t>
+              <a:t>La </a:t>
+            </a:r>
+            <a:r>
+              <a:rPr lang="fr-FR" dirty="0">
+                <a:solidFill>
+                  <a:schemeClr val="tx1"/>
+                </a:solidFill>
+              </a:rPr>
+              <a:t>plupart des langages peuvent être écrits (ou plutôt formatés) selon différents </a:t>
+            </a:r>
+            <a:r>
+              <a:rPr lang="fr-FR" dirty="0" smtClean="0">
+                <a:solidFill>
+                  <a:schemeClr val="tx1"/>
+                </a:solidFill>
+              </a:rPr>
+              <a:t>styles</a:t>
+            </a:r>
+          </a:p>
+          <a:p>
+            <a:pPr algn="just"/>
+            <a:r>
+              <a:rPr lang="fr-FR" dirty="0" smtClean="0">
+                <a:solidFill>
+                  <a:schemeClr val="tx1"/>
+                </a:solidFill>
+              </a:rPr>
+              <a:t>certains </a:t>
+            </a:r>
+            <a:r>
+              <a:rPr lang="fr-FR" dirty="0">
+                <a:solidFill>
+                  <a:schemeClr val="tx1"/>
+                </a:solidFill>
+              </a:rPr>
+              <a:t>sont plus lisibles que </a:t>
+            </a:r>
+            <a:r>
+              <a:rPr lang="fr-FR" dirty="0" smtClean="0">
+                <a:solidFill>
+                  <a:schemeClr val="tx1"/>
+                </a:solidFill>
+              </a:rPr>
+              <a:t>d’autres</a:t>
+            </a:r>
+          </a:p>
+          <a:p>
+            <a:pPr algn="just"/>
+            <a:r>
+              <a:rPr lang="fr-FR" dirty="0" smtClean="0">
+                <a:solidFill>
+                  <a:schemeClr val="tx1"/>
+                </a:solidFill>
+              </a:rPr>
+              <a:t>Rendre </a:t>
+            </a:r>
+            <a:r>
+              <a:rPr lang="fr-FR" dirty="0">
+                <a:solidFill>
+                  <a:schemeClr val="tx1"/>
+                </a:solidFill>
+              </a:rPr>
+              <a:t>la lecture de votre code plus facile aux autres est toujours une bonne idée, et adopter un bon style de codage peut énormément vous y </a:t>
+            </a:r>
+            <a:r>
+              <a:rPr lang="fr-FR" dirty="0" smtClean="0">
+                <a:solidFill>
+                  <a:schemeClr val="tx1"/>
+                </a:solidFill>
+              </a:rPr>
+              <a:t>aider</a:t>
+            </a:r>
+          </a:p>
+          <a:p>
+            <a:pPr algn="just"/>
+            <a:r>
+              <a:rPr lang="fr-FR" dirty="0">
+                <a:solidFill>
+                  <a:schemeClr val="tx1"/>
+                </a:solidFill>
+              </a:rPr>
+              <a:t>En Python, la </a:t>
             </a:r>
             <a:r>
               <a:rPr lang="fr-FR" b="1" i="1" dirty="0">
                 <a:solidFill>
                   <a:schemeClr val="accent1"/>
                 </a:solidFill>
-              </a:rPr>
-              <a:t>CamelCase</a:t>
-            </a:r>
-            <a:r>
-              <a:rPr lang="fr-FR" dirty="0">
-                <a:solidFill>
-                  <a:schemeClr val="tx1"/>
-                </a:solidFill>
-              </a:rPr>
-              <a:t> pour les classes, et </a:t>
-            </a:r>
-            <a:r>
-              <a:rPr lang="fr-FR" b="1" i="1" dirty="0">
-                <a:solidFill>
-                  <a:schemeClr val="accent1"/>
-                </a:solidFill>
-              </a:rPr>
-              <a:t>minuscules_avec_trait_bas</a:t>
-            </a:r>
-            <a:r>
-              <a:rPr lang="fr-FR" dirty="0">
-                <a:solidFill>
-                  <a:schemeClr val="tx1"/>
-                </a:solidFill>
-              </a:rPr>
-              <a:t> pour les </a:t>
-            </a:r>
-            <a:r>
-              <a:rPr lang="fr-FR" dirty="0" smtClean="0">
-                <a:solidFill>
-                  <a:schemeClr val="tx1"/>
-                </a:solidFill>
-              </a:rPr>
-              <a:t>fonctions, méthodes et variables. </a:t>
-            </a:r>
-            <a:r>
-              <a:rPr lang="fr-FR" dirty="0">
-                <a:solidFill>
-                  <a:schemeClr val="tx1"/>
-                </a:solidFill>
-              </a:rPr>
-              <a:t>Utilisez toujours </a:t>
-            </a:r>
-            <a:r>
-              <a:rPr lang="fr-FR" b="1" i="1" dirty="0">
-                <a:solidFill>
-                  <a:schemeClr val="accent1"/>
-                </a:solidFill>
-              </a:rPr>
-              <a:t>self</a:t>
-            </a:r>
-            <a:r>
-              <a:rPr lang="fr-FR" dirty="0">
-                <a:solidFill>
-                  <a:schemeClr val="tx1"/>
-                </a:solidFill>
-              </a:rPr>
-              <a:t> comme nom du premier argument des méthodes (voyez </a:t>
-            </a:r>
-            <a:r>
-              <a:rPr lang="fr-FR" dirty="0" smtClean="0">
-                <a:solidFill>
-                  <a:schemeClr val="tx1"/>
-                </a:solidFill>
-              </a:rPr>
-              <a:t>une </a:t>
-            </a:r>
-            <a:r>
-              <a:rPr lang="fr-FR" dirty="0">
-                <a:solidFill>
-                  <a:schemeClr val="tx1"/>
-                </a:solidFill>
-              </a:rPr>
-              <a:t>première approche des classes pour en savoir plus sur les classes et les méthodes).</a:t>
+                <a:hlinkClick r:id="rId3"/>
+              </a:rPr>
+              <a:t>PEP 8</a:t>
+            </a:r>
+            <a:r>
+              <a:rPr lang="fr-FR" dirty="0">
+                <a:solidFill>
+                  <a:schemeClr val="tx1"/>
+                </a:solidFill>
+                <a:hlinkClick r:id="rId3"/>
+              </a:rPr>
+              <a:t> </a:t>
+            </a:r>
+            <a:r>
+              <a:rPr lang="fr-FR" dirty="0">
+                <a:solidFill>
+                  <a:schemeClr val="tx1"/>
+                </a:solidFill>
+              </a:rPr>
+              <a:t>a émergé comme étant un guide auquel la plupart des projets adhèrent ; elle met en avant un style de codage très lisible et agréable à </a:t>
+            </a:r>
+            <a:r>
+              <a:rPr lang="fr-FR" dirty="0" smtClean="0">
+                <a:solidFill>
+                  <a:schemeClr val="tx1"/>
+                </a:solidFill>
+              </a:rPr>
+              <a:t>l’œil</a:t>
             </a:r>
           </a:p>
           <a:p>
@@ -32331,42 +32338,36 @@
                   <a:schemeClr val="tx1"/>
                 </a:solidFill>
               </a:rPr>
-              <a:t>N’utilisez </a:t>
-            </a:r>
-            <a:r>
-              <a:rPr lang="fr-FR" dirty="0">
-                <a:solidFill>
-                  <a:schemeClr val="tx1"/>
-                </a:solidFill>
-              </a:rPr>
-              <a:t>pas d’encodages exotiques dès lors que votre code est sensé être utilisé dans des environnements internationaux. Par défaut, Python travaille en UTF-8, ou sinon du simple ASCII fonctionne dans la plupart des cas.</a:t>
-            </a:r>
-          </a:p>
-          <a:p>
-            <a:pPr algn="just"/>
-            <a:r>
-              <a:rPr lang="fr-FR" dirty="0" smtClean="0">
-                <a:solidFill>
-                  <a:schemeClr val="tx1"/>
-                </a:solidFill>
-              </a:rPr>
-              <a:t>De </a:t>
-            </a:r>
-            <a:r>
-              <a:rPr lang="fr-FR" dirty="0">
-                <a:solidFill>
-                  <a:schemeClr val="tx1"/>
-                </a:solidFill>
-              </a:rPr>
-              <a:t>la même manière, n’utilisez que des caractères ASCII pour vos noms de variables si vous soupçonnez qu’un personne parlant une autre langue lira ou devra modifier votre code.</a:t>
-            </a:r>
+              <a:t>Chaque </a:t>
+            </a:r>
+            <a:r>
+              <a:rPr lang="fr-FR" dirty="0">
+                <a:solidFill>
+                  <a:schemeClr val="tx1"/>
+                </a:solidFill>
+              </a:rPr>
+              <a:t>développeur Python devrait donc la lire et s’en inspirer autant que </a:t>
+            </a:r>
+            <a:r>
+              <a:rPr lang="fr-FR" dirty="0" smtClean="0">
+                <a:solidFill>
+                  <a:schemeClr val="tx1"/>
+                </a:solidFill>
+              </a:rPr>
+              <a:t>possible</a:t>
+            </a:r>
+            <a:endParaRPr lang="fr-FR" dirty="0">
+              <a:solidFill>
+                <a:schemeClr val="tx1"/>
+              </a:solidFill>
+            </a:endParaRPr>
           </a:p>
         </p:txBody>
       </p:sp>
     </p:spTree>
     <p:extLst>
       <p:ext uri="{BB962C8B-B14F-4D97-AF65-F5344CB8AC3E}">
-        <p14:creationId xmlns:p14="http://schemas.microsoft.com/office/powerpoint/2010/main" val="4243432789"/>
+        <p14:creationId xmlns:p14="http://schemas.microsoft.com/office/powerpoint/2010/main" val="983697788"/>
       </p:ext>
     </p:extLst>
   </p:cSld>
@@ -32461,16 +32462,129 @@
                   <a:schemeClr val="tx1"/>
                 </a:solidFill>
               </a:rPr>
-              <a:t>Le document </a:t>
-            </a:r>
-            <a:r>
-              <a:rPr lang="fr-FR" dirty="0">
-                <a:solidFill>
-                  <a:schemeClr val="tx1"/>
-                </a:solidFill>
-                <a:hlinkClick r:id="rId3"/>
-              </a:rPr>
-              <a:t>PEP 257</a:t>
+              <a:t>Utilisez des indentations de 4 espaces, et pas de tabulation.</a:t>
+            </a:r>
+          </a:p>
+          <a:p>
+            <a:pPr algn="just"/>
+            <a:r>
+              <a:rPr lang="fr-FR" dirty="0" smtClean="0">
+                <a:solidFill>
+                  <a:schemeClr val="tx1"/>
+                </a:solidFill>
+              </a:rPr>
+              <a:t>4 </a:t>
+            </a:r>
+            <a:r>
+              <a:rPr lang="fr-FR" dirty="0">
+                <a:solidFill>
+                  <a:schemeClr val="tx1"/>
+                </a:solidFill>
+              </a:rPr>
+              <a:t>espaces constituent un bon compromis entre une indentation courte (qui permet une profondeur d’imbrication plus importante) et une longue (qui rend le code plus facile à lire). Les tabulations introduisent de la confusion, et doivent être proscrites autant que possible.</a:t>
+            </a:r>
+          </a:p>
+          <a:p>
+            <a:pPr algn="just"/>
+            <a:r>
+              <a:rPr lang="fr-FR" dirty="0" smtClean="0">
+                <a:solidFill>
+                  <a:schemeClr val="tx1"/>
+                </a:solidFill>
+              </a:rPr>
+              <a:t>Faites </a:t>
+            </a:r>
+            <a:r>
+              <a:rPr lang="fr-FR" dirty="0">
+                <a:solidFill>
+                  <a:schemeClr val="tx1"/>
+                </a:solidFill>
+              </a:rPr>
+              <a:t>des retours à la ligne, de telle sorte qu’elles n’excèdent pas 79 caractères.</a:t>
+            </a:r>
+          </a:p>
+          <a:p>
+            <a:pPr algn="just"/>
+            <a:r>
+              <a:rPr lang="fr-FR" dirty="0" smtClean="0">
+                <a:solidFill>
+                  <a:schemeClr val="tx1"/>
+                </a:solidFill>
+              </a:rPr>
+              <a:t>Ceci </a:t>
+            </a:r>
+            <a:r>
+              <a:rPr lang="fr-FR" dirty="0">
+                <a:solidFill>
+                  <a:schemeClr val="tx1"/>
+                </a:solidFill>
+              </a:rPr>
+              <a:t>aide les utilisateurs ne disposant que de petits écrans, et permet sur de plus grands de disposer plusieurs fichiers côte à côte sans difficulté.</a:t>
+            </a:r>
+          </a:p>
+          <a:p>
+            <a:pPr algn="just"/>
+            <a:r>
+              <a:rPr lang="fr-FR" dirty="0" smtClean="0">
+                <a:solidFill>
+                  <a:schemeClr val="tx1"/>
+                </a:solidFill>
+              </a:rPr>
+              <a:t>Utilisez </a:t>
+            </a:r>
+            <a:r>
+              <a:rPr lang="fr-FR" dirty="0">
+                <a:solidFill>
+                  <a:schemeClr val="tx1"/>
+                </a:solidFill>
+              </a:rPr>
+              <a:t>des lignes vides pour séparer les fonctions et les classes, ou pour scinder de gros blocs de code à l’intérieur de fonctions.</a:t>
+            </a:r>
+          </a:p>
+          <a:p>
+            <a:pPr algn="just"/>
+            <a:r>
+              <a:rPr lang="fr-FR" dirty="0" smtClean="0">
+                <a:solidFill>
+                  <a:schemeClr val="tx1"/>
+                </a:solidFill>
+              </a:rPr>
+              <a:t>Lorsque </a:t>
+            </a:r>
+            <a:r>
+              <a:rPr lang="fr-FR" dirty="0">
+                <a:solidFill>
+                  <a:schemeClr val="tx1"/>
+                </a:solidFill>
+              </a:rPr>
+              <a:t>c’est possible, placez les commentaires sur leur propres lignes.</a:t>
+            </a:r>
+          </a:p>
+          <a:p>
+            <a:pPr algn="just"/>
+            <a:r>
+              <a:rPr lang="fr-FR" dirty="0" smtClean="0">
+                <a:solidFill>
+                  <a:schemeClr val="tx1"/>
+                </a:solidFill>
+              </a:rPr>
+              <a:t>Utilisez </a:t>
+            </a:r>
+            <a:r>
+              <a:rPr lang="fr-FR" dirty="0">
+                <a:solidFill>
+                  <a:schemeClr val="tx1"/>
+                </a:solidFill>
+              </a:rPr>
+              <a:t>les chaînes de </a:t>
+            </a:r>
+            <a:r>
+              <a:rPr lang="fr-FR" dirty="0" smtClean="0">
+                <a:solidFill>
+                  <a:schemeClr val="tx1"/>
+                </a:solidFill>
+              </a:rPr>
+              <a:t>documentation</a:t>
             </a:r>
             <a:endParaRPr lang="fr-FR" dirty="0">
               <a:solidFill>
@@ -32478,29 +32592,12 @@
               </a:solidFill>
             </a:endParaRPr>
           </a:p>
-          <a:p>
-            <a:pPr algn="just"/>
-            <a:r>
-              <a:rPr lang="fr-FR" dirty="0">
-                <a:solidFill>
-                  <a:schemeClr val="tx1"/>
-                </a:solidFill>
-                <a:hlinkClick r:id="rId4"/>
-              </a:rPr>
-              <a:t>Google Python Style Guide</a:t>
-            </a:r>
-            <a:endParaRPr lang="fr-FR" dirty="0">
-              <a:solidFill>
-                <a:schemeClr val="tx1"/>
-              </a:solidFill>
-            </a:endParaRPr>
-          </a:p>
         </p:txBody>
       </p:sp>
     </p:spTree>
     <p:extLst>
       <p:ext uri="{BB962C8B-B14F-4D97-AF65-F5344CB8AC3E}">
-        <p14:creationId xmlns:p14="http://schemas.microsoft.com/office/powerpoint/2010/main" val="2035680166"/>
+        <p14:creationId xmlns:p14="http://schemas.microsoft.com/office/powerpoint/2010/main" val="1701520310"/>
       </p:ext>
     </p:extLst>
   </p:cSld>
@@ -32556,6 +32653,388 @@
           <a:p>
             <a:r>
               <a:rPr lang="fr-FR" dirty="0" smtClean="0"/>
+              <a:t>Style de codage</a:t>
+            </a:r>
+            <a:endParaRPr lang="fr-FR" b="1" i="1" dirty="0">
+              <a:solidFill>
+                <a:schemeClr val="accent6"/>
+              </a:solidFill>
+            </a:endParaRPr>
+          </a:p>
+        </p:txBody>
+      </p:sp>
+      <p:sp>
+        <p:nvSpPr>
+          <p:cNvPr id="3" name="Espace réservé du contenu 2"/>
+          <p:cNvSpPr>
+            <a:spLocks noGrp="1"/>
+          </p:cNvSpPr>
+          <p:nvPr>
+            <p:ph idx="1"/>
+          </p:nvPr>
+        </p:nvSpPr>
+        <p:spPr>
+          <a:xfrm>
+            <a:off x="1327869" y="1701579"/>
+            <a:ext cx="10296938" cy="4595853"/>
+          </a:xfrm>
+        </p:spPr>
+        <p:txBody>
+          <a:bodyPr anchor="ctr" anchorCtr="0">
+            <a:noAutofit/>
+          </a:bodyPr>
+          <a:lstStyle/>
+          <a:p>
+            <a:pPr algn="just"/>
+            <a:r>
+              <a:rPr lang="fr-FR" dirty="0" smtClean="0">
+                <a:solidFill>
+                  <a:schemeClr val="tx1"/>
+                </a:solidFill>
+              </a:rPr>
+              <a:t>Utilisez </a:t>
+            </a:r>
+            <a:r>
+              <a:rPr lang="fr-FR" dirty="0">
+                <a:solidFill>
+                  <a:schemeClr val="tx1"/>
+                </a:solidFill>
+              </a:rPr>
+              <a:t>des espaces autour des opérateurs et après les virgules, mais pas directement à l’intérieur des parenthèses : a = f(1, 2) + g(3, 4).</a:t>
+            </a:r>
+          </a:p>
+          <a:p>
+            <a:pPr algn="just"/>
+            <a:r>
+              <a:rPr lang="fr-FR" dirty="0" smtClean="0">
+                <a:solidFill>
+                  <a:schemeClr val="tx1"/>
+                </a:solidFill>
+              </a:rPr>
+              <a:t>Nommez </a:t>
+            </a:r>
+            <a:r>
+              <a:rPr lang="fr-FR" dirty="0">
+                <a:solidFill>
+                  <a:schemeClr val="tx1"/>
+                </a:solidFill>
+              </a:rPr>
+              <a:t>toujours vos classes et fonctions de la même manière ; la convention est d’utiliser une notation </a:t>
+            </a:r>
+            <a:r>
+              <a:rPr lang="fr-FR" b="1" i="1" dirty="0">
+                <a:solidFill>
+                  <a:schemeClr val="accent1"/>
+                </a:solidFill>
+              </a:rPr>
+              <a:t>CamelCase</a:t>
+            </a:r>
+            <a:r>
+              <a:rPr lang="fr-FR" dirty="0">
+                <a:solidFill>
+                  <a:schemeClr val="tx1"/>
+                </a:solidFill>
+              </a:rPr>
+              <a:t> pour les classes, et </a:t>
+            </a:r>
+            <a:r>
+              <a:rPr lang="fr-FR" b="1" i="1" dirty="0">
+                <a:solidFill>
+                  <a:schemeClr val="accent1"/>
+                </a:solidFill>
+              </a:rPr>
+              <a:t>minuscules_avec_trait_bas</a:t>
+            </a:r>
+            <a:r>
+              <a:rPr lang="fr-FR" dirty="0">
+                <a:solidFill>
+                  <a:schemeClr val="tx1"/>
+                </a:solidFill>
+              </a:rPr>
+              <a:t> pour les </a:t>
+            </a:r>
+            <a:r>
+              <a:rPr lang="fr-FR" dirty="0" smtClean="0">
+                <a:solidFill>
+                  <a:schemeClr val="tx1"/>
+                </a:solidFill>
+              </a:rPr>
+              <a:t>fonctions, méthodes et variables. </a:t>
+            </a:r>
+            <a:r>
+              <a:rPr lang="fr-FR" dirty="0">
+                <a:solidFill>
+                  <a:schemeClr val="tx1"/>
+                </a:solidFill>
+              </a:rPr>
+              <a:t>Utilisez toujours </a:t>
+            </a:r>
+            <a:r>
+              <a:rPr lang="fr-FR" b="1" i="1" dirty="0">
+                <a:solidFill>
+                  <a:schemeClr val="accent1"/>
+                </a:solidFill>
+              </a:rPr>
+              <a:t>self</a:t>
+            </a:r>
+            <a:r>
+              <a:rPr lang="fr-FR" dirty="0">
+                <a:solidFill>
+                  <a:schemeClr val="tx1"/>
+                </a:solidFill>
+              </a:rPr>
+              <a:t> comme nom du premier argument des méthodes (voyez </a:t>
+            </a:r>
+            <a:r>
+              <a:rPr lang="fr-FR" dirty="0" smtClean="0">
+                <a:solidFill>
+                  <a:schemeClr val="tx1"/>
+                </a:solidFill>
+              </a:rPr>
+              <a:t>une </a:t>
+            </a:r>
+            <a:r>
+              <a:rPr lang="fr-FR" dirty="0">
+                <a:solidFill>
+                  <a:schemeClr val="tx1"/>
+                </a:solidFill>
+              </a:rPr>
+              <a:t>première approche des classes pour en savoir plus sur les classes et les méthodes).</a:t>
+            </a:r>
+          </a:p>
+          <a:p>
+            <a:pPr algn="just"/>
+            <a:r>
+              <a:rPr lang="fr-FR" dirty="0" smtClean="0">
+                <a:solidFill>
+                  <a:schemeClr val="tx1"/>
+                </a:solidFill>
+              </a:rPr>
+              <a:t>N’utilisez </a:t>
+            </a:r>
+            <a:r>
+              <a:rPr lang="fr-FR" dirty="0">
+                <a:solidFill>
+                  <a:schemeClr val="tx1"/>
+                </a:solidFill>
+              </a:rPr>
+              <a:t>pas d’encodages exotiques dès lors que votre code est sensé être utilisé dans des environnements internationaux. Par défaut, Python travaille en UTF-8, ou sinon du simple ASCII fonctionne dans la plupart des cas.</a:t>
+            </a:r>
+          </a:p>
+          <a:p>
+            <a:pPr algn="just"/>
+            <a:r>
+              <a:rPr lang="fr-FR" dirty="0" smtClean="0">
+                <a:solidFill>
+                  <a:schemeClr val="tx1"/>
+                </a:solidFill>
+              </a:rPr>
+              <a:t>De </a:t>
+            </a:r>
+            <a:r>
+              <a:rPr lang="fr-FR" dirty="0">
+                <a:solidFill>
+                  <a:schemeClr val="tx1"/>
+                </a:solidFill>
+              </a:rPr>
+              <a:t>la même manière, n’utilisez que des caractères ASCII pour vos noms de variables si vous soupçonnez qu’un personne parlant une autre langue lira ou devra modifier votre code.</a:t>
+            </a:r>
+          </a:p>
+        </p:txBody>
+      </p:sp>
+    </p:spTree>
+    <p:extLst>
+      <p:ext uri="{BB962C8B-B14F-4D97-AF65-F5344CB8AC3E}">
+        <p14:creationId xmlns:p14="http://schemas.microsoft.com/office/powerpoint/2010/main" val="4243432789"/>
+      </p:ext>
+    </p:extLst>
+  </p:cSld>
+  <p:clrMapOvr>
+    <a:masterClrMapping/>
+  </p:clrMapOvr>
+  <p:timing>
+    <p:tnLst>
+      <p:par>
+        <p:cTn id="1" dur="indefinite" restart="never" nodeType="tmRoot"/>
+      </p:par>
+    </p:tnLst>
+  </p:timing>
+</p:sld>
+</file>
+
+<file path=ppt/slides/slide77.xml><?xml version="1.0" encoding="utf-8"?>
+<p:sld xmlns:a="http://schemas.openxmlformats.org/drawingml/2006/main" xmlns:r="http://schemas.openxmlformats.org/officeDocument/2006/relationships" xmlns:p="http://schemas.openxmlformats.org/presentationml/2006/main">
+  <p:cSld>
+    <p:spTree>
+      <p:nvGrpSpPr>
+        <p:cNvPr id="1" name=""/>
+        <p:cNvGrpSpPr/>
+        <p:nvPr/>
+      </p:nvGrpSpPr>
+      <p:grpSpPr>
+        <a:xfrm>
+          <a:off x="0" y="0"/>
+          <a:ext cx="0" cy="0"/>
+          <a:chOff x="0" y="0"/>
+          <a:chExt cx="0" cy="0"/>
+        </a:xfrm>
+      </p:grpSpPr>
+      <p:sp>
+        <p:nvSpPr>
+          <p:cNvPr id="2" name="Titre 1"/>
+          <p:cNvSpPr>
+            <a:spLocks noGrp="1"/>
+          </p:cNvSpPr>
+          <p:nvPr>
+            <p:ph type="title"/>
+          </p:nvPr>
+        </p:nvSpPr>
+        <p:spPr>
+          <a:xfrm>
+            <a:off x="2592925" y="624110"/>
+            <a:ext cx="8911687" cy="1280890"/>
+          </a:xfrm>
+        </p:spPr>
+        <p:txBody>
+          <a:bodyPr/>
+          <a:lstStyle/>
+          <a:p>
+            <a:r>
+              <a:rPr lang="fr-FR" dirty="0" smtClean="0"/>
+              <a:t>Style de codage</a:t>
+            </a:r>
+            <a:endParaRPr lang="fr-FR" b="1" i="1" dirty="0">
+              <a:solidFill>
+                <a:schemeClr val="accent6"/>
+              </a:solidFill>
+            </a:endParaRPr>
+          </a:p>
+        </p:txBody>
+      </p:sp>
+      <p:sp>
+        <p:nvSpPr>
+          <p:cNvPr id="3" name="Espace réservé du contenu 2"/>
+          <p:cNvSpPr>
+            <a:spLocks noGrp="1"/>
+          </p:cNvSpPr>
+          <p:nvPr>
+            <p:ph idx="1"/>
+          </p:nvPr>
+        </p:nvSpPr>
+        <p:spPr>
+          <a:xfrm>
+            <a:off x="1327869" y="1701579"/>
+            <a:ext cx="10296938" cy="4595853"/>
+          </a:xfrm>
+        </p:spPr>
+        <p:txBody>
+          <a:bodyPr anchor="ctr" anchorCtr="0">
+            <a:noAutofit/>
+          </a:bodyPr>
+          <a:lstStyle/>
+          <a:p>
+            <a:pPr algn="just"/>
+            <a:r>
+              <a:rPr lang="fr-FR" dirty="0">
+                <a:solidFill>
+                  <a:schemeClr val="tx1"/>
+                </a:solidFill>
+              </a:rPr>
+              <a:t>Le document </a:t>
+            </a:r>
+            <a:r>
+              <a:rPr lang="fr-FR" dirty="0">
+                <a:solidFill>
+                  <a:schemeClr val="tx1"/>
+                </a:solidFill>
+                <a:hlinkClick r:id="rId3"/>
+              </a:rPr>
+              <a:t>PEP 257</a:t>
+            </a:r>
+            <a:endParaRPr lang="fr-FR" dirty="0">
+              <a:solidFill>
+                <a:schemeClr val="tx1"/>
+              </a:solidFill>
+            </a:endParaRPr>
+          </a:p>
+          <a:p>
+            <a:pPr algn="just"/>
+            <a:r>
+              <a:rPr lang="fr-FR" dirty="0">
+                <a:solidFill>
+                  <a:schemeClr val="tx1"/>
+                </a:solidFill>
+                <a:hlinkClick r:id="rId4"/>
+              </a:rPr>
+              <a:t>Google Python Style Guide</a:t>
+            </a:r>
+            <a:endParaRPr lang="fr-FR" dirty="0">
+              <a:solidFill>
+                <a:schemeClr val="tx1"/>
+              </a:solidFill>
+            </a:endParaRPr>
+          </a:p>
+        </p:txBody>
+      </p:sp>
+    </p:spTree>
+    <p:extLst>
+      <p:ext uri="{BB962C8B-B14F-4D97-AF65-F5344CB8AC3E}">
+        <p14:creationId xmlns:p14="http://schemas.microsoft.com/office/powerpoint/2010/main" val="2035680166"/>
+      </p:ext>
+    </p:extLst>
+  </p:cSld>
+  <p:clrMapOvr>
+    <a:masterClrMapping/>
+  </p:clrMapOvr>
+  <p:timing>
+    <p:tnLst>
+      <p:par>
+        <p:cTn id="1" dur="indefinite" restart="never" nodeType="tmRoot"/>
+      </p:par>
+    </p:tnLst>
+  </p:timing>
+</p:sld>
+</file>
+
+<file path=ppt/slides/slide78.xml><?xml version="1.0" encoding="utf-8"?>
+<p:sld xmlns:a="http://schemas.openxmlformats.org/drawingml/2006/main" xmlns:r="http://schemas.openxmlformats.org/officeDocument/2006/relationships" xmlns:p="http://schemas.openxmlformats.org/presentationml/2006/main">
+  <p:cSld>
+    <p:spTree>
+      <p:nvGrpSpPr>
+        <p:cNvPr id="1" name=""/>
+        <p:cNvGrpSpPr/>
+        <p:nvPr/>
+      </p:nvGrpSpPr>
+      <p:grpSpPr>
+        <a:xfrm>
+          <a:off x="0" y="0"/>
+          <a:ext cx="0" cy="0"/>
+          <a:chOff x="0" y="0"/>
+          <a:chExt cx="0" cy="0"/>
+        </a:xfrm>
+      </p:grpSpPr>
+      <p:sp>
+        <p:nvSpPr>
+          <p:cNvPr id="2" name="Titre 1"/>
+          <p:cNvSpPr>
+            <a:spLocks noGrp="1"/>
+          </p:cNvSpPr>
+          <p:nvPr>
+            <p:ph type="title"/>
+          </p:nvPr>
+        </p:nvSpPr>
+        <p:spPr>
+          <a:xfrm>
+            <a:off x="2592925" y="624110"/>
+            <a:ext cx="8911687" cy="1280890"/>
+          </a:xfrm>
+        </p:spPr>
+        <p:txBody>
+          <a:bodyPr/>
+          <a:lstStyle/>
+          <a:p>
+            <a:r>
+              <a:rPr lang="fr-FR" dirty="0" smtClean="0"/>
               <a:t>Références</a:t>
             </a:r>
             <a:endParaRPr lang="fr-FR" dirty="0"/>
@@ -32697,7 +33176,7 @@
 </p:sld>
 </file>
 
-<file path=ppt/slides/slide77.xml><?xml version="1.0" encoding="utf-8"?>
+<file path=ppt/slides/slide79.xml><?xml version="1.0" encoding="utf-8"?>
 <p:sld xmlns:a="http://schemas.openxmlformats.org/drawingml/2006/main" xmlns:r="http://schemas.openxmlformats.org/officeDocument/2006/relationships" xmlns:p="http://schemas.openxmlformats.org/presentationml/2006/main">
   <p:cSld>
     <p:spTree>
